--- a/docs/documentation.pptx
+++ b/docs/documentation.pptx
@@ -5,7 +5,7 @@
     <p:sldMasterId id="2147483660" r:id="rId1"/>
   </p:sldMasterIdLst>
   <p:notesMasterIdLst>
-    <p:notesMasterId r:id="rId44"/>
+    <p:notesMasterId r:id="rId46"/>
   </p:notesMasterIdLst>
   <p:sldIdLst>
     <p:sldId id="256" r:id="rId2"/>
@@ -40,16 +40,18 @@
     <p:sldId id="321" r:id="rId31"/>
     <p:sldId id="322" r:id="rId32"/>
     <p:sldId id="323" r:id="rId33"/>
-    <p:sldId id="295" r:id="rId34"/>
-    <p:sldId id="278" r:id="rId35"/>
-    <p:sldId id="292" r:id="rId36"/>
-    <p:sldId id="281" r:id="rId37"/>
-    <p:sldId id="298" r:id="rId38"/>
-    <p:sldId id="300" r:id="rId39"/>
-    <p:sldId id="299" r:id="rId40"/>
-    <p:sldId id="286" r:id="rId41"/>
-    <p:sldId id="297" r:id="rId42"/>
-    <p:sldId id="296" r:id="rId43"/>
+    <p:sldId id="324" r:id="rId34"/>
+    <p:sldId id="295" r:id="rId35"/>
+    <p:sldId id="278" r:id="rId36"/>
+    <p:sldId id="325" r:id="rId37"/>
+    <p:sldId id="292" r:id="rId38"/>
+    <p:sldId id="281" r:id="rId39"/>
+    <p:sldId id="298" r:id="rId40"/>
+    <p:sldId id="300" r:id="rId41"/>
+    <p:sldId id="299" r:id="rId42"/>
+    <p:sldId id="286" r:id="rId43"/>
+    <p:sldId id="297" r:id="rId44"/>
+    <p:sldId id="296" r:id="rId45"/>
   </p:sldIdLst>
   <p:sldSz cx="9144000" cy="6858000" type="screen4x3"/>
   <p:notesSz cx="6858000" cy="9144000"/>
@@ -12417,49 +12419,461 @@
       </p:grpSpPr>
       <p:sp>
         <p:nvSpPr>
-          <p:cNvPr id="4" name="Title 3"/>
+          <p:cNvPr id="2" name="Title 1">
+            <a:extLst>
+              <a:ext uri="{FF2B5EF4-FFF2-40B4-BE49-F238E27FC236}">
+                <a16:creationId xmlns:a16="http://schemas.microsoft.com/office/drawing/2014/main" id="{9678AB54-2E8F-4F19-9C4F-FAEA5F89A4DF}"/>
+              </a:ext>
+            </a:extLst>
+          </p:cNvPr>
           <p:cNvSpPr>
             <a:spLocks noGrp="1"/>
           </p:cNvSpPr>
           <p:nvPr>
-            <p:ph type="ctrTitle"/>
+            <p:ph type="title"/>
           </p:nvPr>
         </p:nvSpPr>
-        <p:spPr/>
+        <p:spPr>
+          <a:xfrm>
+            <a:off x="628650" y="432444"/>
+            <a:ext cx="7886700" cy="1014889"/>
+          </a:xfrm>
+        </p:spPr>
         <p:txBody>
           <a:bodyPr/>
           <a:lstStyle/>
           <a:p>
             <a:r>
               <a:rPr lang="it-IT" dirty="0"/>
-              <a:t>ORM design</a:t>
-            </a:r>
-          </a:p>
-        </p:txBody>
-      </p:sp>
-      <p:sp>
-        <p:nvSpPr>
-          <p:cNvPr id="5" name="Subtitle 4"/>
+              <a:t>Trigger design </a:t>
+            </a:r>
+            <a:r>
+              <a:rPr lang="it-IT" dirty="0" err="1"/>
+              <a:t>motivations</a:t>
+            </a:r>
+            <a:endParaRPr lang="it-IT" dirty="0"/>
+          </a:p>
+        </p:txBody>
+      </p:sp>
+      <p:sp>
+        <p:nvSpPr>
+          <p:cNvPr id="3" name="Content Placeholder 2">
+            <a:extLst>
+              <a:ext uri="{FF2B5EF4-FFF2-40B4-BE49-F238E27FC236}">
+                <a16:creationId xmlns:a16="http://schemas.microsoft.com/office/drawing/2014/main" id="{5302FB7E-D1C5-4709-A4C4-B222C9CC79A5}"/>
+              </a:ext>
+            </a:extLst>
+          </p:cNvPr>
           <p:cNvSpPr>
             <a:spLocks noGrp="1"/>
           </p:cNvSpPr>
           <p:nvPr>
-            <p:ph type="subTitle" idx="1"/>
+            <p:ph idx="1"/>
           </p:nvPr>
         </p:nvSpPr>
-        <p:spPr/>
-        <p:txBody>
-          <a:bodyPr/>
-          <a:lstStyle/>
-          <a:p>
-            <a:endParaRPr lang="it-IT"/>
+        <p:spPr>
+          <a:xfrm>
+            <a:off x="628650" y="1825625"/>
+            <a:ext cx="7886700" cy="4339563"/>
+          </a:xfrm>
+        </p:spPr>
+        <p:txBody>
+          <a:bodyPr>
+            <a:normAutofit fontScale="92500" lnSpcReduction="10000"/>
+          </a:bodyPr>
+          <a:lstStyle/>
+          <a:p>
+            <a:pPr marL="514350" indent="-514350">
+              <a:buAutoNum type="arabicPeriod"/>
+            </a:pPr>
+            <a:r>
+              <a:rPr lang="it-IT" dirty="0"/>
+              <a:t>FOR EACH ROW trigger strategy </a:t>
+            </a:r>
+            <a:r>
+              <a:rPr lang="it-IT" dirty="0" err="1"/>
+              <a:t>has</a:t>
+            </a:r>
+            <a:r>
+              <a:rPr lang="it-IT" dirty="0"/>
+              <a:t> </a:t>
+            </a:r>
+            <a:r>
+              <a:rPr lang="it-IT" dirty="0" err="1"/>
+              <a:t>been</a:t>
+            </a:r>
+            <a:r>
+              <a:rPr lang="it-IT" dirty="0"/>
+              <a:t> </a:t>
+            </a:r>
+            <a:r>
+              <a:rPr lang="it-IT" dirty="0" err="1"/>
+              <a:t>chosen</a:t>
+            </a:r>
+            <a:r>
+              <a:rPr lang="it-IT" dirty="0"/>
+              <a:t> for </a:t>
+            </a:r>
+            <a:r>
+              <a:rPr lang="it-IT" dirty="0" err="1"/>
+              <a:t>every</a:t>
+            </a:r>
+            <a:r>
+              <a:rPr lang="it-IT" dirty="0"/>
+              <a:t> trigger </a:t>
+            </a:r>
+            <a:r>
+              <a:rPr lang="it-IT" dirty="0" err="1"/>
+              <a:t>created</a:t>
+            </a:r>
+            <a:r>
+              <a:rPr lang="it-IT" dirty="0"/>
+              <a:t> </a:t>
+            </a:r>
+            <a:r>
+              <a:rPr lang="it-IT" dirty="0" err="1"/>
+              <a:t>because</a:t>
+            </a:r>
+            <a:r>
+              <a:rPr lang="it-IT" dirty="0"/>
+              <a:t> the </a:t>
+            </a:r>
+            <a:r>
+              <a:rPr lang="it-IT" dirty="0" err="1"/>
+              <a:t>application</a:t>
+            </a:r>
+            <a:r>
+              <a:rPr lang="it-IT" dirty="0"/>
+              <a:t> </a:t>
+            </a:r>
+            <a:r>
+              <a:rPr lang="it-IT" dirty="0" err="1"/>
+              <a:t>is</a:t>
+            </a:r>
+            <a:r>
+              <a:rPr lang="it-IT" dirty="0"/>
+              <a:t> </a:t>
+            </a:r>
+            <a:r>
+              <a:rPr lang="it-IT" dirty="0" err="1"/>
+              <a:t>designed</a:t>
+            </a:r>
+            <a:r>
+              <a:rPr lang="it-IT" dirty="0"/>
+              <a:t> to update a single </a:t>
+            </a:r>
+            <a:r>
+              <a:rPr lang="it-IT" dirty="0" err="1"/>
+              <a:t>row</a:t>
+            </a:r>
+            <a:r>
+              <a:rPr lang="it-IT" dirty="0"/>
+              <a:t> </a:t>
+            </a:r>
+            <a:r>
+              <a:rPr lang="it-IT" dirty="0" err="1"/>
+              <a:t>at</a:t>
+            </a:r>
+            <a:r>
+              <a:rPr lang="it-IT" dirty="0"/>
+              <a:t> each time (e.g. ONE order </a:t>
+            </a:r>
+            <a:r>
+              <a:rPr lang="it-IT" dirty="0" err="1"/>
+              <a:t>is</a:t>
+            </a:r>
+            <a:r>
+              <a:rPr lang="it-IT" dirty="0"/>
+              <a:t> </a:t>
+            </a:r>
+            <a:r>
+              <a:rPr lang="it-IT" dirty="0" err="1"/>
+              <a:t>accepted</a:t>
+            </a:r>
+            <a:r>
+              <a:rPr lang="it-IT" dirty="0"/>
+              <a:t>, ONE payment </a:t>
+            </a:r>
+            <a:r>
+              <a:rPr lang="it-IT" dirty="0" err="1"/>
+              <a:t>is</a:t>
+            </a:r>
+            <a:r>
+              <a:rPr lang="it-IT" dirty="0"/>
+              <a:t> </a:t>
+            </a:r>
+            <a:r>
+              <a:rPr lang="it-IT" dirty="0" err="1"/>
+              <a:t>rejected</a:t>
+            </a:r>
+            <a:r>
+              <a:rPr lang="it-IT" dirty="0"/>
+              <a:t>)</a:t>
+            </a:r>
+          </a:p>
+          <a:p>
+            <a:pPr marL="514350" indent="-514350">
+              <a:buAutoNum type="arabicPeriod"/>
+            </a:pPr>
+            <a:r>
+              <a:rPr lang="it-IT" dirty="0"/>
+              <a:t>AFTER strategy </a:t>
+            </a:r>
+            <a:r>
+              <a:rPr lang="it-IT" dirty="0" err="1"/>
+              <a:t>has</a:t>
+            </a:r>
+            <a:r>
+              <a:rPr lang="it-IT" dirty="0"/>
+              <a:t> </a:t>
+            </a:r>
+            <a:r>
+              <a:rPr lang="it-IT" dirty="0" err="1"/>
+              <a:t>been</a:t>
+            </a:r>
+            <a:r>
+              <a:rPr lang="it-IT" dirty="0"/>
+              <a:t> </a:t>
+            </a:r>
+            <a:r>
+              <a:rPr lang="it-IT" dirty="0" err="1"/>
+              <a:t>chosen</a:t>
+            </a:r>
+            <a:r>
+              <a:rPr lang="it-IT" dirty="0"/>
+              <a:t> for </a:t>
+            </a:r>
+            <a:r>
+              <a:rPr lang="it-IT" dirty="0" err="1"/>
+              <a:t>almost</a:t>
+            </a:r>
+            <a:r>
+              <a:rPr lang="it-IT" dirty="0"/>
+              <a:t> </a:t>
+            </a:r>
+            <a:r>
+              <a:rPr lang="it-IT" dirty="0" err="1"/>
+              <a:t>every</a:t>
+            </a:r>
+            <a:r>
+              <a:rPr lang="it-IT" dirty="0"/>
+              <a:t> trigger </a:t>
+            </a:r>
+            <a:r>
+              <a:rPr lang="it-IT" dirty="0" err="1"/>
+              <a:t>because</a:t>
+            </a:r>
+            <a:r>
+              <a:rPr lang="it-IT" dirty="0"/>
+              <a:t> </a:t>
+            </a:r>
+            <a:r>
+              <a:rPr lang="it-IT" dirty="0" err="1"/>
+              <a:t>they</a:t>
+            </a:r>
+            <a:r>
+              <a:rPr lang="it-IT" dirty="0"/>
+              <a:t> are </a:t>
+            </a:r>
+            <a:r>
+              <a:rPr lang="it-IT" dirty="0" err="1"/>
+              <a:t>mostly</a:t>
+            </a:r>
+            <a:r>
+              <a:rPr lang="it-IT" dirty="0"/>
+              <a:t> </a:t>
+            </a:r>
+            <a:r>
+              <a:rPr lang="it-IT" dirty="0" err="1"/>
+              <a:t>used</a:t>
+            </a:r>
+            <a:r>
+              <a:rPr lang="it-IT" dirty="0"/>
+              <a:t> to </a:t>
+            </a:r>
+            <a:r>
+              <a:rPr lang="it-IT" dirty="0" err="1"/>
+              <a:t>populate</a:t>
+            </a:r>
+            <a:r>
+              <a:rPr lang="it-IT" dirty="0"/>
+              <a:t> </a:t>
+            </a:r>
+            <a:r>
+              <a:rPr lang="it-IT" dirty="0" err="1"/>
+              <a:t>materialized</a:t>
+            </a:r>
+            <a:r>
+              <a:rPr lang="it-IT" dirty="0"/>
+              <a:t> </a:t>
+            </a:r>
+            <a:r>
+              <a:rPr lang="it-IT" dirty="0" err="1"/>
+              <a:t>view</a:t>
+            </a:r>
+            <a:r>
+              <a:rPr lang="it-IT" dirty="0"/>
+              <a:t> </a:t>
+            </a:r>
+            <a:r>
+              <a:rPr lang="it-IT" dirty="0" err="1"/>
+              <a:t>tables</a:t>
+            </a:r>
+            <a:r>
+              <a:rPr lang="it-IT" dirty="0"/>
+              <a:t> after updates on </a:t>
+            </a:r>
+            <a:r>
+              <a:rPr lang="it-IT" dirty="0" err="1"/>
+              <a:t>main</a:t>
+            </a:r>
+            <a:r>
+              <a:rPr lang="it-IT" dirty="0"/>
+              <a:t> </a:t>
+            </a:r>
+            <a:r>
+              <a:rPr lang="it-IT" dirty="0" err="1"/>
+              <a:t>tables</a:t>
+            </a:r>
+            <a:r>
+              <a:rPr lang="it-IT" dirty="0"/>
+              <a:t>. </a:t>
+            </a:r>
+            <a:br>
+              <a:rPr lang="it-IT" dirty="0"/>
+            </a:br>
+            <a:r>
+              <a:rPr lang="it-IT" dirty="0">
+                <a:solidFill>
+                  <a:srgbClr val="FF0000"/>
+                </a:solidFill>
+              </a:rPr>
+              <a:t>BEFORE strategy….</a:t>
+            </a:r>
+          </a:p>
+          <a:p>
+            <a:pPr marL="514350" indent="-514350">
+              <a:buAutoNum type="arabicPeriod"/>
+            </a:pPr>
+            <a:r>
+              <a:rPr lang="it-IT" dirty="0" err="1"/>
+              <a:t>When</a:t>
+            </a:r>
+            <a:r>
+              <a:rPr lang="it-IT" dirty="0"/>
+              <a:t> an order </a:t>
+            </a:r>
+            <a:r>
+              <a:rPr lang="it-IT" dirty="0" err="1"/>
+              <a:t>is</a:t>
+            </a:r>
+            <a:r>
+              <a:rPr lang="it-IT" dirty="0"/>
+              <a:t> </a:t>
+            </a:r>
+            <a:r>
+              <a:rPr lang="it-IT" dirty="0" err="1"/>
+              <a:t>accepted</a:t>
+            </a:r>
+            <a:r>
+              <a:rPr lang="it-IT" dirty="0"/>
+              <a:t>, a chain </a:t>
+            </a:r>
+            <a:r>
+              <a:rPr lang="it-IT" dirty="0" err="1"/>
+              <a:t>consisting</a:t>
+            </a:r>
+            <a:r>
+              <a:rPr lang="it-IT" dirty="0"/>
+              <a:t> of 5 triggers </a:t>
+            </a:r>
+            <a:r>
+              <a:rPr lang="it-IT" dirty="0" err="1"/>
+              <a:t>is</a:t>
+            </a:r>
+            <a:r>
+              <a:rPr lang="it-IT" dirty="0"/>
+              <a:t> </a:t>
+            </a:r>
+            <a:r>
+              <a:rPr lang="it-IT" dirty="0" err="1"/>
+              <a:t>activated</a:t>
+            </a:r>
+            <a:r>
+              <a:rPr lang="it-IT" dirty="0"/>
+              <a:t>, but the </a:t>
+            </a:r>
+            <a:r>
+              <a:rPr lang="it-IT" dirty="0" err="1"/>
+              <a:t>termination</a:t>
+            </a:r>
+            <a:r>
+              <a:rPr lang="it-IT" dirty="0"/>
+              <a:t> </a:t>
+            </a:r>
+            <a:r>
+              <a:rPr lang="it-IT" dirty="0" err="1"/>
+              <a:t>is</a:t>
+            </a:r>
+            <a:r>
+              <a:rPr lang="it-IT" dirty="0"/>
+              <a:t> </a:t>
+            </a:r>
+            <a:r>
+              <a:rPr lang="it-IT" dirty="0" err="1"/>
+              <a:t>guaranteed</a:t>
+            </a:r>
+            <a:r>
+              <a:rPr lang="it-IT" dirty="0"/>
+              <a:t> since </a:t>
+            </a:r>
+            <a:r>
+              <a:rPr lang="it-IT" dirty="0" err="1"/>
+              <a:t>they</a:t>
+            </a:r>
+            <a:r>
+              <a:rPr lang="it-IT" dirty="0"/>
+              <a:t> </a:t>
+            </a:r>
+            <a:r>
+              <a:rPr lang="it-IT" dirty="0" err="1"/>
+              <a:t>don’t</a:t>
+            </a:r>
+            <a:r>
+              <a:rPr lang="it-IT" dirty="0"/>
+              <a:t> </a:t>
+            </a:r>
+            <a:r>
+              <a:rPr lang="it-IT" dirty="0" err="1"/>
+              <a:t>form</a:t>
+            </a:r>
+            <a:r>
+              <a:rPr lang="it-IT" dirty="0"/>
+              <a:t> a </a:t>
+            </a:r>
+            <a:r>
+              <a:rPr lang="it-IT" dirty="0" err="1"/>
+              <a:t>triggering</a:t>
+            </a:r>
+            <a:r>
+              <a:rPr lang="it-IT" dirty="0"/>
+              <a:t> </a:t>
+            </a:r>
+            <a:r>
+              <a:rPr lang="it-IT" dirty="0" err="1"/>
+              <a:t>cycle</a:t>
+            </a:r>
+            <a:r>
+              <a:rPr lang="it-IT" dirty="0"/>
+              <a:t>.</a:t>
+            </a:r>
           </a:p>
         </p:txBody>
       </p:sp>
     </p:spTree>
     <p:extLst>
       <p:ext uri="{BB962C8B-B14F-4D97-AF65-F5344CB8AC3E}">
-        <p14:creationId xmlns:p14="http://schemas.microsoft.com/office/powerpoint/2010/main" val="1550561967"/>
+        <p14:creationId xmlns:p14="http://schemas.microsoft.com/office/powerpoint/2010/main" val="3171958144"/>
       </p:ext>
     </p:extLst>
   </p:cSld>
@@ -12488,6 +12902,77 @@
       </p:grpSpPr>
       <p:sp>
         <p:nvSpPr>
+          <p:cNvPr id="4" name="Title 3"/>
+          <p:cNvSpPr>
+            <a:spLocks noGrp="1"/>
+          </p:cNvSpPr>
+          <p:nvPr>
+            <p:ph type="ctrTitle"/>
+          </p:nvPr>
+        </p:nvSpPr>
+        <p:spPr/>
+        <p:txBody>
+          <a:bodyPr/>
+          <a:lstStyle/>
+          <a:p>
+            <a:r>
+              <a:rPr lang="it-IT" dirty="0"/>
+              <a:t>ORM design</a:t>
+            </a:r>
+          </a:p>
+        </p:txBody>
+      </p:sp>
+      <p:sp>
+        <p:nvSpPr>
+          <p:cNvPr id="5" name="Subtitle 4"/>
+          <p:cNvSpPr>
+            <a:spLocks noGrp="1"/>
+          </p:cNvSpPr>
+          <p:nvPr>
+            <p:ph type="subTitle" idx="1"/>
+          </p:nvPr>
+        </p:nvSpPr>
+        <p:spPr/>
+        <p:txBody>
+          <a:bodyPr/>
+          <a:lstStyle/>
+          <a:p>
+            <a:endParaRPr lang="it-IT"/>
+          </a:p>
+        </p:txBody>
+      </p:sp>
+    </p:spTree>
+    <p:extLst>
+      <p:ext uri="{BB962C8B-B14F-4D97-AF65-F5344CB8AC3E}">
+        <p14:creationId xmlns:p14="http://schemas.microsoft.com/office/powerpoint/2010/main" val="1550561967"/>
+      </p:ext>
+    </p:extLst>
+  </p:cSld>
+  <p:clrMapOvr>
+    <a:masterClrMapping/>
+  </p:clrMapOvr>
+</p:sld>
+</file>
+
+<file path=ppt/slides/slide35.xml><?xml version="1.0" encoding="utf-8"?>
+<p:sld xmlns:a="http://schemas.openxmlformats.org/drawingml/2006/main" xmlns:r="http://schemas.openxmlformats.org/officeDocument/2006/relationships" xmlns:p="http://schemas.openxmlformats.org/presentationml/2006/main">
+  <p:cSld>
+    <p:spTree>
+      <p:nvGrpSpPr>
+        <p:cNvPr id="1" name=""/>
+        <p:cNvGrpSpPr/>
+        <p:nvPr/>
+      </p:nvGrpSpPr>
+      <p:grpSpPr>
+        <a:xfrm>
+          <a:off x="0" y="0"/>
+          <a:ext cx="0" cy="0"/>
+          <a:chOff x="0" y="0"/>
+          <a:chExt cx="0" cy="0"/>
+        </a:xfrm>
+      </p:grpSpPr>
+      <p:sp>
+        <p:nvSpPr>
           <p:cNvPr id="2" name="Title 1"/>
           <p:cNvSpPr>
             <a:spLocks noGrp="1"/>
@@ -12503,7 +12988,7 @@
           <a:p>
             <a:r>
               <a:rPr lang="en-GB" dirty="0"/>
-              <a:t>Relationship “rel1” </a:t>
+              <a:t>Relationship “orders” </a:t>
             </a:r>
           </a:p>
         </p:txBody>
@@ -12526,13 +13011,13 @@
         </p:spPr>
         <p:txBody>
           <a:bodyPr>
-            <a:normAutofit/>
+            <a:normAutofit fontScale="85000" lnSpcReduction="20000"/>
           </a:bodyPr>
           <a:lstStyle/>
           <a:p>
             <a:r>
               <a:rPr lang="en-GB" dirty="0"/>
-              <a:t>A </a:t>
+              <a:t>Customer </a:t>
             </a:r>
             <a:r>
               <a:rPr lang="en-GB" dirty="0">
@@ -12542,7 +13027,22 @@
             </a:r>
             <a:r>
               <a:rPr lang="en-GB" dirty="0"/>
-              <a:t> B … describe ORM here</a:t>
+              <a:t> Order </a:t>
+            </a:r>
+            <a:br>
+              <a:rPr lang="en-GB" dirty="0"/>
+            </a:br>
+            <a:r>
+              <a:rPr lang="en-GB" b="1" dirty="0">
+                <a:solidFill>
+                  <a:schemeClr val="accent1"/>
+                </a:solidFill>
+              </a:rPr>
+              <a:t>@OneToMany </a:t>
+            </a:r>
+            <a:r>
+              <a:rPr lang="en-GB" dirty="0"/>
+              <a:t>is necessary to retrieve the list of orders associated to a customer</a:t>
             </a:r>
           </a:p>
           <a:p>
@@ -12555,14 +13055,60 @@
           <a:p>
             <a:r>
               <a:rPr lang="en-GB" dirty="0"/>
-              <a:t>B </a:t>
+              <a:t>Order </a:t>
             </a:r>
             <a:r>
               <a:rPr lang="en-GB" dirty="0">
                 <a:sym typeface="Wingdings" panose="05000000000000000000" pitchFamily="2" charset="2"/>
               </a:rPr>
-              <a:t> A … describe ORM here</a:t>
-            </a:r>
+              <a:t> Customer </a:t>
+            </a:r>
+            <a:br>
+              <a:rPr lang="en-GB" dirty="0">
+                <a:sym typeface="Wingdings" panose="05000000000000000000" pitchFamily="2" charset="2"/>
+              </a:rPr>
+            </a:br>
+            <a:r>
+              <a:rPr lang="en-GB" b="1" dirty="0">
+                <a:solidFill>
+                  <a:schemeClr val="accent1"/>
+                </a:solidFill>
+                <a:sym typeface="Wingdings" panose="05000000000000000000" pitchFamily="2" charset="2"/>
+              </a:rPr>
+              <a:t>@ManyToOne </a:t>
+            </a:r>
+            <a:r>
+              <a:rPr lang="en-GB" dirty="0">
+                <a:sym typeface="Wingdings" panose="05000000000000000000" pitchFamily="2" charset="2"/>
+              </a:rPr>
+              <a:t>is necessary to retrieve all the rejected orders for a customer</a:t>
+            </a:r>
+            <a:br>
+              <a:rPr lang="en-GB" dirty="0">
+                <a:sym typeface="Wingdings" panose="05000000000000000000" pitchFamily="2" charset="2"/>
+              </a:rPr>
+            </a:br>
+            <a:r>
+              <a:rPr lang="en-GB" dirty="0">
+                <a:sym typeface="Wingdings" panose="05000000000000000000" pitchFamily="2" charset="2"/>
+              </a:rPr>
+              <a:t>	</a:t>
+            </a:r>
+            <a:r>
+              <a:rPr lang="en-GB" dirty="0">
+                <a:solidFill>
+                  <a:srgbClr val="FF0000"/>
+                </a:solidFill>
+                <a:sym typeface="Wingdings" panose="05000000000000000000" pitchFamily="2" charset="2"/>
+              </a:rPr>
+              <a:t>- Annotations….</a:t>
+            </a:r>
+            <a:endParaRPr lang="en-GB" b="1" dirty="0">
+              <a:solidFill>
+                <a:srgbClr val="FF0000"/>
+              </a:solidFill>
+              <a:sym typeface="Wingdings" panose="05000000000000000000" pitchFamily="2" charset="2"/>
+            </a:endParaRPr>
           </a:p>
         </p:txBody>
       </p:sp>
@@ -12603,7 +13149,7 @@
             <a:pPr algn="ctr"/>
             <a:r>
               <a:rPr lang="en-GB" dirty="0"/>
-              <a:t>B</a:t>
+              <a:t>Order</a:t>
             </a:r>
           </a:p>
         </p:txBody>
@@ -12645,7 +13191,7 @@
             <a:pPr algn="ctr"/>
             <a:r>
               <a:rPr lang="en-GB" dirty="0"/>
-              <a:t>A</a:t>
+              <a:t>Customer</a:t>
             </a:r>
           </a:p>
         </p:txBody>
@@ -12833,8 +13379,8 @@
         </p:nvSpPr>
         <p:spPr>
           <a:xfrm>
-            <a:off x="1619446" y="1355558"/>
-            <a:ext cx="1436804" cy="369332"/>
+            <a:off x="1995322" y="1387783"/>
+            <a:ext cx="786690" cy="369332"/>
           </a:xfrm>
           <a:prstGeom prst="rect">
             <a:avLst/>
@@ -12849,7 +13395,7 @@
           <a:p>
             <a:r>
               <a:rPr lang="en-GB" dirty="0"/>
-              <a:t>responsibility</a:t>
+              <a:t>orders</a:t>
             </a:r>
           </a:p>
         </p:txBody>
@@ -12896,7 +13442,7 @@
             <a:pPr algn="ctr"/>
             <a:r>
               <a:rPr lang="en-GB" dirty="0"/>
-              <a:t>B</a:t>
+              <a:t>Order</a:t>
             </a:r>
           </a:p>
         </p:txBody>
@@ -12943,7 +13489,7 @@
             <a:pPr algn="ctr"/>
             <a:r>
               <a:rPr lang="en-GB" dirty="0"/>
-              <a:t>A</a:t>
+              <a:t>Customer</a:t>
             </a:r>
           </a:p>
         </p:txBody>
@@ -13030,7 +13576,7 @@
             <a:pPr algn="ctr"/>
             <a:r>
               <a:rPr lang="en-GB" dirty="0"/>
-              <a:t>B</a:t>
+              <a:t>Order</a:t>
             </a:r>
           </a:p>
         </p:txBody>
@@ -13077,7 +13623,7 @@
             <a:pPr algn="ctr"/>
             <a:r>
               <a:rPr lang="en-GB" dirty="0"/>
-              <a:t>A</a:t>
+              <a:t>Customer</a:t>
             </a:r>
           </a:p>
         </p:txBody>
@@ -13180,121 +13726,10 @@
           </a:p>
         </p:txBody>
       </p:sp>
-      <p:sp>
-        <p:nvSpPr>
-          <p:cNvPr id="3" name="Rectangle 2">
-            <a:extLst>
-              <a:ext uri="{FF2B5EF4-FFF2-40B4-BE49-F238E27FC236}">
-                <a16:creationId xmlns:a16="http://schemas.microsoft.com/office/drawing/2014/main" id="{C72757C2-9A16-4C70-89A8-69F1E2460174}"/>
-              </a:ext>
-            </a:extLst>
-          </p:cNvPr>
-          <p:cNvSpPr/>
-          <p:nvPr/>
-        </p:nvSpPr>
-        <p:spPr>
-          <a:xfrm>
-            <a:off x="1983565" y="6358024"/>
-            <a:ext cx="6063178" cy="369332"/>
-          </a:xfrm>
-          <a:prstGeom prst="rect">
-            <a:avLst/>
-          </a:prstGeom>
-        </p:spPr>
-        <p:txBody>
-          <a:bodyPr wrap="square">
-            <a:spAutoFit/>
-          </a:bodyPr>
-          <a:lstStyle/>
-          <a:p>
-            <a:r>
-              <a:rPr lang="en-GB" dirty="0">
-                <a:sym typeface="Wingdings" panose="05000000000000000000" pitchFamily="2" charset="2"/>
-              </a:rPr>
-              <a:t>Clone this slide as many times as there are relationships</a:t>
-            </a:r>
-            <a:endParaRPr lang="en-GB" dirty="0"/>
-          </a:p>
-        </p:txBody>
-      </p:sp>
     </p:spTree>
     <p:extLst>
       <p:ext uri="{BB962C8B-B14F-4D97-AF65-F5344CB8AC3E}">
         <p14:creationId xmlns:p14="http://schemas.microsoft.com/office/powerpoint/2010/main" val="2101117720"/>
-      </p:ext>
-    </p:extLst>
-  </p:cSld>
-  <p:clrMapOvr>
-    <a:masterClrMapping/>
-  </p:clrMapOvr>
-</p:sld>
-</file>
-
-<file path=ppt/slides/slide35.xml><?xml version="1.0" encoding="utf-8"?>
-<p:sld xmlns:a="http://schemas.openxmlformats.org/drawingml/2006/main" xmlns:r="http://schemas.openxmlformats.org/officeDocument/2006/relationships" xmlns:p="http://schemas.openxmlformats.org/presentationml/2006/main">
-  <p:cSld>
-    <p:spTree>
-      <p:nvGrpSpPr>
-        <p:cNvPr id="1" name=""/>
-        <p:cNvGrpSpPr/>
-        <p:nvPr/>
-      </p:nvGrpSpPr>
-      <p:grpSpPr>
-        <a:xfrm>
-          <a:off x="0" y="0"/>
-          <a:ext cx="0" cy="0"/>
-          <a:chOff x="0" y="0"/>
-          <a:chExt cx="0" cy="0"/>
-        </a:xfrm>
-      </p:grpSpPr>
-      <p:sp>
-        <p:nvSpPr>
-          <p:cNvPr id="2" name="Title 1"/>
-          <p:cNvSpPr>
-            <a:spLocks noGrp="1"/>
-          </p:cNvSpPr>
-          <p:nvPr>
-            <p:ph type="title"/>
-          </p:nvPr>
-        </p:nvSpPr>
-        <p:spPr/>
-        <p:txBody>
-          <a:bodyPr/>
-          <a:lstStyle/>
-          <a:p>
-            <a:r>
-              <a:rPr lang="it-IT" dirty="0"/>
-              <a:t>ORM design motivations</a:t>
-            </a:r>
-          </a:p>
-        </p:txBody>
-      </p:sp>
-      <p:sp>
-        <p:nvSpPr>
-          <p:cNvPr id="5" name="Content Placeholder 4"/>
-          <p:cNvSpPr>
-            <a:spLocks noGrp="1"/>
-          </p:cNvSpPr>
-          <p:nvPr>
-            <p:ph idx="1"/>
-          </p:nvPr>
-        </p:nvSpPr>
-        <p:spPr/>
-        <p:txBody>
-          <a:bodyPr/>
-          <a:lstStyle/>
-          <a:p>
-            <a:r>
-              <a:rPr lang="it-IT" dirty="0"/>
-              <a:t>If there are aspects of the ORM that you want to illustrate or motivate, write your explanations after each relationship ORM design slide or at the end of the ORM design section</a:t>
-            </a:r>
-          </a:p>
-        </p:txBody>
-      </p:sp>
-    </p:spTree>
-    <p:extLst>
-      <p:ext uri="{BB962C8B-B14F-4D97-AF65-F5344CB8AC3E}">
-        <p14:creationId xmlns:p14="http://schemas.microsoft.com/office/powerpoint/2010/main" val="2955575121"/>
       </p:ext>
     </p:extLst>
   </p:cSld>
@@ -13338,7 +13773,7 @@
           <a:p>
             <a:r>
               <a:rPr lang="en-GB" dirty="0"/>
-              <a:t>Entity Employee</a:t>
+              <a:t>Relationship “alerts” </a:t>
             </a:r>
           </a:p>
         </p:txBody>
@@ -13350,390 +13785,736 @@
             <a:spLocks noGrp="1"/>
           </p:cNvSpPr>
           <p:nvPr>
-            <p:ph idx="1"/>
+            <p:ph sz="half" idx="2"/>
           </p:nvPr>
         </p:nvSpPr>
         <p:spPr>
           <a:xfrm>
-            <a:off x="1" y="1434164"/>
-            <a:ext cx="9144000" cy="5342021"/>
+            <a:off x="4680479" y="1540224"/>
+            <a:ext cx="3886200" cy="4351338"/>
           </a:xfrm>
         </p:spPr>
         <p:txBody>
           <a:bodyPr>
-            <a:normAutofit/>
+            <a:normAutofit fontScale="85000" lnSpcReduction="20000"/>
           </a:bodyPr>
           <a:lstStyle/>
           <a:p>
-            <a:pPr marL="0" indent="0">
-              <a:spcBef>
-                <a:spcPts val="0"/>
-              </a:spcBef>
-              <a:buNone/>
-            </a:pPr>
-            <a:r>
-              <a:rPr lang="en-GB" sz="1500" dirty="0">
-                <a:latin typeface="Courier New" panose="02070309020205020404" pitchFamily="49" charset="0"/>
-                <a:cs typeface="Courier New" panose="02070309020205020404" pitchFamily="49" charset="0"/>
-              </a:rPr>
-              <a:t>@Entity</a:t>
-            </a:r>
-          </a:p>
-          <a:p>
-            <a:pPr marL="0" indent="0">
-              <a:spcBef>
-                <a:spcPts val="0"/>
-              </a:spcBef>
-              <a:buNone/>
-            </a:pPr>
-            <a:r>
-              <a:rPr lang="en-GB" sz="1500" dirty="0">
-                <a:latin typeface="Courier New" panose="02070309020205020404" pitchFamily="49" charset="0"/>
-                <a:cs typeface="Courier New" panose="02070309020205020404" pitchFamily="49" charset="0"/>
-              </a:rPr>
-              <a:t>@</a:t>
-            </a:r>
-            <a:r>
-              <a:rPr lang="en-GB" sz="1500" dirty="0" err="1">
-                <a:latin typeface="Courier New" panose="02070309020205020404" pitchFamily="49" charset="0"/>
-                <a:cs typeface="Courier New" panose="02070309020205020404" pitchFamily="49" charset="0"/>
-              </a:rPr>
-              <a:t>NamedQueries</a:t>
-            </a:r>
-            <a:r>
-              <a:rPr lang="en-GB" sz="1500" dirty="0">
-                <a:latin typeface="Courier New" panose="02070309020205020404" pitchFamily="49" charset="0"/>
-                <a:cs typeface="Courier New" panose="02070309020205020404" pitchFamily="49" charset="0"/>
-              </a:rPr>
-              <a:t>({ </a:t>
+            <a:r>
+              <a:rPr lang="en-GB" dirty="0"/>
+              <a:t>Customer </a:t>
+            </a:r>
+            <a:r>
+              <a:rPr lang="en-GB" dirty="0">
+                <a:sym typeface="Wingdings" panose="05000000000000000000" pitchFamily="2" charset="2"/>
+              </a:rPr>
+              <a:t></a:t>
+            </a:r>
+            <a:r>
+              <a:rPr lang="en-GB" dirty="0"/>
+              <a:t> Alert </a:t>
             </a:r>
             <a:br>
-              <a:rPr lang="en-GB" sz="1500" dirty="0">
-                <a:latin typeface="Courier New" panose="02070309020205020404" pitchFamily="49" charset="0"/>
-                <a:cs typeface="Courier New" panose="02070309020205020404" pitchFamily="49" charset="0"/>
-              </a:rPr>
+              <a:rPr lang="en-GB" dirty="0"/>
             </a:br>
             <a:r>
-              <a:rPr lang="en-GB" sz="1500" dirty="0">
-                <a:latin typeface="Courier New" panose="02070309020205020404" pitchFamily="49" charset="0"/>
-                <a:cs typeface="Courier New" panose="02070309020205020404" pitchFamily="49" charset="0"/>
-              </a:rPr>
-              <a:t>  @</a:t>
-            </a:r>
-            <a:r>
-              <a:rPr lang="en-GB" sz="1500" dirty="0" err="1">
-                <a:latin typeface="Courier New" panose="02070309020205020404" pitchFamily="49" charset="0"/>
-                <a:cs typeface="Courier New" panose="02070309020205020404" pitchFamily="49" charset="0"/>
-              </a:rPr>
-              <a:t>NamedQuery</a:t>
-            </a:r>
-            <a:r>
-              <a:rPr lang="en-GB" sz="1500" dirty="0">
-                <a:latin typeface="Courier New" panose="02070309020205020404" pitchFamily="49" charset="0"/>
-                <a:cs typeface="Courier New" panose="02070309020205020404" pitchFamily="49" charset="0"/>
-              </a:rPr>
-              <a:t>(name = “</a:t>
-            </a:r>
-            <a:r>
-              <a:rPr lang="en-GB" sz="1500" dirty="0" err="1">
-                <a:latin typeface="Courier New" panose="02070309020205020404" pitchFamily="49" charset="0"/>
-                <a:cs typeface="Courier New" panose="02070309020205020404" pitchFamily="49" charset="0"/>
-              </a:rPr>
-              <a:t>A.query</a:t>
-            </a:r>
-            <a:r>
-              <a:rPr lang="en-GB" sz="1500" dirty="0">
-                <a:latin typeface="Courier New" panose="02070309020205020404" pitchFamily="49" charset="0"/>
-                <a:cs typeface="Courier New" panose="02070309020205020404" pitchFamily="49" charset="0"/>
-              </a:rPr>
-              <a:t>", query = </a:t>
+              <a:rPr lang="en-GB" b="1" dirty="0">
+                <a:solidFill>
+                  <a:schemeClr val="accent1"/>
+                </a:solidFill>
+              </a:rPr>
+              <a:t>@OneToMany </a:t>
+            </a:r>
+            <a:r>
+              <a:rPr lang="en-GB" dirty="0"/>
+              <a:t>could be omitted</a:t>
+            </a:r>
+          </a:p>
+          <a:p>
+            <a:pPr lvl="1"/>
+            <a:r>
+              <a:rPr lang="en-GB" dirty="0"/>
+              <a:t>including annotations for the attributes and for the relationships, fetch type of attributes and of relationships, and operation cascading policies for relationships  </a:t>
+            </a:r>
+          </a:p>
+          <a:p>
+            <a:r>
+              <a:rPr lang="en-GB" dirty="0"/>
+              <a:t>Alert </a:t>
+            </a:r>
+            <a:r>
+              <a:rPr lang="en-GB" dirty="0">
+                <a:sym typeface="Wingdings" panose="05000000000000000000" pitchFamily="2" charset="2"/>
+              </a:rPr>
+              <a:t> Customer </a:t>
             </a:r>
             <a:br>
-              <a:rPr lang="en-GB" sz="1500" dirty="0">
-                <a:latin typeface="Courier New" panose="02070309020205020404" pitchFamily="49" charset="0"/>
-                <a:cs typeface="Courier New" panose="02070309020205020404" pitchFamily="49" charset="0"/>
+              <a:rPr lang="en-GB" dirty="0">
+                <a:sym typeface="Wingdings" panose="05000000000000000000" pitchFamily="2" charset="2"/>
               </a:rPr>
             </a:br>
             <a:r>
-              <a:rPr lang="en-GB" sz="1500" dirty="0">
-                <a:latin typeface="Courier New" panose="02070309020205020404" pitchFamily="49" charset="0"/>
-                <a:cs typeface="Courier New" panose="02070309020205020404" pitchFamily="49" charset="0"/>
-              </a:rPr>
-              <a:t>    “ . . . "),</a:t>
-            </a:r>
-          </a:p>
-          <a:p>
-            <a:pPr marL="0" indent="0">
-              <a:spcBef>
-                <a:spcPts val="0"/>
-              </a:spcBef>
-              <a:buNone/>
-            </a:pPr>
-            <a:r>
-              <a:rPr lang="en-GB" sz="1500" dirty="0">
-                <a:latin typeface="Courier New" panose="02070309020205020404" pitchFamily="49" charset="0"/>
-                <a:cs typeface="Courier New" panose="02070309020205020404" pitchFamily="49" charset="0"/>
-              </a:rPr>
-              <a:t>   . . .})</a:t>
-            </a:r>
-          </a:p>
-          <a:p>
-            <a:pPr marL="0" indent="0">
-              <a:spcBef>
-                <a:spcPts val="0"/>
-              </a:spcBef>
-              <a:buNone/>
-            </a:pPr>
-            <a:endParaRPr lang="en-GB" sz="1500" dirty="0">
-              <a:latin typeface="Courier New" panose="02070309020205020404" pitchFamily="49" charset="0"/>
-              <a:cs typeface="Courier New" panose="02070309020205020404" pitchFamily="49" charset="0"/>
+              <a:rPr lang="en-GB" b="1" dirty="0">
+                <a:solidFill>
+                  <a:schemeClr val="accent1"/>
+                </a:solidFill>
+                <a:sym typeface="Wingdings" panose="05000000000000000000" pitchFamily="2" charset="2"/>
+              </a:rPr>
+              <a:t>@ManyToOne </a:t>
+            </a:r>
+            <a:r>
+              <a:rPr lang="en-GB" dirty="0">
+                <a:sym typeface="Wingdings" panose="05000000000000000000" pitchFamily="2" charset="2"/>
+              </a:rPr>
+              <a:t>is necessary to retrieve all the alerts related to a customer using JPQL named queries</a:t>
+            </a:r>
+            <a:br>
+              <a:rPr lang="en-GB" dirty="0">
+                <a:sym typeface="Wingdings" panose="05000000000000000000" pitchFamily="2" charset="2"/>
+              </a:rPr>
+            </a:br>
+            <a:r>
+              <a:rPr lang="en-GB" dirty="0">
+                <a:sym typeface="Wingdings" panose="05000000000000000000" pitchFamily="2" charset="2"/>
+              </a:rPr>
+              <a:t>	</a:t>
+            </a:r>
+            <a:r>
+              <a:rPr lang="en-GB" dirty="0">
+                <a:solidFill>
+                  <a:srgbClr val="FF0000"/>
+                </a:solidFill>
+                <a:sym typeface="Wingdings" panose="05000000000000000000" pitchFamily="2" charset="2"/>
+              </a:rPr>
+              <a:t>- Annotations….</a:t>
+            </a:r>
+            <a:endParaRPr lang="en-GB" b="1" dirty="0">
+              <a:solidFill>
+                <a:srgbClr val="FF0000"/>
+              </a:solidFill>
+              <a:sym typeface="Wingdings" panose="05000000000000000000" pitchFamily="2" charset="2"/>
             </a:endParaRPr>
           </a:p>
-          <a:p>
-            <a:pPr marL="0" indent="0">
-              <a:spcBef>
-                <a:spcPts val="0"/>
-              </a:spcBef>
-              <a:buNone/>
-            </a:pPr>
-            <a:r>
-              <a:rPr lang="en-GB" sz="1500" dirty="0">
-                <a:latin typeface="Courier New" panose="02070309020205020404" pitchFamily="49" charset="0"/>
-                <a:cs typeface="Courier New" panose="02070309020205020404" pitchFamily="49" charset="0"/>
-              </a:rPr>
-              <a:t>public class A implements Serializable {</a:t>
-            </a:r>
-          </a:p>
-          <a:p>
-            <a:pPr marL="0" indent="0">
-              <a:spcBef>
-                <a:spcPts val="0"/>
-              </a:spcBef>
-              <a:buNone/>
-            </a:pPr>
-            <a:r>
-              <a:rPr lang="en-GB" sz="1500" dirty="0">
-                <a:latin typeface="Courier New" panose="02070309020205020404" pitchFamily="49" charset="0"/>
-                <a:cs typeface="Courier New" panose="02070309020205020404" pitchFamily="49" charset="0"/>
-              </a:rPr>
-              <a:t>..</a:t>
-            </a:r>
-          </a:p>
-          <a:p>
-            <a:pPr marL="0" indent="0">
-              <a:spcBef>
-                <a:spcPts val="0"/>
-              </a:spcBef>
-              <a:buNone/>
-            </a:pPr>
-            <a:endParaRPr lang="en-GB" sz="1500" dirty="0">
-              <a:latin typeface="Courier New" panose="02070309020205020404" pitchFamily="49" charset="0"/>
-              <a:cs typeface="Courier New" panose="02070309020205020404" pitchFamily="49" charset="0"/>
-            </a:endParaRPr>
-          </a:p>
-          <a:p>
-            <a:pPr marL="0" indent="0">
-              <a:spcBef>
-                <a:spcPts val="0"/>
-              </a:spcBef>
-              <a:buNone/>
-            </a:pPr>
-            <a:r>
-              <a:rPr lang="en-GB" sz="1500" dirty="0">
-                <a:latin typeface="Courier New" panose="02070309020205020404" pitchFamily="49" charset="0"/>
-                <a:cs typeface="Courier New" panose="02070309020205020404" pitchFamily="49" charset="0"/>
-              </a:rPr>
-              <a:t>// attributes &amp; their annotations</a:t>
-            </a:r>
-          </a:p>
-          <a:p>
-            <a:pPr marL="0" indent="0">
-              <a:spcBef>
-                <a:spcPts val="0"/>
-              </a:spcBef>
-              <a:buNone/>
-            </a:pPr>
-            <a:endParaRPr lang="en-GB" sz="1500" dirty="0">
-              <a:latin typeface="Courier New" panose="02070309020205020404" pitchFamily="49" charset="0"/>
-              <a:cs typeface="Courier New" panose="02070309020205020404" pitchFamily="49" charset="0"/>
-            </a:endParaRPr>
-          </a:p>
-          <a:p>
-            <a:pPr marL="0" indent="0">
-              <a:spcBef>
-                <a:spcPts val="0"/>
-              </a:spcBef>
-              <a:buNone/>
-            </a:pPr>
-            <a:endParaRPr lang="en-GB" sz="1500" dirty="0">
-              <a:latin typeface="Courier New" panose="02070309020205020404" pitchFamily="49" charset="0"/>
-              <a:cs typeface="Courier New" panose="02070309020205020404" pitchFamily="49" charset="0"/>
-            </a:endParaRPr>
-          </a:p>
-          <a:p>
-            <a:pPr marL="0" indent="0">
-              <a:spcBef>
-                <a:spcPts val="0"/>
-              </a:spcBef>
-              <a:buNone/>
-            </a:pPr>
-            <a:r>
-              <a:rPr lang="en-GB" sz="1500" dirty="0">
-                <a:latin typeface="Courier New" panose="02070309020205020404" pitchFamily="49" charset="0"/>
-                <a:cs typeface="Courier New" panose="02070309020205020404" pitchFamily="49" charset="0"/>
-              </a:rPr>
-              <a:t>// relationships &amp; their annotations</a:t>
-            </a:r>
-          </a:p>
-          <a:p>
-            <a:pPr marL="0" indent="0">
-              <a:spcBef>
-                <a:spcPts val="0"/>
-              </a:spcBef>
-              <a:buNone/>
-            </a:pPr>
-            <a:endParaRPr lang="en-GB" sz="1500" dirty="0">
-              <a:latin typeface="Courier New" panose="02070309020205020404" pitchFamily="49" charset="0"/>
-              <a:cs typeface="Courier New" panose="02070309020205020404" pitchFamily="49" charset="0"/>
-            </a:endParaRPr>
-          </a:p>
-          <a:p>
-            <a:pPr marL="0" indent="0">
-              <a:spcBef>
-                <a:spcPts val="0"/>
-              </a:spcBef>
-              <a:buNone/>
-            </a:pPr>
-            <a:endParaRPr lang="en-GB" sz="1500" dirty="0">
-              <a:latin typeface="Courier New" panose="02070309020205020404" pitchFamily="49" charset="0"/>
-              <a:cs typeface="Courier New" panose="02070309020205020404" pitchFamily="49" charset="0"/>
-            </a:endParaRPr>
-          </a:p>
-          <a:p>
-            <a:pPr marL="0" indent="0">
-              <a:spcBef>
-                <a:spcPts val="0"/>
-              </a:spcBef>
-              <a:buNone/>
-            </a:pPr>
-            <a:r>
-              <a:rPr lang="en-GB" sz="1500" dirty="0">
-                <a:latin typeface="Courier New" panose="02070309020205020404" pitchFamily="49" charset="0"/>
-                <a:cs typeface="Courier New" panose="02070309020205020404" pitchFamily="49" charset="0"/>
-              </a:rPr>
-              <a:t>/* </a:t>
-            </a:r>
-          </a:p>
-          <a:p>
-            <a:pPr marL="0" indent="0">
-              <a:spcBef>
-                <a:spcPts val="0"/>
-              </a:spcBef>
-              <a:buNone/>
-            </a:pPr>
-            <a:r>
-              <a:rPr lang="en-GB" sz="1500" dirty="0">
-                <a:latin typeface="Courier New" panose="02070309020205020404" pitchFamily="49" charset="0"/>
-                <a:cs typeface="Courier New" panose="02070309020205020404" pitchFamily="49" charset="0"/>
-              </a:rPr>
-              <a:t>  clone this slide as may times as there are   </a:t>
-            </a:r>
-            <a:br>
-              <a:rPr lang="en-GB" sz="1500" dirty="0">
-                <a:latin typeface="Courier New" panose="02070309020205020404" pitchFamily="49" charset="0"/>
-                <a:cs typeface="Courier New" panose="02070309020205020404" pitchFamily="49" charset="0"/>
-              </a:rPr>
-            </a:br>
-            <a:r>
-              <a:rPr lang="en-GB" sz="1500" dirty="0">
-                <a:latin typeface="Courier New" panose="02070309020205020404" pitchFamily="49" charset="0"/>
-                <a:cs typeface="Courier New" panose="02070309020205020404" pitchFamily="49" charset="0"/>
-              </a:rPr>
-              <a:t>  entities </a:t>
-            </a:r>
-          </a:p>
-          <a:p>
-            <a:pPr marL="0" indent="0">
-              <a:spcBef>
-                <a:spcPts val="0"/>
-              </a:spcBef>
-              <a:buNone/>
-            </a:pPr>
-            <a:r>
-              <a:rPr lang="en-GB" sz="1500" dirty="0">
-                <a:latin typeface="Courier New" panose="02070309020205020404" pitchFamily="49" charset="0"/>
-                <a:cs typeface="Courier New" panose="02070309020205020404" pitchFamily="49" charset="0"/>
-              </a:rPr>
-              <a:t>*/</a:t>
-            </a:r>
-          </a:p>
-          <a:p>
-            <a:pPr marL="0" indent="0">
-              <a:spcBef>
-                <a:spcPts val="0"/>
-              </a:spcBef>
-              <a:buNone/>
-            </a:pPr>
-            <a:endParaRPr lang="en-GB" sz="1500" dirty="0">
-              <a:latin typeface="Courier New" panose="02070309020205020404" pitchFamily="49" charset="0"/>
-              <a:cs typeface="Courier New" panose="02070309020205020404" pitchFamily="49" charset="0"/>
-            </a:endParaRPr>
-          </a:p>
-          <a:p>
-            <a:pPr marL="0" indent="0">
-              <a:spcBef>
-                <a:spcPts val="0"/>
-              </a:spcBef>
-              <a:buNone/>
-            </a:pPr>
-            <a:endParaRPr lang="en-GB" sz="1500" dirty="0">
-              <a:latin typeface="Courier New" panose="02070309020205020404" pitchFamily="49" charset="0"/>
-              <a:cs typeface="Courier New" panose="02070309020205020404" pitchFamily="49" charset="0"/>
-            </a:endParaRPr>
-          </a:p>
-        </p:txBody>
-      </p:sp>
-      <p:sp>
-        <p:nvSpPr>
-          <p:cNvPr id="3" name="Rectangle 2">
-            <a:extLst>
-              <a:ext uri="{FF2B5EF4-FFF2-40B4-BE49-F238E27FC236}">
-                <a16:creationId xmlns:a16="http://schemas.microsoft.com/office/drawing/2014/main" id="{AC19F719-6A3E-4BE4-BB76-3CDA270B343C}"/>
-              </a:ext>
-            </a:extLst>
-          </p:cNvPr>
+        </p:txBody>
+      </p:sp>
+      <p:sp>
+        <p:nvSpPr>
+          <p:cNvPr id="6" name="Rectangle 5"/>
           <p:cNvSpPr/>
           <p:nvPr/>
         </p:nvSpPr>
         <p:spPr>
           <a:xfrm>
-            <a:off x="3043645" y="6308208"/>
-            <a:ext cx="4572000" cy="369332"/>
+            <a:off x="2968593" y="1744230"/>
+            <a:ext cx="1568918" cy="471638"/>
           </a:xfrm>
           <a:prstGeom prst="rect">
             <a:avLst/>
           </a:prstGeom>
+          <a:ln w="38100"/>
         </p:spPr>
-        <p:txBody>
-          <a:bodyPr>
+        <p:style>
+          <a:lnRef idx="2">
+            <a:schemeClr val="accent1"/>
+          </a:lnRef>
+          <a:fillRef idx="1">
+            <a:schemeClr val="lt1"/>
+          </a:fillRef>
+          <a:effectRef idx="0">
+            <a:schemeClr val="accent1"/>
+          </a:effectRef>
+          <a:fontRef idx="minor">
+            <a:schemeClr val="dk1"/>
+          </a:fontRef>
+        </p:style>
+        <p:txBody>
+          <a:bodyPr rtlCol="0" anchor="ctr"/>
+          <a:lstStyle/>
+          <a:p>
+            <a:pPr algn="ctr"/>
+            <a:r>
+              <a:rPr lang="en-GB" dirty="0"/>
+              <a:t>Alert</a:t>
+            </a:r>
+          </a:p>
+        </p:txBody>
+      </p:sp>
+      <p:sp>
+        <p:nvSpPr>
+          <p:cNvPr id="7" name="Rectangle 6"/>
+          <p:cNvSpPr/>
+          <p:nvPr/>
+        </p:nvSpPr>
+        <p:spPr>
+          <a:xfrm>
+            <a:off x="204531" y="1744230"/>
+            <a:ext cx="1568918" cy="471638"/>
+          </a:xfrm>
+          <a:prstGeom prst="rect">
+            <a:avLst/>
+          </a:prstGeom>
+          <a:ln w="38100"/>
+        </p:spPr>
+        <p:style>
+          <a:lnRef idx="2">
+            <a:schemeClr val="accent1"/>
+          </a:lnRef>
+          <a:fillRef idx="1">
+            <a:schemeClr val="lt1"/>
+          </a:fillRef>
+          <a:effectRef idx="0">
+            <a:schemeClr val="accent1"/>
+          </a:effectRef>
+          <a:fontRef idx="minor">
+            <a:schemeClr val="dk1"/>
+          </a:fontRef>
+        </p:style>
+        <p:txBody>
+          <a:bodyPr rtlCol="0" anchor="ctr"/>
+          <a:lstStyle/>
+          <a:p>
+            <a:pPr algn="ctr"/>
+            <a:r>
+              <a:rPr lang="en-GB" dirty="0"/>
+              <a:t>Customer</a:t>
+            </a:r>
+          </a:p>
+        </p:txBody>
+      </p:sp>
+      <p:sp>
+        <p:nvSpPr>
+          <p:cNvPr id="8" name="Diamond 7"/>
+          <p:cNvSpPr/>
+          <p:nvPr/>
+        </p:nvSpPr>
+        <p:spPr>
+          <a:xfrm rot="5400000">
+            <a:off x="2204983" y="1771428"/>
+            <a:ext cx="394638" cy="417244"/>
+          </a:xfrm>
+          <a:prstGeom prst="diamond">
+            <a:avLst/>
+          </a:prstGeom>
+          <a:ln w="38100"/>
+        </p:spPr>
+        <p:style>
+          <a:lnRef idx="2">
+            <a:schemeClr val="accent1"/>
+          </a:lnRef>
+          <a:fillRef idx="1">
+            <a:schemeClr val="lt1"/>
+          </a:fillRef>
+          <a:effectRef idx="0">
+            <a:schemeClr val="accent1"/>
+          </a:effectRef>
+          <a:fontRef idx="minor">
+            <a:schemeClr val="dk1"/>
+          </a:fontRef>
+        </p:style>
+        <p:txBody>
+          <a:bodyPr rtlCol="0" anchor="ctr"/>
+          <a:lstStyle/>
+          <a:p>
+            <a:pPr algn="ctr"/>
+            <a:endParaRPr lang="en-GB">
+              <a:solidFill>
+                <a:schemeClr val="dk1"/>
+              </a:solidFill>
+            </a:endParaRPr>
+          </a:p>
+        </p:txBody>
+      </p:sp>
+      <p:cxnSp>
+        <p:nvCxnSpPr>
+          <p:cNvPr id="9" name="Straight Connector 8"/>
+          <p:cNvCxnSpPr>
+            <a:stCxn id="6" idx="1"/>
+          </p:cNvCxnSpPr>
+          <p:nvPr/>
+        </p:nvCxnSpPr>
+        <p:spPr>
+          <a:xfrm flipH="1">
+            <a:off x="2639800" y="1980049"/>
+            <a:ext cx="328793" cy="1"/>
+          </a:xfrm>
+          <a:prstGeom prst="line">
+            <a:avLst/>
+          </a:prstGeom>
+          <a:ln w="28575">
+            <a:solidFill>
+              <a:schemeClr val="accent1"/>
+            </a:solidFill>
+          </a:ln>
+        </p:spPr>
+        <p:style>
+          <a:lnRef idx="1">
+            <a:schemeClr val="accent1"/>
+          </a:lnRef>
+          <a:fillRef idx="0">
+            <a:schemeClr val="accent1"/>
+          </a:fillRef>
+          <a:effectRef idx="0">
+            <a:schemeClr val="accent1"/>
+          </a:effectRef>
+          <a:fontRef idx="minor">
+            <a:schemeClr val="tx1"/>
+          </a:fontRef>
+        </p:style>
+      </p:cxnSp>
+      <p:cxnSp>
+        <p:nvCxnSpPr>
+          <p:cNvPr id="10" name="Straight Connector 9"/>
+          <p:cNvCxnSpPr>
+            <a:stCxn id="8" idx="2"/>
+          </p:cNvCxnSpPr>
+          <p:nvPr/>
+        </p:nvCxnSpPr>
+        <p:spPr>
+          <a:xfrm flipH="1">
+            <a:off x="1773450" y="1980050"/>
+            <a:ext cx="420230" cy="0"/>
+          </a:xfrm>
+          <a:prstGeom prst="line">
+            <a:avLst/>
+          </a:prstGeom>
+          <a:ln w="28575">
+            <a:solidFill>
+              <a:schemeClr val="accent1"/>
+            </a:solidFill>
+          </a:ln>
+        </p:spPr>
+        <p:style>
+          <a:lnRef idx="1">
+            <a:schemeClr val="accent1"/>
+          </a:lnRef>
+          <a:fillRef idx="0">
+            <a:schemeClr val="accent1"/>
+          </a:fillRef>
+          <a:effectRef idx="0">
+            <a:schemeClr val="accent1"/>
+          </a:effectRef>
+          <a:fontRef idx="minor">
+            <a:schemeClr val="tx1"/>
+          </a:fontRef>
+        </p:style>
+      </p:cxnSp>
+      <p:sp>
+        <p:nvSpPr>
+          <p:cNvPr id="11" name="TextBox 10"/>
+          <p:cNvSpPr txBox="1"/>
+          <p:nvPr/>
+        </p:nvSpPr>
+        <p:spPr>
+          <a:xfrm>
+            <a:off x="2548363" y="2105721"/>
+            <a:ext cx="481222" cy="369332"/>
+          </a:xfrm>
+          <a:prstGeom prst="rect">
+            <a:avLst/>
+          </a:prstGeom>
+          <a:noFill/>
+        </p:spPr>
+        <p:txBody>
+          <a:bodyPr wrap="none" rtlCol="0">
             <a:spAutoFit/>
           </a:bodyPr>
           <a:lstStyle/>
           <a:p>
             <a:r>
-              <a:rPr lang="en-GB" dirty="0">
-                <a:sym typeface="Wingdings" panose="05000000000000000000" pitchFamily="2" charset="2"/>
-              </a:rPr>
-              <a:t>Clone this slide for each entity</a:t>
-            </a:r>
-            <a:endParaRPr lang="en-GB" dirty="0"/>
+              <a:rPr lang="en-GB" dirty="0"/>
+              <a:t>1:1</a:t>
+            </a:r>
+          </a:p>
+        </p:txBody>
+      </p:sp>
+      <p:sp>
+        <p:nvSpPr>
+          <p:cNvPr id="12" name="TextBox 11"/>
+          <p:cNvSpPr txBox="1"/>
+          <p:nvPr/>
+        </p:nvSpPr>
+        <p:spPr>
+          <a:xfrm>
+            <a:off x="1824778" y="2110612"/>
+            <a:ext cx="513282" cy="369332"/>
+          </a:xfrm>
+          <a:prstGeom prst="rect">
+            <a:avLst/>
+          </a:prstGeom>
+          <a:noFill/>
+        </p:spPr>
+        <p:txBody>
+          <a:bodyPr wrap="none" rtlCol="0">
+            <a:spAutoFit/>
+          </a:bodyPr>
+          <a:lstStyle/>
+          <a:p>
+            <a:r>
+              <a:rPr lang="en-GB" dirty="0"/>
+              <a:t>0:N</a:t>
+            </a:r>
+          </a:p>
+        </p:txBody>
+      </p:sp>
+      <p:sp>
+        <p:nvSpPr>
+          <p:cNvPr id="13" name="TextBox 12"/>
+          <p:cNvSpPr txBox="1"/>
+          <p:nvPr/>
+        </p:nvSpPr>
+        <p:spPr>
+          <a:xfrm>
+            <a:off x="2048027" y="1406530"/>
+            <a:ext cx="710451" cy="369332"/>
+          </a:xfrm>
+          <a:prstGeom prst="rect">
+            <a:avLst/>
+          </a:prstGeom>
+          <a:noFill/>
+        </p:spPr>
+        <p:txBody>
+          <a:bodyPr wrap="none" rtlCol="0">
+            <a:spAutoFit/>
+          </a:bodyPr>
+          <a:lstStyle/>
+          <a:p>
+            <a:r>
+              <a:rPr lang="en-GB" dirty="0"/>
+              <a:t>alerts</a:t>
+            </a:r>
+          </a:p>
+        </p:txBody>
+      </p:sp>
+      <p:sp>
+        <p:nvSpPr>
+          <p:cNvPr id="14" name="Rectangle 13"/>
+          <p:cNvSpPr/>
+          <p:nvPr/>
+        </p:nvSpPr>
+        <p:spPr>
+          <a:xfrm>
+            <a:off x="2986239" y="3167167"/>
+            <a:ext cx="1568918" cy="471638"/>
+          </a:xfrm>
+          <a:prstGeom prst="rect">
+            <a:avLst/>
+          </a:prstGeom>
+          <a:noFill/>
+          <a:ln w="38100">
+            <a:solidFill>
+              <a:srgbClr val="00B050"/>
+            </a:solidFill>
+          </a:ln>
+        </p:spPr>
+        <p:style>
+          <a:lnRef idx="2">
+            <a:schemeClr val="accent1"/>
+          </a:lnRef>
+          <a:fillRef idx="1">
+            <a:schemeClr val="lt1"/>
+          </a:fillRef>
+          <a:effectRef idx="0">
+            <a:schemeClr val="accent1"/>
+          </a:effectRef>
+          <a:fontRef idx="minor">
+            <a:schemeClr val="dk1"/>
+          </a:fontRef>
+        </p:style>
+        <p:txBody>
+          <a:bodyPr rtlCol="0" anchor="ctr"/>
+          <a:lstStyle/>
+          <a:p>
+            <a:pPr algn="ctr"/>
+            <a:r>
+              <a:rPr lang="en-GB" dirty="0"/>
+              <a:t>Alert</a:t>
+            </a:r>
+          </a:p>
+        </p:txBody>
+      </p:sp>
+      <p:sp>
+        <p:nvSpPr>
+          <p:cNvPr id="15" name="Rectangle 14"/>
+          <p:cNvSpPr/>
+          <p:nvPr/>
+        </p:nvSpPr>
+        <p:spPr>
+          <a:xfrm>
+            <a:off x="222177" y="3167167"/>
+            <a:ext cx="1568918" cy="471638"/>
+          </a:xfrm>
+          <a:prstGeom prst="rect">
+            <a:avLst/>
+          </a:prstGeom>
+          <a:noFill/>
+          <a:ln w="38100">
+            <a:solidFill>
+              <a:srgbClr val="00B050"/>
+            </a:solidFill>
+          </a:ln>
+        </p:spPr>
+        <p:style>
+          <a:lnRef idx="2">
+            <a:schemeClr val="accent1"/>
+          </a:lnRef>
+          <a:fillRef idx="1">
+            <a:schemeClr val="lt1"/>
+          </a:fillRef>
+          <a:effectRef idx="0">
+            <a:schemeClr val="accent1"/>
+          </a:effectRef>
+          <a:fontRef idx="minor">
+            <a:schemeClr val="dk1"/>
+          </a:fontRef>
+        </p:style>
+        <p:txBody>
+          <a:bodyPr rtlCol="0" anchor="ctr"/>
+          <a:lstStyle/>
+          <a:p>
+            <a:pPr algn="ctr"/>
+            <a:r>
+              <a:rPr lang="en-GB" dirty="0"/>
+              <a:t>Customer</a:t>
+            </a:r>
+          </a:p>
+        </p:txBody>
+      </p:sp>
+      <p:cxnSp>
+        <p:nvCxnSpPr>
+          <p:cNvPr id="16" name="Straight Connector 15"/>
+          <p:cNvCxnSpPr>
+            <a:stCxn id="14" idx="1"/>
+            <a:endCxn id="15" idx="3"/>
+          </p:cNvCxnSpPr>
+          <p:nvPr/>
+        </p:nvCxnSpPr>
+        <p:spPr>
+          <a:xfrm flipH="1">
+            <a:off x="1791095" y="3402986"/>
+            <a:ext cx="1195144" cy="0"/>
+          </a:xfrm>
+          <a:prstGeom prst="line">
+            <a:avLst/>
+          </a:prstGeom>
+          <a:ln w="38100">
+            <a:solidFill>
+              <a:srgbClr val="00B050"/>
+            </a:solidFill>
+            <a:headEnd type="triangle" w="med" len="med"/>
+            <a:tailEnd type="none" w="med" len="med"/>
+          </a:ln>
+        </p:spPr>
+        <p:style>
+          <a:lnRef idx="1">
+            <a:schemeClr val="accent1"/>
+          </a:lnRef>
+          <a:fillRef idx="0">
+            <a:schemeClr val="accent1"/>
+          </a:fillRef>
+          <a:effectRef idx="0">
+            <a:schemeClr val="accent1"/>
+          </a:effectRef>
+          <a:fontRef idx="minor">
+            <a:schemeClr val="tx1"/>
+          </a:fontRef>
+        </p:style>
+      </p:cxnSp>
+      <p:sp>
+        <p:nvSpPr>
+          <p:cNvPr id="17" name="Rectangle 16"/>
+          <p:cNvSpPr/>
+          <p:nvPr/>
+        </p:nvSpPr>
+        <p:spPr>
+          <a:xfrm>
+            <a:off x="2994260" y="4474599"/>
+            <a:ext cx="1568918" cy="471638"/>
+          </a:xfrm>
+          <a:prstGeom prst="rect">
+            <a:avLst/>
+          </a:prstGeom>
+          <a:noFill/>
+          <a:ln w="38100">
+            <a:solidFill>
+              <a:srgbClr val="00B050"/>
+            </a:solidFill>
+          </a:ln>
+        </p:spPr>
+        <p:style>
+          <a:lnRef idx="2">
+            <a:schemeClr val="accent1"/>
+          </a:lnRef>
+          <a:fillRef idx="1">
+            <a:schemeClr val="lt1"/>
+          </a:fillRef>
+          <a:effectRef idx="0">
+            <a:schemeClr val="accent1"/>
+          </a:effectRef>
+          <a:fontRef idx="minor">
+            <a:schemeClr val="dk1"/>
+          </a:fontRef>
+        </p:style>
+        <p:txBody>
+          <a:bodyPr rtlCol="0" anchor="ctr"/>
+          <a:lstStyle/>
+          <a:p>
+            <a:pPr algn="ctr"/>
+            <a:r>
+              <a:rPr lang="en-GB" dirty="0"/>
+              <a:t>Alert</a:t>
+            </a:r>
+          </a:p>
+        </p:txBody>
+      </p:sp>
+      <p:sp>
+        <p:nvSpPr>
+          <p:cNvPr id="18" name="Rectangle 17"/>
+          <p:cNvSpPr/>
+          <p:nvPr/>
+        </p:nvSpPr>
+        <p:spPr>
+          <a:xfrm>
+            <a:off x="230198" y="4474599"/>
+            <a:ext cx="1568918" cy="471638"/>
+          </a:xfrm>
+          <a:prstGeom prst="rect">
+            <a:avLst/>
+          </a:prstGeom>
+          <a:noFill/>
+          <a:ln w="38100">
+            <a:solidFill>
+              <a:srgbClr val="00B050"/>
+            </a:solidFill>
+          </a:ln>
+        </p:spPr>
+        <p:style>
+          <a:lnRef idx="2">
+            <a:schemeClr val="accent1"/>
+          </a:lnRef>
+          <a:fillRef idx="1">
+            <a:schemeClr val="lt1"/>
+          </a:fillRef>
+          <a:effectRef idx="0">
+            <a:schemeClr val="accent1"/>
+          </a:effectRef>
+          <a:fontRef idx="minor">
+            <a:schemeClr val="dk1"/>
+          </a:fontRef>
+        </p:style>
+        <p:txBody>
+          <a:bodyPr rtlCol="0" anchor="ctr"/>
+          <a:lstStyle/>
+          <a:p>
+            <a:pPr algn="ctr"/>
+            <a:r>
+              <a:rPr lang="en-GB" dirty="0"/>
+              <a:t>Customer</a:t>
+            </a:r>
+          </a:p>
+        </p:txBody>
+      </p:sp>
+      <p:cxnSp>
+        <p:nvCxnSpPr>
+          <p:cNvPr id="19" name="Straight Connector 18"/>
+          <p:cNvCxnSpPr>
+            <a:stCxn id="17" idx="1"/>
+            <a:endCxn id="18" idx="3"/>
+          </p:cNvCxnSpPr>
+          <p:nvPr/>
+        </p:nvCxnSpPr>
+        <p:spPr>
+          <a:xfrm flipH="1">
+            <a:off x="1799116" y="4710418"/>
+            <a:ext cx="1195144" cy="0"/>
+          </a:xfrm>
+          <a:prstGeom prst="line">
+            <a:avLst/>
+          </a:prstGeom>
+          <a:ln w="38100">
+            <a:solidFill>
+              <a:srgbClr val="00B050"/>
+            </a:solidFill>
+            <a:headEnd type="none" w="med" len="med"/>
+            <a:tailEnd type="triangle" w="med" len="med"/>
+          </a:ln>
+        </p:spPr>
+        <p:style>
+          <a:lnRef idx="1">
+            <a:schemeClr val="accent1"/>
+          </a:lnRef>
+          <a:fillRef idx="0">
+            <a:schemeClr val="accent1"/>
+          </a:fillRef>
+          <a:effectRef idx="0">
+            <a:schemeClr val="accent1"/>
+          </a:effectRef>
+          <a:fontRef idx="minor">
+            <a:schemeClr val="tx1"/>
+          </a:fontRef>
+        </p:style>
+      </p:cxnSp>
+      <p:sp>
+        <p:nvSpPr>
+          <p:cNvPr id="20" name="TextBox 19"/>
+          <p:cNvSpPr txBox="1"/>
+          <p:nvPr/>
+        </p:nvSpPr>
+        <p:spPr>
+          <a:xfrm>
+            <a:off x="2671888" y="3134022"/>
+            <a:ext cx="300082" cy="369332"/>
+          </a:xfrm>
+          <a:prstGeom prst="rect">
+            <a:avLst/>
+          </a:prstGeom>
+          <a:noFill/>
+        </p:spPr>
+        <p:txBody>
+          <a:bodyPr wrap="none" rtlCol="0">
+            <a:spAutoFit/>
+          </a:bodyPr>
+          <a:lstStyle/>
+          <a:p>
+            <a:r>
+              <a:rPr lang="en-GB" dirty="0"/>
+              <a:t>*</a:t>
+            </a:r>
+          </a:p>
+        </p:txBody>
+      </p:sp>
+      <p:sp>
+        <p:nvSpPr>
+          <p:cNvPr id="21" name="TextBox 20"/>
+          <p:cNvSpPr txBox="1"/>
+          <p:nvPr/>
+        </p:nvSpPr>
+        <p:spPr>
+          <a:xfrm>
+            <a:off x="1786359" y="4308305"/>
+            <a:ext cx="301686" cy="369332"/>
+          </a:xfrm>
+          <a:prstGeom prst="rect">
+            <a:avLst/>
+          </a:prstGeom>
+          <a:noFill/>
+        </p:spPr>
+        <p:txBody>
+          <a:bodyPr wrap="none" rtlCol="0">
+            <a:spAutoFit/>
+          </a:bodyPr>
+          <a:lstStyle/>
+          <a:p>
+            <a:r>
+              <a:rPr lang="en-GB" dirty="0"/>
+              <a:t>1</a:t>
+            </a:r>
           </a:p>
         </p:txBody>
       </p:sp>
     </p:spTree>
     <p:extLst>
       <p:ext uri="{BB962C8B-B14F-4D97-AF65-F5344CB8AC3E}">
-        <p14:creationId xmlns:p14="http://schemas.microsoft.com/office/powerpoint/2010/main" val="484876262"/>
+        <p14:creationId xmlns:p14="http://schemas.microsoft.com/office/powerpoint/2010/main" val="3998974008"/>
       </p:ext>
     </p:extLst>
   </p:cSld>
@@ -13777,6 +14558,519 @@
           <a:p>
             <a:r>
               <a:rPr lang="it-IT" dirty="0"/>
+              <a:t>ORM design motivations</a:t>
+            </a:r>
+          </a:p>
+        </p:txBody>
+      </p:sp>
+      <p:sp>
+        <p:nvSpPr>
+          <p:cNvPr id="5" name="Content Placeholder 4"/>
+          <p:cNvSpPr>
+            <a:spLocks noGrp="1"/>
+          </p:cNvSpPr>
+          <p:nvPr>
+            <p:ph idx="1"/>
+          </p:nvPr>
+        </p:nvSpPr>
+        <p:spPr/>
+        <p:txBody>
+          <a:bodyPr/>
+          <a:lstStyle/>
+          <a:p>
+            <a:r>
+              <a:rPr lang="it-IT" dirty="0"/>
+              <a:t>If there are aspects of the ORM that you want to illustrate or motivate, write your explanations after each relationship ORM design slide or at the end of the ORM design section</a:t>
+            </a:r>
+          </a:p>
+        </p:txBody>
+      </p:sp>
+    </p:spTree>
+    <p:extLst>
+      <p:ext uri="{BB962C8B-B14F-4D97-AF65-F5344CB8AC3E}">
+        <p14:creationId xmlns:p14="http://schemas.microsoft.com/office/powerpoint/2010/main" val="2955575121"/>
+      </p:ext>
+    </p:extLst>
+  </p:cSld>
+  <p:clrMapOvr>
+    <a:masterClrMapping/>
+  </p:clrMapOvr>
+</p:sld>
+</file>
+
+<file path=ppt/slides/slide38.xml><?xml version="1.0" encoding="utf-8"?>
+<p:sld xmlns:a="http://schemas.openxmlformats.org/drawingml/2006/main" xmlns:r="http://schemas.openxmlformats.org/officeDocument/2006/relationships" xmlns:p="http://schemas.openxmlformats.org/presentationml/2006/main">
+  <p:cSld>
+    <p:spTree>
+      <p:nvGrpSpPr>
+        <p:cNvPr id="1" name=""/>
+        <p:cNvGrpSpPr/>
+        <p:nvPr/>
+      </p:nvGrpSpPr>
+      <p:grpSpPr>
+        <a:xfrm>
+          <a:off x="0" y="0"/>
+          <a:ext cx="0" cy="0"/>
+          <a:chOff x="0" y="0"/>
+          <a:chExt cx="0" cy="0"/>
+        </a:xfrm>
+      </p:grpSpPr>
+      <p:sp>
+        <p:nvSpPr>
+          <p:cNvPr id="2" name="Title 1"/>
+          <p:cNvSpPr>
+            <a:spLocks noGrp="1"/>
+          </p:cNvSpPr>
+          <p:nvPr>
+            <p:ph type="title"/>
+          </p:nvPr>
+        </p:nvSpPr>
+        <p:spPr/>
+        <p:txBody>
+          <a:bodyPr/>
+          <a:lstStyle/>
+          <a:p>
+            <a:r>
+              <a:rPr lang="en-GB" dirty="0"/>
+              <a:t>Entity Employee</a:t>
+            </a:r>
+          </a:p>
+        </p:txBody>
+      </p:sp>
+      <p:sp>
+        <p:nvSpPr>
+          <p:cNvPr id="5" name="Content Placeholder 4"/>
+          <p:cNvSpPr>
+            <a:spLocks noGrp="1"/>
+          </p:cNvSpPr>
+          <p:nvPr>
+            <p:ph idx="1"/>
+          </p:nvPr>
+        </p:nvSpPr>
+        <p:spPr>
+          <a:xfrm>
+            <a:off x="1" y="1434164"/>
+            <a:ext cx="9144000" cy="5342021"/>
+          </a:xfrm>
+        </p:spPr>
+        <p:txBody>
+          <a:bodyPr>
+            <a:normAutofit/>
+          </a:bodyPr>
+          <a:lstStyle/>
+          <a:p>
+            <a:pPr marL="0" indent="0">
+              <a:spcBef>
+                <a:spcPts val="0"/>
+              </a:spcBef>
+              <a:buNone/>
+            </a:pPr>
+            <a:r>
+              <a:rPr lang="en-GB" sz="1500" dirty="0">
+                <a:latin typeface="Courier New" panose="02070309020205020404" pitchFamily="49" charset="0"/>
+                <a:cs typeface="Courier New" panose="02070309020205020404" pitchFamily="49" charset="0"/>
+              </a:rPr>
+              <a:t>@Entity</a:t>
+            </a:r>
+          </a:p>
+          <a:p>
+            <a:pPr marL="0" indent="0">
+              <a:spcBef>
+                <a:spcPts val="0"/>
+              </a:spcBef>
+              <a:buNone/>
+            </a:pPr>
+            <a:r>
+              <a:rPr lang="en-GB" sz="1500" dirty="0">
+                <a:latin typeface="Courier New" panose="02070309020205020404" pitchFamily="49" charset="0"/>
+                <a:cs typeface="Courier New" panose="02070309020205020404" pitchFamily="49" charset="0"/>
+              </a:rPr>
+              <a:t>@</a:t>
+            </a:r>
+            <a:r>
+              <a:rPr lang="en-GB" sz="1500" dirty="0" err="1">
+                <a:latin typeface="Courier New" panose="02070309020205020404" pitchFamily="49" charset="0"/>
+                <a:cs typeface="Courier New" panose="02070309020205020404" pitchFamily="49" charset="0"/>
+              </a:rPr>
+              <a:t>NamedQueries</a:t>
+            </a:r>
+            <a:r>
+              <a:rPr lang="en-GB" sz="1500" dirty="0">
+                <a:latin typeface="Courier New" panose="02070309020205020404" pitchFamily="49" charset="0"/>
+                <a:cs typeface="Courier New" panose="02070309020205020404" pitchFamily="49" charset="0"/>
+              </a:rPr>
+              <a:t>({ </a:t>
+            </a:r>
+            <a:br>
+              <a:rPr lang="en-GB" sz="1500" dirty="0">
+                <a:latin typeface="Courier New" panose="02070309020205020404" pitchFamily="49" charset="0"/>
+                <a:cs typeface="Courier New" panose="02070309020205020404" pitchFamily="49" charset="0"/>
+              </a:rPr>
+            </a:br>
+            <a:r>
+              <a:rPr lang="en-GB" sz="1500" dirty="0">
+                <a:latin typeface="Courier New" panose="02070309020205020404" pitchFamily="49" charset="0"/>
+                <a:cs typeface="Courier New" panose="02070309020205020404" pitchFamily="49" charset="0"/>
+              </a:rPr>
+              <a:t>  @</a:t>
+            </a:r>
+            <a:r>
+              <a:rPr lang="en-GB" sz="1500" dirty="0" err="1">
+                <a:latin typeface="Courier New" panose="02070309020205020404" pitchFamily="49" charset="0"/>
+                <a:cs typeface="Courier New" panose="02070309020205020404" pitchFamily="49" charset="0"/>
+              </a:rPr>
+              <a:t>NamedQuery</a:t>
+            </a:r>
+            <a:r>
+              <a:rPr lang="en-GB" sz="1500" dirty="0">
+                <a:latin typeface="Courier New" panose="02070309020205020404" pitchFamily="49" charset="0"/>
+                <a:cs typeface="Courier New" panose="02070309020205020404" pitchFamily="49" charset="0"/>
+              </a:rPr>
+              <a:t>(name = “</a:t>
+            </a:r>
+            <a:r>
+              <a:rPr lang="en-GB" sz="1500" dirty="0" err="1">
+                <a:latin typeface="Courier New" panose="02070309020205020404" pitchFamily="49" charset="0"/>
+                <a:cs typeface="Courier New" panose="02070309020205020404" pitchFamily="49" charset="0"/>
+              </a:rPr>
+              <a:t>A.query</a:t>
+            </a:r>
+            <a:r>
+              <a:rPr lang="en-GB" sz="1500" dirty="0">
+                <a:latin typeface="Courier New" panose="02070309020205020404" pitchFamily="49" charset="0"/>
+                <a:cs typeface="Courier New" panose="02070309020205020404" pitchFamily="49" charset="0"/>
+              </a:rPr>
+              <a:t>", query = </a:t>
+            </a:r>
+            <a:br>
+              <a:rPr lang="en-GB" sz="1500" dirty="0">
+                <a:latin typeface="Courier New" panose="02070309020205020404" pitchFamily="49" charset="0"/>
+                <a:cs typeface="Courier New" panose="02070309020205020404" pitchFamily="49" charset="0"/>
+              </a:rPr>
+            </a:br>
+            <a:r>
+              <a:rPr lang="en-GB" sz="1500" dirty="0">
+                <a:latin typeface="Courier New" panose="02070309020205020404" pitchFamily="49" charset="0"/>
+                <a:cs typeface="Courier New" panose="02070309020205020404" pitchFamily="49" charset="0"/>
+              </a:rPr>
+              <a:t>    “ . . . "),</a:t>
+            </a:r>
+          </a:p>
+          <a:p>
+            <a:pPr marL="0" indent="0">
+              <a:spcBef>
+                <a:spcPts val="0"/>
+              </a:spcBef>
+              <a:buNone/>
+            </a:pPr>
+            <a:r>
+              <a:rPr lang="en-GB" sz="1500" dirty="0">
+                <a:latin typeface="Courier New" panose="02070309020205020404" pitchFamily="49" charset="0"/>
+                <a:cs typeface="Courier New" panose="02070309020205020404" pitchFamily="49" charset="0"/>
+              </a:rPr>
+              <a:t>   . . .})</a:t>
+            </a:r>
+          </a:p>
+          <a:p>
+            <a:pPr marL="0" indent="0">
+              <a:spcBef>
+                <a:spcPts val="0"/>
+              </a:spcBef>
+              <a:buNone/>
+            </a:pPr>
+            <a:endParaRPr lang="en-GB" sz="1500" dirty="0">
+              <a:latin typeface="Courier New" panose="02070309020205020404" pitchFamily="49" charset="0"/>
+              <a:cs typeface="Courier New" panose="02070309020205020404" pitchFamily="49" charset="0"/>
+            </a:endParaRPr>
+          </a:p>
+          <a:p>
+            <a:pPr marL="0" indent="0">
+              <a:spcBef>
+                <a:spcPts val="0"/>
+              </a:spcBef>
+              <a:buNone/>
+            </a:pPr>
+            <a:r>
+              <a:rPr lang="en-GB" sz="1500" dirty="0">
+                <a:latin typeface="Courier New" panose="02070309020205020404" pitchFamily="49" charset="0"/>
+                <a:cs typeface="Courier New" panose="02070309020205020404" pitchFamily="49" charset="0"/>
+              </a:rPr>
+              <a:t>public class A implements Serializable {</a:t>
+            </a:r>
+          </a:p>
+          <a:p>
+            <a:pPr marL="0" indent="0">
+              <a:spcBef>
+                <a:spcPts val="0"/>
+              </a:spcBef>
+              <a:buNone/>
+            </a:pPr>
+            <a:r>
+              <a:rPr lang="en-GB" sz="1500" dirty="0">
+                <a:latin typeface="Courier New" panose="02070309020205020404" pitchFamily="49" charset="0"/>
+                <a:cs typeface="Courier New" panose="02070309020205020404" pitchFamily="49" charset="0"/>
+              </a:rPr>
+              <a:t>..</a:t>
+            </a:r>
+          </a:p>
+          <a:p>
+            <a:pPr marL="0" indent="0">
+              <a:spcBef>
+                <a:spcPts val="0"/>
+              </a:spcBef>
+              <a:buNone/>
+            </a:pPr>
+            <a:endParaRPr lang="en-GB" sz="1500" dirty="0">
+              <a:latin typeface="Courier New" panose="02070309020205020404" pitchFamily="49" charset="0"/>
+              <a:cs typeface="Courier New" panose="02070309020205020404" pitchFamily="49" charset="0"/>
+            </a:endParaRPr>
+          </a:p>
+          <a:p>
+            <a:pPr marL="0" indent="0">
+              <a:spcBef>
+                <a:spcPts val="0"/>
+              </a:spcBef>
+              <a:buNone/>
+            </a:pPr>
+            <a:r>
+              <a:rPr lang="en-GB" sz="1500" dirty="0">
+                <a:latin typeface="Courier New" panose="02070309020205020404" pitchFamily="49" charset="0"/>
+                <a:cs typeface="Courier New" panose="02070309020205020404" pitchFamily="49" charset="0"/>
+              </a:rPr>
+              <a:t>// attributes &amp; their annotations</a:t>
+            </a:r>
+          </a:p>
+          <a:p>
+            <a:pPr marL="0" indent="0">
+              <a:spcBef>
+                <a:spcPts val="0"/>
+              </a:spcBef>
+              <a:buNone/>
+            </a:pPr>
+            <a:endParaRPr lang="en-GB" sz="1500" dirty="0">
+              <a:latin typeface="Courier New" panose="02070309020205020404" pitchFamily="49" charset="0"/>
+              <a:cs typeface="Courier New" panose="02070309020205020404" pitchFamily="49" charset="0"/>
+            </a:endParaRPr>
+          </a:p>
+          <a:p>
+            <a:pPr marL="0" indent="0">
+              <a:spcBef>
+                <a:spcPts val="0"/>
+              </a:spcBef>
+              <a:buNone/>
+            </a:pPr>
+            <a:endParaRPr lang="en-GB" sz="1500" dirty="0">
+              <a:latin typeface="Courier New" panose="02070309020205020404" pitchFamily="49" charset="0"/>
+              <a:cs typeface="Courier New" panose="02070309020205020404" pitchFamily="49" charset="0"/>
+            </a:endParaRPr>
+          </a:p>
+          <a:p>
+            <a:pPr marL="0" indent="0">
+              <a:spcBef>
+                <a:spcPts val="0"/>
+              </a:spcBef>
+              <a:buNone/>
+            </a:pPr>
+            <a:r>
+              <a:rPr lang="en-GB" sz="1500" dirty="0">
+                <a:latin typeface="Courier New" panose="02070309020205020404" pitchFamily="49" charset="0"/>
+                <a:cs typeface="Courier New" panose="02070309020205020404" pitchFamily="49" charset="0"/>
+              </a:rPr>
+              <a:t>// relationships &amp; their annotations</a:t>
+            </a:r>
+          </a:p>
+          <a:p>
+            <a:pPr marL="0" indent="0">
+              <a:spcBef>
+                <a:spcPts val="0"/>
+              </a:spcBef>
+              <a:buNone/>
+            </a:pPr>
+            <a:endParaRPr lang="en-GB" sz="1500" dirty="0">
+              <a:latin typeface="Courier New" panose="02070309020205020404" pitchFamily="49" charset="0"/>
+              <a:cs typeface="Courier New" panose="02070309020205020404" pitchFamily="49" charset="0"/>
+            </a:endParaRPr>
+          </a:p>
+          <a:p>
+            <a:pPr marL="0" indent="0">
+              <a:spcBef>
+                <a:spcPts val="0"/>
+              </a:spcBef>
+              <a:buNone/>
+            </a:pPr>
+            <a:endParaRPr lang="en-GB" sz="1500" dirty="0">
+              <a:latin typeface="Courier New" panose="02070309020205020404" pitchFamily="49" charset="0"/>
+              <a:cs typeface="Courier New" panose="02070309020205020404" pitchFamily="49" charset="0"/>
+            </a:endParaRPr>
+          </a:p>
+          <a:p>
+            <a:pPr marL="0" indent="0">
+              <a:spcBef>
+                <a:spcPts val="0"/>
+              </a:spcBef>
+              <a:buNone/>
+            </a:pPr>
+            <a:r>
+              <a:rPr lang="en-GB" sz="1500" dirty="0">
+                <a:latin typeface="Courier New" panose="02070309020205020404" pitchFamily="49" charset="0"/>
+                <a:cs typeface="Courier New" panose="02070309020205020404" pitchFamily="49" charset="0"/>
+              </a:rPr>
+              <a:t>/* </a:t>
+            </a:r>
+          </a:p>
+          <a:p>
+            <a:pPr marL="0" indent="0">
+              <a:spcBef>
+                <a:spcPts val="0"/>
+              </a:spcBef>
+              <a:buNone/>
+            </a:pPr>
+            <a:r>
+              <a:rPr lang="en-GB" sz="1500" dirty="0">
+                <a:latin typeface="Courier New" panose="02070309020205020404" pitchFamily="49" charset="0"/>
+                <a:cs typeface="Courier New" panose="02070309020205020404" pitchFamily="49" charset="0"/>
+              </a:rPr>
+              <a:t>  clone this slide as may times as there are   </a:t>
+            </a:r>
+            <a:br>
+              <a:rPr lang="en-GB" sz="1500" dirty="0">
+                <a:latin typeface="Courier New" panose="02070309020205020404" pitchFamily="49" charset="0"/>
+                <a:cs typeface="Courier New" panose="02070309020205020404" pitchFamily="49" charset="0"/>
+              </a:rPr>
+            </a:br>
+            <a:r>
+              <a:rPr lang="en-GB" sz="1500" dirty="0">
+                <a:latin typeface="Courier New" panose="02070309020205020404" pitchFamily="49" charset="0"/>
+                <a:cs typeface="Courier New" panose="02070309020205020404" pitchFamily="49" charset="0"/>
+              </a:rPr>
+              <a:t>  entities </a:t>
+            </a:r>
+          </a:p>
+          <a:p>
+            <a:pPr marL="0" indent="0">
+              <a:spcBef>
+                <a:spcPts val="0"/>
+              </a:spcBef>
+              <a:buNone/>
+            </a:pPr>
+            <a:r>
+              <a:rPr lang="en-GB" sz="1500" dirty="0">
+                <a:latin typeface="Courier New" panose="02070309020205020404" pitchFamily="49" charset="0"/>
+                <a:cs typeface="Courier New" panose="02070309020205020404" pitchFamily="49" charset="0"/>
+              </a:rPr>
+              <a:t>*/</a:t>
+            </a:r>
+          </a:p>
+          <a:p>
+            <a:pPr marL="0" indent="0">
+              <a:spcBef>
+                <a:spcPts val="0"/>
+              </a:spcBef>
+              <a:buNone/>
+            </a:pPr>
+            <a:endParaRPr lang="en-GB" sz="1500" dirty="0">
+              <a:latin typeface="Courier New" panose="02070309020205020404" pitchFamily="49" charset="0"/>
+              <a:cs typeface="Courier New" panose="02070309020205020404" pitchFamily="49" charset="0"/>
+            </a:endParaRPr>
+          </a:p>
+          <a:p>
+            <a:pPr marL="0" indent="0">
+              <a:spcBef>
+                <a:spcPts val="0"/>
+              </a:spcBef>
+              <a:buNone/>
+            </a:pPr>
+            <a:endParaRPr lang="en-GB" sz="1500" dirty="0">
+              <a:latin typeface="Courier New" panose="02070309020205020404" pitchFamily="49" charset="0"/>
+              <a:cs typeface="Courier New" panose="02070309020205020404" pitchFamily="49" charset="0"/>
+            </a:endParaRPr>
+          </a:p>
+        </p:txBody>
+      </p:sp>
+      <p:sp>
+        <p:nvSpPr>
+          <p:cNvPr id="3" name="Rectangle 2">
+            <a:extLst>
+              <a:ext uri="{FF2B5EF4-FFF2-40B4-BE49-F238E27FC236}">
+                <a16:creationId xmlns:a16="http://schemas.microsoft.com/office/drawing/2014/main" id="{AC19F719-6A3E-4BE4-BB76-3CDA270B343C}"/>
+              </a:ext>
+            </a:extLst>
+          </p:cNvPr>
+          <p:cNvSpPr/>
+          <p:nvPr/>
+        </p:nvSpPr>
+        <p:spPr>
+          <a:xfrm>
+            <a:off x="3043645" y="6308208"/>
+            <a:ext cx="4572000" cy="369332"/>
+          </a:xfrm>
+          <a:prstGeom prst="rect">
+            <a:avLst/>
+          </a:prstGeom>
+        </p:spPr>
+        <p:txBody>
+          <a:bodyPr>
+            <a:spAutoFit/>
+          </a:bodyPr>
+          <a:lstStyle/>
+          <a:p>
+            <a:r>
+              <a:rPr lang="en-GB" dirty="0">
+                <a:sym typeface="Wingdings" panose="05000000000000000000" pitchFamily="2" charset="2"/>
+              </a:rPr>
+              <a:t>Clone this slide for each entity</a:t>
+            </a:r>
+            <a:endParaRPr lang="en-GB" dirty="0"/>
+          </a:p>
+        </p:txBody>
+      </p:sp>
+    </p:spTree>
+    <p:extLst>
+      <p:ext uri="{BB962C8B-B14F-4D97-AF65-F5344CB8AC3E}">
+        <p14:creationId xmlns:p14="http://schemas.microsoft.com/office/powerpoint/2010/main" val="484876262"/>
+      </p:ext>
+    </p:extLst>
+  </p:cSld>
+  <p:clrMapOvr>
+    <a:masterClrMapping/>
+  </p:clrMapOvr>
+</p:sld>
+</file>
+
+<file path=ppt/slides/slide39.xml><?xml version="1.0" encoding="utf-8"?>
+<p:sld xmlns:a="http://schemas.openxmlformats.org/drawingml/2006/main" xmlns:r="http://schemas.openxmlformats.org/officeDocument/2006/relationships" xmlns:p="http://schemas.openxmlformats.org/presentationml/2006/main">
+  <p:cSld>
+    <p:spTree>
+      <p:nvGrpSpPr>
+        <p:cNvPr id="1" name=""/>
+        <p:cNvGrpSpPr/>
+        <p:nvPr/>
+      </p:nvGrpSpPr>
+      <p:grpSpPr>
+        <a:xfrm>
+          <a:off x="0" y="0"/>
+          <a:ext cx="0" cy="0"/>
+          <a:chOff x="0" y="0"/>
+          <a:chExt cx="0" cy="0"/>
+        </a:xfrm>
+      </p:grpSpPr>
+      <p:sp>
+        <p:nvSpPr>
+          <p:cNvPr id="2" name="Title 1"/>
+          <p:cNvSpPr>
+            <a:spLocks noGrp="1"/>
+          </p:cNvSpPr>
+          <p:nvPr>
+            <p:ph type="title"/>
+          </p:nvPr>
+        </p:nvSpPr>
+        <p:spPr/>
+        <p:txBody>
+          <a:bodyPr/>
+          <a:lstStyle/>
+          <a:p>
+            <a:r>
+              <a:rPr lang="it-IT" dirty="0"/>
               <a:t>Functional analysis of the interaction</a:t>
             </a:r>
           </a:p>
@@ -13817,7 +15111,141 @@
 </p:sld>
 </file>
 
-<file path=ppt/slides/slide38.xml><?xml version="1.0" encoding="utf-8"?>
+<file path=ppt/slides/slide4.xml><?xml version="1.0" encoding="utf-8"?>
+<p:sld xmlns:a="http://schemas.openxmlformats.org/drawingml/2006/main" xmlns:r="http://schemas.openxmlformats.org/officeDocument/2006/relationships" xmlns:p="http://schemas.openxmlformats.org/presentationml/2006/main">
+  <p:cSld>
+    <p:spTree>
+      <p:nvGrpSpPr>
+        <p:cNvPr id="1" name=""/>
+        <p:cNvGrpSpPr/>
+        <p:nvPr/>
+      </p:nvGrpSpPr>
+      <p:grpSpPr>
+        <a:xfrm>
+          <a:off x="0" y="0"/>
+          <a:ext cx="0" cy="0"/>
+          <a:chOff x="0" y="0"/>
+          <a:chExt cx="0" cy="0"/>
+        </a:xfrm>
+      </p:grpSpPr>
+      <p:sp>
+        <p:nvSpPr>
+          <p:cNvPr id="2" name="Title 1">
+            <a:extLst>
+              <a:ext uri="{FF2B5EF4-FFF2-40B4-BE49-F238E27FC236}">
+                <a16:creationId xmlns:a16="http://schemas.microsoft.com/office/drawing/2014/main" id="{DDBACE3A-71A5-436C-85B3-167D3198EE9D}"/>
+              </a:ext>
+            </a:extLst>
+          </p:cNvPr>
+          <p:cNvSpPr>
+            <a:spLocks noGrp="1"/>
+          </p:cNvSpPr>
+          <p:nvPr>
+            <p:ph type="title"/>
+          </p:nvPr>
+        </p:nvSpPr>
+        <p:spPr/>
+        <p:txBody>
+          <a:bodyPr/>
+          <a:lstStyle/>
+          <a:p>
+            <a:r>
+              <a:rPr lang="it-IT" dirty="0" err="1"/>
+              <a:t>Specifications</a:t>
+            </a:r>
+            <a:r>
+              <a:rPr lang="it-IT" dirty="0"/>
+              <a:t> (</a:t>
+            </a:r>
+            <a:r>
+              <a:rPr lang="it-IT" dirty="0" err="1"/>
+              <a:t>Employee</a:t>
+            </a:r>
+            <a:r>
+              <a:rPr lang="it-IT" dirty="0"/>
+              <a:t> App.)</a:t>
+            </a:r>
+          </a:p>
+        </p:txBody>
+      </p:sp>
+      <p:sp>
+        <p:nvSpPr>
+          <p:cNvPr id="3" name="Content Placeholder 2">
+            <a:extLst>
+              <a:ext uri="{FF2B5EF4-FFF2-40B4-BE49-F238E27FC236}">
+                <a16:creationId xmlns:a16="http://schemas.microsoft.com/office/drawing/2014/main" id="{F240A16B-5112-433D-99F8-D483B3ECF6DA}"/>
+              </a:ext>
+            </a:extLst>
+          </p:cNvPr>
+          <p:cNvSpPr>
+            <a:spLocks noGrp="1"/>
+          </p:cNvSpPr>
+          <p:nvPr>
+            <p:ph idx="1"/>
+          </p:nvPr>
+        </p:nvSpPr>
+        <p:spPr/>
+        <p:txBody>
+          <a:bodyPr>
+            <a:normAutofit fontScale="70000" lnSpcReduction="20000"/>
+          </a:bodyPr>
+          <a:lstStyle/>
+          <a:p>
+            <a:pPr marL="0" indent="0">
+              <a:buNone/>
+            </a:pPr>
+            <a:r>
+              <a:rPr lang="en-US" dirty="0"/>
+              <a:t>The employee application allows the authorized employees of the telco company to log in. In the Home page, a form allows the creation of service packages, with all the needed data and the possible optional products associated with them. The same page lets the employee create optional products as well. A Sales Report page allows the employee to inspect the essential data about the sales and about the users over the entire lifespan of the application: </a:t>
+            </a:r>
+          </a:p>
+          <a:p>
+            <a:r>
+              <a:rPr lang="en-US" dirty="0"/>
+              <a:t>Number of total purchases per package. Number of total purchases per package and validity period. </a:t>
+            </a:r>
+          </a:p>
+          <a:p>
+            <a:r>
+              <a:rPr lang="en-US" dirty="0"/>
+              <a:t>Total value of sales per package with and without the optional products. </a:t>
+            </a:r>
+          </a:p>
+          <a:p>
+            <a:r>
+              <a:rPr lang="en-US" dirty="0"/>
+              <a:t>Average number of optional products sold together with each service package. </a:t>
+            </a:r>
+          </a:p>
+          <a:p>
+            <a:r>
+              <a:rPr lang="en-US" dirty="0"/>
+              <a:t>List of insolvent users, suspended orders and alerts. </a:t>
+            </a:r>
+          </a:p>
+          <a:p>
+            <a:r>
+              <a:rPr lang="en-US" dirty="0"/>
+              <a:t>Best seller optional product, i.e. the optional product with the greatest value of sales across all the sold service packages.</a:t>
+            </a:r>
+            <a:endParaRPr lang="it-IT" dirty="0"/>
+          </a:p>
+        </p:txBody>
+      </p:sp>
+    </p:spTree>
+    <p:extLst>
+      <p:ext uri="{BB962C8B-B14F-4D97-AF65-F5344CB8AC3E}">
+        <p14:creationId xmlns:p14="http://schemas.microsoft.com/office/powerpoint/2010/main" val="1535834670"/>
+      </p:ext>
+    </p:extLst>
+  </p:cSld>
+  <p:clrMapOvr>
+    <a:masterClrMapping/>
+  </p:clrMapOvr>
+</p:sld>
+</file>
+
+<file path=ppt/slides/slide40.xml><?xml version="1.0" encoding="utf-8"?>
 <p:sld xmlns:a="http://schemas.openxmlformats.org/drawingml/2006/main" xmlns:r="http://schemas.openxmlformats.org/officeDocument/2006/relationships" xmlns:p="http://schemas.openxmlformats.org/presentationml/2006/main">
   <p:cSld>
     <p:spTree>
@@ -15317,727 +16745,6 @@
 </p:sld>
 </file>
 
-<file path=ppt/slides/slide39.xml><?xml version="1.0" encoding="utf-8"?>
-<p:sld xmlns:a="http://schemas.openxmlformats.org/drawingml/2006/main" xmlns:r="http://schemas.openxmlformats.org/officeDocument/2006/relationships" xmlns:p="http://schemas.openxmlformats.org/presentationml/2006/main">
-  <p:cSld>
-    <p:spTree>
-      <p:nvGrpSpPr>
-        <p:cNvPr id="1" name=""/>
-        <p:cNvGrpSpPr/>
-        <p:nvPr/>
-      </p:nvGrpSpPr>
-      <p:grpSpPr>
-        <a:xfrm>
-          <a:off x="0" y="0"/>
-          <a:ext cx="0" cy="0"/>
-          <a:chOff x="0" y="0"/>
-          <a:chExt cx="0" cy="0"/>
-        </a:xfrm>
-      </p:grpSpPr>
-      <p:sp>
-        <p:nvSpPr>
-          <p:cNvPr id="2" name="Title 1"/>
-          <p:cNvSpPr>
-            <a:spLocks noGrp="1"/>
-          </p:cNvSpPr>
-          <p:nvPr>
-            <p:ph type="title"/>
-          </p:nvPr>
-        </p:nvSpPr>
-        <p:spPr/>
-        <p:txBody>
-          <a:bodyPr/>
-          <a:lstStyle/>
-          <a:p>
-            <a:r>
-              <a:rPr lang="it-IT" dirty="0"/>
-              <a:t>Example of textual notation</a:t>
-            </a:r>
-          </a:p>
-        </p:txBody>
-      </p:sp>
-      <p:sp>
-        <p:nvSpPr>
-          <p:cNvPr id="5" name="Content Placeholder 4"/>
-          <p:cNvSpPr>
-            <a:spLocks noGrp="1"/>
-          </p:cNvSpPr>
-          <p:nvPr>
-            <p:ph idx="1"/>
-          </p:nvPr>
-        </p:nvSpPr>
-        <p:spPr>
-          <a:xfrm>
-            <a:off x="211756" y="1386038"/>
-            <a:ext cx="8855242" cy="5236143"/>
-          </a:xfrm>
-        </p:spPr>
-        <p:txBody>
-          <a:bodyPr>
-            <a:normAutofit fontScale="70000" lnSpcReduction="20000"/>
-          </a:bodyPr>
-          <a:lstStyle/>
-          <a:p>
-            <a:r>
-              <a:rPr lang="en-GB" dirty="0"/>
-              <a:t>A Web application allows the management of travel expenses. After </a:t>
-            </a:r>
-            <a:r>
-              <a:rPr lang="en-GB" dirty="0">
-                <a:solidFill>
-                  <a:srgbClr val="C00000"/>
-                </a:solidFill>
-              </a:rPr>
-              <a:t>logging in</a:t>
-            </a:r>
-            <a:r>
-              <a:rPr lang="en-GB" dirty="0"/>
-              <a:t>, the user </a:t>
-            </a:r>
-            <a:r>
-              <a:rPr lang="en-GB" dirty="0">
-                <a:solidFill>
-                  <a:srgbClr val="0070C0"/>
-                </a:solidFill>
-              </a:rPr>
-              <a:t>accesses</a:t>
-            </a:r>
-            <a:r>
-              <a:rPr lang="en-GB" dirty="0"/>
-              <a:t> a </a:t>
-            </a:r>
-            <a:r>
-              <a:rPr lang="en-GB" dirty="0">
-                <a:solidFill>
-                  <a:srgbClr val="FF0000"/>
-                </a:solidFill>
-              </a:rPr>
-              <a:t>HOME</a:t>
-            </a:r>
-            <a:r>
-              <a:rPr lang="en-GB" dirty="0"/>
-              <a:t> </a:t>
-            </a:r>
-            <a:r>
-              <a:rPr lang="en-GB" dirty="0">
-                <a:solidFill>
-                  <a:srgbClr val="FF0000"/>
-                </a:solidFill>
-              </a:rPr>
-              <a:t>page</a:t>
-            </a:r>
-            <a:r>
-              <a:rPr lang="en-GB" dirty="0"/>
-              <a:t> where there is a </a:t>
-            </a:r>
-            <a:r>
-              <a:rPr lang="en-GB" dirty="0">
-                <a:solidFill>
-                  <a:srgbClr val="00B050"/>
-                </a:solidFill>
-              </a:rPr>
-              <a:t>list of travel missions</a:t>
-            </a:r>
-            <a:r>
-              <a:rPr lang="en-GB" dirty="0"/>
-              <a:t>; a mission belongs to a user and has a date, a place, a description, a number of days of duration, and a status ("open", "finalized", "closed"). The list shows the date and place of the missions, which are sorted by date in descending order. On the HOME page there is a </a:t>
-            </a:r>
-            <a:r>
-              <a:rPr lang="en-GB" dirty="0">
-                <a:solidFill>
-                  <a:srgbClr val="00B050"/>
-                </a:solidFill>
-              </a:rPr>
-              <a:t>form</a:t>
-            </a:r>
-            <a:r>
-              <a:rPr lang="en-GB" dirty="0"/>
-              <a:t>, with which the user can </a:t>
-            </a:r>
-            <a:r>
-              <a:rPr lang="en-GB" dirty="0">
-                <a:solidFill>
-                  <a:srgbClr val="C00000"/>
-                </a:solidFill>
-              </a:rPr>
-              <a:t>create a new mission</a:t>
-            </a:r>
-            <a:r>
-              <a:rPr lang="en-GB" dirty="0"/>
-              <a:t>, by entering all the data, which are mandatory. A new mission is always in the "open" state. After creating a mission, one is returned to the HOME page. When the user </a:t>
-            </a:r>
-            <a:r>
-              <a:rPr lang="en-GB" dirty="0">
-                <a:solidFill>
-                  <a:srgbClr val="0070C0"/>
-                </a:solidFill>
-              </a:rPr>
-              <a:t>selects a mission </a:t>
-            </a:r>
-            <a:r>
-              <a:rPr lang="en-GB" dirty="0"/>
-              <a:t>in the list, a </a:t>
-            </a:r>
-            <a:r>
-              <a:rPr lang="en-GB" dirty="0">
-                <a:solidFill>
-                  <a:srgbClr val="FF0000"/>
-                </a:solidFill>
-              </a:rPr>
-              <a:t>DETAIL_MISSION page </a:t>
-            </a:r>
-            <a:r>
-              <a:rPr lang="en-GB" dirty="0"/>
-              <a:t>appears, showing </a:t>
-            </a:r>
-            <a:r>
-              <a:rPr lang="en-GB" dirty="0">
-                <a:solidFill>
-                  <a:srgbClr val="00B050"/>
-                </a:solidFill>
-              </a:rPr>
-              <a:t>all the mission data</a:t>
-            </a:r>
-            <a:r>
-              <a:rPr lang="en-GB" dirty="0"/>
-              <a:t>. If the mission is in the "open" state, a </a:t>
-            </a:r>
-            <a:r>
-              <a:rPr lang="en-GB" dirty="0">
-                <a:solidFill>
-                  <a:srgbClr val="00B050"/>
-                </a:solidFill>
-              </a:rPr>
-              <a:t>form</a:t>
-            </a:r>
-            <a:r>
-              <a:rPr lang="en-GB" dirty="0"/>
-              <a:t> appears for entering the expenses incurred during the mission; the form contains three fields: food costs, accommodation costs, transport costs. </a:t>
-            </a:r>
-            <a:r>
-              <a:rPr lang="en-GB" dirty="0">
-                <a:solidFill>
-                  <a:srgbClr val="0070C0"/>
-                </a:solidFill>
-              </a:rPr>
-              <a:t>Sending the form data </a:t>
-            </a:r>
-            <a:r>
-              <a:rPr lang="en-GB" dirty="0"/>
-              <a:t>causes the </a:t>
-            </a:r>
-            <a:r>
-              <a:rPr lang="en-GB" dirty="0">
-                <a:solidFill>
-                  <a:srgbClr val="C00000"/>
-                </a:solidFill>
-              </a:rPr>
-              <a:t>mission status to change </a:t>
-            </a:r>
-            <a:r>
-              <a:rPr lang="en-GB" dirty="0"/>
-              <a:t>from "open " to  “finalized ",  and the return to the DETAIL_MISSION page. If the mission is in the "finalized“ status, a </a:t>
-            </a:r>
-            <a:r>
-              <a:rPr lang="en-GB" dirty="0">
-                <a:solidFill>
-                  <a:srgbClr val="00B050"/>
-                </a:solidFill>
-              </a:rPr>
-              <a:t>"close“ button </a:t>
-            </a:r>
-            <a:r>
-              <a:rPr lang="en-GB" dirty="0"/>
-              <a:t>appears which the user </a:t>
-            </a:r>
-            <a:r>
-              <a:rPr lang="en-GB" dirty="0">
-                <a:solidFill>
-                  <a:srgbClr val="0070C0"/>
-                </a:solidFill>
-              </a:rPr>
-              <a:t>can click </a:t>
-            </a:r>
-            <a:r>
-              <a:rPr lang="en-GB" dirty="0"/>
-              <a:t>to report that he has received the reimbursement of expenses; this causes the </a:t>
-            </a:r>
-            <a:r>
-              <a:rPr lang="en-GB" dirty="0">
-                <a:solidFill>
-                  <a:srgbClr val="C00000"/>
-                </a:solidFill>
-              </a:rPr>
-              <a:t>mission status to change </a:t>
-            </a:r>
-            <a:r>
-              <a:rPr lang="en-GB" dirty="0"/>
-              <a:t>from "finalized" to "closed" and the return to the DETAIL_MISSION page. If the mission is in the "closed" status, the DETAIL_MISSION page shows mission data also the value of the three types of expenditure. </a:t>
-            </a:r>
-          </a:p>
-          <a:p>
-            <a:r>
-              <a:rPr lang="en-GB" dirty="0">
-                <a:solidFill>
-                  <a:srgbClr val="FF0000"/>
-                </a:solidFill>
-              </a:rPr>
-              <a:t>Pages (views)</a:t>
-            </a:r>
-            <a:r>
-              <a:rPr lang="en-GB" dirty="0"/>
-              <a:t>, </a:t>
-            </a:r>
-            <a:r>
-              <a:rPr lang="en-GB" dirty="0">
-                <a:solidFill>
-                  <a:srgbClr val="00B050"/>
-                </a:solidFill>
-              </a:rPr>
-              <a:t>view components</a:t>
-            </a:r>
-            <a:r>
-              <a:rPr lang="en-GB" dirty="0"/>
-              <a:t>, </a:t>
-            </a:r>
-            <a:r>
-              <a:rPr lang="en-GB" dirty="0">
-                <a:solidFill>
-                  <a:srgbClr val="0070C0"/>
-                </a:solidFill>
-              </a:rPr>
-              <a:t>events</a:t>
-            </a:r>
-            <a:r>
-              <a:rPr lang="en-GB" dirty="0"/>
-              <a:t>, </a:t>
-            </a:r>
-            <a:r>
-              <a:rPr lang="en-GB" dirty="0">
-                <a:solidFill>
-                  <a:srgbClr val="C00000"/>
-                </a:solidFill>
-              </a:rPr>
-              <a:t>actions</a:t>
-            </a:r>
-            <a:endParaRPr lang="it-IT" dirty="0">
-              <a:solidFill>
-                <a:srgbClr val="C00000"/>
-              </a:solidFill>
-            </a:endParaRPr>
-          </a:p>
-        </p:txBody>
-      </p:sp>
-    </p:spTree>
-    <p:extLst>
-      <p:ext uri="{BB962C8B-B14F-4D97-AF65-F5344CB8AC3E}">
-        <p14:creationId xmlns:p14="http://schemas.microsoft.com/office/powerpoint/2010/main" val="302696994"/>
-      </p:ext>
-    </p:extLst>
-  </p:cSld>
-  <p:clrMapOvr>
-    <a:masterClrMapping/>
-  </p:clrMapOvr>
-</p:sld>
-</file>
-
-<file path=ppt/slides/slide4.xml><?xml version="1.0" encoding="utf-8"?>
-<p:sld xmlns:a="http://schemas.openxmlformats.org/drawingml/2006/main" xmlns:r="http://schemas.openxmlformats.org/officeDocument/2006/relationships" xmlns:p="http://schemas.openxmlformats.org/presentationml/2006/main">
-  <p:cSld>
-    <p:spTree>
-      <p:nvGrpSpPr>
-        <p:cNvPr id="1" name=""/>
-        <p:cNvGrpSpPr/>
-        <p:nvPr/>
-      </p:nvGrpSpPr>
-      <p:grpSpPr>
-        <a:xfrm>
-          <a:off x="0" y="0"/>
-          <a:ext cx="0" cy="0"/>
-          <a:chOff x="0" y="0"/>
-          <a:chExt cx="0" cy="0"/>
-        </a:xfrm>
-      </p:grpSpPr>
-      <p:sp>
-        <p:nvSpPr>
-          <p:cNvPr id="2" name="Title 1">
-            <a:extLst>
-              <a:ext uri="{FF2B5EF4-FFF2-40B4-BE49-F238E27FC236}">
-                <a16:creationId xmlns:a16="http://schemas.microsoft.com/office/drawing/2014/main" id="{DDBACE3A-71A5-436C-85B3-167D3198EE9D}"/>
-              </a:ext>
-            </a:extLst>
-          </p:cNvPr>
-          <p:cNvSpPr>
-            <a:spLocks noGrp="1"/>
-          </p:cNvSpPr>
-          <p:nvPr>
-            <p:ph type="title"/>
-          </p:nvPr>
-        </p:nvSpPr>
-        <p:spPr/>
-        <p:txBody>
-          <a:bodyPr/>
-          <a:lstStyle/>
-          <a:p>
-            <a:r>
-              <a:rPr lang="it-IT" dirty="0" err="1"/>
-              <a:t>Specifications</a:t>
-            </a:r>
-            <a:r>
-              <a:rPr lang="it-IT" dirty="0"/>
-              <a:t> (</a:t>
-            </a:r>
-            <a:r>
-              <a:rPr lang="it-IT" dirty="0" err="1"/>
-              <a:t>Employee</a:t>
-            </a:r>
-            <a:r>
-              <a:rPr lang="it-IT" dirty="0"/>
-              <a:t> App.)</a:t>
-            </a:r>
-          </a:p>
-        </p:txBody>
-      </p:sp>
-      <p:sp>
-        <p:nvSpPr>
-          <p:cNvPr id="3" name="Content Placeholder 2">
-            <a:extLst>
-              <a:ext uri="{FF2B5EF4-FFF2-40B4-BE49-F238E27FC236}">
-                <a16:creationId xmlns:a16="http://schemas.microsoft.com/office/drawing/2014/main" id="{F240A16B-5112-433D-99F8-D483B3ECF6DA}"/>
-              </a:ext>
-            </a:extLst>
-          </p:cNvPr>
-          <p:cNvSpPr>
-            <a:spLocks noGrp="1"/>
-          </p:cNvSpPr>
-          <p:nvPr>
-            <p:ph idx="1"/>
-          </p:nvPr>
-        </p:nvSpPr>
-        <p:spPr/>
-        <p:txBody>
-          <a:bodyPr>
-            <a:normAutofit fontScale="70000" lnSpcReduction="20000"/>
-          </a:bodyPr>
-          <a:lstStyle/>
-          <a:p>
-            <a:pPr marL="0" indent="0">
-              <a:buNone/>
-            </a:pPr>
-            <a:r>
-              <a:rPr lang="en-US" dirty="0"/>
-              <a:t>The employee application allows the authorized employees of the telco company to log in. In the Home page, a form allows the creation of service packages, with all the needed data and the possible optional products associated with them. The same page lets the employee create optional products as well. A Sales Report page allows the employee to inspect the essential data about the sales and about the users over the entire lifespan of the application: </a:t>
-            </a:r>
-          </a:p>
-          <a:p>
-            <a:r>
-              <a:rPr lang="en-US" dirty="0"/>
-              <a:t>Number of total purchases per package. Number of total purchases per package and validity period. </a:t>
-            </a:r>
-          </a:p>
-          <a:p>
-            <a:r>
-              <a:rPr lang="en-US" dirty="0"/>
-              <a:t>Total value of sales per package with and without the optional products. </a:t>
-            </a:r>
-          </a:p>
-          <a:p>
-            <a:r>
-              <a:rPr lang="en-US" dirty="0"/>
-              <a:t>Average number of optional products sold together with each service package. </a:t>
-            </a:r>
-          </a:p>
-          <a:p>
-            <a:r>
-              <a:rPr lang="en-US" dirty="0"/>
-              <a:t>List of insolvent users, suspended orders and alerts. </a:t>
-            </a:r>
-          </a:p>
-          <a:p>
-            <a:r>
-              <a:rPr lang="en-US" dirty="0"/>
-              <a:t>Best seller optional product, i.e. the optional product with the greatest value of sales across all the sold service packages.</a:t>
-            </a:r>
-            <a:endParaRPr lang="it-IT" dirty="0"/>
-          </a:p>
-        </p:txBody>
-      </p:sp>
-    </p:spTree>
-    <p:extLst>
-      <p:ext uri="{BB962C8B-B14F-4D97-AF65-F5344CB8AC3E}">
-        <p14:creationId xmlns:p14="http://schemas.microsoft.com/office/powerpoint/2010/main" val="1535834670"/>
-      </p:ext>
-    </p:extLst>
-  </p:cSld>
-  <p:clrMapOvr>
-    <a:masterClrMapping/>
-  </p:clrMapOvr>
-</p:sld>
-</file>
-
-<file path=ppt/slides/slide40.xml><?xml version="1.0" encoding="utf-8"?>
-<p:sld xmlns:a="http://schemas.openxmlformats.org/drawingml/2006/main" xmlns:r="http://schemas.openxmlformats.org/officeDocument/2006/relationships" xmlns:p="http://schemas.openxmlformats.org/presentationml/2006/main">
-  <p:cSld>
-    <p:spTree>
-      <p:nvGrpSpPr>
-        <p:cNvPr id="1" name=""/>
-        <p:cNvGrpSpPr/>
-        <p:nvPr/>
-      </p:nvGrpSpPr>
-      <p:grpSpPr>
-        <a:xfrm>
-          <a:off x="0" y="0"/>
-          <a:ext cx="0" cy="0"/>
-          <a:chOff x="0" y="0"/>
-          <a:chExt cx="0" cy="0"/>
-        </a:xfrm>
-      </p:grpSpPr>
-      <p:sp>
-        <p:nvSpPr>
-          <p:cNvPr id="2" name="Title 1"/>
-          <p:cNvSpPr>
-            <a:spLocks noGrp="1"/>
-          </p:cNvSpPr>
-          <p:nvPr>
-            <p:ph type="title"/>
-          </p:nvPr>
-        </p:nvSpPr>
-        <p:spPr/>
-        <p:txBody>
-          <a:bodyPr/>
-          <a:lstStyle/>
-          <a:p>
-            <a:r>
-              <a:rPr lang="en-GB" dirty="0"/>
-              <a:t>Components</a:t>
-            </a:r>
-          </a:p>
-        </p:txBody>
-      </p:sp>
-      <p:sp>
-        <p:nvSpPr>
-          <p:cNvPr id="4" name="Content Placeholder 3"/>
-          <p:cNvSpPr>
-            <a:spLocks noGrp="1"/>
-          </p:cNvSpPr>
-          <p:nvPr>
-            <p:ph sz="half" idx="1"/>
-          </p:nvPr>
-        </p:nvSpPr>
-        <p:spPr/>
-        <p:txBody>
-          <a:bodyPr>
-            <a:normAutofit lnSpcReduction="10000"/>
-          </a:bodyPr>
-          <a:lstStyle/>
-          <a:p>
-            <a:r>
-              <a:rPr lang="en-GB" dirty="0"/>
-              <a:t>Client components</a:t>
-            </a:r>
-          </a:p>
-          <a:p>
-            <a:pPr lvl="1"/>
-            <a:r>
-              <a:rPr lang="en-GB" sz="2000" dirty="0"/>
-              <a:t>Servlets</a:t>
-            </a:r>
-          </a:p>
-          <a:p>
-            <a:pPr lvl="1"/>
-            <a:r>
-              <a:rPr lang="en-GB" sz="2000" dirty="0"/>
-              <a:t>Views</a:t>
-            </a:r>
-          </a:p>
-          <a:p>
-            <a:pPr lvl="1"/>
-            <a:r>
-              <a:rPr lang="en-GB" sz="2000" dirty="0"/>
-              <a:t>Java Beans</a:t>
-            </a:r>
-          </a:p>
-          <a:p>
-            <a:pPr marL="457200" lvl="1" indent="0">
-              <a:buNone/>
-            </a:pPr>
-            <a:endParaRPr lang="en-GB" sz="2000" dirty="0"/>
-          </a:p>
-          <a:p>
-            <a:pPr marL="457200" lvl="1" indent="0">
-              <a:buNone/>
-            </a:pPr>
-            <a:endParaRPr lang="en-GB" sz="2000" dirty="0"/>
-          </a:p>
-        </p:txBody>
-      </p:sp>
-      <p:sp>
-        <p:nvSpPr>
-          <p:cNvPr id="5" name="Content Placeholder 4"/>
-          <p:cNvSpPr>
-            <a:spLocks noGrp="1"/>
-          </p:cNvSpPr>
-          <p:nvPr>
-            <p:ph sz="half" idx="2"/>
-          </p:nvPr>
-        </p:nvSpPr>
-        <p:spPr>
-          <a:xfrm>
-            <a:off x="4629149" y="1825625"/>
-            <a:ext cx="4418597" cy="4351338"/>
-          </a:xfrm>
-        </p:spPr>
-        <p:txBody>
-          <a:bodyPr>
-            <a:normAutofit lnSpcReduction="10000"/>
-          </a:bodyPr>
-          <a:lstStyle/>
-          <a:p>
-            <a:r>
-              <a:rPr lang="en-GB" dirty="0"/>
-              <a:t>Back end components</a:t>
-            </a:r>
-          </a:p>
-          <a:p>
-            <a:pPr lvl="1"/>
-            <a:r>
-              <a:rPr lang="en-GB" dirty="0"/>
-              <a:t>Entities</a:t>
-            </a:r>
-          </a:p>
-          <a:p>
-            <a:pPr lvl="2"/>
-            <a:r>
-              <a:rPr lang="en-GB" dirty="0"/>
-              <a:t>Entity1</a:t>
-            </a:r>
-          </a:p>
-          <a:p>
-            <a:pPr lvl="2"/>
-            <a:r>
-              <a:rPr lang="en-GB" dirty="0"/>
-              <a:t>Entity2</a:t>
-            </a:r>
-          </a:p>
-          <a:p>
-            <a:pPr lvl="1"/>
-            <a:r>
-              <a:rPr lang="en-GB"/>
-              <a:t>Business Components (EJBs)</a:t>
-            </a:r>
-            <a:endParaRPr lang="en-GB" dirty="0"/>
-          </a:p>
-          <a:p>
-            <a:pPr lvl="2"/>
-            <a:r>
-              <a:rPr lang="en-GB" dirty="0"/>
-              <a:t>BC1 </a:t>
-            </a:r>
-          </a:p>
-          <a:p>
-            <a:pPr lvl="3"/>
-            <a:r>
-              <a:rPr lang="en-GB" dirty="0"/>
-              <a:t>(stateless or stateful)</a:t>
-            </a:r>
-          </a:p>
-          <a:p>
-            <a:pPr lvl="3"/>
-            <a:r>
-              <a:rPr lang="en-GB" dirty="0"/>
-              <a:t>Method BC11( </a:t>
-            </a:r>
-            <a:r>
-              <a:rPr lang="en-GB" dirty="0" err="1"/>
-              <a:t>params</a:t>
-            </a:r>
-            <a:r>
-              <a:rPr lang="en-GB" dirty="0"/>
-              <a:t>)</a:t>
-            </a:r>
-          </a:p>
-          <a:p>
-            <a:pPr lvl="3"/>
-            <a:r>
-              <a:rPr lang="en-GB" dirty="0"/>
-              <a:t>Method BC11( </a:t>
-            </a:r>
-            <a:r>
-              <a:rPr lang="en-GB" dirty="0" err="1"/>
-              <a:t>params</a:t>
-            </a:r>
-            <a:r>
-              <a:rPr lang="en-GB" dirty="0"/>
-              <a:t>)</a:t>
-            </a:r>
-          </a:p>
-          <a:p>
-            <a:pPr lvl="2"/>
-            <a:r>
-              <a:rPr lang="en-GB" dirty="0"/>
-              <a:t>BC2</a:t>
-            </a:r>
-          </a:p>
-          <a:p>
-            <a:pPr lvl="3"/>
-            <a:r>
-              <a:rPr lang="en-GB" dirty="0"/>
-              <a:t>(stateless or stateful)</a:t>
-            </a:r>
-          </a:p>
-          <a:p>
-            <a:pPr lvl="3"/>
-            <a:r>
-              <a:rPr lang="en-GB" dirty="0"/>
-              <a:t>Method BC21( </a:t>
-            </a:r>
-            <a:r>
-              <a:rPr lang="en-GB" dirty="0" err="1"/>
-              <a:t>params</a:t>
-            </a:r>
-            <a:r>
-              <a:rPr lang="en-GB" dirty="0"/>
-              <a:t>)</a:t>
-            </a:r>
-          </a:p>
-          <a:p>
-            <a:pPr lvl="3"/>
-            <a:r>
-              <a:rPr lang="en-GB" dirty="0"/>
-              <a:t>Method BC22( </a:t>
-            </a:r>
-            <a:r>
-              <a:rPr lang="en-GB" dirty="0" err="1"/>
-              <a:t>params</a:t>
-            </a:r>
-            <a:r>
-              <a:rPr lang="en-GB" dirty="0"/>
-              <a:t>)</a:t>
-            </a:r>
-          </a:p>
-          <a:p>
-            <a:pPr lvl="2"/>
-            <a:endParaRPr lang="en-GB" dirty="0"/>
-          </a:p>
-          <a:p>
-            <a:pPr lvl="1"/>
-            <a:endParaRPr lang="en-GB" dirty="0"/>
-          </a:p>
-        </p:txBody>
-      </p:sp>
-    </p:spTree>
-    <p:extLst>
-      <p:ext uri="{BB962C8B-B14F-4D97-AF65-F5344CB8AC3E}">
-        <p14:creationId xmlns:p14="http://schemas.microsoft.com/office/powerpoint/2010/main" val="1681549262"/>
-      </p:ext>
-    </p:extLst>
-  </p:cSld>
-  <p:clrMapOvr>
-    <a:masterClrMapping/>
-  </p:clrMapOvr>
-</p:sld>
-</file>
-
 <file path=ppt/slides/slide41.xml><?xml version="1.0" encoding="utf-8"?>
 <p:sld xmlns:a="http://schemas.openxmlformats.org/drawingml/2006/main" xmlns:r="http://schemas.openxmlformats.org/officeDocument/2006/relationships" xmlns:p="http://schemas.openxmlformats.org/presentationml/2006/main">
   <p:cSld>
@@ -16072,6 +16779,593 @@
           <a:p>
             <a:r>
               <a:rPr lang="it-IT" dirty="0"/>
+              <a:t>Example of textual notation</a:t>
+            </a:r>
+          </a:p>
+        </p:txBody>
+      </p:sp>
+      <p:sp>
+        <p:nvSpPr>
+          <p:cNvPr id="5" name="Content Placeholder 4"/>
+          <p:cNvSpPr>
+            <a:spLocks noGrp="1"/>
+          </p:cNvSpPr>
+          <p:nvPr>
+            <p:ph idx="1"/>
+          </p:nvPr>
+        </p:nvSpPr>
+        <p:spPr>
+          <a:xfrm>
+            <a:off x="211756" y="1386038"/>
+            <a:ext cx="8855242" cy="5236143"/>
+          </a:xfrm>
+        </p:spPr>
+        <p:txBody>
+          <a:bodyPr>
+            <a:normAutofit fontScale="70000" lnSpcReduction="20000"/>
+          </a:bodyPr>
+          <a:lstStyle/>
+          <a:p>
+            <a:r>
+              <a:rPr lang="en-GB" dirty="0"/>
+              <a:t>A Web application allows the management of travel expenses. After </a:t>
+            </a:r>
+            <a:r>
+              <a:rPr lang="en-GB" dirty="0">
+                <a:solidFill>
+                  <a:srgbClr val="C00000"/>
+                </a:solidFill>
+              </a:rPr>
+              <a:t>logging in</a:t>
+            </a:r>
+            <a:r>
+              <a:rPr lang="en-GB" dirty="0"/>
+              <a:t>, the user </a:t>
+            </a:r>
+            <a:r>
+              <a:rPr lang="en-GB" dirty="0">
+                <a:solidFill>
+                  <a:srgbClr val="0070C0"/>
+                </a:solidFill>
+              </a:rPr>
+              <a:t>accesses</a:t>
+            </a:r>
+            <a:r>
+              <a:rPr lang="en-GB" dirty="0"/>
+              <a:t> a </a:t>
+            </a:r>
+            <a:r>
+              <a:rPr lang="en-GB" dirty="0">
+                <a:solidFill>
+                  <a:srgbClr val="FF0000"/>
+                </a:solidFill>
+              </a:rPr>
+              <a:t>HOME</a:t>
+            </a:r>
+            <a:r>
+              <a:rPr lang="en-GB" dirty="0"/>
+              <a:t> </a:t>
+            </a:r>
+            <a:r>
+              <a:rPr lang="en-GB" dirty="0">
+                <a:solidFill>
+                  <a:srgbClr val="FF0000"/>
+                </a:solidFill>
+              </a:rPr>
+              <a:t>page</a:t>
+            </a:r>
+            <a:r>
+              <a:rPr lang="en-GB" dirty="0"/>
+              <a:t> where there is a </a:t>
+            </a:r>
+            <a:r>
+              <a:rPr lang="en-GB" dirty="0">
+                <a:solidFill>
+                  <a:srgbClr val="00B050"/>
+                </a:solidFill>
+              </a:rPr>
+              <a:t>list of travel missions</a:t>
+            </a:r>
+            <a:r>
+              <a:rPr lang="en-GB" dirty="0"/>
+              <a:t>; a mission belongs to a user and has a date, a place, a description, a number of days of duration, and a status ("open", "finalized", "closed"). The list shows the date and place of the missions, which are sorted by date in descending order. On the HOME page there is a </a:t>
+            </a:r>
+            <a:r>
+              <a:rPr lang="en-GB" dirty="0">
+                <a:solidFill>
+                  <a:srgbClr val="00B050"/>
+                </a:solidFill>
+              </a:rPr>
+              <a:t>form</a:t>
+            </a:r>
+            <a:r>
+              <a:rPr lang="en-GB" dirty="0"/>
+              <a:t>, with which the user can </a:t>
+            </a:r>
+            <a:r>
+              <a:rPr lang="en-GB" dirty="0">
+                <a:solidFill>
+                  <a:srgbClr val="C00000"/>
+                </a:solidFill>
+              </a:rPr>
+              <a:t>create a new mission</a:t>
+            </a:r>
+            <a:r>
+              <a:rPr lang="en-GB" dirty="0"/>
+              <a:t>, by entering all the data, which are mandatory. A new mission is always in the "open" state. After creating a mission, one is returned to the HOME page. When the user </a:t>
+            </a:r>
+            <a:r>
+              <a:rPr lang="en-GB" dirty="0">
+                <a:solidFill>
+                  <a:srgbClr val="0070C0"/>
+                </a:solidFill>
+              </a:rPr>
+              <a:t>selects a mission </a:t>
+            </a:r>
+            <a:r>
+              <a:rPr lang="en-GB" dirty="0"/>
+              <a:t>in the list, a </a:t>
+            </a:r>
+            <a:r>
+              <a:rPr lang="en-GB" dirty="0">
+                <a:solidFill>
+                  <a:srgbClr val="FF0000"/>
+                </a:solidFill>
+              </a:rPr>
+              <a:t>DETAIL_MISSION page </a:t>
+            </a:r>
+            <a:r>
+              <a:rPr lang="en-GB" dirty="0"/>
+              <a:t>appears, showing </a:t>
+            </a:r>
+            <a:r>
+              <a:rPr lang="en-GB" dirty="0">
+                <a:solidFill>
+                  <a:srgbClr val="00B050"/>
+                </a:solidFill>
+              </a:rPr>
+              <a:t>all the mission data</a:t>
+            </a:r>
+            <a:r>
+              <a:rPr lang="en-GB" dirty="0"/>
+              <a:t>. If the mission is in the "open" state, a </a:t>
+            </a:r>
+            <a:r>
+              <a:rPr lang="en-GB" dirty="0">
+                <a:solidFill>
+                  <a:srgbClr val="00B050"/>
+                </a:solidFill>
+              </a:rPr>
+              <a:t>form</a:t>
+            </a:r>
+            <a:r>
+              <a:rPr lang="en-GB" dirty="0"/>
+              <a:t> appears for entering the expenses incurred during the mission; the form contains three fields: food costs, accommodation costs, transport costs. </a:t>
+            </a:r>
+            <a:r>
+              <a:rPr lang="en-GB" dirty="0">
+                <a:solidFill>
+                  <a:srgbClr val="0070C0"/>
+                </a:solidFill>
+              </a:rPr>
+              <a:t>Sending the form data </a:t>
+            </a:r>
+            <a:r>
+              <a:rPr lang="en-GB" dirty="0"/>
+              <a:t>causes the </a:t>
+            </a:r>
+            <a:r>
+              <a:rPr lang="en-GB" dirty="0">
+                <a:solidFill>
+                  <a:srgbClr val="C00000"/>
+                </a:solidFill>
+              </a:rPr>
+              <a:t>mission status to change </a:t>
+            </a:r>
+            <a:r>
+              <a:rPr lang="en-GB" dirty="0"/>
+              <a:t>from "open " to  “finalized ",  and the return to the DETAIL_MISSION page. If the mission is in the "finalized“ status, a </a:t>
+            </a:r>
+            <a:r>
+              <a:rPr lang="en-GB" dirty="0">
+                <a:solidFill>
+                  <a:srgbClr val="00B050"/>
+                </a:solidFill>
+              </a:rPr>
+              <a:t>"close“ button </a:t>
+            </a:r>
+            <a:r>
+              <a:rPr lang="en-GB" dirty="0"/>
+              <a:t>appears which the user </a:t>
+            </a:r>
+            <a:r>
+              <a:rPr lang="en-GB" dirty="0">
+                <a:solidFill>
+                  <a:srgbClr val="0070C0"/>
+                </a:solidFill>
+              </a:rPr>
+              <a:t>can click </a:t>
+            </a:r>
+            <a:r>
+              <a:rPr lang="en-GB" dirty="0"/>
+              <a:t>to report that he has received the reimbursement of expenses; this causes the </a:t>
+            </a:r>
+            <a:r>
+              <a:rPr lang="en-GB" dirty="0">
+                <a:solidFill>
+                  <a:srgbClr val="C00000"/>
+                </a:solidFill>
+              </a:rPr>
+              <a:t>mission status to change </a:t>
+            </a:r>
+            <a:r>
+              <a:rPr lang="en-GB" dirty="0"/>
+              <a:t>from "finalized" to "closed" and the return to the DETAIL_MISSION page. If the mission is in the "closed" status, the DETAIL_MISSION page shows mission data also the value of the three types of expenditure. </a:t>
+            </a:r>
+          </a:p>
+          <a:p>
+            <a:r>
+              <a:rPr lang="en-GB" dirty="0">
+                <a:solidFill>
+                  <a:srgbClr val="FF0000"/>
+                </a:solidFill>
+              </a:rPr>
+              <a:t>Pages (views)</a:t>
+            </a:r>
+            <a:r>
+              <a:rPr lang="en-GB" dirty="0"/>
+              <a:t>, </a:t>
+            </a:r>
+            <a:r>
+              <a:rPr lang="en-GB" dirty="0">
+                <a:solidFill>
+                  <a:srgbClr val="00B050"/>
+                </a:solidFill>
+              </a:rPr>
+              <a:t>view components</a:t>
+            </a:r>
+            <a:r>
+              <a:rPr lang="en-GB" dirty="0"/>
+              <a:t>, </a:t>
+            </a:r>
+            <a:r>
+              <a:rPr lang="en-GB" dirty="0">
+                <a:solidFill>
+                  <a:srgbClr val="0070C0"/>
+                </a:solidFill>
+              </a:rPr>
+              <a:t>events</a:t>
+            </a:r>
+            <a:r>
+              <a:rPr lang="en-GB" dirty="0"/>
+              <a:t>, </a:t>
+            </a:r>
+            <a:r>
+              <a:rPr lang="en-GB" dirty="0">
+                <a:solidFill>
+                  <a:srgbClr val="C00000"/>
+                </a:solidFill>
+              </a:rPr>
+              <a:t>actions</a:t>
+            </a:r>
+            <a:endParaRPr lang="it-IT" dirty="0">
+              <a:solidFill>
+                <a:srgbClr val="C00000"/>
+              </a:solidFill>
+            </a:endParaRPr>
+          </a:p>
+        </p:txBody>
+      </p:sp>
+    </p:spTree>
+    <p:extLst>
+      <p:ext uri="{BB962C8B-B14F-4D97-AF65-F5344CB8AC3E}">
+        <p14:creationId xmlns:p14="http://schemas.microsoft.com/office/powerpoint/2010/main" val="302696994"/>
+      </p:ext>
+    </p:extLst>
+  </p:cSld>
+  <p:clrMapOvr>
+    <a:masterClrMapping/>
+  </p:clrMapOvr>
+</p:sld>
+</file>
+
+<file path=ppt/slides/slide42.xml><?xml version="1.0" encoding="utf-8"?>
+<p:sld xmlns:a="http://schemas.openxmlformats.org/drawingml/2006/main" xmlns:r="http://schemas.openxmlformats.org/officeDocument/2006/relationships" xmlns:p="http://schemas.openxmlformats.org/presentationml/2006/main">
+  <p:cSld>
+    <p:spTree>
+      <p:nvGrpSpPr>
+        <p:cNvPr id="1" name=""/>
+        <p:cNvGrpSpPr/>
+        <p:nvPr/>
+      </p:nvGrpSpPr>
+      <p:grpSpPr>
+        <a:xfrm>
+          <a:off x="0" y="0"/>
+          <a:ext cx="0" cy="0"/>
+          <a:chOff x="0" y="0"/>
+          <a:chExt cx="0" cy="0"/>
+        </a:xfrm>
+      </p:grpSpPr>
+      <p:sp>
+        <p:nvSpPr>
+          <p:cNvPr id="2" name="Title 1"/>
+          <p:cNvSpPr>
+            <a:spLocks noGrp="1"/>
+          </p:cNvSpPr>
+          <p:nvPr>
+            <p:ph type="title"/>
+          </p:nvPr>
+        </p:nvSpPr>
+        <p:spPr/>
+        <p:txBody>
+          <a:bodyPr/>
+          <a:lstStyle/>
+          <a:p>
+            <a:r>
+              <a:rPr lang="en-GB" dirty="0"/>
+              <a:t>Components</a:t>
+            </a:r>
+          </a:p>
+        </p:txBody>
+      </p:sp>
+      <p:sp>
+        <p:nvSpPr>
+          <p:cNvPr id="4" name="Content Placeholder 3"/>
+          <p:cNvSpPr>
+            <a:spLocks noGrp="1"/>
+          </p:cNvSpPr>
+          <p:nvPr>
+            <p:ph sz="half" idx="1"/>
+          </p:nvPr>
+        </p:nvSpPr>
+        <p:spPr/>
+        <p:txBody>
+          <a:bodyPr>
+            <a:normAutofit lnSpcReduction="10000"/>
+          </a:bodyPr>
+          <a:lstStyle/>
+          <a:p>
+            <a:r>
+              <a:rPr lang="en-GB" dirty="0"/>
+              <a:t>Client components</a:t>
+            </a:r>
+          </a:p>
+          <a:p>
+            <a:pPr lvl="1"/>
+            <a:r>
+              <a:rPr lang="en-GB" sz="2000" dirty="0"/>
+              <a:t>Servlets</a:t>
+            </a:r>
+          </a:p>
+          <a:p>
+            <a:pPr lvl="1"/>
+            <a:r>
+              <a:rPr lang="en-GB" sz="2000" dirty="0"/>
+              <a:t>Views</a:t>
+            </a:r>
+          </a:p>
+          <a:p>
+            <a:pPr lvl="1"/>
+            <a:r>
+              <a:rPr lang="en-GB" sz="2000" dirty="0"/>
+              <a:t>Java Beans</a:t>
+            </a:r>
+          </a:p>
+          <a:p>
+            <a:pPr marL="457200" lvl="1" indent="0">
+              <a:buNone/>
+            </a:pPr>
+            <a:endParaRPr lang="en-GB" sz="2000" dirty="0"/>
+          </a:p>
+          <a:p>
+            <a:pPr marL="457200" lvl="1" indent="0">
+              <a:buNone/>
+            </a:pPr>
+            <a:endParaRPr lang="en-GB" sz="2000" dirty="0"/>
+          </a:p>
+        </p:txBody>
+      </p:sp>
+      <p:sp>
+        <p:nvSpPr>
+          <p:cNvPr id="5" name="Content Placeholder 4"/>
+          <p:cNvSpPr>
+            <a:spLocks noGrp="1"/>
+          </p:cNvSpPr>
+          <p:nvPr>
+            <p:ph sz="half" idx="2"/>
+          </p:nvPr>
+        </p:nvSpPr>
+        <p:spPr>
+          <a:xfrm>
+            <a:off x="4629149" y="1825625"/>
+            <a:ext cx="4418597" cy="4351338"/>
+          </a:xfrm>
+        </p:spPr>
+        <p:txBody>
+          <a:bodyPr>
+            <a:normAutofit lnSpcReduction="10000"/>
+          </a:bodyPr>
+          <a:lstStyle/>
+          <a:p>
+            <a:r>
+              <a:rPr lang="en-GB" dirty="0"/>
+              <a:t>Back end components</a:t>
+            </a:r>
+          </a:p>
+          <a:p>
+            <a:pPr lvl="1"/>
+            <a:r>
+              <a:rPr lang="en-GB" dirty="0"/>
+              <a:t>Entities</a:t>
+            </a:r>
+          </a:p>
+          <a:p>
+            <a:pPr lvl="2"/>
+            <a:r>
+              <a:rPr lang="en-GB" dirty="0"/>
+              <a:t>Entity1</a:t>
+            </a:r>
+          </a:p>
+          <a:p>
+            <a:pPr lvl="2"/>
+            <a:r>
+              <a:rPr lang="en-GB" dirty="0"/>
+              <a:t>Entity2</a:t>
+            </a:r>
+          </a:p>
+          <a:p>
+            <a:pPr lvl="1"/>
+            <a:r>
+              <a:rPr lang="en-GB"/>
+              <a:t>Business Components (EJBs)</a:t>
+            </a:r>
+            <a:endParaRPr lang="en-GB" dirty="0"/>
+          </a:p>
+          <a:p>
+            <a:pPr lvl="2"/>
+            <a:r>
+              <a:rPr lang="en-GB" dirty="0"/>
+              <a:t>BC1 </a:t>
+            </a:r>
+          </a:p>
+          <a:p>
+            <a:pPr lvl="3"/>
+            <a:r>
+              <a:rPr lang="en-GB" dirty="0"/>
+              <a:t>(stateless or stateful)</a:t>
+            </a:r>
+          </a:p>
+          <a:p>
+            <a:pPr lvl="3"/>
+            <a:r>
+              <a:rPr lang="en-GB" dirty="0"/>
+              <a:t>Method BC11( </a:t>
+            </a:r>
+            <a:r>
+              <a:rPr lang="en-GB" dirty="0" err="1"/>
+              <a:t>params</a:t>
+            </a:r>
+            <a:r>
+              <a:rPr lang="en-GB" dirty="0"/>
+              <a:t>)</a:t>
+            </a:r>
+          </a:p>
+          <a:p>
+            <a:pPr lvl="3"/>
+            <a:r>
+              <a:rPr lang="en-GB" dirty="0"/>
+              <a:t>Method BC11( </a:t>
+            </a:r>
+            <a:r>
+              <a:rPr lang="en-GB" dirty="0" err="1"/>
+              <a:t>params</a:t>
+            </a:r>
+            <a:r>
+              <a:rPr lang="en-GB" dirty="0"/>
+              <a:t>)</a:t>
+            </a:r>
+          </a:p>
+          <a:p>
+            <a:pPr lvl="2"/>
+            <a:r>
+              <a:rPr lang="en-GB" dirty="0"/>
+              <a:t>BC2</a:t>
+            </a:r>
+          </a:p>
+          <a:p>
+            <a:pPr lvl="3"/>
+            <a:r>
+              <a:rPr lang="en-GB" dirty="0"/>
+              <a:t>(stateless or stateful)</a:t>
+            </a:r>
+          </a:p>
+          <a:p>
+            <a:pPr lvl="3"/>
+            <a:r>
+              <a:rPr lang="en-GB" dirty="0"/>
+              <a:t>Method BC21( </a:t>
+            </a:r>
+            <a:r>
+              <a:rPr lang="en-GB" dirty="0" err="1"/>
+              <a:t>params</a:t>
+            </a:r>
+            <a:r>
+              <a:rPr lang="en-GB" dirty="0"/>
+              <a:t>)</a:t>
+            </a:r>
+          </a:p>
+          <a:p>
+            <a:pPr lvl="3"/>
+            <a:r>
+              <a:rPr lang="en-GB" dirty="0"/>
+              <a:t>Method BC22( </a:t>
+            </a:r>
+            <a:r>
+              <a:rPr lang="en-GB" dirty="0" err="1"/>
+              <a:t>params</a:t>
+            </a:r>
+            <a:r>
+              <a:rPr lang="en-GB" dirty="0"/>
+              <a:t>)</a:t>
+            </a:r>
+          </a:p>
+          <a:p>
+            <a:pPr lvl="2"/>
+            <a:endParaRPr lang="en-GB" dirty="0"/>
+          </a:p>
+          <a:p>
+            <a:pPr lvl="1"/>
+            <a:endParaRPr lang="en-GB" dirty="0"/>
+          </a:p>
+        </p:txBody>
+      </p:sp>
+    </p:spTree>
+    <p:extLst>
+      <p:ext uri="{BB962C8B-B14F-4D97-AF65-F5344CB8AC3E}">
+        <p14:creationId xmlns:p14="http://schemas.microsoft.com/office/powerpoint/2010/main" val="1681549262"/>
+      </p:ext>
+    </p:extLst>
+  </p:cSld>
+  <p:clrMapOvr>
+    <a:masterClrMapping/>
+  </p:clrMapOvr>
+</p:sld>
+</file>
+
+<file path=ppt/slides/slide43.xml><?xml version="1.0" encoding="utf-8"?>
+<p:sld xmlns:a="http://schemas.openxmlformats.org/drawingml/2006/main" xmlns:r="http://schemas.openxmlformats.org/officeDocument/2006/relationships" xmlns:p="http://schemas.openxmlformats.org/presentationml/2006/main">
+  <p:cSld>
+    <p:spTree>
+      <p:nvGrpSpPr>
+        <p:cNvPr id="1" name=""/>
+        <p:cNvGrpSpPr/>
+        <p:nvPr/>
+      </p:nvGrpSpPr>
+      <p:grpSpPr>
+        <a:xfrm>
+          <a:off x="0" y="0"/>
+          <a:ext cx="0" cy="0"/>
+          <a:chOff x="0" y="0"/>
+          <a:chExt cx="0" cy="0"/>
+        </a:xfrm>
+      </p:grpSpPr>
+      <p:sp>
+        <p:nvSpPr>
+          <p:cNvPr id="2" name="Title 1"/>
+          <p:cNvSpPr>
+            <a:spLocks noGrp="1"/>
+          </p:cNvSpPr>
+          <p:nvPr>
+            <p:ph type="title"/>
+          </p:nvPr>
+        </p:nvSpPr>
+        <p:spPr/>
+        <p:txBody>
+          <a:bodyPr/>
+          <a:lstStyle/>
+          <a:p>
+            <a:r>
+              <a:rPr lang="it-IT" dirty="0"/>
               <a:t>Motivations of the components design</a:t>
             </a:r>
             <a:r>
@@ -16124,7 +17418,7 @@
 </p:sld>
 </file>
 
-<file path=ppt/slides/slide42.xml><?xml version="1.0" encoding="utf-8"?>
+<file path=ppt/slides/slide44.xml><?xml version="1.0" encoding="utf-8"?>
 <p:sld xmlns:a="http://schemas.openxmlformats.org/drawingml/2006/main" xmlns:r="http://schemas.openxmlformats.org/officeDocument/2006/relationships" xmlns:p="http://schemas.openxmlformats.org/presentationml/2006/main">
   <p:cSld>
     <p:spTree>

--- a/docs/documentation.pptx
+++ b/docs/documentation.pptx
@@ -5,7 +5,7 @@
     <p:sldMasterId id="2147483660" r:id="rId1"/>
   </p:sldMasterIdLst>
   <p:notesMasterIdLst>
-    <p:notesMasterId r:id="rId46"/>
+    <p:notesMasterId r:id="rId49"/>
   </p:notesMasterIdLst>
   <p:sldIdLst>
     <p:sldId id="256" r:id="rId2"/>
@@ -44,14 +44,17 @@
     <p:sldId id="295" r:id="rId35"/>
     <p:sldId id="278" r:id="rId36"/>
     <p:sldId id="325" r:id="rId37"/>
-    <p:sldId id="292" r:id="rId38"/>
-    <p:sldId id="281" r:id="rId39"/>
-    <p:sldId id="298" r:id="rId40"/>
-    <p:sldId id="300" r:id="rId41"/>
-    <p:sldId id="299" r:id="rId42"/>
-    <p:sldId id="286" r:id="rId43"/>
-    <p:sldId id="297" r:id="rId44"/>
-    <p:sldId id="296" r:id="rId45"/>
+    <p:sldId id="326" r:id="rId38"/>
+    <p:sldId id="327" r:id="rId39"/>
+    <p:sldId id="328" r:id="rId40"/>
+    <p:sldId id="292" r:id="rId41"/>
+    <p:sldId id="281" r:id="rId42"/>
+    <p:sldId id="298" r:id="rId43"/>
+    <p:sldId id="300" r:id="rId44"/>
+    <p:sldId id="299" r:id="rId45"/>
+    <p:sldId id="286" r:id="rId46"/>
+    <p:sldId id="297" r:id="rId47"/>
+    <p:sldId id="296" r:id="rId48"/>
   </p:sldIdLst>
   <p:sldSz cx="9144000" cy="6858000" type="screen4x3"/>
   <p:notesSz cx="6858000" cy="9144000"/>
@@ -14557,8 +14560,12 @@
           <a:lstStyle/>
           <a:p>
             <a:r>
-              <a:rPr lang="it-IT" dirty="0"/>
-              <a:t>ORM design motivations</a:t>
+              <a:rPr lang="en-GB" dirty="0"/>
+              <a:t>Relationship </a:t>
+            </a:r>
+            <a:r>
+              <a:rPr lang="en-GB" sz="3200" dirty="0"/>
+              <a:t>“service activation schedule” </a:t>
             </a:r>
           </a:p>
         </p:txBody>
@@ -14570,17 +14577,876 @@
             <a:spLocks noGrp="1"/>
           </p:cNvSpPr>
           <p:nvPr>
-            <p:ph idx="1"/>
+            <p:ph sz="half" idx="2"/>
           </p:nvPr>
         </p:nvSpPr>
-        <p:spPr/>
-        <p:txBody>
-          <a:bodyPr/>
-          <a:lstStyle/>
-          <a:p>
-            <a:r>
-              <a:rPr lang="it-IT" dirty="0"/>
-              <a:t>If there are aspects of the ORM that you want to illustrate or motivate, write your explanations after each relationship ORM design slide or at the end of the ORM design section</a:t>
+        <p:spPr>
+          <a:xfrm>
+            <a:off x="4680479" y="1540224"/>
+            <a:ext cx="3886200" cy="4351338"/>
+          </a:xfrm>
+        </p:spPr>
+        <p:txBody>
+          <a:bodyPr>
+            <a:normAutofit lnSpcReduction="10000"/>
+          </a:bodyPr>
+          <a:lstStyle/>
+          <a:p>
+            <a:r>
+              <a:rPr lang="en-GB" dirty="0"/>
+              <a:t>Customer </a:t>
+            </a:r>
+            <a:r>
+              <a:rPr lang="en-GB" dirty="0">
+                <a:sym typeface="Wingdings" panose="05000000000000000000" pitchFamily="2" charset="2"/>
+              </a:rPr>
+              <a:t></a:t>
+            </a:r>
+            <a:r>
+              <a:rPr lang="en-GB" dirty="0"/>
+              <a:t> Service AS </a:t>
+            </a:r>
+            <a:br>
+              <a:rPr lang="en-GB" dirty="0"/>
+            </a:br>
+            <a:r>
+              <a:rPr lang="en-GB" b="1" dirty="0">
+                <a:solidFill>
+                  <a:schemeClr val="accent1"/>
+                </a:solidFill>
+              </a:rPr>
+              <a:t>@OneToMany</a:t>
+            </a:r>
+            <a:endParaRPr lang="en-GB" dirty="0"/>
+          </a:p>
+          <a:p>
+            <a:pPr lvl="1"/>
+            <a:r>
+              <a:rPr lang="en-GB" dirty="0"/>
+              <a:t>including annotations for the attributes and for the relationships, fetch type of attributes and of relationships, and operation cascading policies for relationships  </a:t>
+            </a:r>
+          </a:p>
+          <a:p>
+            <a:r>
+              <a:rPr lang="en-GB" dirty="0"/>
+              <a:t>Service AS </a:t>
+            </a:r>
+            <a:r>
+              <a:rPr lang="en-GB" dirty="0">
+                <a:sym typeface="Wingdings" panose="05000000000000000000" pitchFamily="2" charset="2"/>
+              </a:rPr>
+              <a:t> Customer </a:t>
+            </a:r>
+            <a:br>
+              <a:rPr lang="en-GB" dirty="0">
+                <a:sym typeface="Wingdings" panose="05000000000000000000" pitchFamily="2" charset="2"/>
+              </a:rPr>
+            </a:br>
+            <a:r>
+              <a:rPr lang="en-GB" b="1" dirty="0">
+                <a:solidFill>
+                  <a:schemeClr val="accent1"/>
+                </a:solidFill>
+                <a:sym typeface="Wingdings" panose="05000000000000000000" pitchFamily="2" charset="2"/>
+              </a:rPr>
+              <a:t>@ManyToOne</a:t>
+            </a:r>
+            <a:br>
+              <a:rPr lang="en-GB" dirty="0">
+                <a:sym typeface="Wingdings" panose="05000000000000000000" pitchFamily="2" charset="2"/>
+              </a:rPr>
+            </a:br>
+            <a:r>
+              <a:rPr lang="en-GB" dirty="0">
+                <a:sym typeface="Wingdings" panose="05000000000000000000" pitchFamily="2" charset="2"/>
+              </a:rPr>
+              <a:t>	</a:t>
+            </a:r>
+            <a:r>
+              <a:rPr lang="en-GB" dirty="0">
+                <a:solidFill>
+                  <a:srgbClr val="FF0000"/>
+                </a:solidFill>
+                <a:sym typeface="Wingdings" panose="05000000000000000000" pitchFamily="2" charset="2"/>
+              </a:rPr>
+              <a:t>- Annotations….</a:t>
+            </a:r>
+            <a:endParaRPr lang="en-GB" b="1" dirty="0">
+              <a:solidFill>
+                <a:srgbClr val="FF0000"/>
+              </a:solidFill>
+              <a:sym typeface="Wingdings" panose="05000000000000000000" pitchFamily="2" charset="2"/>
+            </a:endParaRPr>
+          </a:p>
+        </p:txBody>
+      </p:sp>
+      <p:sp>
+        <p:nvSpPr>
+          <p:cNvPr id="6" name="Rectangle 5"/>
+          <p:cNvSpPr/>
+          <p:nvPr/>
+        </p:nvSpPr>
+        <p:spPr>
+          <a:xfrm>
+            <a:off x="2968593" y="1744230"/>
+            <a:ext cx="1568918" cy="471638"/>
+          </a:xfrm>
+          <a:prstGeom prst="rect">
+            <a:avLst/>
+          </a:prstGeom>
+          <a:ln w="38100"/>
+        </p:spPr>
+        <p:style>
+          <a:lnRef idx="2">
+            <a:schemeClr val="accent1"/>
+          </a:lnRef>
+          <a:fillRef idx="1">
+            <a:schemeClr val="lt1"/>
+          </a:fillRef>
+          <a:effectRef idx="0">
+            <a:schemeClr val="accent1"/>
+          </a:effectRef>
+          <a:fontRef idx="minor">
+            <a:schemeClr val="dk1"/>
+          </a:fontRef>
+        </p:style>
+        <p:txBody>
+          <a:bodyPr rtlCol="0" anchor="ctr"/>
+          <a:lstStyle/>
+          <a:p>
+            <a:pPr algn="ctr"/>
+            <a:r>
+              <a:rPr lang="en-GB" sz="1400" dirty="0"/>
+              <a:t>Service Activation Schedule</a:t>
+            </a:r>
+          </a:p>
+        </p:txBody>
+      </p:sp>
+      <p:sp>
+        <p:nvSpPr>
+          <p:cNvPr id="7" name="Rectangle 6"/>
+          <p:cNvSpPr/>
+          <p:nvPr/>
+        </p:nvSpPr>
+        <p:spPr>
+          <a:xfrm>
+            <a:off x="204531" y="1744230"/>
+            <a:ext cx="1568918" cy="471638"/>
+          </a:xfrm>
+          <a:prstGeom prst="rect">
+            <a:avLst/>
+          </a:prstGeom>
+          <a:ln w="38100"/>
+        </p:spPr>
+        <p:style>
+          <a:lnRef idx="2">
+            <a:schemeClr val="accent1"/>
+          </a:lnRef>
+          <a:fillRef idx="1">
+            <a:schemeClr val="lt1"/>
+          </a:fillRef>
+          <a:effectRef idx="0">
+            <a:schemeClr val="accent1"/>
+          </a:effectRef>
+          <a:fontRef idx="minor">
+            <a:schemeClr val="dk1"/>
+          </a:fontRef>
+        </p:style>
+        <p:txBody>
+          <a:bodyPr rtlCol="0" anchor="ctr"/>
+          <a:lstStyle/>
+          <a:p>
+            <a:pPr algn="ctr"/>
+            <a:r>
+              <a:rPr lang="en-GB" dirty="0"/>
+              <a:t>Customer</a:t>
+            </a:r>
+          </a:p>
+        </p:txBody>
+      </p:sp>
+      <p:sp>
+        <p:nvSpPr>
+          <p:cNvPr id="8" name="Diamond 7"/>
+          <p:cNvSpPr/>
+          <p:nvPr/>
+        </p:nvSpPr>
+        <p:spPr>
+          <a:xfrm rot="5400000">
+            <a:off x="2204983" y="1771428"/>
+            <a:ext cx="394638" cy="417244"/>
+          </a:xfrm>
+          <a:prstGeom prst="diamond">
+            <a:avLst/>
+          </a:prstGeom>
+          <a:ln w="38100"/>
+        </p:spPr>
+        <p:style>
+          <a:lnRef idx="2">
+            <a:schemeClr val="accent1"/>
+          </a:lnRef>
+          <a:fillRef idx="1">
+            <a:schemeClr val="lt1"/>
+          </a:fillRef>
+          <a:effectRef idx="0">
+            <a:schemeClr val="accent1"/>
+          </a:effectRef>
+          <a:fontRef idx="minor">
+            <a:schemeClr val="dk1"/>
+          </a:fontRef>
+        </p:style>
+        <p:txBody>
+          <a:bodyPr rtlCol="0" anchor="ctr"/>
+          <a:lstStyle/>
+          <a:p>
+            <a:pPr algn="ctr"/>
+            <a:endParaRPr lang="en-GB">
+              <a:solidFill>
+                <a:schemeClr val="dk1"/>
+              </a:solidFill>
+            </a:endParaRPr>
+          </a:p>
+        </p:txBody>
+      </p:sp>
+      <p:cxnSp>
+        <p:nvCxnSpPr>
+          <p:cNvPr id="9" name="Straight Connector 8"/>
+          <p:cNvCxnSpPr>
+            <a:stCxn id="6" idx="1"/>
+          </p:cNvCxnSpPr>
+          <p:nvPr/>
+        </p:nvCxnSpPr>
+        <p:spPr>
+          <a:xfrm flipH="1">
+            <a:off x="2639800" y="1980049"/>
+            <a:ext cx="328793" cy="1"/>
+          </a:xfrm>
+          <a:prstGeom prst="line">
+            <a:avLst/>
+          </a:prstGeom>
+          <a:ln w="28575">
+            <a:solidFill>
+              <a:schemeClr val="accent1"/>
+            </a:solidFill>
+          </a:ln>
+        </p:spPr>
+        <p:style>
+          <a:lnRef idx="1">
+            <a:schemeClr val="accent1"/>
+          </a:lnRef>
+          <a:fillRef idx="0">
+            <a:schemeClr val="accent1"/>
+          </a:fillRef>
+          <a:effectRef idx="0">
+            <a:schemeClr val="accent1"/>
+          </a:effectRef>
+          <a:fontRef idx="minor">
+            <a:schemeClr val="tx1"/>
+          </a:fontRef>
+        </p:style>
+      </p:cxnSp>
+      <p:cxnSp>
+        <p:nvCxnSpPr>
+          <p:cNvPr id="10" name="Straight Connector 9"/>
+          <p:cNvCxnSpPr>
+            <a:stCxn id="8" idx="2"/>
+          </p:cNvCxnSpPr>
+          <p:nvPr/>
+        </p:nvCxnSpPr>
+        <p:spPr>
+          <a:xfrm flipH="1">
+            <a:off x="1773450" y="1980050"/>
+            <a:ext cx="420230" cy="0"/>
+          </a:xfrm>
+          <a:prstGeom prst="line">
+            <a:avLst/>
+          </a:prstGeom>
+          <a:ln w="28575">
+            <a:solidFill>
+              <a:schemeClr val="accent1"/>
+            </a:solidFill>
+          </a:ln>
+        </p:spPr>
+        <p:style>
+          <a:lnRef idx="1">
+            <a:schemeClr val="accent1"/>
+          </a:lnRef>
+          <a:fillRef idx="0">
+            <a:schemeClr val="accent1"/>
+          </a:fillRef>
+          <a:effectRef idx="0">
+            <a:schemeClr val="accent1"/>
+          </a:effectRef>
+          <a:fontRef idx="minor">
+            <a:schemeClr val="tx1"/>
+          </a:fontRef>
+        </p:style>
+      </p:cxnSp>
+      <p:sp>
+        <p:nvSpPr>
+          <p:cNvPr id="11" name="TextBox 10"/>
+          <p:cNvSpPr txBox="1"/>
+          <p:nvPr/>
+        </p:nvSpPr>
+        <p:spPr>
+          <a:xfrm>
+            <a:off x="2548363" y="2105721"/>
+            <a:ext cx="481222" cy="369332"/>
+          </a:xfrm>
+          <a:prstGeom prst="rect">
+            <a:avLst/>
+          </a:prstGeom>
+          <a:noFill/>
+        </p:spPr>
+        <p:txBody>
+          <a:bodyPr wrap="none" rtlCol="0">
+            <a:spAutoFit/>
+          </a:bodyPr>
+          <a:lstStyle/>
+          <a:p>
+            <a:r>
+              <a:rPr lang="en-GB" dirty="0"/>
+              <a:t>1:1</a:t>
+            </a:r>
+          </a:p>
+        </p:txBody>
+      </p:sp>
+      <p:sp>
+        <p:nvSpPr>
+          <p:cNvPr id="12" name="TextBox 11"/>
+          <p:cNvSpPr txBox="1"/>
+          <p:nvPr/>
+        </p:nvSpPr>
+        <p:spPr>
+          <a:xfrm>
+            <a:off x="1824778" y="2110612"/>
+            <a:ext cx="513282" cy="369332"/>
+          </a:xfrm>
+          <a:prstGeom prst="rect">
+            <a:avLst/>
+          </a:prstGeom>
+          <a:noFill/>
+        </p:spPr>
+        <p:txBody>
+          <a:bodyPr wrap="none" rtlCol="0">
+            <a:spAutoFit/>
+          </a:bodyPr>
+          <a:lstStyle/>
+          <a:p>
+            <a:r>
+              <a:rPr lang="en-GB" dirty="0"/>
+              <a:t>0:N</a:t>
+            </a:r>
+          </a:p>
+        </p:txBody>
+      </p:sp>
+      <p:sp>
+        <p:nvSpPr>
+          <p:cNvPr id="13" name="TextBox 12"/>
+          <p:cNvSpPr txBox="1"/>
+          <p:nvPr/>
+        </p:nvSpPr>
+        <p:spPr>
+          <a:xfrm>
+            <a:off x="2132865" y="1406905"/>
+            <a:ext cx="527645" cy="369332"/>
+          </a:xfrm>
+          <a:prstGeom prst="rect">
+            <a:avLst/>
+          </a:prstGeom>
+          <a:noFill/>
+        </p:spPr>
+        <p:txBody>
+          <a:bodyPr wrap="none" rtlCol="0">
+            <a:spAutoFit/>
+          </a:bodyPr>
+          <a:lstStyle/>
+          <a:p>
+            <a:r>
+              <a:rPr lang="en-GB" dirty="0"/>
+              <a:t>SAS</a:t>
+            </a:r>
+          </a:p>
+        </p:txBody>
+      </p:sp>
+      <p:sp>
+        <p:nvSpPr>
+          <p:cNvPr id="14" name="Rectangle 13"/>
+          <p:cNvSpPr/>
+          <p:nvPr/>
+        </p:nvSpPr>
+        <p:spPr>
+          <a:xfrm>
+            <a:off x="2986239" y="3167167"/>
+            <a:ext cx="1568918" cy="471638"/>
+          </a:xfrm>
+          <a:prstGeom prst="rect">
+            <a:avLst/>
+          </a:prstGeom>
+          <a:noFill/>
+          <a:ln w="38100">
+            <a:solidFill>
+              <a:srgbClr val="00B050"/>
+            </a:solidFill>
+          </a:ln>
+        </p:spPr>
+        <p:style>
+          <a:lnRef idx="2">
+            <a:schemeClr val="accent1"/>
+          </a:lnRef>
+          <a:fillRef idx="1">
+            <a:schemeClr val="lt1"/>
+          </a:fillRef>
+          <a:effectRef idx="0">
+            <a:schemeClr val="accent1"/>
+          </a:effectRef>
+          <a:fontRef idx="minor">
+            <a:schemeClr val="dk1"/>
+          </a:fontRef>
+        </p:style>
+        <p:txBody>
+          <a:bodyPr rtlCol="0" anchor="ctr"/>
+          <a:lstStyle/>
+          <a:p>
+            <a:pPr algn="ctr"/>
+            <a:r>
+              <a:rPr lang="en-GB" sz="1400" dirty="0"/>
+              <a:t>Service Activation Schedule</a:t>
+            </a:r>
+          </a:p>
+        </p:txBody>
+      </p:sp>
+      <p:sp>
+        <p:nvSpPr>
+          <p:cNvPr id="15" name="Rectangle 14"/>
+          <p:cNvSpPr/>
+          <p:nvPr/>
+        </p:nvSpPr>
+        <p:spPr>
+          <a:xfrm>
+            <a:off x="222177" y="3167167"/>
+            <a:ext cx="1568918" cy="471638"/>
+          </a:xfrm>
+          <a:prstGeom prst="rect">
+            <a:avLst/>
+          </a:prstGeom>
+          <a:noFill/>
+          <a:ln w="38100">
+            <a:solidFill>
+              <a:srgbClr val="00B050"/>
+            </a:solidFill>
+          </a:ln>
+        </p:spPr>
+        <p:style>
+          <a:lnRef idx="2">
+            <a:schemeClr val="accent1"/>
+          </a:lnRef>
+          <a:fillRef idx="1">
+            <a:schemeClr val="lt1"/>
+          </a:fillRef>
+          <a:effectRef idx="0">
+            <a:schemeClr val="accent1"/>
+          </a:effectRef>
+          <a:fontRef idx="minor">
+            <a:schemeClr val="dk1"/>
+          </a:fontRef>
+        </p:style>
+        <p:txBody>
+          <a:bodyPr rtlCol="0" anchor="ctr"/>
+          <a:lstStyle/>
+          <a:p>
+            <a:pPr algn="ctr"/>
+            <a:r>
+              <a:rPr lang="en-GB" dirty="0"/>
+              <a:t>Customer</a:t>
+            </a:r>
+          </a:p>
+        </p:txBody>
+      </p:sp>
+      <p:cxnSp>
+        <p:nvCxnSpPr>
+          <p:cNvPr id="16" name="Straight Connector 15"/>
+          <p:cNvCxnSpPr>
+            <a:stCxn id="14" idx="1"/>
+            <a:endCxn id="15" idx="3"/>
+          </p:cNvCxnSpPr>
+          <p:nvPr/>
+        </p:nvCxnSpPr>
+        <p:spPr>
+          <a:xfrm flipH="1">
+            <a:off x="1791095" y="3402986"/>
+            <a:ext cx="1195144" cy="0"/>
+          </a:xfrm>
+          <a:prstGeom prst="line">
+            <a:avLst/>
+          </a:prstGeom>
+          <a:ln w="38100">
+            <a:solidFill>
+              <a:srgbClr val="00B050"/>
+            </a:solidFill>
+            <a:headEnd type="triangle" w="med" len="med"/>
+            <a:tailEnd type="none" w="med" len="med"/>
+          </a:ln>
+        </p:spPr>
+        <p:style>
+          <a:lnRef idx="1">
+            <a:schemeClr val="accent1"/>
+          </a:lnRef>
+          <a:fillRef idx="0">
+            <a:schemeClr val="accent1"/>
+          </a:fillRef>
+          <a:effectRef idx="0">
+            <a:schemeClr val="accent1"/>
+          </a:effectRef>
+          <a:fontRef idx="minor">
+            <a:schemeClr val="tx1"/>
+          </a:fontRef>
+        </p:style>
+      </p:cxnSp>
+      <p:sp>
+        <p:nvSpPr>
+          <p:cNvPr id="17" name="Rectangle 16"/>
+          <p:cNvSpPr/>
+          <p:nvPr/>
+        </p:nvSpPr>
+        <p:spPr>
+          <a:xfrm>
+            <a:off x="2994260" y="4474599"/>
+            <a:ext cx="1568918" cy="471638"/>
+          </a:xfrm>
+          <a:prstGeom prst="rect">
+            <a:avLst/>
+          </a:prstGeom>
+          <a:noFill/>
+          <a:ln w="38100">
+            <a:solidFill>
+              <a:srgbClr val="00B050"/>
+            </a:solidFill>
+          </a:ln>
+        </p:spPr>
+        <p:style>
+          <a:lnRef idx="2">
+            <a:schemeClr val="accent1"/>
+          </a:lnRef>
+          <a:fillRef idx="1">
+            <a:schemeClr val="lt1"/>
+          </a:fillRef>
+          <a:effectRef idx="0">
+            <a:schemeClr val="accent1"/>
+          </a:effectRef>
+          <a:fontRef idx="minor">
+            <a:schemeClr val="dk1"/>
+          </a:fontRef>
+        </p:style>
+        <p:txBody>
+          <a:bodyPr rtlCol="0" anchor="ctr"/>
+          <a:lstStyle/>
+          <a:p>
+            <a:pPr algn="ctr"/>
+            <a:r>
+              <a:rPr kumimoji="0" lang="en-GB" sz="1400" b="0" i="0" u="none" strike="noStrike" kern="1200" cap="none" spc="0" normalizeH="0" baseline="0" noProof="0" dirty="0">
+                <a:ln>
+                  <a:noFill/>
+                </a:ln>
+                <a:solidFill>
+                  <a:prstClr val="black"/>
+                </a:solidFill>
+                <a:effectLst/>
+                <a:uLnTx/>
+                <a:uFillTx/>
+                <a:latin typeface="Calibri" panose="020F0502020204030204"/>
+                <a:ea typeface="+mn-ea"/>
+                <a:cs typeface="+mn-cs"/>
+              </a:rPr>
+              <a:t>Service Activation Schedule</a:t>
+            </a:r>
+            <a:endParaRPr lang="en-GB" dirty="0"/>
+          </a:p>
+        </p:txBody>
+      </p:sp>
+      <p:sp>
+        <p:nvSpPr>
+          <p:cNvPr id="18" name="Rectangle 17"/>
+          <p:cNvSpPr/>
+          <p:nvPr/>
+        </p:nvSpPr>
+        <p:spPr>
+          <a:xfrm>
+            <a:off x="230198" y="4474599"/>
+            <a:ext cx="1568918" cy="471638"/>
+          </a:xfrm>
+          <a:prstGeom prst="rect">
+            <a:avLst/>
+          </a:prstGeom>
+          <a:noFill/>
+          <a:ln w="38100">
+            <a:solidFill>
+              <a:srgbClr val="00B050"/>
+            </a:solidFill>
+          </a:ln>
+        </p:spPr>
+        <p:style>
+          <a:lnRef idx="2">
+            <a:schemeClr val="accent1"/>
+          </a:lnRef>
+          <a:fillRef idx="1">
+            <a:schemeClr val="lt1"/>
+          </a:fillRef>
+          <a:effectRef idx="0">
+            <a:schemeClr val="accent1"/>
+          </a:effectRef>
+          <a:fontRef idx="minor">
+            <a:schemeClr val="dk1"/>
+          </a:fontRef>
+        </p:style>
+        <p:txBody>
+          <a:bodyPr rtlCol="0" anchor="ctr"/>
+          <a:lstStyle/>
+          <a:p>
+            <a:pPr algn="ctr"/>
+            <a:r>
+              <a:rPr lang="en-GB" dirty="0"/>
+              <a:t>Customer</a:t>
+            </a:r>
+          </a:p>
+        </p:txBody>
+      </p:sp>
+      <p:cxnSp>
+        <p:nvCxnSpPr>
+          <p:cNvPr id="19" name="Straight Connector 18"/>
+          <p:cNvCxnSpPr>
+            <a:stCxn id="17" idx="1"/>
+            <a:endCxn id="18" idx="3"/>
+          </p:cNvCxnSpPr>
+          <p:nvPr/>
+        </p:nvCxnSpPr>
+        <p:spPr>
+          <a:xfrm flipH="1">
+            <a:off x="1799116" y="4710418"/>
+            <a:ext cx="1195144" cy="0"/>
+          </a:xfrm>
+          <a:prstGeom prst="line">
+            <a:avLst/>
+          </a:prstGeom>
+          <a:ln w="38100">
+            <a:solidFill>
+              <a:srgbClr val="00B050"/>
+            </a:solidFill>
+            <a:headEnd type="none" w="med" len="med"/>
+            <a:tailEnd type="triangle" w="med" len="med"/>
+          </a:ln>
+        </p:spPr>
+        <p:style>
+          <a:lnRef idx="1">
+            <a:schemeClr val="accent1"/>
+          </a:lnRef>
+          <a:fillRef idx="0">
+            <a:schemeClr val="accent1"/>
+          </a:fillRef>
+          <a:effectRef idx="0">
+            <a:schemeClr val="accent1"/>
+          </a:effectRef>
+          <a:fontRef idx="minor">
+            <a:schemeClr val="tx1"/>
+          </a:fontRef>
+        </p:style>
+      </p:cxnSp>
+      <p:sp>
+        <p:nvSpPr>
+          <p:cNvPr id="20" name="TextBox 19"/>
+          <p:cNvSpPr txBox="1"/>
+          <p:nvPr/>
+        </p:nvSpPr>
+        <p:spPr>
+          <a:xfrm>
+            <a:off x="2671888" y="3134022"/>
+            <a:ext cx="300082" cy="369332"/>
+          </a:xfrm>
+          <a:prstGeom prst="rect">
+            <a:avLst/>
+          </a:prstGeom>
+          <a:noFill/>
+        </p:spPr>
+        <p:txBody>
+          <a:bodyPr wrap="none" rtlCol="0">
+            <a:spAutoFit/>
+          </a:bodyPr>
+          <a:lstStyle/>
+          <a:p>
+            <a:r>
+              <a:rPr lang="en-GB" dirty="0"/>
+              <a:t>*</a:t>
+            </a:r>
+          </a:p>
+        </p:txBody>
+      </p:sp>
+      <p:sp>
+        <p:nvSpPr>
+          <p:cNvPr id="21" name="TextBox 20"/>
+          <p:cNvSpPr txBox="1"/>
+          <p:nvPr/>
+        </p:nvSpPr>
+        <p:spPr>
+          <a:xfrm>
+            <a:off x="1786359" y="4308305"/>
+            <a:ext cx="301686" cy="369332"/>
+          </a:xfrm>
+          <a:prstGeom prst="rect">
+            <a:avLst/>
+          </a:prstGeom>
+          <a:noFill/>
+        </p:spPr>
+        <p:txBody>
+          <a:bodyPr wrap="none" rtlCol="0">
+            <a:spAutoFit/>
+          </a:bodyPr>
+          <a:lstStyle/>
+          <a:p>
+            <a:r>
+              <a:rPr lang="en-GB" dirty="0"/>
+              <a:t>1</a:t>
+            </a:r>
+          </a:p>
+        </p:txBody>
+      </p:sp>
+      <p:sp>
+        <p:nvSpPr>
+          <p:cNvPr id="4" name="TextBox 3">
+            <a:extLst>
+              <a:ext uri="{FF2B5EF4-FFF2-40B4-BE49-F238E27FC236}">
+                <a16:creationId xmlns:a16="http://schemas.microsoft.com/office/drawing/2014/main" id="{B284E848-923A-43E1-8640-AE8DBA211CE1}"/>
+              </a:ext>
+            </a:extLst>
+          </p:cNvPr>
+          <p:cNvSpPr txBox="1"/>
+          <p:nvPr/>
+        </p:nvSpPr>
+        <p:spPr>
+          <a:xfrm>
+            <a:off x="274881" y="5717803"/>
+            <a:ext cx="7483494" cy="923330"/>
+          </a:xfrm>
+          <a:prstGeom prst="rect">
+            <a:avLst/>
+          </a:prstGeom>
+          <a:noFill/>
+        </p:spPr>
+        <p:txBody>
+          <a:bodyPr wrap="square" rtlCol="0">
+            <a:spAutoFit/>
+          </a:bodyPr>
+          <a:lstStyle/>
+          <a:p>
+            <a:r>
+              <a:rPr lang="it-IT" dirty="0" err="1"/>
+              <a:t>Both</a:t>
+            </a:r>
+            <a:r>
+              <a:rPr lang="it-IT" dirty="0"/>
+              <a:t> </a:t>
+            </a:r>
+            <a:r>
+              <a:rPr lang="it-IT" dirty="0" err="1"/>
+              <a:t>these</a:t>
+            </a:r>
+            <a:r>
+              <a:rPr lang="it-IT" dirty="0"/>
+              <a:t> </a:t>
+            </a:r>
+            <a:r>
+              <a:rPr lang="it-IT" dirty="0" err="1"/>
+              <a:t>relationships</a:t>
+            </a:r>
+            <a:r>
+              <a:rPr lang="it-IT" dirty="0"/>
+              <a:t> are </a:t>
+            </a:r>
+            <a:r>
+              <a:rPr lang="it-IT" dirty="0" err="1"/>
+              <a:t>actually</a:t>
+            </a:r>
+            <a:r>
+              <a:rPr lang="it-IT" dirty="0"/>
+              <a:t> </a:t>
+            </a:r>
+            <a:r>
+              <a:rPr lang="it-IT" dirty="0" err="1"/>
+              <a:t>unused</a:t>
+            </a:r>
+            <a:r>
+              <a:rPr lang="it-IT" dirty="0"/>
+              <a:t> in the </a:t>
+            </a:r>
+            <a:r>
+              <a:rPr lang="it-IT" dirty="0" err="1"/>
+              <a:t>application</a:t>
+            </a:r>
+            <a:r>
+              <a:rPr lang="it-IT" dirty="0"/>
+              <a:t> since a Service Activation Schedule </a:t>
+            </a:r>
+            <a:r>
+              <a:rPr lang="it-IT" dirty="0" err="1"/>
+              <a:t>is</a:t>
+            </a:r>
+            <a:r>
+              <a:rPr lang="it-IT" dirty="0"/>
+              <a:t> only </a:t>
+            </a:r>
+            <a:r>
+              <a:rPr lang="it-IT" dirty="0" err="1"/>
+              <a:t>created</a:t>
+            </a:r>
+            <a:r>
+              <a:rPr lang="it-IT" dirty="0"/>
+              <a:t> and </a:t>
+            </a:r>
+            <a:r>
+              <a:rPr lang="it-IT" dirty="0" err="1"/>
+              <a:t>never</a:t>
+            </a:r>
+            <a:r>
+              <a:rPr lang="it-IT" dirty="0"/>
+              <a:t> </a:t>
+            </a:r>
+            <a:r>
+              <a:rPr lang="it-IT" dirty="0" err="1"/>
+              <a:t>queried</a:t>
+            </a:r>
+            <a:r>
+              <a:rPr lang="it-IT" dirty="0"/>
+              <a:t>. </a:t>
+            </a:r>
+            <a:r>
+              <a:rPr lang="it-IT" dirty="0" err="1"/>
+              <a:t>Anyway</a:t>
+            </a:r>
+            <a:r>
+              <a:rPr lang="it-IT" dirty="0"/>
+              <a:t> we put them in </a:t>
+            </a:r>
+            <a:r>
+              <a:rPr lang="it-IT" dirty="0" err="1"/>
+              <a:t>our</a:t>
+            </a:r>
+            <a:r>
+              <a:rPr lang="it-IT" dirty="0"/>
+              <a:t> ORM schema for </a:t>
+            </a:r>
+            <a:r>
+              <a:rPr lang="it-IT" dirty="0" err="1"/>
+              <a:t>coherence</a:t>
+            </a:r>
+            <a:r>
+              <a:rPr lang="it-IT" dirty="0"/>
+              <a:t> and </a:t>
+            </a:r>
+            <a:r>
+              <a:rPr lang="it-IT" dirty="0" err="1"/>
+              <a:t>clarity</a:t>
+            </a:r>
+            <a:r>
+              <a:rPr lang="it-IT" dirty="0"/>
+              <a:t>.</a:t>
             </a:r>
           </a:p>
         </p:txBody>
@@ -14588,7 +15454,7 @@
     </p:spTree>
     <p:extLst>
       <p:ext uri="{BB962C8B-B14F-4D97-AF65-F5344CB8AC3E}">
-        <p14:creationId xmlns:p14="http://schemas.microsoft.com/office/powerpoint/2010/main" val="2955575121"/>
+        <p14:creationId xmlns:p14="http://schemas.microsoft.com/office/powerpoint/2010/main" val="3476109086"/>
       </p:ext>
     </p:extLst>
   </p:cSld>
@@ -14632,7 +15498,19 @@
           <a:p>
             <a:r>
               <a:rPr lang="en-GB" dirty="0"/>
-              <a:t>Entity Employee</a:t>
+              <a:t>Relationship </a:t>
+            </a:r>
+            <a:r>
+              <a:rPr lang="en-GB" sz="2800" dirty="0"/>
+              <a:t>“</a:t>
+            </a:r>
+            <a:r>
+              <a:rPr lang="en-GB" sz="2800" dirty="0" err="1"/>
+              <a:t>Service_Package_Order_link</a:t>
+            </a:r>
+            <a:r>
+              <a:rPr lang="en-GB" sz="2800" dirty="0"/>
+              <a:t>” </a:t>
             </a:r>
           </a:p>
         </p:txBody>
@@ -14644,390 +15522,758 @@
             <a:spLocks noGrp="1"/>
           </p:cNvSpPr>
           <p:nvPr>
-            <p:ph idx="1"/>
+            <p:ph sz="half" idx="2"/>
           </p:nvPr>
         </p:nvSpPr>
         <p:spPr>
           <a:xfrm>
-            <a:off x="1" y="1434164"/>
-            <a:ext cx="9144000" cy="5342021"/>
+            <a:off x="4680479" y="1540224"/>
+            <a:ext cx="3886200" cy="4351338"/>
           </a:xfrm>
         </p:spPr>
         <p:txBody>
           <a:bodyPr>
-            <a:normAutofit/>
+            <a:normAutofit fontScale="92500"/>
           </a:bodyPr>
           <a:lstStyle/>
           <a:p>
-            <a:pPr marL="0" indent="0">
-              <a:spcBef>
-                <a:spcPts val="0"/>
-              </a:spcBef>
-              <a:buNone/>
-            </a:pPr>
-            <a:r>
-              <a:rPr lang="en-GB" sz="1500" dirty="0">
-                <a:latin typeface="Courier New" panose="02070309020205020404" pitchFamily="49" charset="0"/>
-                <a:cs typeface="Courier New" panose="02070309020205020404" pitchFamily="49" charset="0"/>
-              </a:rPr>
-              <a:t>@Entity</a:t>
-            </a:r>
-          </a:p>
-          <a:p>
-            <a:pPr marL="0" indent="0">
-              <a:spcBef>
-                <a:spcPts val="0"/>
-              </a:spcBef>
-              <a:buNone/>
-            </a:pPr>
-            <a:r>
-              <a:rPr lang="en-GB" sz="1500" dirty="0">
-                <a:latin typeface="Courier New" panose="02070309020205020404" pitchFamily="49" charset="0"/>
-                <a:cs typeface="Courier New" panose="02070309020205020404" pitchFamily="49" charset="0"/>
-              </a:rPr>
-              <a:t>@</a:t>
-            </a:r>
-            <a:r>
-              <a:rPr lang="en-GB" sz="1500" dirty="0" err="1">
-                <a:latin typeface="Courier New" panose="02070309020205020404" pitchFamily="49" charset="0"/>
-                <a:cs typeface="Courier New" panose="02070309020205020404" pitchFamily="49" charset="0"/>
-              </a:rPr>
-              <a:t>NamedQueries</a:t>
-            </a:r>
-            <a:r>
-              <a:rPr lang="en-GB" sz="1500" dirty="0">
-                <a:latin typeface="Courier New" panose="02070309020205020404" pitchFamily="49" charset="0"/>
-                <a:cs typeface="Courier New" panose="02070309020205020404" pitchFamily="49" charset="0"/>
-              </a:rPr>
-              <a:t>({ </a:t>
+            <a:r>
+              <a:rPr lang="en-GB" dirty="0"/>
+              <a:t>Service Package </a:t>
+            </a:r>
+            <a:r>
+              <a:rPr lang="en-GB" dirty="0">
+                <a:sym typeface="Wingdings" panose="05000000000000000000" pitchFamily="2" charset="2"/>
+              </a:rPr>
+              <a:t></a:t>
+            </a:r>
+            <a:r>
+              <a:rPr lang="en-GB" dirty="0"/>
+              <a:t> Order</a:t>
             </a:r>
             <a:br>
-              <a:rPr lang="en-GB" sz="1500" dirty="0">
-                <a:latin typeface="Courier New" panose="02070309020205020404" pitchFamily="49" charset="0"/>
-                <a:cs typeface="Courier New" panose="02070309020205020404" pitchFamily="49" charset="0"/>
-              </a:rPr>
+              <a:rPr lang="en-GB" dirty="0"/>
             </a:br>
             <a:r>
-              <a:rPr lang="en-GB" sz="1500" dirty="0">
-                <a:latin typeface="Courier New" panose="02070309020205020404" pitchFamily="49" charset="0"/>
-                <a:cs typeface="Courier New" panose="02070309020205020404" pitchFamily="49" charset="0"/>
-              </a:rPr>
-              <a:t>  @</a:t>
-            </a:r>
-            <a:r>
-              <a:rPr lang="en-GB" sz="1500" dirty="0" err="1">
-                <a:latin typeface="Courier New" panose="02070309020205020404" pitchFamily="49" charset="0"/>
-                <a:cs typeface="Courier New" panose="02070309020205020404" pitchFamily="49" charset="0"/>
-              </a:rPr>
-              <a:t>NamedQuery</a:t>
-            </a:r>
-            <a:r>
-              <a:rPr lang="en-GB" sz="1500" dirty="0">
-                <a:latin typeface="Courier New" panose="02070309020205020404" pitchFamily="49" charset="0"/>
-                <a:cs typeface="Courier New" panose="02070309020205020404" pitchFamily="49" charset="0"/>
-              </a:rPr>
-              <a:t>(name = “</a:t>
-            </a:r>
-            <a:r>
-              <a:rPr lang="en-GB" sz="1500" dirty="0" err="1">
-                <a:latin typeface="Courier New" panose="02070309020205020404" pitchFamily="49" charset="0"/>
-                <a:cs typeface="Courier New" panose="02070309020205020404" pitchFamily="49" charset="0"/>
-              </a:rPr>
-              <a:t>A.query</a:t>
-            </a:r>
-            <a:r>
-              <a:rPr lang="en-GB" sz="1500" dirty="0">
-                <a:latin typeface="Courier New" panose="02070309020205020404" pitchFamily="49" charset="0"/>
-                <a:cs typeface="Courier New" panose="02070309020205020404" pitchFamily="49" charset="0"/>
-              </a:rPr>
-              <a:t>", query = </a:t>
+              <a:rPr lang="en-GB" b="1" dirty="0">
+                <a:solidFill>
+                  <a:schemeClr val="accent1"/>
+                </a:solidFill>
+              </a:rPr>
+              <a:t>@ManyToOne</a:t>
             </a:r>
             <a:br>
-              <a:rPr lang="en-GB" sz="1500" dirty="0">
-                <a:latin typeface="Courier New" panose="02070309020205020404" pitchFamily="49" charset="0"/>
-                <a:cs typeface="Courier New" panose="02070309020205020404" pitchFamily="49" charset="0"/>
+              <a:rPr lang="en-GB" b="1" dirty="0">
+                <a:solidFill>
+                  <a:schemeClr val="accent1"/>
+                </a:solidFill>
               </a:rPr>
             </a:br>
             <a:r>
-              <a:rPr lang="en-GB" sz="1500" dirty="0">
-                <a:latin typeface="Courier New" panose="02070309020205020404" pitchFamily="49" charset="0"/>
-                <a:cs typeface="Courier New" panose="02070309020205020404" pitchFamily="49" charset="0"/>
-              </a:rPr>
-              <a:t>    “ . . . "),</a:t>
-            </a:r>
-          </a:p>
-          <a:p>
-            <a:pPr marL="0" indent="0">
-              <a:spcBef>
-                <a:spcPts val="0"/>
-              </a:spcBef>
-              <a:buNone/>
-            </a:pPr>
-            <a:r>
-              <a:rPr lang="en-GB" sz="1500" dirty="0">
-                <a:latin typeface="Courier New" panose="02070309020205020404" pitchFamily="49" charset="0"/>
-                <a:cs typeface="Courier New" panose="02070309020205020404" pitchFamily="49" charset="0"/>
-              </a:rPr>
-              <a:t>   . . .})</a:t>
-            </a:r>
-          </a:p>
-          <a:p>
-            <a:pPr marL="0" indent="0">
-              <a:spcBef>
-                <a:spcPts val="0"/>
-              </a:spcBef>
-              <a:buNone/>
-            </a:pPr>
-            <a:endParaRPr lang="en-GB" sz="1500" dirty="0">
-              <a:latin typeface="Courier New" panose="02070309020205020404" pitchFamily="49" charset="0"/>
-              <a:cs typeface="Courier New" panose="02070309020205020404" pitchFamily="49" charset="0"/>
+              <a:rPr lang="en-GB" sz="2200" dirty="0"/>
+              <a:t>can be omitted because it isn’t necessary to retrieve which orders contain the service packages</a:t>
+            </a:r>
+          </a:p>
+          <a:p>
+            <a:r>
+              <a:rPr lang="en-GB" dirty="0"/>
+              <a:t>Order </a:t>
+            </a:r>
+            <a:r>
+              <a:rPr lang="en-GB" dirty="0">
+                <a:sym typeface="Wingdings" panose="05000000000000000000" pitchFamily="2" charset="2"/>
+              </a:rPr>
+              <a:t> Service Package</a:t>
+            </a:r>
+            <a:br>
+              <a:rPr lang="en-GB" dirty="0">
+                <a:sym typeface="Wingdings" panose="05000000000000000000" pitchFamily="2" charset="2"/>
+              </a:rPr>
+            </a:br>
+            <a:r>
+              <a:rPr lang="en-GB" b="1" dirty="0">
+                <a:solidFill>
+                  <a:schemeClr val="accent1"/>
+                </a:solidFill>
+                <a:sym typeface="Wingdings" panose="05000000000000000000" pitchFamily="2" charset="2"/>
+              </a:rPr>
+              <a:t>@OneToMany</a:t>
+            </a:r>
+            <a:br>
+              <a:rPr lang="en-GB" b="1" dirty="0">
+                <a:solidFill>
+                  <a:schemeClr val="accent1"/>
+                </a:solidFill>
+                <a:sym typeface="Wingdings" panose="05000000000000000000" pitchFamily="2" charset="2"/>
+              </a:rPr>
+            </a:br>
+            <a:r>
+              <a:rPr lang="en-GB" sz="2000" dirty="0">
+                <a:sym typeface="Wingdings" panose="05000000000000000000" pitchFamily="2" charset="2"/>
+              </a:rPr>
+              <a:t>is necessary in order to know which service package has been ordered</a:t>
+            </a:r>
+            <a:br>
+              <a:rPr lang="en-GB" dirty="0">
+                <a:sym typeface="Wingdings" panose="05000000000000000000" pitchFamily="2" charset="2"/>
+              </a:rPr>
+            </a:br>
+            <a:r>
+              <a:rPr lang="en-GB" dirty="0">
+                <a:sym typeface="Wingdings" panose="05000000000000000000" pitchFamily="2" charset="2"/>
+              </a:rPr>
+              <a:t>	</a:t>
+            </a:r>
+            <a:r>
+              <a:rPr lang="en-GB" dirty="0">
+                <a:solidFill>
+                  <a:srgbClr val="FF0000"/>
+                </a:solidFill>
+                <a:sym typeface="Wingdings" panose="05000000000000000000" pitchFamily="2" charset="2"/>
+              </a:rPr>
+              <a:t>- Annotations….</a:t>
+            </a:r>
+            <a:endParaRPr lang="en-GB" b="1" dirty="0">
+              <a:solidFill>
+                <a:srgbClr val="FF0000"/>
+              </a:solidFill>
+              <a:sym typeface="Wingdings" panose="05000000000000000000" pitchFamily="2" charset="2"/>
             </a:endParaRPr>
           </a:p>
-          <a:p>
-            <a:pPr marL="0" indent="0">
-              <a:spcBef>
-                <a:spcPts val="0"/>
-              </a:spcBef>
-              <a:buNone/>
-            </a:pPr>
-            <a:r>
-              <a:rPr lang="en-GB" sz="1500" dirty="0">
-                <a:latin typeface="Courier New" panose="02070309020205020404" pitchFamily="49" charset="0"/>
-                <a:cs typeface="Courier New" panose="02070309020205020404" pitchFamily="49" charset="0"/>
-              </a:rPr>
-              <a:t>public class A implements Serializable {</a:t>
-            </a:r>
-          </a:p>
-          <a:p>
-            <a:pPr marL="0" indent="0">
-              <a:spcBef>
-                <a:spcPts val="0"/>
-              </a:spcBef>
-              <a:buNone/>
-            </a:pPr>
-            <a:r>
-              <a:rPr lang="en-GB" sz="1500" dirty="0">
-                <a:latin typeface="Courier New" panose="02070309020205020404" pitchFamily="49" charset="0"/>
-                <a:cs typeface="Courier New" panose="02070309020205020404" pitchFamily="49" charset="0"/>
-              </a:rPr>
-              <a:t>..</a:t>
-            </a:r>
-          </a:p>
-          <a:p>
-            <a:pPr marL="0" indent="0">
-              <a:spcBef>
-                <a:spcPts val="0"/>
-              </a:spcBef>
-              <a:buNone/>
-            </a:pPr>
-            <a:endParaRPr lang="en-GB" sz="1500" dirty="0">
-              <a:latin typeface="Courier New" panose="02070309020205020404" pitchFamily="49" charset="0"/>
-              <a:cs typeface="Courier New" panose="02070309020205020404" pitchFamily="49" charset="0"/>
-            </a:endParaRPr>
-          </a:p>
-          <a:p>
-            <a:pPr marL="0" indent="0">
-              <a:spcBef>
-                <a:spcPts val="0"/>
-              </a:spcBef>
-              <a:buNone/>
-            </a:pPr>
-            <a:r>
-              <a:rPr lang="en-GB" sz="1500" dirty="0">
-                <a:latin typeface="Courier New" panose="02070309020205020404" pitchFamily="49" charset="0"/>
-                <a:cs typeface="Courier New" panose="02070309020205020404" pitchFamily="49" charset="0"/>
-              </a:rPr>
-              <a:t>// attributes &amp; their annotations</a:t>
-            </a:r>
-          </a:p>
-          <a:p>
-            <a:pPr marL="0" indent="0">
-              <a:spcBef>
-                <a:spcPts val="0"/>
-              </a:spcBef>
-              <a:buNone/>
-            </a:pPr>
-            <a:endParaRPr lang="en-GB" sz="1500" dirty="0">
-              <a:latin typeface="Courier New" panose="02070309020205020404" pitchFamily="49" charset="0"/>
-              <a:cs typeface="Courier New" panose="02070309020205020404" pitchFamily="49" charset="0"/>
-            </a:endParaRPr>
-          </a:p>
-          <a:p>
-            <a:pPr marL="0" indent="0">
-              <a:spcBef>
-                <a:spcPts val="0"/>
-              </a:spcBef>
-              <a:buNone/>
-            </a:pPr>
-            <a:endParaRPr lang="en-GB" sz="1500" dirty="0">
-              <a:latin typeface="Courier New" panose="02070309020205020404" pitchFamily="49" charset="0"/>
-              <a:cs typeface="Courier New" panose="02070309020205020404" pitchFamily="49" charset="0"/>
-            </a:endParaRPr>
-          </a:p>
-          <a:p>
-            <a:pPr marL="0" indent="0">
-              <a:spcBef>
-                <a:spcPts val="0"/>
-              </a:spcBef>
-              <a:buNone/>
-            </a:pPr>
-            <a:r>
-              <a:rPr lang="en-GB" sz="1500" dirty="0">
-                <a:latin typeface="Courier New" panose="02070309020205020404" pitchFamily="49" charset="0"/>
-                <a:cs typeface="Courier New" panose="02070309020205020404" pitchFamily="49" charset="0"/>
-              </a:rPr>
-              <a:t>// relationships &amp; their annotations</a:t>
-            </a:r>
-          </a:p>
-          <a:p>
-            <a:pPr marL="0" indent="0">
-              <a:spcBef>
-                <a:spcPts val="0"/>
-              </a:spcBef>
-              <a:buNone/>
-            </a:pPr>
-            <a:endParaRPr lang="en-GB" sz="1500" dirty="0">
-              <a:latin typeface="Courier New" panose="02070309020205020404" pitchFamily="49" charset="0"/>
-              <a:cs typeface="Courier New" panose="02070309020205020404" pitchFamily="49" charset="0"/>
-            </a:endParaRPr>
-          </a:p>
-          <a:p>
-            <a:pPr marL="0" indent="0">
-              <a:spcBef>
-                <a:spcPts val="0"/>
-              </a:spcBef>
-              <a:buNone/>
-            </a:pPr>
-            <a:endParaRPr lang="en-GB" sz="1500" dirty="0">
-              <a:latin typeface="Courier New" panose="02070309020205020404" pitchFamily="49" charset="0"/>
-              <a:cs typeface="Courier New" panose="02070309020205020404" pitchFamily="49" charset="0"/>
-            </a:endParaRPr>
-          </a:p>
-          <a:p>
-            <a:pPr marL="0" indent="0">
-              <a:spcBef>
-                <a:spcPts val="0"/>
-              </a:spcBef>
-              <a:buNone/>
-            </a:pPr>
-            <a:r>
-              <a:rPr lang="en-GB" sz="1500" dirty="0">
-                <a:latin typeface="Courier New" panose="02070309020205020404" pitchFamily="49" charset="0"/>
-                <a:cs typeface="Courier New" panose="02070309020205020404" pitchFamily="49" charset="0"/>
-              </a:rPr>
-              <a:t>/* </a:t>
-            </a:r>
-          </a:p>
-          <a:p>
-            <a:pPr marL="0" indent="0">
-              <a:spcBef>
-                <a:spcPts val="0"/>
-              </a:spcBef>
-              <a:buNone/>
-            </a:pPr>
-            <a:r>
-              <a:rPr lang="en-GB" sz="1500" dirty="0">
-                <a:latin typeface="Courier New" panose="02070309020205020404" pitchFamily="49" charset="0"/>
-                <a:cs typeface="Courier New" panose="02070309020205020404" pitchFamily="49" charset="0"/>
-              </a:rPr>
-              <a:t>  clone this slide as may times as there are   </a:t>
-            </a:r>
-            <a:br>
-              <a:rPr lang="en-GB" sz="1500" dirty="0">
-                <a:latin typeface="Courier New" panose="02070309020205020404" pitchFamily="49" charset="0"/>
-                <a:cs typeface="Courier New" panose="02070309020205020404" pitchFamily="49" charset="0"/>
-              </a:rPr>
-            </a:br>
-            <a:r>
-              <a:rPr lang="en-GB" sz="1500" dirty="0">
-                <a:latin typeface="Courier New" panose="02070309020205020404" pitchFamily="49" charset="0"/>
-                <a:cs typeface="Courier New" panose="02070309020205020404" pitchFamily="49" charset="0"/>
-              </a:rPr>
-              <a:t>  entities </a:t>
-            </a:r>
-          </a:p>
-          <a:p>
-            <a:pPr marL="0" indent="0">
-              <a:spcBef>
-                <a:spcPts val="0"/>
-              </a:spcBef>
-              <a:buNone/>
-            </a:pPr>
-            <a:r>
-              <a:rPr lang="en-GB" sz="1500" dirty="0">
-                <a:latin typeface="Courier New" panose="02070309020205020404" pitchFamily="49" charset="0"/>
-                <a:cs typeface="Courier New" panose="02070309020205020404" pitchFamily="49" charset="0"/>
-              </a:rPr>
-              <a:t>*/</a:t>
-            </a:r>
-          </a:p>
-          <a:p>
-            <a:pPr marL="0" indent="0">
-              <a:spcBef>
-                <a:spcPts val="0"/>
-              </a:spcBef>
-              <a:buNone/>
-            </a:pPr>
-            <a:endParaRPr lang="en-GB" sz="1500" dirty="0">
-              <a:latin typeface="Courier New" panose="02070309020205020404" pitchFamily="49" charset="0"/>
-              <a:cs typeface="Courier New" panose="02070309020205020404" pitchFamily="49" charset="0"/>
-            </a:endParaRPr>
-          </a:p>
-          <a:p>
-            <a:pPr marL="0" indent="0">
-              <a:spcBef>
-                <a:spcPts val="0"/>
-              </a:spcBef>
-              <a:buNone/>
-            </a:pPr>
-            <a:endParaRPr lang="en-GB" sz="1500" dirty="0">
-              <a:latin typeface="Courier New" panose="02070309020205020404" pitchFamily="49" charset="0"/>
-              <a:cs typeface="Courier New" panose="02070309020205020404" pitchFamily="49" charset="0"/>
-            </a:endParaRPr>
-          </a:p>
-        </p:txBody>
-      </p:sp>
-      <p:sp>
-        <p:nvSpPr>
-          <p:cNvPr id="3" name="Rectangle 2">
-            <a:extLst>
-              <a:ext uri="{FF2B5EF4-FFF2-40B4-BE49-F238E27FC236}">
-                <a16:creationId xmlns:a16="http://schemas.microsoft.com/office/drawing/2014/main" id="{AC19F719-6A3E-4BE4-BB76-3CDA270B343C}"/>
-              </a:ext>
-            </a:extLst>
-          </p:cNvPr>
+        </p:txBody>
+      </p:sp>
+      <p:sp>
+        <p:nvSpPr>
+          <p:cNvPr id="6" name="Rectangle 5"/>
           <p:cNvSpPr/>
           <p:nvPr/>
         </p:nvSpPr>
         <p:spPr>
           <a:xfrm>
-            <a:off x="3043645" y="6308208"/>
-            <a:ext cx="4572000" cy="369332"/>
+            <a:off x="2968593" y="1744230"/>
+            <a:ext cx="1568918" cy="471638"/>
           </a:xfrm>
           <a:prstGeom prst="rect">
             <a:avLst/>
           </a:prstGeom>
-        </p:spPr>
-        <p:txBody>
-          <a:bodyPr>
+          <a:ln w="38100"/>
+        </p:spPr>
+        <p:style>
+          <a:lnRef idx="2">
+            <a:schemeClr val="accent1"/>
+          </a:lnRef>
+          <a:fillRef idx="1">
+            <a:schemeClr val="lt1"/>
+          </a:fillRef>
+          <a:effectRef idx="0">
+            <a:schemeClr val="accent1"/>
+          </a:effectRef>
+          <a:fontRef idx="minor">
+            <a:schemeClr val="dk1"/>
+          </a:fontRef>
+        </p:style>
+        <p:txBody>
+          <a:bodyPr rtlCol="0" anchor="ctr"/>
+          <a:lstStyle/>
+          <a:p>
+            <a:pPr algn="ctr"/>
+            <a:r>
+              <a:rPr lang="en-GB" dirty="0"/>
+              <a:t>Order</a:t>
+            </a:r>
+          </a:p>
+        </p:txBody>
+      </p:sp>
+      <p:sp>
+        <p:nvSpPr>
+          <p:cNvPr id="7" name="Rectangle 6"/>
+          <p:cNvSpPr/>
+          <p:nvPr/>
+        </p:nvSpPr>
+        <p:spPr>
+          <a:xfrm>
+            <a:off x="204531" y="1744230"/>
+            <a:ext cx="1568918" cy="471638"/>
+          </a:xfrm>
+          <a:prstGeom prst="rect">
+            <a:avLst/>
+          </a:prstGeom>
+          <a:ln w="38100"/>
+        </p:spPr>
+        <p:style>
+          <a:lnRef idx="2">
+            <a:schemeClr val="accent1"/>
+          </a:lnRef>
+          <a:fillRef idx="1">
+            <a:schemeClr val="lt1"/>
+          </a:fillRef>
+          <a:effectRef idx="0">
+            <a:schemeClr val="accent1"/>
+          </a:effectRef>
+          <a:fontRef idx="minor">
+            <a:schemeClr val="dk1"/>
+          </a:fontRef>
+        </p:style>
+        <p:txBody>
+          <a:bodyPr rtlCol="0" anchor="ctr"/>
+          <a:lstStyle/>
+          <a:p>
+            <a:pPr algn="ctr"/>
+            <a:r>
+              <a:rPr lang="en-GB" dirty="0"/>
+              <a:t>Service Package</a:t>
+            </a:r>
+          </a:p>
+        </p:txBody>
+      </p:sp>
+      <p:sp>
+        <p:nvSpPr>
+          <p:cNvPr id="8" name="Diamond 7"/>
+          <p:cNvSpPr/>
+          <p:nvPr/>
+        </p:nvSpPr>
+        <p:spPr>
+          <a:xfrm rot="5400000">
+            <a:off x="2204983" y="1771428"/>
+            <a:ext cx="394638" cy="417244"/>
+          </a:xfrm>
+          <a:prstGeom prst="diamond">
+            <a:avLst/>
+          </a:prstGeom>
+          <a:ln w="38100"/>
+        </p:spPr>
+        <p:style>
+          <a:lnRef idx="2">
+            <a:schemeClr val="accent1"/>
+          </a:lnRef>
+          <a:fillRef idx="1">
+            <a:schemeClr val="lt1"/>
+          </a:fillRef>
+          <a:effectRef idx="0">
+            <a:schemeClr val="accent1"/>
+          </a:effectRef>
+          <a:fontRef idx="minor">
+            <a:schemeClr val="dk1"/>
+          </a:fontRef>
+        </p:style>
+        <p:txBody>
+          <a:bodyPr rtlCol="0" anchor="ctr"/>
+          <a:lstStyle/>
+          <a:p>
+            <a:pPr algn="ctr"/>
+            <a:endParaRPr lang="en-GB">
+              <a:solidFill>
+                <a:schemeClr val="dk1"/>
+              </a:solidFill>
+            </a:endParaRPr>
+          </a:p>
+        </p:txBody>
+      </p:sp>
+      <p:cxnSp>
+        <p:nvCxnSpPr>
+          <p:cNvPr id="9" name="Straight Connector 8"/>
+          <p:cNvCxnSpPr>
+            <a:stCxn id="6" idx="1"/>
+          </p:cNvCxnSpPr>
+          <p:nvPr/>
+        </p:nvCxnSpPr>
+        <p:spPr>
+          <a:xfrm flipH="1">
+            <a:off x="2639800" y="1980049"/>
+            <a:ext cx="328793" cy="1"/>
+          </a:xfrm>
+          <a:prstGeom prst="line">
+            <a:avLst/>
+          </a:prstGeom>
+          <a:ln w="28575">
+            <a:solidFill>
+              <a:schemeClr val="accent1"/>
+            </a:solidFill>
+          </a:ln>
+        </p:spPr>
+        <p:style>
+          <a:lnRef idx="1">
+            <a:schemeClr val="accent1"/>
+          </a:lnRef>
+          <a:fillRef idx="0">
+            <a:schemeClr val="accent1"/>
+          </a:fillRef>
+          <a:effectRef idx="0">
+            <a:schemeClr val="accent1"/>
+          </a:effectRef>
+          <a:fontRef idx="minor">
+            <a:schemeClr val="tx1"/>
+          </a:fontRef>
+        </p:style>
+      </p:cxnSp>
+      <p:cxnSp>
+        <p:nvCxnSpPr>
+          <p:cNvPr id="10" name="Straight Connector 9"/>
+          <p:cNvCxnSpPr>
+            <a:stCxn id="8" idx="2"/>
+          </p:cNvCxnSpPr>
+          <p:nvPr/>
+        </p:nvCxnSpPr>
+        <p:spPr>
+          <a:xfrm flipH="1">
+            <a:off x="1773450" y="1980050"/>
+            <a:ext cx="420230" cy="0"/>
+          </a:xfrm>
+          <a:prstGeom prst="line">
+            <a:avLst/>
+          </a:prstGeom>
+          <a:ln w="28575">
+            <a:solidFill>
+              <a:schemeClr val="accent1"/>
+            </a:solidFill>
+          </a:ln>
+        </p:spPr>
+        <p:style>
+          <a:lnRef idx="1">
+            <a:schemeClr val="accent1"/>
+          </a:lnRef>
+          <a:fillRef idx="0">
+            <a:schemeClr val="accent1"/>
+          </a:fillRef>
+          <a:effectRef idx="0">
+            <a:schemeClr val="accent1"/>
+          </a:effectRef>
+          <a:fontRef idx="minor">
+            <a:schemeClr val="tx1"/>
+          </a:fontRef>
+        </p:style>
+      </p:cxnSp>
+      <p:sp>
+        <p:nvSpPr>
+          <p:cNvPr id="11" name="TextBox 10"/>
+          <p:cNvSpPr txBox="1"/>
+          <p:nvPr/>
+        </p:nvSpPr>
+        <p:spPr>
+          <a:xfrm>
+            <a:off x="2548363" y="2105721"/>
+            <a:ext cx="481222" cy="369332"/>
+          </a:xfrm>
+          <a:prstGeom prst="rect">
+            <a:avLst/>
+          </a:prstGeom>
+          <a:noFill/>
+        </p:spPr>
+        <p:txBody>
+          <a:bodyPr wrap="none" rtlCol="0">
             <a:spAutoFit/>
           </a:bodyPr>
           <a:lstStyle/>
           <a:p>
             <a:r>
-              <a:rPr lang="en-GB" dirty="0">
-                <a:sym typeface="Wingdings" panose="05000000000000000000" pitchFamily="2" charset="2"/>
-              </a:rPr>
-              <a:t>Clone this slide for each entity</a:t>
+              <a:rPr lang="en-GB" dirty="0"/>
+              <a:t>1:1</a:t>
+            </a:r>
+          </a:p>
+        </p:txBody>
+      </p:sp>
+      <p:sp>
+        <p:nvSpPr>
+          <p:cNvPr id="12" name="TextBox 11"/>
+          <p:cNvSpPr txBox="1"/>
+          <p:nvPr/>
+        </p:nvSpPr>
+        <p:spPr>
+          <a:xfrm>
+            <a:off x="1824778" y="2110612"/>
+            <a:ext cx="513282" cy="369332"/>
+          </a:xfrm>
+          <a:prstGeom prst="rect">
+            <a:avLst/>
+          </a:prstGeom>
+          <a:noFill/>
+        </p:spPr>
+        <p:txBody>
+          <a:bodyPr wrap="none" rtlCol="0">
+            <a:spAutoFit/>
+          </a:bodyPr>
+          <a:lstStyle/>
+          <a:p>
+            <a:r>
+              <a:rPr lang="en-GB" dirty="0"/>
+              <a:t>0:N</a:t>
+            </a:r>
+          </a:p>
+        </p:txBody>
+      </p:sp>
+      <p:sp>
+        <p:nvSpPr>
+          <p:cNvPr id="13" name="TextBox 12"/>
+          <p:cNvSpPr txBox="1"/>
+          <p:nvPr/>
+        </p:nvSpPr>
+        <p:spPr>
+          <a:xfrm>
+            <a:off x="2067110" y="1409661"/>
+            <a:ext cx="659155" cy="369332"/>
+          </a:xfrm>
+          <a:prstGeom prst="rect">
+            <a:avLst/>
+          </a:prstGeom>
+          <a:noFill/>
+        </p:spPr>
+        <p:txBody>
+          <a:bodyPr wrap="none" rtlCol="0">
+            <a:spAutoFit/>
+          </a:bodyPr>
+          <a:lstStyle/>
+          <a:p>
+            <a:r>
+              <a:rPr lang="en-GB" dirty="0"/>
+              <a:t>SPOL</a:t>
+            </a:r>
+          </a:p>
+        </p:txBody>
+      </p:sp>
+      <p:sp>
+        <p:nvSpPr>
+          <p:cNvPr id="14" name="Rectangle 13"/>
+          <p:cNvSpPr/>
+          <p:nvPr/>
+        </p:nvSpPr>
+        <p:spPr>
+          <a:xfrm>
+            <a:off x="2986239" y="3167167"/>
+            <a:ext cx="1568918" cy="471638"/>
+          </a:xfrm>
+          <a:prstGeom prst="rect">
+            <a:avLst/>
+          </a:prstGeom>
+          <a:noFill/>
+          <a:ln w="38100">
+            <a:solidFill>
+              <a:srgbClr val="00B050"/>
+            </a:solidFill>
+          </a:ln>
+        </p:spPr>
+        <p:style>
+          <a:lnRef idx="2">
+            <a:schemeClr val="accent1"/>
+          </a:lnRef>
+          <a:fillRef idx="1">
+            <a:schemeClr val="lt1"/>
+          </a:fillRef>
+          <a:effectRef idx="0">
+            <a:schemeClr val="accent1"/>
+          </a:effectRef>
+          <a:fontRef idx="minor">
+            <a:schemeClr val="dk1"/>
+          </a:fontRef>
+        </p:style>
+        <p:txBody>
+          <a:bodyPr rtlCol="0" anchor="ctr"/>
+          <a:lstStyle/>
+          <a:p>
+            <a:pPr algn="ctr"/>
+            <a:r>
+              <a:rPr lang="en-GB" sz="1400" dirty="0"/>
+              <a:t>Order</a:t>
+            </a:r>
+          </a:p>
+        </p:txBody>
+      </p:sp>
+      <p:sp>
+        <p:nvSpPr>
+          <p:cNvPr id="15" name="Rectangle 14"/>
+          <p:cNvSpPr/>
+          <p:nvPr/>
+        </p:nvSpPr>
+        <p:spPr>
+          <a:xfrm>
+            <a:off x="222177" y="3167167"/>
+            <a:ext cx="1568918" cy="471638"/>
+          </a:xfrm>
+          <a:prstGeom prst="rect">
+            <a:avLst/>
+          </a:prstGeom>
+          <a:noFill/>
+          <a:ln w="38100">
+            <a:solidFill>
+              <a:srgbClr val="00B050"/>
+            </a:solidFill>
+          </a:ln>
+        </p:spPr>
+        <p:style>
+          <a:lnRef idx="2">
+            <a:schemeClr val="accent1"/>
+          </a:lnRef>
+          <a:fillRef idx="1">
+            <a:schemeClr val="lt1"/>
+          </a:fillRef>
+          <a:effectRef idx="0">
+            <a:schemeClr val="accent1"/>
+          </a:effectRef>
+          <a:fontRef idx="minor">
+            <a:schemeClr val="dk1"/>
+          </a:fontRef>
+        </p:style>
+        <p:txBody>
+          <a:bodyPr rtlCol="0" anchor="ctr"/>
+          <a:lstStyle/>
+          <a:p>
+            <a:pPr algn="ctr"/>
+            <a:r>
+              <a:rPr lang="en-GB" dirty="0"/>
+              <a:t>Service Package</a:t>
+            </a:r>
+          </a:p>
+        </p:txBody>
+      </p:sp>
+      <p:cxnSp>
+        <p:nvCxnSpPr>
+          <p:cNvPr id="16" name="Straight Connector 15"/>
+          <p:cNvCxnSpPr>
+            <a:stCxn id="14" idx="1"/>
+            <a:endCxn id="15" idx="3"/>
+          </p:cNvCxnSpPr>
+          <p:nvPr/>
+        </p:nvCxnSpPr>
+        <p:spPr>
+          <a:xfrm flipH="1">
+            <a:off x="1791095" y="3402986"/>
+            <a:ext cx="1195144" cy="0"/>
+          </a:xfrm>
+          <a:prstGeom prst="line">
+            <a:avLst/>
+          </a:prstGeom>
+          <a:ln w="38100">
+            <a:solidFill>
+              <a:srgbClr val="00B050"/>
+            </a:solidFill>
+            <a:headEnd type="triangle" w="med" len="med"/>
+            <a:tailEnd type="none" w="med" len="med"/>
+          </a:ln>
+        </p:spPr>
+        <p:style>
+          <a:lnRef idx="1">
+            <a:schemeClr val="accent1"/>
+          </a:lnRef>
+          <a:fillRef idx="0">
+            <a:schemeClr val="accent1"/>
+          </a:fillRef>
+          <a:effectRef idx="0">
+            <a:schemeClr val="accent1"/>
+          </a:effectRef>
+          <a:fontRef idx="minor">
+            <a:schemeClr val="tx1"/>
+          </a:fontRef>
+        </p:style>
+      </p:cxnSp>
+      <p:sp>
+        <p:nvSpPr>
+          <p:cNvPr id="17" name="Rectangle 16"/>
+          <p:cNvSpPr/>
+          <p:nvPr/>
+        </p:nvSpPr>
+        <p:spPr>
+          <a:xfrm>
+            <a:off x="2994260" y="4474599"/>
+            <a:ext cx="1568918" cy="471638"/>
+          </a:xfrm>
+          <a:prstGeom prst="rect">
+            <a:avLst/>
+          </a:prstGeom>
+          <a:noFill/>
+          <a:ln w="38100">
+            <a:solidFill>
+              <a:srgbClr val="00B050"/>
+            </a:solidFill>
+          </a:ln>
+        </p:spPr>
+        <p:style>
+          <a:lnRef idx="2">
+            <a:schemeClr val="accent1"/>
+          </a:lnRef>
+          <a:fillRef idx="1">
+            <a:schemeClr val="lt1"/>
+          </a:fillRef>
+          <a:effectRef idx="0">
+            <a:schemeClr val="accent1"/>
+          </a:effectRef>
+          <a:fontRef idx="minor">
+            <a:schemeClr val="dk1"/>
+          </a:fontRef>
+        </p:style>
+        <p:txBody>
+          <a:bodyPr rtlCol="0" anchor="ctr"/>
+          <a:lstStyle/>
+          <a:p>
+            <a:pPr algn="ctr"/>
+            <a:r>
+              <a:rPr kumimoji="0" lang="en-GB" sz="1400" b="0" i="0" u="none" strike="noStrike" kern="1200" cap="none" spc="0" normalizeH="0" baseline="0" noProof="0" dirty="0">
+                <a:ln>
+                  <a:noFill/>
+                </a:ln>
+                <a:solidFill>
+                  <a:prstClr val="black"/>
+                </a:solidFill>
+                <a:effectLst/>
+                <a:uLnTx/>
+                <a:uFillTx/>
+                <a:latin typeface="Calibri" panose="020F0502020204030204"/>
+                <a:ea typeface="+mn-ea"/>
+                <a:cs typeface="+mn-cs"/>
+              </a:rPr>
+              <a:t>Order</a:t>
             </a:r>
             <a:endParaRPr lang="en-GB" dirty="0"/>
+          </a:p>
+        </p:txBody>
+      </p:sp>
+      <p:sp>
+        <p:nvSpPr>
+          <p:cNvPr id="18" name="Rectangle 17"/>
+          <p:cNvSpPr/>
+          <p:nvPr/>
+        </p:nvSpPr>
+        <p:spPr>
+          <a:xfrm>
+            <a:off x="230198" y="4474599"/>
+            <a:ext cx="1568918" cy="471638"/>
+          </a:xfrm>
+          <a:prstGeom prst="rect">
+            <a:avLst/>
+          </a:prstGeom>
+          <a:noFill/>
+          <a:ln w="38100">
+            <a:solidFill>
+              <a:srgbClr val="00B050"/>
+            </a:solidFill>
+          </a:ln>
+        </p:spPr>
+        <p:style>
+          <a:lnRef idx="2">
+            <a:schemeClr val="accent1"/>
+          </a:lnRef>
+          <a:fillRef idx="1">
+            <a:schemeClr val="lt1"/>
+          </a:fillRef>
+          <a:effectRef idx="0">
+            <a:schemeClr val="accent1"/>
+          </a:effectRef>
+          <a:fontRef idx="minor">
+            <a:schemeClr val="dk1"/>
+          </a:fontRef>
+        </p:style>
+        <p:txBody>
+          <a:bodyPr rtlCol="0" anchor="ctr"/>
+          <a:lstStyle/>
+          <a:p>
+            <a:pPr algn="ctr"/>
+            <a:r>
+              <a:rPr lang="en-GB" dirty="0"/>
+              <a:t>Service Package</a:t>
+            </a:r>
+          </a:p>
+        </p:txBody>
+      </p:sp>
+      <p:cxnSp>
+        <p:nvCxnSpPr>
+          <p:cNvPr id="19" name="Straight Connector 18"/>
+          <p:cNvCxnSpPr>
+            <a:stCxn id="17" idx="1"/>
+            <a:endCxn id="18" idx="3"/>
+          </p:cNvCxnSpPr>
+          <p:nvPr/>
+        </p:nvCxnSpPr>
+        <p:spPr>
+          <a:xfrm flipH="1">
+            <a:off x="1799116" y="4710418"/>
+            <a:ext cx="1195144" cy="0"/>
+          </a:xfrm>
+          <a:prstGeom prst="line">
+            <a:avLst/>
+          </a:prstGeom>
+          <a:ln w="38100">
+            <a:solidFill>
+              <a:srgbClr val="00B050"/>
+            </a:solidFill>
+            <a:headEnd type="none" w="med" len="med"/>
+            <a:tailEnd type="triangle" w="med" len="med"/>
+          </a:ln>
+        </p:spPr>
+        <p:style>
+          <a:lnRef idx="1">
+            <a:schemeClr val="accent1"/>
+          </a:lnRef>
+          <a:fillRef idx="0">
+            <a:schemeClr val="accent1"/>
+          </a:fillRef>
+          <a:effectRef idx="0">
+            <a:schemeClr val="accent1"/>
+          </a:effectRef>
+          <a:fontRef idx="minor">
+            <a:schemeClr val="tx1"/>
+          </a:fontRef>
+        </p:style>
+      </p:cxnSp>
+      <p:sp>
+        <p:nvSpPr>
+          <p:cNvPr id="20" name="TextBox 19"/>
+          <p:cNvSpPr txBox="1"/>
+          <p:nvPr/>
+        </p:nvSpPr>
+        <p:spPr>
+          <a:xfrm>
+            <a:off x="2671888" y="3134022"/>
+            <a:ext cx="300082" cy="369332"/>
+          </a:xfrm>
+          <a:prstGeom prst="rect">
+            <a:avLst/>
+          </a:prstGeom>
+          <a:noFill/>
+        </p:spPr>
+        <p:txBody>
+          <a:bodyPr wrap="none" rtlCol="0">
+            <a:spAutoFit/>
+          </a:bodyPr>
+          <a:lstStyle/>
+          <a:p>
+            <a:r>
+              <a:rPr lang="en-GB" dirty="0"/>
+              <a:t>*</a:t>
+            </a:r>
+          </a:p>
+        </p:txBody>
+      </p:sp>
+      <p:sp>
+        <p:nvSpPr>
+          <p:cNvPr id="21" name="TextBox 20"/>
+          <p:cNvSpPr txBox="1"/>
+          <p:nvPr/>
+        </p:nvSpPr>
+        <p:spPr>
+          <a:xfrm>
+            <a:off x="1786359" y="4308305"/>
+            <a:ext cx="301686" cy="369332"/>
+          </a:xfrm>
+          <a:prstGeom prst="rect">
+            <a:avLst/>
+          </a:prstGeom>
+          <a:noFill/>
+        </p:spPr>
+        <p:txBody>
+          <a:bodyPr wrap="none" rtlCol="0">
+            <a:spAutoFit/>
+          </a:bodyPr>
+          <a:lstStyle/>
+          <a:p>
+            <a:r>
+              <a:rPr lang="en-GB" dirty="0"/>
+              <a:t>1</a:t>
+            </a:r>
           </a:p>
         </p:txBody>
       </p:sp>
     </p:spTree>
     <p:extLst>
       <p:ext uri="{BB962C8B-B14F-4D97-AF65-F5344CB8AC3E}">
-        <p14:creationId xmlns:p14="http://schemas.microsoft.com/office/powerpoint/2010/main" val="484876262"/>
+        <p14:creationId xmlns:p14="http://schemas.microsoft.com/office/powerpoint/2010/main" val="3049875560"/>
       </p:ext>
     </p:extLst>
   </p:cSld>
@@ -15070,8 +16316,20 @@
           <a:lstStyle/>
           <a:p>
             <a:r>
-              <a:rPr lang="it-IT" dirty="0"/>
-              <a:t>Functional analysis of the interaction</a:t>
+              <a:rPr lang="en-GB" dirty="0"/>
+              <a:t>Relationship </a:t>
+            </a:r>
+            <a:r>
+              <a:rPr lang="en-GB" sz="2800" dirty="0"/>
+              <a:t>“</a:t>
+            </a:r>
+            <a:r>
+              <a:rPr lang="en-GB" sz="2800" dirty="0" err="1"/>
+              <a:t>order_opt_prod_link</a:t>
+            </a:r>
+            <a:r>
+              <a:rPr lang="en-GB" sz="2800" dirty="0"/>
+              <a:t>” </a:t>
             </a:r>
           </a:p>
         </p:txBody>
@@ -15083,17 +16341,750 @@
             <a:spLocks noGrp="1"/>
           </p:cNvSpPr>
           <p:nvPr>
-            <p:ph idx="1"/>
+            <p:ph sz="half" idx="2"/>
           </p:nvPr>
         </p:nvSpPr>
-        <p:spPr/>
-        <p:txBody>
-          <a:bodyPr/>
-          <a:lstStyle/>
-          <a:p>
-            <a:r>
-              <a:rPr lang="it-IT" dirty="0"/>
-              <a:t>Describe the interaction diagrams of the application using any graphical notation (e.g., IFML or similar --- www.ifmledit.org) or a textual notation (see next slides)</a:t>
+        <p:spPr>
+          <a:xfrm>
+            <a:off x="4680479" y="1540224"/>
+            <a:ext cx="3886200" cy="4351338"/>
+          </a:xfrm>
+        </p:spPr>
+        <p:txBody>
+          <a:bodyPr>
+            <a:normAutofit fontScale="92500"/>
+          </a:bodyPr>
+          <a:lstStyle/>
+          <a:p>
+            <a:r>
+              <a:rPr lang="en-GB" dirty="0"/>
+              <a:t>Optional Product</a:t>
+            </a:r>
+            <a:r>
+              <a:rPr lang="en-GB" dirty="0">
+                <a:sym typeface="Wingdings" panose="05000000000000000000" pitchFamily="2" charset="2"/>
+              </a:rPr>
+              <a:t></a:t>
+            </a:r>
+            <a:r>
+              <a:rPr lang="en-GB" dirty="0"/>
+              <a:t> Order</a:t>
+            </a:r>
+            <a:br>
+              <a:rPr lang="en-GB" dirty="0"/>
+            </a:br>
+            <a:r>
+              <a:rPr lang="en-GB" b="1" dirty="0">
+                <a:solidFill>
+                  <a:schemeClr val="accent1"/>
+                </a:solidFill>
+              </a:rPr>
+              <a:t>@ManyToMany</a:t>
+            </a:r>
+            <a:br>
+              <a:rPr lang="en-GB" b="1" dirty="0">
+                <a:solidFill>
+                  <a:schemeClr val="accent1"/>
+                </a:solidFill>
+              </a:rPr>
+            </a:br>
+            <a:r>
+              <a:rPr lang="en-GB" sz="2200" dirty="0"/>
+              <a:t>can be omitted because it isn’t necessary to retrieve in which orders optional products are purchased</a:t>
+            </a:r>
+          </a:p>
+          <a:p>
+            <a:r>
+              <a:rPr lang="en-GB" dirty="0"/>
+              <a:t>Order </a:t>
+            </a:r>
+            <a:r>
+              <a:rPr lang="en-GB" dirty="0">
+                <a:sym typeface="Wingdings" panose="05000000000000000000" pitchFamily="2" charset="2"/>
+              </a:rPr>
+              <a:t> Optional Product</a:t>
+            </a:r>
+            <a:br>
+              <a:rPr lang="en-GB" dirty="0">
+                <a:sym typeface="Wingdings" panose="05000000000000000000" pitchFamily="2" charset="2"/>
+              </a:rPr>
+            </a:br>
+            <a:r>
+              <a:rPr lang="en-GB" b="1" dirty="0">
+                <a:solidFill>
+                  <a:schemeClr val="accent1"/>
+                </a:solidFill>
+                <a:sym typeface="Wingdings" panose="05000000000000000000" pitchFamily="2" charset="2"/>
+              </a:rPr>
+              <a:t>@ManyToMany</a:t>
+            </a:r>
+            <a:br>
+              <a:rPr lang="en-GB" b="1" dirty="0">
+                <a:solidFill>
+                  <a:schemeClr val="accent1"/>
+                </a:solidFill>
+                <a:sym typeface="Wingdings" panose="05000000000000000000" pitchFamily="2" charset="2"/>
+              </a:rPr>
+            </a:br>
+            <a:r>
+              <a:rPr lang="en-GB" sz="2000" dirty="0">
+                <a:sym typeface="Wingdings" panose="05000000000000000000" pitchFamily="2" charset="2"/>
+              </a:rPr>
+              <a:t>is necessary in order to know which optional products have been chosen in the order</a:t>
+            </a:r>
+            <a:br>
+              <a:rPr lang="en-GB" dirty="0">
+                <a:sym typeface="Wingdings" panose="05000000000000000000" pitchFamily="2" charset="2"/>
+              </a:rPr>
+            </a:br>
+            <a:r>
+              <a:rPr lang="en-GB" dirty="0">
+                <a:sym typeface="Wingdings" panose="05000000000000000000" pitchFamily="2" charset="2"/>
+              </a:rPr>
+              <a:t>	</a:t>
+            </a:r>
+            <a:r>
+              <a:rPr lang="en-GB" dirty="0">
+                <a:solidFill>
+                  <a:srgbClr val="FF0000"/>
+                </a:solidFill>
+                <a:sym typeface="Wingdings" panose="05000000000000000000" pitchFamily="2" charset="2"/>
+              </a:rPr>
+              <a:t>- Annotations….</a:t>
+            </a:r>
+            <a:endParaRPr lang="en-GB" b="1" dirty="0">
+              <a:solidFill>
+                <a:srgbClr val="FF0000"/>
+              </a:solidFill>
+              <a:sym typeface="Wingdings" panose="05000000000000000000" pitchFamily="2" charset="2"/>
+            </a:endParaRPr>
+          </a:p>
+        </p:txBody>
+      </p:sp>
+      <p:sp>
+        <p:nvSpPr>
+          <p:cNvPr id="6" name="Rectangle 5"/>
+          <p:cNvSpPr/>
+          <p:nvPr/>
+        </p:nvSpPr>
+        <p:spPr>
+          <a:xfrm>
+            <a:off x="2968593" y="1744230"/>
+            <a:ext cx="1568918" cy="471638"/>
+          </a:xfrm>
+          <a:prstGeom prst="rect">
+            <a:avLst/>
+          </a:prstGeom>
+          <a:ln w="38100"/>
+        </p:spPr>
+        <p:style>
+          <a:lnRef idx="2">
+            <a:schemeClr val="accent1"/>
+          </a:lnRef>
+          <a:fillRef idx="1">
+            <a:schemeClr val="lt1"/>
+          </a:fillRef>
+          <a:effectRef idx="0">
+            <a:schemeClr val="accent1"/>
+          </a:effectRef>
+          <a:fontRef idx="minor">
+            <a:schemeClr val="dk1"/>
+          </a:fontRef>
+        </p:style>
+        <p:txBody>
+          <a:bodyPr rtlCol="0" anchor="ctr"/>
+          <a:lstStyle/>
+          <a:p>
+            <a:pPr algn="ctr"/>
+            <a:r>
+              <a:rPr lang="en-GB" dirty="0"/>
+              <a:t>Order</a:t>
+            </a:r>
+          </a:p>
+        </p:txBody>
+      </p:sp>
+      <p:sp>
+        <p:nvSpPr>
+          <p:cNvPr id="7" name="Rectangle 6"/>
+          <p:cNvSpPr/>
+          <p:nvPr/>
+        </p:nvSpPr>
+        <p:spPr>
+          <a:xfrm>
+            <a:off x="204531" y="1744230"/>
+            <a:ext cx="1568918" cy="471638"/>
+          </a:xfrm>
+          <a:prstGeom prst="rect">
+            <a:avLst/>
+          </a:prstGeom>
+          <a:ln w="38100"/>
+        </p:spPr>
+        <p:style>
+          <a:lnRef idx="2">
+            <a:schemeClr val="accent1"/>
+          </a:lnRef>
+          <a:fillRef idx="1">
+            <a:schemeClr val="lt1"/>
+          </a:fillRef>
+          <a:effectRef idx="0">
+            <a:schemeClr val="accent1"/>
+          </a:effectRef>
+          <a:fontRef idx="minor">
+            <a:schemeClr val="dk1"/>
+          </a:fontRef>
+        </p:style>
+        <p:txBody>
+          <a:bodyPr rtlCol="0" anchor="ctr"/>
+          <a:lstStyle/>
+          <a:p>
+            <a:pPr algn="ctr"/>
+            <a:r>
+              <a:rPr lang="en-GB" dirty="0"/>
+              <a:t>Optional Product</a:t>
+            </a:r>
+          </a:p>
+        </p:txBody>
+      </p:sp>
+      <p:sp>
+        <p:nvSpPr>
+          <p:cNvPr id="8" name="Diamond 7"/>
+          <p:cNvSpPr/>
+          <p:nvPr/>
+        </p:nvSpPr>
+        <p:spPr>
+          <a:xfrm rot="5400000">
+            <a:off x="2204983" y="1788257"/>
+            <a:ext cx="394638" cy="417244"/>
+          </a:xfrm>
+          <a:prstGeom prst="diamond">
+            <a:avLst/>
+          </a:prstGeom>
+          <a:ln w="38100"/>
+        </p:spPr>
+        <p:style>
+          <a:lnRef idx="2">
+            <a:schemeClr val="accent1"/>
+          </a:lnRef>
+          <a:fillRef idx="1">
+            <a:schemeClr val="lt1"/>
+          </a:fillRef>
+          <a:effectRef idx="0">
+            <a:schemeClr val="accent1"/>
+          </a:effectRef>
+          <a:fontRef idx="minor">
+            <a:schemeClr val="dk1"/>
+          </a:fontRef>
+        </p:style>
+        <p:txBody>
+          <a:bodyPr rtlCol="0" anchor="ctr"/>
+          <a:lstStyle/>
+          <a:p>
+            <a:pPr algn="ctr"/>
+            <a:endParaRPr lang="en-GB">
+              <a:solidFill>
+                <a:schemeClr val="dk1"/>
+              </a:solidFill>
+            </a:endParaRPr>
+          </a:p>
+        </p:txBody>
+      </p:sp>
+      <p:cxnSp>
+        <p:nvCxnSpPr>
+          <p:cNvPr id="9" name="Straight Connector 8"/>
+          <p:cNvCxnSpPr>
+            <a:stCxn id="6" idx="1"/>
+          </p:cNvCxnSpPr>
+          <p:nvPr/>
+        </p:nvCxnSpPr>
+        <p:spPr>
+          <a:xfrm flipH="1">
+            <a:off x="2639800" y="1980049"/>
+            <a:ext cx="328793" cy="1"/>
+          </a:xfrm>
+          <a:prstGeom prst="line">
+            <a:avLst/>
+          </a:prstGeom>
+          <a:ln w="28575">
+            <a:solidFill>
+              <a:schemeClr val="accent1"/>
+            </a:solidFill>
+          </a:ln>
+        </p:spPr>
+        <p:style>
+          <a:lnRef idx="1">
+            <a:schemeClr val="accent1"/>
+          </a:lnRef>
+          <a:fillRef idx="0">
+            <a:schemeClr val="accent1"/>
+          </a:fillRef>
+          <a:effectRef idx="0">
+            <a:schemeClr val="accent1"/>
+          </a:effectRef>
+          <a:fontRef idx="minor">
+            <a:schemeClr val="tx1"/>
+          </a:fontRef>
+        </p:style>
+      </p:cxnSp>
+      <p:cxnSp>
+        <p:nvCxnSpPr>
+          <p:cNvPr id="10" name="Straight Connector 9"/>
+          <p:cNvCxnSpPr>
+            <a:stCxn id="8" idx="2"/>
+          </p:cNvCxnSpPr>
+          <p:nvPr/>
+        </p:nvCxnSpPr>
+        <p:spPr>
+          <a:xfrm flipH="1">
+            <a:off x="1773450" y="1996879"/>
+            <a:ext cx="420230" cy="0"/>
+          </a:xfrm>
+          <a:prstGeom prst="line">
+            <a:avLst/>
+          </a:prstGeom>
+          <a:ln w="28575">
+            <a:solidFill>
+              <a:schemeClr val="accent1"/>
+            </a:solidFill>
+          </a:ln>
+        </p:spPr>
+        <p:style>
+          <a:lnRef idx="1">
+            <a:schemeClr val="accent1"/>
+          </a:lnRef>
+          <a:fillRef idx="0">
+            <a:schemeClr val="accent1"/>
+          </a:fillRef>
+          <a:effectRef idx="0">
+            <a:schemeClr val="accent1"/>
+          </a:effectRef>
+          <a:fontRef idx="minor">
+            <a:schemeClr val="tx1"/>
+          </a:fontRef>
+        </p:style>
+      </p:cxnSp>
+      <p:sp>
+        <p:nvSpPr>
+          <p:cNvPr id="11" name="TextBox 10"/>
+          <p:cNvSpPr txBox="1"/>
+          <p:nvPr/>
+        </p:nvSpPr>
+        <p:spPr>
+          <a:xfrm>
+            <a:off x="2517872" y="2105675"/>
+            <a:ext cx="513282" cy="369332"/>
+          </a:xfrm>
+          <a:prstGeom prst="rect">
+            <a:avLst/>
+          </a:prstGeom>
+          <a:noFill/>
+        </p:spPr>
+        <p:txBody>
+          <a:bodyPr wrap="none" rtlCol="0">
+            <a:spAutoFit/>
+          </a:bodyPr>
+          <a:lstStyle/>
+          <a:p>
+            <a:r>
+              <a:rPr lang="en-GB" dirty="0"/>
+              <a:t>0:N</a:t>
+            </a:r>
+          </a:p>
+        </p:txBody>
+      </p:sp>
+      <p:sp>
+        <p:nvSpPr>
+          <p:cNvPr id="12" name="TextBox 11"/>
+          <p:cNvSpPr txBox="1"/>
+          <p:nvPr/>
+        </p:nvSpPr>
+        <p:spPr>
+          <a:xfrm>
+            <a:off x="1824778" y="2110612"/>
+            <a:ext cx="513282" cy="369332"/>
+          </a:xfrm>
+          <a:prstGeom prst="rect">
+            <a:avLst/>
+          </a:prstGeom>
+          <a:noFill/>
+        </p:spPr>
+        <p:txBody>
+          <a:bodyPr wrap="none" rtlCol="0">
+            <a:spAutoFit/>
+          </a:bodyPr>
+          <a:lstStyle/>
+          <a:p>
+            <a:r>
+              <a:rPr lang="en-GB" dirty="0"/>
+              <a:t>0:N</a:t>
+            </a:r>
+          </a:p>
+        </p:txBody>
+      </p:sp>
+      <p:sp>
+        <p:nvSpPr>
+          <p:cNvPr id="13" name="TextBox 12"/>
+          <p:cNvSpPr txBox="1"/>
+          <p:nvPr/>
+        </p:nvSpPr>
+        <p:spPr>
+          <a:xfrm>
+            <a:off x="2067110" y="1409661"/>
+            <a:ext cx="705642" cy="369332"/>
+          </a:xfrm>
+          <a:prstGeom prst="rect">
+            <a:avLst/>
+          </a:prstGeom>
+          <a:noFill/>
+        </p:spPr>
+        <p:txBody>
+          <a:bodyPr wrap="none" rtlCol="0">
+            <a:spAutoFit/>
+          </a:bodyPr>
+          <a:lstStyle/>
+          <a:p>
+            <a:r>
+              <a:rPr lang="en-GB" dirty="0"/>
+              <a:t>OOPL</a:t>
+            </a:r>
+          </a:p>
+        </p:txBody>
+      </p:sp>
+      <p:sp>
+        <p:nvSpPr>
+          <p:cNvPr id="14" name="Rectangle 13"/>
+          <p:cNvSpPr/>
+          <p:nvPr/>
+        </p:nvSpPr>
+        <p:spPr>
+          <a:xfrm>
+            <a:off x="2986239" y="3167167"/>
+            <a:ext cx="1568918" cy="471638"/>
+          </a:xfrm>
+          <a:prstGeom prst="rect">
+            <a:avLst/>
+          </a:prstGeom>
+          <a:noFill/>
+          <a:ln w="38100">
+            <a:solidFill>
+              <a:srgbClr val="00B050"/>
+            </a:solidFill>
+          </a:ln>
+        </p:spPr>
+        <p:style>
+          <a:lnRef idx="2">
+            <a:schemeClr val="accent1"/>
+          </a:lnRef>
+          <a:fillRef idx="1">
+            <a:schemeClr val="lt1"/>
+          </a:fillRef>
+          <a:effectRef idx="0">
+            <a:schemeClr val="accent1"/>
+          </a:effectRef>
+          <a:fontRef idx="minor">
+            <a:schemeClr val="dk1"/>
+          </a:fontRef>
+        </p:style>
+        <p:txBody>
+          <a:bodyPr rtlCol="0" anchor="ctr"/>
+          <a:lstStyle/>
+          <a:p>
+            <a:pPr algn="ctr"/>
+            <a:r>
+              <a:rPr lang="en-GB" sz="1400" dirty="0"/>
+              <a:t>Order</a:t>
+            </a:r>
+          </a:p>
+        </p:txBody>
+      </p:sp>
+      <p:sp>
+        <p:nvSpPr>
+          <p:cNvPr id="15" name="Rectangle 14"/>
+          <p:cNvSpPr/>
+          <p:nvPr/>
+        </p:nvSpPr>
+        <p:spPr>
+          <a:xfrm>
+            <a:off x="222177" y="3167167"/>
+            <a:ext cx="1568918" cy="471638"/>
+          </a:xfrm>
+          <a:prstGeom prst="rect">
+            <a:avLst/>
+          </a:prstGeom>
+          <a:noFill/>
+          <a:ln w="38100">
+            <a:solidFill>
+              <a:srgbClr val="00B050"/>
+            </a:solidFill>
+          </a:ln>
+        </p:spPr>
+        <p:style>
+          <a:lnRef idx="2">
+            <a:schemeClr val="accent1"/>
+          </a:lnRef>
+          <a:fillRef idx="1">
+            <a:schemeClr val="lt1"/>
+          </a:fillRef>
+          <a:effectRef idx="0">
+            <a:schemeClr val="accent1"/>
+          </a:effectRef>
+          <a:fontRef idx="minor">
+            <a:schemeClr val="dk1"/>
+          </a:fontRef>
+        </p:style>
+        <p:txBody>
+          <a:bodyPr rtlCol="0" anchor="ctr"/>
+          <a:lstStyle/>
+          <a:p>
+            <a:pPr algn="ctr"/>
+            <a:r>
+              <a:rPr lang="en-GB" dirty="0"/>
+              <a:t>Optional Product</a:t>
+            </a:r>
+          </a:p>
+        </p:txBody>
+      </p:sp>
+      <p:cxnSp>
+        <p:nvCxnSpPr>
+          <p:cNvPr id="16" name="Straight Connector 15"/>
+          <p:cNvCxnSpPr>
+            <a:stCxn id="14" idx="1"/>
+            <a:endCxn id="15" idx="3"/>
+          </p:cNvCxnSpPr>
+          <p:nvPr/>
+        </p:nvCxnSpPr>
+        <p:spPr>
+          <a:xfrm flipH="1">
+            <a:off x="1791095" y="3402986"/>
+            <a:ext cx="1195144" cy="0"/>
+          </a:xfrm>
+          <a:prstGeom prst="line">
+            <a:avLst/>
+          </a:prstGeom>
+          <a:ln w="38100">
+            <a:solidFill>
+              <a:srgbClr val="00B050"/>
+            </a:solidFill>
+            <a:headEnd type="triangle" w="med" len="med"/>
+            <a:tailEnd type="none" w="med" len="med"/>
+          </a:ln>
+        </p:spPr>
+        <p:style>
+          <a:lnRef idx="1">
+            <a:schemeClr val="accent1"/>
+          </a:lnRef>
+          <a:fillRef idx="0">
+            <a:schemeClr val="accent1"/>
+          </a:fillRef>
+          <a:effectRef idx="0">
+            <a:schemeClr val="accent1"/>
+          </a:effectRef>
+          <a:fontRef idx="minor">
+            <a:schemeClr val="tx1"/>
+          </a:fontRef>
+        </p:style>
+      </p:cxnSp>
+      <p:sp>
+        <p:nvSpPr>
+          <p:cNvPr id="17" name="Rectangle 16"/>
+          <p:cNvSpPr/>
+          <p:nvPr/>
+        </p:nvSpPr>
+        <p:spPr>
+          <a:xfrm>
+            <a:off x="2994260" y="4474599"/>
+            <a:ext cx="1568918" cy="471638"/>
+          </a:xfrm>
+          <a:prstGeom prst="rect">
+            <a:avLst/>
+          </a:prstGeom>
+          <a:noFill/>
+          <a:ln w="38100">
+            <a:solidFill>
+              <a:srgbClr val="00B050"/>
+            </a:solidFill>
+          </a:ln>
+        </p:spPr>
+        <p:style>
+          <a:lnRef idx="2">
+            <a:schemeClr val="accent1"/>
+          </a:lnRef>
+          <a:fillRef idx="1">
+            <a:schemeClr val="lt1"/>
+          </a:fillRef>
+          <a:effectRef idx="0">
+            <a:schemeClr val="accent1"/>
+          </a:effectRef>
+          <a:fontRef idx="minor">
+            <a:schemeClr val="dk1"/>
+          </a:fontRef>
+        </p:style>
+        <p:txBody>
+          <a:bodyPr rtlCol="0" anchor="ctr"/>
+          <a:lstStyle/>
+          <a:p>
+            <a:pPr algn="ctr"/>
+            <a:r>
+              <a:rPr kumimoji="0" lang="en-GB" sz="1400" b="0" i="0" u="none" strike="noStrike" kern="1200" cap="none" spc="0" normalizeH="0" baseline="0" noProof="0" dirty="0">
+                <a:ln>
+                  <a:noFill/>
+                </a:ln>
+                <a:solidFill>
+                  <a:prstClr val="black"/>
+                </a:solidFill>
+                <a:effectLst/>
+                <a:uLnTx/>
+                <a:uFillTx/>
+                <a:latin typeface="Calibri" panose="020F0502020204030204"/>
+                <a:ea typeface="+mn-ea"/>
+                <a:cs typeface="+mn-cs"/>
+              </a:rPr>
+              <a:t>Order</a:t>
+            </a:r>
+            <a:endParaRPr lang="en-GB" dirty="0"/>
+          </a:p>
+        </p:txBody>
+      </p:sp>
+      <p:sp>
+        <p:nvSpPr>
+          <p:cNvPr id="18" name="Rectangle 17"/>
+          <p:cNvSpPr/>
+          <p:nvPr/>
+        </p:nvSpPr>
+        <p:spPr>
+          <a:xfrm>
+            <a:off x="230198" y="4474599"/>
+            <a:ext cx="1568918" cy="471638"/>
+          </a:xfrm>
+          <a:prstGeom prst="rect">
+            <a:avLst/>
+          </a:prstGeom>
+          <a:noFill/>
+          <a:ln w="38100">
+            <a:solidFill>
+              <a:srgbClr val="00B050"/>
+            </a:solidFill>
+          </a:ln>
+        </p:spPr>
+        <p:style>
+          <a:lnRef idx="2">
+            <a:schemeClr val="accent1"/>
+          </a:lnRef>
+          <a:fillRef idx="1">
+            <a:schemeClr val="lt1"/>
+          </a:fillRef>
+          <a:effectRef idx="0">
+            <a:schemeClr val="accent1"/>
+          </a:effectRef>
+          <a:fontRef idx="minor">
+            <a:schemeClr val="dk1"/>
+          </a:fontRef>
+        </p:style>
+        <p:txBody>
+          <a:bodyPr rtlCol="0" anchor="ctr"/>
+          <a:lstStyle/>
+          <a:p>
+            <a:pPr algn="ctr"/>
+            <a:r>
+              <a:rPr lang="en-GB" dirty="0"/>
+              <a:t>Optional Product</a:t>
+            </a:r>
+          </a:p>
+        </p:txBody>
+      </p:sp>
+      <p:cxnSp>
+        <p:nvCxnSpPr>
+          <p:cNvPr id="19" name="Straight Connector 18"/>
+          <p:cNvCxnSpPr>
+            <a:stCxn id="17" idx="1"/>
+            <a:endCxn id="18" idx="3"/>
+          </p:cNvCxnSpPr>
+          <p:nvPr/>
+        </p:nvCxnSpPr>
+        <p:spPr>
+          <a:xfrm flipH="1">
+            <a:off x="1799116" y="4710418"/>
+            <a:ext cx="1195144" cy="0"/>
+          </a:xfrm>
+          <a:prstGeom prst="line">
+            <a:avLst/>
+          </a:prstGeom>
+          <a:ln w="38100">
+            <a:solidFill>
+              <a:srgbClr val="00B050"/>
+            </a:solidFill>
+            <a:headEnd type="none" w="med" len="med"/>
+            <a:tailEnd type="triangle" w="med" len="med"/>
+          </a:ln>
+        </p:spPr>
+        <p:style>
+          <a:lnRef idx="1">
+            <a:schemeClr val="accent1"/>
+          </a:lnRef>
+          <a:fillRef idx="0">
+            <a:schemeClr val="accent1"/>
+          </a:fillRef>
+          <a:effectRef idx="0">
+            <a:schemeClr val="accent1"/>
+          </a:effectRef>
+          <a:fontRef idx="minor">
+            <a:schemeClr val="tx1"/>
+          </a:fontRef>
+        </p:style>
+      </p:cxnSp>
+      <p:sp>
+        <p:nvSpPr>
+          <p:cNvPr id="20" name="TextBox 19"/>
+          <p:cNvSpPr txBox="1"/>
+          <p:nvPr/>
+        </p:nvSpPr>
+        <p:spPr>
+          <a:xfrm>
+            <a:off x="2671888" y="3134022"/>
+            <a:ext cx="300082" cy="369332"/>
+          </a:xfrm>
+          <a:prstGeom prst="rect">
+            <a:avLst/>
+          </a:prstGeom>
+          <a:noFill/>
+        </p:spPr>
+        <p:txBody>
+          <a:bodyPr wrap="none" rtlCol="0">
+            <a:spAutoFit/>
+          </a:bodyPr>
+          <a:lstStyle/>
+          <a:p>
+            <a:r>
+              <a:rPr lang="en-GB" dirty="0"/>
+              <a:t>*</a:t>
+            </a:r>
+          </a:p>
+        </p:txBody>
+      </p:sp>
+      <p:sp>
+        <p:nvSpPr>
+          <p:cNvPr id="21" name="TextBox 20"/>
+          <p:cNvSpPr txBox="1"/>
+          <p:nvPr/>
+        </p:nvSpPr>
+        <p:spPr>
+          <a:xfrm>
+            <a:off x="1786359" y="4308305"/>
+            <a:ext cx="301686" cy="369332"/>
+          </a:xfrm>
+          <a:prstGeom prst="rect">
+            <a:avLst/>
+          </a:prstGeom>
+          <a:noFill/>
+        </p:spPr>
+        <p:txBody>
+          <a:bodyPr wrap="none" rtlCol="0">
+            <a:spAutoFit/>
+          </a:bodyPr>
+          <a:lstStyle/>
+          <a:p>
+            <a:r>
+              <a:rPr lang="en-GB" dirty="0"/>
+              <a:t>*</a:t>
             </a:r>
           </a:p>
         </p:txBody>
@@ -15101,7 +17092,7 @@
     </p:spTree>
     <p:extLst>
       <p:ext uri="{BB962C8B-B14F-4D97-AF65-F5344CB8AC3E}">
-        <p14:creationId xmlns:p14="http://schemas.microsoft.com/office/powerpoint/2010/main" val="132007604"/>
+        <p14:creationId xmlns:p14="http://schemas.microsoft.com/office/powerpoint/2010/main" val="2259991628"/>
       </p:ext>
     </p:extLst>
   </p:cSld>
@@ -15279,1455 +17270,29 @@
           <a:p>
             <a:r>
               <a:rPr lang="it-IT" dirty="0"/>
-              <a:t>Example of diagram</a:t>
-            </a:r>
-          </a:p>
-        </p:txBody>
-      </p:sp>
-      <p:sp>
-        <p:nvSpPr>
-          <p:cNvPr id="4" name="Google Shape;197;p33"/>
-          <p:cNvSpPr/>
-          <p:nvPr/>
-        </p:nvSpPr>
-        <p:spPr>
-          <a:xfrm>
-            <a:off x="323525" y="2753184"/>
-            <a:ext cx="2808300" cy="1508700"/>
-          </a:xfrm>
-          <a:prstGeom prst="rect">
-            <a:avLst/>
-          </a:prstGeom>
-          <a:solidFill>
-            <a:schemeClr val="lt1"/>
-          </a:solidFill>
-          <a:ln w="25400" cap="flat" cmpd="sng">
-            <a:solidFill>
-              <a:schemeClr val="dk1"/>
-            </a:solidFill>
-            <a:prstDash val="solid"/>
-            <a:round/>
-            <a:headEnd type="none" w="sm" len="sm"/>
-            <a:tailEnd type="none" w="sm" len="sm"/>
-          </a:ln>
-        </p:spPr>
-        <p:txBody>
-          <a:bodyPr spcFirstLastPara="1" wrap="square" lIns="91425" tIns="45700" rIns="91425" bIns="45700" anchor="t" anchorCtr="0">
-            <a:noAutofit/>
-          </a:bodyPr>
-          <a:lstStyle/>
-          <a:p>
-            <a:pPr marL="0" marR="0" lvl="0" indent="0" algn="l" rtl="0">
-              <a:spcBef>
-                <a:spcPts val="0"/>
-              </a:spcBef>
-              <a:spcAft>
-                <a:spcPts val="0"/>
-              </a:spcAft>
-              <a:buNone/>
-            </a:pPr>
-            <a:r>
-              <a:rPr lang="es-419" sz="1800">
-                <a:solidFill>
-                  <a:schemeClr val="dk1"/>
-                </a:solidFill>
-                <a:latin typeface="Calibri"/>
-                <a:ea typeface="Calibri"/>
-                <a:cs typeface="Calibri"/>
-                <a:sym typeface="Calibri"/>
-              </a:rPr>
-              <a:t>LOGIN PAGE</a:t>
-            </a:r>
-            <a:endParaRPr sz="1800">
-              <a:solidFill>
-                <a:schemeClr val="dk1"/>
-              </a:solidFill>
-              <a:latin typeface="Calibri"/>
-              <a:ea typeface="Calibri"/>
-              <a:cs typeface="Calibri"/>
-              <a:sym typeface="Calibri"/>
-            </a:endParaRPr>
-          </a:p>
-        </p:txBody>
-      </p:sp>
-      <p:sp>
-        <p:nvSpPr>
-          <p:cNvPr id="5" name="Google Shape;198;p33"/>
-          <p:cNvSpPr/>
-          <p:nvPr/>
-        </p:nvSpPr>
-        <p:spPr>
-          <a:xfrm>
-            <a:off x="467444" y="3133360"/>
-            <a:ext cx="1836300" cy="860400"/>
-          </a:xfrm>
-          <a:prstGeom prst="roundRect">
-            <a:avLst>
-              <a:gd name="adj" fmla="val 16667"/>
-            </a:avLst>
-          </a:prstGeom>
-          <a:solidFill>
-            <a:schemeClr val="lt1"/>
-          </a:solidFill>
-          <a:ln w="25400" cap="flat" cmpd="sng">
-            <a:solidFill>
-              <a:schemeClr val="accent3"/>
-            </a:solidFill>
-            <a:prstDash val="solid"/>
-            <a:round/>
-            <a:headEnd type="none" w="sm" len="sm"/>
-            <a:tailEnd type="none" w="sm" len="sm"/>
-          </a:ln>
-        </p:spPr>
-        <p:txBody>
-          <a:bodyPr spcFirstLastPara="1" wrap="square" lIns="91425" tIns="45700" rIns="91425" bIns="45700" anchor="ctr" anchorCtr="0">
-            <a:noAutofit/>
-          </a:bodyPr>
-          <a:lstStyle/>
-          <a:p>
-            <a:pPr marL="0" marR="0" lvl="0" indent="0" algn="ctr" rtl="0">
-              <a:spcBef>
-                <a:spcPts val="0"/>
-              </a:spcBef>
-              <a:spcAft>
-                <a:spcPts val="0"/>
-              </a:spcAft>
-              <a:buNone/>
-            </a:pPr>
-            <a:r>
-              <a:rPr lang="es-419" sz="1800">
-                <a:solidFill>
-                  <a:schemeClr val="dk1"/>
-                </a:solidFill>
-                <a:latin typeface="Calibri"/>
-                <a:ea typeface="Calibri"/>
-                <a:cs typeface="Calibri"/>
-                <a:sym typeface="Calibri"/>
-              </a:rPr>
-              <a:t>Login form</a:t>
-            </a:r>
-            <a:br>
-              <a:rPr lang="es-419" sz="1800">
-                <a:solidFill>
-                  <a:schemeClr val="dk1"/>
-                </a:solidFill>
-                <a:latin typeface="Calibri"/>
-                <a:ea typeface="Calibri"/>
-                <a:cs typeface="Calibri"/>
-                <a:sym typeface="Calibri"/>
-              </a:rPr>
-            </a:br>
-            <a:r>
-              <a:rPr lang="es-419" sz="1800">
-                <a:solidFill>
-                  <a:schemeClr val="dk1"/>
-                </a:solidFill>
-                <a:latin typeface="Calibri"/>
-                <a:ea typeface="Calibri"/>
-                <a:cs typeface="Calibri"/>
-                <a:sym typeface="Calibri"/>
-              </a:rPr>
-              <a:t>[field: username</a:t>
-            </a:r>
-            <a:endParaRPr/>
-          </a:p>
-          <a:p>
-            <a:pPr marL="0" marR="0" lvl="0" indent="0" algn="ctr" rtl="0">
-              <a:spcBef>
-                <a:spcPts val="0"/>
-              </a:spcBef>
-              <a:spcAft>
-                <a:spcPts val="0"/>
-              </a:spcAft>
-              <a:buNone/>
-            </a:pPr>
-            <a:r>
-              <a:rPr lang="es-419" sz="1800">
-                <a:solidFill>
-                  <a:schemeClr val="dk1"/>
-                </a:solidFill>
-                <a:latin typeface="Calibri"/>
-                <a:ea typeface="Calibri"/>
-                <a:cs typeface="Calibri"/>
-                <a:sym typeface="Calibri"/>
-              </a:rPr>
-              <a:t>field: password]</a:t>
-            </a:r>
-            <a:endParaRPr sz="1800">
-              <a:solidFill>
-                <a:schemeClr val="dk1"/>
-              </a:solidFill>
-              <a:latin typeface="Calibri"/>
-              <a:ea typeface="Calibri"/>
-              <a:cs typeface="Calibri"/>
-              <a:sym typeface="Calibri"/>
-            </a:endParaRPr>
-          </a:p>
-        </p:txBody>
-      </p:sp>
-      <p:sp>
-        <p:nvSpPr>
-          <p:cNvPr id="6" name="Google Shape;199;p33"/>
-          <p:cNvSpPr/>
-          <p:nvPr/>
-        </p:nvSpPr>
-        <p:spPr>
-          <a:xfrm>
-            <a:off x="5755392" y="4499999"/>
-            <a:ext cx="2520300" cy="1296000"/>
-          </a:xfrm>
-          <a:prstGeom prst="rect">
-            <a:avLst/>
-          </a:prstGeom>
-          <a:solidFill>
-            <a:schemeClr val="lt1"/>
-          </a:solidFill>
-          <a:ln w="25400" cap="flat" cmpd="sng">
-            <a:solidFill>
-              <a:schemeClr val="dk1"/>
-            </a:solidFill>
-            <a:prstDash val="solid"/>
-            <a:round/>
-            <a:headEnd type="none" w="sm" len="sm"/>
-            <a:tailEnd type="none" w="sm" len="sm"/>
-          </a:ln>
-        </p:spPr>
-        <p:txBody>
-          <a:bodyPr spcFirstLastPara="1" wrap="square" lIns="91425" tIns="45700" rIns="91425" bIns="45700" anchor="t" anchorCtr="0">
-            <a:noAutofit/>
-          </a:bodyPr>
-          <a:lstStyle/>
-          <a:p>
-            <a:pPr marL="0" marR="0" lvl="0" indent="0" algn="l" rtl="0">
-              <a:spcBef>
-                <a:spcPts val="0"/>
-              </a:spcBef>
-              <a:spcAft>
-                <a:spcPts val="0"/>
-              </a:spcAft>
-              <a:buNone/>
-            </a:pPr>
-            <a:r>
-              <a:rPr lang="es-419" sz="1800">
-                <a:solidFill>
-                  <a:schemeClr val="dk1"/>
-                </a:solidFill>
-                <a:latin typeface="Calibri"/>
-                <a:ea typeface="Calibri"/>
-                <a:cs typeface="Calibri"/>
-                <a:sym typeface="Calibri"/>
-              </a:rPr>
-              <a:t>HOME</a:t>
-            </a:r>
-            <a:endParaRPr sz="1800">
-              <a:solidFill>
-                <a:schemeClr val="dk1"/>
-              </a:solidFill>
-              <a:latin typeface="Calibri"/>
-              <a:ea typeface="Calibri"/>
-              <a:cs typeface="Calibri"/>
-              <a:sym typeface="Calibri"/>
-            </a:endParaRPr>
-          </a:p>
-        </p:txBody>
-      </p:sp>
-      <p:sp>
-        <p:nvSpPr>
-          <p:cNvPr id="7" name="Google Shape;200;p33"/>
-          <p:cNvSpPr/>
-          <p:nvPr/>
-        </p:nvSpPr>
-        <p:spPr>
-          <a:xfrm>
-            <a:off x="2195736" y="3342674"/>
-            <a:ext cx="288032" cy="216024"/>
-          </a:xfrm>
-          <a:prstGeom prst="ellipse">
-            <a:avLst/>
-          </a:prstGeom>
-          <a:solidFill>
-            <a:schemeClr val="accent1"/>
-          </a:solidFill>
-          <a:ln w="25400" cap="flat" cmpd="sng">
-            <a:solidFill>
-              <a:srgbClr val="395E89"/>
-            </a:solidFill>
-            <a:prstDash val="solid"/>
-            <a:round/>
-            <a:headEnd type="none" w="sm" len="sm"/>
-            <a:tailEnd type="none" w="sm" len="sm"/>
-          </a:ln>
-        </p:spPr>
-        <p:txBody>
-          <a:bodyPr spcFirstLastPara="1" wrap="square" lIns="91425" tIns="45700" rIns="91425" bIns="45700" anchor="ctr" anchorCtr="0">
-            <a:noAutofit/>
-          </a:bodyPr>
-          <a:lstStyle/>
-          <a:p>
-            <a:pPr marL="0" marR="0" lvl="0" indent="0" algn="ctr" rtl="0">
-              <a:spcBef>
-                <a:spcPts val="0"/>
-              </a:spcBef>
-              <a:spcAft>
-                <a:spcPts val="0"/>
-              </a:spcAft>
-              <a:buNone/>
-            </a:pPr>
-            <a:endParaRPr sz="1800">
-              <a:solidFill>
-                <a:schemeClr val="lt1"/>
-              </a:solidFill>
-              <a:latin typeface="Calibri"/>
-              <a:ea typeface="Calibri"/>
-              <a:cs typeface="Calibri"/>
-              <a:sym typeface="Calibri"/>
-            </a:endParaRPr>
-          </a:p>
-        </p:txBody>
-      </p:sp>
-      <p:cxnSp>
-        <p:nvCxnSpPr>
-          <p:cNvPr id="8" name="Google Shape;201;p33"/>
-          <p:cNvCxnSpPr>
-            <a:stCxn id="14" idx="2"/>
-            <a:endCxn id="20" idx="5"/>
-          </p:cNvCxnSpPr>
-          <p:nvPr/>
-        </p:nvCxnSpPr>
-        <p:spPr>
-          <a:xfrm rot="10800000" flipH="1">
-            <a:off x="4726678" y="3456447"/>
-            <a:ext cx="1599000" cy="5700"/>
-          </a:xfrm>
-          <a:prstGeom prst="bentConnector3">
-            <a:avLst>
-              <a:gd name="adj1" fmla="val 50001"/>
-            </a:avLst>
-          </a:prstGeom>
-          <a:noFill/>
-          <a:ln w="25400" cap="flat" cmpd="sng">
-            <a:solidFill>
-              <a:schemeClr val="accent1"/>
-            </a:solidFill>
-            <a:prstDash val="solid"/>
-            <a:round/>
-            <a:headEnd type="none" w="sm" len="sm"/>
-            <a:tailEnd type="stealth" w="med" len="med"/>
-          </a:ln>
-          <a:effectLst>
-            <a:outerShdw blurRad="40000" dist="20000" dir="5400000" rotWithShape="0">
-              <a:srgbClr val="000000">
-                <a:alpha val="37647"/>
-              </a:srgbClr>
-            </a:outerShdw>
-          </a:effectLst>
-        </p:spPr>
-      </p:cxnSp>
-      <p:sp>
-        <p:nvSpPr>
-          <p:cNvPr id="9" name="Google Shape;204;p33"/>
-          <p:cNvSpPr txBox="1"/>
-          <p:nvPr/>
-        </p:nvSpPr>
-        <p:spPr>
-          <a:xfrm>
-            <a:off x="2328286" y="3622457"/>
-            <a:ext cx="832200" cy="276900"/>
-          </a:xfrm>
-          <a:prstGeom prst="rect">
-            <a:avLst/>
-          </a:prstGeom>
-          <a:noFill/>
-          <a:ln>
-            <a:noFill/>
-          </a:ln>
-        </p:spPr>
-        <p:txBody>
-          <a:bodyPr spcFirstLastPara="1" wrap="square" lIns="91425" tIns="45700" rIns="91425" bIns="45700" anchor="t" anchorCtr="0">
-            <a:noAutofit/>
-          </a:bodyPr>
-          <a:lstStyle/>
-          <a:p>
-            <a:pPr marL="0" marR="0" lvl="0" indent="0" algn="l" rtl="0">
-              <a:spcBef>
-                <a:spcPts val="0"/>
-              </a:spcBef>
-              <a:spcAft>
-                <a:spcPts val="0"/>
-              </a:spcAft>
-              <a:buNone/>
-            </a:pPr>
-            <a:r>
-              <a:rPr lang="es-419" sz="1800" dirty="0" err="1">
-                <a:solidFill>
-                  <a:schemeClr val="dk1"/>
-                </a:solidFill>
-                <a:latin typeface="Calibri"/>
-                <a:ea typeface="Calibri"/>
-                <a:cs typeface="Calibri"/>
-                <a:sym typeface="Calibri"/>
-              </a:rPr>
-              <a:t>submit</a:t>
-            </a:r>
-            <a:endParaRPr sz="1800" dirty="0">
-              <a:solidFill>
-                <a:schemeClr val="dk1"/>
-              </a:solidFill>
-              <a:latin typeface="Calibri"/>
-              <a:ea typeface="Calibri"/>
-              <a:cs typeface="Calibri"/>
-              <a:sym typeface="Calibri"/>
-            </a:endParaRPr>
-          </a:p>
-        </p:txBody>
-      </p:sp>
-      <p:cxnSp>
-        <p:nvCxnSpPr>
-          <p:cNvPr id="10" name="Google Shape;205;p33"/>
-          <p:cNvCxnSpPr>
-            <a:stCxn id="17" idx="4"/>
-            <a:endCxn id="4" idx="2"/>
-          </p:cNvCxnSpPr>
-          <p:nvPr/>
-        </p:nvCxnSpPr>
-        <p:spPr>
-          <a:xfrm rot="5400000">
-            <a:off x="2501896" y="3127908"/>
-            <a:ext cx="359700" cy="1908300"/>
-          </a:xfrm>
-          <a:prstGeom prst="bentConnector3">
-            <a:avLst>
-              <a:gd name="adj1" fmla="val 166194"/>
-            </a:avLst>
-          </a:prstGeom>
-          <a:noFill/>
-          <a:ln w="25400" cap="flat" cmpd="sng">
-            <a:solidFill>
-              <a:schemeClr val="accent1"/>
-            </a:solidFill>
-            <a:prstDash val="solid"/>
-            <a:round/>
-            <a:headEnd type="none" w="sm" len="sm"/>
-            <a:tailEnd type="stealth" w="med" len="med"/>
-          </a:ln>
-          <a:effectLst>
-            <a:outerShdw blurRad="40000" dist="20000" dir="5400000" rotWithShape="0">
-              <a:srgbClr val="000000">
-                <a:alpha val="37647"/>
-              </a:srgbClr>
-            </a:outerShdw>
-          </a:effectLst>
-        </p:spPr>
-      </p:cxnSp>
-      <p:sp>
-        <p:nvSpPr>
-          <p:cNvPr id="11" name="Google Shape;207;p33"/>
-          <p:cNvSpPr txBox="1"/>
-          <p:nvPr/>
-        </p:nvSpPr>
-        <p:spPr>
-          <a:xfrm>
-            <a:off x="755575" y="4505860"/>
-            <a:ext cx="2488800" cy="276900"/>
-          </a:xfrm>
-          <a:prstGeom prst="rect">
-            <a:avLst/>
-          </a:prstGeom>
-          <a:noFill/>
-          <a:ln>
-            <a:noFill/>
-          </a:ln>
-        </p:spPr>
-        <p:txBody>
-          <a:bodyPr spcFirstLastPara="1" wrap="square" lIns="91425" tIns="45700" rIns="91425" bIns="45700" anchor="t" anchorCtr="0">
-            <a:noAutofit/>
-          </a:bodyPr>
-          <a:lstStyle/>
-          <a:p>
-            <a:pPr marL="0" marR="0" lvl="0" indent="0" algn="l" rtl="0">
-              <a:spcBef>
-                <a:spcPts val="0"/>
-              </a:spcBef>
-              <a:spcAft>
-                <a:spcPts val="0"/>
-              </a:spcAft>
-              <a:buNone/>
-            </a:pPr>
-            <a:r>
-              <a:rPr lang="es-419" sz="1800" dirty="0" err="1">
-                <a:solidFill>
-                  <a:schemeClr val="dk1"/>
-                </a:solidFill>
-                <a:latin typeface="Calibri"/>
-                <a:ea typeface="Calibri"/>
-                <a:cs typeface="Calibri"/>
-                <a:sym typeface="Calibri"/>
-              </a:rPr>
-              <a:t>wrong</a:t>
-            </a:r>
-            <a:r>
-              <a:rPr lang="es-419" sz="1800" dirty="0">
-                <a:solidFill>
-                  <a:schemeClr val="dk1"/>
-                </a:solidFill>
-                <a:latin typeface="Calibri"/>
-                <a:ea typeface="Calibri"/>
-                <a:cs typeface="Calibri"/>
-                <a:sym typeface="Calibri"/>
-              </a:rPr>
-              <a:t> </a:t>
-            </a:r>
-            <a:r>
-              <a:rPr lang="es-419" sz="1800" dirty="0" err="1">
-                <a:solidFill>
-                  <a:schemeClr val="dk1"/>
-                </a:solidFill>
-                <a:latin typeface="Calibri"/>
-                <a:ea typeface="Calibri"/>
-                <a:cs typeface="Calibri"/>
-                <a:sym typeface="Calibri"/>
-              </a:rPr>
-              <a:t>user</a:t>
-            </a:r>
-            <a:r>
-              <a:rPr lang="es-419" sz="1800" dirty="0">
-                <a:solidFill>
-                  <a:schemeClr val="dk1"/>
-                </a:solidFill>
-                <a:latin typeface="Calibri"/>
-                <a:ea typeface="Calibri"/>
-                <a:cs typeface="Calibri"/>
-                <a:sym typeface="Calibri"/>
-              </a:rPr>
-              <a:t> + </a:t>
-            </a:r>
-            <a:r>
-              <a:rPr lang="es-419" sz="1800" dirty="0" err="1">
-                <a:solidFill>
-                  <a:schemeClr val="dk1"/>
-                </a:solidFill>
-                <a:latin typeface="Calibri"/>
-                <a:ea typeface="Calibri"/>
-                <a:cs typeface="Calibri"/>
-                <a:sym typeface="Calibri"/>
-              </a:rPr>
-              <a:t>pswd</a:t>
-            </a:r>
-            <a:endParaRPr sz="1800" dirty="0">
-              <a:solidFill>
-                <a:schemeClr val="dk1"/>
-              </a:solidFill>
-              <a:latin typeface="Calibri"/>
-              <a:ea typeface="Calibri"/>
-              <a:cs typeface="Calibri"/>
-              <a:sym typeface="Calibri"/>
-            </a:endParaRPr>
-          </a:p>
-        </p:txBody>
-      </p:sp>
-      <p:sp>
-        <p:nvSpPr>
-          <p:cNvPr id="12" name="Google Shape;208;p33"/>
-          <p:cNvSpPr txBox="1"/>
-          <p:nvPr/>
-        </p:nvSpPr>
-        <p:spPr>
-          <a:xfrm>
-            <a:off x="3641255" y="2813863"/>
-            <a:ext cx="2186700" cy="307800"/>
-          </a:xfrm>
-          <a:prstGeom prst="rect">
-            <a:avLst/>
-          </a:prstGeom>
-          <a:solidFill>
-            <a:schemeClr val="lt1"/>
-          </a:solidFill>
-          <a:ln w="25400" cap="flat" cmpd="sng">
-            <a:noFill/>
-            <a:prstDash val="solid"/>
-            <a:round/>
-            <a:headEnd type="none" w="sm" len="sm"/>
-            <a:tailEnd type="none" w="sm" len="sm"/>
-          </a:ln>
-        </p:spPr>
-        <p:txBody>
-          <a:bodyPr spcFirstLastPara="1" wrap="square" lIns="91425" tIns="45700" rIns="91425" bIns="45700" anchor="t" anchorCtr="0">
-            <a:noAutofit/>
-          </a:bodyPr>
-          <a:lstStyle/>
-          <a:p>
-            <a:pPr marL="0" marR="0" lvl="0" indent="0" algn="l" rtl="0">
-              <a:spcBef>
-                <a:spcPts val="0"/>
-              </a:spcBef>
-              <a:spcAft>
-                <a:spcPts val="0"/>
-              </a:spcAft>
-              <a:buNone/>
-            </a:pPr>
-            <a:r>
-              <a:rPr lang="es-419" sz="1600" dirty="0" err="1">
-                <a:solidFill>
-                  <a:schemeClr val="dk1"/>
-                </a:solidFill>
-                <a:latin typeface="Calibri"/>
-                <a:ea typeface="Calibri"/>
-                <a:cs typeface="Calibri"/>
-                <a:sym typeface="Calibri"/>
-              </a:rPr>
-              <a:t>username</a:t>
-            </a:r>
-            <a:r>
-              <a:rPr lang="es-419" sz="1600" dirty="0">
-                <a:solidFill>
-                  <a:schemeClr val="dk1"/>
-                </a:solidFill>
-                <a:latin typeface="Calibri"/>
-                <a:ea typeface="Calibri"/>
-                <a:cs typeface="Calibri"/>
-                <a:sym typeface="Calibri"/>
-              </a:rPr>
-              <a:t>, </a:t>
-            </a:r>
-            <a:r>
-              <a:rPr lang="es-419" sz="1600" dirty="0" err="1">
-                <a:solidFill>
-                  <a:schemeClr val="dk1"/>
-                </a:solidFill>
-                <a:latin typeface="Calibri"/>
-                <a:ea typeface="Calibri"/>
-                <a:cs typeface="Calibri"/>
-                <a:sym typeface="Calibri"/>
-              </a:rPr>
-              <a:t>password</a:t>
-            </a:r>
-            <a:endParaRPr sz="1600" dirty="0">
-              <a:solidFill>
-                <a:schemeClr val="dk1"/>
-              </a:solidFill>
-              <a:latin typeface="Calibri"/>
-              <a:ea typeface="Calibri"/>
-              <a:cs typeface="Calibri"/>
-              <a:sym typeface="Calibri"/>
-            </a:endParaRPr>
-          </a:p>
-        </p:txBody>
-      </p:sp>
-      <p:cxnSp>
-        <p:nvCxnSpPr>
-          <p:cNvPr id="13" name="Google Shape;209;p33"/>
-          <p:cNvCxnSpPr/>
-          <p:nvPr/>
-        </p:nvCxnSpPr>
-        <p:spPr>
-          <a:xfrm flipH="1">
-            <a:off x="3185250" y="2890382"/>
-            <a:ext cx="472500" cy="558300"/>
-          </a:xfrm>
-          <a:prstGeom prst="straightConnector1">
-            <a:avLst/>
-          </a:prstGeom>
-          <a:noFill/>
-          <a:ln w="9525" cap="flat" cmpd="sng">
-            <a:solidFill>
-              <a:srgbClr val="4A7DBA"/>
-            </a:solidFill>
-            <a:prstDash val="solid"/>
-            <a:round/>
-            <a:headEnd type="none" w="sm" len="sm"/>
-            <a:tailEnd type="none" w="sm" len="sm"/>
-          </a:ln>
-        </p:spPr>
-      </p:cxnSp>
-      <p:sp>
-        <p:nvSpPr>
-          <p:cNvPr id="14" name="Google Shape;202;p33"/>
-          <p:cNvSpPr/>
-          <p:nvPr/>
-        </p:nvSpPr>
-        <p:spPr>
-          <a:xfrm>
-            <a:off x="3419872" y="3216763"/>
-            <a:ext cx="1368152" cy="490769"/>
-          </a:xfrm>
-          <a:prstGeom prst="parallelogram">
-            <a:avLst>
-              <a:gd name="adj" fmla="val 25000"/>
-            </a:avLst>
-          </a:prstGeom>
-          <a:solidFill>
-            <a:schemeClr val="lt1"/>
-          </a:solidFill>
-          <a:ln w="25400" cap="flat" cmpd="sng">
-            <a:solidFill>
-              <a:schemeClr val="accent2"/>
-            </a:solidFill>
-            <a:prstDash val="solid"/>
-            <a:round/>
-            <a:headEnd type="none" w="sm" len="sm"/>
-            <a:tailEnd type="none" w="sm" len="sm"/>
-          </a:ln>
-        </p:spPr>
-        <p:txBody>
-          <a:bodyPr spcFirstLastPara="1" wrap="square" lIns="91425" tIns="45700" rIns="91425" bIns="45700" anchor="ctr" anchorCtr="0">
-            <a:noAutofit/>
-          </a:bodyPr>
-          <a:lstStyle/>
-          <a:p>
-            <a:pPr marL="0" marR="0" lvl="0" indent="0" algn="ctr" rtl="0">
-              <a:spcBef>
-                <a:spcPts val="0"/>
-              </a:spcBef>
-              <a:spcAft>
-                <a:spcPts val="0"/>
-              </a:spcAft>
-              <a:buNone/>
-            </a:pPr>
-            <a:r>
-              <a:rPr lang="es-419" sz="1800">
-                <a:solidFill>
-                  <a:schemeClr val="dk1"/>
-                </a:solidFill>
-                <a:latin typeface="Calibri"/>
-                <a:ea typeface="Calibri"/>
-                <a:cs typeface="Calibri"/>
-                <a:sym typeface="Calibri"/>
-              </a:rPr>
-              <a:t>Check</a:t>
-            </a:r>
-            <a:br>
-              <a:rPr lang="es-419" sz="1800">
-                <a:solidFill>
-                  <a:schemeClr val="dk1"/>
-                </a:solidFill>
-                <a:latin typeface="Calibri"/>
-                <a:ea typeface="Calibri"/>
-                <a:cs typeface="Calibri"/>
-                <a:sym typeface="Calibri"/>
-              </a:rPr>
-            </a:br>
-            <a:r>
-              <a:rPr lang="es-419" sz="1800">
-                <a:solidFill>
-                  <a:schemeClr val="dk1"/>
-                </a:solidFill>
-                <a:latin typeface="Calibri"/>
-                <a:ea typeface="Calibri"/>
-                <a:cs typeface="Calibri"/>
-                <a:sym typeface="Calibri"/>
-              </a:rPr>
-              <a:t>Login</a:t>
-            </a:r>
-            <a:endParaRPr sz="1800">
-              <a:solidFill>
-                <a:schemeClr val="dk1"/>
-              </a:solidFill>
-              <a:latin typeface="Calibri"/>
-              <a:ea typeface="Calibri"/>
-              <a:cs typeface="Calibri"/>
-              <a:sym typeface="Calibri"/>
-            </a:endParaRPr>
-          </a:p>
-        </p:txBody>
-      </p:sp>
-      <p:cxnSp>
-        <p:nvCxnSpPr>
-          <p:cNvPr id="15" name="Google Shape;210;p33"/>
-          <p:cNvCxnSpPr>
-            <a:stCxn id="7" idx="6"/>
-            <a:endCxn id="14" idx="5"/>
-          </p:cNvCxnSpPr>
-          <p:nvPr/>
-        </p:nvCxnSpPr>
-        <p:spPr>
-          <a:xfrm>
-            <a:off x="2483768" y="3450686"/>
-            <a:ext cx="997500" cy="11400"/>
-          </a:xfrm>
-          <a:prstGeom prst="straightConnector1">
-            <a:avLst/>
-          </a:prstGeom>
-          <a:noFill/>
-          <a:ln w="25400" cap="flat" cmpd="sng">
-            <a:solidFill>
-              <a:schemeClr val="accent1"/>
-            </a:solidFill>
-            <a:prstDash val="solid"/>
-            <a:round/>
-            <a:headEnd type="none" w="sm" len="sm"/>
-            <a:tailEnd type="stealth" w="med" len="med"/>
-          </a:ln>
-          <a:effectLst>
-            <a:outerShdw blurRad="40000" dist="20000" dir="5400000" rotWithShape="0">
-              <a:srgbClr val="000000">
-                <a:alpha val="37647"/>
-              </a:srgbClr>
-            </a:outerShdw>
-          </a:effectLst>
-        </p:spPr>
-      </p:cxnSp>
-      <p:sp>
-        <p:nvSpPr>
-          <p:cNvPr id="16" name="Google Shape;211;p33"/>
-          <p:cNvSpPr/>
-          <p:nvPr/>
-        </p:nvSpPr>
-        <p:spPr>
-          <a:xfrm>
-            <a:off x="4572000" y="3383496"/>
-            <a:ext cx="288032" cy="216024"/>
-          </a:xfrm>
-          <a:prstGeom prst="ellipse">
-            <a:avLst/>
-          </a:prstGeom>
-          <a:solidFill>
-            <a:schemeClr val="accent1"/>
-          </a:solidFill>
-          <a:ln w="25400" cap="flat" cmpd="sng">
-            <a:solidFill>
-              <a:srgbClr val="395E89"/>
-            </a:solidFill>
-            <a:prstDash val="solid"/>
-            <a:round/>
-            <a:headEnd type="none" w="sm" len="sm"/>
-            <a:tailEnd type="none" w="sm" len="sm"/>
-          </a:ln>
-        </p:spPr>
-        <p:txBody>
-          <a:bodyPr spcFirstLastPara="1" wrap="square" lIns="91425" tIns="45700" rIns="91425" bIns="45700" anchor="ctr" anchorCtr="0">
-            <a:noAutofit/>
-          </a:bodyPr>
-          <a:lstStyle/>
-          <a:p>
-            <a:pPr marL="0" marR="0" lvl="0" indent="0" algn="ctr" rtl="0">
-              <a:spcBef>
-                <a:spcPts val="0"/>
-              </a:spcBef>
-              <a:spcAft>
-                <a:spcPts val="0"/>
-              </a:spcAft>
-              <a:buNone/>
-            </a:pPr>
-            <a:endParaRPr sz="1800">
-              <a:solidFill>
-                <a:schemeClr val="lt1"/>
-              </a:solidFill>
-              <a:latin typeface="Calibri"/>
-              <a:ea typeface="Calibri"/>
-              <a:cs typeface="Calibri"/>
-              <a:sym typeface="Calibri"/>
-            </a:endParaRPr>
-          </a:p>
-        </p:txBody>
-      </p:sp>
-      <p:sp>
-        <p:nvSpPr>
-          <p:cNvPr id="17" name="Google Shape;206;p33"/>
-          <p:cNvSpPr/>
-          <p:nvPr/>
-        </p:nvSpPr>
-        <p:spPr>
-          <a:xfrm>
-            <a:off x="3491880" y="3686184"/>
-            <a:ext cx="288032" cy="216024"/>
-          </a:xfrm>
-          <a:prstGeom prst="ellipse">
-            <a:avLst/>
-          </a:prstGeom>
-          <a:solidFill>
-            <a:schemeClr val="accent1"/>
-          </a:solidFill>
-          <a:ln w="25400" cap="flat" cmpd="sng">
-            <a:solidFill>
-              <a:srgbClr val="395E89"/>
-            </a:solidFill>
-            <a:prstDash val="solid"/>
-            <a:round/>
-            <a:headEnd type="none" w="sm" len="sm"/>
-            <a:tailEnd type="none" w="sm" len="sm"/>
-          </a:ln>
-        </p:spPr>
-        <p:txBody>
-          <a:bodyPr spcFirstLastPara="1" wrap="square" lIns="91425" tIns="45700" rIns="91425" bIns="45700" anchor="ctr" anchorCtr="0">
-            <a:noAutofit/>
-          </a:bodyPr>
-          <a:lstStyle/>
-          <a:p>
-            <a:pPr marL="0" marR="0" lvl="0" indent="0" algn="ctr" rtl="0">
-              <a:spcBef>
-                <a:spcPts val="0"/>
-              </a:spcBef>
-              <a:spcAft>
-                <a:spcPts val="0"/>
-              </a:spcAft>
-              <a:buNone/>
-            </a:pPr>
-            <a:endParaRPr sz="1800">
-              <a:solidFill>
-                <a:schemeClr val="lt1"/>
-              </a:solidFill>
-              <a:latin typeface="Calibri"/>
-              <a:ea typeface="Calibri"/>
-              <a:cs typeface="Calibri"/>
-              <a:sym typeface="Calibri"/>
-            </a:endParaRPr>
-          </a:p>
-        </p:txBody>
-      </p:sp>
-      <p:sp>
-        <p:nvSpPr>
-          <p:cNvPr id="18" name="Google Shape;212;p33"/>
-          <p:cNvSpPr txBox="1"/>
-          <p:nvPr/>
-        </p:nvSpPr>
-        <p:spPr>
-          <a:xfrm>
-            <a:off x="4788029" y="3599524"/>
-            <a:ext cx="1551900" cy="276900"/>
-          </a:xfrm>
-          <a:prstGeom prst="rect">
-            <a:avLst/>
-          </a:prstGeom>
-          <a:noFill/>
-          <a:ln>
-            <a:noFill/>
-          </a:ln>
-        </p:spPr>
-        <p:txBody>
-          <a:bodyPr spcFirstLastPara="1" wrap="square" lIns="91425" tIns="45700" rIns="91425" bIns="45700" anchor="t" anchorCtr="0">
-            <a:noAutofit/>
-          </a:bodyPr>
-          <a:lstStyle/>
-          <a:p>
-            <a:pPr marL="0" marR="0" lvl="0" indent="0" algn="l" rtl="0">
-              <a:spcBef>
-                <a:spcPts val="0"/>
-              </a:spcBef>
-              <a:spcAft>
-                <a:spcPts val="0"/>
-              </a:spcAft>
-              <a:buNone/>
-            </a:pPr>
-            <a:r>
-              <a:rPr lang="es-419" sz="1800">
-                <a:solidFill>
-                  <a:schemeClr val="dk1"/>
-                </a:solidFill>
-                <a:latin typeface="Calibri"/>
-                <a:ea typeface="Calibri"/>
-                <a:cs typeface="Calibri"/>
-                <a:sym typeface="Calibri"/>
-              </a:rPr>
-              <a:t>user -&gt; session</a:t>
-            </a:r>
-            <a:endParaRPr sz="1800">
-              <a:solidFill>
-                <a:schemeClr val="dk1"/>
-              </a:solidFill>
-              <a:latin typeface="Calibri"/>
-              <a:ea typeface="Calibri"/>
-              <a:cs typeface="Calibri"/>
-              <a:sym typeface="Calibri"/>
-            </a:endParaRPr>
-          </a:p>
-        </p:txBody>
-      </p:sp>
-      <p:cxnSp>
-        <p:nvCxnSpPr>
-          <p:cNvPr id="19" name="Google Shape;213;p33"/>
-          <p:cNvCxnSpPr>
-            <a:stCxn id="20" idx="2"/>
-            <a:endCxn id="6" idx="0"/>
-          </p:cNvCxnSpPr>
-          <p:nvPr/>
-        </p:nvCxnSpPr>
-        <p:spPr>
-          <a:xfrm flipH="1">
-            <a:off x="7015400" y="3456382"/>
-            <a:ext cx="868500" cy="1043700"/>
-          </a:xfrm>
-          <a:prstGeom prst="bentConnector4">
-            <a:avLst>
-              <a:gd name="adj1" fmla="val -34482"/>
-              <a:gd name="adj2" fmla="val 61752"/>
-            </a:avLst>
-          </a:prstGeom>
-          <a:noFill/>
-          <a:ln w="25400" cap="flat" cmpd="sng">
-            <a:solidFill>
-              <a:schemeClr val="accent1"/>
-            </a:solidFill>
-            <a:prstDash val="solid"/>
-            <a:round/>
-            <a:headEnd type="none" w="sm" len="sm"/>
-            <a:tailEnd type="stealth" w="med" len="med"/>
-          </a:ln>
-          <a:effectLst>
-            <a:outerShdw blurRad="40000" dist="20000" dir="5400000" rotWithShape="0">
-              <a:srgbClr val="000000">
-                <a:alpha val="37650"/>
-              </a:srgbClr>
-            </a:outerShdw>
-          </a:effectLst>
-        </p:spPr>
-      </p:cxnSp>
-      <p:sp>
-        <p:nvSpPr>
-          <p:cNvPr id="20" name="Google Shape;203;p33"/>
-          <p:cNvSpPr/>
-          <p:nvPr/>
-        </p:nvSpPr>
-        <p:spPr>
-          <a:xfrm>
-            <a:off x="6264350" y="3210982"/>
-            <a:ext cx="1680900" cy="490800"/>
-          </a:xfrm>
-          <a:prstGeom prst="parallelogram">
-            <a:avLst>
-              <a:gd name="adj" fmla="val 25000"/>
-            </a:avLst>
-          </a:prstGeom>
-          <a:solidFill>
-            <a:schemeClr val="lt1"/>
-          </a:solidFill>
-          <a:ln w="25400" cap="flat" cmpd="sng">
-            <a:solidFill>
-              <a:schemeClr val="accent2"/>
-            </a:solidFill>
-            <a:prstDash val="solid"/>
-            <a:round/>
-            <a:headEnd type="none" w="sm" len="sm"/>
-            <a:tailEnd type="none" w="sm" len="sm"/>
-          </a:ln>
-        </p:spPr>
-        <p:txBody>
-          <a:bodyPr spcFirstLastPara="1" wrap="square" lIns="91425" tIns="45700" rIns="91425" bIns="45700" anchor="ctr" anchorCtr="0">
-            <a:noAutofit/>
-          </a:bodyPr>
-          <a:lstStyle/>
-          <a:p>
-            <a:pPr marL="0" marR="0" lvl="0" indent="0" algn="ctr" rtl="0">
-              <a:spcBef>
-                <a:spcPts val="0"/>
-              </a:spcBef>
-              <a:spcAft>
-                <a:spcPts val="0"/>
-              </a:spcAft>
-              <a:buNone/>
-            </a:pPr>
-            <a:r>
-              <a:rPr lang="es-419" sz="1800">
-                <a:solidFill>
-                  <a:schemeClr val="dk1"/>
-                </a:solidFill>
-                <a:latin typeface="Calibri"/>
-                <a:ea typeface="Calibri"/>
-                <a:cs typeface="Calibri"/>
-                <a:sym typeface="Calibri"/>
-              </a:rPr>
-              <a:t>GoToHome</a:t>
-            </a:r>
-            <a:endParaRPr sz="1800">
-              <a:solidFill>
-                <a:schemeClr val="dk1"/>
-              </a:solidFill>
-              <a:latin typeface="Calibri"/>
-              <a:ea typeface="Calibri"/>
-              <a:cs typeface="Calibri"/>
-              <a:sym typeface="Calibri"/>
-            </a:endParaRPr>
-          </a:p>
-        </p:txBody>
-      </p:sp>
-      <p:sp>
-        <p:nvSpPr>
-          <p:cNvPr id="21" name="Google Shape;214;p33"/>
-          <p:cNvSpPr txBox="1"/>
-          <p:nvPr/>
-        </p:nvSpPr>
-        <p:spPr>
-          <a:xfrm>
-            <a:off x="7105354" y="4132699"/>
-            <a:ext cx="1551900" cy="276900"/>
-          </a:xfrm>
-          <a:prstGeom prst="rect">
-            <a:avLst/>
-          </a:prstGeom>
-          <a:noFill/>
-          <a:ln>
-            <a:noFill/>
-          </a:ln>
-        </p:spPr>
-        <p:txBody>
-          <a:bodyPr spcFirstLastPara="1" wrap="square" lIns="91425" tIns="45700" rIns="91425" bIns="45700" anchor="t" anchorCtr="0">
-            <a:noAutofit/>
-          </a:bodyPr>
-          <a:lstStyle/>
-          <a:p>
-            <a:pPr marL="0" marR="0" lvl="0" indent="0" algn="l" rtl="0">
-              <a:spcBef>
-                <a:spcPts val="0"/>
-              </a:spcBef>
-              <a:spcAft>
-                <a:spcPts val="0"/>
-              </a:spcAft>
-              <a:buNone/>
-            </a:pPr>
-            <a:r>
-              <a:rPr lang="es-419" sz="1800">
-                <a:solidFill>
-                  <a:schemeClr val="dk1"/>
-                </a:solidFill>
-                <a:latin typeface="Calibri"/>
-                <a:ea typeface="Calibri"/>
-                <a:cs typeface="Calibri"/>
-                <a:sym typeface="Calibri"/>
-              </a:rPr>
-              <a:t>missions</a:t>
-            </a:r>
-            <a:endParaRPr sz="1800">
-              <a:solidFill>
-                <a:schemeClr val="dk1"/>
-              </a:solidFill>
-              <a:latin typeface="Calibri"/>
-              <a:ea typeface="Calibri"/>
-              <a:cs typeface="Calibri"/>
-              <a:sym typeface="Calibri"/>
-            </a:endParaRPr>
-          </a:p>
-        </p:txBody>
-      </p:sp>
-      <p:cxnSp>
-        <p:nvCxnSpPr>
-          <p:cNvPr id="23" name="Straight Arrow Connector 22"/>
-          <p:cNvCxnSpPr>
-            <a:stCxn id="24" idx="1"/>
-          </p:cNvCxnSpPr>
-          <p:nvPr/>
-        </p:nvCxnSpPr>
-        <p:spPr>
-          <a:xfrm flipH="1">
-            <a:off x="1905802" y="2096513"/>
-            <a:ext cx="838584" cy="1036847"/>
-          </a:xfrm>
-          <a:prstGeom prst="straightConnector1">
-            <a:avLst/>
-          </a:prstGeom>
-          <a:ln w="57150">
-            <a:solidFill>
-              <a:srgbClr val="FF0000"/>
-            </a:solidFill>
-            <a:tailEnd type="triangle"/>
-          </a:ln>
-        </p:spPr>
-        <p:style>
-          <a:lnRef idx="3">
-            <a:schemeClr val="accent1"/>
-          </a:lnRef>
-          <a:fillRef idx="0">
-            <a:schemeClr val="accent1"/>
-          </a:fillRef>
-          <a:effectRef idx="2">
-            <a:schemeClr val="accent1"/>
-          </a:effectRef>
-          <a:fontRef idx="minor">
-            <a:schemeClr val="tx1"/>
-          </a:fontRef>
-        </p:style>
-      </p:cxnSp>
-      <p:sp>
-        <p:nvSpPr>
-          <p:cNvPr id="24" name="TextBox 23"/>
-          <p:cNvSpPr txBox="1"/>
-          <p:nvPr/>
-        </p:nvSpPr>
-        <p:spPr>
-          <a:xfrm>
-            <a:off x="2744386" y="1911847"/>
-            <a:ext cx="1992981" cy="369332"/>
-          </a:xfrm>
-          <a:prstGeom prst="rect">
-            <a:avLst/>
-          </a:prstGeom>
-          <a:noFill/>
-        </p:spPr>
-        <p:txBody>
-          <a:bodyPr wrap="none" rtlCol="0">
-            <a:spAutoFit/>
-          </a:bodyPr>
-          <a:lstStyle/>
-          <a:p>
-            <a:r>
-              <a:rPr lang="it-IT" dirty="0"/>
-              <a:t>PAGE COMPONENT</a:t>
-            </a:r>
-          </a:p>
-        </p:txBody>
-      </p:sp>
-      <p:cxnSp>
-        <p:nvCxnSpPr>
-          <p:cNvPr id="26" name="Straight Arrow Connector 25"/>
-          <p:cNvCxnSpPr>
-            <a:stCxn id="27" idx="1"/>
-          </p:cNvCxnSpPr>
-          <p:nvPr/>
-        </p:nvCxnSpPr>
-        <p:spPr>
-          <a:xfrm flipH="1">
-            <a:off x="1357163" y="1565518"/>
-            <a:ext cx="1529998" cy="1187666"/>
-          </a:xfrm>
-          <a:prstGeom prst="straightConnector1">
-            <a:avLst/>
-          </a:prstGeom>
-          <a:ln w="57150">
-            <a:solidFill>
-              <a:srgbClr val="FF0000"/>
-            </a:solidFill>
-            <a:tailEnd type="triangle"/>
-          </a:ln>
-        </p:spPr>
-        <p:style>
-          <a:lnRef idx="3">
-            <a:schemeClr val="accent1"/>
-          </a:lnRef>
-          <a:fillRef idx="0">
-            <a:schemeClr val="accent1"/>
-          </a:fillRef>
-          <a:effectRef idx="2">
-            <a:schemeClr val="accent1"/>
-          </a:effectRef>
-          <a:fontRef idx="minor">
-            <a:schemeClr val="tx1"/>
-          </a:fontRef>
-        </p:style>
-      </p:cxnSp>
-      <p:sp>
-        <p:nvSpPr>
-          <p:cNvPr id="27" name="TextBox 26"/>
-          <p:cNvSpPr txBox="1"/>
-          <p:nvPr/>
-        </p:nvSpPr>
-        <p:spPr>
-          <a:xfrm>
-            <a:off x="2887161" y="1380852"/>
-            <a:ext cx="675762" cy="369332"/>
-          </a:xfrm>
-          <a:prstGeom prst="rect">
-            <a:avLst/>
-          </a:prstGeom>
-          <a:noFill/>
-        </p:spPr>
-        <p:txBody>
-          <a:bodyPr wrap="square" rtlCol="0">
-            <a:spAutoFit/>
-          </a:bodyPr>
-          <a:lstStyle/>
-          <a:p>
-            <a:r>
-              <a:rPr lang="it-IT" dirty="0"/>
-              <a:t>PAGE</a:t>
-            </a:r>
-          </a:p>
-        </p:txBody>
-      </p:sp>
-      <p:cxnSp>
-        <p:nvCxnSpPr>
-          <p:cNvPr id="30" name="Straight Arrow Connector 29"/>
-          <p:cNvCxnSpPr>
-            <a:stCxn id="31" idx="1"/>
-          </p:cNvCxnSpPr>
-          <p:nvPr/>
-        </p:nvCxnSpPr>
-        <p:spPr>
-          <a:xfrm flipH="1">
-            <a:off x="2406316" y="2394897"/>
-            <a:ext cx="790457" cy="946194"/>
-          </a:xfrm>
-          <a:prstGeom prst="straightConnector1">
-            <a:avLst/>
-          </a:prstGeom>
-          <a:ln w="57150">
-            <a:solidFill>
-              <a:srgbClr val="FF0000"/>
-            </a:solidFill>
-            <a:tailEnd type="triangle"/>
-          </a:ln>
-        </p:spPr>
-        <p:style>
-          <a:lnRef idx="3">
-            <a:schemeClr val="accent1"/>
-          </a:lnRef>
-          <a:fillRef idx="0">
-            <a:schemeClr val="accent1"/>
-          </a:fillRef>
-          <a:effectRef idx="2">
-            <a:schemeClr val="accent1"/>
-          </a:effectRef>
-          <a:fontRef idx="minor">
-            <a:schemeClr val="tx1"/>
-          </a:fontRef>
-        </p:style>
-      </p:cxnSp>
-      <p:sp>
-        <p:nvSpPr>
-          <p:cNvPr id="31" name="TextBox 30"/>
-          <p:cNvSpPr txBox="1"/>
-          <p:nvPr/>
-        </p:nvSpPr>
-        <p:spPr>
-          <a:xfrm>
-            <a:off x="3196773" y="2210231"/>
-            <a:ext cx="801823" cy="369332"/>
-          </a:xfrm>
-          <a:prstGeom prst="rect">
-            <a:avLst/>
-          </a:prstGeom>
-          <a:noFill/>
-        </p:spPr>
-        <p:txBody>
-          <a:bodyPr wrap="none" rtlCol="0">
-            <a:spAutoFit/>
-          </a:bodyPr>
-          <a:lstStyle/>
-          <a:p>
-            <a:r>
-              <a:rPr lang="it-IT" dirty="0"/>
-              <a:t>EVENT</a:t>
-            </a:r>
-          </a:p>
-        </p:txBody>
-      </p:sp>
-      <p:cxnSp>
-        <p:nvCxnSpPr>
-          <p:cNvPr id="33" name="Straight Arrow Connector 32"/>
-          <p:cNvCxnSpPr>
-            <a:stCxn id="34" idx="1"/>
-          </p:cNvCxnSpPr>
-          <p:nvPr/>
-        </p:nvCxnSpPr>
-        <p:spPr>
-          <a:xfrm flipH="1">
-            <a:off x="6670320" y="2491149"/>
-            <a:ext cx="655704" cy="656671"/>
-          </a:xfrm>
-          <a:prstGeom prst="straightConnector1">
-            <a:avLst/>
-          </a:prstGeom>
-          <a:ln w="57150">
-            <a:solidFill>
-              <a:srgbClr val="FF0000"/>
-            </a:solidFill>
-            <a:tailEnd type="triangle"/>
-          </a:ln>
-        </p:spPr>
-        <p:style>
-          <a:lnRef idx="3">
-            <a:schemeClr val="accent1"/>
-          </a:lnRef>
-          <a:fillRef idx="0">
-            <a:schemeClr val="accent1"/>
-          </a:fillRef>
-          <a:effectRef idx="2">
-            <a:schemeClr val="accent1"/>
-          </a:effectRef>
-          <a:fontRef idx="minor">
-            <a:schemeClr val="tx1"/>
-          </a:fontRef>
-        </p:style>
-      </p:cxnSp>
-      <p:sp>
-        <p:nvSpPr>
-          <p:cNvPr id="34" name="TextBox 33"/>
-          <p:cNvSpPr txBox="1"/>
-          <p:nvPr/>
-        </p:nvSpPr>
-        <p:spPr>
-          <a:xfrm>
-            <a:off x="7326024" y="2306483"/>
-            <a:ext cx="911916" cy="369332"/>
-          </a:xfrm>
-          <a:prstGeom prst="rect">
-            <a:avLst/>
-          </a:prstGeom>
-          <a:noFill/>
-        </p:spPr>
-        <p:txBody>
-          <a:bodyPr wrap="none" rtlCol="0">
-            <a:spAutoFit/>
-          </a:bodyPr>
-          <a:lstStyle/>
-          <a:p>
-            <a:r>
-              <a:rPr lang="it-IT" dirty="0"/>
-              <a:t>ACTION</a:t>
-            </a:r>
-          </a:p>
-        </p:txBody>
-      </p:sp>
-      <p:cxnSp>
-        <p:nvCxnSpPr>
-          <p:cNvPr id="35" name="Straight Arrow Connector 34"/>
-          <p:cNvCxnSpPr>
-            <a:stCxn id="36" idx="1"/>
-          </p:cNvCxnSpPr>
-          <p:nvPr/>
-        </p:nvCxnSpPr>
-        <p:spPr>
-          <a:xfrm flipH="1">
-            <a:off x="5755392" y="2096513"/>
-            <a:ext cx="800608" cy="1352169"/>
-          </a:xfrm>
-          <a:prstGeom prst="straightConnector1">
-            <a:avLst/>
-          </a:prstGeom>
-          <a:ln w="57150">
-            <a:solidFill>
-              <a:srgbClr val="FF0000"/>
-            </a:solidFill>
-            <a:tailEnd type="triangle"/>
-          </a:ln>
-        </p:spPr>
-        <p:style>
-          <a:lnRef idx="3">
-            <a:schemeClr val="accent1"/>
-          </a:lnRef>
-          <a:fillRef idx="0">
-            <a:schemeClr val="accent1"/>
-          </a:fillRef>
-          <a:effectRef idx="2">
-            <a:schemeClr val="accent1"/>
-          </a:effectRef>
-          <a:fontRef idx="minor">
-            <a:schemeClr val="tx1"/>
-          </a:fontRef>
-        </p:style>
-      </p:cxnSp>
-      <p:sp>
-        <p:nvSpPr>
-          <p:cNvPr id="36" name="TextBox 35"/>
-          <p:cNvSpPr txBox="1"/>
-          <p:nvPr/>
-        </p:nvSpPr>
-        <p:spPr>
-          <a:xfrm>
-            <a:off x="6556000" y="1911847"/>
-            <a:ext cx="1378134" cy="369332"/>
-          </a:xfrm>
-          <a:prstGeom prst="rect">
-            <a:avLst/>
-          </a:prstGeom>
-          <a:noFill/>
-        </p:spPr>
-        <p:txBody>
-          <a:bodyPr wrap="none" rtlCol="0">
-            <a:spAutoFit/>
-          </a:bodyPr>
-          <a:lstStyle/>
-          <a:p>
-            <a:r>
-              <a:rPr lang="it-IT" dirty="0"/>
-              <a:t>NAVIGATION</a:t>
+              <a:t>ORM design motivations</a:t>
+            </a:r>
+          </a:p>
+        </p:txBody>
+      </p:sp>
+      <p:sp>
+        <p:nvSpPr>
+          <p:cNvPr id="5" name="Content Placeholder 4"/>
+          <p:cNvSpPr>
+            <a:spLocks noGrp="1"/>
+          </p:cNvSpPr>
+          <p:nvPr>
+            <p:ph idx="1"/>
+          </p:nvPr>
+        </p:nvSpPr>
+        <p:spPr/>
+        <p:txBody>
+          <a:bodyPr/>
+          <a:lstStyle/>
+          <a:p>
+            <a:r>
+              <a:rPr lang="it-IT" dirty="0"/>
+              <a:t>If there are aspects of the ORM that you want to illustrate or motivate, write your explanations after each relationship ORM design slide or at the end of the ORM design section</a:t>
             </a:r>
           </a:p>
         </p:txBody>
@@ -16735,7 +17300,7 @@
     </p:spTree>
     <p:extLst>
       <p:ext uri="{BB962C8B-B14F-4D97-AF65-F5344CB8AC3E}">
-        <p14:creationId xmlns:p14="http://schemas.microsoft.com/office/powerpoint/2010/main" val="2100777373"/>
+        <p14:creationId xmlns:p14="http://schemas.microsoft.com/office/powerpoint/2010/main" val="2955575121"/>
       </p:ext>
     </p:extLst>
   </p:cSld>
@@ -16778,8 +17343,8 @@
           <a:lstStyle/>
           <a:p>
             <a:r>
-              <a:rPr lang="it-IT" dirty="0"/>
-              <a:t>Example of textual notation</a:t>
+              <a:rPr lang="en-GB" dirty="0"/>
+              <a:t>Entity Employee</a:t>
             </a:r>
           </a:p>
         </p:txBody>
@@ -16796,270 +17361,385 @@
         </p:nvSpPr>
         <p:spPr>
           <a:xfrm>
-            <a:off x="211756" y="1386038"/>
-            <a:ext cx="8855242" cy="5236143"/>
+            <a:off x="1" y="1434164"/>
+            <a:ext cx="9144000" cy="5342021"/>
           </a:xfrm>
         </p:spPr>
         <p:txBody>
           <a:bodyPr>
-            <a:normAutofit fontScale="70000" lnSpcReduction="20000"/>
+            <a:normAutofit/>
           </a:bodyPr>
           <a:lstStyle/>
           <a:p>
-            <a:r>
-              <a:rPr lang="en-GB" dirty="0"/>
-              <a:t>A Web application allows the management of travel expenses. After </a:t>
-            </a:r>
+            <a:pPr marL="0" indent="0">
+              <a:spcBef>
+                <a:spcPts val="0"/>
+              </a:spcBef>
+              <a:buNone/>
+            </a:pPr>
+            <a:r>
+              <a:rPr lang="en-GB" sz="1500" dirty="0">
+                <a:latin typeface="Courier New" panose="02070309020205020404" pitchFamily="49" charset="0"/>
+                <a:cs typeface="Courier New" panose="02070309020205020404" pitchFamily="49" charset="0"/>
+              </a:rPr>
+              <a:t>@Entity</a:t>
+            </a:r>
+          </a:p>
+          <a:p>
+            <a:pPr marL="0" indent="0">
+              <a:spcBef>
+                <a:spcPts val="0"/>
+              </a:spcBef>
+              <a:buNone/>
+            </a:pPr>
+            <a:r>
+              <a:rPr lang="en-GB" sz="1500" dirty="0">
+                <a:latin typeface="Courier New" panose="02070309020205020404" pitchFamily="49" charset="0"/>
+                <a:cs typeface="Courier New" panose="02070309020205020404" pitchFamily="49" charset="0"/>
+              </a:rPr>
+              <a:t>@</a:t>
+            </a:r>
+            <a:r>
+              <a:rPr lang="en-GB" sz="1500" dirty="0" err="1">
+                <a:latin typeface="Courier New" panose="02070309020205020404" pitchFamily="49" charset="0"/>
+                <a:cs typeface="Courier New" panose="02070309020205020404" pitchFamily="49" charset="0"/>
+              </a:rPr>
+              <a:t>NamedQueries</a:t>
+            </a:r>
+            <a:r>
+              <a:rPr lang="en-GB" sz="1500" dirty="0">
+                <a:latin typeface="Courier New" panose="02070309020205020404" pitchFamily="49" charset="0"/>
+                <a:cs typeface="Courier New" panose="02070309020205020404" pitchFamily="49" charset="0"/>
+              </a:rPr>
+              <a:t>({ </a:t>
+            </a:r>
+            <a:br>
+              <a:rPr lang="en-GB" sz="1500" dirty="0">
+                <a:latin typeface="Courier New" panose="02070309020205020404" pitchFamily="49" charset="0"/>
+                <a:cs typeface="Courier New" panose="02070309020205020404" pitchFamily="49" charset="0"/>
+              </a:rPr>
+            </a:br>
+            <a:r>
+              <a:rPr lang="en-GB" sz="1500" dirty="0">
+                <a:latin typeface="Courier New" panose="02070309020205020404" pitchFamily="49" charset="0"/>
+                <a:cs typeface="Courier New" panose="02070309020205020404" pitchFamily="49" charset="0"/>
+              </a:rPr>
+              <a:t>  @</a:t>
+            </a:r>
+            <a:r>
+              <a:rPr lang="en-GB" sz="1500" dirty="0" err="1">
+                <a:latin typeface="Courier New" panose="02070309020205020404" pitchFamily="49" charset="0"/>
+                <a:cs typeface="Courier New" panose="02070309020205020404" pitchFamily="49" charset="0"/>
+              </a:rPr>
+              <a:t>NamedQuery</a:t>
+            </a:r>
+            <a:r>
+              <a:rPr lang="en-GB" sz="1500" dirty="0">
+                <a:latin typeface="Courier New" panose="02070309020205020404" pitchFamily="49" charset="0"/>
+                <a:cs typeface="Courier New" panose="02070309020205020404" pitchFamily="49" charset="0"/>
+              </a:rPr>
+              <a:t>(name = “</a:t>
+            </a:r>
+            <a:r>
+              <a:rPr lang="en-GB" sz="1500" dirty="0" err="1">
+                <a:latin typeface="Courier New" panose="02070309020205020404" pitchFamily="49" charset="0"/>
+                <a:cs typeface="Courier New" panose="02070309020205020404" pitchFamily="49" charset="0"/>
+              </a:rPr>
+              <a:t>A.query</a:t>
+            </a:r>
+            <a:r>
+              <a:rPr lang="en-GB" sz="1500" dirty="0">
+                <a:latin typeface="Courier New" panose="02070309020205020404" pitchFamily="49" charset="0"/>
+                <a:cs typeface="Courier New" panose="02070309020205020404" pitchFamily="49" charset="0"/>
+              </a:rPr>
+              <a:t>", query = </a:t>
+            </a:r>
+            <a:br>
+              <a:rPr lang="en-GB" sz="1500" dirty="0">
+                <a:latin typeface="Courier New" panose="02070309020205020404" pitchFamily="49" charset="0"/>
+                <a:cs typeface="Courier New" panose="02070309020205020404" pitchFamily="49" charset="0"/>
+              </a:rPr>
+            </a:br>
+            <a:r>
+              <a:rPr lang="en-GB" sz="1500" dirty="0">
+                <a:latin typeface="Courier New" panose="02070309020205020404" pitchFamily="49" charset="0"/>
+                <a:cs typeface="Courier New" panose="02070309020205020404" pitchFamily="49" charset="0"/>
+              </a:rPr>
+              <a:t>    “ . . . "),</a:t>
+            </a:r>
+          </a:p>
+          <a:p>
+            <a:pPr marL="0" indent="0">
+              <a:spcBef>
+                <a:spcPts val="0"/>
+              </a:spcBef>
+              <a:buNone/>
+            </a:pPr>
+            <a:r>
+              <a:rPr lang="en-GB" sz="1500" dirty="0">
+                <a:latin typeface="Courier New" panose="02070309020205020404" pitchFamily="49" charset="0"/>
+                <a:cs typeface="Courier New" panose="02070309020205020404" pitchFamily="49" charset="0"/>
+              </a:rPr>
+              <a:t>   . . .})</a:t>
+            </a:r>
+          </a:p>
+          <a:p>
+            <a:pPr marL="0" indent="0">
+              <a:spcBef>
+                <a:spcPts val="0"/>
+              </a:spcBef>
+              <a:buNone/>
+            </a:pPr>
+            <a:endParaRPr lang="en-GB" sz="1500" dirty="0">
+              <a:latin typeface="Courier New" panose="02070309020205020404" pitchFamily="49" charset="0"/>
+              <a:cs typeface="Courier New" panose="02070309020205020404" pitchFamily="49" charset="0"/>
+            </a:endParaRPr>
+          </a:p>
+          <a:p>
+            <a:pPr marL="0" indent="0">
+              <a:spcBef>
+                <a:spcPts val="0"/>
+              </a:spcBef>
+              <a:buNone/>
+            </a:pPr>
+            <a:r>
+              <a:rPr lang="en-GB" sz="1500" dirty="0">
+                <a:latin typeface="Courier New" panose="02070309020205020404" pitchFamily="49" charset="0"/>
+                <a:cs typeface="Courier New" panose="02070309020205020404" pitchFamily="49" charset="0"/>
+              </a:rPr>
+              <a:t>public class A implements Serializable {</a:t>
+            </a:r>
+          </a:p>
+          <a:p>
+            <a:pPr marL="0" indent="0">
+              <a:spcBef>
+                <a:spcPts val="0"/>
+              </a:spcBef>
+              <a:buNone/>
+            </a:pPr>
+            <a:r>
+              <a:rPr lang="en-GB" sz="1500" dirty="0">
+                <a:latin typeface="Courier New" panose="02070309020205020404" pitchFamily="49" charset="0"/>
+                <a:cs typeface="Courier New" panose="02070309020205020404" pitchFamily="49" charset="0"/>
+              </a:rPr>
+              <a:t>..</a:t>
+            </a:r>
+          </a:p>
+          <a:p>
+            <a:pPr marL="0" indent="0">
+              <a:spcBef>
+                <a:spcPts val="0"/>
+              </a:spcBef>
+              <a:buNone/>
+            </a:pPr>
+            <a:endParaRPr lang="en-GB" sz="1500" dirty="0">
+              <a:latin typeface="Courier New" panose="02070309020205020404" pitchFamily="49" charset="0"/>
+              <a:cs typeface="Courier New" panose="02070309020205020404" pitchFamily="49" charset="0"/>
+            </a:endParaRPr>
+          </a:p>
+          <a:p>
+            <a:pPr marL="0" indent="0">
+              <a:spcBef>
+                <a:spcPts val="0"/>
+              </a:spcBef>
+              <a:buNone/>
+            </a:pPr>
+            <a:r>
+              <a:rPr lang="en-GB" sz="1500" dirty="0">
+                <a:latin typeface="Courier New" panose="02070309020205020404" pitchFamily="49" charset="0"/>
+                <a:cs typeface="Courier New" panose="02070309020205020404" pitchFamily="49" charset="0"/>
+              </a:rPr>
+              <a:t>// attributes &amp; their annotations</a:t>
+            </a:r>
+          </a:p>
+          <a:p>
+            <a:pPr marL="0" indent="0">
+              <a:spcBef>
+                <a:spcPts val="0"/>
+              </a:spcBef>
+              <a:buNone/>
+            </a:pPr>
+            <a:endParaRPr lang="en-GB" sz="1500" dirty="0">
+              <a:latin typeface="Courier New" panose="02070309020205020404" pitchFamily="49" charset="0"/>
+              <a:cs typeface="Courier New" panose="02070309020205020404" pitchFamily="49" charset="0"/>
+            </a:endParaRPr>
+          </a:p>
+          <a:p>
+            <a:pPr marL="0" indent="0">
+              <a:spcBef>
+                <a:spcPts val="0"/>
+              </a:spcBef>
+              <a:buNone/>
+            </a:pPr>
+            <a:endParaRPr lang="en-GB" sz="1500" dirty="0">
+              <a:latin typeface="Courier New" panose="02070309020205020404" pitchFamily="49" charset="0"/>
+              <a:cs typeface="Courier New" panose="02070309020205020404" pitchFamily="49" charset="0"/>
+            </a:endParaRPr>
+          </a:p>
+          <a:p>
+            <a:pPr marL="0" indent="0">
+              <a:spcBef>
+                <a:spcPts val="0"/>
+              </a:spcBef>
+              <a:buNone/>
+            </a:pPr>
+            <a:r>
+              <a:rPr lang="en-GB" sz="1500" dirty="0">
+                <a:latin typeface="Courier New" panose="02070309020205020404" pitchFamily="49" charset="0"/>
+                <a:cs typeface="Courier New" panose="02070309020205020404" pitchFamily="49" charset="0"/>
+              </a:rPr>
+              <a:t>// relationships &amp; their annotations</a:t>
+            </a:r>
+          </a:p>
+          <a:p>
+            <a:pPr marL="0" indent="0">
+              <a:spcBef>
+                <a:spcPts val="0"/>
+              </a:spcBef>
+              <a:buNone/>
+            </a:pPr>
+            <a:endParaRPr lang="en-GB" sz="1500" dirty="0">
+              <a:latin typeface="Courier New" panose="02070309020205020404" pitchFamily="49" charset="0"/>
+              <a:cs typeface="Courier New" panose="02070309020205020404" pitchFamily="49" charset="0"/>
+            </a:endParaRPr>
+          </a:p>
+          <a:p>
+            <a:pPr marL="0" indent="0">
+              <a:spcBef>
+                <a:spcPts val="0"/>
+              </a:spcBef>
+              <a:buNone/>
+            </a:pPr>
+            <a:endParaRPr lang="en-GB" sz="1500" dirty="0">
+              <a:latin typeface="Courier New" panose="02070309020205020404" pitchFamily="49" charset="0"/>
+              <a:cs typeface="Courier New" panose="02070309020205020404" pitchFamily="49" charset="0"/>
+            </a:endParaRPr>
+          </a:p>
+          <a:p>
+            <a:pPr marL="0" indent="0">
+              <a:spcBef>
+                <a:spcPts val="0"/>
+              </a:spcBef>
+              <a:buNone/>
+            </a:pPr>
+            <a:r>
+              <a:rPr lang="en-GB" sz="1500" dirty="0">
+                <a:latin typeface="Courier New" panose="02070309020205020404" pitchFamily="49" charset="0"/>
+                <a:cs typeface="Courier New" panose="02070309020205020404" pitchFamily="49" charset="0"/>
+              </a:rPr>
+              <a:t>/* </a:t>
+            </a:r>
+          </a:p>
+          <a:p>
+            <a:pPr marL="0" indent="0">
+              <a:spcBef>
+                <a:spcPts val="0"/>
+              </a:spcBef>
+              <a:buNone/>
+            </a:pPr>
+            <a:r>
+              <a:rPr lang="en-GB" sz="1500" dirty="0">
+                <a:latin typeface="Courier New" panose="02070309020205020404" pitchFamily="49" charset="0"/>
+                <a:cs typeface="Courier New" panose="02070309020205020404" pitchFamily="49" charset="0"/>
+              </a:rPr>
+              <a:t>  clone this slide as may times as there are   </a:t>
+            </a:r>
+            <a:br>
+              <a:rPr lang="en-GB" sz="1500" dirty="0">
+                <a:latin typeface="Courier New" panose="02070309020205020404" pitchFamily="49" charset="0"/>
+                <a:cs typeface="Courier New" panose="02070309020205020404" pitchFamily="49" charset="0"/>
+              </a:rPr>
+            </a:br>
+            <a:r>
+              <a:rPr lang="en-GB" sz="1500" dirty="0">
+                <a:latin typeface="Courier New" panose="02070309020205020404" pitchFamily="49" charset="0"/>
+                <a:cs typeface="Courier New" panose="02070309020205020404" pitchFamily="49" charset="0"/>
+              </a:rPr>
+              <a:t>  entities </a:t>
+            </a:r>
+          </a:p>
+          <a:p>
+            <a:pPr marL="0" indent="0">
+              <a:spcBef>
+                <a:spcPts val="0"/>
+              </a:spcBef>
+              <a:buNone/>
+            </a:pPr>
+            <a:r>
+              <a:rPr lang="en-GB" sz="1500" dirty="0">
+                <a:latin typeface="Courier New" panose="02070309020205020404" pitchFamily="49" charset="0"/>
+                <a:cs typeface="Courier New" panose="02070309020205020404" pitchFamily="49" charset="0"/>
+              </a:rPr>
+              <a:t>*/</a:t>
+            </a:r>
+          </a:p>
+          <a:p>
+            <a:pPr marL="0" indent="0">
+              <a:spcBef>
+                <a:spcPts val="0"/>
+              </a:spcBef>
+              <a:buNone/>
+            </a:pPr>
+            <a:endParaRPr lang="en-GB" sz="1500" dirty="0">
+              <a:latin typeface="Courier New" panose="02070309020205020404" pitchFamily="49" charset="0"/>
+              <a:cs typeface="Courier New" panose="02070309020205020404" pitchFamily="49" charset="0"/>
+            </a:endParaRPr>
+          </a:p>
+          <a:p>
+            <a:pPr marL="0" indent="0">
+              <a:spcBef>
+                <a:spcPts val="0"/>
+              </a:spcBef>
+              <a:buNone/>
+            </a:pPr>
+            <a:endParaRPr lang="en-GB" sz="1500" dirty="0">
+              <a:latin typeface="Courier New" panose="02070309020205020404" pitchFamily="49" charset="0"/>
+              <a:cs typeface="Courier New" panose="02070309020205020404" pitchFamily="49" charset="0"/>
+            </a:endParaRPr>
+          </a:p>
+        </p:txBody>
+      </p:sp>
+      <p:sp>
+        <p:nvSpPr>
+          <p:cNvPr id="3" name="Rectangle 2">
+            <a:extLst>
+              <a:ext uri="{FF2B5EF4-FFF2-40B4-BE49-F238E27FC236}">
+                <a16:creationId xmlns:a16="http://schemas.microsoft.com/office/drawing/2014/main" id="{AC19F719-6A3E-4BE4-BB76-3CDA270B343C}"/>
+              </a:ext>
+            </a:extLst>
+          </p:cNvPr>
+          <p:cNvSpPr/>
+          <p:nvPr/>
+        </p:nvSpPr>
+        <p:spPr>
+          <a:xfrm>
+            <a:off x="3043645" y="6308208"/>
+            <a:ext cx="4572000" cy="369332"/>
+          </a:xfrm>
+          <a:prstGeom prst="rect">
+            <a:avLst/>
+          </a:prstGeom>
+        </p:spPr>
+        <p:txBody>
+          <a:bodyPr>
+            <a:spAutoFit/>
+          </a:bodyPr>
+          <a:lstStyle/>
+          <a:p>
             <a:r>
               <a:rPr lang="en-GB" dirty="0">
-                <a:solidFill>
-                  <a:srgbClr val="C00000"/>
-                </a:solidFill>
-              </a:rPr>
-              <a:t>logging in</a:t>
-            </a:r>
-            <a:r>
-              <a:rPr lang="en-GB" dirty="0"/>
-              <a:t>, the user </a:t>
-            </a:r>
-            <a:r>
-              <a:rPr lang="en-GB" dirty="0">
-                <a:solidFill>
-                  <a:srgbClr val="0070C0"/>
-                </a:solidFill>
-              </a:rPr>
-              <a:t>accesses</a:t>
-            </a:r>
-            <a:r>
-              <a:rPr lang="en-GB" dirty="0"/>
-              <a:t> a </a:t>
-            </a:r>
-            <a:r>
-              <a:rPr lang="en-GB" dirty="0">
-                <a:solidFill>
-                  <a:srgbClr val="FF0000"/>
-                </a:solidFill>
-              </a:rPr>
-              <a:t>HOME</a:t>
-            </a:r>
-            <a:r>
-              <a:rPr lang="en-GB" dirty="0"/>
-              <a:t> </a:t>
-            </a:r>
-            <a:r>
-              <a:rPr lang="en-GB" dirty="0">
-                <a:solidFill>
-                  <a:srgbClr val="FF0000"/>
-                </a:solidFill>
-              </a:rPr>
-              <a:t>page</a:t>
-            </a:r>
-            <a:r>
-              <a:rPr lang="en-GB" dirty="0"/>
-              <a:t> where there is a </a:t>
-            </a:r>
-            <a:r>
-              <a:rPr lang="en-GB" dirty="0">
-                <a:solidFill>
-                  <a:srgbClr val="00B050"/>
-                </a:solidFill>
-              </a:rPr>
-              <a:t>list of travel missions</a:t>
-            </a:r>
-            <a:r>
-              <a:rPr lang="en-GB" dirty="0"/>
-              <a:t>; a mission belongs to a user and has a date, a place, a description, a number of days of duration, and a status ("open", "finalized", "closed"). The list shows the date and place of the missions, which are sorted by date in descending order. On the HOME page there is a </a:t>
-            </a:r>
-            <a:r>
-              <a:rPr lang="en-GB" dirty="0">
-                <a:solidFill>
-                  <a:srgbClr val="00B050"/>
-                </a:solidFill>
-              </a:rPr>
-              <a:t>form</a:t>
-            </a:r>
-            <a:r>
-              <a:rPr lang="en-GB" dirty="0"/>
-              <a:t>, with which the user can </a:t>
-            </a:r>
-            <a:r>
-              <a:rPr lang="en-GB" dirty="0">
-                <a:solidFill>
-                  <a:srgbClr val="C00000"/>
-                </a:solidFill>
-              </a:rPr>
-              <a:t>create a new mission</a:t>
-            </a:r>
-            <a:r>
-              <a:rPr lang="en-GB" dirty="0"/>
-              <a:t>, by entering all the data, which are mandatory. A new mission is always in the "open" state. After creating a mission, one is returned to the HOME page. When the user </a:t>
-            </a:r>
-            <a:r>
-              <a:rPr lang="en-GB" dirty="0">
-                <a:solidFill>
-                  <a:srgbClr val="0070C0"/>
-                </a:solidFill>
-              </a:rPr>
-              <a:t>selects a mission </a:t>
-            </a:r>
-            <a:r>
-              <a:rPr lang="en-GB" dirty="0"/>
-              <a:t>in the list, a </a:t>
-            </a:r>
-            <a:r>
-              <a:rPr lang="en-GB" dirty="0">
-                <a:solidFill>
-                  <a:srgbClr val="FF0000"/>
-                </a:solidFill>
-              </a:rPr>
-              <a:t>DETAIL_MISSION page </a:t>
-            </a:r>
-            <a:r>
-              <a:rPr lang="en-GB" dirty="0"/>
-              <a:t>appears, showing </a:t>
-            </a:r>
-            <a:r>
-              <a:rPr lang="en-GB" dirty="0">
-                <a:solidFill>
-                  <a:srgbClr val="00B050"/>
-                </a:solidFill>
-              </a:rPr>
-              <a:t>all the mission data</a:t>
-            </a:r>
-            <a:r>
-              <a:rPr lang="en-GB" dirty="0"/>
-              <a:t>. If the mission is in the "open" state, a </a:t>
-            </a:r>
-            <a:r>
-              <a:rPr lang="en-GB" dirty="0">
-                <a:solidFill>
-                  <a:srgbClr val="00B050"/>
-                </a:solidFill>
-              </a:rPr>
-              <a:t>form</a:t>
-            </a:r>
-            <a:r>
-              <a:rPr lang="en-GB" dirty="0"/>
-              <a:t> appears for entering the expenses incurred during the mission; the form contains three fields: food costs, accommodation costs, transport costs. </a:t>
-            </a:r>
-            <a:r>
-              <a:rPr lang="en-GB" dirty="0">
-                <a:solidFill>
-                  <a:srgbClr val="0070C0"/>
-                </a:solidFill>
-              </a:rPr>
-              <a:t>Sending the form data </a:t>
-            </a:r>
-            <a:r>
-              <a:rPr lang="en-GB" dirty="0"/>
-              <a:t>causes the </a:t>
-            </a:r>
-            <a:r>
-              <a:rPr lang="en-GB" dirty="0">
-                <a:solidFill>
-                  <a:srgbClr val="C00000"/>
-                </a:solidFill>
-              </a:rPr>
-              <a:t>mission status to change </a:t>
-            </a:r>
-            <a:r>
-              <a:rPr lang="en-GB" dirty="0"/>
-              <a:t>from "open " to  “finalized ",  and the return to the DETAIL_MISSION page. If the mission is in the "finalized“ status, a </a:t>
-            </a:r>
-            <a:r>
-              <a:rPr lang="en-GB" dirty="0">
-                <a:solidFill>
-                  <a:srgbClr val="00B050"/>
-                </a:solidFill>
-              </a:rPr>
-              <a:t>"close“ button </a:t>
-            </a:r>
-            <a:r>
-              <a:rPr lang="en-GB" dirty="0"/>
-              <a:t>appears which the user </a:t>
-            </a:r>
-            <a:r>
-              <a:rPr lang="en-GB" dirty="0">
-                <a:solidFill>
-                  <a:srgbClr val="0070C0"/>
-                </a:solidFill>
-              </a:rPr>
-              <a:t>can click </a:t>
-            </a:r>
-            <a:r>
-              <a:rPr lang="en-GB" dirty="0"/>
-              <a:t>to report that he has received the reimbursement of expenses; this causes the </a:t>
-            </a:r>
-            <a:r>
-              <a:rPr lang="en-GB" dirty="0">
-                <a:solidFill>
-                  <a:srgbClr val="C00000"/>
-                </a:solidFill>
-              </a:rPr>
-              <a:t>mission status to change </a:t>
-            </a:r>
-            <a:r>
-              <a:rPr lang="en-GB" dirty="0"/>
-              <a:t>from "finalized" to "closed" and the return to the DETAIL_MISSION page. If the mission is in the "closed" status, the DETAIL_MISSION page shows mission data also the value of the three types of expenditure. </a:t>
-            </a:r>
-          </a:p>
-          <a:p>
-            <a:r>
-              <a:rPr lang="en-GB" dirty="0">
-                <a:solidFill>
-                  <a:srgbClr val="FF0000"/>
-                </a:solidFill>
-              </a:rPr>
-              <a:t>Pages (views)</a:t>
-            </a:r>
-            <a:r>
-              <a:rPr lang="en-GB" dirty="0"/>
-              <a:t>, </a:t>
-            </a:r>
-            <a:r>
-              <a:rPr lang="en-GB" dirty="0">
-                <a:solidFill>
-                  <a:srgbClr val="00B050"/>
-                </a:solidFill>
-              </a:rPr>
-              <a:t>view components</a:t>
-            </a:r>
-            <a:r>
-              <a:rPr lang="en-GB" dirty="0"/>
-              <a:t>, </a:t>
-            </a:r>
-            <a:r>
-              <a:rPr lang="en-GB" dirty="0">
-                <a:solidFill>
-                  <a:srgbClr val="0070C0"/>
-                </a:solidFill>
-              </a:rPr>
-              <a:t>events</a:t>
-            </a:r>
-            <a:r>
-              <a:rPr lang="en-GB" dirty="0"/>
-              <a:t>, </a:t>
-            </a:r>
-            <a:r>
-              <a:rPr lang="en-GB" dirty="0">
-                <a:solidFill>
-                  <a:srgbClr val="C00000"/>
-                </a:solidFill>
-              </a:rPr>
-              <a:t>actions</a:t>
-            </a:r>
-            <a:endParaRPr lang="it-IT" dirty="0">
-              <a:solidFill>
-                <a:srgbClr val="C00000"/>
-              </a:solidFill>
-            </a:endParaRPr>
+                <a:sym typeface="Wingdings" panose="05000000000000000000" pitchFamily="2" charset="2"/>
+              </a:rPr>
+              <a:t>Clone this slide for each entity</a:t>
+            </a:r>
+            <a:endParaRPr lang="en-GB" dirty="0"/>
           </a:p>
         </p:txBody>
       </p:sp>
     </p:spTree>
     <p:extLst>
       <p:ext uri="{BB962C8B-B14F-4D97-AF65-F5344CB8AC3E}">
-        <p14:creationId xmlns:p14="http://schemas.microsoft.com/office/powerpoint/2010/main" val="302696994"/>
+        <p14:creationId xmlns:p14="http://schemas.microsoft.com/office/powerpoint/2010/main" val="484876262"/>
       </p:ext>
     </p:extLst>
   </p:cSld>
@@ -17102,66 +17782,9 @@
           <a:lstStyle/>
           <a:p>
             <a:r>
-              <a:rPr lang="en-GB" dirty="0"/>
-              <a:t>Components</a:t>
-            </a:r>
-          </a:p>
-        </p:txBody>
-      </p:sp>
-      <p:sp>
-        <p:nvSpPr>
-          <p:cNvPr id="4" name="Content Placeholder 3"/>
-          <p:cNvSpPr>
-            <a:spLocks noGrp="1"/>
-          </p:cNvSpPr>
-          <p:nvPr>
-            <p:ph sz="half" idx="1"/>
-          </p:nvPr>
-        </p:nvSpPr>
-        <p:spPr/>
-        <p:txBody>
-          <a:bodyPr>
-            <a:normAutofit lnSpcReduction="10000"/>
-          </a:bodyPr>
-          <a:lstStyle/>
-          <a:p>
-            <a:r>
-              <a:rPr lang="en-GB" dirty="0"/>
-              <a:t>Client components</a:t>
-            </a:r>
-          </a:p>
-          <a:p>
-            <a:pPr lvl="1"/>
-            <a:r>
-              <a:rPr lang="en-GB" sz="2000" dirty="0"/>
-              <a:t>Servlets</a:t>
-            </a:r>
-          </a:p>
-          <a:p>
-            <a:pPr lvl="1"/>
-            <a:r>
-              <a:rPr lang="en-GB" sz="2000" dirty="0"/>
-              <a:t>Views</a:t>
-            </a:r>
-          </a:p>
-          <a:p>
-            <a:pPr lvl="1"/>
-            <a:r>
-              <a:rPr lang="en-GB" sz="2000" dirty="0"/>
-              <a:t>Java Beans</a:t>
-            </a:r>
-          </a:p>
-          <a:p>
-            <a:pPr marL="457200" lvl="1" indent="0">
-              <a:buNone/>
-            </a:pPr>
-            <a:endParaRPr lang="en-GB" sz="2000" dirty="0"/>
-          </a:p>
-          <a:p>
-            <a:pPr marL="457200" lvl="1" indent="0">
-              <a:buNone/>
-            </a:pPr>
-            <a:endParaRPr lang="en-GB" sz="2000" dirty="0"/>
+              <a:rPr lang="it-IT" dirty="0"/>
+              <a:t>Functional analysis of the interaction</a:t>
+            </a:r>
           </a:p>
         </p:txBody>
       </p:sp>
@@ -17172,157 +17795,25 @@
             <a:spLocks noGrp="1"/>
           </p:cNvSpPr>
           <p:nvPr>
-            <p:ph sz="half" idx="2"/>
+            <p:ph idx="1"/>
           </p:nvPr>
         </p:nvSpPr>
-        <p:spPr>
-          <a:xfrm>
-            <a:off x="4629149" y="1825625"/>
-            <a:ext cx="4418597" cy="4351338"/>
-          </a:xfrm>
-        </p:spPr>
-        <p:txBody>
-          <a:bodyPr>
-            <a:normAutofit lnSpcReduction="10000"/>
-          </a:bodyPr>
-          <a:lstStyle/>
-          <a:p>
-            <a:r>
-              <a:rPr lang="en-GB" dirty="0"/>
-              <a:t>Back end components</a:t>
-            </a:r>
-          </a:p>
-          <a:p>
-            <a:pPr lvl="1"/>
-            <a:r>
-              <a:rPr lang="en-GB" dirty="0"/>
-              <a:t>Entities</a:t>
-            </a:r>
-          </a:p>
-          <a:p>
-            <a:pPr lvl="2"/>
-            <a:r>
-              <a:rPr lang="en-GB" dirty="0"/>
-              <a:t>Entity1</a:t>
-            </a:r>
-          </a:p>
-          <a:p>
-            <a:pPr lvl="2"/>
-            <a:r>
-              <a:rPr lang="en-GB" dirty="0"/>
-              <a:t>Entity2</a:t>
-            </a:r>
-          </a:p>
-          <a:p>
-            <a:pPr lvl="1"/>
-            <a:r>
-              <a:rPr lang="en-GB"/>
-              <a:t>Business Components (EJBs)</a:t>
-            </a:r>
-            <a:endParaRPr lang="en-GB" dirty="0"/>
-          </a:p>
-          <a:p>
-            <a:pPr lvl="2"/>
-            <a:r>
-              <a:rPr lang="en-GB" dirty="0"/>
-              <a:t>BC1 </a:t>
-            </a:r>
-          </a:p>
-          <a:p>
-            <a:pPr lvl="3"/>
-            <a:r>
-              <a:rPr lang="en-GB" dirty="0"/>
-              <a:t>(stateless or stateful)</a:t>
-            </a:r>
-          </a:p>
-          <a:p>
-            <a:pPr lvl="3"/>
-            <a:r>
-              <a:rPr lang="en-GB" dirty="0"/>
-              <a:t>Method BC11( </a:t>
-            </a:r>
-            <a:r>
-              <a:rPr lang="en-GB" dirty="0" err="1"/>
-              <a:t>params</a:t>
-            </a:r>
-            <a:r>
-              <a:rPr lang="en-GB" dirty="0"/>
-              <a:t>)</a:t>
-            </a:r>
-          </a:p>
-          <a:p>
-            <a:pPr lvl="3"/>
-            <a:r>
-              <a:rPr lang="en-GB" dirty="0"/>
-              <a:t>Method BC11( </a:t>
-            </a:r>
-            <a:r>
-              <a:rPr lang="en-GB" dirty="0" err="1"/>
-              <a:t>params</a:t>
-            </a:r>
-            <a:r>
-              <a:rPr lang="en-GB" dirty="0"/>
-              <a:t>)</a:t>
-            </a:r>
-          </a:p>
-          <a:p>
-            <a:pPr lvl="2"/>
-            <a:r>
-              <a:rPr lang="en-GB" dirty="0"/>
-              <a:t>BC2</a:t>
-            </a:r>
-          </a:p>
-          <a:p>
-            <a:pPr lvl="3"/>
-            <a:r>
-              <a:rPr lang="en-GB" dirty="0"/>
-              <a:t>(stateless or stateful)</a:t>
-            </a:r>
-          </a:p>
-          <a:p>
-            <a:pPr lvl="3"/>
-            <a:r>
-              <a:rPr lang="en-GB" dirty="0"/>
-              <a:t>Method BC21( </a:t>
-            </a:r>
-            <a:r>
-              <a:rPr lang="en-GB" dirty="0" err="1"/>
-              <a:t>params</a:t>
-            </a:r>
-            <a:r>
-              <a:rPr lang="en-GB" dirty="0"/>
-              <a:t>)</a:t>
-            </a:r>
-          </a:p>
-          <a:p>
-            <a:pPr lvl="3"/>
-            <a:r>
-              <a:rPr lang="en-GB" dirty="0"/>
-              <a:t>Method BC22( </a:t>
-            </a:r>
-            <a:r>
-              <a:rPr lang="en-GB" dirty="0" err="1"/>
-              <a:t>params</a:t>
-            </a:r>
-            <a:r>
-              <a:rPr lang="en-GB" dirty="0"/>
-              <a:t>)</a:t>
-            </a:r>
-          </a:p>
-          <a:p>
-            <a:pPr lvl="2"/>
-            <a:endParaRPr lang="en-GB" dirty="0"/>
-          </a:p>
-          <a:p>
-            <a:pPr lvl="1"/>
-            <a:endParaRPr lang="en-GB" dirty="0"/>
+        <p:spPr/>
+        <p:txBody>
+          <a:bodyPr/>
+          <a:lstStyle/>
+          <a:p>
+            <a:r>
+              <a:rPr lang="it-IT" dirty="0"/>
+              <a:t>Describe the interaction diagrams of the application using any graphical notation (e.g., IFML or similar --- www.ifmledit.org) or a textual notation (see next slides)</a:t>
+            </a:r>
           </a:p>
         </p:txBody>
       </p:sp>
     </p:spTree>
     <p:extLst>
       <p:ext uri="{BB962C8B-B14F-4D97-AF65-F5344CB8AC3E}">
-        <p14:creationId xmlns:p14="http://schemas.microsoft.com/office/powerpoint/2010/main" val="1681549262"/>
+        <p14:creationId xmlns:p14="http://schemas.microsoft.com/office/powerpoint/2010/main" val="132007604"/>
       </p:ext>
     </p:extLst>
   </p:cSld>
@@ -17366,6 +17857,2093 @@
           <a:p>
             <a:r>
               <a:rPr lang="it-IT" dirty="0"/>
+              <a:t>Example of diagram</a:t>
+            </a:r>
+          </a:p>
+        </p:txBody>
+      </p:sp>
+      <p:sp>
+        <p:nvSpPr>
+          <p:cNvPr id="4" name="Google Shape;197;p33"/>
+          <p:cNvSpPr/>
+          <p:nvPr/>
+        </p:nvSpPr>
+        <p:spPr>
+          <a:xfrm>
+            <a:off x="323525" y="2753184"/>
+            <a:ext cx="2808300" cy="1508700"/>
+          </a:xfrm>
+          <a:prstGeom prst="rect">
+            <a:avLst/>
+          </a:prstGeom>
+          <a:solidFill>
+            <a:schemeClr val="lt1"/>
+          </a:solidFill>
+          <a:ln w="25400" cap="flat" cmpd="sng">
+            <a:solidFill>
+              <a:schemeClr val="dk1"/>
+            </a:solidFill>
+            <a:prstDash val="solid"/>
+            <a:round/>
+            <a:headEnd type="none" w="sm" len="sm"/>
+            <a:tailEnd type="none" w="sm" len="sm"/>
+          </a:ln>
+        </p:spPr>
+        <p:txBody>
+          <a:bodyPr spcFirstLastPara="1" wrap="square" lIns="91425" tIns="45700" rIns="91425" bIns="45700" anchor="t" anchorCtr="0">
+            <a:noAutofit/>
+          </a:bodyPr>
+          <a:lstStyle/>
+          <a:p>
+            <a:pPr marL="0" marR="0" lvl="0" indent="0" algn="l" rtl="0">
+              <a:spcBef>
+                <a:spcPts val="0"/>
+              </a:spcBef>
+              <a:spcAft>
+                <a:spcPts val="0"/>
+              </a:spcAft>
+              <a:buNone/>
+            </a:pPr>
+            <a:r>
+              <a:rPr lang="es-419" sz="1800">
+                <a:solidFill>
+                  <a:schemeClr val="dk1"/>
+                </a:solidFill>
+                <a:latin typeface="Calibri"/>
+                <a:ea typeface="Calibri"/>
+                <a:cs typeface="Calibri"/>
+                <a:sym typeface="Calibri"/>
+              </a:rPr>
+              <a:t>LOGIN PAGE</a:t>
+            </a:r>
+            <a:endParaRPr sz="1800">
+              <a:solidFill>
+                <a:schemeClr val="dk1"/>
+              </a:solidFill>
+              <a:latin typeface="Calibri"/>
+              <a:ea typeface="Calibri"/>
+              <a:cs typeface="Calibri"/>
+              <a:sym typeface="Calibri"/>
+            </a:endParaRPr>
+          </a:p>
+        </p:txBody>
+      </p:sp>
+      <p:sp>
+        <p:nvSpPr>
+          <p:cNvPr id="5" name="Google Shape;198;p33"/>
+          <p:cNvSpPr/>
+          <p:nvPr/>
+        </p:nvSpPr>
+        <p:spPr>
+          <a:xfrm>
+            <a:off x="467444" y="3133360"/>
+            <a:ext cx="1836300" cy="860400"/>
+          </a:xfrm>
+          <a:prstGeom prst="roundRect">
+            <a:avLst>
+              <a:gd name="adj" fmla="val 16667"/>
+            </a:avLst>
+          </a:prstGeom>
+          <a:solidFill>
+            <a:schemeClr val="lt1"/>
+          </a:solidFill>
+          <a:ln w="25400" cap="flat" cmpd="sng">
+            <a:solidFill>
+              <a:schemeClr val="accent3"/>
+            </a:solidFill>
+            <a:prstDash val="solid"/>
+            <a:round/>
+            <a:headEnd type="none" w="sm" len="sm"/>
+            <a:tailEnd type="none" w="sm" len="sm"/>
+          </a:ln>
+        </p:spPr>
+        <p:txBody>
+          <a:bodyPr spcFirstLastPara="1" wrap="square" lIns="91425" tIns="45700" rIns="91425" bIns="45700" anchor="ctr" anchorCtr="0">
+            <a:noAutofit/>
+          </a:bodyPr>
+          <a:lstStyle/>
+          <a:p>
+            <a:pPr marL="0" marR="0" lvl="0" indent="0" algn="ctr" rtl="0">
+              <a:spcBef>
+                <a:spcPts val="0"/>
+              </a:spcBef>
+              <a:spcAft>
+                <a:spcPts val="0"/>
+              </a:spcAft>
+              <a:buNone/>
+            </a:pPr>
+            <a:r>
+              <a:rPr lang="es-419" sz="1800">
+                <a:solidFill>
+                  <a:schemeClr val="dk1"/>
+                </a:solidFill>
+                <a:latin typeface="Calibri"/>
+                <a:ea typeface="Calibri"/>
+                <a:cs typeface="Calibri"/>
+                <a:sym typeface="Calibri"/>
+              </a:rPr>
+              <a:t>Login form</a:t>
+            </a:r>
+            <a:br>
+              <a:rPr lang="es-419" sz="1800">
+                <a:solidFill>
+                  <a:schemeClr val="dk1"/>
+                </a:solidFill>
+                <a:latin typeface="Calibri"/>
+                <a:ea typeface="Calibri"/>
+                <a:cs typeface="Calibri"/>
+                <a:sym typeface="Calibri"/>
+              </a:rPr>
+            </a:br>
+            <a:r>
+              <a:rPr lang="es-419" sz="1800">
+                <a:solidFill>
+                  <a:schemeClr val="dk1"/>
+                </a:solidFill>
+                <a:latin typeface="Calibri"/>
+                <a:ea typeface="Calibri"/>
+                <a:cs typeface="Calibri"/>
+                <a:sym typeface="Calibri"/>
+              </a:rPr>
+              <a:t>[field: username</a:t>
+            </a:r>
+            <a:endParaRPr/>
+          </a:p>
+          <a:p>
+            <a:pPr marL="0" marR="0" lvl="0" indent="0" algn="ctr" rtl="0">
+              <a:spcBef>
+                <a:spcPts val="0"/>
+              </a:spcBef>
+              <a:spcAft>
+                <a:spcPts val="0"/>
+              </a:spcAft>
+              <a:buNone/>
+            </a:pPr>
+            <a:r>
+              <a:rPr lang="es-419" sz="1800">
+                <a:solidFill>
+                  <a:schemeClr val="dk1"/>
+                </a:solidFill>
+                <a:latin typeface="Calibri"/>
+                <a:ea typeface="Calibri"/>
+                <a:cs typeface="Calibri"/>
+                <a:sym typeface="Calibri"/>
+              </a:rPr>
+              <a:t>field: password]</a:t>
+            </a:r>
+            <a:endParaRPr sz="1800">
+              <a:solidFill>
+                <a:schemeClr val="dk1"/>
+              </a:solidFill>
+              <a:latin typeface="Calibri"/>
+              <a:ea typeface="Calibri"/>
+              <a:cs typeface="Calibri"/>
+              <a:sym typeface="Calibri"/>
+            </a:endParaRPr>
+          </a:p>
+        </p:txBody>
+      </p:sp>
+      <p:sp>
+        <p:nvSpPr>
+          <p:cNvPr id="6" name="Google Shape;199;p33"/>
+          <p:cNvSpPr/>
+          <p:nvPr/>
+        </p:nvSpPr>
+        <p:spPr>
+          <a:xfrm>
+            <a:off x="5755392" y="4499999"/>
+            <a:ext cx="2520300" cy="1296000"/>
+          </a:xfrm>
+          <a:prstGeom prst="rect">
+            <a:avLst/>
+          </a:prstGeom>
+          <a:solidFill>
+            <a:schemeClr val="lt1"/>
+          </a:solidFill>
+          <a:ln w="25400" cap="flat" cmpd="sng">
+            <a:solidFill>
+              <a:schemeClr val="dk1"/>
+            </a:solidFill>
+            <a:prstDash val="solid"/>
+            <a:round/>
+            <a:headEnd type="none" w="sm" len="sm"/>
+            <a:tailEnd type="none" w="sm" len="sm"/>
+          </a:ln>
+        </p:spPr>
+        <p:txBody>
+          <a:bodyPr spcFirstLastPara="1" wrap="square" lIns="91425" tIns="45700" rIns="91425" bIns="45700" anchor="t" anchorCtr="0">
+            <a:noAutofit/>
+          </a:bodyPr>
+          <a:lstStyle/>
+          <a:p>
+            <a:pPr marL="0" marR="0" lvl="0" indent="0" algn="l" rtl="0">
+              <a:spcBef>
+                <a:spcPts val="0"/>
+              </a:spcBef>
+              <a:spcAft>
+                <a:spcPts val="0"/>
+              </a:spcAft>
+              <a:buNone/>
+            </a:pPr>
+            <a:r>
+              <a:rPr lang="es-419" sz="1800">
+                <a:solidFill>
+                  <a:schemeClr val="dk1"/>
+                </a:solidFill>
+                <a:latin typeface="Calibri"/>
+                <a:ea typeface="Calibri"/>
+                <a:cs typeface="Calibri"/>
+                <a:sym typeface="Calibri"/>
+              </a:rPr>
+              <a:t>HOME</a:t>
+            </a:r>
+            <a:endParaRPr sz="1800">
+              <a:solidFill>
+                <a:schemeClr val="dk1"/>
+              </a:solidFill>
+              <a:latin typeface="Calibri"/>
+              <a:ea typeface="Calibri"/>
+              <a:cs typeface="Calibri"/>
+              <a:sym typeface="Calibri"/>
+            </a:endParaRPr>
+          </a:p>
+        </p:txBody>
+      </p:sp>
+      <p:sp>
+        <p:nvSpPr>
+          <p:cNvPr id="7" name="Google Shape;200;p33"/>
+          <p:cNvSpPr/>
+          <p:nvPr/>
+        </p:nvSpPr>
+        <p:spPr>
+          <a:xfrm>
+            <a:off x="2195736" y="3342674"/>
+            <a:ext cx="288032" cy="216024"/>
+          </a:xfrm>
+          <a:prstGeom prst="ellipse">
+            <a:avLst/>
+          </a:prstGeom>
+          <a:solidFill>
+            <a:schemeClr val="accent1"/>
+          </a:solidFill>
+          <a:ln w="25400" cap="flat" cmpd="sng">
+            <a:solidFill>
+              <a:srgbClr val="395E89"/>
+            </a:solidFill>
+            <a:prstDash val="solid"/>
+            <a:round/>
+            <a:headEnd type="none" w="sm" len="sm"/>
+            <a:tailEnd type="none" w="sm" len="sm"/>
+          </a:ln>
+        </p:spPr>
+        <p:txBody>
+          <a:bodyPr spcFirstLastPara="1" wrap="square" lIns="91425" tIns="45700" rIns="91425" bIns="45700" anchor="ctr" anchorCtr="0">
+            <a:noAutofit/>
+          </a:bodyPr>
+          <a:lstStyle/>
+          <a:p>
+            <a:pPr marL="0" marR="0" lvl="0" indent="0" algn="ctr" rtl="0">
+              <a:spcBef>
+                <a:spcPts val="0"/>
+              </a:spcBef>
+              <a:spcAft>
+                <a:spcPts val="0"/>
+              </a:spcAft>
+              <a:buNone/>
+            </a:pPr>
+            <a:endParaRPr sz="1800">
+              <a:solidFill>
+                <a:schemeClr val="lt1"/>
+              </a:solidFill>
+              <a:latin typeface="Calibri"/>
+              <a:ea typeface="Calibri"/>
+              <a:cs typeface="Calibri"/>
+              <a:sym typeface="Calibri"/>
+            </a:endParaRPr>
+          </a:p>
+        </p:txBody>
+      </p:sp>
+      <p:cxnSp>
+        <p:nvCxnSpPr>
+          <p:cNvPr id="8" name="Google Shape;201;p33"/>
+          <p:cNvCxnSpPr>
+            <a:stCxn id="14" idx="2"/>
+            <a:endCxn id="20" idx="5"/>
+          </p:cNvCxnSpPr>
+          <p:nvPr/>
+        </p:nvCxnSpPr>
+        <p:spPr>
+          <a:xfrm rot="10800000" flipH="1">
+            <a:off x="4726678" y="3456447"/>
+            <a:ext cx="1599000" cy="5700"/>
+          </a:xfrm>
+          <a:prstGeom prst="bentConnector3">
+            <a:avLst>
+              <a:gd name="adj1" fmla="val 50001"/>
+            </a:avLst>
+          </a:prstGeom>
+          <a:noFill/>
+          <a:ln w="25400" cap="flat" cmpd="sng">
+            <a:solidFill>
+              <a:schemeClr val="accent1"/>
+            </a:solidFill>
+            <a:prstDash val="solid"/>
+            <a:round/>
+            <a:headEnd type="none" w="sm" len="sm"/>
+            <a:tailEnd type="stealth" w="med" len="med"/>
+          </a:ln>
+          <a:effectLst>
+            <a:outerShdw blurRad="40000" dist="20000" dir="5400000" rotWithShape="0">
+              <a:srgbClr val="000000">
+                <a:alpha val="37647"/>
+              </a:srgbClr>
+            </a:outerShdw>
+          </a:effectLst>
+        </p:spPr>
+      </p:cxnSp>
+      <p:sp>
+        <p:nvSpPr>
+          <p:cNvPr id="9" name="Google Shape;204;p33"/>
+          <p:cNvSpPr txBox="1"/>
+          <p:nvPr/>
+        </p:nvSpPr>
+        <p:spPr>
+          <a:xfrm>
+            <a:off x="2328286" y="3622457"/>
+            <a:ext cx="832200" cy="276900"/>
+          </a:xfrm>
+          <a:prstGeom prst="rect">
+            <a:avLst/>
+          </a:prstGeom>
+          <a:noFill/>
+          <a:ln>
+            <a:noFill/>
+          </a:ln>
+        </p:spPr>
+        <p:txBody>
+          <a:bodyPr spcFirstLastPara="1" wrap="square" lIns="91425" tIns="45700" rIns="91425" bIns="45700" anchor="t" anchorCtr="0">
+            <a:noAutofit/>
+          </a:bodyPr>
+          <a:lstStyle/>
+          <a:p>
+            <a:pPr marL="0" marR="0" lvl="0" indent="0" algn="l" rtl="0">
+              <a:spcBef>
+                <a:spcPts val="0"/>
+              </a:spcBef>
+              <a:spcAft>
+                <a:spcPts val="0"/>
+              </a:spcAft>
+              <a:buNone/>
+            </a:pPr>
+            <a:r>
+              <a:rPr lang="es-419" sz="1800" dirty="0" err="1">
+                <a:solidFill>
+                  <a:schemeClr val="dk1"/>
+                </a:solidFill>
+                <a:latin typeface="Calibri"/>
+                <a:ea typeface="Calibri"/>
+                <a:cs typeface="Calibri"/>
+                <a:sym typeface="Calibri"/>
+              </a:rPr>
+              <a:t>submit</a:t>
+            </a:r>
+            <a:endParaRPr sz="1800" dirty="0">
+              <a:solidFill>
+                <a:schemeClr val="dk1"/>
+              </a:solidFill>
+              <a:latin typeface="Calibri"/>
+              <a:ea typeface="Calibri"/>
+              <a:cs typeface="Calibri"/>
+              <a:sym typeface="Calibri"/>
+            </a:endParaRPr>
+          </a:p>
+        </p:txBody>
+      </p:sp>
+      <p:cxnSp>
+        <p:nvCxnSpPr>
+          <p:cNvPr id="10" name="Google Shape;205;p33"/>
+          <p:cNvCxnSpPr>
+            <a:stCxn id="17" idx="4"/>
+            <a:endCxn id="4" idx="2"/>
+          </p:cNvCxnSpPr>
+          <p:nvPr/>
+        </p:nvCxnSpPr>
+        <p:spPr>
+          <a:xfrm rot="5400000">
+            <a:off x="2501896" y="3127908"/>
+            <a:ext cx="359700" cy="1908300"/>
+          </a:xfrm>
+          <a:prstGeom prst="bentConnector3">
+            <a:avLst>
+              <a:gd name="adj1" fmla="val 166194"/>
+            </a:avLst>
+          </a:prstGeom>
+          <a:noFill/>
+          <a:ln w="25400" cap="flat" cmpd="sng">
+            <a:solidFill>
+              <a:schemeClr val="accent1"/>
+            </a:solidFill>
+            <a:prstDash val="solid"/>
+            <a:round/>
+            <a:headEnd type="none" w="sm" len="sm"/>
+            <a:tailEnd type="stealth" w="med" len="med"/>
+          </a:ln>
+          <a:effectLst>
+            <a:outerShdw blurRad="40000" dist="20000" dir="5400000" rotWithShape="0">
+              <a:srgbClr val="000000">
+                <a:alpha val="37647"/>
+              </a:srgbClr>
+            </a:outerShdw>
+          </a:effectLst>
+        </p:spPr>
+      </p:cxnSp>
+      <p:sp>
+        <p:nvSpPr>
+          <p:cNvPr id="11" name="Google Shape;207;p33"/>
+          <p:cNvSpPr txBox="1"/>
+          <p:nvPr/>
+        </p:nvSpPr>
+        <p:spPr>
+          <a:xfrm>
+            <a:off x="755575" y="4505860"/>
+            <a:ext cx="2488800" cy="276900"/>
+          </a:xfrm>
+          <a:prstGeom prst="rect">
+            <a:avLst/>
+          </a:prstGeom>
+          <a:noFill/>
+          <a:ln>
+            <a:noFill/>
+          </a:ln>
+        </p:spPr>
+        <p:txBody>
+          <a:bodyPr spcFirstLastPara="1" wrap="square" lIns="91425" tIns="45700" rIns="91425" bIns="45700" anchor="t" anchorCtr="0">
+            <a:noAutofit/>
+          </a:bodyPr>
+          <a:lstStyle/>
+          <a:p>
+            <a:pPr marL="0" marR="0" lvl="0" indent="0" algn="l" rtl="0">
+              <a:spcBef>
+                <a:spcPts val="0"/>
+              </a:spcBef>
+              <a:spcAft>
+                <a:spcPts val="0"/>
+              </a:spcAft>
+              <a:buNone/>
+            </a:pPr>
+            <a:r>
+              <a:rPr lang="es-419" sz="1800" dirty="0" err="1">
+                <a:solidFill>
+                  <a:schemeClr val="dk1"/>
+                </a:solidFill>
+                <a:latin typeface="Calibri"/>
+                <a:ea typeface="Calibri"/>
+                <a:cs typeface="Calibri"/>
+                <a:sym typeface="Calibri"/>
+              </a:rPr>
+              <a:t>wrong</a:t>
+            </a:r>
+            <a:r>
+              <a:rPr lang="es-419" sz="1800" dirty="0">
+                <a:solidFill>
+                  <a:schemeClr val="dk1"/>
+                </a:solidFill>
+                <a:latin typeface="Calibri"/>
+                <a:ea typeface="Calibri"/>
+                <a:cs typeface="Calibri"/>
+                <a:sym typeface="Calibri"/>
+              </a:rPr>
+              <a:t> </a:t>
+            </a:r>
+            <a:r>
+              <a:rPr lang="es-419" sz="1800" dirty="0" err="1">
+                <a:solidFill>
+                  <a:schemeClr val="dk1"/>
+                </a:solidFill>
+                <a:latin typeface="Calibri"/>
+                <a:ea typeface="Calibri"/>
+                <a:cs typeface="Calibri"/>
+                <a:sym typeface="Calibri"/>
+              </a:rPr>
+              <a:t>user</a:t>
+            </a:r>
+            <a:r>
+              <a:rPr lang="es-419" sz="1800" dirty="0">
+                <a:solidFill>
+                  <a:schemeClr val="dk1"/>
+                </a:solidFill>
+                <a:latin typeface="Calibri"/>
+                <a:ea typeface="Calibri"/>
+                <a:cs typeface="Calibri"/>
+                <a:sym typeface="Calibri"/>
+              </a:rPr>
+              <a:t> + </a:t>
+            </a:r>
+            <a:r>
+              <a:rPr lang="es-419" sz="1800" dirty="0" err="1">
+                <a:solidFill>
+                  <a:schemeClr val="dk1"/>
+                </a:solidFill>
+                <a:latin typeface="Calibri"/>
+                <a:ea typeface="Calibri"/>
+                <a:cs typeface="Calibri"/>
+                <a:sym typeface="Calibri"/>
+              </a:rPr>
+              <a:t>pswd</a:t>
+            </a:r>
+            <a:endParaRPr sz="1800" dirty="0">
+              <a:solidFill>
+                <a:schemeClr val="dk1"/>
+              </a:solidFill>
+              <a:latin typeface="Calibri"/>
+              <a:ea typeface="Calibri"/>
+              <a:cs typeface="Calibri"/>
+              <a:sym typeface="Calibri"/>
+            </a:endParaRPr>
+          </a:p>
+        </p:txBody>
+      </p:sp>
+      <p:sp>
+        <p:nvSpPr>
+          <p:cNvPr id="12" name="Google Shape;208;p33"/>
+          <p:cNvSpPr txBox="1"/>
+          <p:nvPr/>
+        </p:nvSpPr>
+        <p:spPr>
+          <a:xfrm>
+            <a:off x="3641255" y="2813863"/>
+            <a:ext cx="2186700" cy="307800"/>
+          </a:xfrm>
+          <a:prstGeom prst="rect">
+            <a:avLst/>
+          </a:prstGeom>
+          <a:solidFill>
+            <a:schemeClr val="lt1"/>
+          </a:solidFill>
+          <a:ln w="25400" cap="flat" cmpd="sng">
+            <a:noFill/>
+            <a:prstDash val="solid"/>
+            <a:round/>
+            <a:headEnd type="none" w="sm" len="sm"/>
+            <a:tailEnd type="none" w="sm" len="sm"/>
+          </a:ln>
+        </p:spPr>
+        <p:txBody>
+          <a:bodyPr spcFirstLastPara="1" wrap="square" lIns="91425" tIns="45700" rIns="91425" bIns="45700" anchor="t" anchorCtr="0">
+            <a:noAutofit/>
+          </a:bodyPr>
+          <a:lstStyle/>
+          <a:p>
+            <a:pPr marL="0" marR="0" lvl="0" indent="0" algn="l" rtl="0">
+              <a:spcBef>
+                <a:spcPts val="0"/>
+              </a:spcBef>
+              <a:spcAft>
+                <a:spcPts val="0"/>
+              </a:spcAft>
+              <a:buNone/>
+            </a:pPr>
+            <a:r>
+              <a:rPr lang="es-419" sz="1600" dirty="0" err="1">
+                <a:solidFill>
+                  <a:schemeClr val="dk1"/>
+                </a:solidFill>
+                <a:latin typeface="Calibri"/>
+                <a:ea typeface="Calibri"/>
+                <a:cs typeface="Calibri"/>
+                <a:sym typeface="Calibri"/>
+              </a:rPr>
+              <a:t>username</a:t>
+            </a:r>
+            <a:r>
+              <a:rPr lang="es-419" sz="1600" dirty="0">
+                <a:solidFill>
+                  <a:schemeClr val="dk1"/>
+                </a:solidFill>
+                <a:latin typeface="Calibri"/>
+                <a:ea typeface="Calibri"/>
+                <a:cs typeface="Calibri"/>
+                <a:sym typeface="Calibri"/>
+              </a:rPr>
+              <a:t>, </a:t>
+            </a:r>
+            <a:r>
+              <a:rPr lang="es-419" sz="1600" dirty="0" err="1">
+                <a:solidFill>
+                  <a:schemeClr val="dk1"/>
+                </a:solidFill>
+                <a:latin typeface="Calibri"/>
+                <a:ea typeface="Calibri"/>
+                <a:cs typeface="Calibri"/>
+                <a:sym typeface="Calibri"/>
+              </a:rPr>
+              <a:t>password</a:t>
+            </a:r>
+            <a:endParaRPr sz="1600" dirty="0">
+              <a:solidFill>
+                <a:schemeClr val="dk1"/>
+              </a:solidFill>
+              <a:latin typeface="Calibri"/>
+              <a:ea typeface="Calibri"/>
+              <a:cs typeface="Calibri"/>
+              <a:sym typeface="Calibri"/>
+            </a:endParaRPr>
+          </a:p>
+        </p:txBody>
+      </p:sp>
+      <p:cxnSp>
+        <p:nvCxnSpPr>
+          <p:cNvPr id="13" name="Google Shape;209;p33"/>
+          <p:cNvCxnSpPr/>
+          <p:nvPr/>
+        </p:nvCxnSpPr>
+        <p:spPr>
+          <a:xfrm flipH="1">
+            <a:off x="3185250" y="2890382"/>
+            <a:ext cx="472500" cy="558300"/>
+          </a:xfrm>
+          <a:prstGeom prst="straightConnector1">
+            <a:avLst/>
+          </a:prstGeom>
+          <a:noFill/>
+          <a:ln w="9525" cap="flat" cmpd="sng">
+            <a:solidFill>
+              <a:srgbClr val="4A7DBA"/>
+            </a:solidFill>
+            <a:prstDash val="solid"/>
+            <a:round/>
+            <a:headEnd type="none" w="sm" len="sm"/>
+            <a:tailEnd type="none" w="sm" len="sm"/>
+          </a:ln>
+        </p:spPr>
+      </p:cxnSp>
+      <p:sp>
+        <p:nvSpPr>
+          <p:cNvPr id="14" name="Google Shape;202;p33"/>
+          <p:cNvSpPr/>
+          <p:nvPr/>
+        </p:nvSpPr>
+        <p:spPr>
+          <a:xfrm>
+            <a:off x="3419872" y="3216763"/>
+            <a:ext cx="1368152" cy="490769"/>
+          </a:xfrm>
+          <a:prstGeom prst="parallelogram">
+            <a:avLst>
+              <a:gd name="adj" fmla="val 25000"/>
+            </a:avLst>
+          </a:prstGeom>
+          <a:solidFill>
+            <a:schemeClr val="lt1"/>
+          </a:solidFill>
+          <a:ln w="25400" cap="flat" cmpd="sng">
+            <a:solidFill>
+              <a:schemeClr val="accent2"/>
+            </a:solidFill>
+            <a:prstDash val="solid"/>
+            <a:round/>
+            <a:headEnd type="none" w="sm" len="sm"/>
+            <a:tailEnd type="none" w="sm" len="sm"/>
+          </a:ln>
+        </p:spPr>
+        <p:txBody>
+          <a:bodyPr spcFirstLastPara="1" wrap="square" lIns="91425" tIns="45700" rIns="91425" bIns="45700" anchor="ctr" anchorCtr="0">
+            <a:noAutofit/>
+          </a:bodyPr>
+          <a:lstStyle/>
+          <a:p>
+            <a:pPr marL="0" marR="0" lvl="0" indent="0" algn="ctr" rtl="0">
+              <a:spcBef>
+                <a:spcPts val="0"/>
+              </a:spcBef>
+              <a:spcAft>
+                <a:spcPts val="0"/>
+              </a:spcAft>
+              <a:buNone/>
+            </a:pPr>
+            <a:r>
+              <a:rPr lang="es-419" sz="1800">
+                <a:solidFill>
+                  <a:schemeClr val="dk1"/>
+                </a:solidFill>
+                <a:latin typeface="Calibri"/>
+                <a:ea typeface="Calibri"/>
+                <a:cs typeface="Calibri"/>
+                <a:sym typeface="Calibri"/>
+              </a:rPr>
+              <a:t>Check</a:t>
+            </a:r>
+            <a:br>
+              <a:rPr lang="es-419" sz="1800">
+                <a:solidFill>
+                  <a:schemeClr val="dk1"/>
+                </a:solidFill>
+                <a:latin typeface="Calibri"/>
+                <a:ea typeface="Calibri"/>
+                <a:cs typeface="Calibri"/>
+                <a:sym typeface="Calibri"/>
+              </a:rPr>
+            </a:br>
+            <a:r>
+              <a:rPr lang="es-419" sz="1800">
+                <a:solidFill>
+                  <a:schemeClr val="dk1"/>
+                </a:solidFill>
+                <a:latin typeface="Calibri"/>
+                <a:ea typeface="Calibri"/>
+                <a:cs typeface="Calibri"/>
+                <a:sym typeface="Calibri"/>
+              </a:rPr>
+              <a:t>Login</a:t>
+            </a:r>
+            <a:endParaRPr sz="1800">
+              <a:solidFill>
+                <a:schemeClr val="dk1"/>
+              </a:solidFill>
+              <a:latin typeface="Calibri"/>
+              <a:ea typeface="Calibri"/>
+              <a:cs typeface="Calibri"/>
+              <a:sym typeface="Calibri"/>
+            </a:endParaRPr>
+          </a:p>
+        </p:txBody>
+      </p:sp>
+      <p:cxnSp>
+        <p:nvCxnSpPr>
+          <p:cNvPr id="15" name="Google Shape;210;p33"/>
+          <p:cNvCxnSpPr>
+            <a:stCxn id="7" idx="6"/>
+            <a:endCxn id="14" idx="5"/>
+          </p:cNvCxnSpPr>
+          <p:nvPr/>
+        </p:nvCxnSpPr>
+        <p:spPr>
+          <a:xfrm>
+            <a:off x="2483768" y="3450686"/>
+            <a:ext cx="997500" cy="11400"/>
+          </a:xfrm>
+          <a:prstGeom prst="straightConnector1">
+            <a:avLst/>
+          </a:prstGeom>
+          <a:noFill/>
+          <a:ln w="25400" cap="flat" cmpd="sng">
+            <a:solidFill>
+              <a:schemeClr val="accent1"/>
+            </a:solidFill>
+            <a:prstDash val="solid"/>
+            <a:round/>
+            <a:headEnd type="none" w="sm" len="sm"/>
+            <a:tailEnd type="stealth" w="med" len="med"/>
+          </a:ln>
+          <a:effectLst>
+            <a:outerShdw blurRad="40000" dist="20000" dir="5400000" rotWithShape="0">
+              <a:srgbClr val="000000">
+                <a:alpha val="37647"/>
+              </a:srgbClr>
+            </a:outerShdw>
+          </a:effectLst>
+        </p:spPr>
+      </p:cxnSp>
+      <p:sp>
+        <p:nvSpPr>
+          <p:cNvPr id="16" name="Google Shape;211;p33"/>
+          <p:cNvSpPr/>
+          <p:nvPr/>
+        </p:nvSpPr>
+        <p:spPr>
+          <a:xfrm>
+            <a:off x="4572000" y="3383496"/>
+            <a:ext cx="288032" cy="216024"/>
+          </a:xfrm>
+          <a:prstGeom prst="ellipse">
+            <a:avLst/>
+          </a:prstGeom>
+          <a:solidFill>
+            <a:schemeClr val="accent1"/>
+          </a:solidFill>
+          <a:ln w="25400" cap="flat" cmpd="sng">
+            <a:solidFill>
+              <a:srgbClr val="395E89"/>
+            </a:solidFill>
+            <a:prstDash val="solid"/>
+            <a:round/>
+            <a:headEnd type="none" w="sm" len="sm"/>
+            <a:tailEnd type="none" w="sm" len="sm"/>
+          </a:ln>
+        </p:spPr>
+        <p:txBody>
+          <a:bodyPr spcFirstLastPara="1" wrap="square" lIns="91425" tIns="45700" rIns="91425" bIns="45700" anchor="ctr" anchorCtr="0">
+            <a:noAutofit/>
+          </a:bodyPr>
+          <a:lstStyle/>
+          <a:p>
+            <a:pPr marL="0" marR="0" lvl="0" indent="0" algn="ctr" rtl="0">
+              <a:spcBef>
+                <a:spcPts val="0"/>
+              </a:spcBef>
+              <a:spcAft>
+                <a:spcPts val="0"/>
+              </a:spcAft>
+              <a:buNone/>
+            </a:pPr>
+            <a:endParaRPr sz="1800">
+              <a:solidFill>
+                <a:schemeClr val="lt1"/>
+              </a:solidFill>
+              <a:latin typeface="Calibri"/>
+              <a:ea typeface="Calibri"/>
+              <a:cs typeface="Calibri"/>
+              <a:sym typeface="Calibri"/>
+            </a:endParaRPr>
+          </a:p>
+        </p:txBody>
+      </p:sp>
+      <p:sp>
+        <p:nvSpPr>
+          <p:cNvPr id="17" name="Google Shape;206;p33"/>
+          <p:cNvSpPr/>
+          <p:nvPr/>
+        </p:nvSpPr>
+        <p:spPr>
+          <a:xfrm>
+            <a:off x="3491880" y="3686184"/>
+            <a:ext cx="288032" cy="216024"/>
+          </a:xfrm>
+          <a:prstGeom prst="ellipse">
+            <a:avLst/>
+          </a:prstGeom>
+          <a:solidFill>
+            <a:schemeClr val="accent1"/>
+          </a:solidFill>
+          <a:ln w="25400" cap="flat" cmpd="sng">
+            <a:solidFill>
+              <a:srgbClr val="395E89"/>
+            </a:solidFill>
+            <a:prstDash val="solid"/>
+            <a:round/>
+            <a:headEnd type="none" w="sm" len="sm"/>
+            <a:tailEnd type="none" w="sm" len="sm"/>
+          </a:ln>
+        </p:spPr>
+        <p:txBody>
+          <a:bodyPr spcFirstLastPara="1" wrap="square" lIns="91425" tIns="45700" rIns="91425" bIns="45700" anchor="ctr" anchorCtr="0">
+            <a:noAutofit/>
+          </a:bodyPr>
+          <a:lstStyle/>
+          <a:p>
+            <a:pPr marL="0" marR="0" lvl="0" indent="0" algn="ctr" rtl="0">
+              <a:spcBef>
+                <a:spcPts val="0"/>
+              </a:spcBef>
+              <a:spcAft>
+                <a:spcPts val="0"/>
+              </a:spcAft>
+              <a:buNone/>
+            </a:pPr>
+            <a:endParaRPr sz="1800">
+              <a:solidFill>
+                <a:schemeClr val="lt1"/>
+              </a:solidFill>
+              <a:latin typeface="Calibri"/>
+              <a:ea typeface="Calibri"/>
+              <a:cs typeface="Calibri"/>
+              <a:sym typeface="Calibri"/>
+            </a:endParaRPr>
+          </a:p>
+        </p:txBody>
+      </p:sp>
+      <p:sp>
+        <p:nvSpPr>
+          <p:cNvPr id="18" name="Google Shape;212;p33"/>
+          <p:cNvSpPr txBox="1"/>
+          <p:nvPr/>
+        </p:nvSpPr>
+        <p:spPr>
+          <a:xfrm>
+            <a:off x="4788029" y="3599524"/>
+            <a:ext cx="1551900" cy="276900"/>
+          </a:xfrm>
+          <a:prstGeom prst="rect">
+            <a:avLst/>
+          </a:prstGeom>
+          <a:noFill/>
+          <a:ln>
+            <a:noFill/>
+          </a:ln>
+        </p:spPr>
+        <p:txBody>
+          <a:bodyPr spcFirstLastPara="1" wrap="square" lIns="91425" tIns="45700" rIns="91425" bIns="45700" anchor="t" anchorCtr="0">
+            <a:noAutofit/>
+          </a:bodyPr>
+          <a:lstStyle/>
+          <a:p>
+            <a:pPr marL="0" marR="0" lvl="0" indent="0" algn="l" rtl="0">
+              <a:spcBef>
+                <a:spcPts val="0"/>
+              </a:spcBef>
+              <a:spcAft>
+                <a:spcPts val="0"/>
+              </a:spcAft>
+              <a:buNone/>
+            </a:pPr>
+            <a:r>
+              <a:rPr lang="es-419" sz="1800">
+                <a:solidFill>
+                  <a:schemeClr val="dk1"/>
+                </a:solidFill>
+                <a:latin typeface="Calibri"/>
+                <a:ea typeface="Calibri"/>
+                <a:cs typeface="Calibri"/>
+                <a:sym typeface="Calibri"/>
+              </a:rPr>
+              <a:t>user -&gt; session</a:t>
+            </a:r>
+            <a:endParaRPr sz="1800">
+              <a:solidFill>
+                <a:schemeClr val="dk1"/>
+              </a:solidFill>
+              <a:latin typeface="Calibri"/>
+              <a:ea typeface="Calibri"/>
+              <a:cs typeface="Calibri"/>
+              <a:sym typeface="Calibri"/>
+            </a:endParaRPr>
+          </a:p>
+        </p:txBody>
+      </p:sp>
+      <p:cxnSp>
+        <p:nvCxnSpPr>
+          <p:cNvPr id="19" name="Google Shape;213;p33"/>
+          <p:cNvCxnSpPr>
+            <a:stCxn id="20" idx="2"/>
+            <a:endCxn id="6" idx="0"/>
+          </p:cNvCxnSpPr>
+          <p:nvPr/>
+        </p:nvCxnSpPr>
+        <p:spPr>
+          <a:xfrm flipH="1">
+            <a:off x="7015400" y="3456382"/>
+            <a:ext cx="868500" cy="1043700"/>
+          </a:xfrm>
+          <a:prstGeom prst="bentConnector4">
+            <a:avLst>
+              <a:gd name="adj1" fmla="val -34482"/>
+              <a:gd name="adj2" fmla="val 61752"/>
+            </a:avLst>
+          </a:prstGeom>
+          <a:noFill/>
+          <a:ln w="25400" cap="flat" cmpd="sng">
+            <a:solidFill>
+              <a:schemeClr val="accent1"/>
+            </a:solidFill>
+            <a:prstDash val="solid"/>
+            <a:round/>
+            <a:headEnd type="none" w="sm" len="sm"/>
+            <a:tailEnd type="stealth" w="med" len="med"/>
+          </a:ln>
+          <a:effectLst>
+            <a:outerShdw blurRad="40000" dist="20000" dir="5400000" rotWithShape="0">
+              <a:srgbClr val="000000">
+                <a:alpha val="37650"/>
+              </a:srgbClr>
+            </a:outerShdw>
+          </a:effectLst>
+        </p:spPr>
+      </p:cxnSp>
+      <p:sp>
+        <p:nvSpPr>
+          <p:cNvPr id="20" name="Google Shape;203;p33"/>
+          <p:cNvSpPr/>
+          <p:nvPr/>
+        </p:nvSpPr>
+        <p:spPr>
+          <a:xfrm>
+            <a:off x="6264350" y="3210982"/>
+            <a:ext cx="1680900" cy="490800"/>
+          </a:xfrm>
+          <a:prstGeom prst="parallelogram">
+            <a:avLst>
+              <a:gd name="adj" fmla="val 25000"/>
+            </a:avLst>
+          </a:prstGeom>
+          <a:solidFill>
+            <a:schemeClr val="lt1"/>
+          </a:solidFill>
+          <a:ln w="25400" cap="flat" cmpd="sng">
+            <a:solidFill>
+              <a:schemeClr val="accent2"/>
+            </a:solidFill>
+            <a:prstDash val="solid"/>
+            <a:round/>
+            <a:headEnd type="none" w="sm" len="sm"/>
+            <a:tailEnd type="none" w="sm" len="sm"/>
+          </a:ln>
+        </p:spPr>
+        <p:txBody>
+          <a:bodyPr spcFirstLastPara="1" wrap="square" lIns="91425" tIns="45700" rIns="91425" bIns="45700" anchor="ctr" anchorCtr="0">
+            <a:noAutofit/>
+          </a:bodyPr>
+          <a:lstStyle/>
+          <a:p>
+            <a:pPr marL="0" marR="0" lvl="0" indent="0" algn="ctr" rtl="0">
+              <a:spcBef>
+                <a:spcPts val="0"/>
+              </a:spcBef>
+              <a:spcAft>
+                <a:spcPts val="0"/>
+              </a:spcAft>
+              <a:buNone/>
+            </a:pPr>
+            <a:r>
+              <a:rPr lang="es-419" sz="1800">
+                <a:solidFill>
+                  <a:schemeClr val="dk1"/>
+                </a:solidFill>
+                <a:latin typeface="Calibri"/>
+                <a:ea typeface="Calibri"/>
+                <a:cs typeface="Calibri"/>
+                <a:sym typeface="Calibri"/>
+              </a:rPr>
+              <a:t>GoToHome</a:t>
+            </a:r>
+            <a:endParaRPr sz="1800">
+              <a:solidFill>
+                <a:schemeClr val="dk1"/>
+              </a:solidFill>
+              <a:latin typeface="Calibri"/>
+              <a:ea typeface="Calibri"/>
+              <a:cs typeface="Calibri"/>
+              <a:sym typeface="Calibri"/>
+            </a:endParaRPr>
+          </a:p>
+        </p:txBody>
+      </p:sp>
+      <p:sp>
+        <p:nvSpPr>
+          <p:cNvPr id="21" name="Google Shape;214;p33"/>
+          <p:cNvSpPr txBox="1"/>
+          <p:nvPr/>
+        </p:nvSpPr>
+        <p:spPr>
+          <a:xfrm>
+            <a:off x="7105354" y="4132699"/>
+            <a:ext cx="1551900" cy="276900"/>
+          </a:xfrm>
+          <a:prstGeom prst="rect">
+            <a:avLst/>
+          </a:prstGeom>
+          <a:noFill/>
+          <a:ln>
+            <a:noFill/>
+          </a:ln>
+        </p:spPr>
+        <p:txBody>
+          <a:bodyPr spcFirstLastPara="1" wrap="square" lIns="91425" tIns="45700" rIns="91425" bIns="45700" anchor="t" anchorCtr="0">
+            <a:noAutofit/>
+          </a:bodyPr>
+          <a:lstStyle/>
+          <a:p>
+            <a:pPr marL="0" marR="0" lvl="0" indent="0" algn="l" rtl="0">
+              <a:spcBef>
+                <a:spcPts val="0"/>
+              </a:spcBef>
+              <a:spcAft>
+                <a:spcPts val="0"/>
+              </a:spcAft>
+              <a:buNone/>
+            </a:pPr>
+            <a:r>
+              <a:rPr lang="es-419" sz="1800">
+                <a:solidFill>
+                  <a:schemeClr val="dk1"/>
+                </a:solidFill>
+                <a:latin typeface="Calibri"/>
+                <a:ea typeface="Calibri"/>
+                <a:cs typeface="Calibri"/>
+                <a:sym typeface="Calibri"/>
+              </a:rPr>
+              <a:t>missions</a:t>
+            </a:r>
+            <a:endParaRPr sz="1800">
+              <a:solidFill>
+                <a:schemeClr val="dk1"/>
+              </a:solidFill>
+              <a:latin typeface="Calibri"/>
+              <a:ea typeface="Calibri"/>
+              <a:cs typeface="Calibri"/>
+              <a:sym typeface="Calibri"/>
+            </a:endParaRPr>
+          </a:p>
+        </p:txBody>
+      </p:sp>
+      <p:cxnSp>
+        <p:nvCxnSpPr>
+          <p:cNvPr id="23" name="Straight Arrow Connector 22"/>
+          <p:cNvCxnSpPr>
+            <a:stCxn id="24" idx="1"/>
+          </p:cNvCxnSpPr>
+          <p:nvPr/>
+        </p:nvCxnSpPr>
+        <p:spPr>
+          <a:xfrm flipH="1">
+            <a:off x="1905802" y="2096513"/>
+            <a:ext cx="838584" cy="1036847"/>
+          </a:xfrm>
+          <a:prstGeom prst="straightConnector1">
+            <a:avLst/>
+          </a:prstGeom>
+          <a:ln w="57150">
+            <a:solidFill>
+              <a:srgbClr val="FF0000"/>
+            </a:solidFill>
+            <a:tailEnd type="triangle"/>
+          </a:ln>
+        </p:spPr>
+        <p:style>
+          <a:lnRef idx="3">
+            <a:schemeClr val="accent1"/>
+          </a:lnRef>
+          <a:fillRef idx="0">
+            <a:schemeClr val="accent1"/>
+          </a:fillRef>
+          <a:effectRef idx="2">
+            <a:schemeClr val="accent1"/>
+          </a:effectRef>
+          <a:fontRef idx="minor">
+            <a:schemeClr val="tx1"/>
+          </a:fontRef>
+        </p:style>
+      </p:cxnSp>
+      <p:sp>
+        <p:nvSpPr>
+          <p:cNvPr id="24" name="TextBox 23"/>
+          <p:cNvSpPr txBox="1"/>
+          <p:nvPr/>
+        </p:nvSpPr>
+        <p:spPr>
+          <a:xfrm>
+            <a:off x="2744386" y="1911847"/>
+            <a:ext cx="1992981" cy="369332"/>
+          </a:xfrm>
+          <a:prstGeom prst="rect">
+            <a:avLst/>
+          </a:prstGeom>
+          <a:noFill/>
+        </p:spPr>
+        <p:txBody>
+          <a:bodyPr wrap="none" rtlCol="0">
+            <a:spAutoFit/>
+          </a:bodyPr>
+          <a:lstStyle/>
+          <a:p>
+            <a:r>
+              <a:rPr lang="it-IT" dirty="0"/>
+              <a:t>PAGE COMPONENT</a:t>
+            </a:r>
+          </a:p>
+        </p:txBody>
+      </p:sp>
+      <p:cxnSp>
+        <p:nvCxnSpPr>
+          <p:cNvPr id="26" name="Straight Arrow Connector 25"/>
+          <p:cNvCxnSpPr>
+            <a:stCxn id="27" idx="1"/>
+          </p:cNvCxnSpPr>
+          <p:nvPr/>
+        </p:nvCxnSpPr>
+        <p:spPr>
+          <a:xfrm flipH="1">
+            <a:off x="1357163" y="1565518"/>
+            <a:ext cx="1529998" cy="1187666"/>
+          </a:xfrm>
+          <a:prstGeom prst="straightConnector1">
+            <a:avLst/>
+          </a:prstGeom>
+          <a:ln w="57150">
+            <a:solidFill>
+              <a:srgbClr val="FF0000"/>
+            </a:solidFill>
+            <a:tailEnd type="triangle"/>
+          </a:ln>
+        </p:spPr>
+        <p:style>
+          <a:lnRef idx="3">
+            <a:schemeClr val="accent1"/>
+          </a:lnRef>
+          <a:fillRef idx="0">
+            <a:schemeClr val="accent1"/>
+          </a:fillRef>
+          <a:effectRef idx="2">
+            <a:schemeClr val="accent1"/>
+          </a:effectRef>
+          <a:fontRef idx="minor">
+            <a:schemeClr val="tx1"/>
+          </a:fontRef>
+        </p:style>
+      </p:cxnSp>
+      <p:sp>
+        <p:nvSpPr>
+          <p:cNvPr id="27" name="TextBox 26"/>
+          <p:cNvSpPr txBox="1"/>
+          <p:nvPr/>
+        </p:nvSpPr>
+        <p:spPr>
+          <a:xfrm>
+            <a:off x="2887161" y="1380852"/>
+            <a:ext cx="675762" cy="369332"/>
+          </a:xfrm>
+          <a:prstGeom prst="rect">
+            <a:avLst/>
+          </a:prstGeom>
+          <a:noFill/>
+        </p:spPr>
+        <p:txBody>
+          <a:bodyPr wrap="square" rtlCol="0">
+            <a:spAutoFit/>
+          </a:bodyPr>
+          <a:lstStyle/>
+          <a:p>
+            <a:r>
+              <a:rPr lang="it-IT" dirty="0"/>
+              <a:t>PAGE</a:t>
+            </a:r>
+          </a:p>
+        </p:txBody>
+      </p:sp>
+      <p:cxnSp>
+        <p:nvCxnSpPr>
+          <p:cNvPr id="30" name="Straight Arrow Connector 29"/>
+          <p:cNvCxnSpPr>
+            <a:stCxn id="31" idx="1"/>
+          </p:cNvCxnSpPr>
+          <p:nvPr/>
+        </p:nvCxnSpPr>
+        <p:spPr>
+          <a:xfrm flipH="1">
+            <a:off x="2406316" y="2394897"/>
+            <a:ext cx="790457" cy="946194"/>
+          </a:xfrm>
+          <a:prstGeom prst="straightConnector1">
+            <a:avLst/>
+          </a:prstGeom>
+          <a:ln w="57150">
+            <a:solidFill>
+              <a:srgbClr val="FF0000"/>
+            </a:solidFill>
+            <a:tailEnd type="triangle"/>
+          </a:ln>
+        </p:spPr>
+        <p:style>
+          <a:lnRef idx="3">
+            <a:schemeClr val="accent1"/>
+          </a:lnRef>
+          <a:fillRef idx="0">
+            <a:schemeClr val="accent1"/>
+          </a:fillRef>
+          <a:effectRef idx="2">
+            <a:schemeClr val="accent1"/>
+          </a:effectRef>
+          <a:fontRef idx="minor">
+            <a:schemeClr val="tx1"/>
+          </a:fontRef>
+        </p:style>
+      </p:cxnSp>
+      <p:sp>
+        <p:nvSpPr>
+          <p:cNvPr id="31" name="TextBox 30"/>
+          <p:cNvSpPr txBox="1"/>
+          <p:nvPr/>
+        </p:nvSpPr>
+        <p:spPr>
+          <a:xfrm>
+            <a:off x="3196773" y="2210231"/>
+            <a:ext cx="801823" cy="369332"/>
+          </a:xfrm>
+          <a:prstGeom prst="rect">
+            <a:avLst/>
+          </a:prstGeom>
+          <a:noFill/>
+        </p:spPr>
+        <p:txBody>
+          <a:bodyPr wrap="none" rtlCol="0">
+            <a:spAutoFit/>
+          </a:bodyPr>
+          <a:lstStyle/>
+          <a:p>
+            <a:r>
+              <a:rPr lang="it-IT" dirty="0"/>
+              <a:t>EVENT</a:t>
+            </a:r>
+          </a:p>
+        </p:txBody>
+      </p:sp>
+      <p:cxnSp>
+        <p:nvCxnSpPr>
+          <p:cNvPr id="33" name="Straight Arrow Connector 32"/>
+          <p:cNvCxnSpPr>
+            <a:stCxn id="34" idx="1"/>
+          </p:cNvCxnSpPr>
+          <p:nvPr/>
+        </p:nvCxnSpPr>
+        <p:spPr>
+          <a:xfrm flipH="1">
+            <a:off x="6670320" y="2491149"/>
+            <a:ext cx="655704" cy="656671"/>
+          </a:xfrm>
+          <a:prstGeom prst="straightConnector1">
+            <a:avLst/>
+          </a:prstGeom>
+          <a:ln w="57150">
+            <a:solidFill>
+              <a:srgbClr val="FF0000"/>
+            </a:solidFill>
+            <a:tailEnd type="triangle"/>
+          </a:ln>
+        </p:spPr>
+        <p:style>
+          <a:lnRef idx="3">
+            <a:schemeClr val="accent1"/>
+          </a:lnRef>
+          <a:fillRef idx="0">
+            <a:schemeClr val="accent1"/>
+          </a:fillRef>
+          <a:effectRef idx="2">
+            <a:schemeClr val="accent1"/>
+          </a:effectRef>
+          <a:fontRef idx="minor">
+            <a:schemeClr val="tx1"/>
+          </a:fontRef>
+        </p:style>
+      </p:cxnSp>
+      <p:sp>
+        <p:nvSpPr>
+          <p:cNvPr id="34" name="TextBox 33"/>
+          <p:cNvSpPr txBox="1"/>
+          <p:nvPr/>
+        </p:nvSpPr>
+        <p:spPr>
+          <a:xfrm>
+            <a:off x="7326024" y="2306483"/>
+            <a:ext cx="911916" cy="369332"/>
+          </a:xfrm>
+          <a:prstGeom prst="rect">
+            <a:avLst/>
+          </a:prstGeom>
+          <a:noFill/>
+        </p:spPr>
+        <p:txBody>
+          <a:bodyPr wrap="none" rtlCol="0">
+            <a:spAutoFit/>
+          </a:bodyPr>
+          <a:lstStyle/>
+          <a:p>
+            <a:r>
+              <a:rPr lang="it-IT" dirty="0"/>
+              <a:t>ACTION</a:t>
+            </a:r>
+          </a:p>
+        </p:txBody>
+      </p:sp>
+      <p:cxnSp>
+        <p:nvCxnSpPr>
+          <p:cNvPr id="35" name="Straight Arrow Connector 34"/>
+          <p:cNvCxnSpPr>
+            <a:stCxn id="36" idx="1"/>
+          </p:cNvCxnSpPr>
+          <p:nvPr/>
+        </p:nvCxnSpPr>
+        <p:spPr>
+          <a:xfrm flipH="1">
+            <a:off x="5755392" y="2096513"/>
+            <a:ext cx="800608" cy="1352169"/>
+          </a:xfrm>
+          <a:prstGeom prst="straightConnector1">
+            <a:avLst/>
+          </a:prstGeom>
+          <a:ln w="57150">
+            <a:solidFill>
+              <a:srgbClr val="FF0000"/>
+            </a:solidFill>
+            <a:tailEnd type="triangle"/>
+          </a:ln>
+        </p:spPr>
+        <p:style>
+          <a:lnRef idx="3">
+            <a:schemeClr val="accent1"/>
+          </a:lnRef>
+          <a:fillRef idx="0">
+            <a:schemeClr val="accent1"/>
+          </a:fillRef>
+          <a:effectRef idx="2">
+            <a:schemeClr val="accent1"/>
+          </a:effectRef>
+          <a:fontRef idx="minor">
+            <a:schemeClr val="tx1"/>
+          </a:fontRef>
+        </p:style>
+      </p:cxnSp>
+      <p:sp>
+        <p:nvSpPr>
+          <p:cNvPr id="36" name="TextBox 35"/>
+          <p:cNvSpPr txBox="1"/>
+          <p:nvPr/>
+        </p:nvSpPr>
+        <p:spPr>
+          <a:xfrm>
+            <a:off x="6556000" y="1911847"/>
+            <a:ext cx="1378134" cy="369332"/>
+          </a:xfrm>
+          <a:prstGeom prst="rect">
+            <a:avLst/>
+          </a:prstGeom>
+          <a:noFill/>
+        </p:spPr>
+        <p:txBody>
+          <a:bodyPr wrap="none" rtlCol="0">
+            <a:spAutoFit/>
+          </a:bodyPr>
+          <a:lstStyle/>
+          <a:p>
+            <a:r>
+              <a:rPr lang="it-IT" dirty="0"/>
+              <a:t>NAVIGATION</a:t>
+            </a:r>
+          </a:p>
+        </p:txBody>
+      </p:sp>
+    </p:spTree>
+    <p:extLst>
+      <p:ext uri="{BB962C8B-B14F-4D97-AF65-F5344CB8AC3E}">
+        <p14:creationId xmlns:p14="http://schemas.microsoft.com/office/powerpoint/2010/main" val="2100777373"/>
+      </p:ext>
+    </p:extLst>
+  </p:cSld>
+  <p:clrMapOvr>
+    <a:masterClrMapping/>
+  </p:clrMapOvr>
+</p:sld>
+</file>
+
+<file path=ppt/slides/slide44.xml><?xml version="1.0" encoding="utf-8"?>
+<p:sld xmlns:a="http://schemas.openxmlformats.org/drawingml/2006/main" xmlns:r="http://schemas.openxmlformats.org/officeDocument/2006/relationships" xmlns:p="http://schemas.openxmlformats.org/presentationml/2006/main">
+  <p:cSld>
+    <p:spTree>
+      <p:nvGrpSpPr>
+        <p:cNvPr id="1" name=""/>
+        <p:cNvGrpSpPr/>
+        <p:nvPr/>
+      </p:nvGrpSpPr>
+      <p:grpSpPr>
+        <a:xfrm>
+          <a:off x="0" y="0"/>
+          <a:ext cx="0" cy="0"/>
+          <a:chOff x="0" y="0"/>
+          <a:chExt cx="0" cy="0"/>
+        </a:xfrm>
+      </p:grpSpPr>
+      <p:sp>
+        <p:nvSpPr>
+          <p:cNvPr id="2" name="Title 1"/>
+          <p:cNvSpPr>
+            <a:spLocks noGrp="1"/>
+          </p:cNvSpPr>
+          <p:nvPr>
+            <p:ph type="title"/>
+          </p:nvPr>
+        </p:nvSpPr>
+        <p:spPr/>
+        <p:txBody>
+          <a:bodyPr/>
+          <a:lstStyle/>
+          <a:p>
+            <a:r>
+              <a:rPr lang="it-IT" dirty="0"/>
+              <a:t>Example of textual notation</a:t>
+            </a:r>
+          </a:p>
+        </p:txBody>
+      </p:sp>
+      <p:sp>
+        <p:nvSpPr>
+          <p:cNvPr id="5" name="Content Placeholder 4"/>
+          <p:cNvSpPr>
+            <a:spLocks noGrp="1"/>
+          </p:cNvSpPr>
+          <p:nvPr>
+            <p:ph idx="1"/>
+          </p:nvPr>
+        </p:nvSpPr>
+        <p:spPr>
+          <a:xfrm>
+            <a:off x="211756" y="1386038"/>
+            <a:ext cx="8855242" cy="5236143"/>
+          </a:xfrm>
+        </p:spPr>
+        <p:txBody>
+          <a:bodyPr>
+            <a:normAutofit fontScale="70000" lnSpcReduction="20000"/>
+          </a:bodyPr>
+          <a:lstStyle/>
+          <a:p>
+            <a:r>
+              <a:rPr lang="en-GB" dirty="0"/>
+              <a:t>A Web application allows the management of travel expenses. After </a:t>
+            </a:r>
+            <a:r>
+              <a:rPr lang="en-GB" dirty="0">
+                <a:solidFill>
+                  <a:srgbClr val="C00000"/>
+                </a:solidFill>
+              </a:rPr>
+              <a:t>logging in</a:t>
+            </a:r>
+            <a:r>
+              <a:rPr lang="en-GB" dirty="0"/>
+              <a:t>, the user </a:t>
+            </a:r>
+            <a:r>
+              <a:rPr lang="en-GB" dirty="0">
+                <a:solidFill>
+                  <a:srgbClr val="0070C0"/>
+                </a:solidFill>
+              </a:rPr>
+              <a:t>accesses</a:t>
+            </a:r>
+            <a:r>
+              <a:rPr lang="en-GB" dirty="0"/>
+              <a:t> a </a:t>
+            </a:r>
+            <a:r>
+              <a:rPr lang="en-GB" dirty="0">
+                <a:solidFill>
+                  <a:srgbClr val="FF0000"/>
+                </a:solidFill>
+              </a:rPr>
+              <a:t>HOME</a:t>
+            </a:r>
+            <a:r>
+              <a:rPr lang="en-GB" dirty="0"/>
+              <a:t> </a:t>
+            </a:r>
+            <a:r>
+              <a:rPr lang="en-GB" dirty="0">
+                <a:solidFill>
+                  <a:srgbClr val="FF0000"/>
+                </a:solidFill>
+              </a:rPr>
+              <a:t>page</a:t>
+            </a:r>
+            <a:r>
+              <a:rPr lang="en-GB" dirty="0"/>
+              <a:t> where there is a </a:t>
+            </a:r>
+            <a:r>
+              <a:rPr lang="en-GB" dirty="0">
+                <a:solidFill>
+                  <a:srgbClr val="00B050"/>
+                </a:solidFill>
+              </a:rPr>
+              <a:t>list of travel missions</a:t>
+            </a:r>
+            <a:r>
+              <a:rPr lang="en-GB" dirty="0"/>
+              <a:t>; a mission belongs to a user and has a date, a place, a description, a number of days of duration, and a status ("open", "finalized", "closed"). The list shows the date and place of the missions, which are sorted by date in descending order. On the HOME page there is a </a:t>
+            </a:r>
+            <a:r>
+              <a:rPr lang="en-GB" dirty="0">
+                <a:solidFill>
+                  <a:srgbClr val="00B050"/>
+                </a:solidFill>
+              </a:rPr>
+              <a:t>form</a:t>
+            </a:r>
+            <a:r>
+              <a:rPr lang="en-GB" dirty="0"/>
+              <a:t>, with which the user can </a:t>
+            </a:r>
+            <a:r>
+              <a:rPr lang="en-GB" dirty="0">
+                <a:solidFill>
+                  <a:srgbClr val="C00000"/>
+                </a:solidFill>
+              </a:rPr>
+              <a:t>create a new mission</a:t>
+            </a:r>
+            <a:r>
+              <a:rPr lang="en-GB" dirty="0"/>
+              <a:t>, by entering all the data, which are mandatory. A new mission is always in the "open" state. After creating a mission, one is returned to the HOME page. When the user </a:t>
+            </a:r>
+            <a:r>
+              <a:rPr lang="en-GB" dirty="0">
+                <a:solidFill>
+                  <a:srgbClr val="0070C0"/>
+                </a:solidFill>
+              </a:rPr>
+              <a:t>selects a mission </a:t>
+            </a:r>
+            <a:r>
+              <a:rPr lang="en-GB" dirty="0"/>
+              <a:t>in the list, a </a:t>
+            </a:r>
+            <a:r>
+              <a:rPr lang="en-GB" dirty="0">
+                <a:solidFill>
+                  <a:srgbClr val="FF0000"/>
+                </a:solidFill>
+              </a:rPr>
+              <a:t>DETAIL_MISSION page </a:t>
+            </a:r>
+            <a:r>
+              <a:rPr lang="en-GB" dirty="0"/>
+              <a:t>appears, showing </a:t>
+            </a:r>
+            <a:r>
+              <a:rPr lang="en-GB" dirty="0">
+                <a:solidFill>
+                  <a:srgbClr val="00B050"/>
+                </a:solidFill>
+              </a:rPr>
+              <a:t>all the mission data</a:t>
+            </a:r>
+            <a:r>
+              <a:rPr lang="en-GB" dirty="0"/>
+              <a:t>. If the mission is in the "open" state, a </a:t>
+            </a:r>
+            <a:r>
+              <a:rPr lang="en-GB" dirty="0">
+                <a:solidFill>
+                  <a:srgbClr val="00B050"/>
+                </a:solidFill>
+              </a:rPr>
+              <a:t>form</a:t>
+            </a:r>
+            <a:r>
+              <a:rPr lang="en-GB" dirty="0"/>
+              <a:t> appears for entering the expenses incurred during the mission; the form contains three fields: food costs, accommodation costs, transport costs. </a:t>
+            </a:r>
+            <a:r>
+              <a:rPr lang="en-GB" dirty="0">
+                <a:solidFill>
+                  <a:srgbClr val="0070C0"/>
+                </a:solidFill>
+              </a:rPr>
+              <a:t>Sending the form data </a:t>
+            </a:r>
+            <a:r>
+              <a:rPr lang="en-GB" dirty="0"/>
+              <a:t>causes the </a:t>
+            </a:r>
+            <a:r>
+              <a:rPr lang="en-GB" dirty="0">
+                <a:solidFill>
+                  <a:srgbClr val="C00000"/>
+                </a:solidFill>
+              </a:rPr>
+              <a:t>mission status to change </a:t>
+            </a:r>
+            <a:r>
+              <a:rPr lang="en-GB" dirty="0"/>
+              <a:t>from "open " to  “finalized ",  and the return to the DETAIL_MISSION page. If the mission is in the "finalized“ status, a </a:t>
+            </a:r>
+            <a:r>
+              <a:rPr lang="en-GB" dirty="0">
+                <a:solidFill>
+                  <a:srgbClr val="00B050"/>
+                </a:solidFill>
+              </a:rPr>
+              <a:t>"close“ button </a:t>
+            </a:r>
+            <a:r>
+              <a:rPr lang="en-GB" dirty="0"/>
+              <a:t>appears which the user </a:t>
+            </a:r>
+            <a:r>
+              <a:rPr lang="en-GB" dirty="0">
+                <a:solidFill>
+                  <a:srgbClr val="0070C0"/>
+                </a:solidFill>
+              </a:rPr>
+              <a:t>can click </a:t>
+            </a:r>
+            <a:r>
+              <a:rPr lang="en-GB" dirty="0"/>
+              <a:t>to report that he has received the reimbursement of expenses; this causes the </a:t>
+            </a:r>
+            <a:r>
+              <a:rPr lang="en-GB" dirty="0">
+                <a:solidFill>
+                  <a:srgbClr val="C00000"/>
+                </a:solidFill>
+              </a:rPr>
+              <a:t>mission status to change </a:t>
+            </a:r>
+            <a:r>
+              <a:rPr lang="en-GB" dirty="0"/>
+              <a:t>from "finalized" to "closed" and the return to the DETAIL_MISSION page. If the mission is in the "closed" status, the DETAIL_MISSION page shows mission data also the value of the three types of expenditure. </a:t>
+            </a:r>
+          </a:p>
+          <a:p>
+            <a:r>
+              <a:rPr lang="en-GB" dirty="0">
+                <a:solidFill>
+                  <a:srgbClr val="FF0000"/>
+                </a:solidFill>
+              </a:rPr>
+              <a:t>Pages (views)</a:t>
+            </a:r>
+            <a:r>
+              <a:rPr lang="en-GB" dirty="0"/>
+              <a:t>, </a:t>
+            </a:r>
+            <a:r>
+              <a:rPr lang="en-GB" dirty="0">
+                <a:solidFill>
+                  <a:srgbClr val="00B050"/>
+                </a:solidFill>
+              </a:rPr>
+              <a:t>view components</a:t>
+            </a:r>
+            <a:r>
+              <a:rPr lang="en-GB" dirty="0"/>
+              <a:t>, </a:t>
+            </a:r>
+            <a:r>
+              <a:rPr lang="en-GB" dirty="0">
+                <a:solidFill>
+                  <a:srgbClr val="0070C0"/>
+                </a:solidFill>
+              </a:rPr>
+              <a:t>events</a:t>
+            </a:r>
+            <a:r>
+              <a:rPr lang="en-GB" dirty="0"/>
+              <a:t>, </a:t>
+            </a:r>
+            <a:r>
+              <a:rPr lang="en-GB" dirty="0">
+                <a:solidFill>
+                  <a:srgbClr val="C00000"/>
+                </a:solidFill>
+              </a:rPr>
+              <a:t>actions</a:t>
+            </a:r>
+            <a:endParaRPr lang="it-IT" dirty="0">
+              <a:solidFill>
+                <a:srgbClr val="C00000"/>
+              </a:solidFill>
+            </a:endParaRPr>
+          </a:p>
+        </p:txBody>
+      </p:sp>
+    </p:spTree>
+    <p:extLst>
+      <p:ext uri="{BB962C8B-B14F-4D97-AF65-F5344CB8AC3E}">
+        <p14:creationId xmlns:p14="http://schemas.microsoft.com/office/powerpoint/2010/main" val="302696994"/>
+      </p:ext>
+    </p:extLst>
+  </p:cSld>
+  <p:clrMapOvr>
+    <a:masterClrMapping/>
+  </p:clrMapOvr>
+</p:sld>
+</file>
+
+<file path=ppt/slides/slide45.xml><?xml version="1.0" encoding="utf-8"?>
+<p:sld xmlns:a="http://schemas.openxmlformats.org/drawingml/2006/main" xmlns:r="http://schemas.openxmlformats.org/officeDocument/2006/relationships" xmlns:p="http://schemas.openxmlformats.org/presentationml/2006/main">
+  <p:cSld>
+    <p:spTree>
+      <p:nvGrpSpPr>
+        <p:cNvPr id="1" name=""/>
+        <p:cNvGrpSpPr/>
+        <p:nvPr/>
+      </p:nvGrpSpPr>
+      <p:grpSpPr>
+        <a:xfrm>
+          <a:off x="0" y="0"/>
+          <a:ext cx="0" cy="0"/>
+          <a:chOff x="0" y="0"/>
+          <a:chExt cx="0" cy="0"/>
+        </a:xfrm>
+      </p:grpSpPr>
+      <p:sp>
+        <p:nvSpPr>
+          <p:cNvPr id="2" name="Title 1"/>
+          <p:cNvSpPr>
+            <a:spLocks noGrp="1"/>
+          </p:cNvSpPr>
+          <p:nvPr>
+            <p:ph type="title"/>
+          </p:nvPr>
+        </p:nvSpPr>
+        <p:spPr/>
+        <p:txBody>
+          <a:bodyPr/>
+          <a:lstStyle/>
+          <a:p>
+            <a:r>
+              <a:rPr lang="en-GB" dirty="0"/>
+              <a:t>Components</a:t>
+            </a:r>
+          </a:p>
+        </p:txBody>
+      </p:sp>
+      <p:sp>
+        <p:nvSpPr>
+          <p:cNvPr id="4" name="Content Placeholder 3"/>
+          <p:cNvSpPr>
+            <a:spLocks noGrp="1"/>
+          </p:cNvSpPr>
+          <p:nvPr>
+            <p:ph sz="half" idx="1"/>
+          </p:nvPr>
+        </p:nvSpPr>
+        <p:spPr/>
+        <p:txBody>
+          <a:bodyPr>
+            <a:normAutofit lnSpcReduction="10000"/>
+          </a:bodyPr>
+          <a:lstStyle/>
+          <a:p>
+            <a:r>
+              <a:rPr lang="en-GB" dirty="0"/>
+              <a:t>Client components</a:t>
+            </a:r>
+          </a:p>
+          <a:p>
+            <a:pPr lvl="1"/>
+            <a:r>
+              <a:rPr lang="en-GB" sz="2000" dirty="0"/>
+              <a:t>Servlets</a:t>
+            </a:r>
+          </a:p>
+          <a:p>
+            <a:pPr lvl="1"/>
+            <a:r>
+              <a:rPr lang="en-GB" sz="2000" dirty="0"/>
+              <a:t>Views</a:t>
+            </a:r>
+          </a:p>
+          <a:p>
+            <a:pPr lvl="1"/>
+            <a:r>
+              <a:rPr lang="en-GB" sz="2000" dirty="0"/>
+              <a:t>Java Beans</a:t>
+            </a:r>
+          </a:p>
+          <a:p>
+            <a:pPr marL="457200" lvl="1" indent="0">
+              <a:buNone/>
+            </a:pPr>
+            <a:endParaRPr lang="en-GB" sz="2000" dirty="0"/>
+          </a:p>
+          <a:p>
+            <a:pPr marL="457200" lvl="1" indent="0">
+              <a:buNone/>
+            </a:pPr>
+            <a:endParaRPr lang="en-GB" sz="2000" dirty="0"/>
+          </a:p>
+        </p:txBody>
+      </p:sp>
+      <p:sp>
+        <p:nvSpPr>
+          <p:cNvPr id="5" name="Content Placeholder 4"/>
+          <p:cNvSpPr>
+            <a:spLocks noGrp="1"/>
+          </p:cNvSpPr>
+          <p:nvPr>
+            <p:ph sz="half" idx="2"/>
+          </p:nvPr>
+        </p:nvSpPr>
+        <p:spPr>
+          <a:xfrm>
+            <a:off x="4629149" y="1825625"/>
+            <a:ext cx="4418597" cy="4351338"/>
+          </a:xfrm>
+        </p:spPr>
+        <p:txBody>
+          <a:bodyPr>
+            <a:normAutofit lnSpcReduction="10000"/>
+          </a:bodyPr>
+          <a:lstStyle/>
+          <a:p>
+            <a:r>
+              <a:rPr lang="en-GB" dirty="0"/>
+              <a:t>Back end components</a:t>
+            </a:r>
+          </a:p>
+          <a:p>
+            <a:pPr lvl="1"/>
+            <a:r>
+              <a:rPr lang="en-GB" dirty="0"/>
+              <a:t>Entities</a:t>
+            </a:r>
+          </a:p>
+          <a:p>
+            <a:pPr lvl="2"/>
+            <a:r>
+              <a:rPr lang="en-GB" dirty="0"/>
+              <a:t>Entity1</a:t>
+            </a:r>
+          </a:p>
+          <a:p>
+            <a:pPr lvl="2"/>
+            <a:r>
+              <a:rPr lang="en-GB" dirty="0"/>
+              <a:t>Entity2</a:t>
+            </a:r>
+          </a:p>
+          <a:p>
+            <a:pPr lvl="1"/>
+            <a:r>
+              <a:rPr lang="en-GB"/>
+              <a:t>Business Components (EJBs)</a:t>
+            </a:r>
+            <a:endParaRPr lang="en-GB" dirty="0"/>
+          </a:p>
+          <a:p>
+            <a:pPr lvl="2"/>
+            <a:r>
+              <a:rPr lang="en-GB" dirty="0"/>
+              <a:t>BC1 </a:t>
+            </a:r>
+          </a:p>
+          <a:p>
+            <a:pPr lvl="3"/>
+            <a:r>
+              <a:rPr lang="en-GB" dirty="0"/>
+              <a:t>(stateless or stateful)</a:t>
+            </a:r>
+          </a:p>
+          <a:p>
+            <a:pPr lvl="3"/>
+            <a:r>
+              <a:rPr lang="en-GB" dirty="0"/>
+              <a:t>Method BC11( </a:t>
+            </a:r>
+            <a:r>
+              <a:rPr lang="en-GB" dirty="0" err="1"/>
+              <a:t>params</a:t>
+            </a:r>
+            <a:r>
+              <a:rPr lang="en-GB" dirty="0"/>
+              <a:t>)</a:t>
+            </a:r>
+          </a:p>
+          <a:p>
+            <a:pPr lvl="3"/>
+            <a:r>
+              <a:rPr lang="en-GB" dirty="0"/>
+              <a:t>Method BC11( </a:t>
+            </a:r>
+            <a:r>
+              <a:rPr lang="en-GB" dirty="0" err="1"/>
+              <a:t>params</a:t>
+            </a:r>
+            <a:r>
+              <a:rPr lang="en-GB" dirty="0"/>
+              <a:t>)</a:t>
+            </a:r>
+          </a:p>
+          <a:p>
+            <a:pPr lvl="2"/>
+            <a:r>
+              <a:rPr lang="en-GB" dirty="0"/>
+              <a:t>BC2</a:t>
+            </a:r>
+          </a:p>
+          <a:p>
+            <a:pPr lvl="3"/>
+            <a:r>
+              <a:rPr lang="en-GB" dirty="0"/>
+              <a:t>(stateless or stateful)</a:t>
+            </a:r>
+          </a:p>
+          <a:p>
+            <a:pPr lvl="3"/>
+            <a:r>
+              <a:rPr lang="en-GB" dirty="0"/>
+              <a:t>Method BC21( </a:t>
+            </a:r>
+            <a:r>
+              <a:rPr lang="en-GB" dirty="0" err="1"/>
+              <a:t>params</a:t>
+            </a:r>
+            <a:r>
+              <a:rPr lang="en-GB" dirty="0"/>
+              <a:t>)</a:t>
+            </a:r>
+          </a:p>
+          <a:p>
+            <a:pPr lvl="3"/>
+            <a:r>
+              <a:rPr lang="en-GB" dirty="0"/>
+              <a:t>Method BC22( </a:t>
+            </a:r>
+            <a:r>
+              <a:rPr lang="en-GB" dirty="0" err="1"/>
+              <a:t>params</a:t>
+            </a:r>
+            <a:r>
+              <a:rPr lang="en-GB" dirty="0"/>
+              <a:t>)</a:t>
+            </a:r>
+          </a:p>
+          <a:p>
+            <a:pPr lvl="2"/>
+            <a:endParaRPr lang="en-GB" dirty="0"/>
+          </a:p>
+          <a:p>
+            <a:pPr lvl="1"/>
+            <a:endParaRPr lang="en-GB" dirty="0"/>
+          </a:p>
+        </p:txBody>
+      </p:sp>
+    </p:spTree>
+    <p:extLst>
+      <p:ext uri="{BB962C8B-B14F-4D97-AF65-F5344CB8AC3E}">
+        <p14:creationId xmlns:p14="http://schemas.microsoft.com/office/powerpoint/2010/main" val="1681549262"/>
+      </p:ext>
+    </p:extLst>
+  </p:cSld>
+  <p:clrMapOvr>
+    <a:masterClrMapping/>
+  </p:clrMapOvr>
+</p:sld>
+</file>
+
+<file path=ppt/slides/slide46.xml><?xml version="1.0" encoding="utf-8"?>
+<p:sld xmlns:a="http://schemas.openxmlformats.org/drawingml/2006/main" xmlns:r="http://schemas.openxmlformats.org/officeDocument/2006/relationships" xmlns:p="http://schemas.openxmlformats.org/presentationml/2006/main">
+  <p:cSld>
+    <p:spTree>
+      <p:nvGrpSpPr>
+        <p:cNvPr id="1" name=""/>
+        <p:cNvGrpSpPr/>
+        <p:nvPr/>
+      </p:nvGrpSpPr>
+      <p:grpSpPr>
+        <a:xfrm>
+          <a:off x="0" y="0"/>
+          <a:ext cx="0" cy="0"/>
+          <a:chOff x="0" y="0"/>
+          <a:chExt cx="0" cy="0"/>
+        </a:xfrm>
+      </p:grpSpPr>
+      <p:sp>
+        <p:nvSpPr>
+          <p:cNvPr id="2" name="Title 1"/>
+          <p:cNvSpPr>
+            <a:spLocks noGrp="1"/>
+          </p:cNvSpPr>
+          <p:nvPr>
+            <p:ph type="title"/>
+          </p:nvPr>
+        </p:nvSpPr>
+        <p:spPr/>
+        <p:txBody>
+          <a:bodyPr/>
+          <a:lstStyle/>
+          <a:p>
+            <a:r>
+              <a:rPr lang="it-IT" dirty="0"/>
               <a:t>Motivations of the components design</a:t>
             </a:r>
             <a:r>
@@ -17418,7 +19996,7 @@
 </p:sld>
 </file>
 
-<file path=ppt/slides/slide44.xml><?xml version="1.0" encoding="utf-8"?>
+<file path=ppt/slides/slide47.xml><?xml version="1.0" encoding="utf-8"?>
 <p:sld xmlns:a="http://schemas.openxmlformats.org/drawingml/2006/main" xmlns:r="http://schemas.openxmlformats.org/officeDocument/2006/relationships" xmlns:p="http://schemas.openxmlformats.org/presentationml/2006/main">
   <p:cSld>
     <p:spTree>

--- a/docs/documentation.pptx
+++ b/docs/documentation.pptx
@@ -19745,6 +19745,149 @@
           </a:p>
         </p:txBody>
       </p:sp>
+      <p:sp>
+        <p:nvSpPr>
+          <p:cNvPr id="23" name="TextBox 22">
+            <a:extLst>
+              <a:ext uri="{FF2B5EF4-FFF2-40B4-BE49-F238E27FC236}">
+                <a16:creationId xmlns:a16="http://schemas.microsoft.com/office/drawing/2014/main" id="{1AA07315-C22B-4C7D-B521-F5BDCEB8F7E4}"/>
+              </a:ext>
+            </a:extLst>
+          </p:cNvPr>
+          <p:cNvSpPr txBox="1"/>
+          <p:nvPr/>
+        </p:nvSpPr>
+        <p:spPr>
+          <a:xfrm>
+            <a:off x="274881" y="5717803"/>
+            <a:ext cx="7483494" cy="923330"/>
+          </a:xfrm>
+          <a:prstGeom prst="rect">
+            <a:avLst/>
+          </a:prstGeom>
+          <a:noFill/>
+        </p:spPr>
+        <p:txBody>
+          <a:bodyPr wrap="square" rtlCol="0">
+            <a:spAutoFit/>
+          </a:bodyPr>
+          <a:lstStyle/>
+          <a:p>
+            <a:r>
+              <a:rPr lang="it-IT" dirty="0" err="1"/>
+              <a:t>Both</a:t>
+            </a:r>
+            <a:r>
+              <a:rPr lang="it-IT" dirty="0"/>
+              <a:t> </a:t>
+            </a:r>
+            <a:r>
+              <a:rPr lang="it-IT" dirty="0" err="1"/>
+              <a:t>these</a:t>
+            </a:r>
+            <a:r>
+              <a:rPr lang="it-IT" dirty="0"/>
+              <a:t> </a:t>
+            </a:r>
+            <a:r>
+              <a:rPr lang="it-IT" dirty="0" err="1"/>
+              <a:t>relationships</a:t>
+            </a:r>
+            <a:r>
+              <a:rPr lang="it-IT" dirty="0"/>
+              <a:t> are </a:t>
+            </a:r>
+            <a:r>
+              <a:rPr lang="it-IT" dirty="0" err="1"/>
+              <a:t>actually</a:t>
+            </a:r>
+            <a:r>
+              <a:rPr lang="it-IT" dirty="0"/>
+              <a:t> </a:t>
+            </a:r>
+            <a:r>
+              <a:rPr lang="it-IT" dirty="0" err="1"/>
+              <a:t>unused</a:t>
+            </a:r>
+            <a:r>
+              <a:rPr lang="it-IT" dirty="0"/>
+              <a:t> in the </a:t>
+            </a:r>
+            <a:r>
+              <a:rPr lang="it-IT" dirty="0" err="1"/>
+              <a:t>application</a:t>
+            </a:r>
+            <a:r>
+              <a:rPr lang="it-IT" dirty="0"/>
+              <a:t> since a Service Activation Schedule </a:t>
+            </a:r>
+            <a:r>
+              <a:rPr lang="it-IT" dirty="0" err="1"/>
+              <a:t>is</a:t>
+            </a:r>
+            <a:r>
+              <a:rPr lang="it-IT" dirty="0"/>
+              <a:t> only </a:t>
+            </a:r>
+            <a:r>
+              <a:rPr lang="it-IT" dirty="0" err="1"/>
+              <a:t>created</a:t>
+            </a:r>
+            <a:r>
+              <a:rPr lang="it-IT" dirty="0"/>
+              <a:t> and </a:t>
+            </a:r>
+            <a:r>
+              <a:rPr lang="it-IT" dirty="0" err="1"/>
+              <a:t>never</a:t>
+            </a:r>
+            <a:r>
+              <a:rPr lang="it-IT" dirty="0"/>
+              <a:t> </a:t>
+            </a:r>
+            <a:r>
+              <a:rPr lang="it-IT" dirty="0" err="1"/>
+              <a:t>queried</a:t>
+            </a:r>
+            <a:r>
+              <a:rPr lang="it-IT" dirty="0"/>
+              <a:t>. </a:t>
+            </a:r>
+            <a:r>
+              <a:rPr lang="it-IT" dirty="0" err="1"/>
+              <a:t>Anyway</a:t>
+            </a:r>
+            <a:r>
+              <a:rPr lang="it-IT" dirty="0"/>
+              <a:t> we put them in </a:t>
+            </a:r>
+            <a:r>
+              <a:rPr lang="it-IT" dirty="0" err="1"/>
+              <a:t>our</a:t>
+            </a:r>
+            <a:r>
+              <a:rPr lang="it-IT" dirty="0"/>
+              <a:t> ORM schema for </a:t>
+            </a:r>
+            <a:r>
+              <a:rPr lang="it-IT" dirty="0" err="1"/>
+              <a:t>coherence</a:t>
+            </a:r>
+            <a:r>
+              <a:rPr lang="it-IT" dirty="0"/>
+              <a:t> and </a:t>
+            </a:r>
+            <a:r>
+              <a:rPr lang="it-IT" dirty="0" err="1"/>
+              <a:t>clarity</a:t>
+            </a:r>
+            <a:r>
+              <a:rPr lang="it-IT" dirty="0"/>
+              <a:t>.</a:t>
+            </a:r>
+          </a:p>
+        </p:txBody>
+      </p:sp>
     </p:spTree>
     <p:extLst>
       <p:ext uri="{BB962C8B-B14F-4D97-AF65-F5344CB8AC3E}">
@@ -20725,6 +20868,149 @@
                 <a:cs typeface="+mn-cs"/>
               </a:rPr>
               <a:t>Service Activation Schedule</a:t>
+            </a:r>
+          </a:p>
+        </p:txBody>
+      </p:sp>
+      <p:sp>
+        <p:nvSpPr>
+          <p:cNvPr id="23" name="TextBox 22">
+            <a:extLst>
+              <a:ext uri="{FF2B5EF4-FFF2-40B4-BE49-F238E27FC236}">
+                <a16:creationId xmlns:a16="http://schemas.microsoft.com/office/drawing/2014/main" id="{B625CF48-1875-4C9D-B29D-6FB6C2BD91E1}"/>
+              </a:ext>
+            </a:extLst>
+          </p:cNvPr>
+          <p:cNvSpPr txBox="1"/>
+          <p:nvPr/>
+        </p:nvSpPr>
+        <p:spPr>
+          <a:xfrm>
+            <a:off x="274881" y="5717803"/>
+            <a:ext cx="7483494" cy="923330"/>
+          </a:xfrm>
+          <a:prstGeom prst="rect">
+            <a:avLst/>
+          </a:prstGeom>
+          <a:noFill/>
+        </p:spPr>
+        <p:txBody>
+          <a:bodyPr wrap="square" rtlCol="0">
+            <a:spAutoFit/>
+          </a:bodyPr>
+          <a:lstStyle/>
+          <a:p>
+            <a:r>
+              <a:rPr lang="it-IT" dirty="0" err="1"/>
+              <a:t>Both</a:t>
+            </a:r>
+            <a:r>
+              <a:rPr lang="it-IT" dirty="0"/>
+              <a:t> </a:t>
+            </a:r>
+            <a:r>
+              <a:rPr lang="it-IT" dirty="0" err="1"/>
+              <a:t>these</a:t>
+            </a:r>
+            <a:r>
+              <a:rPr lang="it-IT" dirty="0"/>
+              <a:t> </a:t>
+            </a:r>
+            <a:r>
+              <a:rPr lang="it-IT" dirty="0" err="1"/>
+              <a:t>relationships</a:t>
+            </a:r>
+            <a:r>
+              <a:rPr lang="it-IT" dirty="0"/>
+              <a:t> are </a:t>
+            </a:r>
+            <a:r>
+              <a:rPr lang="it-IT" dirty="0" err="1"/>
+              <a:t>actually</a:t>
+            </a:r>
+            <a:r>
+              <a:rPr lang="it-IT" dirty="0"/>
+              <a:t> </a:t>
+            </a:r>
+            <a:r>
+              <a:rPr lang="it-IT" dirty="0" err="1"/>
+              <a:t>unused</a:t>
+            </a:r>
+            <a:r>
+              <a:rPr lang="it-IT" dirty="0"/>
+              <a:t> in the </a:t>
+            </a:r>
+            <a:r>
+              <a:rPr lang="it-IT" dirty="0" err="1"/>
+              <a:t>application</a:t>
+            </a:r>
+            <a:r>
+              <a:rPr lang="it-IT" dirty="0"/>
+              <a:t> since a Service Activation Schedule </a:t>
+            </a:r>
+            <a:r>
+              <a:rPr lang="it-IT" dirty="0" err="1"/>
+              <a:t>is</a:t>
+            </a:r>
+            <a:r>
+              <a:rPr lang="it-IT" dirty="0"/>
+              <a:t> only </a:t>
+            </a:r>
+            <a:r>
+              <a:rPr lang="it-IT" dirty="0" err="1"/>
+              <a:t>created</a:t>
+            </a:r>
+            <a:r>
+              <a:rPr lang="it-IT" dirty="0"/>
+              <a:t> and </a:t>
+            </a:r>
+            <a:r>
+              <a:rPr lang="it-IT" dirty="0" err="1"/>
+              <a:t>never</a:t>
+            </a:r>
+            <a:r>
+              <a:rPr lang="it-IT" dirty="0"/>
+              <a:t> </a:t>
+            </a:r>
+            <a:r>
+              <a:rPr lang="it-IT" dirty="0" err="1"/>
+              <a:t>queried</a:t>
+            </a:r>
+            <a:r>
+              <a:rPr lang="it-IT" dirty="0"/>
+              <a:t>. </a:t>
+            </a:r>
+            <a:r>
+              <a:rPr lang="it-IT" dirty="0" err="1"/>
+              <a:t>Anyway</a:t>
+            </a:r>
+            <a:r>
+              <a:rPr lang="it-IT" dirty="0"/>
+              <a:t> we put them in </a:t>
+            </a:r>
+            <a:r>
+              <a:rPr lang="it-IT" dirty="0" err="1"/>
+              <a:t>our</a:t>
+            </a:r>
+            <a:r>
+              <a:rPr lang="it-IT" dirty="0"/>
+              <a:t> ORM schema for </a:t>
+            </a:r>
+            <a:r>
+              <a:rPr lang="it-IT" dirty="0" err="1"/>
+              <a:t>coherence</a:t>
+            </a:r>
+            <a:r>
+              <a:rPr lang="it-IT" dirty="0"/>
+              <a:t> and </a:t>
+            </a:r>
+            <a:r>
+              <a:rPr lang="it-IT" dirty="0" err="1"/>
+              <a:t>clarity</a:t>
+            </a:r>
+            <a:r>
+              <a:rPr lang="it-IT" dirty="0"/>
+              <a:t>.</a:t>
             </a:r>
           </a:p>
         </p:txBody>

--- a/docs/documentation.pptx
+++ b/docs/documentation.pptx
@@ -13018,7 +13018,7 @@
         </p:spPr>
         <p:txBody>
           <a:bodyPr>
-            <a:normAutofit fontScale="85000" lnSpcReduction="20000"/>
+            <a:normAutofit fontScale="77500" lnSpcReduction="20000"/>
           </a:bodyPr>
           <a:lstStyle/>
           <a:p>
@@ -13049,8 +13049,13 @@
             </a:r>
             <a:r>
               <a:rPr lang="en-GB" dirty="0"/>
-              <a:t>is necessary to retrieve the list of orders associated to a customer</a:t>
-            </a:r>
+              <a:t>can be omitted because it isn’t necessary to retrieve all the orders associated to </a:t>
+            </a:r>
+            <a:r>
+              <a:rPr lang="en-GB"/>
+              <a:t>a customer</a:t>
+            </a:r>
+            <a:endParaRPr lang="en-GB" dirty="0"/>
           </a:p>
           <a:p>
             <a:pPr lvl="1"/>

--- a/docs/documentation.pptx
+++ b/docs/documentation.pptx
@@ -258,7 +258,7 @@
           <a:p>
             <a:fld id="{ED92C02F-46E9-4319-AE92-CFF24FDD2824}" type="datetimeFigureOut">
               <a:rPr lang="en-GB" smtClean="0"/>
-              <a:t>13/01/2022</a:t>
+              <a:t>15/01/2022</a:t>
             </a:fld>
             <a:endParaRPr lang="en-GB" dirty="0"/>
           </a:p>
@@ -417,7 +417,7 @@
           <a:p>
             <a:fld id="{BC687BD1-250A-4D3C-93F8-CE8E4620A598}" type="slidenum">
               <a:rPr lang="en-GB" smtClean="0"/>
-              <a:t>‹#›</a:t>
+              <a:t>‹N›</a:t>
             </a:fld>
             <a:endParaRPr lang="en-GB" dirty="0"/>
           </a:p>
@@ -825,7 +825,7 @@
           <a:p>
             <a:fld id="{4CAA9714-E498-4BB1-946F-9B4AA3A4C648}" type="datetimeFigureOut">
               <a:rPr lang="en-GB" smtClean="0"/>
-              <a:t>13/01/2022</a:t>
+              <a:t>15/01/2022</a:t>
             </a:fld>
             <a:endParaRPr lang="en-GB" dirty="0"/>
           </a:p>
@@ -867,7 +867,7 @@
           <a:p>
             <a:fld id="{2D2B23BE-89C9-4E17-8330-1D0EE89529DF}" type="slidenum">
               <a:rPr lang="en-GB" smtClean="0"/>
-              <a:t>‹#›</a:t>
+              <a:t>‹N›</a:t>
             </a:fld>
             <a:endParaRPr lang="en-GB" dirty="0"/>
           </a:p>
@@ -995,7 +995,7 @@
           <a:p>
             <a:fld id="{4CAA9714-E498-4BB1-946F-9B4AA3A4C648}" type="datetimeFigureOut">
               <a:rPr lang="en-GB" smtClean="0"/>
-              <a:t>13/01/2022</a:t>
+              <a:t>15/01/2022</a:t>
             </a:fld>
             <a:endParaRPr lang="en-GB" dirty="0"/>
           </a:p>
@@ -1037,7 +1037,7 @@
           <a:p>
             <a:fld id="{2D2B23BE-89C9-4E17-8330-1D0EE89529DF}" type="slidenum">
               <a:rPr lang="en-GB" smtClean="0"/>
-              <a:t>‹#›</a:t>
+              <a:t>‹N›</a:t>
             </a:fld>
             <a:endParaRPr lang="en-GB" dirty="0"/>
           </a:p>
@@ -1175,7 +1175,7 @@
           <a:p>
             <a:fld id="{4CAA9714-E498-4BB1-946F-9B4AA3A4C648}" type="datetimeFigureOut">
               <a:rPr lang="en-GB" smtClean="0"/>
-              <a:t>13/01/2022</a:t>
+              <a:t>15/01/2022</a:t>
             </a:fld>
             <a:endParaRPr lang="en-GB" dirty="0"/>
           </a:p>
@@ -1217,7 +1217,7 @@
           <a:p>
             <a:fld id="{2D2B23BE-89C9-4E17-8330-1D0EE89529DF}" type="slidenum">
               <a:rPr lang="en-GB" smtClean="0"/>
-              <a:t>‹#›</a:t>
+              <a:t>‹N›</a:t>
             </a:fld>
             <a:endParaRPr lang="en-GB" dirty="0"/>
           </a:p>
@@ -1345,7 +1345,7 @@
           <a:p>
             <a:fld id="{4CAA9714-E498-4BB1-946F-9B4AA3A4C648}" type="datetimeFigureOut">
               <a:rPr lang="en-GB" smtClean="0"/>
-              <a:t>13/01/2022</a:t>
+              <a:t>15/01/2022</a:t>
             </a:fld>
             <a:endParaRPr lang="en-GB" dirty="0"/>
           </a:p>
@@ -1387,7 +1387,7 @@
           <a:p>
             <a:fld id="{2D2B23BE-89C9-4E17-8330-1D0EE89529DF}" type="slidenum">
               <a:rPr lang="en-GB" smtClean="0"/>
-              <a:t>‹#›</a:t>
+              <a:t>‹N›</a:t>
             </a:fld>
             <a:endParaRPr lang="en-GB" dirty="0"/>
           </a:p>
@@ -1589,7 +1589,7 @@
           <a:p>
             <a:fld id="{4CAA9714-E498-4BB1-946F-9B4AA3A4C648}" type="datetimeFigureOut">
               <a:rPr lang="en-GB" smtClean="0"/>
-              <a:t>13/01/2022</a:t>
+              <a:t>15/01/2022</a:t>
             </a:fld>
             <a:endParaRPr lang="en-GB" dirty="0"/>
           </a:p>
@@ -1631,7 +1631,7 @@
           <a:p>
             <a:fld id="{2D2B23BE-89C9-4E17-8330-1D0EE89529DF}" type="slidenum">
               <a:rPr lang="en-GB" smtClean="0"/>
-              <a:t>‹#›</a:t>
+              <a:t>‹N›</a:t>
             </a:fld>
             <a:endParaRPr lang="en-GB" dirty="0"/>
           </a:p>
@@ -1821,7 +1821,7 @@
           <a:p>
             <a:fld id="{4CAA9714-E498-4BB1-946F-9B4AA3A4C648}" type="datetimeFigureOut">
               <a:rPr lang="en-GB" smtClean="0"/>
-              <a:t>13/01/2022</a:t>
+              <a:t>15/01/2022</a:t>
             </a:fld>
             <a:endParaRPr lang="en-GB" dirty="0"/>
           </a:p>
@@ -1863,7 +1863,7 @@
           <a:p>
             <a:fld id="{2D2B23BE-89C9-4E17-8330-1D0EE89529DF}" type="slidenum">
               <a:rPr lang="en-GB" smtClean="0"/>
-              <a:t>‹#›</a:t>
+              <a:t>‹N›</a:t>
             </a:fld>
             <a:endParaRPr lang="en-GB" dirty="0"/>
           </a:p>
@@ -2188,7 +2188,7 @@
           <a:p>
             <a:fld id="{4CAA9714-E498-4BB1-946F-9B4AA3A4C648}" type="datetimeFigureOut">
               <a:rPr lang="en-GB" smtClean="0"/>
-              <a:t>13/01/2022</a:t>
+              <a:t>15/01/2022</a:t>
             </a:fld>
             <a:endParaRPr lang="en-GB" dirty="0"/>
           </a:p>
@@ -2230,7 +2230,7 @@
           <a:p>
             <a:fld id="{2D2B23BE-89C9-4E17-8330-1D0EE89529DF}" type="slidenum">
               <a:rPr lang="en-GB" smtClean="0"/>
-              <a:t>‹#›</a:t>
+              <a:t>‹N›</a:t>
             </a:fld>
             <a:endParaRPr lang="en-GB" dirty="0"/>
           </a:p>
@@ -2306,7 +2306,7 @@
           <a:p>
             <a:fld id="{4CAA9714-E498-4BB1-946F-9B4AA3A4C648}" type="datetimeFigureOut">
               <a:rPr lang="en-GB" smtClean="0"/>
-              <a:t>13/01/2022</a:t>
+              <a:t>15/01/2022</a:t>
             </a:fld>
             <a:endParaRPr lang="en-GB" dirty="0"/>
           </a:p>
@@ -2348,7 +2348,7 @@
           <a:p>
             <a:fld id="{2D2B23BE-89C9-4E17-8330-1D0EE89529DF}" type="slidenum">
               <a:rPr lang="en-GB" smtClean="0"/>
-              <a:t>‹#›</a:t>
+              <a:t>‹N›</a:t>
             </a:fld>
             <a:endParaRPr lang="en-GB" dirty="0"/>
           </a:p>
@@ -2401,7 +2401,7 @@
           <a:p>
             <a:fld id="{4CAA9714-E498-4BB1-946F-9B4AA3A4C648}" type="datetimeFigureOut">
               <a:rPr lang="en-GB" smtClean="0"/>
-              <a:t>13/01/2022</a:t>
+              <a:t>15/01/2022</a:t>
             </a:fld>
             <a:endParaRPr lang="en-GB" dirty="0"/>
           </a:p>
@@ -2443,7 +2443,7 @@
           <a:p>
             <a:fld id="{2D2B23BE-89C9-4E17-8330-1D0EE89529DF}" type="slidenum">
               <a:rPr lang="en-GB" smtClean="0"/>
-              <a:t>‹#›</a:t>
+              <a:t>‹N›</a:t>
             </a:fld>
             <a:endParaRPr lang="en-GB" dirty="0"/>
           </a:p>
@@ -2678,7 +2678,7 @@
           <a:p>
             <a:fld id="{4CAA9714-E498-4BB1-946F-9B4AA3A4C648}" type="datetimeFigureOut">
               <a:rPr lang="en-GB" smtClean="0"/>
-              <a:t>13/01/2022</a:t>
+              <a:t>15/01/2022</a:t>
             </a:fld>
             <a:endParaRPr lang="en-GB" dirty="0"/>
           </a:p>
@@ -2720,7 +2720,7 @@
           <a:p>
             <a:fld id="{2D2B23BE-89C9-4E17-8330-1D0EE89529DF}" type="slidenum">
               <a:rPr lang="en-GB" smtClean="0"/>
-              <a:t>‹#›</a:t>
+              <a:t>‹N›</a:t>
             </a:fld>
             <a:endParaRPr lang="en-GB" dirty="0"/>
           </a:p>
@@ -2934,7 +2934,7 @@
           <a:p>
             <a:fld id="{4CAA9714-E498-4BB1-946F-9B4AA3A4C648}" type="datetimeFigureOut">
               <a:rPr lang="en-GB" smtClean="0"/>
-              <a:t>13/01/2022</a:t>
+              <a:t>15/01/2022</a:t>
             </a:fld>
             <a:endParaRPr lang="en-GB" dirty="0"/>
           </a:p>
@@ -2976,7 +2976,7 @@
           <a:p>
             <a:fld id="{2D2B23BE-89C9-4E17-8330-1D0EE89529DF}" type="slidenum">
               <a:rPr lang="en-GB" smtClean="0"/>
-              <a:t>‹#›</a:t>
+              <a:t>‹N›</a:t>
             </a:fld>
             <a:endParaRPr lang="en-GB" dirty="0"/>
           </a:p>
@@ -3147,7 +3147,7 @@
           <a:p>
             <a:fld id="{4CAA9714-E498-4BB1-946F-9B4AA3A4C648}" type="datetimeFigureOut">
               <a:rPr lang="en-GB" smtClean="0"/>
-              <a:t>13/01/2022</a:t>
+              <a:t>15/01/2022</a:t>
             </a:fld>
             <a:endParaRPr lang="en-GB" dirty="0"/>
           </a:p>
@@ -3225,7 +3225,7 @@
           <a:p>
             <a:fld id="{2D2B23BE-89C9-4E17-8330-1D0EE89529DF}" type="slidenum">
               <a:rPr lang="en-GB" smtClean="0"/>
-              <a:t>‹#›</a:t>
+              <a:t>‹N›</a:t>
             </a:fld>
             <a:endParaRPr lang="en-GB" dirty="0"/>
           </a:p>
@@ -23975,6 +23975,21 @@
             <a:r>
               <a:rPr lang="it-IT" dirty="0"/>
               <a:t>.</a:t>
+            </a:r>
+          </a:p>
+          <a:p>
+            <a:pPr marL="0" indent="0">
+              <a:buNone/>
+            </a:pPr>
+            <a:endParaRPr lang="it-IT" dirty="0"/>
+          </a:p>
+          <a:p>
+            <a:pPr marL="0" indent="0">
+              <a:buNone/>
+            </a:pPr>
+            <a:r>
+              <a:rPr lang="it-IT" dirty="0"/>
+              <a:t>PRO e CONTRO VALIDITY PERIOD E QUESTIONE ALERTS OLTRE IL 3</a:t>
             </a:r>
           </a:p>
         </p:txBody>

--- a/docs/documentation.pptx
+++ b/docs/documentation.pptx
@@ -60,7 +60,7 @@
     <p:sldId id="299" r:id="rId51"/>
     <p:sldId id="286" r:id="rId52"/>
     <p:sldId id="297" r:id="rId53"/>
-    <p:sldId id="296" r:id="rId54"/>
+    <p:sldId id="335" r:id="rId54"/>
   </p:sldIdLst>
   <p:sldSz cx="9144000" cy="6858000" type="screen4x3"/>
   <p:notesSz cx="6858000" cy="9144000"/>
@@ -260,7 +260,7 @@
           <a:p>
             <a:fld id="{ED92C02F-46E9-4319-AE92-CFF24FDD2824}" type="datetimeFigureOut">
               <a:rPr lang="en-GB" smtClean="0"/>
-              <a:t>16/01/2022</a:t>
+              <a:t>17/01/2022</a:t>
             </a:fld>
             <a:endParaRPr lang="en-GB" dirty="0"/>
           </a:p>
@@ -827,7 +827,7 @@
           <a:p>
             <a:fld id="{4CAA9714-E498-4BB1-946F-9B4AA3A4C648}" type="datetimeFigureOut">
               <a:rPr lang="en-GB" smtClean="0"/>
-              <a:t>16/01/2022</a:t>
+              <a:t>17/01/2022</a:t>
             </a:fld>
             <a:endParaRPr lang="en-GB" dirty="0"/>
           </a:p>
@@ -997,7 +997,7 @@
           <a:p>
             <a:fld id="{4CAA9714-E498-4BB1-946F-9B4AA3A4C648}" type="datetimeFigureOut">
               <a:rPr lang="en-GB" smtClean="0"/>
-              <a:t>16/01/2022</a:t>
+              <a:t>17/01/2022</a:t>
             </a:fld>
             <a:endParaRPr lang="en-GB" dirty="0"/>
           </a:p>
@@ -1177,7 +1177,7 @@
           <a:p>
             <a:fld id="{4CAA9714-E498-4BB1-946F-9B4AA3A4C648}" type="datetimeFigureOut">
               <a:rPr lang="en-GB" smtClean="0"/>
-              <a:t>16/01/2022</a:t>
+              <a:t>17/01/2022</a:t>
             </a:fld>
             <a:endParaRPr lang="en-GB" dirty="0"/>
           </a:p>
@@ -1347,7 +1347,7 @@
           <a:p>
             <a:fld id="{4CAA9714-E498-4BB1-946F-9B4AA3A4C648}" type="datetimeFigureOut">
               <a:rPr lang="en-GB" smtClean="0"/>
-              <a:t>16/01/2022</a:t>
+              <a:t>17/01/2022</a:t>
             </a:fld>
             <a:endParaRPr lang="en-GB" dirty="0"/>
           </a:p>
@@ -1591,7 +1591,7 @@
           <a:p>
             <a:fld id="{4CAA9714-E498-4BB1-946F-9B4AA3A4C648}" type="datetimeFigureOut">
               <a:rPr lang="en-GB" smtClean="0"/>
-              <a:t>16/01/2022</a:t>
+              <a:t>17/01/2022</a:t>
             </a:fld>
             <a:endParaRPr lang="en-GB" dirty="0"/>
           </a:p>
@@ -1823,7 +1823,7 @@
           <a:p>
             <a:fld id="{4CAA9714-E498-4BB1-946F-9B4AA3A4C648}" type="datetimeFigureOut">
               <a:rPr lang="en-GB" smtClean="0"/>
-              <a:t>16/01/2022</a:t>
+              <a:t>17/01/2022</a:t>
             </a:fld>
             <a:endParaRPr lang="en-GB" dirty="0"/>
           </a:p>
@@ -2190,7 +2190,7 @@
           <a:p>
             <a:fld id="{4CAA9714-E498-4BB1-946F-9B4AA3A4C648}" type="datetimeFigureOut">
               <a:rPr lang="en-GB" smtClean="0"/>
-              <a:t>16/01/2022</a:t>
+              <a:t>17/01/2022</a:t>
             </a:fld>
             <a:endParaRPr lang="en-GB" dirty="0"/>
           </a:p>
@@ -2308,7 +2308,7 @@
           <a:p>
             <a:fld id="{4CAA9714-E498-4BB1-946F-9B4AA3A4C648}" type="datetimeFigureOut">
               <a:rPr lang="en-GB" smtClean="0"/>
-              <a:t>16/01/2022</a:t>
+              <a:t>17/01/2022</a:t>
             </a:fld>
             <a:endParaRPr lang="en-GB" dirty="0"/>
           </a:p>
@@ -2403,7 +2403,7 @@
           <a:p>
             <a:fld id="{4CAA9714-E498-4BB1-946F-9B4AA3A4C648}" type="datetimeFigureOut">
               <a:rPr lang="en-GB" smtClean="0"/>
-              <a:t>16/01/2022</a:t>
+              <a:t>17/01/2022</a:t>
             </a:fld>
             <a:endParaRPr lang="en-GB" dirty="0"/>
           </a:p>
@@ -2680,7 +2680,7 @@
           <a:p>
             <a:fld id="{4CAA9714-E498-4BB1-946F-9B4AA3A4C648}" type="datetimeFigureOut">
               <a:rPr lang="en-GB" smtClean="0"/>
-              <a:t>16/01/2022</a:t>
+              <a:t>17/01/2022</a:t>
             </a:fld>
             <a:endParaRPr lang="en-GB" dirty="0"/>
           </a:p>
@@ -2936,7 +2936,7 @@
           <a:p>
             <a:fld id="{4CAA9714-E498-4BB1-946F-9B4AA3A4C648}" type="datetimeFigureOut">
               <a:rPr lang="en-GB" smtClean="0"/>
-              <a:t>16/01/2022</a:t>
+              <a:t>17/01/2022</a:t>
             </a:fld>
             <a:endParaRPr lang="en-GB" dirty="0"/>
           </a:p>
@@ -3149,7 +3149,7 @@
           <a:p>
             <a:fld id="{4CAA9714-E498-4BB1-946F-9B4AA3A4C648}" type="datetimeFigureOut">
               <a:rPr lang="en-GB" smtClean="0"/>
-              <a:t>16/01/2022</a:t>
+              <a:t>17/01/2022</a:t>
             </a:fld>
             <a:endParaRPr lang="en-GB" dirty="0"/>
           </a:p>
@@ -11475,7 +11475,7 @@
         </p:nvSpPr>
         <p:spPr>
           <a:xfrm>
-            <a:off x="628650" y="18255"/>
+            <a:off x="628650" y="180940"/>
             <a:ext cx="7886700" cy="722241"/>
           </a:xfrm>
         </p:spPr>
@@ -11652,7 +11652,7 @@
         </p:nvSpPr>
         <p:spPr>
           <a:xfrm>
-            <a:off x="779764" y="740496"/>
+            <a:off x="628650" y="964888"/>
             <a:ext cx="7298371" cy="1200329"/>
           </a:xfrm>
           <a:prstGeom prst="rect">
@@ -13844,7 +13844,7 @@
         </p:spPr>
         <p:txBody>
           <a:bodyPr>
-            <a:normAutofit fontScale="77500" lnSpcReduction="20000"/>
+            <a:normAutofit fontScale="92500" lnSpcReduction="20000"/>
           </a:bodyPr>
           <a:lstStyle/>
           <a:p>
@@ -13875,19 +13875,18 @@
             </a:r>
             <a:r>
               <a:rPr lang="en-GB" dirty="0"/>
-              <a:t>can be omitted because it isn’t necessary to retrieve all the orders associated to </a:t>
-            </a:r>
-            <a:r>
-              <a:rPr lang="en-GB"/>
-              <a:t>a customer</a:t>
-            </a:r>
-            <a:endParaRPr lang="en-GB" dirty="0"/>
+              <a:t>can be omitted because it isn’t necessary to retrieve all the orders associated to a customer</a:t>
+            </a:r>
           </a:p>
           <a:p>
             <a:pPr lvl="1"/>
             <a:r>
-              <a:rPr lang="en-GB" dirty="0"/>
-              <a:t>including annotations for the attributes and for the relationships, fetch type of attributes and of relationships, and operation cascading policies for relationships  </a:t>
+              <a:rPr lang="en-GB" sz="1700" dirty="0" err="1"/>
+              <a:t>OrphanRemoval</a:t>
+            </a:r>
+            <a:r>
+              <a:rPr lang="en-GB" sz="1700" dirty="0"/>
+              <a:t> option so that if a customer is removed from the database, all the associated orders are deleted.</a:t>
             </a:r>
           </a:p>
           <a:p>
@@ -13920,26 +13919,6 @@
                 <a:sym typeface="Wingdings" panose="05000000000000000000" pitchFamily="2" charset="2"/>
               </a:rPr>
               <a:t>is necessary to retrieve all the rejected orders for a customer</a:t>
-            </a:r>
-            <a:br>
-              <a:rPr lang="en-GB" dirty="0">
-                <a:sym typeface="Wingdings" panose="05000000000000000000" pitchFamily="2" charset="2"/>
-              </a:rPr>
-            </a:br>
-            <a:r>
-              <a:rPr lang="en-GB" dirty="0">
-                <a:sym typeface="Wingdings" panose="05000000000000000000" pitchFamily="2" charset="2"/>
-              </a:rPr>
-              <a:t>	</a:t>
-            </a:r>
-            <a:r>
-              <a:rPr lang="en-GB" dirty="0">
-                <a:solidFill>
-                  <a:srgbClr val="FF0000"/>
-                </a:solidFill>
-                <a:sym typeface="Wingdings" panose="05000000000000000000" pitchFamily="2" charset="2"/>
-              </a:rPr>
-              <a:t>- Annotations….</a:t>
             </a:r>
             <a:endParaRPr lang="en-GB" b="1" dirty="0">
               <a:solidFill>
@@ -14671,8 +14650,12 @@
           <a:p>
             <a:pPr lvl="1"/>
             <a:r>
-              <a:rPr lang="en-GB" dirty="0"/>
-              <a:t>including annotations for the attributes and for the relationships, fetch type of attributes and of relationships, and operation cascading policies for relationships  </a:t>
+              <a:rPr lang="en-GB" sz="2400" dirty="0" err="1"/>
+              <a:t>OrphanRemoval</a:t>
+            </a:r>
+            <a:r>
+              <a:rPr lang="en-GB" sz="2400" dirty="0"/>
+              <a:t> option so that if a customer is removed from the database, all the associated orders are deleted.</a:t>
             </a:r>
           </a:p>
           <a:p>
@@ -14712,21 +14695,24 @@
               </a:rPr>
             </a:br>
             <a:r>
-              <a:rPr lang="en-GB" dirty="0">
+              <a:rPr lang="en-GB" sz="2100" dirty="0">
                 <a:sym typeface="Wingdings" panose="05000000000000000000" pitchFamily="2" charset="2"/>
               </a:rPr>
-              <a:t>	</a:t>
-            </a:r>
-            <a:r>
-              <a:rPr lang="en-GB" dirty="0">
-                <a:solidFill>
-                  <a:srgbClr val="FF0000"/>
-                </a:solidFill>
+              <a:t>- </a:t>
+            </a:r>
+            <a:r>
+              <a:rPr lang="en-GB" sz="2100" dirty="0" err="1">
                 <a:sym typeface="Wingdings" panose="05000000000000000000" pitchFamily="2" charset="2"/>
               </a:rPr>
-              <a:t>- Annotations….</a:t>
-            </a:r>
-            <a:endParaRPr lang="en-GB" b="1" dirty="0">
+              <a:t>CascadeType.REFRESH</a:t>
+            </a:r>
+            <a:r>
+              <a:rPr lang="en-GB" sz="2100" dirty="0">
+                <a:sym typeface="Wingdings" panose="05000000000000000000" pitchFamily="2" charset="2"/>
+              </a:rPr>
+              <a:t> so that if an alert is refreshed, the linked customer is refreshed too.</a:t>
+            </a:r>
+            <a:endParaRPr lang="en-GB" sz="2100" b="1" dirty="0">
               <a:solidFill>
                 <a:srgbClr val="FF0000"/>
               </a:solidFill>
@@ -15423,7 +15409,7 @@
         </p:spPr>
         <p:txBody>
           <a:bodyPr>
-            <a:normAutofit lnSpcReduction="10000"/>
+            <a:normAutofit/>
           </a:bodyPr>
           <a:lstStyle/>
           <a:p>
@@ -15457,8 +15443,12 @@
           <a:p>
             <a:pPr lvl="1"/>
             <a:r>
-              <a:rPr lang="en-GB" dirty="0"/>
-              <a:t>including annotations for the attributes and for the relationships, fetch type of attributes and of relationships, and operation cascading policies for relationships  </a:t>
+              <a:rPr lang="en-GB" sz="1800" dirty="0" err="1"/>
+              <a:t>OrphanRemoval</a:t>
+            </a:r>
+            <a:r>
+              <a:rPr lang="en-GB" sz="1800" dirty="0"/>
+              <a:t> option so that if a customer is removed from the database, all the associated orders are deleted.</a:t>
             </a:r>
           </a:p>
           <a:p>
@@ -15492,21 +15482,24 @@
               </a:rPr>
             </a:br>
             <a:r>
-              <a:rPr lang="en-GB" dirty="0">
+              <a:rPr lang="en-GB" sz="1800" dirty="0">
                 <a:sym typeface="Wingdings" panose="05000000000000000000" pitchFamily="2" charset="2"/>
               </a:rPr>
-              <a:t>	</a:t>
-            </a:r>
-            <a:r>
-              <a:rPr lang="en-GB" dirty="0">
-                <a:solidFill>
-                  <a:srgbClr val="FF0000"/>
-                </a:solidFill>
+              <a:t>- </a:t>
+            </a:r>
+            <a:r>
+              <a:rPr lang="en-GB" sz="1800" dirty="0" err="1">
                 <a:sym typeface="Wingdings" panose="05000000000000000000" pitchFamily="2" charset="2"/>
               </a:rPr>
-              <a:t>- Annotations….</a:t>
-            </a:r>
-            <a:endParaRPr lang="en-GB" b="1" dirty="0">
+              <a:t>CascadeType.REFRESH</a:t>
+            </a:r>
+            <a:r>
+              <a:rPr lang="en-GB" sz="1800" dirty="0">
+                <a:sym typeface="Wingdings" panose="05000000000000000000" pitchFamily="2" charset="2"/>
+              </a:rPr>
+              <a:t> so that if a schedule is refreshed, the linked customer is refreshed too.</a:t>
+            </a:r>
+            <a:endParaRPr lang="en-GB" sz="1800" b="1" dirty="0">
               <a:solidFill>
                 <a:srgbClr val="FF0000"/>
               </a:solidFill>
@@ -16502,7 +16495,7 @@
         </p:spPr>
         <p:txBody>
           <a:bodyPr>
-            <a:normAutofit fontScale="92500"/>
+            <a:normAutofit lnSpcReduction="10000"/>
           </a:bodyPr>
           <a:lstStyle/>
           <a:p>
@@ -16529,7 +16522,7 @@
                   <a:schemeClr val="accent1"/>
                 </a:solidFill>
               </a:rPr>
-              <a:t>@ManyToOne</a:t>
+              <a:t>@OneToMany</a:t>
             </a:r>
             <a:br>
               <a:rPr lang="en-GB" b="1" dirty="0">
@@ -16566,7 +16559,7 @@
                 </a:solidFill>
                 <a:sym typeface="Wingdings" panose="05000000000000000000" pitchFamily="2" charset="2"/>
               </a:rPr>
-              <a:t>@OneToMany</a:t>
+              <a:t>@ManyToOne</a:t>
             </a:r>
             <a:br>
               <a:rPr lang="en-GB" b="1" dirty="0">
@@ -16580,27 +16573,19 @@
               <a:rPr lang="en-GB" sz="2000" dirty="0">
                 <a:sym typeface="Wingdings" panose="05000000000000000000" pitchFamily="2" charset="2"/>
               </a:rPr>
-              <a:t>is necessary in order to know which service package has been ordered</a:t>
-            </a:r>
-            <a:br>
-              <a:rPr lang="en-GB" dirty="0">
+              <a:t>- </a:t>
+            </a:r>
+            <a:r>
+              <a:rPr lang="en-GB" sz="2000" dirty="0" err="1">
                 <a:sym typeface="Wingdings" panose="05000000000000000000" pitchFamily="2" charset="2"/>
               </a:rPr>
-            </a:br>
-            <a:r>
-              <a:rPr lang="en-GB" dirty="0">
+              <a:t>CascadeType.REFRESH</a:t>
+            </a:r>
+            <a:r>
+              <a:rPr lang="en-GB" sz="2000" dirty="0">
                 <a:sym typeface="Wingdings" panose="05000000000000000000" pitchFamily="2" charset="2"/>
               </a:rPr>
-              <a:t>	</a:t>
-            </a:r>
-            <a:r>
-              <a:rPr lang="en-GB" dirty="0">
-                <a:solidFill>
-                  <a:srgbClr val="FF0000"/>
-                </a:solidFill>
-                <a:sym typeface="Wingdings" panose="05000000000000000000" pitchFamily="2" charset="2"/>
-              </a:rPr>
-              <a:t>- Annotations….</a:t>
+              <a:t> so that if an order is refreshed, the linked service package is refreshed too.</a:t>
             </a:r>
             <a:endParaRPr lang="en-GB" b="1" dirty="0">
               <a:solidFill>
@@ -25096,11 +25081,65 @@
           </a:bodyPr>
           <a:lstStyle/>
           <a:p>
-            <a:r>
-              <a:rPr lang="it-IT" dirty="0"/>
-              <a:t>If there are aspects of the components design that you want to illustrate or motivate, write here your explanations</a:t>
-            </a:r>
-            <a:endParaRPr lang="en-GB" sz="2000" dirty="0"/>
+            <a:pPr marL="0" indent="0">
+              <a:buNone/>
+            </a:pPr>
+            <a:r>
+              <a:rPr lang="en-GB" sz="2000" dirty="0"/>
+              <a:t>In order to keep track of a suspended order (e.g. when customer needs to log in to confirm the order) we create an </a:t>
+            </a:r>
+            <a:r>
+              <a:rPr lang="en-GB" sz="2000" dirty="0" err="1"/>
+              <a:t>UnconfirmedOrder</a:t>
+            </a:r>
+            <a:r>
+              <a:rPr lang="en-GB" sz="2000" dirty="0"/>
+              <a:t> object, containing all the data of the order, and we save it in the </a:t>
+            </a:r>
+            <a:r>
+              <a:rPr lang="en-GB" sz="2000" dirty="0" err="1"/>
+              <a:t>HttpSession</a:t>
+            </a:r>
+            <a:r>
+              <a:rPr lang="en-GB" sz="2000" dirty="0"/>
+              <a:t>, instead of saving it into the database. </a:t>
+            </a:r>
+          </a:p>
+          <a:p>
+            <a:pPr marL="0" indent="0">
+              <a:buNone/>
+            </a:pPr>
+            <a:r>
+              <a:rPr lang="en-GB" sz="2000" dirty="0"/>
+              <a:t>This approach allowed us to:</a:t>
+            </a:r>
+          </a:p>
+          <a:p>
+            <a:pPr marL="457200" indent="-457200">
+              <a:buAutoNum type="arabicPeriod"/>
+            </a:pPr>
+            <a:r>
+              <a:rPr lang="en-GB" sz="2000" dirty="0"/>
+              <a:t>Avoid a useless connection with the database (better performances)</a:t>
+            </a:r>
+          </a:p>
+          <a:p>
+            <a:pPr marL="457200" indent="-457200">
+              <a:buAutoNum type="arabicPeriod"/>
+            </a:pPr>
+            <a:r>
+              <a:rPr lang="en-GB" sz="2000" dirty="0"/>
+              <a:t>When the customer leaves the application, the unconfirmed order is lost (as expected).</a:t>
+            </a:r>
+          </a:p>
+          <a:p>
+            <a:pPr marL="457200" indent="-457200">
+              <a:buAutoNum type="arabicPeriod"/>
+            </a:pPr>
+            <a:r>
+              <a:rPr lang="en-GB" sz="2000" dirty="0"/>
+              <a:t>Easily retrieve the unconfirmed order when the customer logs in and goes directly to the confirmation page.</a:t>
+            </a:r>
           </a:p>
         </p:txBody>
       </p:sp>
@@ -25151,1802 +25190,90 @@
           <a:p>
             <a:r>
               <a:rPr lang="it-IT" dirty="0"/>
-              <a:t>UML sequence diagrams</a:t>
-            </a:r>
-          </a:p>
-        </p:txBody>
-      </p:sp>
-      <p:sp>
-        <p:nvSpPr>
-          <p:cNvPr id="6" name="Google Shape;273;p37"/>
-          <p:cNvSpPr/>
-          <p:nvPr/>
+              <a:t>Motivations of the components design</a:t>
+            </a:r>
+            <a:r>
+              <a:rPr lang="en-GB" dirty="0"/>
+              <a:t> </a:t>
+            </a:r>
+          </a:p>
+        </p:txBody>
+      </p:sp>
+      <p:sp>
+        <p:nvSpPr>
+          <p:cNvPr id="4" name="Content Placeholder 3"/>
+          <p:cNvSpPr>
+            <a:spLocks noGrp="1"/>
+          </p:cNvSpPr>
+          <p:nvPr>
+            <p:ph sz="half" idx="1"/>
+          </p:nvPr>
         </p:nvSpPr>
         <p:spPr>
           <a:xfrm>
-            <a:off x="867620" y="2765098"/>
-            <a:ext cx="1314600" cy="285900"/>
-          </a:xfrm>
-          <a:prstGeom prst="rect">
-            <a:avLst/>
-          </a:prstGeom>
-          <a:solidFill>
-            <a:schemeClr val="lt1"/>
-          </a:solidFill>
-          <a:ln w="25400" cap="flat" cmpd="sng">
-            <a:solidFill>
-              <a:schemeClr val="accent1"/>
-            </a:solidFill>
-            <a:prstDash val="solid"/>
-            <a:round/>
-            <a:headEnd type="none" w="sm" len="sm"/>
-            <a:tailEnd type="none" w="sm" len="sm"/>
-          </a:ln>
-        </p:spPr>
-        <p:txBody>
-          <a:bodyPr spcFirstLastPara="1" wrap="square" lIns="91425" tIns="45700" rIns="91425" bIns="45700" anchor="ctr" anchorCtr="0">
-            <a:noAutofit/>
+            <a:off x="628650" y="1825625"/>
+            <a:ext cx="7539990" cy="4351338"/>
+          </a:xfrm>
+        </p:spPr>
+        <p:txBody>
+          <a:bodyPr>
+            <a:normAutofit/>
           </a:bodyPr>
           <a:lstStyle/>
           <a:p>
-            <a:pPr marL="0" marR="0" lvl="0" indent="0" algn="ctr" rtl="0">
-              <a:spcBef>
-                <a:spcPts val="0"/>
-              </a:spcBef>
-              <a:spcAft>
-                <a:spcPts val="0"/>
-              </a:spcAft>
-              <a:buNone/>
-            </a:pPr>
-            <a:r>
-              <a:rPr lang="es-419" sz="1400">
-                <a:solidFill>
-                  <a:schemeClr val="dk1"/>
-                </a:solidFill>
-                <a:latin typeface="Calibri"/>
-                <a:ea typeface="Calibri"/>
-                <a:cs typeface="Calibri"/>
-                <a:sym typeface="Calibri"/>
-              </a:rPr>
-              <a:t>CheckLogin</a:t>
-            </a:r>
-            <a:endParaRPr sz="1400">
-              <a:solidFill>
-                <a:schemeClr val="dk1"/>
-              </a:solidFill>
-              <a:latin typeface="Calibri"/>
-              <a:ea typeface="Calibri"/>
-              <a:cs typeface="Calibri"/>
-              <a:sym typeface="Calibri"/>
-            </a:endParaRPr>
-          </a:p>
-        </p:txBody>
-      </p:sp>
-      <p:cxnSp>
-        <p:nvCxnSpPr>
-          <p:cNvPr id="7" name="Google Shape;274;p37"/>
-          <p:cNvCxnSpPr>
-            <a:stCxn id="6" idx="2"/>
-          </p:cNvCxnSpPr>
-          <p:nvPr/>
-        </p:nvCxnSpPr>
-        <p:spPr>
-          <a:xfrm flipH="1">
-            <a:off x="1500320" y="3050998"/>
-            <a:ext cx="24600" cy="3365400"/>
-          </a:xfrm>
-          <a:prstGeom prst="straightConnector1">
-            <a:avLst/>
-          </a:prstGeom>
-          <a:noFill/>
-          <a:ln w="38100" cap="flat" cmpd="sng">
-            <a:solidFill>
-              <a:schemeClr val="accent1"/>
-            </a:solidFill>
-            <a:prstDash val="dot"/>
-            <a:round/>
-            <a:headEnd type="none" w="sm" len="sm"/>
-            <a:tailEnd type="none" w="sm" len="sm"/>
-          </a:ln>
-          <a:effectLst>
-            <a:outerShdw blurRad="40000" dist="23000" dir="5400000" rotWithShape="0">
-              <a:srgbClr val="000000">
-                <a:alpha val="34901"/>
-              </a:srgbClr>
-            </a:outerShdw>
-          </a:effectLst>
-        </p:spPr>
-      </p:cxnSp>
-      <p:cxnSp>
-        <p:nvCxnSpPr>
-          <p:cNvPr id="8" name="Google Shape;275;p37"/>
-          <p:cNvCxnSpPr/>
-          <p:nvPr/>
-        </p:nvCxnSpPr>
-        <p:spPr>
-          <a:xfrm>
-            <a:off x="429471" y="3908098"/>
-            <a:ext cx="876300" cy="0"/>
-          </a:xfrm>
-          <a:prstGeom prst="straightConnector1">
-            <a:avLst/>
-          </a:prstGeom>
-          <a:noFill/>
-          <a:ln w="25400" cap="flat" cmpd="sng">
-            <a:solidFill>
-              <a:schemeClr val="accent1"/>
-            </a:solidFill>
-            <a:prstDash val="solid"/>
-            <a:round/>
-            <a:headEnd type="none" w="sm" len="sm"/>
-            <a:tailEnd type="stealth" w="med" len="med"/>
-          </a:ln>
-          <a:effectLst>
-            <a:outerShdw blurRad="40000" dist="20000" dir="5400000" rotWithShape="0">
-              <a:srgbClr val="000000">
-                <a:alpha val="37647"/>
-              </a:srgbClr>
-            </a:outerShdw>
-          </a:effectLst>
-        </p:spPr>
-      </p:cxnSp>
-      <p:sp>
-        <p:nvSpPr>
-          <p:cNvPr id="9" name="Google Shape;276;p37"/>
-          <p:cNvSpPr txBox="1"/>
-          <p:nvPr/>
-        </p:nvSpPr>
-        <p:spPr>
-          <a:xfrm>
-            <a:off x="353271" y="3631099"/>
-            <a:ext cx="915600" cy="276900"/>
-          </a:xfrm>
-          <a:prstGeom prst="rect">
-            <a:avLst/>
-          </a:prstGeom>
-          <a:noFill/>
-          <a:ln>
-            <a:noFill/>
-          </a:ln>
-        </p:spPr>
-        <p:txBody>
-          <a:bodyPr spcFirstLastPara="1" wrap="square" lIns="91425" tIns="45700" rIns="91425" bIns="45700" anchor="t" anchorCtr="0">
-            <a:noAutofit/>
-          </a:bodyPr>
-          <a:lstStyle/>
-          <a:p>
-            <a:pPr marL="0" marR="0" lvl="0" indent="0" algn="l" rtl="0">
-              <a:spcBef>
-                <a:spcPts val="0"/>
-              </a:spcBef>
-              <a:spcAft>
-                <a:spcPts val="0"/>
-              </a:spcAft>
-              <a:buNone/>
-            </a:pPr>
-            <a:r>
-              <a:rPr lang="es-419" sz="1400">
-                <a:solidFill>
-                  <a:schemeClr val="dk1"/>
-                </a:solidFill>
-                <a:latin typeface="Calibri"/>
-                <a:ea typeface="Calibri"/>
-                <a:cs typeface="Calibri"/>
-                <a:sym typeface="Calibri"/>
-              </a:rPr>
-              <a:t>doPOST</a:t>
-            </a:r>
-            <a:endParaRPr sz="1400">
-              <a:solidFill>
-                <a:schemeClr val="dk1"/>
-              </a:solidFill>
-              <a:latin typeface="Calibri"/>
-              <a:ea typeface="Calibri"/>
-              <a:cs typeface="Calibri"/>
-              <a:sym typeface="Calibri"/>
-            </a:endParaRPr>
-          </a:p>
-        </p:txBody>
-      </p:sp>
-      <p:sp>
-        <p:nvSpPr>
-          <p:cNvPr id="10" name="Google Shape;277;p37"/>
-          <p:cNvSpPr/>
-          <p:nvPr/>
-        </p:nvSpPr>
-        <p:spPr>
-          <a:xfrm>
-            <a:off x="1342125" y="3212773"/>
-            <a:ext cx="306600" cy="2900400"/>
-          </a:xfrm>
-          <a:prstGeom prst="rect">
-            <a:avLst/>
-          </a:prstGeom>
-          <a:solidFill>
-            <a:schemeClr val="lt1"/>
-          </a:solidFill>
-          <a:ln w="25400" cap="flat" cmpd="sng">
-            <a:solidFill>
-              <a:schemeClr val="accent1"/>
-            </a:solidFill>
-            <a:prstDash val="solid"/>
-            <a:round/>
-            <a:headEnd type="none" w="sm" len="sm"/>
-            <a:tailEnd type="none" w="sm" len="sm"/>
-          </a:ln>
-        </p:spPr>
-        <p:txBody>
-          <a:bodyPr spcFirstLastPara="1" wrap="square" lIns="91425" tIns="45700" rIns="91425" bIns="45700" anchor="ctr" anchorCtr="0">
-            <a:noAutofit/>
-          </a:bodyPr>
-          <a:lstStyle/>
-          <a:p>
-            <a:pPr marL="0" marR="0" lvl="0" indent="0" algn="ctr" rtl="0">
-              <a:spcBef>
-                <a:spcPts val="0"/>
-              </a:spcBef>
-              <a:spcAft>
-                <a:spcPts val="0"/>
-              </a:spcAft>
-              <a:buNone/>
-            </a:pPr>
-            <a:endParaRPr sz="1400">
-              <a:solidFill>
-                <a:schemeClr val="dk1"/>
-              </a:solidFill>
-              <a:latin typeface="Calibri"/>
-              <a:ea typeface="Calibri"/>
-              <a:cs typeface="Calibri"/>
-              <a:sym typeface="Calibri"/>
-            </a:endParaRPr>
-          </a:p>
-        </p:txBody>
-      </p:sp>
-      <p:sp>
-        <p:nvSpPr>
-          <p:cNvPr id="11" name="Google Shape;278;p37"/>
-          <p:cNvSpPr/>
-          <p:nvPr/>
-        </p:nvSpPr>
-        <p:spPr>
-          <a:xfrm>
-            <a:off x="2881149" y="2765098"/>
-            <a:ext cx="984000" cy="285900"/>
-          </a:xfrm>
-          <a:prstGeom prst="rect">
-            <a:avLst/>
-          </a:prstGeom>
-          <a:solidFill>
-            <a:schemeClr val="lt1"/>
-          </a:solidFill>
-          <a:ln w="25400" cap="flat" cmpd="sng">
-            <a:solidFill>
-              <a:schemeClr val="accent1"/>
-            </a:solidFill>
-            <a:prstDash val="solid"/>
-            <a:round/>
-            <a:headEnd type="none" w="sm" len="sm"/>
-            <a:tailEnd type="none" w="sm" len="sm"/>
-          </a:ln>
-        </p:spPr>
-        <p:txBody>
-          <a:bodyPr spcFirstLastPara="1" wrap="square" lIns="91425" tIns="45700" rIns="91425" bIns="45700" anchor="ctr" anchorCtr="0">
-            <a:noAutofit/>
-          </a:bodyPr>
-          <a:lstStyle/>
-          <a:p>
-            <a:pPr marL="0" marR="0" lvl="0" indent="0" algn="ctr" rtl="0">
-              <a:spcBef>
-                <a:spcPts val="0"/>
-              </a:spcBef>
-              <a:spcAft>
-                <a:spcPts val="0"/>
-              </a:spcAft>
-              <a:buNone/>
-            </a:pPr>
-            <a:r>
-              <a:rPr lang="es-419" sz="1400">
-                <a:solidFill>
-                  <a:schemeClr val="dk1"/>
-                </a:solidFill>
-                <a:latin typeface="Calibri"/>
-                <a:ea typeface="Calibri"/>
-                <a:cs typeface="Calibri"/>
-                <a:sym typeface="Calibri"/>
-              </a:rPr>
-              <a:t>UserDAO</a:t>
-            </a:r>
-            <a:endParaRPr sz="1400">
-              <a:solidFill>
-                <a:schemeClr val="dk1"/>
-              </a:solidFill>
-              <a:latin typeface="Calibri"/>
-              <a:ea typeface="Calibri"/>
-              <a:cs typeface="Calibri"/>
-              <a:sym typeface="Calibri"/>
-            </a:endParaRPr>
-          </a:p>
-        </p:txBody>
-      </p:sp>
-      <p:cxnSp>
-        <p:nvCxnSpPr>
-          <p:cNvPr id="12" name="Google Shape;279;p37"/>
-          <p:cNvCxnSpPr/>
-          <p:nvPr/>
-        </p:nvCxnSpPr>
-        <p:spPr>
-          <a:xfrm flipH="1">
-            <a:off x="3398067" y="3050848"/>
-            <a:ext cx="30300" cy="3257700"/>
-          </a:xfrm>
-          <a:prstGeom prst="straightConnector1">
-            <a:avLst/>
-          </a:prstGeom>
-          <a:noFill/>
-          <a:ln w="38100" cap="flat" cmpd="sng">
-            <a:solidFill>
-              <a:schemeClr val="accent1"/>
-            </a:solidFill>
-            <a:prstDash val="dot"/>
-            <a:round/>
-            <a:headEnd type="none" w="sm" len="sm"/>
-            <a:tailEnd type="none" w="sm" len="sm"/>
-          </a:ln>
-          <a:effectLst>
-            <a:outerShdw blurRad="40000" dist="23000" dir="5400000" rotWithShape="0">
-              <a:srgbClr val="000000">
-                <a:alpha val="34901"/>
-              </a:srgbClr>
-            </a:outerShdw>
-          </a:effectLst>
-        </p:spPr>
-      </p:cxnSp>
-      <p:cxnSp>
-        <p:nvCxnSpPr>
-          <p:cNvPr id="13" name="Google Shape;280;p37"/>
-          <p:cNvCxnSpPr/>
-          <p:nvPr/>
-        </p:nvCxnSpPr>
-        <p:spPr>
-          <a:xfrm>
-            <a:off x="1648670" y="3565198"/>
-            <a:ext cx="1595700" cy="0"/>
-          </a:xfrm>
-          <a:prstGeom prst="straightConnector1">
-            <a:avLst/>
-          </a:prstGeom>
-          <a:noFill/>
-          <a:ln w="25400" cap="flat" cmpd="sng">
-            <a:solidFill>
-              <a:schemeClr val="accent1"/>
-            </a:solidFill>
-            <a:prstDash val="solid"/>
-            <a:round/>
-            <a:headEnd type="none" w="sm" len="sm"/>
-            <a:tailEnd type="stealth" w="med" len="med"/>
-          </a:ln>
-          <a:effectLst>
-            <a:outerShdw blurRad="40000" dist="20000" dir="5400000" rotWithShape="0">
-              <a:srgbClr val="000000">
-                <a:alpha val="37647"/>
-              </a:srgbClr>
-            </a:outerShdw>
-          </a:effectLst>
-        </p:spPr>
-      </p:cxnSp>
-      <p:sp>
-        <p:nvSpPr>
-          <p:cNvPr id="14" name="Google Shape;281;p37"/>
-          <p:cNvSpPr txBox="1"/>
-          <p:nvPr/>
-        </p:nvSpPr>
-        <p:spPr>
-          <a:xfrm>
-            <a:off x="1644300" y="3127073"/>
-            <a:ext cx="1718100" cy="230700"/>
-          </a:xfrm>
-          <a:prstGeom prst="rect">
-            <a:avLst/>
-          </a:prstGeom>
-          <a:noFill/>
-          <a:ln>
-            <a:noFill/>
-          </a:ln>
-        </p:spPr>
-        <p:txBody>
-          <a:bodyPr spcFirstLastPara="1" wrap="square" lIns="91425" tIns="45700" rIns="91425" bIns="45700" anchor="t" anchorCtr="0">
-            <a:noAutofit/>
-          </a:bodyPr>
-          <a:lstStyle/>
-          <a:p>
-            <a:pPr marL="0" marR="0" lvl="0" indent="0" algn="l" rtl="0">
-              <a:spcBef>
-                <a:spcPts val="0"/>
-              </a:spcBef>
-              <a:spcAft>
-                <a:spcPts val="0"/>
-              </a:spcAft>
-              <a:buNone/>
-            </a:pPr>
-            <a:r>
-              <a:rPr lang="es-419" sz="1400" dirty="0">
-                <a:solidFill>
-                  <a:schemeClr val="dk1"/>
-                </a:solidFill>
-                <a:latin typeface="Calibri"/>
-                <a:ea typeface="Calibri"/>
-                <a:cs typeface="Calibri"/>
-                <a:sym typeface="Calibri"/>
-              </a:rPr>
-              <a:t>new </a:t>
-            </a:r>
-            <a:r>
-              <a:rPr lang="es-419" sz="1400" dirty="0" err="1">
-                <a:solidFill>
-                  <a:schemeClr val="dk1"/>
-                </a:solidFill>
-                <a:latin typeface="Calibri"/>
-                <a:ea typeface="Calibri"/>
-                <a:cs typeface="Calibri"/>
-                <a:sym typeface="Calibri"/>
-              </a:rPr>
-              <a:t>UserDAO</a:t>
-            </a:r>
-            <a:br>
-              <a:rPr lang="es-419" sz="1400" dirty="0">
-                <a:solidFill>
-                  <a:schemeClr val="dk1"/>
-                </a:solidFill>
-                <a:latin typeface="Calibri"/>
-                <a:ea typeface="Calibri"/>
-                <a:cs typeface="Calibri"/>
-                <a:sym typeface="Calibri"/>
-              </a:rPr>
-            </a:br>
-            <a:r>
-              <a:rPr lang="es-419" sz="1400" dirty="0">
-                <a:solidFill>
-                  <a:schemeClr val="dk1"/>
-                </a:solidFill>
-                <a:latin typeface="Calibri"/>
-                <a:ea typeface="Calibri"/>
-                <a:cs typeface="Calibri"/>
-                <a:sym typeface="Calibri"/>
-              </a:rPr>
-              <a:t>(</a:t>
-            </a:r>
-            <a:r>
-              <a:rPr lang="es-419" sz="1400" dirty="0" err="1">
-                <a:solidFill>
-                  <a:schemeClr val="dk1"/>
-                </a:solidFill>
-                <a:latin typeface="Calibri"/>
-                <a:ea typeface="Calibri"/>
-                <a:cs typeface="Calibri"/>
-                <a:sym typeface="Calibri"/>
-              </a:rPr>
-              <a:t>user</a:t>
-            </a:r>
-            <a:r>
-              <a:rPr lang="es-419" sz="1400" dirty="0">
-                <a:solidFill>
-                  <a:schemeClr val="dk1"/>
-                </a:solidFill>
-                <a:latin typeface="Calibri"/>
-                <a:ea typeface="Calibri"/>
-                <a:cs typeface="Calibri"/>
-                <a:sym typeface="Calibri"/>
-              </a:rPr>
-              <a:t>, </a:t>
-            </a:r>
-            <a:r>
-              <a:rPr lang="es-419" sz="1400" dirty="0" err="1">
-                <a:solidFill>
-                  <a:schemeClr val="dk1"/>
-                </a:solidFill>
-                <a:latin typeface="Calibri"/>
-                <a:ea typeface="Calibri"/>
-                <a:cs typeface="Calibri"/>
-                <a:sym typeface="Calibri"/>
-              </a:rPr>
-              <a:t>pass</a:t>
-            </a:r>
-            <a:r>
-              <a:rPr lang="es-419" sz="1400" dirty="0">
-                <a:solidFill>
-                  <a:schemeClr val="dk1"/>
-                </a:solidFill>
-                <a:latin typeface="Calibri"/>
-                <a:ea typeface="Calibri"/>
-                <a:cs typeface="Calibri"/>
-                <a:sym typeface="Calibri"/>
-              </a:rPr>
-              <a:t>)</a:t>
-            </a:r>
-            <a:endParaRPr sz="1400" dirty="0">
-              <a:solidFill>
-                <a:schemeClr val="dk1"/>
-              </a:solidFill>
-              <a:latin typeface="Calibri"/>
-              <a:ea typeface="Calibri"/>
-              <a:cs typeface="Calibri"/>
-              <a:sym typeface="Calibri"/>
-            </a:endParaRPr>
-          </a:p>
-        </p:txBody>
-      </p:sp>
-      <p:sp>
-        <p:nvSpPr>
-          <p:cNvPr id="15" name="Google Shape;282;p37"/>
-          <p:cNvSpPr/>
-          <p:nvPr/>
-        </p:nvSpPr>
-        <p:spPr>
-          <a:xfrm>
-            <a:off x="3274539" y="3225573"/>
-            <a:ext cx="304800" cy="942900"/>
-          </a:xfrm>
-          <a:prstGeom prst="rect">
-            <a:avLst/>
-          </a:prstGeom>
-          <a:solidFill>
-            <a:schemeClr val="lt1"/>
-          </a:solidFill>
-          <a:ln w="25400" cap="flat" cmpd="sng">
-            <a:solidFill>
-              <a:schemeClr val="accent1"/>
-            </a:solidFill>
-            <a:prstDash val="solid"/>
-            <a:round/>
-            <a:headEnd type="none" w="sm" len="sm"/>
-            <a:tailEnd type="none" w="sm" len="sm"/>
-          </a:ln>
-        </p:spPr>
-        <p:txBody>
-          <a:bodyPr spcFirstLastPara="1" wrap="square" lIns="91425" tIns="45700" rIns="91425" bIns="45700" anchor="ctr" anchorCtr="0">
-            <a:noAutofit/>
-          </a:bodyPr>
-          <a:lstStyle/>
-          <a:p>
-            <a:pPr marL="0" marR="0" lvl="0" indent="0" algn="ctr" rtl="0">
-              <a:spcBef>
-                <a:spcPts val="0"/>
-              </a:spcBef>
-              <a:spcAft>
-                <a:spcPts val="0"/>
-              </a:spcAft>
-              <a:buNone/>
-            </a:pPr>
-            <a:endParaRPr sz="1400">
-              <a:solidFill>
-                <a:schemeClr val="dk1"/>
-              </a:solidFill>
-              <a:latin typeface="Calibri"/>
-              <a:ea typeface="Calibri"/>
-              <a:cs typeface="Calibri"/>
-              <a:sym typeface="Calibri"/>
-            </a:endParaRPr>
-          </a:p>
-        </p:txBody>
-      </p:sp>
-      <p:cxnSp>
-        <p:nvCxnSpPr>
-          <p:cNvPr id="16" name="Google Shape;283;p37"/>
-          <p:cNvCxnSpPr/>
-          <p:nvPr/>
-        </p:nvCxnSpPr>
-        <p:spPr>
-          <a:xfrm rot="10800000">
-            <a:off x="1666225" y="4088073"/>
-            <a:ext cx="1600200" cy="0"/>
-          </a:xfrm>
-          <a:prstGeom prst="straightConnector1">
-            <a:avLst/>
-          </a:prstGeom>
-          <a:noFill/>
-          <a:ln w="25400" cap="flat" cmpd="sng">
-            <a:solidFill>
-              <a:schemeClr val="accent1"/>
-            </a:solidFill>
-            <a:prstDash val="solid"/>
-            <a:round/>
-            <a:headEnd type="none" w="sm" len="sm"/>
-            <a:tailEnd type="stealth" w="med" len="med"/>
-          </a:ln>
-          <a:effectLst>
-            <a:outerShdw blurRad="40000" dist="20000" dir="5400000" rotWithShape="0">
-              <a:srgbClr val="000000">
-                <a:alpha val="37647"/>
-              </a:srgbClr>
-            </a:outerShdw>
-          </a:effectLst>
-        </p:spPr>
-      </p:cxnSp>
-      <p:sp>
-        <p:nvSpPr>
-          <p:cNvPr id="17" name="Google Shape;284;p37"/>
-          <p:cNvSpPr txBox="1"/>
-          <p:nvPr/>
-        </p:nvSpPr>
-        <p:spPr>
-          <a:xfrm>
-            <a:off x="1893288" y="3786735"/>
-            <a:ext cx="1136700" cy="276900"/>
-          </a:xfrm>
-          <a:prstGeom prst="rect">
-            <a:avLst/>
-          </a:prstGeom>
-          <a:noFill/>
-          <a:ln>
-            <a:noFill/>
-          </a:ln>
-        </p:spPr>
-        <p:txBody>
-          <a:bodyPr spcFirstLastPara="1" wrap="square" lIns="91425" tIns="45700" rIns="91425" bIns="45700" anchor="t" anchorCtr="0">
-            <a:noAutofit/>
-          </a:bodyPr>
-          <a:lstStyle/>
-          <a:p>
-            <a:pPr marL="0" marR="0" lvl="0" indent="0" algn="l" rtl="0">
-              <a:spcBef>
-                <a:spcPts val="0"/>
-              </a:spcBef>
-              <a:spcAft>
-                <a:spcPts val="0"/>
-              </a:spcAft>
-              <a:buNone/>
-            </a:pPr>
-            <a:r>
-              <a:rPr lang="es-419" sz="1400">
-                <a:solidFill>
-                  <a:schemeClr val="dk1"/>
-                </a:solidFill>
-                <a:latin typeface="Calibri"/>
-                <a:ea typeface="Calibri"/>
-                <a:cs typeface="Calibri"/>
-                <a:sym typeface="Calibri"/>
-              </a:rPr>
-              <a:t>user || null</a:t>
-            </a:r>
-            <a:endParaRPr sz="1400">
-              <a:solidFill>
-                <a:schemeClr val="dk1"/>
-              </a:solidFill>
-              <a:latin typeface="Calibri"/>
-              <a:ea typeface="Calibri"/>
-              <a:cs typeface="Calibri"/>
-              <a:sym typeface="Calibri"/>
-            </a:endParaRPr>
-          </a:p>
-        </p:txBody>
-      </p:sp>
-      <p:sp>
-        <p:nvSpPr>
-          <p:cNvPr id="18" name="Google Shape;285;p37"/>
-          <p:cNvSpPr/>
-          <p:nvPr/>
-        </p:nvSpPr>
-        <p:spPr>
-          <a:xfrm>
-            <a:off x="5221450" y="2765098"/>
-            <a:ext cx="751200" cy="285900"/>
-          </a:xfrm>
-          <a:prstGeom prst="rect">
-            <a:avLst/>
-          </a:prstGeom>
-          <a:solidFill>
-            <a:schemeClr val="lt1"/>
-          </a:solidFill>
-          <a:ln w="25400" cap="flat" cmpd="sng">
-            <a:solidFill>
-              <a:schemeClr val="accent1"/>
-            </a:solidFill>
-            <a:prstDash val="solid"/>
-            <a:round/>
-            <a:headEnd type="none" w="sm" len="sm"/>
-            <a:tailEnd type="none" w="sm" len="sm"/>
-          </a:ln>
-        </p:spPr>
-        <p:txBody>
-          <a:bodyPr spcFirstLastPara="1" wrap="square" lIns="91425" tIns="45700" rIns="91425" bIns="45700" anchor="ctr" anchorCtr="0">
-            <a:noAutofit/>
-          </a:bodyPr>
-          <a:lstStyle/>
-          <a:p>
-            <a:pPr marL="0" marR="0" lvl="0" indent="0" algn="ctr" rtl="0">
-              <a:spcBef>
-                <a:spcPts val="0"/>
-              </a:spcBef>
-              <a:spcAft>
-                <a:spcPts val="0"/>
-              </a:spcAft>
-              <a:buNone/>
-            </a:pPr>
-            <a:r>
-              <a:rPr lang="es-419" sz="1400">
-                <a:solidFill>
-                  <a:schemeClr val="dk1"/>
-                </a:solidFill>
-                <a:latin typeface="Calibri"/>
-                <a:ea typeface="Calibri"/>
-                <a:cs typeface="Calibri"/>
-                <a:sym typeface="Calibri"/>
-              </a:rPr>
-              <a:t>Session</a:t>
-            </a:r>
-            <a:endParaRPr sz="1400">
-              <a:solidFill>
-                <a:schemeClr val="dk1"/>
-              </a:solidFill>
-              <a:latin typeface="Calibri"/>
-              <a:ea typeface="Calibri"/>
-              <a:cs typeface="Calibri"/>
-              <a:sym typeface="Calibri"/>
-            </a:endParaRPr>
-          </a:p>
-        </p:txBody>
-      </p:sp>
-      <p:cxnSp>
-        <p:nvCxnSpPr>
-          <p:cNvPr id="19" name="Google Shape;286;p37"/>
-          <p:cNvCxnSpPr>
-            <a:stCxn id="18" idx="2"/>
-          </p:cNvCxnSpPr>
-          <p:nvPr/>
-        </p:nvCxnSpPr>
-        <p:spPr>
-          <a:xfrm flipH="1">
-            <a:off x="5566750" y="3050998"/>
-            <a:ext cx="30300" cy="3257700"/>
-          </a:xfrm>
-          <a:prstGeom prst="straightConnector1">
-            <a:avLst/>
-          </a:prstGeom>
-          <a:noFill/>
-          <a:ln w="38100" cap="flat" cmpd="sng">
-            <a:solidFill>
-              <a:schemeClr val="accent1"/>
-            </a:solidFill>
-            <a:prstDash val="dot"/>
-            <a:round/>
-            <a:headEnd type="none" w="sm" len="sm"/>
-            <a:tailEnd type="none" w="sm" len="sm"/>
-          </a:ln>
-          <a:effectLst>
-            <a:outerShdw blurRad="40000" dist="23000" dir="5400000" rotWithShape="0">
-              <a:srgbClr val="000000">
-                <a:alpha val="34901"/>
-              </a:srgbClr>
-            </a:outerShdw>
-          </a:effectLst>
-        </p:spPr>
-      </p:cxnSp>
-      <p:sp>
-        <p:nvSpPr>
-          <p:cNvPr id="20" name="Google Shape;287;p37"/>
-          <p:cNvSpPr/>
-          <p:nvPr/>
-        </p:nvSpPr>
-        <p:spPr>
-          <a:xfrm>
-            <a:off x="5434250" y="4884465"/>
-            <a:ext cx="304800" cy="285900"/>
-          </a:xfrm>
-          <a:prstGeom prst="rect">
-            <a:avLst/>
-          </a:prstGeom>
-          <a:solidFill>
-            <a:schemeClr val="lt1"/>
-          </a:solidFill>
-          <a:ln w="25400" cap="flat" cmpd="sng">
-            <a:solidFill>
-              <a:schemeClr val="accent1"/>
-            </a:solidFill>
-            <a:prstDash val="solid"/>
-            <a:round/>
-            <a:headEnd type="none" w="sm" len="sm"/>
-            <a:tailEnd type="none" w="sm" len="sm"/>
-          </a:ln>
-        </p:spPr>
-        <p:txBody>
-          <a:bodyPr spcFirstLastPara="1" wrap="square" lIns="91425" tIns="45700" rIns="91425" bIns="45700" anchor="ctr" anchorCtr="0">
-            <a:noAutofit/>
-          </a:bodyPr>
-          <a:lstStyle/>
-          <a:p>
-            <a:pPr marL="0" marR="0" lvl="0" indent="0" algn="ctr" rtl="0">
-              <a:spcBef>
-                <a:spcPts val="0"/>
-              </a:spcBef>
-              <a:spcAft>
-                <a:spcPts val="0"/>
-              </a:spcAft>
-              <a:buNone/>
-            </a:pPr>
-            <a:endParaRPr sz="1400">
-              <a:solidFill>
-                <a:schemeClr val="dk1"/>
-              </a:solidFill>
-              <a:latin typeface="Calibri"/>
-              <a:ea typeface="Calibri"/>
-              <a:cs typeface="Calibri"/>
-              <a:sym typeface="Calibri"/>
-            </a:endParaRPr>
-          </a:p>
-        </p:txBody>
-      </p:sp>
-      <p:cxnSp>
-        <p:nvCxnSpPr>
-          <p:cNvPr id="21" name="Google Shape;288;p37"/>
-          <p:cNvCxnSpPr/>
-          <p:nvPr/>
-        </p:nvCxnSpPr>
-        <p:spPr>
-          <a:xfrm rot="10800000" flipH="1">
-            <a:off x="1648900" y="5025773"/>
-            <a:ext cx="3793800" cy="3000"/>
-          </a:xfrm>
-          <a:prstGeom prst="straightConnector1">
-            <a:avLst/>
-          </a:prstGeom>
-          <a:noFill/>
-          <a:ln w="25400" cap="flat" cmpd="sng">
-            <a:solidFill>
-              <a:schemeClr val="accent1"/>
-            </a:solidFill>
-            <a:prstDash val="solid"/>
-            <a:round/>
-            <a:headEnd type="none" w="sm" len="sm"/>
-            <a:tailEnd type="stealth" w="med" len="med"/>
-          </a:ln>
-          <a:effectLst>
-            <a:outerShdw blurRad="40000" dist="20000" dir="5400000" rotWithShape="0">
-              <a:srgbClr val="000000">
-                <a:alpha val="37647"/>
-              </a:srgbClr>
-            </a:outerShdw>
-          </a:effectLst>
-        </p:spPr>
-      </p:cxnSp>
-      <p:sp>
-        <p:nvSpPr>
-          <p:cNvPr id="22" name="Google Shape;289;p37"/>
-          <p:cNvSpPr txBox="1"/>
-          <p:nvPr/>
-        </p:nvSpPr>
-        <p:spPr>
-          <a:xfrm>
-            <a:off x="1741467" y="4762619"/>
-            <a:ext cx="3113562" cy="274040"/>
-          </a:xfrm>
-          <a:prstGeom prst="rect">
-            <a:avLst/>
-          </a:prstGeom>
-          <a:noFill/>
-          <a:ln>
-            <a:noFill/>
-          </a:ln>
-        </p:spPr>
-        <p:txBody>
-          <a:bodyPr spcFirstLastPara="1" wrap="square" lIns="91425" tIns="45700" rIns="91425" bIns="45700" anchor="t" anchorCtr="0">
-            <a:noAutofit/>
-          </a:bodyPr>
-          <a:lstStyle/>
-          <a:p>
-            <a:pPr lvl="0"/>
-            <a:r>
-              <a:rPr lang="es-419" sz="1400" dirty="0">
-                <a:solidFill>
-                  <a:schemeClr val="dk1"/>
-                </a:solidFill>
-                <a:latin typeface="Calibri"/>
-                <a:ea typeface="Calibri"/>
-                <a:cs typeface="Calibri"/>
-                <a:sym typeface="Calibri"/>
-              </a:rPr>
-              <a:t>[user != null ] setAttribute  ("user", user)</a:t>
-            </a:r>
-            <a:endParaRPr sz="1400" dirty="0">
-              <a:solidFill>
-                <a:schemeClr val="dk1"/>
-              </a:solidFill>
-              <a:latin typeface="Calibri"/>
-              <a:ea typeface="Calibri"/>
-              <a:cs typeface="Calibri"/>
-              <a:sym typeface="Calibri"/>
-            </a:endParaRPr>
-          </a:p>
-        </p:txBody>
-      </p:sp>
-      <p:sp>
-        <p:nvSpPr>
-          <p:cNvPr id="23" name="Google Shape;290;p37"/>
-          <p:cNvSpPr/>
-          <p:nvPr/>
-        </p:nvSpPr>
-        <p:spPr>
-          <a:xfrm>
-            <a:off x="4093000" y="2765023"/>
-            <a:ext cx="1056000" cy="285900"/>
-          </a:xfrm>
-          <a:prstGeom prst="rect">
-            <a:avLst/>
-          </a:prstGeom>
-          <a:solidFill>
-            <a:schemeClr val="lt1"/>
-          </a:solidFill>
-          <a:ln w="25400" cap="flat" cmpd="sng">
-            <a:solidFill>
-              <a:schemeClr val="accent1"/>
-            </a:solidFill>
-            <a:prstDash val="solid"/>
-            <a:round/>
-            <a:headEnd type="none" w="sm" len="sm"/>
-            <a:tailEnd type="none" w="sm" len="sm"/>
-          </a:ln>
-        </p:spPr>
-        <p:txBody>
-          <a:bodyPr spcFirstLastPara="1" wrap="square" lIns="91425" tIns="45700" rIns="91425" bIns="45700" anchor="ctr" anchorCtr="0">
-            <a:noAutofit/>
-          </a:bodyPr>
-          <a:lstStyle/>
-          <a:p>
-            <a:pPr marL="0" marR="0" lvl="0" indent="0" algn="ctr" rtl="0">
-              <a:spcBef>
-                <a:spcPts val="0"/>
-              </a:spcBef>
-              <a:spcAft>
-                <a:spcPts val="0"/>
-              </a:spcAft>
-              <a:buNone/>
-            </a:pPr>
-            <a:r>
-              <a:rPr lang="es-419" sz="1400">
-                <a:solidFill>
-                  <a:schemeClr val="dk1"/>
-                </a:solidFill>
-                <a:latin typeface="Calibri"/>
-                <a:ea typeface="Calibri"/>
-                <a:cs typeface="Calibri"/>
-                <a:sym typeface="Calibri"/>
-              </a:rPr>
-              <a:t>index.html</a:t>
-            </a:r>
-            <a:endParaRPr sz="1400">
-              <a:solidFill>
-                <a:schemeClr val="dk1"/>
-              </a:solidFill>
-              <a:latin typeface="Calibri"/>
-              <a:ea typeface="Calibri"/>
-              <a:cs typeface="Calibri"/>
-              <a:sym typeface="Calibri"/>
-            </a:endParaRPr>
-          </a:p>
-        </p:txBody>
-      </p:sp>
-      <p:cxnSp>
-        <p:nvCxnSpPr>
-          <p:cNvPr id="24" name="Google Shape;291;p37"/>
-          <p:cNvCxnSpPr>
-            <a:stCxn id="23" idx="2"/>
-          </p:cNvCxnSpPr>
-          <p:nvPr/>
-        </p:nvCxnSpPr>
-        <p:spPr>
-          <a:xfrm flipH="1">
-            <a:off x="4590700" y="3050923"/>
-            <a:ext cx="30300" cy="3257700"/>
-          </a:xfrm>
-          <a:prstGeom prst="straightConnector1">
-            <a:avLst/>
-          </a:prstGeom>
-          <a:noFill/>
-          <a:ln w="38100" cap="flat" cmpd="sng">
-            <a:solidFill>
-              <a:schemeClr val="accent1"/>
-            </a:solidFill>
-            <a:prstDash val="dot"/>
-            <a:round/>
-            <a:headEnd type="none" w="sm" len="sm"/>
-            <a:tailEnd type="none" w="sm" len="sm"/>
-          </a:ln>
-          <a:effectLst>
-            <a:outerShdw blurRad="40000" dist="23000" dir="5400000" rotWithShape="0">
-              <a:srgbClr val="000000">
-                <a:alpha val="34901"/>
-              </a:srgbClr>
-            </a:outerShdw>
-          </a:effectLst>
-        </p:spPr>
-      </p:cxnSp>
-      <p:sp>
-        <p:nvSpPr>
-          <p:cNvPr id="25" name="Google Shape;292;p37"/>
-          <p:cNvSpPr/>
-          <p:nvPr/>
-        </p:nvSpPr>
-        <p:spPr>
-          <a:xfrm>
-            <a:off x="4464113" y="4192794"/>
-            <a:ext cx="304800" cy="665100"/>
-          </a:xfrm>
-          <a:prstGeom prst="rect">
-            <a:avLst/>
-          </a:prstGeom>
-          <a:solidFill>
-            <a:schemeClr val="lt1"/>
-          </a:solidFill>
-          <a:ln w="25400" cap="flat" cmpd="sng">
-            <a:solidFill>
-              <a:schemeClr val="accent1"/>
-            </a:solidFill>
-            <a:prstDash val="solid"/>
-            <a:round/>
-            <a:headEnd type="none" w="sm" len="sm"/>
-            <a:tailEnd type="none" w="sm" len="sm"/>
-          </a:ln>
-        </p:spPr>
-        <p:txBody>
-          <a:bodyPr spcFirstLastPara="1" wrap="square" lIns="91425" tIns="45700" rIns="91425" bIns="45700" anchor="ctr" anchorCtr="0">
-            <a:noAutofit/>
-          </a:bodyPr>
-          <a:lstStyle/>
-          <a:p>
-            <a:pPr marL="0" marR="0" lvl="0" indent="0" algn="ctr" rtl="0">
-              <a:spcBef>
-                <a:spcPts val="0"/>
-              </a:spcBef>
-              <a:spcAft>
-                <a:spcPts val="0"/>
-              </a:spcAft>
-              <a:buNone/>
-            </a:pPr>
-            <a:endParaRPr sz="1400">
-              <a:solidFill>
-                <a:schemeClr val="dk1"/>
-              </a:solidFill>
-              <a:latin typeface="Calibri"/>
-              <a:ea typeface="Calibri"/>
-              <a:cs typeface="Calibri"/>
-              <a:sym typeface="Calibri"/>
-            </a:endParaRPr>
-          </a:p>
-        </p:txBody>
-      </p:sp>
-      <p:cxnSp>
-        <p:nvCxnSpPr>
-          <p:cNvPr id="26" name="Google Shape;293;p37"/>
-          <p:cNvCxnSpPr/>
-          <p:nvPr/>
-        </p:nvCxnSpPr>
-        <p:spPr>
-          <a:xfrm>
-            <a:off x="1670265" y="4595761"/>
-            <a:ext cx="2775000" cy="2700"/>
-          </a:xfrm>
-          <a:prstGeom prst="straightConnector1">
-            <a:avLst/>
-          </a:prstGeom>
-          <a:noFill/>
-          <a:ln w="25400" cap="flat" cmpd="sng">
-            <a:solidFill>
-              <a:schemeClr val="accent1"/>
-            </a:solidFill>
-            <a:prstDash val="solid"/>
-            <a:round/>
-            <a:headEnd type="none" w="sm" len="sm"/>
-            <a:tailEnd type="stealth" w="med" len="med"/>
-          </a:ln>
-          <a:effectLst>
-            <a:outerShdw blurRad="40000" dist="20000" dir="5400000" rotWithShape="0">
-              <a:srgbClr val="000000">
-                <a:alpha val="37647"/>
-              </a:srgbClr>
-            </a:outerShdw>
-          </a:effectLst>
-        </p:spPr>
-      </p:cxnSp>
-      <p:sp>
-        <p:nvSpPr>
-          <p:cNvPr id="27" name="Google Shape;294;p37"/>
-          <p:cNvSpPr txBox="1"/>
-          <p:nvPr/>
-        </p:nvSpPr>
-        <p:spPr>
-          <a:xfrm>
-            <a:off x="96075" y="4005073"/>
-            <a:ext cx="1209600" cy="2108100"/>
-          </a:xfrm>
-          <a:prstGeom prst="rect">
-            <a:avLst/>
-          </a:prstGeom>
-          <a:noFill/>
-          <a:ln>
-            <a:noFill/>
-          </a:ln>
-        </p:spPr>
-        <p:txBody>
-          <a:bodyPr spcFirstLastPara="1" wrap="square" lIns="91425" tIns="45700" rIns="91425" bIns="45700" anchor="t" anchorCtr="0">
-            <a:noAutofit/>
-          </a:bodyPr>
-          <a:lstStyle/>
-          <a:p>
-            <a:pPr marL="0" marR="0" lvl="0" indent="0" algn="l" rtl="0">
-              <a:spcBef>
-                <a:spcPts val="0"/>
-              </a:spcBef>
-              <a:spcAft>
-                <a:spcPts val="0"/>
-              </a:spcAft>
-              <a:buNone/>
-            </a:pPr>
-            <a:r>
-              <a:rPr lang="es-419" sz="1200">
-                <a:solidFill>
-                  <a:schemeClr val="dk1"/>
-                </a:solidFill>
-                <a:latin typeface="Calibri"/>
-                <a:ea typeface="Calibri"/>
-                <a:cs typeface="Calibri"/>
-                <a:sym typeface="Calibri"/>
-              </a:rPr>
-              <a:t>POST</a:t>
-            </a:r>
-            <a:endParaRPr sz="1200">
-              <a:solidFill>
-                <a:schemeClr val="dk1"/>
-              </a:solidFill>
-              <a:latin typeface="Calibri"/>
-              <a:ea typeface="Calibri"/>
-              <a:cs typeface="Calibri"/>
-              <a:sym typeface="Calibri"/>
-            </a:endParaRPr>
-          </a:p>
-          <a:p>
-            <a:pPr marL="0" marR="0" lvl="0" indent="0" algn="l" rtl="0">
-              <a:spcBef>
-                <a:spcPts val="0"/>
-              </a:spcBef>
-              <a:spcAft>
-                <a:spcPts val="0"/>
-              </a:spcAft>
-              <a:buNone/>
-            </a:pPr>
-            <a:r>
-              <a:rPr lang="es-419" sz="1200">
-                <a:solidFill>
-                  <a:schemeClr val="dk1"/>
-                </a:solidFill>
-                <a:latin typeface="Calibri"/>
-                <a:ea typeface="Calibri"/>
-                <a:cs typeface="Calibri"/>
-                <a:sym typeface="Calibri"/>
-              </a:rPr>
-              <a:t>/CheckLogin</a:t>
-            </a:r>
-            <a:endParaRPr sz="1200">
-              <a:solidFill>
-                <a:schemeClr val="dk1"/>
-              </a:solidFill>
-              <a:latin typeface="Calibri"/>
-              <a:ea typeface="Calibri"/>
-              <a:cs typeface="Calibri"/>
-              <a:sym typeface="Calibri"/>
-            </a:endParaRPr>
-          </a:p>
-          <a:p>
-            <a:pPr marL="0" marR="0" lvl="0" indent="0" algn="l" rtl="0">
-              <a:spcBef>
-                <a:spcPts val="0"/>
-              </a:spcBef>
-              <a:spcAft>
-                <a:spcPts val="0"/>
-              </a:spcAft>
-              <a:buNone/>
-            </a:pPr>
-            <a:r>
-              <a:rPr lang="es-419" sz="1100">
-                <a:solidFill>
-                  <a:schemeClr val="dk1"/>
-                </a:solidFill>
-                <a:latin typeface="Calibri"/>
-                <a:ea typeface="Calibri"/>
-                <a:cs typeface="Calibri"/>
-                <a:sym typeface="Calibri"/>
-              </a:rPr>
-              <a:t>username</a:t>
-            </a:r>
-            <a:endParaRPr sz="1400"/>
-          </a:p>
-          <a:p>
-            <a:pPr marL="0" marR="0" lvl="0" indent="0" algn="l" rtl="0">
-              <a:spcBef>
-                <a:spcPts val="0"/>
-              </a:spcBef>
-              <a:spcAft>
-                <a:spcPts val="0"/>
-              </a:spcAft>
-              <a:buNone/>
-            </a:pPr>
-            <a:r>
-              <a:rPr lang="es-419" sz="1100">
-                <a:solidFill>
-                  <a:schemeClr val="dk1"/>
-                </a:solidFill>
-                <a:latin typeface="Calibri"/>
-                <a:ea typeface="Calibri"/>
-                <a:cs typeface="Calibri"/>
-                <a:sym typeface="Calibri"/>
-              </a:rPr>
-              <a:t>password</a:t>
-            </a:r>
-            <a:endParaRPr sz="1400"/>
-          </a:p>
-          <a:p>
-            <a:pPr marL="0" marR="0" lvl="0" indent="0" algn="l" rtl="0">
-              <a:spcBef>
-                <a:spcPts val="0"/>
-              </a:spcBef>
-              <a:spcAft>
-                <a:spcPts val="0"/>
-              </a:spcAft>
-              <a:buNone/>
-            </a:pPr>
-            <a:endParaRPr sz="1200">
-              <a:solidFill>
-                <a:schemeClr val="dk1"/>
-              </a:solidFill>
-              <a:latin typeface="Calibri"/>
-              <a:ea typeface="Calibri"/>
-              <a:cs typeface="Calibri"/>
-              <a:sym typeface="Calibri"/>
-            </a:endParaRPr>
-          </a:p>
-          <a:p>
-            <a:pPr marL="0" marR="0" lvl="0" indent="0" algn="l" rtl="0">
-              <a:spcBef>
-                <a:spcPts val="0"/>
-              </a:spcBef>
-              <a:spcAft>
-                <a:spcPts val="0"/>
-              </a:spcAft>
-              <a:buNone/>
-            </a:pPr>
-            <a:r>
-              <a:rPr lang="es-419" sz="1200">
-                <a:solidFill>
-                  <a:schemeClr val="dk1"/>
-                </a:solidFill>
-                <a:latin typeface="Calibri"/>
-                <a:ea typeface="Calibri"/>
-                <a:cs typeface="Calibri"/>
-                <a:sym typeface="Calibri"/>
-              </a:rPr>
-              <a:t>From: index.html</a:t>
-            </a:r>
-            <a:endParaRPr sz="1200">
-              <a:solidFill>
-                <a:schemeClr val="dk1"/>
-              </a:solidFill>
-              <a:latin typeface="Calibri"/>
-              <a:ea typeface="Calibri"/>
-              <a:cs typeface="Calibri"/>
-              <a:sym typeface="Calibri"/>
-            </a:endParaRPr>
-          </a:p>
-        </p:txBody>
-      </p:sp>
-      <p:cxnSp>
-        <p:nvCxnSpPr>
-          <p:cNvPr id="28" name="Google Shape;295;p37"/>
-          <p:cNvCxnSpPr/>
-          <p:nvPr/>
-        </p:nvCxnSpPr>
-        <p:spPr>
-          <a:xfrm flipH="1">
-            <a:off x="6593600" y="3084148"/>
-            <a:ext cx="4800" cy="3298800"/>
-          </a:xfrm>
-          <a:prstGeom prst="straightConnector1">
-            <a:avLst/>
-          </a:prstGeom>
-          <a:noFill/>
-          <a:ln w="38100" cap="flat" cmpd="sng">
-            <a:solidFill>
-              <a:schemeClr val="accent1"/>
-            </a:solidFill>
-            <a:prstDash val="dot"/>
-            <a:round/>
-            <a:headEnd type="none" w="sm" len="sm"/>
-            <a:tailEnd type="none" w="sm" len="sm"/>
-          </a:ln>
-          <a:effectLst>
-            <a:outerShdw blurRad="40000" dist="23000" dir="5400000" rotWithShape="0">
-              <a:srgbClr val="000000">
-                <a:alpha val="34901"/>
-              </a:srgbClr>
-            </a:outerShdw>
-          </a:effectLst>
-        </p:spPr>
-      </p:cxnSp>
-      <p:sp>
-        <p:nvSpPr>
-          <p:cNvPr id="29" name="Google Shape;296;p37"/>
-          <p:cNvSpPr/>
-          <p:nvPr/>
-        </p:nvSpPr>
-        <p:spPr>
-          <a:xfrm>
-            <a:off x="6443594" y="5115912"/>
-            <a:ext cx="304800" cy="756000"/>
-          </a:xfrm>
-          <a:prstGeom prst="rect">
-            <a:avLst/>
-          </a:prstGeom>
-          <a:solidFill>
-            <a:schemeClr val="lt1"/>
-          </a:solidFill>
-          <a:ln w="25400" cap="flat" cmpd="sng">
-            <a:solidFill>
-              <a:schemeClr val="accent1"/>
-            </a:solidFill>
-            <a:prstDash val="solid"/>
-            <a:round/>
-            <a:headEnd type="none" w="sm" len="sm"/>
-            <a:tailEnd type="none" w="sm" len="sm"/>
-          </a:ln>
-        </p:spPr>
-        <p:txBody>
-          <a:bodyPr spcFirstLastPara="1" wrap="square" lIns="91425" tIns="45700" rIns="91425" bIns="45700" anchor="ctr" anchorCtr="0">
-            <a:noAutofit/>
-          </a:bodyPr>
-          <a:lstStyle/>
-          <a:p>
-            <a:pPr marL="0" marR="0" lvl="0" indent="0" algn="ctr" rtl="0">
-              <a:spcBef>
-                <a:spcPts val="0"/>
-              </a:spcBef>
-              <a:spcAft>
-                <a:spcPts val="0"/>
-              </a:spcAft>
-              <a:buNone/>
-            </a:pPr>
-            <a:endParaRPr sz="1400">
-              <a:solidFill>
-                <a:schemeClr val="dk1"/>
-              </a:solidFill>
-              <a:latin typeface="Calibri"/>
-              <a:ea typeface="Calibri"/>
-              <a:cs typeface="Calibri"/>
-              <a:sym typeface="Calibri"/>
-            </a:endParaRPr>
-          </a:p>
-        </p:txBody>
-      </p:sp>
-      <p:sp>
-        <p:nvSpPr>
-          <p:cNvPr id="30" name="Google Shape;297;p37"/>
-          <p:cNvSpPr txBox="1"/>
-          <p:nvPr/>
-        </p:nvSpPr>
-        <p:spPr>
-          <a:xfrm>
-            <a:off x="1707191" y="5196645"/>
-            <a:ext cx="2862900" cy="253800"/>
-          </a:xfrm>
-          <a:prstGeom prst="rect">
-            <a:avLst/>
-          </a:prstGeom>
-          <a:noFill/>
-          <a:ln>
-            <a:noFill/>
-          </a:ln>
-        </p:spPr>
-        <p:txBody>
-          <a:bodyPr spcFirstLastPara="1" wrap="square" lIns="91425" tIns="45700" rIns="91425" bIns="45700" anchor="t" anchorCtr="0">
-            <a:noAutofit/>
-          </a:bodyPr>
-          <a:lstStyle/>
-          <a:p>
-            <a:pPr marL="0" marR="0" lvl="0" indent="0" algn="ctr" rtl="0">
-              <a:spcBef>
-                <a:spcPts val="0"/>
-              </a:spcBef>
-              <a:spcAft>
-                <a:spcPts val="0"/>
-              </a:spcAft>
-              <a:buNone/>
-            </a:pPr>
-            <a:r>
-              <a:rPr lang="es-419" sz="1200" dirty="0">
-                <a:solidFill>
-                  <a:schemeClr val="dk1"/>
-                </a:solidFill>
-                <a:latin typeface="Calibri"/>
-                <a:ea typeface="Calibri"/>
-                <a:cs typeface="Calibri"/>
-                <a:sym typeface="Calibri"/>
-              </a:rPr>
-              <a:t>[user != null ] redirect</a:t>
-            </a:r>
-            <a:endParaRPr sz="1200" dirty="0">
-              <a:solidFill>
-                <a:schemeClr val="dk1"/>
-              </a:solidFill>
-              <a:latin typeface="Calibri"/>
-              <a:ea typeface="Calibri"/>
-              <a:cs typeface="Calibri"/>
-              <a:sym typeface="Calibri"/>
-            </a:endParaRPr>
-          </a:p>
-        </p:txBody>
-      </p:sp>
-      <p:sp>
-        <p:nvSpPr>
-          <p:cNvPr id="31" name="Google Shape;298;p37"/>
-          <p:cNvSpPr txBox="1"/>
-          <p:nvPr/>
-        </p:nvSpPr>
-        <p:spPr>
-          <a:xfrm>
-            <a:off x="1826198" y="4306797"/>
-            <a:ext cx="2117400" cy="253800"/>
-          </a:xfrm>
-          <a:prstGeom prst="rect">
-            <a:avLst/>
-          </a:prstGeom>
-          <a:noFill/>
-          <a:ln>
-            <a:noFill/>
-          </a:ln>
-        </p:spPr>
-        <p:txBody>
-          <a:bodyPr spcFirstLastPara="1" wrap="square" lIns="91425" tIns="45700" rIns="91425" bIns="45700" anchor="t" anchorCtr="0">
-            <a:noAutofit/>
-          </a:bodyPr>
-          <a:lstStyle/>
-          <a:p>
-            <a:pPr marL="0" marR="0" lvl="0" indent="0" algn="ctr" rtl="0">
-              <a:spcBef>
-                <a:spcPts val="0"/>
-              </a:spcBef>
-              <a:spcAft>
-                <a:spcPts val="0"/>
-              </a:spcAft>
-              <a:buNone/>
-            </a:pPr>
-            <a:r>
-              <a:rPr lang="es-419" sz="1400">
-                <a:solidFill>
-                  <a:schemeClr val="dk1"/>
-                </a:solidFill>
-                <a:latin typeface="Calibri"/>
-                <a:ea typeface="Calibri"/>
-                <a:cs typeface="Calibri"/>
-                <a:sym typeface="Calibri"/>
-              </a:rPr>
-              <a:t>[user == null ] redirect</a:t>
-            </a:r>
-            <a:endParaRPr sz="1400">
-              <a:solidFill>
-                <a:schemeClr val="dk1"/>
-              </a:solidFill>
-              <a:latin typeface="Calibri"/>
-              <a:ea typeface="Calibri"/>
-              <a:cs typeface="Calibri"/>
-              <a:sym typeface="Calibri"/>
-            </a:endParaRPr>
-          </a:p>
-        </p:txBody>
-      </p:sp>
-      <p:cxnSp>
-        <p:nvCxnSpPr>
-          <p:cNvPr id="32" name="Google Shape;299;p37"/>
-          <p:cNvCxnSpPr>
-            <a:endCxn id="29" idx="1"/>
-          </p:cNvCxnSpPr>
-          <p:nvPr/>
-        </p:nvCxnSpPr>
-        <p:spPr>
-          <a:xfrm rot="10800000" flipH="1">
-            <a:off x="1670294" y="5493912"/>
-            <a:ext cx="4773300" cy="6000"/>
-          </a:xfrm>
-          <a:prstGeom prst="straightConnector1">
-            <a:avLst/>
-          </a:prstGeom>
-          <a:noFill/>
-          <a:ln w="25400" cap="flat" cmpd="sng">
-            <a:solidFill>
-              <a:schemeClr val="accent1"/>
-            </a:solidFill>
-            <a:prstDash val="solid"/>
-            <a:round/>
-            <a:headEnd type="none" w="sm" len="sm"/>
-            <a:tailEnd type="stealth" w="med" len="med"/>
-          </a:ln>
-          <a:effectLst>
-            <a:outerShdw blurRad="40000" dist="20000" dir="5400000" rotWithShape="0">
-              <a:srgbClr val="000000">
-                <a:alpha val="37647"/>
-              </a:srgbClr>
-            </a:outerShdw>
-          </a:effectLst>
-        </p:spPr>
-      </p:cxnSp>
-      <p:cxnSp>
-        <p:nvCxnSpPr>
-          <p:cNvPr id="33" name="Google Shape;300;p37"/>
-          <p:cNvCxnSpPr/>
-          <p:nvPr/>
-        </p:nvCxnSpPr>
-        <p:spPr>
-          <a:xfrm rot="10800000">
-            <a:off x="1660525" y="3828823"/>
-            <a:ext cx="1605900" cy="0"/>
-          </a:xfrm>
-          <a:prstGeom prst="straightConnector1">
-            <a:avLst/>
-          </a:prstGeom>
-          <a:noFill/>
-          <a:ln w="25400" cap="flat" cmpd="sng">
-            <a:solidFill>
-              <a:schemeClr val="accent1"/>
-            </a:solidFill>
-            <a:prstDash val="solid"/>
-            <a:round/>
-            <a:headEnd type="none" w="sm" len="sm"/>
-            <a:tailEnd type="stealth" w="med" len="med"/>
-          </a:ln>
-          <a:effectLst>
-            <a:outerShdw blurRad="40000" dist="20000" dir="5400000" rotWithShape="0">
-              <a:srgbClr val="000000">
-                <a:alpha val="37650"/>
-              </a:srgbClr>
-            </a:outerShdw>
-          </a:effectLst>
-        </p:spPr>
-      </p:cxnSp>
-      <p:sp>
-        <p:nvSpPr>
-          <p:cNvPr id="34" name="Google Shape;301;p37"/>
-          <p:cNvSpPr txBox="1"/>
-          <p:nvPr/>
-        </p:nvSpPr>
-        <p:spPr>
-          <a:xfrm>
-            <a:off x="1756225" y="3581673"/>
-            <a:ext cx="1606200" cy="230700"/>
-          </a:xfrm>
-          <a:prstGeom prst="rect">
-            <a:avLst/>
-          </a:prstGeom>
-          <a:noFill/>
-          <a:ln>
-            <a:noFill/>
-          </a:ln>
-        </p:spPr>
-        <p:txBody>
-          <a:bodyPr spcFirstLastPara="1" wrap="square" lIns="91425" tIns="45700" rIns="91425" bIns="45700" anchor="t" anchorCtr="0">
-            <a:noAutofit/>
-          </a:bodyPr>
-          <a:lstStyle/>
-          <a:p>
-            <a:pPr marL="0" marR="0" lvl="0" indent="0" algn="l" rtl="0">
-              <a:spcBef>
-                <a:spcPts val="0"/>
-              </a:spcBef>
-              <a:spcAft>
-                <a:spcPts val="0"/>
-              </a:spcAft>
-              <a:buNone/>
-            </a:pPr>
-            <a:r>
-              <a:rPr lang="es-419" sz="1100">
-                <a:solidFill>
-                  <a:schemeClr val="dk1"/>
-                </a:solidFill>
-                <a:latin typeface="Calibri"/>
-                <a:ea typeface="Calibri"/>
-                <a:cs typeface="Calibri"/>
-                <a:sym typeface="Calibri"/>
-              </a:rPr>
-              <a:t>checkCredentials()</a:t>
-            </a:r>
-            <a:endParaRPr sz="1100">
-              <a:solidFill>
-                <a:schemeClr val="dk1"/>
-              </a:solidFill>
-              <a:latin typeface="Calibri"/>
-              <a:ea typeface="Calibri"/>
-              <a:cs typeface="Calibri"/>
-              <a:sym typeface="Calibri"/>
-            </a:endParaRPr>
-          </a:p>
-        </p:txBody>
-      </p:sp>
-      <p:sp>
-        <p:nvSpPr>
-          <p:cNvPr id="35" name="Google Shape;302;p37"/>
-          <p:cNvSpPr/>
-          <p:nvPr/>
-        </p:nvSpPr>
-        <p:spPr>
-          <a:xfrm>
-            <a:off x="6133300" y="2769524"/>
-            <a:ext cx="1136700" cy="276900"/>
-          </a:xfrm>
-          <a:prstGeom prst="rect">
-            <a:avLst/>
-          </a:prstGeom>
-          <a:solidFill>
-            <a:schemeClr val="lt1"/>
-          </a:solidFill>
-          <a:ln w="25400" cap="flat" cmpd="sng">
-            <a:solidFill>
-              <a:schemeClr val="accent1"/>
-            </a:solidFill>
-            <a:prstDash val="solid"/>
-            <a:round/>
-            <a:headEnd type="none" w="sm" len="sm"/>
-            <a:tailEnd type="none" w="sm" len="sm"/>
-          </a:ln>
-        </p:spPr>
-        <p:txBody>
-          <a:bodyPr spcFirstLastPara="1" wrap="square" lIns="91425" tIns="45700" rIns="91425" bIns="45700" anchor="ctr" anchorCtr="0">
-            <a:noAutofit/>
-          </a:bodyPr>
-          <a:lstStyle/>
-          <a:p>
-            <a:pPr marL="0" marR="0" lvl="0" indent="0" algn="ctr" rtl="0">
-              <a:spcBef>
-                <a:spcPts val="0"/>
-              </a:spcBef>
-              <a:spcAft>
-                <a:spcPts val="0"/>
-              </a:spcAft>
-              <a:buNone/>
-            </a:pPr>
-            <a:r>
-              <a:rPr lang="es-419" sz="1100">
-                <a:solidFill>
-                  <a:schemeClr val="dk1"/>
-                </a:solidFill>
-                <a:latin typeface="Calibri"/>
-                <a:ea typeface="Calibri"/>
-                <a:cs typeface="Calibri"/>
-                <a:sym typeface="Calibri"/>
-              </a:rPr>
-              <a:t>GoToHome</a:t>
-            </a:r>
-            <a:endParaRPr sz="1100">
-              <a:solidFill>
-                <a:schemeClr val="dk1"/>
-              </a:solidFill>
-              <a:latin typeface="Calibri"/>
-              <a:ea typeface="Calibri"/>
-              <a:cs typeface="Calibri"/>
-              <a:sym typeface="Calibri"/>
-            </a:endParaRPr>
-          </a:p>
-        </p:txBody>
-      </p:sp>
-      <p:cxnSp>
-        <p:nvCxnSpPr>
-          <p:cNvPr id="36" name="Google Shape;303;p37"/>
-          <p:cNvCxnSpPr/>
-          <p:nvPr/>
-        </p:nvCxnSpPr>
-        <p:spPr>
-          <a:xfrm>
-            <a:off x="6748400" y="5493923"/>
-            <a:ext cx="1118700" cy="0"/>
-          </a:xfrm>
-          <a:prstGeom prst="straightConnector1">
-            <a:avLst/>
-          </a:prstGeom>
-          <a:noFill/>
-          <a:ln w="25400" cap="flat" cmpd="sng">
-            <a:solidFill>
-              <a:schemeClr val="accent1"/>
-            </a:solidFill>
-            <a:prstDash val="solid"/>
-            <a:round/>
-            <a:headEnd type="none" w="sm" len="sm"/>
-            <a:tailEnd type="stealth" w="med" len="med"/>
-          </a:ln>
-          <a:effectLst>
-            <a:outerShdw blurRad="40000" dist="20000" dir="5400000" rotWithShape="0">
-              <a:srgbClr val="000000">
-                <a:alpha val="37650"/>
-              </a:srgbClr>
-            </a:outerShdw>
-          </a:effectLst>
-        </p:spPr>
-      </p:cxnSp>
-      <p:sp>
-        <p:nvSpPr>
-          <p:cNvPr id="37" name="Google Shape;304;p37"/>
-          <p:cNvSpPr txBox="1"/>
-          <p:nvPr/>
-        </p:nvSpPr>
-        <p:spPr>
-          <a:xfrm>
-            <a:off x="6842385" y="5196648"/>
-            <a:ext cx="2269500" cy="253800"/>
-          </a:xfrm>
-          <a:prstGeom prst="rect">
-            <a:avLst/>
-          </a:prstGeom>
-          <a:noFill/>
-          <a:ln>
-            <a:noFill/>
-          </a:ln>
-        </p:spPr>
-        <p:txBody>
-          <a:bodyPr spcFirstLastPara="1" wrap="square" lIns="91425" tIns="45700" rIns="91425" bIns="45700" anchor="t" anchorCtr="0">
-            <a:noAutofit/>
-          </a:bodyPr>
-          <a:lstStyle/>
-          <a:p>
-            <a:pPr marL="0" marR="0" lvl="0" indent="0" algn="ctr" rtl="0">
-              <a:spcBef>
-                <a:spcPts val="0"/>
-              </a:spcBef>
-              <a:spcAft>
-                <a:spcPts val="0"/>
-              </a:spcAft>
-              <a:buNone/>
-            </a:pPr>
-            <a:r>
-              <a:rPr lang="es-419" sz="1200" b="1">
-                <a:solidFill>
-                  <a:schemeClr val="dk1"/>
-                </a:solidFill>
-                <a:latin typeface="Calibri"/>
-                <a:ea typeface="Calibri"/>
-                <a:cs typeface="Calibri"/>
-                <a:sym typeface="Calibri"/>
-              </a:rPr>
-              <a:t>See slide “go to home”</a:t>
-            </a:r>
-            <a:endParaRPr sz="1200" b="1">
-              <a:solidFill>
-                <a:schemeClr val="dk1"/>
-              </a:solidFill>
-              <a:latin typeface="Calibri"/>
-              <a:ea typeface="Calibri"/>
-              <a:cs typeface="Calibri"/>
-              <a:sym typeface="Calibri"/>
-            </a:endParaRPr>
-          </a:p>
-        </p:txBody>
-      </p:sp>
-      <p:sp>
-        <p:nvSpPr>
-          <p:cNvPr id="38" name="TextBox 37"/>
-          <p:cNvSpPr txBox="1"/>
-          <p:nvPr/>
-        </p:nvSpPr>
-        <p:spPr>
-          <a:xfrm>
-            <a:off x="867620" y="1690689"/>
-            <a:ext cx="6267678" cy="369332"/>
-          </a:xfrm>
-          <a:prstGeom prst="rect">
-            <a:avLst/>
-          </a:prstGeom>
-          <a:noFill/>
-        </p:spPr>
-        <p:txBody>
-          <a:bodyPr wrap="none" rtlCol="0">
-            <a:spAutoFit/>
-          </a:bodyPr>
-          <a:lstStyle/>
-          <a:p>
-            <a:r>
-              <a:rPr lang="it-IT" dirty="0"/>
-              <a:t>Only if needed to illustrate some relevant component interaction</a:t>
+            <a:pPr marL="0" indent="0">
+              <a:buNone/>
+            </a:pPr>
+            <a:r>
+              <a:rPr lang="en-GB" sz="2000" dirty="0"/>
+              <a:t>We decided to design an </a:t>
+            </a:r>
+            <a:r>
+              <a:rPr lang="en-GB" sz="2000" dirty="0">
+                <a:solidFill>
+                  <a:srgbClr val="00B050"/>
+                </a:solidFill>
+              </a:rPr>
+              <a:t>Entity for each materialized view table </a:t>
+            </a:r>
+            <a:r>
+              <a:rPr lang="en-GB" sz="2000" dirty="0"/>
+              <a:t>so that we could retrieve all the aggregate data using simple queries (e.g. </a:t>
+            </a:r>
+            <a:r>
+              <a:rPr lang="en-GB" sz="2000" dirty="0" err="1"/>
+              <a:t>findAll</a:t>
+            </a:r>
+            <a:r>
+              <a:rPr lang="en-GB" sz="2000" dirty="0"/>
+              <a:t>), since all materialized tables are populated completely using triggers.</a:t>
+            </a:r>
+          </a:p>
+          <a:p>
+            <a:pPr marL="0" indent="0">
+              <a:buNone/>
+            </a:pPr>
+            <a:endParaRPr lang="en-GB" sz="2000" dirty="0"/>
+          </a:p>
+          <a:p>
+            <a:pPr marL="0" indent="0">
+              <a:buNone/>
+            </a:pPr>
+            <a:r>
+              <a:rPr lang="en-GB" sz="2000" dirty="0"/>
+              <a:t>To retrieve the </a:t>
+            </a:r>
+            <a:r>
+              <a:rPr lang="en-GB" sz="2000" dirty="0">
+                <a:solidFill>
+                  <a:srgbClr val="00B050"/>
+                </a:solidFill>
+              </a:rPr>
+              <a:t>best seller optional product </a:t>
+            </a:r>
+            <a:r>
+              <a:rPr lang="en-GB" sz="2000" dirty="0"/>
+              <a:t>we populate a table containing, for each optional product, its total value of sales, then we fetch the entire table ordered by sales and finally we keep only the first one result.</a:t>
             </a:r>
           </a:p>
         </p:txBody>
@@ -26954,7 +25281,7 @@
     </p:spTree>
     <p:extLst>
       <p:ext uri="{BB962C8B-B14F-4D97-AF65-F5344CB8AC3E}">
-        <p14:creationId xmlns:p14="http://schemas.microsoft.com/office/powerpoint/2010/main" val="3500158496"/>
+        <p14:creationId xmlns:p14="http://schemas.microsoft.com/office/powerpoint/2010/main" val="3176098105"/>
       </p:ext>
     </p:extLst>
   </p:cSld>

--- a/docs/documentation.pptx
+++ b/docs/documentation.pptx
@@ -6,7 +6,7 @@
     <p:sldMasterId id="2147483648" r:id="rId2"/>
   </p:sldMasterIdLst>
   <p:notesMasterIdLst>
-    <p:notesMasterId r:id="rId71"/>
+    <p:notesMasterId r:id="rId77"/>
   </p:notesMasterIdLst>
   <p:sldIdLst>
     <p:sldId id="256" r:id="rId3"/>
@@ -71,12 +71,18 @@
     <p:sldId id="348" r:id="rId62"/>
     <p:sldId id="349" r:id="rId63"/>
     <p:sldId id="350" r:id="rId64"/>
-    <p:sldId id="298" r:id="rId65"/>
-    <p:sldId id="300" r:id="rId66"/>
-    <p:sldId id="299" r:id="rId67"/>
-    <p:sldId id="286" r:id="rId68"/>
-    <p:sldId id="297" r:id="rId69"/>
-    <p:sldId id="335" r:id="rId70"/>
+    <p:sldId id="352" r:id="rId65"/>
+    <p:sldId id="353" r:id="rId66"/>
+    <p:sldId id="354" r:id="rId67"/>
+    <p:sldId id="298" r:id="rId68"/>
+    <p:sldId id="355" r:id="rId69"/>
+    <p:sldId id="356" r:id="rId70"/>
+    <p:sldId id="357" r:id="rId71"/>
+    <p:sldId id="358" r:id="rId72"/>
+    <p:sldId id="359" r:id="rId73"/>
+    <p:sldId id="360" r:id="rId74"/>
+    <p:sldId id="361" r:id="rId75"/>
+    <p:sldId id="297" r:id="rId76"/>
   </p:sldIdLst>
   <p:sldSz cx="9144000" cy="6858000" type="screen4x3"/>
   <p:notesSz cx="6858000" cy="9144000"/>
@@ -25341,12 +25347,64 @@
         </p:nvSpPr>
         <p:spPr/>
         <p:txBody>
-          <a:bodyPr/>
+          <a:bodyPr>
+            <a:normAutofit lnSpcReduction="10000"/>
+          </a:bodyPr>
           <a:lstStyle/>
           <a:p>
-            <a:r>
-              <a:rPr lang="it-IT" dirty="0"/>
-              <a:t>If there are aspects of the ORM that you want to illustrate or motivate, write your explanations after each relationship ORM design slide or at the end of the ORM design section</a:t>
+            <a:pPr marL="0" indent="0">
+              <a:buNone/>
+            </a:pPr>
+            <a:r>
+              <a:rPr lang="en-GB" sz="2800" dirty="0"/>
+              <a:t>We decided to design an </a:t>
+            </a:r>
+            <a:r>
+              <a:rPr lang="en-GB" sz="2800" dirty="0">
+                <a:solidFill>
+                  <a:srgbClr val="00B050"/>
+                </a:solidFill>
+              </a:rPr>
+              <a:t>Entity for each materialized view table </a:t>
+            </a:r>
+            <a:r>
+              <a:rPr lang="en-GB" sz="2800" dirty="0"/>
+              <a:t>so that we could retrieve all the aggregate data using simple queries (e.g. </a:t>
+            </a:r>
+            <a:r>
+              <a:rPr lang="en-GB" sz="2800" dirty="0" err="1"/>
+              <a:t>findAll</a:t>
+            </a:r>
+            <a:r>
+              <a:rPr lang="en-GB" sz="2800" dirty="0"/>
+              <a:t>), since all materialized tables are populated completely using triggers.</a:t>
+            </a:r>
+          </a:p>
+          <a:p>
+            <a:pPr marL="0" indent="0">
+              <a:buNone/>
+            </a:pPr>
+            <a:endParaRPr lang="en-GB" sz="2800" dirty="0"/>
+          </a:p>
+          <a:p>
+            <a:pPr marL="0" indent="0">
+              <a:buNone/>
+            </a:pPr>
+            <a:r>
+              <a:rPr lang="en-GB" sz="2800" dirty="0"/>
+              <a:t>To retrieve the </a:t>
+            </a:r>
+            <a:r>
+              <a:rPr lang="en-GB" sz="2800" dirty="0">
+                <a:solidFill>
+                  <a:srgbClr val="00B050"/>
+                </a:solidFill>
+              </a:rPr>
+              <a:t>best seller optional product </a:t>
+            </a:r>
+            <a:r>
+              <a:rPr lang="en-GB" sz="2800" dirty="0"/>
+              <a:t>we populate a table containing, for each optional product, its total value of sales, then we fetch the entire table ordered by sales and finally we keep only the first one result.</a:t>
             </a:r>
           </a:p>
         </p:txBody>
@@ -44005,44 +44063,1000 @@
             <p:ph type="title"/>
           </p:nvPr>
         </p:nvSpPr>
-        <p:spPr/>
+        <p:spPr>
+          <a:xfrm>
+            <a:off x="628650" y="356223"/>
+            <a:ext cx="7886700" cy="1325563"/>
+          </a:xfrm>
+        </p:spPr>
         <p:txBody>
           <a:bodyPr/>
           <a:lstStyle/>
           <a:p>
             <a:r>
-              <a:rPr lang="it-IT" dirty="0"/>
-              <a:t>Functional analysis of the interaction</a:t>
+              <a:rPr lang="en-GB" dirty="0"/>
+              <a:t>Entity Total Purchases per Package</a:t>
             </a:r>
           </a:p>
         </p:txBody>
       </p:sp>
       <p:sp>
         <p:nvSpPr>
-          <p:cNvPr id="5" name="Content Placeholder 4"/>
+          <p:cNvPr id="5" name="Rectangle 2">
+            <a:extLst>
+              <a:ext uri="{FF2B5EF4-FFF2-40B4-BE49-F238E27FC236}">
+                <a16:creationId xmlns:a16="http://schemas.microsoft.com/office/drawing/2014/main" id="{123BFB52-DA25-487A-95B9-DA4584447861}"/>
+              </a:ext>
+            </a:extLst>
+          </p:cNvPr>
           <p:cNvSpPr>
-            <a:spLocks noGrp="1"/>
+            <a:spLocks noChangeArrowheads="1"/>
           </p:cNvSpPr>
-          <p:nvPr>
-            <p:ph idx="1"/>
-          </p:nvPr>
+          <p:nvPr/>
         </p:nvSpPr>
-        <p:spPr/>
+        <p:spPr bwMode="auto">
+          <a:xfrm>
+            <a:off x="1817580" y="2113147"/>
+            <a:ext cx="5508839" cy="3108543"/>
+          </a:xfrm>
+          <a:prstGeom prst="rect">
+            <a:avLst/>
+          </a:prstGeom>
+          <a:solidFill>
+            <a:srgbClr val="2B2B2B"/>
+          </a:solidFill>
+          <a:ln>
+            <a:noFill/>
+          </a:ln>
+          <a:effectLst/>
+          <a:extLst>
+            <a:ext uri="{91240B29-F687-4F45-9708-019B960494DF}">
+              <a14:hiddenLine xmlns:a14="http://schemas.microsoft.com/office/drawing/2010/main" w="9525">
+                <a:solidFill>
+                  <a:schemeClr val="tx1"/>
+                </a:solidFill>
+                <a:miter lim="800000"/>
+                <a:headEnd/>
+                <a:tailEnd/>
+              </a14:hiddenLine>
+            </a:ext>
+            <a:ext uri="{AF507438-7753-43E0-B8FC-AC1667EBCBE1}">
+              <a14:hiddenEffects xmlns:a14="http://schemas.microsoft.com/office/drawing/2010/main">
+                <a:effectLst>
+                  <a:outerShdw dist="35921" dir="2700000" algn="ctr" rotWithShape="0">
+                    <a:schemeClr val="bg2"/>
+                  </a:outerShdw>
+                </a:effectLst>
+              </a14:hiddenEffects>
+            </a:ext>
+          </a:extLst>
+        </p:spPr>
         <p:txBody>
-          <a:bodyPr/>
+          <a:bodyPr vert="horz" wrap="square" lIns="91440" tIns="45720" rIns="91440" bIns="45720" numCol="1" anchor="ctr" anchorCtr="0" compatLnSpc="1">
+            <a:prstTxWarp prst="textNoShape">
+              <a:avLst/>
+            </a:prstTxWarp>
+            <a:spAutoFit/>
+          </a:bodyPr>
           <a:lstStyle/>
           <a:p>
-            <a:r>
-              <a:rPr lang="it-IT" dirty="0"/>
-              <a:t>Describe the interaction diagrams of the application using any graphical notation (e.g., IFML or similar --- www.ifmledit.org) or a textual notation (see next slides)</a:t>
-            </a:r>
+            <a:pPr marL="0" marR="0" lvl="0" indent="0" algn="l" defTabSz="914400" rtl="0" eaLnBrk="0" fontAlgn="base" latinLnBrk="0" hangingPunct="0">
+              <a:lnSpc>
+                <a:spcPct val="100000"/>
+              </a:lnSpc>
+              <a:spcBef>
+                <a:spcPct val="0"/>
+              </a:spcBef>
+              <a:spcAft>
+                <a:spcPct val="0"/>
+              </a:spcAft>
+              <a:buClrTx/>
+              <a:buSzTx/>
+              <a:buFontTx/>
+              <a:buNone/>
+              <a:tabLst/>
+            </a:pPr>
+            <a:r>
+              <a:rPr kumimoji="0" lang="it-IT" altLang="it-IT" sz="1400" b="0" i="0" u="none" strike="noStrike" cap="none" normalizeH="0" baseline="0" dirty="0">
+                <a:ln>
+                  <a:noFill/>
+                </a:ln>
+                <a:solidFill>
+                  <a:srgbClr val="BBB529"/>
+                </a:solidFill>
+                <a:effectLst/>
+                <a:latin typeface="JetBrains Mono"/>
+              </a:rPr>
+              <a:t>@Entity</a:t>
+            </a:r>
+            <a:br>
+              <a:rPr kumimoji="0" lang="it-IT" altLang="it-IT" sz="1400" b="0" i="0" u="none" strike="noStrike" cap="none" normalizeH="0" baseline="0" dirty="0">
+                <a:ln>
+                  <a:noFill/>
+                </a:ln>
+                <a:solidFill>
+                  <a:srgbClr val="BBB529"/>
+                </a:solidFill>
+                <a:effectLst/>
+                <a:latin typeface="JetBrains Mono"/>
+              </a:rPr>
+            </a:br>
+            <a:r>
+              <a:rPr kumimoji="0" lang="it-IT" altLang="it-IT" sz="1400" b="0" i="0" u="none" strike="noStrike" cap="none" normalizeH="0" baseline="0" dirty="0">
+                <a:ln>
+                  <a:noFill/>
+                </a:ln>
+                <a:solidFill>
+                  <a:srgbClr val="BBB529"/>
+                </a:solidFill>
+                <a:effectLst/>
+                <a:latin typeface="JetBrains Mono"/>
+              </a:rPr>
+              <a:t>@Table</a:t>
+            </a:r>
+            <a:r>
+              <a:rPr kumimoji="0" lang="it-IT" altLang="it-IT" sz="1400" b="0" i="0" u="none" strike="noStrike" cap="none" normalizeH="0" baseline="0" dirty="0">
+                <a:ln>
+                  <a:noFill/>
+                </a:ln>
+                <a:solidFill>
+                  <a:srgbClr val="A9B7C6"/>
+                </a:solidFill>
+                <a:effectLst/>
+                <a:latin typeface="JetBrains Mono"/>
+              </a:rPr>
+              <a:t>(name = </a:t>
+            </a:r>
+            <a:r>
+              <a:rPr kumimoji="0" lang="it-IT" altLang="it-IT" sz="1400" b="0" i="0" u="none" strike="noStrike" cap="none" normalizeH="0" baseline="0" dirty="0">
+                <a:ln>
+                  <a:noFill/>
+                </a:ln>
+                <a:solidFill>
+                  <a:srgbClr val="6A8759"/>
+                </a:solidFill>
+                <a:effectLst/>
+                <a:latin typeface="JetBrains Mono"/>
+              </a:rPr>
+              <a:t>"</a:t>
+            </a:r>
+            <a:r>
+              <a:rPr kumimoji="0" lang="it-IT" altLang="it-IT" sz="1400" b="0" i="0" u="none" strike="noStrike" cap="none" normalizeH="0" baseline="0" dirty="0" err="1">
+                <a:ln>
+                  <a:noFill/>
+                </a:ln>
+                <a:solidFill>
+                  <a:srgbClr val="6A8759"/>
+                </a:solidFill>
+                <a:effectLst/>
+                <a:latin typeface="JetBrains Mono"/>
+              </a:rPr>
+              <a:t>total_purchases_per_package</a:t>
+            </a:r>
+            <a:r>
+              <a:rPr kumimoji="0" lang="it-IT" altLang="it-IT" sz="1400" b="0" i="0" u="none" strike="noStrike" cap="none" normalizeH="0" baseline="0" dirty="0">
+                <a:ln>
+                  <a:noFill/>
+                </a:ln>
+                <a:solidFill>
+                  <a:srgbClr val="6A8759"/>
+                </a:solidFill>
+                <a:effectLst/>
+                <a:latin typeface="JetBrains Mono"/>
+              </a:rPr>
+              <a:t>"</a:t>
+            </a:r>
+            <a:r>
+              <a:rPr kumimoji="0" lang="it-IT" altLang="it-IT" sz="1400" b="0" i="0" u="none" strike="noStrike" cap="none" normalizeH="0" baseline="0" dirty="0">
+                <a:ln>
+                  <a:noFill/>
+                </a:ln>
+                <a:solidFill>
+                  <a:srgbClr val="CC7832"/>
+                </a:solidFill>
+                <a:effectLst/>
+                <a:latin typeface="JetBrains Mono"/>
+              </a:rPr>
+              <a:t>, </a:t>
+            </a:r>
+            <a:r>
+              <a:rPr kumimoji="0" lang="it-IT" altLang="it-IT" sz="1400" b="0" i="0" u="none" strike="noStrike" cap="none" normalizeH="0" baseline="0" dirty="0">
+                <a:ln>
+                  <a:noFill/>
+                </a:ln>
+                <a:solidFill>
+                  <a:srgbClr val="A9B7C6"/>
+                </a:solidFill>
+                <a:effectLst/>
+                <a:latin typeface="JetBrains Mono"/>
+              </a:rPr>
+              <a:t>schema = </a:t>
+            </a:r>
+            <a:r>
+              <a:rPr kumimoji="0" lang="it-IT" altLang="it-IT" sz="1400" b="0" i="0" u="none" strike="noStrike" cap="none" normalizeH="0" baseline="0" dirty="0">
+                <a:ln>
+                  <a:noFill/>
+                </a:ln>
+                <a:solidFill>
+                  <a:srgbClr val="6A8759"/>
+                </a:solidFill>
+                <a:effectLst/>
+                <a:latin typeface="JetBrains Mono"/>
+              </a:rPr>
+              <a:t>"</a:t>
+            </a:r>
+            <a:r>
+              <a:rPr kumimoji="0" lang="it-IT" altLang="it-IT" sz="1400" b="0" i="0" u="none" strike="noStrike" cap="none" normalizeH="0" baseline="0" dirty="0" err="1">
+                <a:ln>
+                  <a:noFill/>
+                </a:ln>
+                <a:solidFill>
+                  <a:srgbClr val="6A8759"/>
+                </a:solidFill>
+                <a:effectLst/>
+                <a:latin typeface="JetBrains Mono"/>
+              </a:rPr>
+              <a:t>telcodb</a:t>
+            </a:r>
+            <a:r>
+              <a:rPr kumimoji="0" lang="it-IT" altLang="it-IT" sz="1400" b="0" i="0" u="none" strike="noStrike" cap="none" normalizeH="0" baseline="0" dirty="0">
+                <a:ln>
+                  <a:noFill/>
+                </a:ln>
+                <a:solidFill>
+                  <a:srgbClr val="6A8759"/>
+                </a:solidFill>
+                <a:effectLst/>
+                <a:latin typeface="JetBrains Mono"/>
+              </a:rPr>
+              <a:t>"</a:t>
+            </a:r>
+            <a:r>
+              <a:rPr kumimoji="0" lang="it-IT" altLang="it-IT" sz="1400" b="0" i="0" u="none" strike="noStrike" cap="none" normalizeH="0" baseline="0" dirty="0">
+                <a:ln>
+                  <a:noFill/>
+                </a:ln>
+                <a:solidFill>
+                  <a:srgbClr val="A9B7C6"/>
+                </a:solidFill>
+                <a:effectLst/>
+                <a:latin typeface="JetBrains Mono"/>
+              </a:rPr>
+              <a:t>)</a:t>
+            </a:r>
+            <a:br>
+              <a:rPr kumimoji="0" lang="it-IT" altLang="it-IT" sz="1400" b="0" i="0" u="none" strike="noStrike" cap="none" normalizeH="0" baseline="0" dirty="0">
+                <a:ln>
+                  <a:noFill/>
+                </a:ln>
+                <a:solidFill>
+                  <a:srgbClr val="A9B7C6"/>
+                </a:solidFill>
+                <a:effectLst/>
+                <a:latin typeface="JetBrains Mono"/>
+              </a:rPr>
+            </a:br>
+            <a:r>
+              <a:rPr kumimoji="0" lang="it-IT" altLang="it-IT" sz="1400" b="0" i="0" u="none" strike="noStrike" cap="none" normalizeH="0" baseline="0" dirty="0">
+                <a:ln>
+                  <a:noFill/>
+                </a:ln>
+                <a:solidFill>
+                  <a:srgbClr val="BBB529"/>
+                </a:solidFill>
+                <a:effectLst/>
+                <a:latin typeface="JetBrains Mono"/>
+              </a:rPr>
+              <a:t>@NamedQueries</a:t>
+            </a:r>
+            <a:r>
+              <a:rPr kumimoji="0" lang="it-IT" altLang="it-IT" sz="1400" b="0" i="0" u="none" strike="noStrike" cap="none" normalizeH="0" baseline="0" dirty="0">
+                <a:ln>
+                  <a:noFill/>
+                </a:ln>
+                <a:solidFill>
+                  <a:srgbClr val="A9B7C6"/>
+                </a:solidFill>
+                <a:effectLst/>
+                <a:latin typeface="JetBrains Mono"/>
+              </a:rPr>
+              <a:t>(</a:t>
+            </a:r>
+            <a:br>
+              <a:rPr kumimoji="0" lang="it-IT" altLang="it-IT" sz="1400" b="0" i="0" u="none" strike="noStrike" cap="none" normalizeH="0" baseline="0" dirty="0">
+                <a:ln>
+                  <a:noFill/>
+                </a:ln>
+                <a:solidFill>
+                  <a:srgbClr val="A9B7C6"/>
+                </a:solidFill>
+                <a:effectLst/>
+                <a:latin typeface="JetBrains Mono"/>
+              </a:rPr>
+            </a:br>
+            <a:r>
+              <a:rPr kumimoji="0" lang="it-IT" altLang="it-IT" sz="1400" b="0" i="0" u="none" strike="noStrike" cap="none" normalizeH="0" baseline="0" dirty="0">
+                <a:ln>
+                  <a:noFill/>
+                </a:ln>
+                <a:solidFill>
+                  <a:srgbClr val="A9B7C6"/>
+                </a:solidFill>
+                <a:effectLst/>
+                <a:latin typeface="JetBrains Mono"/>
+              </a:rPr>
+              <a:t>        {</a:t>
+            </a:r>
+            <a:br>
+              <a:rPr kumimoji="0" lang="it-IT" altLang="it-IT" sz="1400" b="0" i="0" u="none" strike="noStrike" cap="none" normalizeH="0" baseline="0" dirty="0">
+                <a:ln>
+                  <a:noFill/>
+                </a:ln>
+                <a:solidFill>
+                  <a:srgbClr val="A9B7C6"/>
+                </a:solidFill>
+                <a:effectLst/>
+                <a:latin typeface="JetBrains Mono"/>
+              </a:rPr>
+            </a:br>
+            <a:r>
+              <a:rPr kumimoji="0" lang="it-IT" altLang="it-IT" sz="1400" b="0" i="0" u="none" strike="noStrike" cap="none" normalizeH="0" baseline="0" dirty="0">
+                <a:ln>
+                  <a:noFill/>
+                </a:ln>
+                <a:solidFill>
+                  <a:srgbClr val="A9B7C6"/>
+                </a:solidFill>
+                <a:effectLst/>
+                <a:latin typeface="JetBrains Mono"/>
+              </a:rPr>
+              <a:t>                </a:t>
+            </a:r>
+            <a:r>
+              <a:rPr kumimoji="0" lang="it-IT" altLang="it-IT" sz="1400" b="0" i="0" u="none" strike="noStrike" cap="none" normalizeH="0" baseline="0" dirty="0">
+                <a:ln>
+                  <a:noFill/>
+                </a:ln>
+                <a:solidFill>
+                  <a:srgbClr val="BBB529"/>
+                </a:solidFill>
+                <a:effectLst/>
+                <a:latin typeface="JetBrains Mono"/>
+              </a:rPr>
+              <a:t>@NamedQuery</a:t>
+            </a:r>
+            <a:r>
+              <a:rPr kumimoji="0" lang="it-IT" altLang="it-IT" sz="1400" b="0" i="0" u="none" strike="noStrike" cap="none" normalizeH="0" baseline="0" dirty="0">
+                <a:ln>
+                  <a:noFill/>
+                </a:ln>
+                <a:solidFill>
+                  <a:srgbClr val="A9B7C6"/>
+                </a:solidFill>
+                <a:effectLst/>
+                <a:latin typeface="JetBrains Mono"/>
+              </a:rPr>
+              <a:t>(name = </a:t>
+            </a:r>
+            <a:r>
+              <a:rPr kumimoji="0" lang="it-IT" altLang="it-IT" sz="1400" b="0" i="0" u="none" strike="noStrike" cap="none" normalizeH="0" baseline="0" dirty="0">
+                <a:ln>
+                  <a:noFill/>
+                </a:ln>
+                <a:solidFill>
+                  <a:srgbClr val="6A8759"/>
+                </a:solidFill>
+                <a:effectLst/>
+                <a:latin typeface="JetBrains Mono"/>
+              </a:rPr>
+              <a:t>"</a:t>
+            </a:r>
+            <a:r>
+              <a:rPr kumimoji="0" lang="it-IT" altLang="it-IT" sz="1400" b="0" i="0" u="none" strike="noStrike" cap="none" normalizeH="0" baseline="0" dirty="0" err="1">
+                <a:ln>
+                  <a:noFill/>
+                </a:ln>
+                <a:solidFill>
+                  <a:srgbClr val="6A8759"/>
+                </a:solidFill>
+                <a:effectLst/>
+                <a:latin typeface="JetBrains Mono"/>
+              </a:rPr>
+              <a:t>TotalPurchasesPerPackage.retrieveAll</a:t>
+            </a:r>
+            <a:r>
+              <a:rPr kumimoji="0" lang="it-IT" altLang="it-IT" sz="1400" b="0" i="0" u="none" strike="noStrike" cap="none" normalizeH="0" baseline="0" dirty="0">
+                <a:ln>
+                  <a:noFill/>
+                </a:ln>
+                <a:solidFill>
+                  <a:srgbClr val="6A8759"/>
+                </a:solidFill>
+                <a:effectLst/>
+                <a:latin typeface="JetBrains Mono"/>
+              </a:rPr>
+              <a:t>"</a:t>
+            </a:r>
+            <a:br>
+              <a:rPr kumimoji="0" lang="it-IT" altLang="it-IT" sz="1400" b="0" i="0" u="none" strike="noStrike" cap="none" normalizeH="0" baseline="0" dirty="0">
+                <a:ln>
+                  <a:noFill/>
+                </a:ln>
+                <a:solidFill>
+                  <a:srgbClr val="6A8759"/>
+                </a:solidFill>
+                <a:effectLst/>
+                <a:latin typeface="JetBrains Mono"/>
+              </a:rPr>
+            </a:br>
+            <a:r>
+              <a:rPr kumimoji="0" lang="it-IT" altLang="it-IT" sz="1400" b="0" i="0" u="none" strike="noStrike" cap="none" normalizeH="0" baseline="0" dirty="0">
+                <a:ln>
+                  <a:noFill/>
+                </a:ln>
+                <a:solidFill>
+                  <a:srgbClr val="6A8759"/>
+                </a:solidFill>
+                <a:effectLst/>
+                <a:latin typeface="JetBrains Mono"/>
+              </a:rPr>
+              <a:t>                        </a:t>
+            </a:r>
+            <a:r>
+              <a:rPr kumimoji="0" lang="it-IT" altLang="it-IT" sz="1400" b="0" i="0" u="none" strike="noStrike" cap="none" normalizeH="0" baseline="0" dirty="0">
+                <a:ln>
+                  <a:noFill/>
+                </a:ln>
+                <a:solidFill>
+                  <a:srgbClr val="CC7832"/>
+                </a:solidFill>
+                <a:effectLst/>
+                <a:latin typeface="JetBrains Mono"/>
+              </a:rPr>
+              <a:t>,</a:t>
+            </a:r>
+            <a:r>
+              <a:rPr kumimoji="0" lang="it-IT" altLang="it-IT" sz="1400" b="0" i="0" u="none" strike="noStrike" cap="none" normalizeH="0" baseline="0" dirty="0">
+                <a:ln>
+                  <a:noFill/>
+                </a:ln>
+                <a:solidFill>
+                  <a:srgbClr val="A9B7C6"/>
+                </a:solidFill>
+                <a:effectLst/>
+                <a:latin typeface="JetBrains Mono"/>
+              </a:rPr>
+              <a:t>query = </a:t>
+            </a:r>
+            <a:r>
+              <a:rPr kumimoji="0" lang="it-IT" altLang="it-IT" sz="1400" b="0" i="0" u="none" strike="noStrike" cap="none" normalizeH="0" baseline="0" dirty="0">
+                <a:ln>
+                  <a:noFill/>
+                </a:ln>
+                <a:solidFill>
+                  <a:srgbClr val="6A8759"/>
+                </a:solidFill>
+                <a:effectLst/>
+                <a:latin typeface="JetBrains Mono"/>
+              </a:rPr>
+              <a:t>"SELECT </a:t>
+            </a:r>
+            <a:r>
+              <a:rPr kumimoji="0" lang="it-IT" altLang="it-IT" sz="1400" b="0" i="0" u="none" strike="noStrike" cap="none" normalizeH="0" baseline="0" dirty="0" err="1">
+                <a:ln>
+                  <a:noFill/>
+                </a:ln>
+                <a:solidFill>
+                  <a:srgbClr val="6A8759"/>
+                </a:solidFill>
+                <a:effectLst/>
+                <a:latin typeface="JetBrains Mono"/>
+              </a:rPr>
+              <a:t>tp</a:t>
+            </a:r>
+            <a:r>
+              <a:rPr kumimoji="0" lang="it-IT" altLang="it-IT" sz="1400" b="0" i="0" u="none" strike="noStrike" cap="none" normalizeH="0" baseline="0" dirty="0">
+                <a:ln>
+                  <a:noFill/>
+                </a:ln>
+                <a:solidFill>
+                  <a:srgbClr val="6A8759"/>
+                </a:solidFill>
+                <a:effectLst/>
+                <a:latin typeface="JetBrains Mono"/>
+              </a:rPr>
+              <a:t> " </a:t>
+            </a:r>
+            <a:r>
+              <a:rPr kumimoji="0" lang="it-IT" altLang="it-IT" sz="1400" b="0" i="0" u="none" strike="noStrike" cap="none" normalizeH="0" baseline="0" dirty="0">
+                <a:ln>
+                  <a:noFill/>
+                </a:ln>
+                <a:solidFill>
+                  <a:srgbClr val="A9B7C6"/>
+                </a:solidFill>
+                <a:effectLst/>
+                <a:latin typeface="JetBrains Mono"/>
+              </a:rPr>
+              <a:t>+</a:t>
+            </a:r>
+            <a:br>
+              <a:rPr kumimoji="0" lang="it-IT" altLang="it-IT" sz="1400" b="0" i="0" u="none" strike="noStrike" cap="none" normalizeH="0" baseline="0" dirty="0">
+                <a:ln>
+                  <a:noFill/>
+                </a:ln>
+                <a:solidFill>
+                  <a:srgbClr val="A9B7C6"/>
+                </a:solidFill>
+                <a:effectLst/>
+                <a:latin typeface="JetBrains Mono"/>
+              </a:rPr>
+            </a:br>
+            <a:r>
+              <a:rPr kumimoji="0" lang="it-IT" altLang="it-IT" sz="1400" b="0" i="0" u="none" strike="noStrike" cap="none" normalizeH="0" baseline="0" dirty="0">
+                <a:ln>
+                  <a:noFill/>
+                </a:ln>
+                <a:solidFill>
+                  <a:srgbClr val="A9B7C6"/>
+                </a:solidFill>
+                <a:effectLst/>
+                <a:latin typeface="JetBrains Mono"/>
+              </a:rPr>
+              <a:t>                        </a:t>
+            </a:r>
+            <a:r>
+              <a:rPr kumimoji="0" lang="it-IT" altLang="it-IT" sz="1400" b="0" i="0" u="none" strike="noStrike" cap="none" normalizeH="0" baseline="0" dirty="0">
+                <a:ln>
+                  <a:noFill/>
+                </a:ln>
+                <a:solidFill>
+                  <a:srgbClr val="6A8759"/>
+                </a:solidFill>
+                <a:effectLst/>
+                <a:latin typeface="JetBrains Mono"/>
+              </a:rPr>
+              <a:t>"FROM </a:t>
+            </a:r>
+            <a:r>
+              <a:rPr kumimoji="0" lang="it-IT" altLang="it-IT" sz="1400" b="0" i="0" u="none" strike="noStrike" cap="none" normalizeH="0" baseline="0" dirty="0" err="1">
+                <a:ln>
+                  <a:noFill/>
+                </a:ln>
+                <a:solidFill>
+                  <a:srgbClr val="6A8759"/>
+                </a:solidFill>
+                <a:effectLst/>
+                <a:latin typeface="JetBrains Mono"/>
+              </a:rPr>
+              <a:t>TotalPurchasesPerPackage</a:t>
+            </a:r>
+            <a:r>
+              <a:rPr kumimoji="0" lang="it-IT" altLang="it-IT" sz="1400" b="0" i="0" u="none" strike="noStrike" cap="none" normalizeH="0" baseline="0" dirty="0">
+                <a:ln>
+                  <a:noFill/>
+                </a:ln>
+                <a:solidFill>
+                  <a:srgbClr val="6A8759"/>
+                </a:solidFill>
+                <a:effectLst/>
+                <a:latin typeface="JetBrains Mono"/>
+              </a:rPr>
+              <a:t> </a:t>
+            </a:r>
+            <a:r>
+              <a:rPr kumimoji="0" lang="it-IT" altLang="it-IT" sz="1400" b="0" i="0" u="none" strike="noStrike" cap="none" normalizeH="0" baseline="0" dirty="0" err="1">
+                <a:ln>
+                  <a:noFill/>
+                </a:ln>
+                <a:solidFill>
+                  <a:srgbClr val="6A8759"/>
+                </a:solidFill>
+                <a:effectLst/>
+                <a:latin typeface="JetBrains Mono"/>
+              </a:rPr>
+              <a:t>tp</a:t>
+            </a:r>
+            <a:r>
+              <a:rPr kumimoji="0" lang="it-IT" altLang="it-IT" sz="1400" b="0" i="0" u="none" strike="noStrike" cap="none" normalizeH="0" baseline="0" dirty="0">
+                <a:ln>
+                  <a:noFill/>
+                </a:ln>
+                <a:solidFill>
+                  <a:srgbClr val="6A8759"/>
+                </a:solidFill>
+                <a:effectLst/>
+                <a:latin typeface="JetBrains Mono"/>
+              </a:rPr>
+              <a:t>"</a:t>
+            </a:r>
+            <a:r>
+              <a:rPr kumimoji="0" lang="it-IT" altLang="it-IT" sz="1400" b="0" i="0" u="none" strike="noStrike" cap="none" normalizeH="0" baseline="0" dirty="0">
+                <a:ln>
+                  <a:noFill/>
+                </a:ln>
+                <a:solidFill>
+                  <a:srgbClr val="A9B7C6"/>
+                </a:solidFill>
+                <a:effectLst/>
+                <a:latin typeface="JetBrains Mono"/>
+              </a:rPr>
+              <a:t>)</a:t>
+            </a:r>
+            <a:br>
+              <a:rPr kumimoji="0" lang="it-IT" altLang="it-IT" sz="1400" b="0" i="0" u="none" strike="noStrike" cap="none" normalizeH="0" baseline="0" dirty="0">
+                <a:ln>
+                  <a:noFill/>
+                </a:ln>
+                <a:solidFill>
+                  <a:srgbClr val="A9B7C6"/>
+                </a:solidFill>
+                <a:effectLst/>
+                <a:latin typeface="JetBrains Mono"/>
+              </a:rPr>
+            </a:br>
+            <a:r>
+              <a:rPr kumimoji="0" lang="it-IT" altLang="it-IT" sz="1400" b="0" i="0" u="none" strike="noStrike" cap="none" normalizeH="0" baseline="0" dirty="0">
+                <a:ln>
+                  <a:noFill/>
+                </a:ln>
+                <a:solidFill>
+                  <a:srgbClr val="A9B7C6"/>
+                </a:solidFill>
+                <a:effectLst/>
+                <a:latin typeface="JetBrains Mono"/>
+              </a:rPr>
+              <a:t>        }</a:t>
+            </a:r>
+            <a:br>
+              <a:rPr kumimoji="0" lang="it-IT" altLang="it-IT" sz="1400" b="0" i="0" u="none" strike="noStrike" cap="none" normalizeH="0" baseline="0" dirty="0">
+                <a:ln>
+                  <a:noFill/>
+                </a:ln>
+                <a:solidFill>
+                  <a:srgbClr val="A9B7C6"/>
+                </a:solidFill>
+                <a:effectLst/>
+                <a:latin typeface="JetBrains Mono"/>
+              </a:rPr>
+            </a:br>
+            <a:r>
+              <a:rPr kumimoji="0" lang="it-IT" altLang="it-IT" sz="1400" b="0" i="0" u="none" strike="noStrike" cap="none" normalizeH="0" baseline="0" dirty="0">
+                <a:ln>
+                  <a:noFill/>
+                </a:ln>
+                <a:solidFill>
+                  <a:srgbClr val="A9B7C6"/>
+                </a:solidFill>
+                <a:effectLst/>
+                <a:latin typeface="JetBrains Mono"/>
+              </a:rPr>
+              <a:t>)</a:t>
+            </a:r>
+            <a:br>
+              <a:rPr kumimoji="0" lang="it-IT" altLang="it-IT" sz="1400" b="0" i="0" u="none" strike="noStrike" cap="none" normalizeH="0" baseline="0" dirty="0">
+                <a:ln>
+                  <a:noFill/>
+                </a:ln>
+                <a:solidFill>
+                  <a:srgbClr val="A9B7C6"/>
+                </a:solidFill>
+                <a:effectLst/>
+                <a:latin typeface="JetBrains Mono"/>
+              </a:rPr>
+            </a:br>
+            <a:br>
+              <a:rPr kumimoji="0" lang="it-IT" altLang="it-IT" sz="1400" b="0" i="0" u="none" strike="noStrike" cap="none" normalizeH="0" baseline="0" dirty="0">
+                <a:ln>
+                  <a:noFill/>
+                </a:ln>
+                <a:solidFill>
+                  <a:srgbClr val="A9B7C6"/>
+                </a:solidFill>
+                <a:effectLst/>
+                <a:latin typeface="JetBrains Mono"/>
+              </a:rPr>
+            </a:br>
+            <a:r>
+              <a:rPr kumimoji="0" lang="it-IT" altLang="it-IT" sz="1400" b="0" i="0" u="none" strike="noStrike" cap="none" normalizeH="0" baseline="0" dirty="0">
+                <a:ln>
+                  <a:noFill/>
+                </a:ln>
+                <a:solidFill>
+                  <a:srgbClr val="CC7832"/>
+                </a:solidFill>
+                <a:effectLst/>
+                <a:latin typeface="JetBrains Mono"/>
+              </a:rPr>
+              <a:t>public class </a:t>
+            </a:r>
+            <a:r>
+              <a:rPr kumimoji="0" lang="it-IT" altLang="it-IT" sz="1400" b="0" i="0" u="none" strike="noStrike" cap="none" normalizeH="0" baseline="0" dirty="0" err="1">
+                <a:ln>
+                  <a:noFill/>
+                </a:ln>
+                <a:solidFill>
+                  <a:srgbClr val="A9B7C6"/>
+                </a:solidFill>
+                <a:effectLst/>
+                <a:latin typeface="JetBrains Mono"/>
+              </a:rPr>
+              <a:t>TotalPurchasesPerPackage</a:t>
+            </a:r>
+            <a:r>
+              <a:rPr kumimoji="0" lang="it-IT" altLang="it-IT" sz="1400" b="0" i="0" u="none" strike="noStrike" cap="none" normalizeH="0" baseline="0" dirty="0">
+                <a:ln>
+                  <a:noFill/>
+                </a:ln>
+                <a:solidFill>
+                  <a:srgbClr val="A9B7C6"/>
+                </a:solidFill>
+                <a:effectLst/>
+                <a:latin typeface="JetBrains Mono"/>
+              </a:rPr>
+              <a:t> </a:t>
+            </a:r>
+            <a:r>
+              <a:rPr kumimoji="0" lang="it-IT" altLang="it-IT" sz="1400" b="0" i="0" u="none" strike="noStrike" cap="none" normalizeH="0" baseline="0" dirty="0" err="1">
+                <a:ln>
+                  <a:noFill/>
+                </a:ln>
+                <a:solidFill>
+                  <a:srgbClr val="CC7832"/>
+                </a:solidFill>
+                <a:effectLst/>
+                <a:latin typeface="JetBrains Mono"/>
+              </a:rPr>
+              <a:t>implements</a:t>
+            </a:r>
+            <a:r>
+              <a:rPr kumimoji="0" lang="it-IT" altLang="it-IT" sz="1400" b="0" i="0" u="none" strike="noStrike" cap="none" normalizeH="0" baseline="0" dirty="0">
+                <a:ln>
+                  <a:noFill/>
+                </a:ln>
+                <a:solidFill>
+                  <a:srgbClr val="CC7832"/>
+                </a:solidFill>
+                <a:effectLst/>
+                <a:latin typeface="JetBrains Mono"/>
+              </a:rPr>
+              <a:t> </a:t>
+            </a:r>
+            <a:r>
+              <a:rPr kumimoji="0" lang="it-IT" altLang="it-IT" sz="1400" b="0" i="0" u="none" strike="noStrike" cap="none" normalizeH="0" baseline="0" dirty="0" err="1">
+                <a:ln>
+                  <a:noFill/>
+                </a:ln>
+                <a:solidFill>
+                  <a:srgbClr val="A9B7C6"/>
+                </a:solidFill>
+                <a:effectLst/>
+                <a:latin typeface="JetBrains Mono"/>
+              </a:rPr>
+              <a:t>Serializable</a:t>
+            </a:r>
+            <a:r>
+              <a:rPr kumimoji="0" lang="it-IT" altLang="it-IT" sz="1400" b="0" i="0" u="none" strike="noStrike" cap="none" normalizeH="0" baseline="0" dirty="0">
+                <a:ln>
+                  <a:noFill/>
+                </a:ln>
+                <a:solidFill>
+                  <a:srgbClr val="A9B7C6"/>
+                </a:solidFill>
+                <a:effectLst/>
+                <a:latin typeface="JetBrains Mono"/>
+              </a:rPr>
+              <a:t> {</a:t>
+            </a:r>
+            <a:br>
+              <a:rPr kumimoji="0" lang="it-IT" altLang="it-IT" sz="1400" b="0" i="0" u="none" strike="noStrike" cap="none" normalizeH="0" baseline="0" dirty="0">
+                <a:ln>
+                  <a:noFill/>
+                </a:ln>
+                <a:solidFill>
+                  <a:srgbClr val="A9B7C6"/>
+                </a:solidFill>
+                <a:effectLst/>
+                <a:latin typeface="JetBrains Mono"/>
+              </a:rPr>
+            </a:br>
+            <a:r>
+              <a:rPr kumimoji="0" lang="it-IT" altLang="it-IT" sz="1400" b="0" i="0" u="none" strike="noStrike" cap="none" normalizeH="0" baseline="0" dirty="0">
+                <a:ln>
+                  <a:noFill/>
+                </a:ln>
+                <a:solidFill>
+                  <a:srgbClr val="A9B7C6"/>
+                </a:solidFill>
+                <a:effectLst/>
+                <a:latin typeface="JetBrains Mono"/>
+              </a:rPr>
+              <a:t>        </a:t>
+            </a:r>
+            <a:r>
+              <a:rPr kumimoji="0" lang="it-IT" altLang="it-IT" sz="1400" b="0" i="0" u="none" strike="noStrike" cap="none" normalizeH="0" baseline="0" dirty="0">
+                <a:ln>
+                  <a:noFill/>
+                </a:ln>
+                <a:solidFill>
+                  <a:srgbClr val="BBB529"/>
+                </a:solidFill>
+                <a:effectLst/>
+                <a:latin typeface="JetBrains Mono"/>
+              </a:rPr>
+              <a:t>@Id</a:t>
+            </a:r>
+            <a:br>
+              <a:rPr kumimoji="0" lang="it-IT" altLang="it-IT" sz="1400" b="0" i="0" u="none" strike="noStrike" cap="none" normalizeH="0" baseline="0" dirty="0">
+                <a:ln>
+                  <a:noFill/>
+                </a:ln>
+                <a:solidFill>
+                  <a:srgbClr val="BBB529"/>
+                </a:solidFill>
+                <a:effectLst/>
+                <a:latin typeface="JetBrains Mono"/>
+              </a:rPr>
+            </a:br>
+            <a:r>
+              <a:rPr kumimoji="0" lang="it-IT" altLang="it-IT" sz="1400" b="0" i="0" u="none" strike="noStrike" cap="none" normalizeH="0" baseline="0" dirty="0">
+                <a:ln>
+                  <a:noFill/>
+                </a:ln>
+                <a:solidFill>
+                  <a:srgbClr val="BBB529"/>
+                </a:solidFill>
+                <a:effectLst/>
+                <a:latin typeface="JetBrains Mono"/>
+              </a:rPr>
+              <a:t>        </a:t>
+            </a:r>
+            <a:r>
+              <a:rPr kumimoji="0" lang="it-IT" altLang="it-IT" sz="1400" b="0" i="0" u="none" strike="noStrike" cap="none" normalizeH="0" baseline="0" dirty="0">
+                <a:ln>
+                  <a:noFill/>
+                </a:ln>
+                <a:solidFill>
+                  <a:srgbClr val="CC7832"/>
+                </a:solidFill>
+                <a:effectLst/>
+                <a:latin typeface="JetBrains Mono"/>
+              </a:rPr>
+              <a:t>private </a:t>
+            </a:r>
+            <a:r>
+              <a:rPr kumimoji="0" lang="it-IT" altLang="it-IT" sz="1400" b="0" i="0" u="none" strike="noStrike" cap="none" normalizeH="0" baseline="0" dirty="0">
+                <a:ln>
+                  <a:noFill/>
+                </a:ln>
+                <a:solidFill>
+                  <a:srgbClr val="A9B7C6"/>
+                </a:solidFill>
+                <a:effectLst/>
+                <a:latin typeface="JetBrains Mono"/>
+              </a:rPr>
+              <a:t>String </a:t>
+            </a:r>
+            <a:r>
+              <a:rPr kumimoji="0" lang="it-IT" altLang="it-IT" sz="1400" b="0" i="0" u="none" strike="noStrike" cap="none" normalizeH="0" baseline="0" dirty="0" err="1">
+                <a:ln>
+                  <a:noFill/>
+                </a:ln>
+                <a:solidFill>
+                  <a:srgbClr val="9876AA"/>
+                </a:solidFill>
+                <a:effectLst/>
+                <a:latin typeface="JetBrains Mono"/>
+              </a:rPr>
+              <a:t>packageName</a:t>
+            </a:r>
+            <a:r>
+              <a:rPr kumimoji="0" lang="it-IT" altLang="it-IT" sz="1400" b="0" i="0" u="none" strike="noStrike" cap="none" normalizeH="0" baseline="0" dirty="0">
+                <a:ln>
+                  <a:noFill/>
+                </a:ln>
+                <a:solidFill>
+                  <a:srgbClr val="CC7832"/>
+                </a:solidFill>
+                <a:effectLst/>
+                <a:latin typeface="JetBrains Mono"/>
+              </a:rPr>
+              <a:t>;</a:t>
+            </a:r>
+            <a:br>
+              <a:rPr kumimoji="0" lang="it-IT" altLang="it-IT" sz="1400" b="0" i="0" u="none" strike="noStrike" cap="none" normalizeH="0" baseline="0" dirty="0">
+                <a:ln>
+                  <a:noFill/>
+                </a:ln>
+                <a:solidFill>
+                  <a:srgbClr val="CC7832"/>
+                </a:solidFill>
+                <a:effectLst/>
+                <a:latin typeface="JetBrains Mono"/>
+              </a:rPr>
+            </a:br>
+            <a:r>
+              <a:rPr kumimoji="0" lang="it-IT" altLang="it-IT" sz="1400" b="0" i="0" u="none" strike="noStrike" cap="none" normalizeH="0" baseline="0" dirty="0">
+                <a:ln>
+                  <a:noFill/>
+                </a:ln>
+                <a:solidFill>
+                  <a:srgbClr val="CC7832"/>
+                </a:solidFill>
+                <a:effectLst/>
+                <a:latin typeface="JetBrains Mono"/>
+              </a:rPr>
+              <a:t>        private </a:t>
+            </a:r>
+            <a:r>
+              <a:rPr kumimoji="0" lang="it-IT" altLang="it-IT" sz="1400" b="0" i="0" u="none" strike="noStrike" cap="none" normalizeH="0" baseline="0" dirty="0" err="1">
+                <a:ln>
+                  <a:noFill/>
+                </a:ln>
+                <a:solidFill>
+                  <a:srgbClr val="A9B7C6"/>
+                </a:solidFill>
+                <a:effectLst/>
+                <a:latin typeface="JetBrains Mono"/>
+              </a:rPr>
+              <a:t>Integer</a:t>
+            </a:r>
+            <a:r>
+              <a:rPr kumimoji="0" lang="it-IT" altLang="it-IT" sz="1400" b="0" i="0" u="none" strike="noStrike" cap="none" normalizeH="0" baseline="0" dirty="0">
+                <a:ln>
+                  <a:noFill/>
+                </a:ln>
+                <a:solidFill>
+                  <a:srgbClr val="A9B7C6"/>
+                </a:solidFill>
+                <a:effectLst/>
+                <a:latin typeface="JetBrains Mono"/>
+              </a:rPr>
+              <a:t> </a:t>
+            </a:r>
+            <a:r>
+              <a:rPr kumimoji="0" lang="it-IT" altLang="it-IT" sz="1400" b="0" i="0" u="none" strike="noStrike" cap="none" normalizeH="0" baseline="0" dirty="0" err="1">
+                <a:ln>
+                  <a:noFill/>
+                </a:ln>
+                <a:solidFill>
+                  <a:srgbClr val="9876AA"/>
+                </a:solidFill>
+                <a:effectLst/>
+                <a:latin typeface="JetBrains Mono"/>
+              </a:rPr>
+              <a:t>total_purchases</a:t>
+            </a:r>
+            <a:r>
+              <a:rPr kumimoji="0" lang="it-IT" altLang="it-IT" sz="1400" b="0" i="0" u="none" strike="noStrike" cap="none" normalizeH="0" baseline="0" dirty="0">
+                <a:ln>
+                  <a:noFill/>
+                </a:ln>
+                <a:solidFill>
+                  <a:srgbClr val="CC7832"/>
+                </a:solidFill>
+                <a:effectLst/>
+                <a:latin typeface="JetBrains Mono"/>
+              </a:rPr>
+              <a:t>;</a:t>
+            </a:r>
+            <a:endParaRPr kumimoji="0" lang="it-IT" altLang="it-IT" sz="1400" b="0" i="0" u="none" strike="noStrike" cap="none" normalizeH="0" baseline="0" dirty="0">
+              <a:ln>
+                <a:noFill/>
+              </a:ln>
+              <a:solidFill>
+                <a:schemeClr val="tx1"/>
+              </a:solidFill>
+              <a:effectLst/>
+              <a:latin typeface="Arial" panose="020B0604020202020204" pitchFamily="34" charset="0"/>
+            </a:endParaRPr>
           </a:p>
         </p:txBody>
       </p:sp>
     </p:spTree>
     <p:extLst>
       <p:ext uri="{BB962C8B-B14F-4D97-AF65-F5344CB8AC3E}">
-        <p14:creationId xmlns:p14="http://schemas.microsoft.com/office/powerpoint/2010/main" val="132007604"/>
+        <p14:creationId xmlns:p14="http://schemas.microsoft.com/office/powerpoint/2010/main" val="3188213148"/>
       </p:ext>
     </p:extLst>
   </p:cSld>
@@ -44079,1470 +45093,1116 @@
             <p:ph type="title"/>
           </p:nvPr>
         </p:nvSpPr>
-        <p:spPr/>
+        <p:spPr>
+          <a:xfrm>
+            <a:off x="628650" y="356223"/>
+            <a:ext cx="7886700" cy="1325563"/>
+          </a:xfrm>
+        </p:spPr>
         <p:txBody>
           <a:bodyPr/>
           <a:lstStyle/>
           <a:p>
             <a:r>
-              <a:rPr lang="it-IT" dirty="0"/>
-              <a:t>Example of diagram</a:t>
+              <a:rPr lang="en-GB" dirty="0"/>
+              <a:t>Entity Total Purchases per Package and Validity Period</a:t>
             </a:r>
           </a:p>
         </p:txBody>
       </p:sp>
       <p:sp>
         <p:nvSpPr>
-          <p:cNvPr id="4" name="Google Shape;197;p33"/>
-          <p:cNvSpPr/>
+          <p:cNvPr id="3" name="Rectangle 1">
+            <a:extLst>
+              <a:ext uri="{FF2B5EF4-FFF2-40B4-BE49-F238E27FC236}">
+                <a16:creationId xmlns:a16="http://schemas.microsoft.com/office/drawing/2014/main" id="{40839D54-9EE2-4ECA-85C2-141BEF1B4766}"/>
+              </a:ext>
+            </a:extLst>
+          </p:cNvPr>
+          <p:cNvSpPr>
+            <a:spLocks noChangeArrowheads="1"/>
+          </p:cNvSpPr>
           <p:nvPr/>
         </p:nvSpPr>
-        <p:spPr>
+        <p:spPr bwMode="auto">
           <a:xfrm>
-            <a:off x="323525" y="2753184"/>
-            <a:ext cx="2808300" cy="1508700"/>
+            <a:off x="628650" y="2184937"/>
+            <a:ext cx="7886699" cy="3323987"/>
           </a:xfrm>
           <a:prstGeom prst="rect">
             <a:avLst/>
           </a:prstGeom>
           <a:solidFill>
-            <a:schemeClr val="lt1"/>
+            <a:srgbClr val="2B2B2B"/>
           </a:solidFill>
-          <a:ln w="25400" cap="flat" cmpd="sng">
-            <a:solidFill>
-              <a:schemeClr val="dk1"/>
-            </a:solidFill>
-            <a:prstDash val="solid"/>
-            <a:round/>
-            <a:headEnd type="none" w="sm" len="sm"/>
-            <a:tailEnd type="none" w="sm" len="sm"/>
-          </a:ln>
-        </p:spPr>
-        <p:txBody>
-          <a:bodyPr spcFirstLastPara="1" wrap="square" lIns="91425" tIns="45700" rIns="91425" bIns="45700" anchor="t" anchorCtr="0">
-            <a:noAutofit/>
-          </a:bodyPr>
-          <a:lstStyle/>
-          <a:p>
-            <a:pPr marL="0" marR="0" lvl="0" indent="0" algn="l" rtl="0">
-              <a:spcBef>
-                <a:spcPts val="0"/>
-              </a:spcBef>
-              <a:spcAft>
-                <a:spcPts val="0"/>
-              </a:spcAft>
-              <a:buNone/>
-            </a:pPr>
-            <a:r>
-              <a:rPr lang="es-419" sz="1800">
-                <a:solidFill>
-                  <a:schemeClr val="dk1"/>
-                </a:solidFill>
-                <a:latin typeface="Calibri"/>
-                <a:ea typeface="Calibri"/>
-                <a:cs typeface="Calibri"/>
-                <a:sym typeface="Calibri"/>
-              </a:rPr>
-              <a:t>LOGIN PAGE</a:t>
-            </a:r>
-            <a:endParaRPr sz="1800">
-              <a:solidFill>
-                <a:schemeClr val="dk1"/>
-              </a:solidFill>
-              <a:latin typeface="Calibri"/>
-              <a:ea typeface="Calibri"/>
-              <a:cs typeface="Calibri"/>
-              <a:sym typeface="Calibri"/>
-            </a:endParaRPr>
-          </a:p>
-        </p:txBody>
-      </p:sp>
-      <p:sp>
-        <p:nvSpPr>
-          <p:cNvPr id="5" name="Google Shape;198;p33"/>
-          <p:cNvSpPr/>
-          <p:nvPr/>
-        </p:nvSpPr>
-        <p:spPr>
-          <a:xfrm>
-            <a:off x="467444" y="3133360"/>
-            <a:ext cx="1836300" cy="860400"/>
-          </a:xfrm>
-          <a:prstGeom prst="roundRect">
-            <a:avLst>
-              <a:gd name="adj" fmla="val 16667"/>
-            </a:avLst>
-          </a:prstGeom>
-          <a:solidFill>
-            <a:schemeClr val="lt1"/>
-          </a:solidFill>
-          <a:ln w="25400" cap="flat" cmpd="sng">
-            <a:solidFill>
-              <a:schemeClr val="accent3"/>
-            </a:solidFill>
-            <a:prstDash val="solid"/>
-            <a:round/>
-            <a:headEnd type="none" w="sm" len="sm"/>
-            <a:tailEnd type="none" w="sm" len="sm"/>
-          </a:ln>
-        </p:spPr>
-        <p:txBody>
-          <a:bodyPr spcFirstLastPara="1" wrap="square" lIns="91425" tIns="45700" rIns="91425" bIns="45700" anchor="ctr" anchorCtr="0">
-            <a:noAutofit/>
-          </a:bodyPr>
-          <a:lstStyle/>
-          <a:p>
-            <a:pPr marL="0" marR="0" lvl="0" indent="0" algn="ctr" rtl="0">
-              <a:spcBef>
-                <a:spcPts val="0"/>
-              </a:spcBef>
-              <a:spcAft>
-                <a:spcPts val="0"/>
-              </a:spcAft>
-              <a:buNone/>
-            </a:pPr>
-            <a:r>
-              <a:rPr lang="es-419" sz="1800">
-                <a:solidFill>
-                  <a:schemeClr val="dk1"/>
-                </a:solidFill>
-                <a:latin typeface="Calibri"/>
-                <a:ea typeface="Calibri"/>
-                <a:cs typeface="Calibri"/>
-                <a:sym typeface="Calibri"/>
-              </a:rPr>
-              <a:t>Login form</a:t>
-            </a:r>
-            <a:br>
-              <a:rPr lang="es-419" sz="1800">
-                <a:solidFill>
-                  <a:schemeClr val="dk1"/>
-                </a:solidFill>
-                <a:latin typeface="Calibri"/>
-                <a:ea typeface="Calibri"/>
-                <a:cs typeface="Calibri"/>
-                <a:sym typeface="Calibri"/>
-              </a:rPr>
-            </a:br>
-            <a:r>
-              <a:rPr lang="es-419" sz="1800">
-                <a:solidFill>
-                  <a:schemeClr val="dk1"/>
-                </a:solidFill>
-                <a:latin typeface="Calibri"/>
-                <a:ea typeface="Calibri"/>
-                <a:cs typeface="Calibri"/>
-                <a:sym typeface="Calibri"/>
-              </a:rPr>
-              <a:t>[field: username</a:t>
-            </a:r>
-            <a:endParaRPr/>
-          </a:p>
-          <a:p>
-            <a:pPr marL="0" marR="0" lvl="0" indent="0" algn="ctr" rtl="0">
-              <a:spcBef>
-                <a:spcPts val="0"/>
-              </a:spcBef>
-              <a:spcAft>
-                <a:spcPts val="0"/>
-              </a:spcAft>
-              <a:buNone/>
-            </a:pPr>
-            <a:r>
-              <a:rPr lang="es-419" sz="1800">
-                <a:solidFill>
-                  <a:schemeClr val="dk1"/>
-                </a:solidFill>
-                <a:latin typeface="Calibri"/>
-                <a:ea typeface="Calibri"/>
-                <a:cs typeface="Calibri"/>
-                <a:sym typeface="Calibri"/>
-              </a:rPr>
-              <a:t>field: password]</a:t>
-            </a:r>
-            <a:endParaRPr sz="1800">
-              <a:solidFill>
-                <a:schemeClr val="dk1"/>
-              </a:solidFill>
-              <a:latin typeface="Calibri"/>
-              <a:ea typeface="Calibri"/>
-              <a:cs typeface="Calibri"/>
-              <a:sym typeface="Calibri"/>
-            </a:endParaRPr>
-          </a:p>
-        </p:txBody>
-      </p:sp>
-      <p:sp>
-        <p:nvSpPr>
-          <p:cNvPr id="6" name="Google Shape;199;p33"/>
-          <p:cNvSpPr/>
-          <p:nvPr/>
-        </p:nvSpPr>
-        <p:spPr>
-          <a:xfrm>
-            <a:off x="5755392" y="4499999"/>
-            <a:ext cx="2520300" cy="1296000"/>
-          </a:xfrm>
-          <a:prstGeom prst="rect">
-            <a:avLst/>
-          </a:prstGeom>
-          <a:solidFill>
-            <a:schemeClr val="lt1"/>
-          </a:solidFill>
-          <a:ln w="25400" cap="flat" cmpd="sng">
-            <a:solidFill>
-              <a:schemeClr val="dk1"/>
-            </a:solidFill>
-            <a:prstDash val="solid"/>
-            <a:round/>
-            <a:headEnd type="none" w="sm" len="sm"/>
-            <a:tailEnd type="none" w="sm" len="sm"/>
-          </a:ln>
-        </p:spPr>
-        <p:txBody>
-          <a:bodyPr spcFirstLastPara="1" wrap="square" lIns="91425" tIns="45700" rIns="91425" bIns="45700" anchor="t" anchorCtr="0">
-            <a:noAutofit/>
-          </a:bodyPr>
-          <a:lstStyle/>
-          <a:p>
-            <a:pPr marL="0" marR="0" lvl="0" indent="0" algn="l" rtl="0">
-              <a:spcBef>
-                <a:spcPts val="0"/>
-              </a:spcBef>
-              <a:spcAft>
-                <a:spcPts val="0"/>
-              </a:spcAft>
-              <a:buNone/>
-            </a:pPr>
-            <a:r>
-              <a:rPr lang="es-419" sz="1800">
-                <a:solidFill>
-                  <a:schemeClr val="dk1"/>
-                </a:solidFill>
-                <a:latin typeface="Calibri"/>
-                <a:ea typeface="Calibri"/>
-                <a:cs typeface="Calibri"/>
-                <a:sym typeface="Calibri"/>
-              </a:rPr>
-              <a:t>HOME</a:t>
-            </a:r>
-            <a:endParaRPr sz="1800">
-              <a:solidFill>
-                <a:schemeClr val="dk1"/>
-              </a:solidFill>
-              <a:latin typeface="Calibri"/>
-              <a:ea typeface="Calibri"/>
-              <a:cs typeface="Calibri"/>
-              <a:sym typeface="Calibri"/>
-            </a:endParaRPr>
-          </a:p>
-        </p:txBody>
-      </p:sp>
-      <p:sp>
-        <p:nvSpPr>
-          <p:cNvPr id="7" name="Google Shape;200;p33"/>
-          <p:cNvSpPr/>
-          <p:nvPr/>
-        </p:nvSpPr>
-        <p:spPr>
-          <a:xfrm>
-            <a:off x="2195736" y="3342674"/>
-            <a:ext cx="288032" cy="216024"/>
-          </a:xfrm>
-          <a:prstGeom prst="ellipse">
-            <a:avLst/>
-          </a:prstGeom>
-          <a:solidFill>
-            <a:schemeClr val="accent1"/>
-          </a:solidFill>
-          <a:ln w="25400" cap="flat" cmpd="sng">
-            <a:solidFill>
-              <a:srgbClr val="395E89"/>
-            </a:solidFill>
-            <a:prstDash val="solid"/>
-            <a:round/>
-            <a:headEnd type="none" w="sm" len="sm"/>
-            <a:tailEnd type="none" w="sm" len="sm"/>
-          </a:ln>
-        </p:spPr>
-        <p:txBody>
-          <a:bodyPr spcFirstLastPara="1" wrap="square" lIns="91425" tIns="45700" rIns="91425" bIns="45700" anchor="ctr" anchorCtr="0">
-            <a:noAutofit/>
-          </a:bodyPr>
-          <a:lstStyle/>
-          <a:p>
-            <a:pPr marL="0" marR="0" lvl="0" indent="0" algn="ctr" rtl="0">
-              <a:spcBef>
-                <a:spcPts val="0"/>
-              </a:spcBef>
-              <a:spcAft>
-                <a:spcPts val="0"/>
-              </a:spcAft>
-              <a:buNone/>
-            </a:pPr>
-            <a:endParaRPr sz="1800">
-              <a:solidFill>
-                <a:schemeClr val="lt1"/>
-              </a:solidFill>
-              <a:latin typeface="Calibri"/>
-              <a:ea typeface="Calibri"/>
-              <a:cs typeface="Calibri"/>
-              <a:sym typeface="Calibri"/>
-            </a:endParaRPr>
-          </a:p>
-        </p:txBody>
-      </p:sp>
-      <p:cxnSp>
-        <p:nvCxnSpPr>
-          <p:cNvPr id="8" name="Google Shape;201;p33"/>
-          <p:cNvCxnSpPr>
-            <a:stCxn id="14" idx="2"/>
-            <a:endCxn id="20" idx="5"/>
-          </p:cNvCxnSpPr>
-          <p:nvPr/>
-        </p:nvCxnSpPr>
-        <p:spPr>
-          <a:xfrm rot="10800000" flipH="1">
-            <a:off x="4726678" y="3456447"/>
-            <a:ext cx="1599000" cy="5700"/>
-          </a:xfrm>
-          <a:prstGeom prst="bentConnector3">
-            <a:avLst>
-              <a:gd name="adj1" fmla="val 50001"/>
-            </a:avLst>
-          </a:prstGeom>
-          <a:noFill/>
-          <a:ln w="25400" cap="flat" cmpd="sng">
-            <a:solidFill>
-              <a:schemeClr val="accent1"/>
-            </a:solidFill>
-            <a:prstDash val="solid"/>
-            <a:round/>
-            <a:headEnd type="none" w="sm" len="sm"/>
-            <a:tailEnd type="stealth" w="med" len="med"/>
-          </a:ln>
-          <a:effectLst>
-            <a:outerShdw blurRad="40000" dist="20000" dir="5400000" rotWithShape="0">
-              <a:srgbClr val="000000">
-                <a:alpha val="37647"/>
-              </a:srgbClr>
-            </a:outerShdw>
-          </a:effectLst>
-        </p:spPr>
-      </p:cxnSp>
-      <p:sp>
-        <p:nvSpPr>
-          <p:cNvPr id="9" name="Google Shape;204;p33"/>
-          <p:cNvSpPr txBox="1"/>
-          <p:nvPr/>
-        </p:nvSpPr>
-        <p:spPr>
-          <a:xfrm>
-            <a:off x="2328286" y="3622457"/>
-            <a:ext cx="832200" cy="276900"/>
-          </a:xfrm>
-          <a:prstGeom prst="rect">
-            <a:avLst/>
-          </a:prstGeom>
-          <a:noFill/>
           <a:ln>
             <a:noFill/>
           </a:ln>
+          <a:effectLst/>
+          <a:extLst>
+            <a:ext uri="{91240B29-F687-4F45-9708-019B960494DF}">
+              <a14:hiddenLine xmlns:a14="http://schemas.microsoft.com/office/drawing/2010/main" w="9525">
+                <a:solidFill>
+                  <a:schemeClr val="tx1"/>
+                </a:solidFill>
+                <a:miter lim="800000"/>
+                <a:headEnd/>
+                <a:tailEnd/>
+              </a14:hiddenLine>
+            </a:ext>
+            <a:ext uri="{AF507438-7753-43E0-B8FC-AC1667EBCBE1}">
+              <a14:hiddenEffects xmlns:a14="http://schemas.microsoft.com/office/drawing/2010/main">
+                <a:effectLst>
+                  <a:outerShdw dist="35921" dir="2700000" algn="ctr" rotWithShape="0">
+                    <a:schemeClr val="bg2"/>
+                  </a:outerShdw>
+                </a:effectLst>
+              </a14:hiddenEffects>
+            </a:ext>
+          </a:extLst>
         </p:spPr>
         <p:txBody>
-          <a:bodyPr spcFirstLastPara="1" wrap="square" lIns="91425" tIns="45700" rIns="91425" bIns="45700" anchor="t" anchorCtr="0">
-            <a:noAutofit/>
-          </a:bodyPr>
-          <a:lstStyle/>
-          <a:p>
-            <a:pPr marL="0" marR="0" lvl="0" indent="0" algn="l" rtl="0">
-              <a:spcBef>
-                <a:spcPts val="0"/>
-              </a:spcBef>
-              <a:spcAft>
-                <a:spcPts val="0"/>
-              </a:spcAft>
-              <a:buNone/>
-            </a:pPr>
-            <a:r>
-              <a:rPr lang="es-419" sz="1800" dirty="0" err="1">
-                <a:solidFill>
-                  <a:schemeClr val="dk1"/>
-                </a:solidFill>
-                <a:latin typeface="Calibri"/>
-                <a:ea typeface="Calibri"/>
-                <a:cs typeface="Calibri"/>
-                <a:sym typeface="Calibri"/>
-              </a:rPr>
-              <a:t>submit</a:t>
-            </a:r>
-            <a:endParaRPr sz="1800" dirty="0">
-              <a:solidFill>
-                <a:schemeClr val="dk1"/>
-              </a:solidFill>
-              <a:latin typeface="Calibri"/>
-              <a:ea typeface="Calibri"/>
-              <a:cs typeface="Calibri"/>
-              <a:sym typeface="Calibri"/>
-            </a:endParaRPr>
-          </a:p>
-        </p:txBody>
-      </p:sp>
-      <p:cxnSp>
-        <p:nvCxnSpPr>
-          <p:cNvPr id="10" name="Google Shape;205;p33"/>
-          <p:cNvCxnSpPr>
-            <a:stCxn id="17" idx="4"/>
-            <a:endCxn id="4" idx="2"/>
-          </p:cNvCxnSpPr>
-          <p:nvPr/>
-        </p:nvCxnSpPr>
-        <p:spPr>
-          <a:xfrm rot="5400000">
-            <a:off x="2501896" y="3127908"/>
-            <a:ext cx="359700" cy="1908300"/>
-          </a:xfrm>
-          <a:prstGeom prst="bentConnector3">
-            <a:avLst>
-              <a:gd name="adj1" fmla="val 166194"/>
-            </a:avLst>
-          </a:prstGeom>
-          <a:noFill/>
-          <a:ln w="25400" cap="flat" cmpd="sng">
-            <a:solidFill>
-              <a:schemeClr val="accent1"/>
-            </a:solidFill>
-            <a:prstDash val="solid"/>
-            <a:round/>
-            <a:headEnd type="none" w="sm" len="sm"/>
-            <a:tailEnd type="stealth" w="med" len="med"/>
-          </a:ln>
-          <a:effectLst>
-            <a:outerShdw blurRad="40000" dist="20000" dir="5400000" rotWithShape="0">
-              <a:srgbClr val="000000">
-                <a:alpha val="37647"/>
-              </a:srgbClr>
-            </a:outerShdw>
-          </a:effectLst>
-        </p:spPr>
-      </p:cxnSp>
-      <p:sp>
-        <p:nvSpPr>
-          <p:cNvPr id="11" name="Google Shape;207;p33"/>
-          <p:cNvSpPr txBox="1"/>
-          <p:nvPr/>
-        </p:nvSpPr>
-        <p:spPr>
-          <a:xfrm>
-            <a:off x="755575" y="4505860"/>
-            <a:ext cx="2488800" cy="276900"/>
-          </a:xfrm>
-          <a:prstGeom prst="rect">
-            <a:avLst/>
-          </a:prstGeom>
-          <a:noFill/>
-          <a:ln>
-            <a:noFill/>
-          </a:ln>
-        </p:spPr>
-        <p:txBody>
-          <a:bodyPr spcFirstLastPara="1" wrap="square" lIns="91425" tIns="45700" rIns="91425" bIns="45700" anchor="t" anchorCtr="0">
-            <a:noAutofit/>
-          </a:bodyPr>
-          <a:lstStyle/>
-          <a:p>
-            <a:pPr marL="0" marR="0" lvl="0" indent="0" algn="l" rtl="0">
-              <a:spcBef>
-                <a:spcPts val="0"/>
-              </a:spcBef>
-              <a:spcAft>
-                <a:spcPts val="0"/>
-              </a:spcAft>
-              <a:buNone/>
-            </a:pPr>
-            <a:r>
-              <a:rPr lang="es-419" sz="1800" dirty="0" err="1">
-                <a:solidFill>
-                  <a:schemeClr val="dk1"/>
-                </a:solidFill>
-                <a:latin typeface="Calibri"/>
-                <a:ea typeface="Calibri"/>
-                <a:cs typeface="Calibri"/>
-                <a:sym typeface="Calibri"/>
-              </a:rPr>
-              <a:t>wrong</a:t>
-            </a:r>
-            <a:r>
-              <a:rPr lang="es-419" sz="1800" dirty="0">
-                <a:solidFill>
-                  <a:schemeClr val="dk1"/>
-                </a:solidFill>
-                <a:latin typeface="Calibri"/>
-                <a:ea typeface="Calibri"/>
-                <a:cs typeface="Calibri"/>
-                <a:sym typeface="Calibri"/>
-              </a:rPr>
-              <a:t> </a:t>
-            </a:r>
-            <a:r>
-              <a:rPr lang="es-419" sz="1800" dirty="0" err="1">
-                <a:solidFill>
-                  <a:schemeClr val="dk1"/>
-                </a:solidFill>
-                <a:latin typeface="Calibri"/>
-                <a:ea typeface="Calibri"/>
-                <a:cs typeface="Calibri"/>
-                <a:sym typeface="Calibri"/>
-              </a:rPr>
-              <a:t>user</a:t>
-            </a:r>
-            <a:r>
-              <a:rPr lang="es-419" sz="1800" dirty="0">
-                <a:solidFill>
-                  <a:schemeClr val="dk1"/>
-                </a:solidFill>
-                <a:latin typeface="Calibri"/>
-                <a:ea typeface="Calibri"/>
-                <a:cs typeface="Calibri"/>
-                <a:sym typeface="Calibri"/>
-              </a:rPr>
-              <a:t> + </a:t>
-            </a:r>
-            <a:r>
-              <a:rPr lang="es-419" sz="1800" dirty="0" err="1">
-                <a:solidFill>
-                  <a:schemeClr val="dk1"/>
-                </a:solidFill>
-                <a:latin typeface="Calibri"/>
-                <a:ea typeface="Calibri"/>
-                <a:cs typeface="Calibri"/>
-                <a:sym typeface="Calibri"/>
-              </a:rPr>
-              <a:t>pswd</a:t>
-            </a:r>
-            <a:endParaRPr sz="1800" dirty="0">
-              <a:solidFill>
-                <a:schemeClr val="dk1"/>
-              </a:solidFill>
-              <a:latin typeface="Calibri"/>
-              <a:ea typeface="Calibri"/>
-              <a:cs typeface="Calibri"/>
-              <a:sym typeface="Calibri"/>
-            </a:endParaRPr>
-          </a:p>
-        </p:txBody>
-      </p:sp>
-      <p:sp>
-        <p:nvSpPr>
-          <p:cNvPr id="12" name="Google Shape;208;p33"/>
-          <p:cNvSpPr txBox="1"/>
-          <p:nvPr/>
-        </p:nvSpPr>
-        <p:spPr>
-          <a:xfrm>
-            <a:off x="3641255" y="2813863"/>
-            <a:ext cx="2186700" cy="307800"/>
-          </a:xfrm>
-          <a:prstGeom prst="rect">
-            <a:avLst/>
-          </a:prstGeom>
-          <a:solidFill>
-            <a:schemeClr val="lt1"/>
-          </a:solidFill>
-          <a:ln w="25400" cap="flat" cmpd="sng">
-            <a:noFill/>
-            <a:prstDash val="solid"/>
-            <a:round/>
-            <a:headEnd type="none" w="sm" len="sm"/>
-            <a:tailEnd type="none" w="sm" len="sm"/>
-          </a:ln>
-        </p:spPr>
-        <p:txBody>
-          <a:bodyPr spcFirstLastPara="1" wrap="square" lIns="91425" tIns="45700" rIns="91425" bIns="45700" anchor="t" anchorCtr="0">
-            <a:noAutofit/>
-          </a:bodyPr>
-          <a:lstStyle/>
-          <a:p>
-            <a:pPr marL="0" marR="0" lvl="0" indent="0" algn="l" rtl="0">
-              <a:spcBef>
-                <a:spcPts val="0"/>
-              </a:spcBef>
-              <a:spcAft>
-                <a:spcPts val="0"/>
-              </a:spcAft>
-              <a:buNone/>
-            </a:pPr>
-            <a:r>
-              <a:rPr lang="es-419" sz="1600" dirty="0" err="1">
-                <a:solidFill>
-                  <a:schemeClr val="dk1"/>
-                </a:solidFill>
-                <a:latin typeface="Calibri"/>
-                <a:ea typeface="Calibri"/>
-                <a:cs typeface="Calibri"/>
-                <a:sym typeface="Calibri"/>
-              </a:rPr>
-              <a:t>username</a:t>
-            </a:r>
-            <a:r>
-              <a:rPr lang="es-419" sz="1600" dirty="0">
-                <a:solidFill>
-                  <a:schemeClr val="dk1"/>
-                </a:solidFill>
-                <a:latin typeface="Calibri"/>
-                <a:ea typeface="Calibri"/>
-                <a:cs typeface="Calibri"/>
-                <a:sym typeface="Calibri"/>
-              </a:rPr>
-              <a:t>, </a:t>
-            </a:r>
-            <a:r>
-              <a:rPr lang="es-419" sz="1600" dirty="0" err="1">
-                <a:solidFill>
-                  <a:schemeClr val="dk1"/>
-                </a:solidFill>
-                <a:latin typeface="Calibri"/>
-                <a:ea typeface="Calibri"/>
-                <a:cs typeface="Calibri"/>
-                <a:sym typeface="Calibri"/>
-              </a:rPr>
-              <a:t>password</a:t>
-            </a:r>
-            <a:endParaRPr sz="1600" dirty="0">
-              <a:solidFill>
-                <a:schemeClr val="dk1"/>
-              </a:solidFill>
-              <a:latin typeface="Calibri"/>
-              <a:ea typeface="Calibri"/>
-              <a:cs typeface="Calibri"/>
-              <a:sym typeface="Calibri"/>
-            </a:endParaRPr>
-          </a:p>
-        </p:txBody>
-      </p:sp>
-      <p:cxnSp>
-        <p:nvCxnSpPr>
-          <p:cNvPr id="13" name="Google Shape;209;p33"/>
-          <p:cNvCxnSpPr/>
-          <p:nvPr/>
-        </p:nvCxnSpPr>
-        <p:spPr>
-          <a:xfrm flipH="1">
-            <a:off x="3185250" y="2890382"/>
-            <a:ext cx="472500" cy="558300"/>
-          </a:xfrm>
-          <a:prstGeom prst="straightConnector1">
-            <a:avLst/>
-          </a:prstGeom>
-          <a:noFill/>
-          <a:ln w="9525" cap="flat" cmpd="sng">
-            <a:solidFill>
-              <a:srgbClr val="4A7DBA"/>
-            </a:solidFill>
-            <a:prstDash val="solid"/>
-            <a:round/>
-            <a:headEnd type="none" w="sm" len="sm"/>
-            <a:tailEnd type="none" w="sm" len="sm"/>
-          </a:ln>
-        </p:spPr>
-      </p:cxnSp>
-      <p:sp>
-        <p:nvSpPr>
-          <p:cNvPr id="14" name="Google Shape;202;p33"/>
-          <p:cNvSpPr/>
-          <p:nvPr/>
-        </p:nvSpPr>
-        <p:spPr>
-          <a:xfrm>
-            <a:off x="3419872" y="3216763"/>
-            <a:ext cx="1368152" cy="490769"/>
-          </a:xfrm>
-          <a:prstGeom prst="parallelogram">
-            <a:avLst>
-              <a:gd name="adj" fmla="val 25000"/>
-            </a:avLst>
-          </a:prstGeom>
-          <a:solidFill>
-            <a:schemeClr val="lt1"/>
-          </a:solidFill>
-          <a:ln w="25400" cap="flat" cmpd="sng">
-            <a:solidFill>
-              <a:schemeClr val="accent2"/>
-            </a:solidFill>
-            <a:prstDash val="solid"/>
-            <a:round/>
-            <a:headEnd type="none" w="sm" len="sm"/>
-            <a:tailEnd type="none" w="sm" len="sm"/>
-          </a:ln>
-        </p:spPr>
-        <p:txBody>
-          <a:bodyPr spcFirstLastPara="1" wrap="square" lIns="91425" tIns="45700" rIns="91425" bIns="45700" anchor="ctr" anchorCtr="0">
-            <a:noAutofit/>
-          </a:bodyPr>
-          <a:lstStyle/>
-          <a:p>
-            <a:pPr marL="0" marR="0" lvl="0" indent="0" algn="ctr" rtl="0">
-              <a:spcBef>
-                <a:spcPts val="0"/>
-              </a:spcBef>
-              <a:spcAft>
-                <a:spcPts val="0"/>
-              </a:spcAft>
-              <a:buNone/>
-            </a:pPr>
-            <a:r>
-              <a:rPr lang="es-419" sz="1800">
-                <a:solidFill>
-                  <a:schemeClr val="dk1"/>
-                </a:solidFill>
-                <a:latin typeface="Calibri"/>
-                <a:ea typeface="Calibri"/>
-                <a:cs typeface="Calibri"/>
-                <a:sym typeface="Calibri"/>
-              </a:rPr>
-              <a:t>Check</a:t>
-            </a:r>
-            <a:br>
-              <a:rPr lang="es-419" sz="1800">
-                <a:solidFill>
-                  <a:schemeClr val="dk1"/>
-                </a:solidFill>
-                <a:latin typeface="Calibri"/>
-                <a:ea typeface="Calibri"/>
-                <a:cs typeface="Calibri"/>
-                <a:sym typeface="Calibri"/>
-              </a:rPr>
-            </a:br>
-            <a:r>
-              <a:rPr lang="es-419" sz="1800">
-                <a:solidFill>
-                  <a:schemeClr val="dk1"/>
-                </a:solidFill>
-                <a:latin typeface="Calibri"/>
-                <a:ea typeface="Calibri"/>
-                <a:cs typeface="Calibri"/>
-                <a:sym typeface="Calibri"/>
-              </a:rPr>
-              <a:t>Login</a:t>
-            </a:r>
-            <a:endParaRPr sz="1800">
-              <a:solidFill>
-                <a:schemeClr val="dk1"/>
-              </a:solidFill>
-              <a:latin typeface="Calibri"/>
-              <a:ea typeface="Calibri"/>
-              <a:cs typeface="Calibri"/>
-              <a:sym typeface="Calibri"/>
-            </a:endParaRPr>
-          </a:p>
-        </p:txBody>
-      </p:sp>
-      <p:cxnSp>
-        <p:nvCxnSpPr>
-          <p:cNvPr id="15" name="Google Shape;210;p33"/>
-          <p:cNvCxnSpPr>
-            <a:stCxn id="7" idx="6"/>
-            <a:endCxn id="14" idx="5"/>
-          </p:cNvCxnSpPr>
-          <p:nvPr/>
-        </p:nvCxnSpPr>
-        <p:spPr>
-          <a:xfrm>
-            <a:off x="2483768" y="3450686"/>
-            <a:ext cx="997500" cy="11400"/>
-          </a:xfrm>
-          <a:prstGeom prst="straightConnector1">
-            <a:avLst/>
-          </a:prstGeom>
-          <a:noFill/>
-          <a:ln w="25400" cap="flat" cmpd="sng">
-            <a:solidFill>
-              <a:schemeClr val="accent1"/>
-            </a:solidFill>
-            <a:prstDash val="solid"/>
-            <a:round/>
-            <a:headEnd type="none" w="sm" len="sm"/>
-            <a:tailEnd type="stealth" w="med" len="med"/>
-          </a:ln>
-          <a:effectLst>
-            <a:outerShdw blurRad="40000" dist="20000" dir="5400000" rotWithShape="0">
-              <a:srgbClr val="000000">
-                <a:alpha val="37647"/>
-              </a:srgbClr>
-            </a:outerShdw>
-          </a:effectLst>
-        </p:spPr>
-      </p:cxnSp>
-      <p:sp>
-        <p:nvSpPr>
-          <p:cNvPr id="16" name="Google Shape;211;p33"/>
-          <p:cNvSpPr/>
-          <p:nvPr/>
-        </p:nvSpPr>
-        <p:spPr>
-          <a:xfrm>
-            <a:off x="4572000" y="3383496"/>
-            <a:ext cx="288032" cy="216024"/>
-          </a:xfrm>
-          <a:prstGeom prst="ellipse">
-            <a:avLst/>
-          </a:prstGeom>
-          <a:solidFill>
-            <a:schemeClr val="accent1"/>
-          </a:solidFill>
-          <a:ln w="25400" cap="flat" cmpd="sng">
-            <a:solidFill>
-              <a:srgbClr val="395E89"/>
-            </a:solidFill>
-            <a:prstDash val="solid"/>
-            <a:round/>
-            <a:headEnd type="none" w="sm" len="sm"/>
-            <a:tailEnd type="none" w="sm" len="sm"/>
-          </a:ln>
-        </p:spPr>
-        <p:txBody>
-          <a:bodyPr spcFirstLastPara="1" wrap="square" lIns="91425" tIns="45700" rIns="91425" bIns="45700" anchor="ctr" anchorCtr="0">
-            <a:noAutofit/>
-          </a:bodyPr>
-          <a:lstStyle/>
-          <a:p>
-            <a:pPr marL="0" marR="0" lvl="0" indent="0" algn="ctr" rtl="0">
-              <a:spcBef>
-                <a:spcPts val="0"/>
-              </a:spcBef>
-              <a:spcAft>
-                <a:spcPts val="0"/>
-              </a:spcAft>
-              <a:buNone/>
-            </a:pPr>
-            <a:endParaRPr sz="1800">
-              <a:solidFill>
-                <a:schemeClr val="lt1"/>
-              </a:solidFill>
-              <a:latin typeface="Calibri"/>
-              <a:ea typeface="Calibri"/>
-              <a:cs typeface="Calibri"/>
-              <a:sym typeface="Calibri"/>
-            </a:endParaRPr>
-          </a:p>
-        </p:txBody>
-      </p:sp>
-      <p:sp>
-        <p:nvSpPr>
-          <p:cNvPr id="17" name="Google Shape;206;p33"/>
-          <p:cNvSpPr/>
-          <p:nvPr/>
-        </p:nvSpPr>
-        <p:spPr>
-          <a:xfrm>
-            <a:off x="3491880" y="3686184"/>
-            <a:ext cx="288032" cy="216024"/>
-          </a:xfrm>
-          <a:prstGeom prst="ellipse">
-            <a:avLst/>
-          </a:prstGeom>
-          <a:solidFill>
-            <a:schemeClr val="accent1"/>
-          </a:solidFill>
-          <a:ln w="25400" cap="flat" cmpd="sng">
-            <a:solidFill>
-              <a:srgbClr val="395E89"/>
-            </a:solidFill>
-            <a:prstDash val="solid"/>
-            <a:round/>
-            <a:headEnd type="none" w="sm" len="sm"/>
-            <a:tailEnd type="none" w="sm" len="sm"/>
-          </a:ln>
-        </p:spPr>
-        <p:txBody>
-          <a:bodyPr spcFirstLastPara="1" wrap="square" lIns="91425" tIns="45700" rIns="91425" bIns="45700" anchor="ctr" anchorCtr="0">
-            <a:noAutofit/>
-          </a:bodyPr>
-          <a:lstStyle/>
-          <a:p>
-            <a:pPr marL="0" marR="0" lvl="0" indent="0" algn="ctr" rtl="0">
-              <a:spcBef>
-                <a:spcPts val="0"/>
-              </a:spcBef>
-              <a:spcAft>
-                <a:spcPts val="0"/>
-              </a:spcAft>
-              <a:buNone/>
-            </a:pPr>
-            <a:endParaRPr sz="1800">
-              <a:solidFill>
-                <a:schemeClr val="lt1"/>
-              </a:solidFill>
-              <a:latin typeface="Calibri"/>
-              <a:ea typeface="Calibri"/>
-              <a:cs typeface="Calibri"/>
-              <a:sym typeface="Calibri"/>
-            </a:endParaRPr>
-          </a:p>
-        </p:txBody>
-      </p:sp>
-      <p:sp>
-        <p:nvSpPr>
-          <p:cNvPr id="18" name="Google Shape;212;p33"/>
-          <p:cNvSpPr txBox="1"/>
-          <p:nvPr/>
-        </p:nvSpPr>
-        <p:spPr>
-          <a:xfrm>
-            <a:off x="4788029" y="3599524"/>
-            <a:ext cx="1551900" cy="276900"/>
-          </a:xfrm>
-          <a:prstGeom prst="rect">
-            <a:avLst/>
-          </a:prstGeom>
-          <a:noFill/>
-          <a:ln>
-            <a:noFill/>
-          </a:ln>
-        </p:spPr>
-        <p:txBody>
-          <a:bodyPr spcFirstLastPara="1" wrap="square" lIns="91425" tIns="45700" rIns="91425" bIns="45700" anchor="t" anchorCtr="0">
-            <a:noAutofit/>
-          </a:bodyPr>
-          <a:lstStyle/>
-          <a:p>
-            <a:pPr marL="0" marR="0" lvl="0" indent="0" algn="l" rtl="0">
-              <a:spcBef>
-                <a:spcPts val="0"/>
-              </a:spcBef>
-              <a:spcAft>
-                <a:spcPts val="0"/>
-              </a:spcAft>
-              <a:buNone/>
-            </a:pPr>
-            <a:r>
-              <a:rPr lang="es-419" sz="1800">
-                <a:solidFill>
-                  <a:schemeClr val="dk1"/>
-                </a:solidFill>
-                <a:latin typeface="Calibri"/>
-                <a:ea typeface="Calibri"/>
-                <a:cs typeface="Calibri"/>
-                <a:sym typeface="Calibri"/>
-              </a:rPr>
-              <a:t>user -&gt; session</a:t>
-            </a:r>
-            <a:endParaRPr sz="1800">
-              <a:solidFill>
-                <a:schemeClr val="dk1"/>
-              </a:solidFill>
-              <a:latin typeface="Calibri"/>
-              <a:ea typeface="Calibri"/>
-              <a:cs typeface="Calibri"/>
-              <a:sym typeface="Calibri"/>
-            </a:endParaRPr>
-          </a:p>
-        </p:txBody>
-      </p:sp>
-      <p:cxnSp>
-        <p:nvCxnSpPr>
-          <p:cNvPr id="19" name="Google Shape;213;p33"/>
-          <p:cNvCxnSpPr>
-            <a:stCxn id="20" idx="2"/>
-            <a:endCxn id="6" idx="0"/>
-          </p:cNvCxnSpPr>
-          <p:nvPr/>
-        </p:nvCxnSpPr>
-        <p:spPr>
-          <a:xfrm flipH="1">
-            <a:off x="7015400" y="3456382"/>
-            <a:ext cx="868500" cy="1043700"/>
-          </a:xfrm>
-          <a:prstGeom prst="bentConnector4">
-            <a:avLst>
-              <a:gd name="adj1" fmla="val -34482"/>
-              <a:gd name="adj2" fmla="val 61752"/>
-            </a:avLst>
-          </a:prstGeom>
-          <a:noFill/>
-          <a:ln w="25400" cap="flat" cmpd="sng">
-            <a:solidFill>
-              <a:schemeClr val="accent1"/>
-            </a:solidFill>
-            <a:prstDash val="solid"/>
-            <a:round/>
-            <a:headEnd type="none" w="sm" len="sm"/>
-            <a:tailEnd type="stealth" w="med" len="med"/>
-          </a:ln>
-          <a:effectLst>
-            <a:outerShdw blurRad="40000" dist="20000" dir="5400000" rotWithShape="0">
-              <a:srgbClr val="000000">
-                <a:alpha val="37650"/>
-              </a:srgbClr>
-            </a:outerShdw>
-          </a:effectLst>
-        </p:spPr>
-      </p:cxnSp>
-      <p:sp>
-        <p:nvSpPr>
-          <p:cNvPr id="20" name="Google Shape;203;p33"/>
-          <p:cNvSpPr/>
-          <p:nvPr/>
-        </p:nvSpPr>
-        <p:spPr>
-          <a:xfrm>
-            <a:off x="6264350" y="3210982"/>
-            <a:ext cx="1680900" cy="490800"/>
-          </a:xfrm>
-          <a:prstGeom prst="parallelogram">
-            <a:avLst>
-              <a:gd name="adj" fmla="val 25000"/>
-            </a:avLst>
-          </a:prstGeom>
-          <a:solidFill>
-            <a:schemeClr val="lt1"/>
-          </a:solidFill>
-          <a:ln w="25400" cap="flat" cmpd="sng">
-            <a:solidFill>
-              <a:schemeClr val="accent2"/>
-            </a:solidFill>
-            <a:prstDash val="solid"/>
-            <a:round/>
-            <a:headEnd type="none" w="sm" len="sm"/>
-            <a:tailEnd type="none" w="sm" len="sm"/>
-          </a:ln>
-        </p:spPr>
-        <p:txBody>
-          <a:bodyPr spcFirstLastPara="1" wrap="square" lIns="91425" tIns="45700" rIns="91425" bIns="45700" anchor="ctr" anchorCtr="0">
-            <a:noAutofit/>
-          </a:bodyPr>
-          <a:lstStyle/>
-          <a:p>
-            <a:pPr marL="0" marR="0" lvl="0" indent="0" algn="ctr" rtl="0">
-              <a:spcBef>
-                <a:spcPts val="0"/>
-              </a:spcBef>
-              <a:spcAft>
-                <a:spcPts val="0"/>
-              </a:spcAft>
-              <a:buNone/>
-            </a:pPr>
-            <a:r>
-              <a:rPr lang="es-419" sz="1800">
-                <a:solidFill>
-                  <a:schemeClr val="dk1"/>
-                </a:solidFill>
-                <a:latin typeface="Calibri"/>
-                <a:ea typeface="Calibri"/>
-                <a:cs typeface="Calibri"/>
-                <a:sym typeface="Calibri"/>
-              </a:rPr>
-              <a:t>GoToHome</a:t>
-            </a:r>
-            <a:endParaRPr sz="1800">
-              <a:solidFill>
-                <a:schemeClr val="dk1"/>
-              </a:solidFill>
-              <a:latin typeface="Calibri"/>
-              <a:ea typeface="Calibri"/>
-              <a:cs typeface="Calibri"/>
-              <a:sym typeface="Calibri"/>
-            </a:endParaRPr>
-          </a:p>
-        </p:txBody>
-      </p:sp>
-      <p:sp>
-        <p:nvSpPr>
-          <p:cNvPr id="21" name="Google Shape;214;p33"/>
-          <p:cNvSpPr txBox="1"/>
-          <p:nvPr/>
-        </p:nvSpPr>
-        <p:spPr>
-          <a:xfrm>
-            <a:off x="7105354" y="4132699"/>
-            <a:ext cx="1551900" cy="276900"/>
-          </a:xfrm>
-          <a:prstGeom prst="rect">
-            <a:avLst/>
-          </a:prstGeom>
-          <a:noFill/>
-          <a:ln>
-            <a:noFill/>
-          </a:ln>
-        </p:spPr>
-        <p:txBody>
-          <a:bodyPr spcFirstLastPara="1" wrap="square" lIns="91425" tIns="45700" rIns="91425" bIns="45700" anchor="t" anchorCtr="0">
-            <a:noAutofit/>
-          </a:bodyPr>
-          <a:lstStyle/>
-          <a:p>
-            <a:pPr marL="0" marR="0" lvl="0" indent="0" algn="l" rtl="0">
-              <a:spcBef>
-                <a:spcPts val="0"/>
-              </a:spcBef>
-              <a:spcAft>
-                <a:spcPts val="0"/>
-              </a:spcAft>
-              <a:buNone/>
-            </a:pPr>
-            <a:r>
-              <a:rPr lang="es-419" sz="1800">
-                <a:solidFill>
-                  <a:schemeClr val="dk1"/>
-                </a:solidFill>
-                <a:latin typeface="Calibri"/>
-                <a:ea typeface="Calibri"/>
-                <a:cs typeface="Calibri"/>
-                <a:sym typeface="Calibri"/>
-              </a:rPr>
-              <a:t>missions</a:t>
-            </a:r>
-            <a:endParaRPr sz="1800">
-              <a:solidFill>
-                <a:schemeClr val="dk1"/>
-              </a:solidFill>
-              <a:latin typeface="Calibri"/>
-              <a:ea typeface="Calibri"/>
-              <a:cs typeface="Calibri"/>
-              <a:sym typeface="Calibri"/>
-            </a:endParaRPr>
-          </a:p>
-        </p:txBody>
-      </p:sp>
-      <p:cxnSp>
-        <p:nvCxnSpPr>
-          <p:cNvPr id="23" name="Straight Arrow Connector 22"/>
-          <p:cNvCxnSpPr>
-            <a:stCxn id="24" idx="1"/>
-          </p:cNvCxnSpPr>
-          <p:nvPr/>
-        </p:nvCxnSpPr>
-        <p:spPr>
-          <a:xfrm flipH="1">
-            <a:off x="1905802" y="2096513"/>
-            <a:ext cx="838584" cy="1036847"/>
-          </a:xfrm>
-          <a:prstGeom prst="straightConnector1">
-            <a:avLst/>
-          </a:prstGeom>
-          <a:ln w="57150">
-            <a:solidFill>
-              <a:srgbClr val="FF0000"/>
-            </a:solidFill>
-            <a:tailEnd type="triangle"/>
-          </a:ln>
-        </p:spPr>
-        <p:style>
-          <a:lnRef idx="3">
-            <a:schemeClr val="accent1"/>
-          </a:lnRef>
-          <a:fillRef idx="0">
-            <a:schemeClr val="accent1"/>
-          </a:fillRef>
-          <a:effectRef idx="2">
-            <a:schemeClr val="accent1"/>
-          </a:effectRef>
-          <a:fontRef idx="minor">
-            <a:schemeClr val="tx1"/>
-          </a:fontRef>
-        </p:style>
-      </p:cxnSp>
-      <p:sp>
-        <p:nvSpPr>
-          <p:cNvPr id="24" name="TextBox 23"/>
-          <p:cNvSpPr txBox="1"/>
-          <p:nvPr/>
-        </p:nvSpPr>
-        <p:spPr>
-          <a:xfrm>
-            <a:off x="2744386" y="1911847"/>
-            <a:ext cx="1992981" cy="369332"/>
-          </a:xfrm>
-          <a:prstGeom prst="rect">
-            <a:avLst/>
-          </a:prstGeom>
-          <a:noFill/>
-        </p:spPr>
-        <p:txBody>
-          <a:bodyPr wrap="none" rtlCol="0">
+          <a:bodyPr vert="horz" wrap="square" lIns="91440" tIns="45720" rIns="91440" bIns="45720" numCol="1" anchor="ctr" anchorCtr="0" compatLnSpc="1">
+            <a:prstTxWarp prst="textNoShape">
+              <a:avLst/>
+            </a:prstTxWarp>
             <a:spAutoFit/>
           </a:bodyPr>
           <a:lstStyle/>
           <a:p>
-            <a:r>
-              <a:rPr lang="it-IT" dirty="0"/>
-              <a:t>PAGE COMPONENT</a:t>
-            </a:r>
-          </a:p>
-        </p:txBody>
-      </p:sp>
-      <p:cxnSp>
-        <p:nvCxnSpPr>
-          <p:cNvPr id="26" name="Straight Arrow Connector 25"/>
-          <p:cNvCxnSpPr>
-            <a:stCxn id="27" idx="1"/>
-          </p:cNvCxnSpPr>
-          <p:nvPr/>
-        </p:nvCxnSpPr>
-        <p:spPr>
-          <a:xfrm flipH="1">
-            <a:off x="1357163" y="1565518"/>
-            <a:ext cx="1529998" cy="1187666"/>
-          </a:xfrm>
-          <a:prstGeom prst="straightConnector1">
-            <a:avLst/>
-          </a:prstGeom>
-          <a:ln w="57150">
-            <a:solidFill>
-              <a:srgbClr val="FF0000"/>
-            </a:solidFill>
-            <a:tailEnd type="triangle"/>
-          </a:ln>
-        </p:spPr>
-        <p:style>
-          <a:lnRef idx="3">
-            <a:schemeClr val="accent1"/>
-          </a:lnRef>
-          <a:fillRef idx="0">
-            <a:schemeClr val="accent1"/>
-          </a:fillRef>
-          <a:effectRef idx="2">
-            <a:schemeClr val="accent1"/>
-          </a:effectRef>
-          <a:fontRef idx="minor">
-            <a:schemeClr val="tx1"/>
-          </a:fontRef>
-        </p:style>
-      </p:cxnSp>
-      <p:sp>
-        <p:nvSpPr>
-          <p:cNvPr id="27" name="TextBox 26"/>
-          <p:cNvSpPr txBox="1"/>
-          <p:nvPr/>
-        </p:nvSpPr>
-        <p:spPr>
-          <a:xfrm>
-            <a:off x="2887161" y="1380852"/>
-            <a:ext cx="675762" cy="369332"/>
-          </a:xfrm>
-          <a:prstGeom prst="rect">
-            <a:avLst/>
-          </a:prstGeom>
-          <a:noFill/>
-        </p:spPr>
-        <p:txBody>
-          <a:bodyPr wrap="square" rtlCol="0">
-            <a:spAutoFit/>
-          </a:bodyPr>
-          <a:lstStyle/>
-          <a:p>
-            <a:r>
-              <a:rPr lang="it-IT" dirty="0"/>
-              <a:t>PAGE</a:t>
-            </a:r>
-          </a:p>
-        </p:txBody>
-      </p:sp>
-      <p:cxnSp>
-        <p:nvCxnSpPr>
-          <p:cNvPr id="30" name="Straight Arrow Connector 29"/>
-          <p:cNvCxnSpPr>
-            <a:stCxn id="31" idx="1"/>
-          </p:cNvCxnSpPr>
-          <p:nvPr/>
-        </p:nvCxnSpPr>
-        <p:spPr>
-          <a:xfrm flipH="1">
-            <a:off x="2406316" y="2394897"/>
-            <a:ext cx="790457" cy="946194"/>
-          </a:xfrm>
-          <a:prstGeom prst="straightConnector1">
-            <a:avLst/>
-          </a:prstGeom>
-          <a:ln w="57150">
-            <a:solidFill>
-              <a:srgbClr val="FF0000"/>
-            </a:solidFill>
-            <a:tailEnd type="triangle"/>
-          </a:ln>
-        </p:spPr>
-        <p:style>
-          <a:lnRef idx="3">
-            <a:schemeClr val="accent1"/>
-          </a:lnRef>
-          <a:fillRef idx="0">
-            <a:schemeClr val="accent1"/>
-          </a:fillRef>
-          <a:effectRef idx="2">
-            <a:schemeClr val="accent1"/>
-          </a:effectRef>
-          <a:fontRef idx="minor">
-            <a:schemeClr val="tx1"/>
-          </a:fontRef>
-        </p:style>
-      </p:cxnSp>
-      <p:sp>
-        <p:nvSpPr>
-          <p:cNvPr id="31" name="TextBox 30"/>
-          <p:cNvSpPr txBox="1"/>
-          <p:nvPr/>
-        </p:nvSpPr>
-        <p:spPr>
-          <a:xfrm>
-            <a:off x="3196773" y="2210231"/>
-            <a:ext cx="801823" cy="369332"/>
-          </a:xfrm>
-          <a:prstGeom prst="rect">
-            <a:avLst/>
-          </a:prstGeom>
-          <a:noFill/>
-        </p:spPr>
-        <p:txBody>
-          <a:bodyPr wrap="none" rtlCol="0">
-            <a:spAutoFit/>
-          </a:bodyPr>
-          <a:lstStyle/>
-          <a:p>
-            <a:r>
-              <a:rPr lang="it-IT" dirty="0"/>
-              <a:t>EVENT</a:t>
-            </a:r>
-          </a:p>
-        </p:txBody>
-      </p:sp>
-      <p:cxnSp>
-        <p:nvCxnSpPr>
-          <p:cNvPr id="33" name="Straight Arrow Connector 32"/>
-          <p:cNvCxnSpPr>
-            <a:stCxn id="34" idx="1"/>
-          </p:cNvCxnSpPr>
-          <p:nvPr/>
-        </p:nvCxnSpPr>
-        <p:spPr>
-          <a:xfrm flipH="1">
-            <a:off x="6670320" y="2491149"/>
-            <a:ext cx="655704" cy="656671"/>
-          </a:xfrm>
-          <a:prstGeom prst="straightConnector1">
-            <a:avLst/>
-          </a:prstGeom>
-          <a:ln w="57150">
-            <a:solidFill>
-              <a:srgbClr val="FF0000"/>
-            </a:solidFill>
-            <a:tailEnd type="triangle"/>
-          </a:ln>
-        </p:spPr>
-        <p:style>
-          <a:lnRef idx="3">
-            <a:schemeClr val="accent1"/>
-          </a:lnRef>
-          <a:fillRef idx="0">
-            <a:schemeClr val="accent1"/>
-          </a:fillRef>
-          <a:effectRef idx="2">
-            <a:schemeClr val="accent1"/>
-          </a:effectRef>
-          <a:fontRef idx="minor">
-            <a:schemeClr val="tx1"/>
-          </a:fontRef>
-        </p:style>
-      </p:cxnSp>
-      <p:sp>
-        <p:nvSpPr>
-          <p:cNvPr id="34" name="TextBox 33"/>
-          <p:cNvSpPr txBox="1"/>
-          <p:nvPr/>
-        </p:nvSpPr>
-        <p:spPr>
-          <a:xfrm>
-            <a:off x="7326024" y="2306483"/>
-            <a:ext cx="911916" cy="369332"/>
-          </a:xfrm>
-          <a:prstGeom prst="rect">
-            <a:avLst/>
-          </a:prstGeom>
-          <a:noFill/>
-        </p:spPr>
-        <p:txBody>
-          <a:bodyPr wrap="none" rtlCol="0">
-            <a:spAutoFit/>
-          </a:bodyPr>
-          <a:lstStyle/>
-          <a:p>
-            <a:r>
-              <a:rPr lang="it-IT" dirty="0"/>
-              <a:t>ACTION</a:t>
-            </a:r>
-          </a:p>
-        </p:txBody>
-      </p:sp>
-      <p:cxnSp>
-        <p:nvCxnSpPr>
-          <p:cNvPr id="35" name="Straight Arrow Connector 34"/>
-          <p:cNvCxnSpPr>
-            <a:stCxn id="36" idx="1"/>
-          </p:cNvCxnSpPr>
-          <p:nvPr/>
-        </p:nvCxnSpPr>
-        <p:spPr>
-          <a:xfrm flipH="1">
-            <a:off x="5755392" y="2096513"/>
-            <a:ext cx="800608" cy="1352169"/>
-          </a:xfrm>
-          <a:prstGeom prst="straightConnector1">
-            <a:avLst/>
-          </a:prstGeom>
-          <a:ln w="57150">
-            <a:solidFill>
-              <a:srgbClr val="FF0000"/>
-            </a:solidFill>
-            <a:tailEnd type="triangle"/>
-          </a:ln>
-        </p:spPr>
-        <p:style>
-          <a:lnRef idx="3">
-            <a:schemeClr val="accent1"/>
-          </a:lnRef>
-          <a:fillRef idx="0">
-            <a:schemeClr val="accent1"/>
-          </a:fillRef>
-          <a:effectRef idx="2">
-            <a:schemeClr val="accent1"/>
-          </a:effectRef>
-          <a:fontRef idx="minor">
-            <a:schemeClr val="tx1"/>
-          </a:fontRef>
-        </p:style>
-      </p:cxnSp>
-      <p:sp>
-        <p:nvSpPr>
-          <p:cNvPr id="36" name="TextBox 35"/>
-          <p:cNvSpPr txBox="1"/>
-          <p:nvPr/>
-        </p:nvSpPr>
-        <p:spPr>
-          <a:xfrm>
-            <a:off x="6556000" y="1911847"/>
-            <a:ext cx="1378134" cy="369332"/>
-          </a:xfrm>
-          <a:prstGeom prst="rect">
-            <a:avLst/>
-          </a:prstGeom>
-          <a:noFill/>
-        </p:spPr>
-        <p:txBody>
-          <a:bodyPr wrap="none" rtlCol="0">
-            <a:spAutoFit/>
-          </a:bodyPr>
-          <a:lstStyle/>
-          <a:p>
-            <a:r>
-              <a:rPr lang="it-IT" dirty="0"/>
-              <a:t>NAVIGATION</a:t>
-            </a:r>
+            <a:pPr marL="0" marR="0" lvl="0" indent="0" algn="l" defTabSz="914400" rtl="0" eaLnBrk="0" fontAlgn="base" latinLnBrk="0" hangingPunct="0">
+              <a:lnSpc>
+                <a:spcPct val="100000"/>
+              </a:lnSpc>
+              <a:spcBef>
+                <a:spcPct val="0"/>
+              </a:spcBef>
+              <a:spcAft>
+                <a:spcPct val="0"/>
+              </a:spcAft>
+              <a:buClrTx/>
+              <a:buSzTx/>
+              <a:buFontTx/>
+              <a:buNone/>
+              <a:tabLst/>
+            </a:pPr>
+            <a:r>
+              <a:rPr kumimoji="0" lang="it-IT" altLang="it-IT" sz="1400" b="0" i="0" u="none" strike="noStrike" cap="none" normalizeH="0" baseline="0" dirty="0">
+                <a:ln>
+                  <a:noFill/>
+                </a:ln>
+                <a:solidFill>
+                  <a:srgbClr val="BBB529"/>
+                </a:solidFill>
+                <a:effectLst/>
+                <a:latin typeface="JetBrains Mono"/>
+              </a:rPr>
+              <a:t>@Entity</a:t>
+            </a:r>
+            <a:br>
+              <a:rPr kumimoji="0" lang="it-IT" altLang="it-IT" sz="1400" b="0" i="0" u="none" strike="noStrike" cap="none" normalizeH="0" baseline="0" dirty="0">
+                <a:ln>
+                  <a:noFill/>
+                </a:ln>
+                <a:solidFill>
+                  <a:srgbClr val="BBB529"/>
+                </a:solidFill>
+                <a:effectLst/>
+                <a:latin typeface="JetBrains Mono"/>
+              </a:rPr>
+            </a:br>
+            <a:r>
+              <a:rPr kumimoji="0" lang="it-IT" altLang="it-IT" sz="1400" b="0" i="0" u="none" strike="noStrike" cap="none" normalizeH="0" baseline="0" dirty="0">
+                <a:ln>
+                  <a:noFill/>
+                </a:ln>
+                <a:solidFill>
+                  <a:srgbClr val="BBB529"/>
+                </a:solidFill>
+                <a:effectLst/>
+                <a:latin typeface="JetBrains Mono"/>
+              </a:rPr>
+              <a:t>@Table</a:t>
+            </a:r>
+            <a:r>
+              <a:rPr kumimoji="0" lang="it-IT" altLang="it-IT" sz="1400" b="0" i="0" u="none" strike="noStrike" cap="none" normalizeH="0" baseline="0" dirty="0">
+                <a:ln>
+                  <a:noFill/>
+                </a:ln>
+                <a:solidFill>
+                  <a:srgbClr val="A9B7C6"/>
+                </a:solidFill>
+                <a:effectLst/>
+                <a:latin typeface="JetBrains Mono"/>
+              </a:rPr>
+              <a:t>(name = </a:t>
+            </a:r>
+            <a:r>
+              <a:rPr kumimoji="0" lang="it-IT" altLang="it-IT" sz="1400" b="0" i="0" u="none" strike="noStrike" cap="none" normalizeH="0" baseline="0" dirty="0">
+                <a:ln>
+                  <a:noFill/>
+                </a:ln>
+                <a:solidFill>
+                  <a:srgbClr val="6A8759"/>
+                </a:solidFill>
+                <a:effectLst/>
+                <a:latin typeface="JetBrains Mono"/>
+              </a:rPr>
+              <a:t>"</a:t>
+            </a:r>
+            <a:r>
+              <a:rPr kumimoji="0" lang="it-IT" altLang="it-IT" sz="1400" b="0" i="0" u="none" strike="noStrike" cap="none" normalizeH="0" baseline="0" dirty="0" err="1">
+                <a:ln>
+                  <a:noFill/>
+                </a:ln>
+                <a:solidFill>
+                  <a:srgbClr val="6A8759"/>
+                </a:solidFill>
+                <a:effectLst/>
+                <a:latin typeface="JetBrains Mono"/>
+              </a:rPr>
+              <a:t>total_purchases_validity_period_per_package</a:t>
+            </a:r>
+            <a:r>
+              <a:rPr kumimoji="0" lang="it-IT" altLang="it-IT" sz="1400" b="0" i="0" u="none" strike="noStrike" cap="none" normalizeH="0" baseline="0" dirty="0">
+                <a:ln>
+                  <a:noFill/>
+                </a:ln>
+                <a:solidFill>
+                  <a:srgbClr val="6A8759"/>
+                </a:solidFill>
+                <a:effectLst/>
+                <a:latin typeface="JetBrains Mono"/>
+              </a:rPr>
+              <a:t>"</a:t>
+            </a:r>
+            <a:r>
+              <a:rPr kumimoji="0" lang="it-IT" altLang="it-IT" sz="1400" b="0" i="0" u="none" strike="noStrike" cap="none" normalizeH="0" baseline="0" dirty="0">
+                <a:ln>
+                  <a:noFill/>
+                </a:ln>
+                <a:solidFill>
+                  <a:srgbClr val="CC7832"/>
+                </a:solidFill>
+                <a:effectLst/>
+                <a:latin typeface="JetBrains Mono"/>
+              </a:rPr>
+              <a:t>, </a:t>
+            </a:r>
+            <a:r>
+              <a:rPr kumimoji="0" lang="it-IT" altLang="it-IT" sz="1400" b="0" i="0" u="none" strike="noStrike" cap="none" normalizeH="0" baseline="0" dirty="0">
+                <a:ln>
+                  <a:noFill/>
+                </a:ln>
+                <a:solidFill>
+                  <a:srgbClr val="A9B7C6"/>
+                </a:solidFill>
+                <a:effectLst/>
+                <a:latin typeface="JetBrains Mono"/>
+              </a:rPr>
+              <a:t>schema = </a:t>
+            </a:r>
+            <a:r>
+              <a:rPr kumimoji="0" lang="it-IT" altLang="it-IT" sz="1400" b="0" i="0" u="none" strike="noStrike" cap="none" normalizeH="0" baseline="0" dirty="0">
+                <a:ln>
+                  <a:noFill/>
+                </a:ln>
+                <a:solidFill>
+                  <a:srgbClr val="6A8759"/>
+                </a:solidFill>
+                <a:effectLst/>
+                <a:latin typeface="JetBrains Mono"/>
+              </a:rPr>
+              <a:t>"</a:t>
+            </a:r>
+            <a:r>
+              <a:rPr kumimoji="0" lang="it-IT" altLang="it-IT" sz="1400" b="0" i="0" u="none" strike="noStrike" cap="none" normalizeH="0" baseline="0" dirty="0" err="1">
+                <a:ln>
+                  <a:noFill/>
+                </a:ln>
+                <a:solidFill>
+                  <a:srgbClr val="6A8759"/>
+                </a:solidFill>
+                <a:effectLst/>
+                <a:latin typeface="JetBrains Mono"/>
+              </a:rPr>
+              <a:t>telcodb</a:t>
+            </a:r>
+            <a:r>
+              <a:rPr kumimoji="0" lang="it-IT" altLang="it-IT" sz="1400" b="0" i="0" u="none" strike="noStrike" cap="none" normalizeH="0" baseline="0" dirty="0">
+                <a:ln>
+                  <a:noFill/>
+                </a:ln>
+                <a:solidFill>
+                  <a:srgbClr val="6A8759"/>
+                </a:solidFill>
+                <a:effectLst/>
+                <a:latin typeface="JetBrains Mono"/>
+              </a:rPr>
+              <a:t>"</a:t>
+            </a:r>
+            <a:r>
+              <a:rPr kumimoji="0" lang="it-IT" altLang="it-IT" sz="1400" b="0" i="0" u="none" strike="noStrike" cap="none" normalizeH="0" baseline="0" dirty="0">
+                <a:ln>
+                  <a:noFill/>
+                </a:ln>
+                <a:solidFill>
+                  <a:srgbClr val="A9B7C6"/>
+                </a:solidFill>
+                <a:effectLst/>
+                <a:latin typeface="JetBrains Mono"/>
+              </a:rPr>
+              <a:t>)</a:t>
+            </a:r>
+            <a:br>
+              <a:rPr kumimoji="0" lang="it-IT" altLang="it-IT" sz="1400" b="0" i="0" u="none" strike="noStrike" cap="none" normalizeH="0" baseline="0" dirty="0">
+                <a:ln>
+                  <a:noFill/>
+                </a:ln>
+                <a:solidFill>
+                  <a:srgbClr val="A9B7C6"/>
+                </a:solidFill>
+                <a:effectLst/>
+                <a:latin typeface="JetBrains Mono"/>
+              </a:rPr>
+            </a:br>
+            <a:r>
+              <a:rPr kumimoji="0" lang="it-IT" altLang="it-IT" sz="1400" b="0" i="0" u="none" strike="noStrike" cap="none" normalizeH="0" baseline="0" dirty="0">
+                <a:ln>
+                  <a:noFill/>
+                </a:ln>
+                <a:solidFill>
+                  <a:srgbClr val="BBB529"/>
+                </a:solidFill>
+                <a:effectLst/>
+                <a:latin typeface="JetBrains Mono"/>
+              </a:rPr>
+              <a:t>@NamedQueries</a:t>
+            </a:r>
+            <a:r>
+              <a:rPr kumimoji="0" lang="it-IT" altLang="it-IT" sz="1400" b="0" i="0" u="none" strike="noStrike" cap="none" normalizeH="0" baseline="0" dirty="0">
+                <a:ln>
+                  <a:noFill/>
+                </a:ln>
+                <a:solidFill>
+                  <a:srgbClr val="A9B7C6"/>
+                </a:solidFill>
+                <a:effectLst/>
+                <a:latin typeface="JetBrains Mono"/>
+              </a:rPr>
+              <a:t>(</a:t>
+            </a:r>
+            <a:br>
+              <a:rPr kumimoji="0" lang="it-IT" altLang="it-IT" sz="1400" b="0" i="0" u="none" strike="noStrike" cap="none" normalizeH="0" baseline="0" dirty="0">
+                <a:ln>
+                  <a:noFill/>
+                </a:ln>
+                <a:solidFill>
+                  <a:srgbClr val="A9B7C6"/>
+                </a:solidFill>
+                <a:effectLst/>
+                <a:latin typeface="JetBrains Mono"/>
+              </a:rPr>
+            </a:br>
+            <a:r>
+              <a:rPr kumimoji="0" lang="it-IT" altLang="it-IT" sz="1400" b="0" i="0" u="none" strike="noStrike" cap="none" normalizeH="0" baseline="0" dirty="0">
+                <a:ln>
+                  <a:noFill/>
+                </a:ln>
+                <a:solidFill>
+                  <a:srgbClr val="A9B7C6"/>
+                </a:solidFill>
+                <a:effectLst/>
+                <a:latin typeface="JetBrains Mono"/>
+              </a:rPr>
+              <a:t>        {</a:t>
+            </a:r>
+            <a:br>
+              <a:rPr kumimoji="0" lang="it-IT" altLang="it-IT" sz="1400" b="0" i="0" u="none" strike="noStrike" cap="none" normalizeH="0" baseline="0" dirty="0">
+                <a:ln>
+                  <a:noFill/>
+                </a:ln>
+                <a:solidFill>
+                  <a:srgbClr val="A9B7C6"/>
+                </a:solidFill>
+                <a:effectLst/>
+                <a:latin typeface="JetBrains Mono"/>
+              </a:rPr>
+            </a:br>
+            <a:r>
+              <a:rPr kumimoji="0" lang="it-IT" altLang="it-IT" sz="1400" b="0" i="0" u="none" strike="noStrike" cap="none" normalizeH="0" baseline="0" dirty="0">
+                <a:ln>
+                  <a:noFill/>
+                </a:ln>
+                <a:solidFill>
+                  <a:srgbClr val="A9B7C6"/>
+                </a:solidFill>
+                <a:effectLst/>
+                <a:latin typeface="JetBrains Mono"/>
+              </a:rPr>
+              <a:t>                </a:t>
+            </a:r>
+            <a:r>
+              <a:rPr kumimoji="0" lang="it-IT" altLang="it-IT" sz="1400" b="0" i="0" u="none" strike="noStrike" cap="none" normalizeH="0" baseline="0" dirty="0">
+                <a:ln>
+                  <a:noFill/>
+                </a:ln>
+                <a:solidFill>
+                  <a:srgbClr val="BBB529"/>
+                </a:solidFill>
+                <a:effectLst/>
+                <a:latin typeface="JetBrains Mono"/>
+              </a:rPr>
+              <a:t>@NamedQuery</a:t>
+            </a:r>
+            <a:r>
+              <a:rPr kumimoji="0" lang="it-IT" altLang="it-IT" sz="1400" b="0" i="0" u="none" strike="noStrike" cap="none" normalizeH="0" baseline="0" dirty="0">
+                <a:ln>
+                  <a:noFill/>
+                </a:ln>
+                <a:solidFill>
+                  <a:srgbClr val="A9B7C6"/>
+                </a:solidFill>
+                <a:effectLst/>
+                <a:latin typeface="JetBrains Mono"/>
+              </a:rPr>
+              <a:t>(name = </a:t>
+            </a:r>
+            <a:r>
+              <a:rPr kumimoji="0" lang="it-IT" altLang="it-IT" sz="1400" b="0" i="0" u="none" strike="noStrike" cap="none" normalizeH="0" baseline="0" dirty="0">
+                <a:ln>
+                  <a:noFill/>
+                </a:ln>
+                <a:solidFill>
+                  <a:srgbClr val="6A8759"/>
+                </a:solidFill>
+                <a:effectLst/>
+                <a:latin typeface="JetBrains Mono"/>
+              </a:rPr>
+              <a:t>"</a:t>
+            </a:r>
+            <a:r>
+              <a:rPr kumimoji="0" lang="it-IT" altLang="it-IT" sz="1400" b="0" i="0" u="none" strike="noStrike" cap="none" normalizeH="0" baseline="0" dirty="0" err="1">
+                <a:ln>
+                  <a:noFill/>
+                </a:ln>
+                <a:solidFill>
+                  <a:srgbClr val="6A8759"/>
+                </a:solidFill>
+                <a:effectLst/>
+                <a:latin typeface="JetBrains Mono"/>
+              </a:rPr>
+              <a:t>TotalPurchasesValidityPeriodPerPackage.retrieveAll</a:t>
+            </a:r>
+            <a:r>
+              <a:rPr kumimoji="0" lang="it-IT" altLang="it-IT" sz="1400" b="0" i="0" u="none" strike="noStrike" cap="none" normalizeH="0" baseline="0" dirty="0">
+                <a:ln>
+                  <a:noFill/>
+                </a:ln>
+                <a:solidFill>
+                  <a:srgbClr val="6A8759"/>
+                </a:solidFill>
+                <a:effectLst/>
+                <a:latin typeface="JetBrains Mono"/>
+              </a:rPr>
+              <a:t>"</a:t>
+            </a:r>
+            <a:br>
+              <a:rPr kumimoji="0" lang="it-IT" altLang="it-IT" sz="1400" b="0" i="0" u="none" strike="noStrike" cap="none" normalizeH="0" baseline="0" dirty="0">
+                <a:ln>
+                  <a:noFill/>
+                </a:ln>
+                <a:solidFill>
+                  <a:srgbClr val="6A8759"/>
+                </a:solidFill>
+                <a:effectLst/>
+                <a:latin typeface="JetBrains Mono"/>
+              </a:rPr>
+            </a:br>
+            <a:r>
+              <a:rPr kumimoji="0" lang="it-IT" altLang="it-IT" sz="1400" b="0" i="0" u="none" strike="noStrike" cap="none" normalizeH="0" baseline="0" dirty="0">
+                <a:ln>
+                  <a:noFill/>
+                </a:ln>
+                <a:solidFill>
+                  <a:srgbClr val="6A8759"/>
+                </a:solidFill>
+                <a:effectLst/>
+                <a:latin typeface="JetBrains Mono"/>
+              </a:rPr>
+              <a:t>                        </a:t>
+            </a:r>
+            <a:r>
+              <a:rPr kumimoji="0" lang="it-IT" altLang="it-IT" sz="1400" b="0" i="0" u="none" strike="noStrike" cap="none" normalizeH="0" baseline="0" dirty="0">
+                <a:ln>
+                  <a:noFill/>
+                </a:ln>
+                <a:solidFill>
+                  <a:srgbClr val="CC7832"/>
+                </a:solidFill>
+                <a:effectLst/>
+                <a:latin typeface="JetBrains Mono"/>
+              </a:rPr>
+              <a:t>,</a:t>
+            </a:r>
+            <a:r>
+              <a:rPr kumimoji="0" lang="it-IT" altLang="it-IT" sz="1400" b="0" i="0" u="none" strike="noStrike" cap="none" normalizeH="0" baseline="0" dirty="0">
+                <a:ln>
+                  <a:noFill/>
+                </a:ln>
+                <a:solidFill>
+                  <a:srgbClr val="A9B7C6"/>
+                </a:solidFill>
+                <a:effectLst/>
+                <a:latin typeface="JetBrains Mono"/>
+              </a:rPr>
+              <a:t>query = </a:t>
+            </a:r>
+            <a:r>
+              <a:rPr kumimoji="0" lang="it-IT" altLang="it-IT" sz="1400" b="0" i="0" u="none" strike="noStrike" cap="none" normalizeH="0" baseline="0" dirty="0">
+                <a:ln>
+                  <a:noFill/>
+                </a:ln>
+                <a:solidFill>
+                  <a:srgbClr val="6A8759"/>
+                </a:solidFill>
+                <a:effectLst/>
+                <a:latin typeface="JetBrains Mono"/>
+              </a:rPr>
+              <a:t>"SELECT </a:t>
+            </a:r>
+            <a:r>
+              <a:rPr kumimoji="0" lang="it-IT" altLang="it-IT" sz="1400" b="0" i="0" u="none" strike="noStrike" cap="none" normalizeH="0" baseline="0" dirty="0" err="1">
+                <a:ln>
+                  <a:noFill/>
+                </a:ln>
+                <a:solidFill>
+                  <a:srgbClr val="6A8759"/>
+                </a:solidFill>
+                <a:effectLst/>
+                <a:latin typeface="JetBrains Mono"/>
+              </a:rPr>
+              <a:t>tp</a:t>
+            </a:r>
+            <a:r>
+              <a:rPr kumimoji="0" lang="it-IT" altLang="it-IT" sz="1400" b="0" i="0" u="none" strike="noStrike" cap="none" normalizeH="0" baseline="0" dirty="0">
+                <a:ln>
+                  <a:noFill/>
+                </a:ln>
+                <a:solidFill>
+                  <a:srgbClr val="6A8759"/>
+                </a:solidFill>
+                <a:effectLst/>
+                <a:latin typeface="JetBrains Mono"/>
+              </a:rPr>
+              <a:t> " </a:t>
+            </a:r>
+            <a:r>
+              <a:rPr kumimoji="0" lang="it-IT" altLang="it-IT" sz="1400" b="0" i="0" u="none" strike="noStrike" cap="none" normalizeH="0" baseline="0" dirty="0">
+                <a:ln>
+                  <a:noFill/>
+                </a:ln>
+                <a:solidFill>
+                  <a:srgbClr val="A9B7C6"/>
+                </a:solidFill>
+                <a:effectLst/>
+                <a:latin typeface="JetBrains Mono"/>
+              </a:rPr>
+              <a:t>+</a:t>
+            </a:r>
+            <a:br>
+              <a:rPr kumimoji="0" lang="it-IT" altLang="it-IT" sz="1400" b="0" i="0" u="none" strike="noStrike" cap="none" normalizeH="0" baseline="0" dirty="0">
+                <a:ln>
+                  <a:noFill/>
+                </a:ln>
+                <a:solidFill>
+                  <a:srgbClr val="A9B7C6"/>
+                </a:solidFill>
+                <a:effectLst/>
+                <a:latin typeface="JetBrains Mono"/>
+              </a:rPr>
+            </a:br>
+            <a:r>
+              <a:rPr kumimoji="0" lang="it-IT" altLang="it-IT" sz="1400" b="0" i="0" u="none" strike="noStrike" cap="none" normalizeH="0" baseline="0" dirty="0">
+                <a:ln>
+                  <a:noFill/>
+                </a:ln>
+                <a:solidFill>
+                  <a:srgbClr val="A9B7C6"/>
+                </a:solidFill>
+                <a:effectLst/>
+                <a:latin typeface="JetBrains Mono"/>
+              </a:rPr>
+              <a:t>                        </a:t>
+            </a:r>
+            <a:r>
+              <a:rPr kumimoji="0" lang="it-IT" altLang="it-IT" sz="1400" b="0" i="0" u="none" strike="noStrike" cap="none" normalizeH="0" baseline="0" dirty="0">
+                <a:ln>
+                  <a:noFill/>
+                </a:ln>
+                <a:solidFill>
+                  <a:srgbClr val="6A8759"/>
+                </a:solidFill>
+                <a:effectLst/>
+                <a:latin typeface="JetBrains Mono"/>
+              </a:rPr>
+              <a:t>"FROM </a:t>
+            </a:r>
+            <a:r>
+              <a:rPr kumimoji="0" lang="it-IT" altLang="it-IT" sz="1400" b="0" i="0" u="none" strike="noStrike" cap="none" normalizeH="0" baseline="0" dirty="0" err="1">
+                <a:ln>
+                  <a:noFill/>
+                </a:ln>
+                <a:solidFill>
+                  <a:srgbClr val="6A8759"/>
+                </a:solidFill>
+                <a:effectLst/>
+                <a:latin typeface="JetBrains Mono"/>
+              </a:rPr>
+              <a:t>TotalPurchasesValidityPeriodPerPackage</a:t>
+            </a:r>
+            <a:r>
+              <a:rPr kumimoji="0" lang="it-IT" altLang="it-IT" sz="1400" b="0" i="0" u="none" strike="noStrike" cap="none" normalizeH="0" baseline="0" dirty="0">
+                <a:ln>
+                  <a:noFill/>
+                </a:ln>
+                <a:solidFill>
+                  <a:srgbClr val="6A8759"/>
+                </a:solidFill>
+                <a:effectLst/>
+                <a:latin typeface="JetBrains Mono"/>
+              </a:rPr>
+              <a:t> </a:t>
+            </a:r>
+            <a:r>
+              <a:rPr kumimoji="0" lang="it-IT" altLang="it-IT" sz="1400" b="0" i="0" u="none" strike="noStrike" cap="none" normalizeH="0" baseline="0" dirty="0" err="1">
+                <a:ln>
+                  <a:noFill/>
+                </a:ln>
+                <a:solidFill>
+                  <a:srgbClr val="6A8759"/>
+                </a:solidFill>
+                <a:effectLst/>
+                <a:latin typeface="JetBrains Mono"/>
+              </a:rPr>
+              <a:t>tp</a:t>
+            </a:r>
+            <a:r>
+              <a:rPr kumimoji="0" lang="it-IT" altLang="it-IT" sz="1400" b="0" i="0" u="none" strike="noStrike" cap="none" normalizeH="0" baseline="0" dirty="0">
+                <a:ln>
+                  <a:noFill/>
+                </a:ln>
+                <a:solidFill>
+                  <a:srgbClr val="6A8759"/>
+                </a:solidFill>
+                <a:effectLst/>
+                <a:latin typeface="JetBrains Mono"/>
+              </a:rPr>
+              <a:t>"</a:t>
+            </a:r>
+            <a:r>
+              <a:rPr kumimoji="0" lang="it-IT" altLang="it-IT" sz="1400" b="0" i="0" u="none" strike="noStrike" cap="none" normalizeH="0" baseline="0" dirty="0">
+                <a:ln>
+                  <a:noFill/>
+                </a:ln>
+                <a:solidFill>
+                  <a:srgbClr val="A9B7C6"/>
+                </a:solidFill>
+                <a:effectLst/>
+                <a:latin typeface="JetBrains Mono"/>
+              </a:rPr>
+              <a:t>)</a:t>
+            </a:r>
+            <a:br>
+              <a:rPr kumimoji="0" lang="it-IT" altLang="it-IT" sz="1400" b="0" i="0" u="none" strike="noStrike" cap="none" normalizeH="0" baseline="0" dirty="0">
+                <a:ln>
+                  <a:noFill/>
+                </a:ln>
+                <a:solidFill>
+                  <a:srgbClr val="A9B7C6"/>
+                </a:solidFill>
+                <a:effectLst/>
+                <a:latin typeface="JetBrains Mono"/>
+              </a:rPr>
+            </a:br>
+            <a:r>
+              <a:rPr kumimoji="0" lang="it-IT" altLang="it-IT" sz="1400" b="0" i="0" u="none" strike="noStrike" cap="none" normalizeH="0" baseline="0" dirty="0">
+                <a:ln>
+                  <a:noFill/>
+                </a:ln>
+                <a:solidFill>
+                  <a:srgbClr val="A9B7C6"/>
+                </a:solidFill>
+                <a:effectLst/>
+                <a:latin typeface="JetBrains Mono"/>
+              </a:rPr>
+              <a:t>        }</a:t>
+            </a:r>
+            <a:br>
+              <a:rPr kumimoji="0" lang="it-IT" altLang="it-IT" sz="1400" b="0" i="0" u="none" strike="noStrike" cap="none" normalizeH="0" baseline="0" dirty="0">
+                <a:ln>
+                  <a:noFill/>
+                </a:ln>
+                <a:solidFill>
+                  <a:srgbClr val="A9B7C6"/>
+                </a:solidFill>
+                <a:effectLst/>
+                <a:latin typeface="JetBrains Mono"/>
+              </a:rPr>
+            </a:br>
+            <a:r>
+              <a:rPr kumimoji="0" lang="it-IT" altLang="it-IT" sz="1400" b="0" i="0" u="none" strike="noStrike" cap="none" normalizeH="0" baseline="0" dirty="0">
+                <a:ln>
+                  <a:noFill/>
+                </a:ln>
+                <a:solidFill>
+                  <a:srgbClr val="A9B7C6"/>
+                </a:solidFill>
+                <a:effectLst/>
+                <a:latin typeface="JetBrains Mono"/>
+              </a:rPr>
+              <a:t>)</a:t>
+            </a:r>
+            <a:br>
+              <a:rPr kumimoji="0" lang="it-IT" altLang="it-IT" sz="1400" b="0" i="0" u="none" strike="noStrike" cap="none" normalizeH="0" baseline="0" dirty="0">
+                <a:ln>
+                  <a:noFill/>
+                </a:ln>
+                <a:solidFill>
+                  <a:srgbClr val="A9B7C6"/>
+                </a:solidFill>
+                <a:effectLst/>
+                <a:latin typeface="JetBrains Mono"/>
+              </a:rPr>
+            </a:br>
+            <a:r>
+              <a:rPr kumimoji="0" lang="it-IT" altLang="it-IT" sz="1400" b="0" i="0" u="none" strike="noStrike" cap="none" normalizeH="0" baseline="0" dirty="0">
+                <a:ln>
+                  <a:noFill/>
+                </a:ln>
+                <a:solidFill>
+                  <a:srgbClr val="CC7832"/>
+                </a:solidFill>
+                <a:effectLst/>
+                <a:latin typeface="JetBrains Mono"/>
+              </a:rPr>
+              <a:t>public class </a:t>
+            </a:r>
+            <a:r>
+              <a:rPr kumimoji="0" lang="it-IT" altLang="it-IT" sz="1400" b="0" i="0" u="none" strike="noStrike" cap="none" normalizeH="0" baseline="0" dirty="0" err="1">
+                <a:ln>
+                  <a:noFill/>
+                </a:ln>
+                <a:solidFill>
+                  <a:srgbClr val="A9B7C6"/>
+                </a:solidFill>
+                <a:effectLst/>
+                <a:latin typeface="JetBrains Mono"/>
+              </a:rPr>
+              <a:t>TotalPurchasesValidityPeriodPerPackage</a:t>
+            </a:r>
+            <a:r>
+              <a:rPr kumimoji="0" lang="it-IT" altLang="it-IT" sz="1400" b="0" i="0" u="none" strike="noStrike" cap="none" normalizeH="0" baseline="0" dirty="0">
+                <a:ln>
+                  <a:noFill/>
+                </a:ln>
+                <a:solidFill>
+                  <a:srgbClr val="A9B7C6"/>
+                </a:solidFill>
+                <a:effectLst/>
+                <a:latin typeface="JetBrains Mono"/>
+              </a:rPr>
+              <a:t> </a:t>
+            </a:r>
+            <a:r>
+              <a:rPr kumimoji="0" lang="it-IT" altLang="it-IT" sz="1400" b="0" i="0" u="none" strike="noStrike" cap="none" normalizeH="0" baseline="0" dirty="0" err="1">
+                <a:ln>
+                  <a:noFill/>
+                </a:ln>
+                <a:solidFill>
+                  <a:srgbClr val="CC7832"/>
+                </a:solidFill>
+                <a:effectLst/>
+                <a:latin typeface="JetBrains Mono"/>
+              </a:rPr>
+              <a:t>implements</a:t>
+            </a:r>
+            <a:r>
+              <a:rPr kumimoji="0" lang="it-IT" altLang="it-IT" sz="1400" b="0" i="0" u="none" strike="noStrike" cap="none" normalizeH="0" baseline="0" dirty="0">
+                <a:ln>
+                  <a:noFill/>
+                </a:ln>
+                <a:solidFill>
+                  <a:srgbClr val="CC7832"/>
+                </a:solidFill>
+                <a:effectLst/>
+                <a:latin typeface="JetBrains Mono"/>
+              </a:rPr>
+              <a:t> </a:t>
+            </a:r>
+            <a:r>
+              <a:rPr kumimoji="0" lang="it-IT" altLang="it-IT" sz="1400" b="0" i="0" u="none" strike="noStrike" cap="none" normalizeH="0" baseline="0" dirty="0" err="1">
+                <a:ln>
+                  <a:noFill/>
+                </a:ln>
+                <a:solidFill>
+                  <a:srgbClr val="A9B7C6"/>
+                </a:solidFill>
+                <a:effectLst/>
+                <a:latin typeface="JetBrains Mono"/>
+              </a:rPr>
+              <a:t>Serializable</a:t>
+            </a:r>
+            <a:r>
+              <a:rPr kumimoji="0" lang="it-IT" altLang="it-IT" sz="1400" b="0" i="0" u="none" strike="noStrike" cap="none" normalizeH="0" baseline="0" dirty="0">
+                <a:ln>
+                  <a:noFill/>
+                </a:ln>
+                <a:solidFill>
+                  <a:srgbClr val="A9B7C6"/>
+                </a:solidFill>
+                <a:effectLst/>
+                <a:latin typeface="JetBrains Mono"/>
+              </a:rPr>
+              <a:t> {</a:t>
+            </a:r>
+            <a:br>
+              <a:rPr kumimoji="0" lang="it-IT" altLang="it-IT" sz="1400" b="0" i="0" u="none" strike="noStrike" cap="none" normalizeH="0" baseline="0" dirty="0">
+                <a:ln>
+                  <a:noFill/>
+                </a:ln>
+                <a:solidFill>
+                  <a:srgbClr val="A9B7C6"/>
+                </a:solidFill>
+                <a:effectLst/>
+                <a:latin typeface="JetBrains Mono"/>
+              </a:rPr>
+            </a:br>
+            <a:r>
+              <a:rPr kumimoji="0" lang="it-IT" altLang="it-IT" sz="1400" b="0" i="0" u="none" strike="noStrike" cap="none" normalizeH="0" baseline="0" dirty="0">
+                <a:ln>
+                  <a:noFill/>
+                </a:ln>
+                <a:solidFill>
+                  <a:srgbClr val="A9B7C6"/>
+                </a:solidFill>
+                <a:effectLst/>
+                <a:latin typeface="JetBrains Mono"/>
+              </a:rPr>
+              <a:t>    </a:t>
+            </a:r>
+            <a:r>
+              <a:rPr kumimoji="0" lang="it-IT" altLang="it-IT" sz="1400" b="0" i="0" u="none" strike="noStrike" cap="none" normalizeH="0" baseline="0" dirty="0">
+                <a:ln>
+                  <a:noFill/>
+                </a:ln>
+                <a:solidFill>
+                  <a:srgbClr val="BBB529"/>
+                </a:solidFill>
+                <a:effectLst/>
+                <a:latin typeface="JetBrains Mono"/>
+              </a:rPr>
+              <a:t>@Id</a:t>
+            </a:r>
+            <a:br>
+              <a:rPr kumimoji="0" lang="it-IT" altLang="it-IT" sz="1400" b="0" i="0" u="none" strike="noStrike" cap="none" normalizeH="0" baseline="0" dirty="0">
+                <a:ln>
+                  <a:noFill/>
+                </a:ln>
+                <a:solidFill>
+                  <a:srgbClr val="BBB529"/>
+                </a:solidFill>
+                <a:effectLst/>
+                <a:latin typeface="JetBrains Mono"/>
+              </a:rPr>
+            </a:br>
+            <a:r>
+              <a:rPr kumimoji="0" lang="it-IT" altLang="it-IT" sz="1400" b="0" i="0" u="none" strike="noStrike" cap="none" normalizeH="0" baseline="0" dirty="0">
+                <a:ln>
+                  <a:noFill/>
+                </a:ln>
+                <a:solidFill>
+                  <a:srgbClr val="BBB529"/>
+                </a:solidFill>
+                <a:effectLst/>
+                <a:latin typeface="JetBrains Mono"/>
+              </a:rPr>
+              <a:t>    </a:t>
+            </a:r>
+            <a:r>
+              <a:rPr kumimoji="0" lang="it-IT" altLang="it-IT" sz="1400" b="0" i="0" u="none" strike="noStrike" cap="none" normalizeH="0" baseline="0" dirty="0">
+                <a:ln>
+                  <a:noFill/>
+                </a:ln>
+                <a:solidFill>
+                  <a:srgbClr val="CC7832"/>
+                </a:solidFill>
+                <a:effectLst/>
+                <a:latin typeface="JetBrains Mono"/>
+              </a:rPr>
+              <a:t>private </a:t>
+            </a:r>
+            <a:r>
+              <a:rPr kumimoji="0" lang="it-IT" altLang="it-IT" sz="1400" b="0" i="0" u="none" strike="noStrike" cap="none" normalizeH="0" baseline="0" dirty="0">
+                <a:ln>
+                  <a:noFill/>
+                </a:ln>
+                <a:solidFill>
+                  <a:srgbClr val="A9B7C6"/>
+                </a:solidFill>
+                <a:effectLst/>
+                <a:latin typeface="JetBrains Mono"/>
+              </a:rPr>
+              <a:t>String </a:t>
+            </a:r>
+            <a:r>
+              <a:rPr kumimoji="0" lang="it-IT" altLang="it-IT" sz="1400" b="0" i="0" u="none" strike="noStrike" cap="none" normalizeH="0" baseline="0" dirty="0" err="1">
+                <a:ln>
+                  <a:noFill/>
+                </a:ln>
+                <a:solidFill>
+                  <a:srgbClr val="9876AA"/>
+                </a:solidFill>
+                <a:effectLst/>
+                <a:latin typeface="JetBrains Mono"/>
+              </a:rPr>
+              <a:t>packageName</a:t>
+            </a:r>
+            <a:r>
+              <a:rPr kumimoji="0" lang="it-IT" altLang="it-IT" sz="1400" b="0" i="0" u="none" strike="noStrike" cap="none" normalizeH="0" baseline="0" dirty="0">
+                <a:ln>
+                  <a:noFill/>
+                </a:ln>
+                <a:solidFill>
+                  <a:srgbClr val="CC7832"/>
+                </a:solidFill>
+                <a:effectLst/>
+                <a:latin typeface="JetBrains Mono"/>
+              </a:rPr>
+              <a:t>;</a:t>
+            </a:r>
+            <a:br>
+              <a:rPr kumimoji="0" lang="it-IT" altLang="it-IT" sz="1400" b="0" i="0" u="none" strike="noStrike" cap="none" normalizeH="0" baseline="0" dirty="0">
+                <a:ln>
+                  <a:noFill/>
+                </a:ln>
+                <a:solidFill>
+                  <a:srgbClr val="CC7832"/>
+                </a:solidFill>
+                <a:effectLst/>
+                <a:latin typeface="JetBrains Mono"/>
+              </a:rPr>
+            </a:br>
+            <a:r>
+              <a:rPr kumimoji="0" lang="it-IT" altLang="it-IT" sz="1400" b="0" i="0" u="none" strike="noStrike" cap="none" normalizeH="0" baseline="0" dirty="0">
+                <a:ln>
+                  <a:noFill/>
+                </a:ln>
+                <a:solidFill>
+                  <a:srgbClr val="CC7832"/>
+                </a:solidFill>
+                <a:effectLst/>
+                <a:latin typeface="JetBrains Mono"/>
+              </a:rPr>
+              <a:t>    </a:t>
+            </a:r>
+            <a:r>
+              <a:rPr kumimoji="0" lang="it-IT" altLang="it-IT" sz="1400" b="0" i="0" u="none" strike="noStrike" cap="none" normalizeH="0" baseline="0" dirty="0">
+                <a:ln>
+                  <a:noFill/>
+                </a:ln>
+                <a:solidFill>
+                  <a:srgbClr val="BBB529"/>
+                </a:solidFill>
+                <a:effectLst/>
+                <a:latin typeface="JetBrains Mono"/>
+              </a:rPr>
+              <a:t>@Id</a:t>
+            </a:r>
+            <a:br>
+              <a:rPr kumimoji="0" lang="it-IT" altLang="it-IT" sz="1400" b="0" i="0" u="none" strike="noStrike" cap="none" normalizeH="0" baseline="0" dirty="0">
+                <a:ln>
+                  <a:noFill/>
+                </a:ln>
+                <a:solidFill>
+                  <a:srgbClr val="BBB529"/>
+                </a:solidFill>
+                <a:effectLst/>
+                <a:latin typeface="JetBrains Mono"/>
+              </a:rPr>
+            </a:br>
+            <a:r>
+              <a:rPr kumimoji="0" lang="it-IT" altLang="it-IT" sz="1400" b="0" i="0" u="none" strike="noStrike" cap="none" normalizeH="0" baseline="0" dirty="0">
+                <a:ln>
+                  <a:noFill/>
+                </a:ln>
+                <a:solidFill>
+                  <a:srgbClr val="BBB529"/>
+                </a:solidFill>
+                <a:effectLst/>
+                <a:latin typeface="JetBrains Mono"/>
+              </a:rPr>
+              <a:t>    </a:t>
+            </a:r>
+            <a:r>
+              <a:rPr kumimoji="0" lang="it-IT" altLang="it-IT" sz="1400" b="0" i="0" u="none" strike="noStrike" cap="none" normalizeH="0" baseline="0" dirty="0">
+                <a:ln>
+                  <a:noFill/>
+                </a:ln>
+                <a:solidFill>
+                  <a:srgbClr val="CC7832"/>
+                </a:solidFill>
+                <a:effectLst/>
+                <a:latin typeface="JetBrains Mono"/>
+              </a:rPr>
+              <a:t>private </a:t>
+            </a:r>
+            <a:r>
+              <a:rPr kumimoji="0" lang="it-IT" altLang="it-IT" sz="1400" b="0" i="0" u="none" strike="noStrike" cap="none" normalizeH="0" baseline="0" dirty="0" err="1">
+                <a:ln>
+                  <a:noFill/>
+                </a:ln>
+                <a:solidFill>
+                  <a:srgbClr val="A9B7C6"/>
+                </a:solidFill>
+                <a:effectLst/>
+                <a:latin typeface="JetBrains Mono"/>
+              </a:rPr>
+              <a:t>Integer</a:t>
+            </a:r>
+            <a:r>
+              <a:rPr kumimoji="0" lang="it-IT" altLang="it-IT" sz="1400" b="0" i="0" u="none" strike="noStrike" cap="none" normalizeH="0" baseline="0" dirty="0">
+                <a:ln>
+                  <a:noFill/>
+                </a:ln>
+                <a:solidFill>
+                  <a:srgbClr val="A9B7C6"/>
+                </a:solidFill>
+                <a:effectLst/>
+                <a:latin typeface="JetBrains Mono"/>
+              </a:rPr>
+              <a:t> </a:t>
+            </a:r>
+            <a:r>
+              <a:rPr kumimoji="0" lang="it-IT" altLang="it-IT" sz="1400" b="0" i="0" u="none" strike="noStrike" cap="none" normalizeH="0" baseline="0" dirty="0" err="1">
+                <a:ln>
+                  <a:noFill/>
+                </a:ln>
+                <a:solidFill>
+                  <a:srgbClr val="9876AA"/>
+                </a:solidFill>
+                <a:effectLst/>
+                <a:latin typeface="JetBrains Mono"/>
+              </a:rPr>
+              <a:t>validity_period</a:t>
+            </a:r>
+            <a:r>
+              <a:rPr kumimoji="0" lang="it-IT" altLang="it-IT" sz="1400" b="0" i="0" u="none" strike="noStrike" cap="none" normalizeH="0" baseline="0" dirty="0">
+                <a:ln>
+                  <a:noFill/>
+                </a:ln>
+                <a:solidFill>
+                  <a:srgbClr val="CC7832"/>
+                </a:solidFill>
+                <a:effectLst/>
+                <a:latin typeface="JetBrains Mono"/>
+              </a:rPr>
+              <a:t>;</a:t>
+            </a:r>
+            <a:br>
+              <a:rPr kumimoji="0" lang="it-IT" altLang="it-IT" sz="1400" b="0" i="0" u="none" strike="noStrike" cap="none" normalizeH="0" baseline="0" dirty="0">
+                <a:ln>
+                  <a:noFill/>
+                </a:ln>
+                <a:solidFill>
+                  <a:srgbClr val="CC7832"/>
+                </a:solidFill>
+                <a:effectLst/>
+                <a:latin typeface="JetBrains Mono"/>
+              </a:rPr>
+            </a:br>
+            <a:r>
+              <a:rPr kumimoji="0" lang="it-IT" altLang="it-IT" sz="1400" b="0" i="0" u="none" strike="noStrike" cap="none" normalizeH="0" baseline="0" dirty="0">
+                <a:ln>
+                  <a:noFill/>
+                </a:ln>
+                <a:solidFill>
+                  <a:srgbClr val="CC7832"/>
+                </a:solidFill>
+                <a:effectLst/>
+                <a:latin typeface="JetBrains Mono"/>
+              </a:rPr>
+              <a:t>    private </a:t>
+            </a:r>
+            <a:r>
+              <a:rPr kumimoji="0" lang="it-IT" altLang="it-IT" sz="1400" b="0" i="0" u="none" strike="noStrike" cap="none" normalizeH="0" baseline="0" dirty="0" err="1">
+                <a:ln>
+                  <a:noFill/>
+                </a:ln>
+                <a:solidFill>
+                  <a:srgbClr val="A9B7C6"/>
+                </a:solidFill>
+                <a:effectLst/>
+                <a:latin typeface="JetBrains Mono"/>
+              </a:rPr>
+              <a:t>Integer</a:t>
+            </a:r>
+            <a:r>
+              <a:rPr kumimoji="0" lang="it-IT" altLang="it-IT" sz="1400" b="0" i="0" u="none" strike="noStrike" cap="none" normalizeH="0" baseline="0" dirty="0">
+                <a:ln>
+                  <a:noFill/>
+                </a:ln>
+                <a:solidFill>
+                  <a:srgbClr val="A9B7C6"/>
+                </a:solidFill>
+                <a:effectLst/>
+                <a:latin typeface="JetBrains Mono"/>
+              </a:rPr>
+              <a:t> </a:t>
+            </a:r>
+            <a:r>
+              <a:rPr kumimoji="0" lang="it-IT" altLang="it-IT" sz="1400" b="0" i="0" u="none" strike="noStrike" cap="none" normalizeH="0" baseline="0" dirty="0" err="1">
+                <a:ln>
+                  <a:noFill/>
+                </a:ln>
+                <a:solidFill>
+                  <a:srgbClr val="9876AA"/>
+                </a:solidFill>
+                <a:effectLst/>
+                <a:latin typeface="JetBrains Mono"/>
+              </a:rPr>
+              <a:t>total_purchases</a:t>
+            </a:r>
+            <a:r>
+              <a:rPr kumimoji="0" lang="it-IT" altLang="it-IT" sz="1400" b="0" i="0" u="none" strike="noStrike" cap="none" normalizeH="0" baseline="0" dirty="0">
+                <a:ln>
+                  <a:noFill/>
+                </a:ln>
+                <a:solidFill>
+                  <a:srgbClr val="CC7832"/>
+                </a:solidFill>
+                <a:effectLst/>
+                <a:latin typeface="JetBrains Mono"/>
+              </a:rPr>
+              <a:t>;</a:t>
+            </a:r>
+            <a:endParaRPr kumimoji="0" lang="it-IT" altLang="it-IT" sz="1400" b="0" i="0" u="none" strike="noStrike" cap="none" normalizeH="0" baseline="0" dirty="0">
+              <a:ln>
+                <a:noFill/>
+              </a:ln>
+              <a:solidFill>
+                <a:schemeClr val="tx1"/>
+              </a:solidFill>
+              <a:effectLst/>
+              <a:latin typeface="Arial" panose="020B0604020202020204" pitchFamily="34" charset="0"/>
+            </a:endParaRPr>
           </a:p>
         </p:txBody>
       </p:sp>
     </p:spTree>
     <p:extLst>
       <p:ext uri="{BB962C8B-B14F-4D97-AF65-F5344CB8AC3E}">
-        <p14:creationId xmlns:p14="http://schemas.microsoft.com/office/powerpoint/2010/main" val="2100777373"/>
+        <p14:creationId xmlns:p14="http://schemas.microsoft.com/office/powerpoint/2010/main" val="2192170970"/>
       </p:ext>
     </p:extLst>
   </p:cSld>
@@ -45579,286 +46239,1031 @@
             <p:ph type="title"/>
           </p:nvPr>
         </p:nvSpPr>
-        <p:spPr/>
+        <p:spPr>
+          <a:xfrm>
+            <a:off x="628650" y="356223"/>
+            <a:ext cx="7886700" cy="1325563"/>
+          </a:xfrm>
+        </p:spPr>
         <p:txBody>
           <a:bodyPr/>
           <a:lstStyle/>
           <a:p>
             <a:r>
-              <a:rPr lang="it-IT" dirty="0"/>
-              <a:t>Example of textual notation</a:t>
+              <a:rPr lang="en-GB" dirty="0"/>
+              <a:t>Entity Total Value of Sales</a:t>
             </a:r>
           </a:p>
         </p:txBody>
       </p:sp>
       <p:sp>
         <p:nvSpPr>
-          <p:cNvPr id="5" name="Content Placeholder 4"/>
+          <p:cNvPr id="4" name="Rectangle 1">
+            <a:extLst>
+              <a:ext uri="{FF2B5EF4-FFF2-40B4-BE49-F238E27FC236}">
+                <a16:creationId xmlns:a16="http://schemas.microsoft.com/office/drawing/2014/main" id="{AF9E0EA1-626A-494C-935B-233408C81287}"/>
+              </a:ext>
+            </a:extLst>
+          </p:cNvPr>
           <p:cNvSpPr>
-            <a:spLocks noGrp="1"/>
+            <a:spLocks noChangeArrowheads="1"/>
           </p:cNvSpPr>
-          <p:nvPr>
-            <p:ph idx="1"/>
-          </p:nvPr>
+          <p:nvPr/>
         </p:nvSpPr>
-        <p:spPr>
+        <p:spPr bwMode="auto">
           <a:xfrm>
-            <a:off x="211756" y="1386038"/>
-            <a:ext cx="8855242" cy="5236143"/>
+            <a:off x="2114901" y="1874728"/>
+            <a:ext cx="4914198" cy="3108543"/>
           </a:xfrm>
+          <a:prstGeom prst="rect">
+            <a:avLst/>
+          </a:prstGeom>
+          <a:solidFill>
+            <a:srgbClr val="2B2B2B"/>
+          </a:solidFill>
+          <a:ln>
+            <a:noFill/>
+          </a:ln>
+          <a:effectLst/>
+          <a:extLst>
+            <a:ext uri="{91240B29-F687-4F45-9708-019B960494DF}">
+              <a14:hiddenLine xmlns:a14="http://schemas.microsoft.com/office/drawing/2010/main" w="9525">
+                <a:solidFill>
+                  <a:schemeClr val="tx1"/>
+                </a:solidFill>
+                <a:miter lim="800000"/>
+                <a:headEnd/>
+                <a:tailEnd/>
+              </a14:hiddenLine>
+            </a:ext>
+            <a:ext uri="{AF507438-7753-43E0-B8FC-AC1667EBCBE1}">
+              <a14:hiddenEffects xmlns:a14="http://schemas.microsoft.com/office/drawing/2010/main">
+                <a:effectLst>
+                  <a:outerShdw dist="35921" dir="2700000" algn="ctr" rotWithShape="0">
+                    <a:schemeClr val="bg2"/>
+                  </a:outerShdw>
+                </a:effectLst>
+              </a14:hiddenEffects>
+            </a:ext>
+          </a:extLst>
         </p:spPr>
         <p:txBody>
-          <a:bodyPr>
-            <a:normAutofit fontScale="70000" lnSpcReduction="20000"/>
+          <a:bodyPr vert="horz" wrap="square" lIns="91440" tIns="45720" rIns="91440" bIns="45720" numCol="1" anchor="ctr" anchorCtr="0" compatLnSpc="1">
+            <a:prstTxWarp prst="textNoShape">
+              <a:avLst/>
+            </a:prstTxWarp>
+            <a:spAutoFit/>
           </a:bodyPr>
           <a:lstStyle/>
           <a:p>
-            <a:r>
-              <a:rPr lang="en-GB" dirty="0"/>
-              <a:t>A Web application allows the management of travel expenses. After </a:t>
-            </a:r>
-            <a:r>
-              <a:rPr lang="en-GB" dirty="0">
-                <a:solidFill>
-                  <a:srgbClr val="C00000"/>
-                </a:solidFill>
-              </a:rPr>
-              <a:t>logging in</a:t>
-            </a:r>
-            <a:r>
-              <a:rPr lang="en-GB" dirty="0"/>
-              <a:t>, the user </a:t>
-            </a:r>
-            <a:r>
-              <a:rPr lang="en-GB" dirty="0">
-                <a:solidFill>
-                  <a:srgbClr val="0070C0"/>
-                </a:solidFill>
-              </a:rPr>
-              <a:t>accesses</a:t>
-            </a:r>
-            <a:r>
-              <a:rPr lang="en-GB" dirty="0"/>
-              <a:t> a </a:t>
-            </a:r>
-            <a:r>
-              <a:rPr lang="en-GB" dirty="0">
-                <a:solidFill>
-                  <a:srgbClr val="FF0000"/>
-                </a:solidFill>
-              </a:rPr>
-              <a:t>HOME</a:t>
-            </a:r>
-            <a:r>
-              <a:rPr lang="en-GB" dirty="0"/>
+            <a:pPr marL="0" marR="0" lvl="0" indent="0" algn="l" defTabSz="914400" rtl="0" eaLnBrk="0" fontAlgn="base" latinLnBrk="0" hangingPunct="0">
+              <a:lnSpc>
+                <a:spcPct val="100000"/>
+              </a:lnSpc>
+              <a:spcBef>
+                <a:spcPct val="0"/>
+              </a:spcBef>
+              <a:spcAft>
+                <a:spcPct val="0"/>
+              </a:spcAft>
+              <a:buClrTx/>
+              <a:buSzTx/>
+              <a:buFontTx/>
+              <a:buNone/>
+              <a:tabLst/>
+            </a:pPr>
+            <a:r>
+              <a:rPr kumimoji="0" lang="it-IT" altLang="it-IT" sz="1400" b="0" i="0" u="none" strike="noStrike" cap="none" normalizeH="0" baseline="0" dirty="0">
+                <a:ln>
+                  <a:noFill/>
+                </a:ln>
+                <a:solidFill>
+                  <a:srgbClr val="BBB529"/>
+                </a:solidFill>
+                <a:effectLst/>
+                <a:latin typeface="JetBrains Mono"/>
+              </a:rPr>
+              <a:t>@Entity</a:t>
+            </a:r>
+            <a:br>
+              <a:rPr kumimoji="0" lang="it-IT" altLang="it-IT" sz="1400" b="0" i="0" u="none" strike="noStrike" cap="none" normalizeH="0" baseline="0" dirty="0">
+                <a:ln>
+                  <a:noFill/>
+                </a:ln>
+                <a:solidFill>
+                  <a:srgbClr val="BBB529"/>
+                </a:solidFill>
+                <a:effectLst/>
+                <a:latin typeface="JetBrains Mono"/>
+              </a:rPr>
+            </a:br>
+            <a:r>
+              <a:rPr kumimoji="0" lang="it-IT" altLang="it-IT" sz="1400" b="0" i="0" u="none" strike="noStrike" cap="none" normalizeH="0" baseline="0" dirty="0">
+                <a:ln>
+                  <a:noFill/>
+                </a:ln>
+                <a:solidFill>
+                  <a:srgbClr val="BBB529"/>
+                </a:solidFill>
+                <a:effectLst/>
+                <a:latin typeface="JetBrains Mono"/>
+              </a:rPr>
+              <a:t>@Table</a:t>
+            </a:r>
+            <a:r>
+              <a:rPr kumimoji="0" lang="it-IT" altLang="it-IT" sz="1400" b="0" i="0" u="none" strike="noStrike" cap="none" normalizeH="0" baseline="0" dirty="0">
+                <a:ln>
+                  <a:noFill/>
+                </a:ln>
+                <a:solidFill>
+                  <a:srgbClr val="A9B7C6"/>
+                </a:solidFill>
+                <a:effectLst/>
+                <a:latin typeface="JetBrains Mono"/>
+              </a:rPr>
+              <a:t>(name = </a:t>
+            </a:r>
+            <a:r>
+              <a:rPr kumimoji="0" lang="it-IT" altLang="it-IT" sz="1400" b="0" i="0" u="none" strike="noStrike" cap="none" normalizeH="0" baseline="0" dirty="0">
+                <a:ln>
+                  <a:noFill/>
+                </a:ln>
+                <a:solidFill>
+                  <a:srgbClr val="6A8759"/>
+                </a:solidFill>
+                <a:effectLst/>
+                <a:latin typeface="JetBrains Mono"/>
+              </a:rPr>
+              <a:t>"</a:t>
+            </a:r>
+            <a:r>
+              <a:rPr kumimoji="0" lang="it-IT" altLang="it-IT" sz="1400" b="0" i="0" u="none" strike="noStrike" cap="none" normalizeH="0" baseline="0" dirty="0" err="1">
+                <a:ln>
+                  <a:noFill/>
+                </a:ln>
+                <a:solidFill>
+                  <a:srgbClr val="6A8759"/>
+                </a:solidFill>
+                <a:effectLst/>
+                <a:latin typeface="JetBrains Mono"/>
+              </a:rPr>
+              <a:t>total_value_of_sales</a:t>
+            </a:r>
+            <a:r>
+              <a:rPr kumimoji="0" lang="it-IT" altLang="it-IT" sz="1400" b="0" i="0" u="none" strike="noStrike" cap="none" normalizeH="0" baseline="0" dirty="0">
+                <a:ln>
+                  <a:noFill/>
+                </a:ln>
+                <a:solidFill>
+                  <a:srgbClr val="6A8759"/>
+                </a:solidFill>
+                <a:effectLst/>
+                <a:latin typeface="JetBrains Mono"/>
+              </a:rPr>
+              <a:t>"</a:t>
+            </a:r>
+            <a:r>
+              <a:rPr kumimoji="0" lang="it-IT" altLang="it-IT" sz="1400" b="0" i="0" u="none" strike="noStrike" cap="none" normalizeH="0" baseline="0" dirty="0">
+                <a:ln>
+                  <a:noFill/>
+                </a:ln>
+                <a:solidFill>
+                  <a:srgbClr val="CC7832"/>
+                </a:solidFill>
+                <a:effectLst/>
+                <a:latin typeface="JetBrains Mono"/>
+              </a:rPr>
+              <a:t>, </a:t>
+            </a:r>
+            <a:r>
+              <a:rPr kumimoji="0" lang="it-IT" altLang="it-IT" sz="1400" b="0" i="0" u="none" strike="noStrike" cap="none" normalizeH="0" baseline="0" dirty="0">
+                <a:ln>
+                  <a:noFill/>
+                </a:ln>
+                <a:solidFill>
+                  <a:srgbClr val="A9B7C6"/>
+                </a:solidFill>
+                <a:effectLst/>
+                <a:latin typeface="JetBrains Mono"/>
+              </a:rPr>
+              <a:t>schema = </a:t>
+            </a:r>
+            <a:r>
+              <a:rPr kumimoji="0" lang="it-IT" altLang="it-IT" sz="1400" b="0" i="0" u="none" strike="noStrike" cap="none" normalizeH="0" baseline="0" dirty="0">
+                <a:ln>
+                  <a:noFill/>
+                </a:ln>
+                <a:solidFill>
+                  <a:srgbClr val="6A8759"/>
+                </a:solidFill>
+                <a:effectLst/>
+                <a:latin typeface="JetBrains Mono"/>
+              </a:rPr>
+              <a:t>"</a:t>
+            </a:r>
+            <a:r>
+              <a:rPr kumimoji="0" lang="it-IT" altLang="it-IT" sz="1400" b="0" i="0" u="none" strike="noStrike" cap="none" normalizeH="0" baseline="0" dirty="0" err="1">
+                <a:ln>
+                  <a:noFill/>
+                </a:ln>
+                <a:solidFill>
+                  <a:srgbClr val="6A8759"/>
+                </a:solidFill>
+                <a:effectLst/>
+                <a:latin typeface="JetBrains Mono"/>
+              </a:rPr>
+              <a:t>telcodb</a:t>
+            </a:r>
+            <a:r>
+              <a:rPr kumimoji="0" lang="it-IT" altLang="it-IT" sz="1400" b="0" i="0" u="none" strike="noStrike" cap="none" normalizeH="0" baseline="0" dirty="0">
+                <a:ln>
+                  <a:noFill/>
+                </a:ln>
+                <a:solidFill>
+                  <a:srgbClr val="6A8759"/>
+                </a:solidFill>
+                <a:effectLst/>
+                <a:latin typeface="JetBrains Mono"/>
+              </a:rPr>
+              <a:t>"</a:t>
+            </a:r>
+            <a:r>
+              <a:rPr kumimoji="0" lang="it-IT" altLang="it-IT" sz="1400" b="0" i="0" u="none" strike="noStrike" cap="none" normalizeH="0" baseline="0" dirty="0">
+                <a:ln>
+                  <a:noFill/>
+                </a:ln>
+                <a:solidFill>
+                  <a:srgbClr val="A9B7C6"/>
+                </a:solidFill>
+                <a:effectLst/>
+                <a:latin typeface="JetBrains Mono"/>
+              </a:rPr>
+              <a:t>)</a:t>
+            </a:r>
+            <a:br>
+              <a:rPr kumimoji="0" lang="it-IT" altLang="it-IT" sz="1400" b="0" i="0" u="none" strike="noStrike" cap="none" normalizeH="0" baseline="0" dirty="0">
+                <a:ln>
+                  <a:noFill/>
+                </a:ln>
+                <a:solidFill>
+                  <a:srgbClr val="A9B7C6"/>
+                </a:solidFill>
+                <a:effectLst/>
+                <a:latin typeface="JetBrains Mono"/>
+              </a:rPr>
+            </a:br>
+            <a:r>
+              <a:rPr kumimoji="0" lang="it-IT" altLang="it-IT" sz="1400" b="0" i="0" u="none" strike="noStrike" cap="none" normalizeH="0" baseline="0" dirty="0">
+                <a:ln>
+                  <a:noFill/>
+                </a:ln>
+                <a:solidFill>
+                  <a:srgbClr val="BBB529"/>
+                </a:solidFill>
+                <a:effectLst/>
+                <a:latin typeface="JetBrains Mono"/>
+              </a:rPr>
+              <a:t>@NamedQueries</a:t>
+            </a:r>
+            <a:r>
+              <a:rPr kumimoji="0" lang="it-IT" altLang="it-IT" sz="1400" b="0" i="0" u="none" strike="noStrike" cap="none" normalizeH="0" baseline="0" dirty="0">
+                <a:ln>
+                  <a:noFill/>
+                </a:ln>
+                <a:solidFill>
+                  <a:srgbClr val="A9B7C6"/>
+                </a:solidFill>
+                <a:effectLst/>
+                <a:latin typeface="JetBrains Mono"/>
+              </a:rPr>
+              <a:t>(</a:t>
+            </a:r>
+            <a:br>
+              <a:rPr kumimoji="0" lang="it-IT" altLang="it-IT" sz="1400" b="0" i="0" u="none" strike="noStrike" cap="none" normalizeH="0" baseline="0" dirty="0">
+                <a:ln>
+                  <a:noFill/>
+                </a:ln>
+                <a:solidFill>
+                  <a:srgbClr val="A9B7C6"/>
+                </a:solidFill>
+                <a:effectLst/>
+                <a:latin typeface="JetBrains Mono"/>
+              </a:rPr>
+            </a:br>
+            <a:r>
+              <a:rPr kumimoji="0" lang="it-IT" altLang="it-IT" sz="1400" b="0" i="0" u="none" strike="noStrike" cap="none" normalizeH="0" baseline="0" dirty="0">
+                <a:ln>
+                  <a:noFill/>
+                </a:ln>
+                <a:solidFill>
+                  <a:srgbClr val="A9B7C6"/>
+                </a:solidFill>
+                <a:effectLst/>
+                <a:latin typeface="JetBrains Mono"/>
+              </a:rPr>
+              <a:t>        {</a:t>
+            </a:r>
+            <a:br>
+              <a:rPr kumimoji="0" lang="it-IT" altLang="it-IT" sz="1400" b="0" i="0" u="none" strike="noStrike" cap="none" normalizeH="0" baseline="0" dirty="0">
+                <a:ln>
+                  <a:noFill/>
+                </a:ln>
+                <a:solidFill>
+                  <a:srgbClr val="A9B7C6"/>
+                </a:solidFill>
+                <a:effectLst/>
+                <a:latin typeface="JetBrains Mono"/>
+              </a:rPr>
+            </a:br>
+            <a:r>
+              <a:rPr kumimoji="0" lang="it-IT" altLang="it-IT" sz="1400" b="0" i="0" u="none" strike="noStrike" cap="none" normalizeH="0" baseline="0" dirty="0">
+                <a:ln>
+                  <a:noFill/>
+                </a:ln>
+                <a:solidFill>
+                  <a:srgbClr val="A9B7C6"/>
+                </a:solidFill>
+                <a:effectLst/>
+                <a:latin typeface="JetBrains Mono"/>
+              </a:rPr>
+              <a:t>                </a:t>
+            </a:r>
+            <a:r>
+              <a:rPr kumimoji="0" lang="it-IT" altLang="it-IT" sz="1400" b="0" i="0" u="none" strike="noStrike" cap="none" normalizeH="0" baseline="0" dirty="0">
+                <a:ln>
+                  <a:noFill/>
+                </a:ln>
+                <a:solidFill>
+                  <a:srgbClr val="BBB529"/>
+                </a:solidFill>
+                <a:effectLst/>
+                <a:latin typeface="JetBrains Mono"/>
+              </a:rPr>
+              <a:t>@NamedQuery</a:t>
+            </a:r>
+            <a:r>
+              <a:rPr kumimoji="0" lang="it-IT" altLang="it-IT" sz="1400" b="0" i="0" u="none" strike="noStrike" cap="none" normalizeH="0" baseline="0" dirty="0">
+                <a:ln>
+                  <a:noFill/>
+                </a:ln>
+                <a:solidFill>
+                  <a:srgbClr val="A9B7C6"/>
+                </a:solidFill>
+                <a:effectLst/>
+                <a:latin typeface="JetBrains Mono"/>
+              </a:rPr>
+              <a:t>(name = </a:t>
+            </a:r>
+            <a:r>
+              <a:rPr kumimoji="0" lang="it-IT" altLang="it-IT" sz="1400" b="0" i="0" u="none" strike="noStrike" cap="none" normalizeH="0" baseline="0" dirty="0">
+                <a:ln>
+                  <a:noFill/>
+                </a:ln>
+                <a:solidFill>
+                  <a:srgbClr val="6A8759"/>
+                </a:solidFill>
+                <a:effectLst/>
+                <a:latin typeface="JetBrains Mono"/>
+              </a:rPr>
+              <a:t>"</a:t>
+            </a:r>
+            <a:r>
+              <a:rPr kumimoji="0" lang="it-IT" altLang="it-IT" sz="1400" b="0" i="0" u="none" strike="noStrike" cap="none" normalizeH="0" baseline="0" dirty="0" err="1">
+                <a:ln>
+                  <a:noFill/>
+                </a:ln>
+                <a:solidFill>
+                  <a:srgbClr val="6A8759"/>
+                </a:solidFill>
+                <a:effectLst/>
+                <a:latin typeface="JetBrains Mono"/>
+              </a:rPr>
+              <a:t>TotalValueOfSales.retrieveAll</a:t>
+            </a:r>
+            <a:r>
+              <a:rPr kumimoji="0" lang="it-IT" altLang="it-IT" sz="1400" b="0" i="0" u="none" strike="noStrike" cap="none" normalizeH="0" baseline="0" dirty="0">
+                <a:ln>
+                  <a:noFill/>
+                </a:ln>
+                <a:solidFill>
+                  <a:srgbClr val="6A8759"/>
+                </a:solidFill>
+                <a:effectLst/>
+                <a:latin typeface="JetBrains Mono"/>
+              </a:rPr>
+              <a:t>"</a:t>
+            </a:r>
+            <a:br>
+              <a:rPr kumimoji="0" lang="it-IT" altLang="it-IT" sz="1400" b="0" i="0" u="none" strike="noStrike" cap="none" normalizeH="0" baseline="0" dirty="0">
+                <a:ln>
+                  <a:noFill/>
+                </a:ln>
+                <a:solidFill>
+                  <a:srgbClr val="6A8759"/>
+                </a:solidFill>
+                <a:effectLst/>
+                <a:latin typeface="JetBrains Mono"/>
+              </a:rPr>
+            </a:br>
+            <a:r>
+              <a:rPr kumimoji="0" lang="it-IT" altLang="it-IT" sz="1400" b="0" i="0" u="none" strike="noStrike" cap="none" normalizeH="0" baseline="0" dirty="0">
+                <a:ln>
+                  <a:noFill/>
+                </a:ln>
+                <a:solidFill>
+                  <a:srgbClr val="6A8759"/>
+                </a:solidFill>
+                <a:effectLst/>
+                <a:latin typeface="JetBrains Mono"/>
+              </a:rPr>
+              <a:t>                        </a:t>
+            </a:r>
+            <a:r>
+              <a:rPr kumimoji="0" lang="it-IT" altLang="it-IT" sz="1400" b="0" i="0" u="none" strike="noStrike" cap="none" normalizeH="0" baseline="0" dirty="0">
+                <a:ln>
+                  <a:noFill/>
+                </a:ln>
+                <a:solidFill>
+                  <a:srgbClr val="CC7832"/>
+                </a:solidFill>
+                <a:effectLst/>
+                <a:latin typeface="JetBrains Mono"/>
+              </a:rPr>
+              <a:t>,</a:t>
+            </a:r>
+            <a:r>
+              <a:rPr kumimoji="0" lang="it-IT" altLang="it-IT" sz="1400" b="0" i="0" u="none" strike="noStrike" cap="none" normalizeH="0" baseline="0" dirty="0">
+                <a:ln>
+                  <a:noFill/>
+                </a:ln>
+                <a:solidFill>
+                  <a:srgbClr val="A9B7C6"/>
+                </a:solidFill>
+                <a:effectLst/>
+                <a:latin typeface="JetBrains Mono"/>
+              </a:rPr>
+              <a:t>query = </a:t>
+            </a:r>
+            <a:r>
+              <a:rPr kumimoji="0" lang="it-IT" altLang="it-IT" sz="1400" b="0" i="0" u="none" strike="noStrike" cap="none" normalizeH="0" baseline="0" dirty="0">
+                <a:ln>
+                  <a:noFill/>
+                </a:ln>
+                <a:solidFill>
+                  <a:srgbClr val="6A8759"/>
+                </a:solidFill>
+                <a:effectLst/>
+                <a:latin typeface="JetBrains Mono"/>
+              </a:rPr>
+              <a:t>"SELECT </a:t>
+            </a:r>
+            <a:r>
+              <a:rPr kumimoji="0" lang="it-IT" altLang="it-IT" sz="1400" b="0" i="0" u="none" strike="noStrike" cap="none" normalizeH="0" baseline="0" dirty="0" err="1">
+                <a:ln>
+                  <a:noFill/>
+                </a:ln>
+                <a:solidFill>
+                  <a:srgbClr val="6A8759"/>
+                </a:solidFill>
+                <a:effectLst/>
+                <a:latin typeface="JetBrains Mono"/>
+              </a:rPr>
+              <a:t>tp</a:t>
+            </a:r>
+            <a:r>
+              <a:rPr kumimoji="0" lang="it-IT" altLang="it-IT" sz="1400" b="0" i="0" u="none" strike="noStrike" cap="none" normalizeH="0" baseline="0" dirty="0">
+                <a:ln>
+                  <a:noFill/>
+                </a:ln>
+                <a:solidFill>
+                  <a:srgbClr val="6A8759"/>
+                </a:solidFill>
+                <a:effectLst/>
+                <a:latin typeface="JetBrains Mono"/>
+              </a:rPr>
+              <a:t> " </a:t>
+            </a:r>
+            <a:r>
+              <a:rPr kumimoji="0" lang="it-IT" altLang="it-IT" sz="1400" b="0" i="0" u="none" strike="noStrike" cap="none" normalizeH="0" baseline="0" dirty="0">
+                <a:ln>
+                  <a:noFill/>
+                </a:ln>
+                <a:solidFill>
+                  <a:srgbClr val="A9B7C6"/>
+                </a:solidFill>
+                <a:effectLst/>
+                <a:latin typeface="JetBrains Mono"/>
+              </a:rPr>
+              <a:t>+</a:t>
+            </a:r>
+            <a:br>
+              <a:rPr kumimoji="0" lang="it-IT" altLang="it-IT" sz="1400" b="0" i="0" u="none" strike="noStrike" cap="none" normalizeH="0" baseline="0" dirty="0">
+                <a:ln>
+                  <a:noFill/>
+                </a:ln>
+                <a:solidFill>
+                  <a:srgbClr val="A9B7C6"/>
+                </a:solidFill>
+                <a:effectLst/>
+                <a:latin typeface="JetBrains Mono"/>
+              </a:rPr>
+            </a:br>
+            <a:r>
+              <a:rPr kumimoji="0" lang="it-IT" altLang="it-IT" sz="1400" b="0" i="0" u="none" strike="noStrike" cap="none" normalizeH="0" baseline="0" dirty="0">
+                <a:ln>
+                  <a:noFill/>
+                </a:ln>
+                <a:solidFill>
+                  <a:srgbClr val="A9B7C6"/>
+                </a:solidFill>
+                <a:effectLst/>
+                <a:latin typeface="JetBrains Mono"/>
+              </a:rPr>
+              <a:t>                        </a:t>
+            </a:r>
+            <a:r>
+              <a:rPr kumimoji="0" lang="it-IT" altLang="it-IT" sz="1400" b="0" i="0" u="none" strike="noStrike" cap="none" normalizeH="0" baseline="0" dirty="0">
+                <a:ln>
+                  <a:noFill/>
+                </a:ln>
+                <a:solidFill>
+                  <a:srgbClr val="6A8759"/>
+                </a:solidFill>
+                <a:effectLst/>
+                <a:latin typeface="JetBrains Mono"/>
+              </a:rPr>
+              <a:t>"FROM </a:t>
+            </a:r>
+            <a:r>
+              <a:rPr kumimoji="0" lang="it-IT" altLang="it-IT" sz="1400" b="0" i="0" u="none" strike="noStrike" cap="none" normalizeH="0" baseline="0" dirty="0" err="1">
+                <a:ln>
+                  <a:noFill/>
+                </a:ln>
+                <a:solidFill>
+                  <a:srgbClr val="6A8759"/>
+                </a:solidFill>
+                <a:effectLst/>
+                <a:latin typeface="JetBrains Mono"/>
+              </a:rPr>
+              <a:t>TotalValueOfSales</a:t>
+            </a:r>
+            <a:r>
+              <a:rPr kumimoji="0" lang="it-IT" altLang="it-IT" sz="1400" b="0" i="0" u="none" strike="noStrike" cap="none" normalizeH="0" baseline="0" dirty="0">
+                <a:ln>
+                  <a:noFill/>
+                </a:ln>
+                <a:solidFill>
+                  <a:srgbClr val="6A8759"/>
+                </a:solidFill>
+                <a:effectLst/>
+                <a:latin typeface="JetBrains Mono"/>
+              </a:rPr>
               <a:t> </a:t>
             </a:r>
             <a:r>
-              <a:rPr lang="en-GB" dirty="0">
-                <a:solidFill>
-                  <a:srgbClr val="FF0000"/>
-                </a:solidFill>
-              </a:rPr>
-              <a:t>page</a:t>
-            </a:r>
-            <a:r>
-              <a:rPr lang="en-GB" dirty="0"/>
-              <a:t> where there is a </a:t>
-            </a:r>
-            <a:r>
-              <a:rPr lang="en-GB" dirty="0">
-                <a:solidFill>
-                  <a:srgbClr val="00B050"/>
-                </a:solidFill>
-              </a:rPr>
-              <a:t>list of travel missions</a:t>
-            </a:r>
-            <a:r>
-              <a:rPr lang="en-GB" dirty="0"/>
-              <a:t>; a mission belongs to a user and has a date, a place, a description, a number of days of duration, and a status ("open", "finalized", "closed"). The list shows the date and place of the missions, which are sorted by date in descending order. On the HOME page there is a </a:t>
-            </a:r>
-            <a:r>
-              <a:rPr lang="en-GB" dirty="0">
-                <a:solidFill>
-                  <a:srgbClr val="00B050"/>
-                </a:solidFill>
-              </a:rPr>
-              <a:t>form</a:t>
-            </a:r>
-            <a:r>
-              <a:rPr lang="en-GB" dirty="0"/>
-              <a:t>, with which the user can </a:t>
-            </a:r>
-            <a:r>
-              <a:rPr lang="en-GB" dirty="0">
-                <a:solidFill>
-                  <a:srgbClr val="C00000"/>
-                </a:solidFill>
-              </a:rPr>
-              <a:t>create a new mission</a:t>
-            </a:r>
-            <a:r>
-              <a:rPr lang="en-GB" dirty="0"/>
-              <a:t>, by entering all the data, which are mandatory. A new mission is always in the "open" state. After creating a mission, one is returned to the HOME page. When the user </a:t>
-            </a:r>
-            <a:r>
-              <a:rPr lang="en-GB" dirty="0">
-                <a:solidFill>
-                  <a:srgbClr val="0070C0"/>
-                </a:solidFill>
-              </a:rPr>
-              <a:t>selects a mission </a:t>
-            </a:r>
-            <a:r>
-              <a:rPr lang="en-GB" dirty="0"/>
-              <a:t>in the list, a </a:t>
-            </a:r>
-            <a:r>
-              <a:rPr lang="en-GB" dirty="0">
-                <a:solidFill>
-                  <a:srgbClr val="FF0000"/>
-                </a:solidFill>
-              </a:rPr>
-              <a:t>DETAIL_MISSION page </a:t>
-            </a:r>
-            <a:r>
-              <a:rPr lang="en-GB" dirty="0"/>
-              <a:t>appears, showing </a:t>
-            </a:r>
-            <a:r>
-              <a:rPr lang="en-GB" dirty="0">
-                <a:solidFill>
-                  <a:srgbClr val="00B050"/>
-                </a:solidFill>
-              </a:rPr>
-              <a:t>all the mission data</a:t>
-            </a:r>
-            <a:r>
-              <a:rPr lang="en-GB" dirty="0"/>
-              <a:t>. If the mission is in the "open" state, a </a:t>
-            </a:r>
-            <a:r>
-              <a:rPr lang="en-GB" dirty="0">
-                <a:solidFill>
-                  <a:srgbClr val="00B050"/>
-                </a:solidFill>
-              </a:rPr>
-              <a:t>form</a:t>
-            </a:r>
-            <a:r>
-              <a:rPr lang="en-GB" dirty="0"/>
-              <a:t> appears for entering the expenses incurred during the mission; the form contains three fields: food costs, accommodation costs, transport costs. </a:t>
-            </a:r>
-            <a:r>
-              <a:rPr lang="en-GB" dirty="0">
-                <a:solidFill>
-                  <a:srgbClr val="0070C0"/>
-                </a:solidFill>
-              </a:rPr>
-              <a:t>Sending the form data </a:t>
-            </a:r>
-            <a:r>
-              <a:rPr lang="en-GB" dirty="0"/>
-              <a:t>causes the </a:t>
-            </a:r>
-            <a:r>
-              <a:rPr lang="en-GB" dirty="0">
-                <a:solidFill>
-                  <a:srgbClr val="C00000"/>
-                </a:solidFill>
-              </a:rPr>
-              <a:t>mission status to change </a:t>
-            </a:r>
-            <a:r>
-              <a:rPr lang="en-GB" dirty="0"/>
-              <a:t>from "open " to  “finalized ",  and the return to the DETAIL_MISSION page. If the mission is in the "finalized“ status, a </a:t>
-            </a:r>
-            <a:r>
-              <a:rPr lang="en-GB" dirty="0">
-                <a:solidFill>
-                  <a:srgbClr val="00B050"/>
-                </a:solidFill>
-              </a:rPr>
-              <a:t>"close“ button </a:t>
-            </a:r>
-            <a:r>
-              <a:rPr lang="en-GB" dirty="0"/>
-              <a:t>appears which the user </a:t>
-            </a:r>
-            <a:r>
-              <a:rPr lang="en-GB" dirty="0">
-                <a:solidFill>
-                  <a:srgbClr val="0070C0"/>
-                </a:solidFill>
-              </a:rPr>
-              <a:t>can click </a:t>
-            </a:r>
-            <a:r>
-              <a:rPr lang="en-GB" dirty="0"/>
-              <a:t>to report that he has received the reimbursement of expenses; this causes the </a:t>
-            </a:r>
-            <a:r>
-              <a:rPr lang="en-GB" dirty="0">
-                <a:solidFill>
-                  <a:srgbClr val="C00000"/>
-                </a:solidFill>
-              </a:rPr>
-              <a:t>mission status to change </a:t>
-            </a:r>
-            <a:r>
-              <a:rPr lang="en-GB" dirty="0"/>
-              <a:t>from "finalized" to "closed" and the return to the DETAIL_MISSION page. If the mission is in the "closed" status, the DETAIL_MISSION page shows mission data also the value of the three types of expenditure. </a:t>
-            </a:r>
-          </a:p>
-          <a:p>
-            <a:r>
-              <a:rPr lang="en-GB" dirty="0">
-                <a:solidFill>
-                  <a:srgbClr val="FF0000"/>
-                </a:solidFill>
-              </a:rPr>
-              <a:t>Pages (views)</a:t>
-            </a:r>
-            <a:r>
-              <a:rPr lang="en-GB" dirty="0"/>
-              <a:t>, </a:t>
-            </a:r>
-            <a:r>
-              <a:rPr lang="en-GB" dirty="0">
-                <a:solidFill>
-                  <a:srgbClr val="00B050"/>
-                </a:solidFill>
-              </a:rPr>
-              <a:t>view components</a:t>
-            </a:r>
-            <a:r>
-              <a:rPr lang="en-GB" dirty="0"/>
-              <a:t>, </a:t>
-            </a:r>
-            <a:r>
-              <a:rPr lang="en-GB" dirty="0">
-                <a:solidFill>
-                  <a:srgbClr val="0070C0"/>
-                </a:solidFill>
-              </a:rPr>
-              <a:t>events</a:t>
-            </a:r>
-            <a:r>
-              <a:rPr lang="en-GB" dirty="0"/>
-              <a:t>, </a:t>
-            </a:r>
-            <a:r>
-              <a:rPr lang="en-GB" dirty="0">
-                <a:solidFill>
-                  <a:srgbClr val="C00000"/>
-                </a:solidFill>
-              </a:rPr>
-              <a:t>actions</a:t>
-            </a:r>
-            <a:endParaRPr lang="it-IT" dirty="0">
+              <a:rPr kumimoji="0" lang="it-IT" altLang="it-IT" sz="1400" b="0" i="0" u="none" strike="noStrike" cap="none" normalizeH="0" baseline="0" dirty="0" err="1">
+                <a:ln>
+                  <a:noFill/>
+                </a:ln>
+                <a:solidFill>
+                  <a:srgbClr val="6A8759"/>
+                </a:solidFill>
+                <a:effectLst/>
+                <a:latin typeface="JetBrains Mono"/>
+              </a:rPr>
+              <a:t>tp</a:t>
+            </a:r>
+            <a:r>
+              <a:rPr kumimoji="0" lang="it-IT" altLang="it-IT" sz="1400" b="0" i="0" u="none" strike="noStrike" cap="none" normalizeH="0" baseline="0" dirty="0">
+                <a:ln>
+                  <a:noFill/>
+                </a:ln>
+                <a:solidFill>
+                  <a:srgbClr val="6A8759"/>
+                </a:solidFill>
+                <a:effectLst/>
+                <a:latin typeface="JetBrains Mono"/>
+              </a:rPr>
+              <a:t>"</a:t>
+            </a:r>
+            <a:r>
+              <a:rPr kumimoji="0" lang="it-IT" altLang="it-IT" sz="1400" b="0" i="0" u="none" strike="noStrike" cap="none" normalizeH="0" baseline="0" dirty="0">
+                <a:ln>
+                  <a:noFill/>
+                </a:ln>
+                <a:solidFill>
+                  <a:srgbClr val="A9B7C6"/>
+                </a:solidFill>
+                <a:effectLst/>
+                <a:latin typeface="JetBrains Mono"/>
+              </a:rPr>
+              <a:t>)</a:t>
+            </a:r>
+            <a:br>
+              <a:rPr kumimoji="0" lang="it-IT" altLang="it-IT" sz="1400" b="0" i="0" u="none" strike="noStrike" cap="none" normalizeH="0" baseline="0" dirty="0">
+                <a:ln>
+                  <a:noFill/>
+                </a:ln>
+                <a:solidFill>
+                  <a:srgbClr val="A9B7C6"/>
+                </a:solidFill>
+                <a:effectLst/>
+                <a:latin typeface="JetBrains Mono"/>
+              </a:rPr>
+            </a:br>
+            <a:r>
+              <a:rPr kumimoji="0" lang="it-IT" altLang="it-IT" sz="1400" b="0" i="0" u="none" strike="noStrike" cap="none" normalizeH="0" baseline="0" dirty="0">
+                <a:ln>
+                  <a:noFill/>
+                </a:ln>
+                <a:solidFill>
+                  <a:srgbClr val="A9B7C6"/>
+                </a:solidFill>
+                <a:effectLst/>
+                <a:latin typeface="JetBrains Mono"/>
+              </a:rPr>
+              <a:t>        }</a:t>
+            </a:r>
+            <a:br>
+              <a:rPr kumimoji="0" lang="it-IT" altLang="it-IT" sz="1400" b="0" i="0" u="none" strike="noStrike" cap="none" normalizeH="0" baseline="0" dirty="0">
+                <a:ln>
+                  <a:noFill/>
+                </a:ln>
+                <a:solidFill>
+                  <a:srgbClr val="A9B7C6"/>
+                </a:solidFill>
+                <a:effectLst/>
+                <a:latin typeface="JetBrains Mono"/>
+              </a:rPr>
+            </a:br>
+            <a:r>
+              <a:rPr kumimoji="0" lang="it-IT" altLang="it-IT" sz="1400" b="0" i="0" u="none" strike="noStrike" cap="none" normalizeH="0" baseline="0" dirty="0">
+                <a:ln>
+                  <a:noFill/>
+                </a:ln>
+                <a:solidFill>
+                  <a:srgbClr val="A9B7C6"/>
+                </a:solidFill>
+                <a:effectLst/>
+                <a:latin typeface="JetBrains Mono"/>
+              </a:rPr>
+              <a:t>)</a:t>
+            </a:r>
+            <a:br>
+              <a:rPr kumimoji="0" lang="it-IT" altLang="it-IT" sz="1400" b="0" i="0" u="none" strike="noStrike" cap="none" normalizeH="0" baseline="0" dirty="0">
+                <a:ln>
+                  <a:noFill/>
+                </a:ln>
+                <a:solidFill>
+                  <a:srgbClr val="A9B7C6"/>
+                </a:solidFill>
+                <a:effectLst/>
+                <a:latin typeface="JetBrains Mono"/>
+              </a:rPr>
+            </a:br>
+            <a:r>
+              <a:rPr kumimoji="0" lang="it-IT" altLang="it-IT" sz="1400" b="0" i="0" u="none" strike="noStrike" cap="none" normalizeH="0" baseline="0" dirty="0">
+                <a:ln>
+                  <a:noFill/>
+                </a:ln>
+                <a:solidFill>
+                  <a:srgbClr val="CC7832"/>
+                </a:solidFill>
+                <a:effectLst/>
+                <a:latin typeface="JetBrains Mono"/>
+              </a:rPr>
+              <a:t>public class </a:t>
+            </a:r>
+            <a:r>
+              <a:rPr kumimoji="0" lang="it-IT" altLang="it-IT" sz="1400" b="0" i="0" u="none" strike="noStrike" cap="none" normalizeH="0" baseline="0" dirty="0" err="1">
+                <a:ln>
+                  <a:noFill/>
+                </a:ln>
+                <a:solidFill>
+                  <a:srgbClr val="A9B7C6"/>
+                </a:solidFill>
+                <a:effectLst/>
+                <a:latin typeface="JetBrains Mono"/>
+              </a:rPr>
+              <a:t>TotalValueOfSales</a:t>
+            </a:r>
+            <a:r>
+              <a:rPr kumimoji="0" lang="it-IT" altLang="it-IT" sz="1400" b="0" i="0" u="none" strike="noStrike" cap="none" normalizeH="0" baseline="0" dirty="0">
+                <a:ln>
+                  <a:noFill/>
+                </a:ln>
+                <a:solidFill>
+                  <a:srgbClr val="A9B7C6"/>
+                </a:solidFill>
+                <a:effectLst/>
+                <a:latin typeface="JetBrains Mono"/>
+              </a:rPr>
+              <a:t> </a:t>
+            </a:r>
+            <a:r>
+              <a:rPr kumimoji="0" lang="it-IT" altLang="it-IT" sz="1400" b="0" i="0" u="none" strike="noStrike" cap="none" normalizeH="0" baseline="0" dirty="0" err="1">
+                <a:ln>
+                  <a:noFill/>
+                </a:ln>
+                <a:solidFill>
+                  <a:srgbClr val="CC7832"/>
+                </a:solidFill>
+                <a:effectLst/>
+                <a:latin typeface="JetBrains Mono"/>
+              </a:rPr>
+              <a:t>implements</a:t>
+            </a:r>
+            <a:r>
+              <a:rPr kumimoji="0" lang="it-IT" altLang="it-IT" sz="1400" b="0" i="0" u="none" strike="noStrike" cap="none" normalizeH="0" baseline="0" dirty="0">
+                <a:ln>
+                  <a:noFill/>
+                </a:ln>
+                <a:solidFill>
+                  <a:srgbClr val="CC7832"/>
+                </a:solidFill>
+                <a:effectLst/>
+                <a:latin typeface="JetBrains Mono"/>
+              </a:rPr>
+              <a:t> </a:t>
+            </a:r>
+            <a:r>
+              <a:rPr kumimoji="0" lang="it-IT" altLang="it-IT" sz="1400" b="0" i="0" u="none" strike="noStrike" cap="none" normalizeH="0" baseline="0" dirty="0" err="1">
+                <a:ln>
+                  <a:noFill/>
+                </a:ln>
+                <a:solidFill>
+                  <a:srgbClr val="A9B7C6"/>
+                </a:solidFill>
+                <a:effectLst/>
+                <a:latin typeface="JetBrains Mono"/>
+              </a:rPr>
+              <a:t>Serializable</a:t>
+            </a:r>
+            <a:r>
+              <a:rPr kumimoji="0" lang="it-IT" altLang="it-IT" sz="1400" b="0" i="0" u="none" strike="noStrike" cap="none" normalizeH="0" baseline="0" dirty="0">
+                <a:ln>
+                  <a:noFill/>
+                </a:ln>
+                <a:solidFill>
+                  <a:srgbClr val="A9B7C6"/>
+                </a:solidFill>
+                <a:effectLst/>
+                <a:latin typeface="JetBrains Mono"/>
+              </a:rPr>
+              <a:t> {</a:t>
+            </a:r>
+            <a:br>
+              <a:rPr kumimoji="0" lang="it-IT" altLang="it-IT" sz="1400" b="0" i="0" u="none" strike="noStrike" cap="none" normalizeH="0" baseline="0" dirty="0">
+                <a:ln>
+                  <a:noFill/>
+                </a:ln>
+                <a:solidFill>
+                  <a:srgbClr val="A9B7C6"/>
+                </a:solidFill>
+                <a:effectLst/>
+                <a:latin typeface="JetBrains Mono"/>
+              </a:rPr>
+            </a:br>
+            <a:r>
+              <a:rPr kumimoji="0" lang="it-IT" altLang="it-IT" sz="1400" b="0" i="0" u="none" strike="noStrike" cap="none" normalizeH="0" baseline="0" dirty="0">
+                <a:ln>
+                  <a:noFill/>
+                </a:ln>
+                <a:solidFill>
+                  <a:srgbClr val="A9B7C6"/>
+                </a:solidFill>
+                <a:effectLst/>
+                <a:latin typeface="JetBrains Mono"/>
+              </a:rPr>
+              <a:t>    </a:t>
+            </a:r>
+            <a:r>
+              <a:rPr kumimoji="0" lang="it-IT" altLang="it-IT" sz="1400" b="0" i="0" u="none" strike="noStrike" cap="none" normalizeH="0" baseline="0" dirty="0">
+                <a:ln>
+                  <a:noFill/>
+                </a:ln>
+                <a:solidFill>
+                  <a:srgbClr val="BBB529"/>
+                </a:solidFill>
+                <a:effectLst/>
+                <a:latin typeface="JetBrains Mono"/>
+              </a:rPr>
+              <a:t>@Id</a:t>
+            </a:r>
+            <a:br>
+              <a:rPr kumimoji="0" lang="it-IT" altLang="it-IT" sz="1400" b="0" i="0" u="none" strike="noStrike" cap="none" normalizeH="0" baseline="0" dirty="0">
+                <a:ln>
+                  <a:noFill/>
+                </a:ln>
+                <a:solidFill>
+                  <a:srgbClr val="BBB529"/>
+                </a:solidFill>
+                <a:effectLst/>
+                <a:latin typeface="JetBrains Mono"/>
+              </a:rPr>
+            </a:br>
+            <a:r>
+              <a:rPr kumimoji="0" lang="it-IT" altLang="it-IT" sz="1400" b="0" i="0" u="none" strike="noStrike" cap="none" normalizeH="0" baseline="0" dirty="0">
+                <a:ln>
+                  <a:noFill/>
+                </a:ln>
+                <a:solidFill>
+                  <a:srgbClr val="BBB529"/>
+                </a:solidFill>
+                <a:effectLst/>
+                <a:latin typeface="JetBrains Mono"/>
+              </a:rPr>
+              <a:t>    </a:t>
+            </a:r>
+            <a:r>
+              <a:rPr kumimoji="0" lang="it-IT" altLang="it-IT" sz="1400" b="0" i="0" u="none" strike="noStrike" cap="none" normalizeH="0" baseline="0" dirty="0">
+                <a:ln>
+                  <a:noFill/>
+                </a:ln>
+                <a:solidFill>
+                  <a:srgbClr val="CC7832"/>
+                </a:solidFill>
+                <a:effectLst/>
+                <a:latin typeface="JetBrains Mono"/>
+              </a:rPr>
+              <a:t>private </a:t>
+            </a:r>
+            <a:r>
+              <a:rPr kumimoji="0" lang="it-IT" altLang="it-IT" sz="1400" b="0" i="0" u="none" strike="noStrike" cap="none" normalizeH="0" baseline="0" dirty="0">
+                <a:ln>
+                  <a:noFill/>
+                </a:ln>
+                <a:solidFill>
+                  <a:srgbClr val="A9B7C6"/>
+                </a:solidFill>
+                <a:effectLst/>
+                <a:latin typeface="JetBrains Mono"/>
+              </a:rPr>
+              <a:t>String </a:t>
+            </a:r>
+            <a:r>
+              <a:rPr kumimoji="0" lang="it-IT" altLang="it-IT" sz="1400" b="0" i="0" u="none" strike="noStrike" cap="none" normalizeH="0" baseline="0" dirty="0" err="1">
+                <a:ln>
+                  <a:noFill/>
+                </a:ln>
+                <a:solidFill>
+                  <a:srgbClr val="9876AA"/>
+                </a:solidFill>
+                <a:effectLst/>
+                <a:latin typeface="JetBrains Mono"/>
+              </a:rPr>
+              <a:t>packageName</a:t>
+            </a:r>
+            <a:r>
+              <a:rPr kumimoji="0" lang="it-IT" altLang="it-IT" sz="1400" b="0" i="0" u="none" strike="noStrike" cap="none" normalizeH="0" baseline="0" dirty="0">
+                <a:ln>
+                  <a:noFill/>
+                </a:ln>
+                <a:solidFill>
+                  <a:srgbClr val="CC7832"/>
+                </a:solidFill>
+                <a:effectLst/>
+                <a:latin typeface="JetBrains Mono"/>
+              </a:rPr>
+              <a:t>;</a:t>
+            </a:r>
+            <a:br>
+              <a:rPr kumimoji="0" lang="it-IT" altLang="it-IT" sz="1400" b="0" i="0" u="none" strike="noStrike" cap="none" normalizeH="0" baseline="0" dirty="0">
+                <a:ln>
+                  <a:noFill/>
+                </a:ln>
+                <a:solidFill>
+                  <a:srgbClr val="CC7832"/>
+                </a:solidFill>
+                <a:effectLst/>
+                <a:latin typeface="JetBrains Mono"/>
+              </a:rPr>
+            </a:br>
+            <a:r>
+              <a:rPr kumimoji="0" lang="it-IT" altLang="it-IT" sz="1400" b="0" i="0" u="none" strike="noStrike" cap="none" normalizeH="0" baseline="0" dirty="0">
+                <a:ln>
+                  <a:noFill/>
+                </a:ln>
+                <a:solidFill>
+                  <a:srgbClr val="CC7832"/>
+                </a:solidFill>
+                <a:effectLst/>
+                <a:latin typeface="JetBrains Mono"/>
+              </a:rPr>
+              <a:t>    private </a:t>
+            </a:r>
+            <a:r>
+              <a:rPr kumimoji="0" lang="it-IT" altLang="it-IT" sz="1400" b="0" i="0" u="none" strike="noStrike" cap="none" normalizeH="0" baseline="0" dirty="0">
+                <a:ln>
+                  <a:noFill/>
+                </a:ln>
+                <a:solidFill>
+                  <a:srgbClr val="A9B7C6"/>
+                </a:solidFill>
+                <a:effectLst/>
+                <a:latin typeface="JetBrains Mono"/>
+              </a:rPr>
+              <a:t>Double </a:t>
+            </a:r>
+            <a:r>
+              <a:rPr kumimoji="0" lang="it-IT" altLang="it-IT" sz="1400" b="0" i="0" u="none" strike="noStrike" cap="none" normalizeH="0" baseline="0" dirty="0" err="1">
+                <a:ln>
+                  <a:noFill/>
+                </a:ln>
+                <a:solidFill>
+                  <a:srgbClr val="9876AA"/>
+                </a:solidFill>
+                <a:effectLst/>
+                <a:latin typeface="JetBrains Mono"/>
+              </a:rPr>
+              <a:t>total_value_with_optp</a:t>
+            </a:r>
+            <a:r>
+              <a:rPr kumimoji="0" lang="it-IT" altLang="it-IT" sz="1400" b="0" i="0" u="none" strike="noStrike" cap="none" normalizeH="0" baseline="0" dirty="0">
+                <a:ln>
+                  <a:noFill/>
+                </a:ln>
+                <a:solidFill>
+                  <a:srgbClr val="CC7832"/>
+                </a:solidFill>
+                <a:effectLst/>
+                <a:latin typeface="JetBrains Mono"/>
+              </a:rPr>
+              <a:t>;</a:t>
+            </a:r>
+            <a:br>
+              <a:rPr kumimoji="0" lang="it-IT" altLang="it-IT" sz="1400" b="0" i="0" u="none" strike="noStrike" cap="none" normalizeH="0" baseline="0" dirty="0">
+                <a:ln>
+                  <a:noFill/>
+                </a:ln>
+                <a:solidFill>
+                  <a:srgbClr val="CC7832"/>
+                </a:solidFill>
+                <a:effectLst/>
+                <a:latin typeface="JetBrains Mono"/>
+              </a:rPr>
+            </a:br>
+            <a:r>
+              <a:rPr kumimoji="0" lang="it-IT" altLang="it-IT" sz="1400" b="0" i="0" u="none" strike="noStrike" cap="none" normalizeH="0" baseline="0" dirty="0">
+                <a:ln>
+                  <a:noFill/>
+                </a:ln>
+                <a:solidFill>
+                  <a:srgbClr val="CC7832"/>
+                </a:solidFill>
+                <a:effectLst/>
+                <a:latin typeface="JetBrains Mono"/>
+              </a:rPr>
+              <a:t>    private </a:t>
+            </a:r>
+            <a:r>
+              <a:rPr kumimoji="0" lang="it-IT" altLang="it-IT" sz="1400" b="0" i="0" u="none" strike="noStrike" cap="none" normalizeH="0" baseline="0" dirty="0">
+                <a:ln>
+                  <a:noFill/>
+                </a:ln>
+                <a:solidFill>
+                  <a:srgbClr val="A9B7C6"/>
+                </a:solidFill>
+                <a:effectLst/>
+                <a:latin typeface="JetBrains Mono"/>
+              </a:rPr>
+              <a:t>Double </a:t>
+            </a:r>
+            <a:r>
+              <a:rPr kumimoji="0" lang="it-IT" altLang="it-IT" sz="1400" b="0" i="0" u="none" strike="noStrike" cap="none" normalizeH="0" baseline="0" dirty="0" err="1">
+                <a:ln>
+                  <a:noFill/>
+                </a:ln>
+                <a:solidFill>
+                  <a:srgbClr val="9876AA"/>
+                </a:solidFill>
+                <a:effectLst/>
+                <a:latin typeface="JetBrains Mono"/>
+              </a:rPr>
+              <a:t>total_value_without_optp</a:t>
+            </a:r>
+            <a:r>
+              <a:rPr kumimoji="0" lang="it-IT" altLang="it-IT" sz="1400" b="0" i="0" u="none" strike="noStrike" cap="none" normalizeH="0" baseline="0" dirty="0">
+                <a:ln>
+                  <a:noFill/>
+                </a:ln>
+                <a:solidFill>
+                  <a:srgbClr val="CC7832"/>
+                </a:solidFill>
+                <a:effectLst/>
+                <a:latin typeface="JetBrains Mono"/>
+              </a:rPr>
+              <a:t>;</a:t>
+            </a:r>
+            <a:endParaRPr kumimoji="0" lang="it-IT" altLang="it-IT" sz="1400" b="0" i="0" u="none" strike="noStrike" cap="none" normalizeH="0" baseline="0" dirty="0">
+              <a:ln>
+                <a:noFill/>
+              </a:ln>
               <a:solidFill>
-                <a:srgbClr val="C00000"/>
+                <a:schemeClr val="tx1"/>
               </a:solidFill>
+              <a:effectLst/>
+              <a:latin typeface="Arial" panose="020B0604020202020204" pitchFamily="34" charset="0"/>
             </a:endParaRPr>
           </a:p>
         </p:txBody>
@@ -45866,7 +47271,7 @@
     </p:spTree>
     <p:extLst>
       <p:ext uri="{BB962C8B-B14F-4D97-AF65-F5344CB8AC3E}">
-        <p14:creationId xmlns:p14="http://schemas.microsoft.com/office/powerpoint/2010/main" val="302696994"/>
+        <p14:creationId xmlns:p14="http://schemas.microsoft.com/office/powerpoint/2010/main" val="1253868467"/>
       </p:ext>
     </p:extLst>
   </p:cSld>
@@ -45903,233 +47308,93 @@
             <p:ph type="title"/>
           </p:nvPr>
         </p:nvSpPr>
-        <p:spPr/>
+        <p:spPr>
+          <a:xfrm>
+            <a:off x="628650" y="1650068"/>
+            <a:ext cx="7886700" cy="1325563"/>
+          </a:xfrm>
+        </p:spPr>
         <p:txBody>
           <a:bodyPr/>
           <a:lstStyle/>
           <a:p>
-            <a:r>
-              <a:rPr lang="en-GB" dirty="0"/>
-              <a:t>Components</a:t>
+            <a:pPr algn="ctr"/>
+            <a:r>
+              <a:rPr lang="it-IT" dirty="0"/>
+              <a:t>Functional analysis of the interaction</a:t>
             </a:r>
           </a:p>
         </p:txBody>
       </p:sp>
       <p:sp>
         <p:nvSpPr>
-          <p:cNvPr id="4" name="Content Placeholder 3"/>
+          <p:cNvPr id="4" name="Content Placeholder 3">
+            <a:extLst>
+              <a:ext uri="{FF2B5EF4-FFF2-40B4-BE49-F238E27FC236}">
+                <a16:creationId xmlns:a16="http://schemas.microsoft.com/office/drawing/2014/main" id="{DFE629D3-5170-45C0-84DB-F890189EBC50}"/>
+              </a:ext>
+            </a:extLst>
+          </p:cNvPr>
           <p:cNvSpPr>
             <a:spLocks noGrp="1"/>
           </p:cNvSpPr>
           <p:nvPr>
-            <p:ph sz="half" idx="1"/>
-          </p:nvPr>
-        </p:nvSpPr>
-        <p:spPr/>
-        <p:txBody>
-          <a:bodyPr>
-            <a:normAutofit lnSpcReduction="10000"/>
-          </a:bodyPr>
-          <a:lstStyle/>
-          <a:p>
-            <a:r>
-              <a:rPr lang="en-GB" dirty="0"/>
-              <a:t>Client components</a:t>
-            </a:r>
-          </a:p>
-          <a:p>
-            <a:pPr lvl="1"/>
-            <a:r>
-              <a:rPr lang="en-GB" sz="2000" dirty="0"/>
-              <a:t>Servlets</a:t>
-            </a:r>
-          </a:p>
-          <a:p>
-            <a:pPr lvl="1"/>
-            <a:r>
-              <a:rPr lang="en-GB" sz="2000" dirty="0"/>
-              <a:t>Views</a:t>
-            </a:r>
-          </a:p>
-          <a:p>
-            <a:pPr lvl="1"/>
-            <a:r>
-              <a:rPr lang="en-GB" sz="2000" dirty="0"/>
-              <a:t>Java Beans</a:t>
-            </a:r>
-          </a:p>
-          <a:p>
-            <a:pPr marL="457200" lvl="1" indent="0">
-              <a:buNone/>
-            </a:pPr>
-            <a:endParaRPr lang="en-GB" sz="2000" dirty="0"/>
-          </a:p>
-          <a:p>
-            <a:pPr marL="457200" lvl="1" indent="0">
-              <a:buNone/>
-            </a:pPr>
-            <a:endParaRPr lang="en-GB" sz="2000" dirty="0"/>
-          </a:p>
-        </p:txBody>
-      </p:sp>
-      <p:sp>
-        <p:nvSpPr>
-          <p:cNvPr id="5" name="Content Placeholder 4"/>
-          <p:cNvSpPr>
-            <a:spLocks noGrp="1"/>
-          </p:cNvSpPr>
-          <p:nvPr>
-            <p:ph sz="half" idx="2"/>
+            <p:ph idx="1"/>
           </p:nvPr>
         </p:nvSpPr>
         <p:spPr>
           <a:xfrm>
-            <a:off x="4629149" y="1825625"/>
-            <a:ext cx="4418597" cy="4351338"/>
+            <a:off x="628650" y="3708213"/>
+            <a:ext cx="7886700" cy="929528"/>
           </a:xfrm>
         </p:spPr>
         <p:txBody>
-          <a:bodyPr>
-            <a:normAutofit lnSpcReduction="10000"/>
-          </a:bodyPr>
+          <a:bodyPr/>
           <a:lstStyle/>
           <a:p>
-            <a:r>
-              <a:rPr lang="en-GB" dirty="0"/>
-              <a:t>Back end components</a:t>
-            </a:r>
-          </a:p>
-          <a:p>
-            <a:pPr lvl="1"/>
-            <a:r>
-              <a:rPr lang="en-GB" dirty="0"/>
-              <a:t>Entities</a:t>
-            </a:r>
-          </a:p>
-          <a:p>
-            <a:pPr lvl="2"/>
-            <a:r>
-              <a:rPr lang="en-GB" dirty="0"/>
-              <a:t>Entity1</a:t>
-            </a:r>
-          </a:p>
-          <a:p>
-            <a:pPr lvl="2"/>
-            <a:r>
-              <a:rPr lang="en-GB" dirty="0"/>
-              <a:t>Entity2</a:t>
-            </a:r>
-          </a:p>
-          <a:p>
-            <a:pPr lvl="1"/>
-            <a:r>
-              <a:rPr lang="en-GB"/>
-              <a:t>Business Components (EJBs)</a:t>
-            </a:r>
-            <a:endParaRPr lang="en-GB" dirty="0"/>
-          </a:p>
-          <a:p>
-            <a:pPr lvl="2"/>
-            <a:r>
-              <a:rPr lang="en-GB" dirty="0"/>
-              <a:t>BC1 </a:t>
-            </a:r>
-          </a:p>
-          <a:p>
-            <a:pPr lvl="3"/>
-            <a:r>
-              <a:rPr lang="en-GB" dirty="0"/>
-              <a:t>(stateless or stateful)</a:t>
-            </a:r>
-          </a:p>
-          <a:p>
-            <a:pPr lvl="3"/>
-            <a:r>
-              <a:rPr lang="en-GB" dirty="0"/>
-              <a:t>Method BC11( </a:t>
-            </a:r>
-            <a:r>
-              <a:rPr lang="en-GB" dirty="0" err="1"/>
-              <a:t>params</a:t>
-            </a:r>
-            <a:r>
-              <a:rPr lang="en-GB" dirty="0"/>
-              <a:t>)</a:t>
-            </a:r>
-          </a:p>
-          <a:p>
-            <a:pPr lvl="3"/>
-            <a:r>
-              <a:rPr lang="en-GB" dirty="0"/>
-              <a:t>Method BC11( </a:t>
-            </a:r>
-            <a:r>
-              <a:rPr lang="en-GB" dirty="0" err="1"/>
-              <a:t>params</a:t>
-            </a:r>
-            <a:r>
-              <a:rPr lang="en-GB" dirty="0"/>
-              <a:t>)</a:t>
-            </a:r>
-          </a:p>
-          <a:p>
-            <a:pPr lvl="2"/>
-            <a:r>
-              <a:rPr lang="en-GB" dirty="0"/>
-              <a:t>BC2</a:t>
-            </a:r>
-          </a:p>
-          <a:p>
-            <a:pPr lvl="3"/>
-            <a:r>
-              <a:rPr lang="en-GB" dirty="0"/>
-              <a:t>(stateless or stateful)</a:t>
-            </a:r>
-          </a:p>
-          <a:p>
-            <a:pPr lvl="3"/>
-            <a:r>
-              <a:rPr lang="en-GB" dirty="0"/>
-              <a:t>Method BC21( </a:t>
-            </a:r>
-            <a:r>
-              <a:rPr lang="en-GB" dirty="0" err="1"/>
-              <a:t>params</a:t>
-            </a:r>
-            <a:r>
-              <a:rPr lang="en-GB" dirty="0"/>
-              <a:t>)</a:t>
-            </a:r>
-          </a:p>
-          <a:p>
-            <a:pPr lvl="3"/>
-            <a:r>
-              <a:rPr lang="en-GB" dirty="0"/>
-              <a:t>Method BC22( </a:t>
-            </a:r>
-            <a:r>
-              <a:rPr lang="en-GB" dirty="0" err="1"/>
-              <a:t>params</a:t>
-            </a:r>
-            <a:r>
-              <a:rPr lang="en-GB" dirty="0"/>
-              <a:t>)</a:t>
-            </a:r>
-          </a:p>
-          <a:p>
-            <a:pPr lvl="2"/>
-            <a:endParaRPr lang="en-GB" dirty="0"/>
-          </a:p>
-          <a:p>
-            <a:pPr lvl="1"/>
-            <a:endParaRPr lang="en-GB" dirty="0"/>
+            <a:pPr marL="0" indent="0" algn="ctr">
+              <a:buNone/>
+            </a:pPr>
+            <a:r>
+              <a:rPr lang="it-IT" dirty="0"/>
+              <a:t>We </a:t>
+            </a:r>
+            <a:r>
+              <a:rPr lang="it-IT" dirty="0" err="1"/>
+              <a:t>used</a:t>
+            </a:r>
+            <a:r>
+              <a:rPr lang="it-IT" dirty="0"/>
+              <a:t> IFML </a:t>
+            </a:r>
+            <a:r>
+              <a:rPr lang="it-IT" dirty="0" err="1"/>
+              <a:t>diagrams</a:t>
+            </a:r>
+            <a:r>
+              <a:rPr lang="it-IT" dirty="0"/>
+              <a:t> to </a:t>
+            </a:r>
+            <a:r>
+              <a:rPr lang="it-IT" dirty="0" err="1"/>
+              <a:t>describe</a:t>
+            </a:r>
+            <a:r>
+              <a:rPr lang="it-IT" dirty="0"/>
+              <a:t> interactions of the </a:t>
+            </a:r>
+            <a:r>
+              <a:rPr lang="it-IT" dirty="0" err="1"/>
+              <a:t>application</a:t>
+            </a:r>
+            <a:endParaRPr lang="it-IT" dirty="0"/>
           </a:p>
         </p:txBody>
       </p:sp>
     </p:spTree>
     <p:extLst>
       <p:ext uri="{BB962C8B-B14F-4D97-AF65-F5344CB8AC3E}">
-        <p14:creationId xmlns:p14="http://schemas.microsoft.com/office/powerpoint/2010/main" val="1681549262"/>
+        <p14:creationId xmlns:p14="http://schemas.microsoft.com/office/powerpoint/2010/main" val="132007604"/>
       </p:ext>
     </p:extLst>
   </p:cSld>
@@ -46140,6 +47405,1374 @@
 </file>
 
 <file path=ppt/slides/slide67.xml><?xml version="1.0" encoding="utf-8"?>
+<p:sld xmlns:a="http://schemas.openxmlformats.org/drawingml/2006/main" xmlns:r="http://schemas.openxmlformats.org/officeDocument/2006/relationships" xmlns:p="http://schemas.openxmlformats.org/presentationml/2006/main">
+  <p:cSld>
+    <p:bg>
+      <p:bgPr>
+        <a:solidFill>
+          <a:schemeClr val="bg1"/>
+        </a:solidFill>
+        <a:effectLst/>
+      </p:bgPr>
+    </p:bg>
+    <p:spTree>
+      <p:nvGrpSpPr>
+        <p:cNvPr id="1" name=""/>
+        <p:cNvGrpSpPr/>
+        <p:nvPr/>
+      </p:nvGrpSpPr>
+      <p:grpSpPr>
+        <a:xfrm>
+          <a:off x="0" y="0"/>
+          <a:ext cx="0" cy="0"/>
+          <a:chOff x="0" y="0"/>
+          <a:chExt cx="0" cy="0"/>
+        </a:xfrm>
+      </p:grpSpPr>
+      <p:sp useBgFill="1">
+        <p:nvSpPr>
+          <p:cNvPr id="18" name="Rectangle 17">
+            <a:extLst>
+              <a:ext uri="{FF2B5EF4-FFF2-40B4-BE49-F238E27FC236}">
+                <a16:creationId xmlns:a16="http://schemas.microsoft.com/office/drawing/2014/main" id="{665DBBEF-238B-476B-96AB-8AAC3224ECEA}"/>
+              </a:ext>
+              <a:ext uri="{C183D7F6-B498-43B3-948B-1728B52AA6E4}">
+                <adec:decorative xmlns:adec="http://schemas.microsoft.com/office/drawing/2017/decorative" val="1"/>
+              </a:ext>
+            </a:extLst>
+          </p:cNvPr>
+          <p:cNvSpPr>
+            <a:spLocks noGrp="1" noRot="1" noChangeAspect="1" noMove="1" noResize="1" noEditPoints="1" noAdjustHandles="1" noChangeArrowheads="1" noChangeShapeType="1" noTextEdit="1"/>
+          </p:cNvSpPr>
+          <p:nvPr>
+            <p:extLst>
+              <p:ext uri="{386F3935-93C4-4BCD-93E2-E3B085C9AB24}">
+                <p16:designElem xmlns:p16="http://schemas.microsoft.com/office/powerpoint/2015/main" val="1"/>
+              </p:ext>
+            </p:extLst>
+          </p:nvPr>
+        </p:nvSpPr>
+        <p:spPr>
+          <a:xfrm>
+            <a:off x="0" y="0"/>
+            <a:ext cx="9144000" cy="6858000"/>
+          </a:xfrm>
+          <a:prstGeom prst="rect">
+            <a:avLst/>
+          </a:prstGeom>
+          <a:ln>
+            <a:noFill/>
+          </a:ln>
+        </p:spPr>
+        <p:style>
+          <a:lnRef idx="2">
+            <a:schemeClr val="accent1">
+              <a:shade val="50000"/>
+            </a:schemeClr>
+          </a:lnRef>
+          <a:fillRef idx="1">
+            <a:schemeClr val="accent1"/>
+          </a:fillRef>
+          <a:effectRef idx="0">
+            <a:schemeClr val="accent1"/>
+          </a:effectRef>
+          <a:fontRef idx="minor">
+            <a:schemeClr val="lt1"/>
+          </a:fontRef>
+        </p:style>
+        <p:txBody>
+          <a:bodyPr rtlCol="0" anchor="ctr"/>
+          <a:lstStyle/>
+          <a:p>
+            <a:pPr algn="ctr"/>
+            <a:endParaRPr lang="en-US"/>
+          </a:p>
+        </p:txBody>
+      </p:sp>
+      <p:pic>
+        <p:nvPicPr>
+          <p:cNvPr id="13" name="Content Placeholder 12" descr="Diagram, schematic&#10;&#10;Description automatically generated">
+            <a:extLst>
+              <a:ext uri="{FF2B5EF4-FFF2-40B4-BE49-F238E27FC236}">
+                <a16:creationId xmlns:a16="http://schemas.microsoft.com/office/drawing/2014/main" id="{BF013264-C272-4E43-B822-C6C65ECEFC4D}"/>
+              </a:ext>
+            </a:extLst>
+          </p:cNvPr>
+          <p:cNvPicPr>
+            <a:picLocks noGrp="1" noChangeAspect="1"/>
+          </p:cNvPicPr>
+          <p:nvPr>
+            <p:ph idx="1"/>
+          </p:nvPr>
+        </p:nvPicPr>
+        <p:blipFill>
+          <a:blip r:embed="rId2" cstate="print">
+            <a:extLst>
+              <a:ext uri="{28A0092B-C50C-407E-A947-70E740481C1C}">
+                <a14:useLocalDpi xmlns:a14="http://schemas.microsoft.com/office/drawing/2010/main" val="0"/>
+              </a:ext>
+            </a:extLst>
+          </a:blip>
+          <a:stretch>
+            <a:fillRect/>
+          </a:stretch>
+        </p:blipFill>
+        <p:spPr>
+          <a:xfrm>
+            <a:off x="896471" y="445"/>
+            <a:ext cx="8187763" cy="6841109"/>
+          </a:xfrm>
+          <a:prstGeom prst="rect">
+            <a:avLst/>
+          </a:prstGeom>
+        </p:spPr>
+      </p:pic>
+      <p:sp>
+        <p:nvSpPr>
+          <p:cNvPr id="20" name="sketch line">
+            <a:extLst>
+              <a:ext uri="{FF2B5EF4-FFF2-40B4-BE49-F238E27FC236}">
+                <a16:creationId xmlns:a16="http://schemas.microsoft.com/office/drawing/2014/main" id="{3FCFB1DE-0B7E-48CC-BA90-B2AB0889F9D6}"/>
+              </a:ext>
+              <a:ext uri="{C183D7F6-B498-43B3-948B-1728B52AA6E4}">
+                <adec:decorative xmlns:adec="http://schemas.microsoft.com/office/drawing/2017/decorative" val="1"/>
+              </a:ext>
+            </a:extLst>
+          </p:cNvPr>
+          <p:cNvSpPr>
+            <a:spLocks noGrp="1" noRot="1" noChangeAspect="1" noMove="1" noResize="1" noEditPoints="1" noAdjustHandles="1" noChangeArrowheads="1" noChangeShapeType="1" noTextEdit="1"/>
+          </p:cNvSpPr>
+          <p:nvPr>
+            <p:extLst>
+              <p:ext uri="{386F3935-93C4-4BCD-93E2-E3B085C9AB24}">
+                <p16:designElem xmlns:p16="http://schemas.microsoft.com/office/powerpoint/2015/main" val="1"/>
+              </p:ext>
+            </p:extLst>
+          </p:nvPr>
+        </p:nvSpPr>
+        <p:spPr>
+          <a:xfrm>
+            <a:off x="482458" y="4409267"/>
+            <a:ext cx="2441321" cy="18288"/>
+          </a:xfrm>
+          <a:custGeom>
+            <a:avLst/>
+            <a:gdLst>
+              <a:gd name="connsiteX0" fmla="*/ 0 w 2441321"/>
+              <a:gd name="connsiteY0" fmla="*/ 0 h 18288"/>
+              <a:gd name="connsiteX1" fmla="*/ 585917 w 2441321"/>
+              <a:gd name="connsiteY1" fmla="*/ 0 h 18288"/>
+              <a:gd name="connsiteX2" fmla="*/ 1196247 w 2441321"/>
+              <a:gd name="connsiteY2" fmla="*/ 0 h 18288"/>
+              <a:gd name="connsiteX3" fmla="*/ 1806578 w 2441321"/>
+              <a:gd name="connsiteY3" fmla="*/ 0 h 18288"/>
+              <a:gd name="connsiteX4" fmla="*/ 2441321 w 2441321"/>
+              <a:gd name="connsiteY4" fmla="*/ 0 h 18288"/>
+              <a:gd name="connsiteX5" fmla="*/ 2441321 w 2441321"/>
+              <a:gd name="connsiteY5" fmla="*/ 18288 h 18288"/>
+              <a:gd name="connsiteX6" fmla="*/ 1830991 w 2441321"/>
+              <a:gd name="connsiteY6" fmla="*/ 18288 h 18288"/>
+              <a:gd name="connsiteX7" fmla="*/ 1269487 w 2441321"/>
+              <a:gd name="connsiteY7" fmla="*/ 18288 h 18288"/>
+              <a:gd name="connsiteX8" fmla="*/ 707983 w 2441321"/>
+              <a:gd name="connsiteY8" fmla="*/ 18288 h 18288"/>
+              <a:gd name="connsiteX9" fmla="*/ 0 w 2441321"/>
+              <a:gd name="connsiteY9" fmla="*/ 18288 h 18288"/>
+              <a:gd name="connsiteX10" fmla="*/ 0 w 2441321"/>
+              <a:gd name="connsiteY10" fmla="*/ 0 h 18288"/>
+              <a:gd name="connsiteX0" fmla="*/ 0 w 2441321"/>
+              <a:gd name="connsiteY0" fmla="*/ 0 h 18288"/>
+              <a:gd name="connsiteX1" fmla="*/ 585917 w 2441321"/>
+              <a:gd name="connsiteY1" fmla="*/ 0 h 18288"/>
+              <a:gd name="connsiteX2" fmla="*/ 1123008 w 2441321"/>
+              <a:gd name="connsiteY2" fmla="*/ 0 h 18288"/>
+              <a:gd name="connsiteX3" fmla="*/ 1782164 w 2441321"/>
+              <a:gd name="connsiteY3" fmla="*/ 0 h 18288"/>
+              <a:gd name="connsiteX4" fmla="*/ 2441321 w 2441321"/>
+              <a:gd name="connsiteY4" fmla="*/ 0 h 18288"/>
+              <a:gd name="connsiteX5" fmla="*/ 2441321 w 2441321"/>
+              <a:gd name="connsiteY5" fmla="*/ 18288 h 18288"/>
+              <a:gd name="connsiteX6" fmla="*/ 1879817 w 2441321"/>
+              <a:gd name="connsiteY6" fmla="*/ 18288 h 18288"/>
+              <a:gd name="connsiteX7" fmla="*/ 1318313 w 2441321"/>
+              <a:gd name="connsiteY7" fmla="*/ 18288 h 18288"/>
+              <a:gd name="connsiteX8" fmla="*/ 659157 w 2441321"/>
+              <a:gd name="connsiteY8" fmla="*/ 18288 h 18288"/>
+              <a:gd name="connsiteX9" fmla="*/ 0 w 2441321"/>
+              <a:gd name="connsiteY9" fmla="*/ 18288 h 18288"/>
+              <a:gd name="connsiteX10" fmla="*/ 0 w 2441321"/>
+              <a:gd name="connsiteY10" fmla="*/ 0 h 18288"/>
+            </a:gdLst>
+            <a:ahLst/>
+            <a:cxnLst>
+              <a:cxn ang="0">
+                <a:pos x="connsiteX0" y="connsiteY0"/>
+              </a:cxn>
+              <a:cxn ang="0">
+                <a:pos x="connsiteX1" y="connsiteY1"/>
+              </a:cxn>
+              <a:cxn ang="0">
+                <a:pos x="connsiteX2" y="connsiteY2"/>
+              </a:cxn>
+              <a:cxn ang="0">
+                <a:pos x="connsiteX3" y="connsiteY3"/>
+              </a:cxn>
+              <a:cxn ang="0">
+                <a:pos x="connsiteX4" y="connsiteY4"/>
+              </a:cxn>
+              <a:cxn ang="0">
+                <a:pos x="connsiteX5" y="connsiteY5"/>
+              </a:cxn>
+              <a:cxn ang="0">
+                <a:pos x="connsiteX6" y="connsiteY6"/>
+              </a:cxn>
+              <a:cxn ang="0">
+                <a:pos x="connsiteX7" y="connsiteY7"/>
+              </a:cxn>
+              <a:cxn ang="0">
+                <a:pos x="connsiteX8" y="connsiteY8"/>
+              </a:cxn>
+              <a:cxn ang="0">
+                <a:pos x="connsiteX9" y="connsiteY9"/>
+              </a:cxn>
+              <a:cxn ang="0">
+                <a:pos x="connsiteX10" y="connsiteY10"/>
+              </a:cxn>
+            </a:cxnLst>
+            <a:rect l="l" t="t" r="r" b="b"/>
+            <a:pathLst>
+              <a:path w="2441321" h="18288" fill="none" extrusionOk="0">
+                <a:moveTo>
+                  <a:pt x="0" y="0"/>
+                </a:moveTo>
+                <a:cubicBezTo>
+                  <a:pt x="280302" y="-6619"/>
+                  <a:pt x="363201" y="4913"/>
+                  <a:pt x="585917" y="0"/>
+                </a:cubicBezTo>
+                <a:cubicBezTo>
+                  <a:pt x="832357" y="-10107"/>
+                  <a:pt x="996738" y="-34312"/>
+                  <a:pt x="1196247" y="0"/>
+                </a:cubicBezTo>
+                <a:cubicBezTo>
+                  <a:pt x="1357180" y="16623"/>
+                  <a:pt x="1575042" y="-11041"/>
+                  <a:pt x="1806578" y="0"/>
+                </a:cubicBezTo>
+                <a:cubicBezTo>
+                  <a:pt x="2016334" y="246"/>
+                  <a:pt x="2239353" y="-8732"/>
+                  <a:pt x="2441321" y="0"/>
+                </a:cubicBezTo>
+                <a:cubicBezTo>
+                  <a:pt x="2441188" y="8366"/>
+                  <a:pt x="2440365" y="10017"/>
+                  <a:pt x="2441321" y="18288"/>
+                </a:cubicBezTo>
+                <a:cubicBezTo>
+                  <a:pt x="2159375" y="49009"/>
+                  <a:pt x="2054495" y="45666"/>
+                  <a:pt x="1830991" y="18288"/>
+                </a:cubicBezTo>
+                <a:cubicBezTo>
+                  <a:pt x="1615846" y="7509"/>
+                  <a:pt x="1521674" y="-5422"/>
+                  <a:pt x="1269487" y="18288"/>
+                </a:cubicBezTo>
+                <a:cubicBezTo>
+                  <a:pt x="1019660" y="53960"/>
+                  <a:pt x="886911" y="42351"/>
+                  <a:pt x="707983" y="18288"/>
+                </a:cubicBezTo>
+                <a:cubicBezTo>
+                  <a:pt x="523434" y="27321"/>
+                  <a:pt x="307885" y="34316"/>
+                  <a:pt x="0" y="18288"/>
+                </a:cubicBezTo>
+                <a:cubicBezTo>
+                  <a:pt x="-595" y="11182"/>
+                  <a:pt x="-5" y="6307"/>
+                  <a:pt x="0" y="0"/>
+                </a:cubicBezTo>
+                <a:close/>
+              </a:path>
+              <a:path w="2441321" h="18288" stroke="0" extrusionOk="0">
+                <a:moveTo>
+                  <a:pt x="0" y="0"/>
+                </a:moveTo>
+                <a:cubicBezTo>
+                  <a:pt x="212126" y="-10265"/>
+                  <a:pt x="442910" y="-11728"/>
+                  <a:pt x="585917" y="0"/>
+                </a:cubicBezTo>
+                <a:cubicBezTo>
+                  <a:pt x="724579" y="21751"/>
+                  <a:pt x="879365" y="-33198"/>
+                  <a:pt x="1123008" y="0"/>
+                </a:cubicBezTo>
+                <a:cubicBezTo>
+                  <a:pt x="1377247" y="11220"/>
+                  <a:pt x="1597861" y="-34280"/>
+                  <a:pt x="1782164" y="0"/>
+                </a:cubicBezTo>
+                <a:cubicBezTo>
+                  <a:pt x="1975975" y="-3055"/>
+                  <a:pt x="2116392" y="-15531"/>
+                  <a:pt x="2441321" y="0"/>
+                </a:cubicBezTo>
+                <a:cubicBezTo>
+                  <a:pt x="2441666" y="6144"/>
+                  <a:pt x="2441358" y="10525"/>
+                  <a:pt x="2441321" y="18288"/>
+                </a:cubicBezTo>
+                <a:cubicBezTo>
+                  <a:pt x="2180658" y="18322"/>
+                  <a:pt x="2084222" y="5934"/>
+                  <a:pt x="1879817" y="18288"/>
+                </a:cubicBezTo>
+                <a:cubicBezTo>
+                  <a:pt x="1668182" y="16222"/>
+                  <a:pt x="1551159" y="-6477"/>
+                  <a:pt x="1318313" y="18288"/>
+                </a:cubicBezTo>
+                <a:cubicBezTo>
+                  <a:pt x="1059871" y="56395"/>
+                  <a:pt x="901959" y="23831"/>
+                  <a:pt x="659157" y="18288"/>
+                </a:cubicBezTo>
+                <a:cubicBezTo>
+                  <a:pt x="444692" y="28483"/>
+                  <a:pt x="245032" y="39882"/>
+                  <a:pt x="0" y="18288"/>
+                </a:cubicBezTo>
+                <a:cubicBezTo>
+                  <a:pt x="-11" y="10485"/>
+                  <a:pt x="-221" y="3288"/>
+                  <a:pt x="0" y="0"/>
+                </a:cubicBezTo>
+                <a:close/>
+              </a:path>
+              <a:path w="2441321" h="18288" fill="none" stroke="0" extrusionOk="0">
+                <a:moveTo>
+                  <a:pt x="0" y="0"/>
+                </a:moveTo>
+                <a:cubicBezTo>
+                  <a:pt x="265389" y="-22361"/>
+                  <a:pt x="344845" y="-65"/>
+                  <a:pt x="585917" y="0"/>
+                </a:cubicBezTo>
+                <a:cubicBezTo>
+                  <a:pt x="858472" y="13102"/>
+                  <a:pt x="949265" y="-8078"/>
+                  <a:pt x="1196247" y="0"/>
+                </a:cubicBezTo>
+                <a:cubicBezTo>
+                  <a:pt x="1379248" y="30707"/>
+                  <a:pt x="1585336" y="24963"/>
+                  <a:pt x="1806578" y="0"/>
+                </a:cubicBezTo>
+                <a:cubicBezTo>
+                  <a:pt x="1986731" y="-19207"/>
+                  <a:pt x="2264933" y="16601"/>
+                  <a:pt x="2441321" y="0"/>
+                </a:cubicBezTo>
+                <a:cubicBezTo>
+                  <a:pt x="2441440" y="8687"/>
+                  <a:pt x="2440452" y="9944"/>
+                  <a:pt x="2441321" y="18288"/>
+                </a:cubicBezTo>
+                <a:cubicBezTo>
+                  <a:pt x="2149099" y="27348"/>
+                  <a:pt x="2027305" y="56470"/>
+                  <a:pt x="1830991" y="18288"/>
+                </a:cubicBezTo>
+                <a:cubicBezTo>
+                  <a:pt x="1614571" y="-18764"/>
+                  <a:pt x="1500998" y="10727"/>
+                  <a:pt x="1269487" y="18288"/>
+                </a:cubicBezTo>
+                <a:cubicBezTo>
+                  <a:pt x="1042399" y="37834"/>
+                  <a:pt x="927922" y="45822"/>
+                  <a:pt x="707983" y="18288"/>
+                </a:cubicBezTo>
+                <a:cubicBezTo>
+                  <a:pt x="502575" y="-5380"/>
+                  <a:pt x="350393" y="34499"/>
+                  <a:pt x="0" y="18288"/>
+                </a:cubicBezTo>
+                <a:cubicBezTo>
+                  <a:pt x="-394" y="12154"/>
+                  <a:pt x="907" y="6688"/>
+                  <a:pt x="0" y="0"/>
+                </a:cubicBezTo>
+                <a:close/>
+              </a:path>
+            </a:pathLst>
+          </a:custGeom>
+          <a:solidFill>
+            <a:schemeClr val="accent2"/>
+          </a:solidFill>
+          <a:ln w="38100" cap="rnd">
+            <a:solidFill>
+              <a:schemeClr val="accent2"/>
+            </a:solidFill>
+            <a:round/>
+            <a:extLst>
+              <a:ext uri="{C807C97D-BFC1-408E-A445-0C87EB9F89A2}">
+                <ask:lineSketchStyleProps xmlns:ask="http://schemas.microsoft.com/office/drawing/2018/sketchyshapes" sd="1219033472">
+                  <a:custGeom>
+                    <a:avLst/>
+                    <a:gdLst>
+                      <a:gd name="connsiteX0" fmla="*/ 0 w 2441321"/>
+                      <a:gd name="connsiteY0" fmla="*/ 0 h 18288"/>
+                      <a:gd name="connsiteX1" fmla="*/ 585917 w 2441321"/>
+                      <a:gd name="connsiteY1" fmla="*/ 0 h 18288"/>
+                      <a:gd name="connsiteX2" fmla="*/ 1196247 w 2441321"/>
+                      <a:gd name="connsiteY2" fmla="*/ 0 h 18288"/>
+                      <a:gd name="connsiteX3" fmla="*/ 1806578 w 2441321"/>
+                      <a:gd name="connsiteY3" fmla="*/ 0 h 18288"/>
+                      <a:gd name="connsiteX4" fmla="*/ 2441321 w 2441321"/>
+                      <a:gd name="connsiteY4" fmla="*/ 0 h 18288"/>
+                      <a:gd name="connsiteX5" fmla="*/ 2441321 w 2441321"/>
+                      <a:gd name="connsiteY5" fmla="*/ 18288 h 18288"/>
+                      <a:gd name="connsiteX6" fmla="*/ 1830991 w 2441321"/>
+                      <a:gd name="connsiteY6" fmla="*/ 18288 h 18288"/>
+                      <a:gd name="connsiteX7" fmla="*/ 1269487 w 2441321"/>
+                      <a:gd name="connsiteY7" fmla="*/ 18288 h 18288"/>
+                      <a:gd name="connsiteX8" fmla="*/ 707983 w 2441321"/>
+                      <a:gd name="connsiteY8" fmla="*/ 18288 h 18288"/>
+                      <a:gd name="connsiteX9" fmla="*/ 0 w 2441321"/>
+                      <a:gd name="connsiteY9" fmla="*/ 18288 h 18288"/>
+                      <a:gd name="connsiteX10" fmla="*/ 0 w 2441321"/>
+                      <a:gd name="connsiteY10" fmla="*/ 0 h 18288"/>
+                    </a:gdLst>
+                    <a:ahLst/>
+                    <a:cxnLst>
+                      <a:cxn ang="0">
+                        <a:pos x="connsiteX0" y="connsiteY0"/>
+                      </a:cxn>
+                      <a:cxn ang="0">
+                        <a:pos x="connsiteX1" y="connsiteY1"/>
+                      </a:cxn>
+                      <a:cxn ang="0">
+                        <a:pos x="connsiteX2" y="connsiteY2"/>
+                      </a:cxn>
+                      <a:cxn ang="0">
+                        <a:pos x="connsiteX3" y="connsiteY3"/>
+                      </a:cxn>
+                      <a:cxn ang="0">
+                        <a:pos x="connsiteX4" y="connsiteY4"/>
+                      </a:cxn>
+                      <a:cxn ang="0">
+                        <a:pos x="connsiteX5" y="connsiteY5"/>
+                      </a:cxn>
+                      <a:cxn ang="0">
+                        <a:pos x="connsiteX6" y="connsiteY6"/>
+                      </a:cxn>
+                      <a:cxn ang="0">
+                        <a:pos x="connsiteX7" y="connsiteY7"/>
+                      </a:cxn>
+                      <a:cxn ang="0">
+                        <a:pos x="connsiteX8" y="connsiteY8"/>
+                      </a:cxn>
+                      <a:cxn ang="0">
+                        <a:pos x="connsiteX9" y="connsiteY9"/>
+                      </a:cxn>
+                      <a:cxn ang="0">
+                        <a:pos x="connsiteX10" y="connsiteY10"/>
+                      </a:cxn>
+                    </a:cxnLst>
+                    <a:rect l="l" t="t" r="r" b="b"/>
+                    <a:pathLst>
+                      <a:path w="2441321" h="18288" fill="none" extrusionOk="0">
+                        <a:moveTo>
+                          <a:pt x="0" y="0"/>
+                        </a:moveTo>
+                        <a:cubicBezTo>
+                          <a:pt x="273217" y="-17533"/>
+                          <a:pt x="355785" y="-4171"/>
+                          <a:pt x="585917" y="0"/>
+                        </a:cubicBezTo>
+                        <a:cubicBezTo>
+                          <a:pt x="816049" y="4171"/>
+                          <a:pt x="991446" y="-9419"/>
+                          <a:pt x="1196247" y="0"/>
+                        </a:cubicBezTo>
+                        <a:cubicBezTo>
+                          <a:pt x="1401048" y="9419"/>
+                          <a:pt x="1589984" y="-731"/>
+                          <a:pt x="1806578" y="0"/>
+                        </a:cubicBezTo>
+                        <a:cubicBezTo>
+                          <a:pt x="2023172" y="731"/>
+                          <a:pt x="2247754" y="8393"/>
+                          <a:pt x="2441321" y="0"/>
+                        </a:cubicBezTo>
+                        <a:cubicBezTo>
+                          <a:pt x="2441167" y="8655"/>
+                          <a:pt x="2440437" y="9975"/>
+                          <a:pt x="2441321" y="18288"/>
+                        </a:cubicBezTo>
+                        <a:cubicBezTo>
+                          <a:pt x="2169723" y="30506"/>
+                          <a:pt x="2045712" y="39140"/>
+                          <a:pt x="1830991" y="18288"/>
+                        </a:cubicBezTo>
+                        <a:cubicBezTo>
+                          <a:pt x="1616270" y="-2564"/>
+                          <a:pt x="1505876" y="3949"/>
+                          <a:pt x="1269487" y="18288"/>
+                        </a:cubicBezTo>
+                        <a:cubicBezTo>
+                          <a:pt x="1033098" y="32627"/>
+                          <a:pt x="908661" y="41191"/>
+                          <a:pt x="707983" y="18288"/>
+                        </a:cubicBezTo>
+                        <a:cubicBezTo>
+                          <a:pt x="507305" y="-4615"/>
+                          <a:pt x="333592" y="20759"/>
+                          <a:pt x="0" y="18288"/>
+                        </a:cubicBezTo>
+                        <a:cubicBezTo>
+                          <a:pt x="-688" y="11716"/>
+                          <a:pt x="875" y="6357"/>
+                          <a:pt x="0" y="0"/>
+                        </a:cubicBezTo>
+                        <a:close/>
+                      </a:path>
+                      <a:path w="2441321" h="18288" stroke="0" extrusionOk="0">
+                        <a:moveTo>
+                          <a:pt x="0" y="0"/>
+                        </a:moveTo>
+                        <a:cubicBezTo>
+                          <a:pt x="207071" y="-14617"/>
+                          <a:pt x="444194" y="-15606"/>
+                          <a:pt x="585917" y="0"/>
+                        </a:cubicBezTo>
+                        <a:cubicBezTo>
+                          <a:pt x="727640" y="15606"/>
+                          <a:pt x="904326" y="-79"/>
+                          <a:pt x="1123008" y="0"/>
+                        </a:cubicBezTo>
+                        <a:cubicBezTo>
+                          <a:pt x="1341690" y="79"/>
+                          <a:pt x="1600014" y="10401"/>
+                          <a:pt x="1782164" y="0"/>
+                        </a:cubicBezTo>
+                        <a:cubicBezTo>
+                          <a:pt x="1964314" y="-10401"/>
+                          <a:pt x="2143537" y="-21488"/>
+                          <a:pt x="2441321" y="0"/>
+                        </a:cubicBezTo>
+                        <a:cubicBezTo>
+                          <a:pt x="2441735" y="5928"/>
+                          <a:pt x="2441551" y="11133"/>
+                          <a:pt x="2441321" y="18288"/>
+                        </a:cubicBezTo>
+                        <a:cubicBezTo>
+                          <a:pt x="2166745" y="28773"/>
+                          <a:pt x="2078726" y="15476"/>
+                          <a:pt x="1879817" y="18288"/>
+                        </a:cubicBezTo>
+                        <a:cubicBezTo>
+                          <a:pt x="1680908" y="21100"/>
+                          <a:pt x="1548770" y="-4127"/>
+                          <a:pt x="1318313" y="18288"/>
+                        </a:cubicBezTo>
+                        <a:cubicBezTo>
+                          <a:pt x="1087856" y="40703"/>
+                          <a:pt x="894613" y="3927"/>
+                          <a:pt x="659157" y="18288"/>
+                        </a:cubicBezTo>
+                        <a:cubicBezTo>
+                          <a:pt x="423701" y="32649"/>
+                          <a:pt x="246611" y="33975"/>
+                          <a:pt x="0" y="18288"/>
+                        </a:cubicBezTo>
+                        <a:cubicBezTo>
+                          <a:pt x="-348" y="10388"/>
+                          <a:pt x="-12" y="3969"/>
+                          <a:pt x="0" y="0"/>
+                        </a:cubicBezTo>
+                        <a:close/>
+                      </a:path>
+                    </a:pathLst>
+                  </a:custGeom>
+                  <ask:type>
+                    <ask:lineSketchFreehand/>
+                  </ask:type>
+                </ask:lineSketchStyleProps>
+              </a:ext>
+            </a:extLst>
+          </a:ln>
+        </p:spPr>
+        <p:style>
+          <a:lnRef idx="2">
+            <a:schemeClr val="accent1">
+              <a:shade val="50000"/>
+            </a:schemeClr>
+          </a:lnRef>
+          <a:fillRef idx="1">
+            <a:schemeClr val="accent1"/>
+          </a:fillRef>
+          <a:effectRef idx="0">
+            <a:schemeClr val="accent1"/>
+          </a:effectRef>
+          <a:fontRef idx="minor">
+            <a:schemeClr val="lt1"/>
+          </a:fontRef>
+        </p:style>
+        <p:txBody>
+          <a:bodyPr rtlCol="0" anchor="ctr"/>
+          <a:lstStyle/>
+          <a:p>
+            <a:pPr algn="ctr"/>
+            <a:endParaRPr lang="en-US"/>
+          </a:p>
+        </p:txBody>
+      </p:sp>
+      <p:sp>
+        <p:nvSpPr>
+          <p:cNvPr id="2" name="Title 1">
+            <a:extLst>
+              <a:ext uri="{FF2B5EF4-FFF2-40B4-BE49-F238E27FC236}">
+                <a16:creationId xmlns:a16="http://schemas.microsoft.com/office/drawing/2014/main" id="{9277AB4B-5916-44F6-8E0C-A33B6FC59E29}"/>
+              </a:ext>
+            </a:extLst>
+          </p:cNvPr>
+          <p:cNvSpPr>
+            <a:spLocks noGrp="1"/>
+          </p:cNvSpPr>
+          <p:nvPr>
+            <p:ph type="title"/>
+          </p:nvPr>
+        </p:nvSpPr>
+        <p:spPr>
+          <a:xfrm>
+            <a:off x="412722" y="4548092"/>
+            <a:ext cx="2580792" cy="1702591"/>
+          </a:xfrm>
+        </p:spPr>
+        <p:txBody>
+          <a:bodyPr vert="horz" lIns="91440" tIns="45720" rIns="91440" bIns="45720" rtlCol="0" anchor="b">
+            <a:normAutofit fontScale="90000"/>
+          </a:bodyPr>
+          <a:lstStyle/>
+          <a:p>
+            <a:r>
+              <a:rPr lang="en-US" sz="4000" kern="1200" dirty="0">
+                <a:solidFill>
+                  <a:schemeClr val="tx1"/>
+                </a:solidFill>
+                <a:latin typeface="+mj-lt"/>
+                <a:ea typeface="+mj-ea"/>
+                <a:cs typeface="+mj-cs"/>
+              </a:rPr>
+              <a:t>IFML Diagram (Customer)</a:t>
+            </a:r>
+          </a:p>
+        </p:txBody>
+      </p:sp>
+    </p:spTree>
+    <p:extLst>
+      <p:ext uri="{BB962C8B-B14F-4D97-AF65-F5344CB8AC3E}">
+        <p14:creationId xmlns:p14="http://schemas.microsoft.com/office/powerpoint/2010/main" val="971685734"/>
+      </p:ext>
+    </p:extLst>
+  </p:cSld>
+  <p:clrMapOvr>
+    <a:masterClrMapping/>
+  </p:clrMapOvr>
+</p:sld>
+</file>
+
+<file path=ppt/slides/slide68.xml><?xml version="1.0" encoding="utf-8"?>
+<p:sld xmlns:a="http://schemas.openxmlformats.org/drawingml/2006/main" xmlns:r="http://schemas.openxmlformats.org/officeDocument/2006/relationships" xmlns:p="http://schemas.openxmlformats.org/presentationml/2006/main">
+  <p:cSld>
+    <p:bg>
+      <p:bgPr>
+        <a:solidFill>
+          <a:schemeClr val="bg1"/>
+        </a:solidFill>
+        <a:effectLst/>
+      </p:bgPr>
+    </p:bg>
+    <p:spTree>
+      <p:nvGrpSpPr>
+        <p:cNvPr id="1" name=""/>
+        <p:cNvGrpSpPr/>
+        <p:nvPr/>
+      </p:nvGrpSpPr>
+      <p:grpSpPr>
+        <a:xfrm>
+          <a:off x="0" y="0"/>
+          <a:ext cx="0" cy="0"/>
+          <a:chOff x="0" y="0"/>
+          <a:chExt cx="0" cy="0"/>
+        </a:xfrm>
+      </p:grpSpPr>
+      <p:sp useBgFill="1">
+        <p:nvSpPr>
+          <p:cNvPr id="10" name="Rectangle 9">
+            <a:extLst>
+              <a:ext uri="{FF2B5EF4-FFF2-40B4-BE49-F238E27FC236}">
+                <a16:creationId xmlns:a16="http://schemas.microsoft.com/office/drawing/2014/main" id="{665DBBEF-238B-476B-96AB-8AAC3224ECEA}"/>
+              </a:ext>
+              <a:ext uri="{C183D7F6-B498-43B3-948B-1728B52AA6E4}">
+                <adec:decorative xmlns:adec="http://schemas.microsoft.com/office/drawing/2017/decorative" val="1"/>
+              </a:ext>
+            </a:extLst>
+          </p:cNvPr>
+          <p:cNvSpPr>
+            <a:spLocks noGrp="1" noRot="1" noChangeAspect="1" noMove="1" noResize="1" noEditPoints="1" noAdjustHandles="1" noChangeArrowheads="1" noChangeShapeType="1" noTextEdit="1"/>
+          </p:cNvSpPr>
+          <p:nvPr>
+            <p:extLst>
+              <p:ext uri="{386F3935-93C4-4BCD-93E2-E3B085C9AB24}">
+                <p16:designElem xmlns:p16="http://schemas.microsoft.com/office/powerpoint/2015/main" val="1"/>
+              </p:ext>
+            </p:extLst>
+          </p:nvPr>
+        </p:nvSpPr>
+        <p:spPr>
+          <a:xfrm>
+            <a:off x="0" y="0"/>
+            <a:ext cx="9144000" cy="6858000"/>
+          </a:xfrm>
+          <a:prstGeom prst="rect">
+            <a:avLst/>
+          </a:prstGeom>
+          <a:ln>
+            <a:noFill/>
+          </a:ln>
+        </p:spPr>
+        <p:style>
+          <a:lnRef idx="2">
+            <a:schemeClr val="accent1">
+              <a:shade val="50000"/>
+            </a:schemeClr>
+          </a:lnRef>
+          <a:fillRef idx="1">
+            <a:schemeClr val="accent1"/>
+          </a:fillRef>
+          <a:effectRef idx="0">
+            <a:schemeClr val="accent1"/>
+          </a:effectRef>
+          <a:fontRef idx="minor">
+            <a:schemeClr val="lt1"/>
+          </a:fontRef>
+        </p:style>
+        <p:txBody>
+          <a:bodyPr rtlCol="0" anchor="ctr"/>
+          <a:lstStyle/>
+          <a:p>
+            <a:pPr algn="ctr"/>
+            <a:endParaRPr lang="en-US"/>
+          </a:p>
+        </p:txBody>
+      </p:sp>
+      <p:sp>
+        <p:nvSpPr>
+          <p:cNvPr id="2" name="Title 1">
+            <a:extLst>
+              <a:ext uri="{FF2B5EF4-FFF2-40B4-BE49-F238E27FC236}">
+                <a16:creationId xmlns:a16="http://schemas.microsoft.com/office/drawing/2014/main" id="{7843C9ED-6C42-4E2B-80C8-25CA0F696E71}"/>
+              </a:ext>
+            </a:extLst>
+          </p:cNvPr>
+          <p:cNvSpPr>
+            <a:spLocks noGrp="1"/>
+          </p:cNvSpPr>
+          <p:nvPr>
+            <p:ph type="title"/>
+          </p:nvPr>
+        </p:nvSpPr>
+        <p:spPr>
+          <a:xfrm>
+            <a:off x="363689" y="2683146"/>
+            <a:ext cx="2678858" cy="3573516"/>
+          </a:xfrm>
+        </p:spPr>
+        <p:txBody>
+          <a:bodyPr vert="horz" lIns="91440" tIns="45720" rIns="91440" bIns="45720" rtlCol="0" anchor="b">
+            <a:normAutofit/>
+          </a:bodyPr>
+          <a:lstStyle/>
+          <a:p>
+            <a:r>
+              <a:rPr lang="en-US" sz="4000" kern="1200" dirty="0">
+                <a:solidFill>
+                  <a:schemeClr val="tx1"/>
+                </a:solidFill>
+                <a:latin typeface="+mj-lt"/>
+                <a:ea typeface="+mj-ea"/>
+                <a:cs typeface="+mj-cs"/>
+              </a:rPr>
+              <a:t>IFML Diagram (Employee)</a:t>
+            </a:r>
+          </a:p>
+        </p:txBody>
+      </p:sp>
+      <p:sp>
+        <p:nvSpPr>
+          <p:cNvPr id="12" name="sketch line">
+            <a:extLst>
+              <a:ext uri="{FF2B5EF4-FFF2-40B4-BE49-F238E27FC236}">
+                <a16:creationId xmlns:a16="http://schemas.microsoft.com/office/drawing/2014/main" id="{3FCFB1DE-0B7E-48CC-BA90-B2AB0889F9D6}"/>
+              </a:ext>
+              <a:ext uri="{C183D7F6-B498-43B3-948B-1728B52AA6E4}">
+                <adec:decorative xmlns:adec="http://schemas.microsoft.com/office/drawing/2017/decorative" val="1"/>
+              </a:ext>
+            </a:extLst>
+          </p:cNvPr>
+          <p:cNvSpPr>
+            <a:spLocks noGrp="1" noRot="1" noChangeAspect="1" noMove="1" noResize="1" noEditPoints="1" noAdjustHandles="1" noChangeArrowheads="1" noChangeShapeType="1" noTextEdit="1"/>
+          </p:cNvSpPr>
+          <p:nvPr>
+            <p:extLst>
+              <p:ext uri="{386F3935-93C4-4BCD-93E2-E3B085C9AB24}">
+                <p16:designElem xmlns:p16="http://schemas.microsoft.com/office/powerpoint/2015/main" val="1"/>
+              </p:ext>
+            </p:extLst>
+          </p:nvPr>
+        </p:nvSpPr>
+        <p:spPr>
+          <a:xfrm>
+            <a:off x="482458" y="4409267"/>
+            <a:ext cx="2441321" cy="18288"/>
+          </a:xfrm>
+          <a:custGeom>
+            <a:avLst/>
+            <a:gdLst>
+              <a:gd name="connsiteX0" fmla="*/ 0 w 2441321"/>
+              <a:gd name="connsiteY0" fmla="*/ 0 h 18288"/>
+              <a:gd name="connsiteX1" fmla="*/ 585917 w 2441321"/>
+              <a:gd name="connsiteY1" fmla="*/ 0 h 18288"/>
+              <a:gd name="connsiteX2" fmla="*/ 1196247 w 2441321"/>
+              <a:gd name="connsiteY2" fmla="*/ 0 h 18288"/>
+              <a:gd name="connsiteX3" fmla="*/ 1806578 w 2441321"/>
+              <a:gd name="connsiteY3" fmla="*/ 0 h 18288"/>
+              <a:gd name="connsiteX4" fmla="*/ 2441321 w 2441321"/>
+              <a:gd name="connsiteY4" fmla="*/ 0 h 18288"/>
+              <a:gd name="connsiteX5" fmla="*/ 2441321 w 2441321"/>
+              <a:gd name="connsiteY5" fmla="*/ 18288 h 18288"/>
+              <a:gd name="connsiteX6" fmla="*/ 1830991 w 2441321"/>
+              <a:gd name="connsiteY6" fmla="*/ 18288 h 18288"/>
+              <a:gd name="connsiteX7" fmla="*/ 1269487 w 2441321"/>
+              <a:gd name="connsiteY7" fmla="*/ 18288 h 18288"/>
+              <a:gd name="connsiteX8" fmla="*/ 707983 w 2441321"/>
+              <a:gd name="connsiteY8" fmla="*/ 18288 h 18288"/>
+              <a:gd name="connsiteX9" fmla="*/ 0 w 2441321"/>
+              <a:gd name="connsiteY9" fmla="*/ 18288 h 18288"/>
+              <a:gd name="connsiteX10" fmla="*/ 0 w 2441321"/>
+              <a:gd name="connsiteY10" fmla="*/ 0 h 18288"/>
+              <a:gd name="connsiteX0" fmla="*/ 0 w 2441321"/>
+              <a:gd name="connsiteY0" fmla="*/ 0 h 18288"/>
+              <a:gd name="connsiteX1" fmla="*/ 585917 w 2441321"/>
+              <a:gd name="connsiteY1" fmla="*/ 0 h 18288"/>
+              <a:gd name="connsiteX2" fmla="*/ 1123008 w 2441321"/>
+              <a:gd name="connsiteY2" fmla="*/ 0 h 18288"/>
+              <a:gd name="connsiteX3" fmla="*/ 1782164 w 2441321"/>
+              <a:gd name="connsiteY3" fmla="*/ 0 h 18288"/>
+              <a:gd name="connsiteX4" fmla="*/ 2441321 w 2441321"/>
+              <a:gd name="connsiteY4" fmla="*/ 0 h 18288"/>
+              <a:gd name="connsiteX5" fmla="*/ 2441321 w 2441321"/>
+              <a:gd name="connsiteY5" fmla="*/ 18288 h 18288"/>
+              <a:gd name="connsiteX6" fmla="*/ 1879817 w 2441321"/>
+              <a:gd name="connsiteY6" fmla="*/ 18288 h 18288"/>
+              <a:gd name="connsiteX7" fmla="*/ 1318313 w 2441321"/>
+              <a:gd name="connsiteY7" fmla="*/ 18288 h 18288"/>
+              <a:gd name="connsiteX8" fmla="*/ 659157 w 2441321"/>
+              <a:gd name="connsiteY8" fmla="*/ 18288 h 18288"/>
+              <a:gd name="connsiteX9" fmla="*/ 0 w 2441321"/>
+              <a:gd name="connsiteY9" fmla="*/ 18288 h 18288"/>
+              <a:gd name="connsiteX10" fmla="*/ 0 w 2441321"/>
+              <a:gd name="connsiteY10" fmla="*/ 0 h 18288"/>
+            </a:gdLst>
+            <a:ahLst/>
+            <a:cxnLst>
+              <a:cxn ang="0">
+                <a:pos x="connsiteX0" y="connsiteY0"/>
+              </a:cxn>
+              <a:cxn ang="0">
+                <a:pos x="connsiteX1" y="connsiteY1"/>
+              </a:cxn>
+              <a:cxn ang="0">
+                <a:pos x="connsiteX2" y="connsiteY2"/>
+              </a:cxn>
+              <a:cxn ang="0">
+                <a:pos x="connsiteX3" y="connsiteY3"/>
+              </a:cxn>
+              <a:cxn ang="0">
+                <a:pos x="connsiteX4" y="connsiteY4"/>
+              </a:cxn>
+              <a:cxn ang="0">
+                <a:pos x="connsiteX5" y="connsiteY5"/>
+              </a:cxn>
+              <a:cxn ang="0">
+                <a:pos x="connsiteX6" y="connsiteY6"/>
+              </a:cxn>
+              <a:cxn ang="0">
+                <a:pos x="connsiteX7" y="connsiteY7"/>
+              </a:cxn>
+              <a:cxn ang="0">
+                <a:pos x="connsiteX8" y="connsiteY8"/>
+              </a:cxn>
+              <a:cxn ang="0">
+                <a:pos x="connsiteX9" y="connsiteY9"/>
+              </a:cxn>
+              <a:cxn ang="0">
+                <a:pos x="connsiteX10" y="connsiteY10"/>
+              </a:cxn>
+            </a:cxnLst>
+            <a:rect l="l" t="t" r="r" b="b"/>
+            <a:pathLst>
+              <a:path w="2441321" h="18288" fill="none" extrusionOk="0">
+                <a:moveTo>
+                  <a:pt x="0" y="0"/>
+                </a:moveTo>
+                <a:cubicBezTo>
+                  <a:pt x="280302" y="-6619"/>
+                  <a:pt x="363201" y="4913"/>
+                  <a:pt x="585917" y="0"/>
+                </a:cubicBezTo>
+                <a:cubicBezTo>
+                  <a:pt x="832357" y="-10107"/>
+                  <a:pt x="996738" y="-34312"/>
+                  <a:pt x="1196247" y="0"/>
+                </a:cubicBezTo>
+                <a:cubicBezTo>
+                  <a:pt x="1357180" y="16623"/>
+                  <a:pt x="1575042" y="-11041"/>
+                  <a:pt x="1806578" y="0"/>
+                </a:cubicBezTo>
+                <a:cubicBezTo>
+                  <a:pt x="2016334" y="246"/>
+                  <a:pt x="2239353" y="-8732"/>
+                  <a:pt x="2441321" y="0"/>
+                </a:cubicBezTo>
+                <a:cubicBezTo>
+                  <a:pt x="2441188" y="8366"/>
+                  <a:pt x="2440365" y="10017"/>
+                  <a:pt x="2441321" y="18288"/>
+                </a:cubicBezTo>
+                <a:cubicBezTo>
+                  <a:pt x="2159375" y="49009"/>
+                  <a:pt x="2054495" y="45666"/>
+                  <a:pt x="1830991" y="18288"/>
+                </a:cubicBezTo>
+                <a:cubicBezTo>
+                  <a:pt x="1615846" y="7509"/>
+                  <a:pt x="1521674" y="-5422"/>
+                  <a:pt x="1269487" y="18288"/>
+                </a:cubicBezTo>
+                <a:cubicBezTo>
+                  <a:pt x="1019660" y="53960"/>
+                  <a:pt x="886911" y="42351"/>
+                  <a:pt x="707983" y="18288"/>
+                </a:cubicBezTo>
+                <a:cubicBezTo>
+                  <a:pt x="523434" y="27321"/>
+                  <a:pt x="307885" y="34316"/>
+                  <a:pt x="0" y="18288"/>
+                </a:cubicBezTo>
+                <a:cubicBezTo>
+                  <a:pt x="-595" y="11182"/>
+                  <a:pt x="-5" y="6307"/>
+                  <a:pt x="0" y="0"/>
+                </a:cubicBezTo>
+                <a:close/>
+              </a:path>
+              <a:path w="2441321" h="18288" stroke="0" extrusionOk="0">
+                <a:moveTo>
+                  <a:pt x="0" y="0"/>
+                </a:moveTo>
+                <a:cubicBezTo>
+                  <a:pt x="212126" y="-10265"/>
+                  <a:pt x="442910" y="-11728"/>
+                  <a:pt x="585917" y="0"/>
+                </a:cubicBezTo>
+                <a:cubicBezTo>
+                  <a:pt x="724579" y="21751"/>
+                  <a:pt x="879365" y="-33198"/>
+                  <a:pt x="1123008" y="0"/>
+                </a:cubicBezTo>
+                <a:cubicBezTo>
+                  <a:pt x="1377247" y="11220"/>
+                  <a:pt x="1597861" y="-34280"/>
+                  <a:pt x="1782164" y="0"/>
+                </a:cubicBezTo>
+                <a:cubicBezTo>
+                  <a:pt x="1975975" y="-3055"/>
+                  <a:pt x="2116392" y="-15531"/>
+                  <a:pt x="2441321" y="0"/>
+                </a:cubicBezTo>
+                <a:cubicBezTo>
+                  <a:pt x="2441666" y="6144"/>
+                  <a:pt x="2441358" y="10525"/>
+                  <a:pt x="2441321" y="18288"/>
+                </a:cubicBezTo>
+                <a:cubicBezTo>
+                  <a:pt x="2180658" y="18322"/>
+                  <a:pt x="2084222" y="5934"/>
+                  <a:pt x="1879817" y="18288"/>
+                </a:cubicBezTo>
+                <a:cubicBezTo>
+                  <a:pt x="1668182" y="16222"/>
+                  <a:pt x="1551159" y="-6477"/>
+                  <a:pt x="1318313" y="18288"/>
+                </a:cubicBezTo>
+                <a:cubicBezTo>
+                  <a:pt x="1059871" y="56395"/>
+                  <a:pt x="901959" y="23831"/>
+                  <a:pt x="659157" y="18288"/>
+                </a:cubicBezTo>
+                <a:cubicBezTo>
+                  <a:pt x="444692" y="28483"/>
+                  <a:pt x="245032" y="39882"/>
+                  <a:pt x="0" y="18288"/>
+                </a:cubicBezTo>
+                <a:cubicBezTo>
+                  <a:pt x="-11" y="10485"/>
+                  <a:pt x="-221" y="3288"/>
+                  <a:pt x="0" y="0"/>
+                </a:cubicBezTo>
+                <a:close/>
+              </a:path>
+              <a:path w="2441321" h="18288" fill="none" stroke="0" extrusionOk="0">
+                <a:moveTo>
+                  <a:pt x="0" y="0"/>
+                </a:moveTo>
+                <a:cubicBezTo>
+                  <a:pt x="265389" y="-22361"/>
+                  <a:pt x="344845" y="-65"/>
+                  <a:pt x="585917" y="0"/>
+                </a:cubicBezTo>
+                <a:cubicBezTo>
+                  <a:pt x="858472" y="13102"/>
+                  <a:pt x="949265" y="-8078"/>
+                  <a:pt x="1196247" y="0"/>
+                </a:cubicBezTo>
+                <a:cubicBezTo>
+                  <a:pt x="1379248" y="30707"/>
+                  <a:pt x="1585336" y="24963"/>
+                  <a:pt x="1806578" y="0"/>
+                </a:cubicBezTo>
+                <a:cubicBezTo>
+                  <a:pt x="1986731" y="-19207"/>
+                  <a:pt x="2264933" y="16601"/>
+                  <a:pt x="2441321" y="0"/>
+                </a:cubicBezTo>
+                <a:cubicBezTo>
+                  <a:pt x="2441440" y="8687"/>
+                  <a:pt x="2440452" y="9944"/>
+                  <a:pt x="2441321" y="18288"/>
+                </a:cubicBezTo>
+                <a:cubicBezTo>
+                  <a:pt x="2149099" y="27348"/>
+                  <a:pt x="2027305" y="56470"/>
+                  <a:pt x="1830991" y="18288"/>
+                </a:cubicBezTo>
+                <a:cubicBezTo>
+                  <a:pt x="1614571" y="-18764"/>
+                  <a:pt x="1500998" y="10727"/>
+                  <a:pt x="1269487" y="18288"/>
+                </a:cubicBezTo>
+                <a:cubicBezTo>
+                  <a:pt x="1042399" y="37834"/>
+                  <a:pt x="927922" y="45822"/>
+                  <a:pt x="707983" y="18288"/>
+                </a:cubicBezTo>
+                <a:cubicBezTo>
+                  <a:pt x="502575" y="-5380"/>
+                  <a:pt x="350393" y="34499"/>
+                  <a:pt x="0" y="18288"/>
+                </a:cubicBezTo>
+                <a:cubicBezTo>
+                  <a:pt x="-394" y="12154"/>
+                  <a:pt x="907" y="6688"/>
+                  <a:pt x="0" y="0"/>
+                </a:cubicBezTo>
+                <a:close/>
+              </a:path>
+            </a:pathLst>
+          </a:custGeom>
+          <a:solidFill>
+            <a:schemeClr val="accent2"/>
+          </a:solidFill>
+          <a:ln w="38100" cap="rnd">
+            <a:solidFill>
+              <a:schemeClr val="accent2"/>
+            </a:solidFill>
+            <a:round/>
+            <a:extLst>
+              <a:ext uri="{C807C97D-BFC1-408E-A445-0C87EB9F89A2}">
+                <ask:lineSketchStyleProps xmlns:ask="http://schemas.microsoft.com/office/drawing/2018/sketchyshapes" sd="1219033472">
+                  <a:custGeom>
+                    <a:avLst/>
+                    <a:gdLst>
+                      <a:gd name="connsiteX0" fmla="*/ 0 w 2441321"/>
+                      <a:gd name="connsiteY0" fmla="*/ 0 h 18288"/>
+                      <a:gd name="connsiteX1" fmla="*/ 585917 w 2441321"/>
+                      <a:gd name="connsiteY1" fmla="*/ 0 h 18288"/>
+                      <a:gd name="connsiteX2" fmla="*/ 1196247 w 2441321"/>
+                      <a:gd name="connsiteY2" fmla="*/ 0 h 18288"/>
+                      <a:gd name="connsiteX3" fmla="*/ 1806578 w 2441321"/>
+                      <a:gd name="connsiteY3" fmla="*/ 0 h 18288"/>
+                      <a:gd name="connsiteX4" fmla="*/ 2441321 w 2441321"/>
+                      <a:gd name="connsiteY4" fmla="*/ 0 h 18288"/>
+                      <a:gd name="connsiteX5" fmla="*/ 2441321 w 2441321"/>
+                      <a:gd name="connsiteY5" fmla="*/ 18288 h 18288"/>
+                      <a:gd name="connsiteX6" fmla="*/ 1830991 w 2441321"/>
+                      <a:gd name="connsiteY6" fmla="*/ 18288 h 18288"/>
+                      <a:gd name="connsiteX7" fmla="*/ 1269487 w 2441321"/>
+                      <a:gd name="connsiteY7" fmla="*/ 18288 h 18288"/>
+                      <a:gd name="connsiteX8" fmla="*/ 707983 w 2441321"/>
+                      <a:gd name="connsiteY8" fmla="*/ 18288 h 18288"/>
+                      <a:gd name="connsiteX9" fmla="*/ 0 w 2441321"/>
+                      <a:gd name="connsiteY9" fmla="*/ 18288 h 18288"/>
+                      <a:gd name="connsiteX10" fmla="*/ 0 w 2441321"/>
+                      <a:gd name="connsiteY10" fmla="*/ 0 h 18288"/>
+                    </a:gdLst>
+                    <a:ahLst/>
+                    <a:cxnLst>
+                      <a:cxn ang="0">
+                        <a:pos x="connsiteX0" y="connsiteY0"/>
+                      </a:cxn>
+                      <a:cxn ang="0">
+                        <a:pos x="connsiteX1" y="connsiteY1"/>
+                      </a:cxn>
+                      <a:cxn ang="0">
+                        <a:pos x="connsiteX2" y="connsiteY2"/>
+                      </a:cxn>
+                      <a:cxn ang="0">
+                        <a:pos x="connsiteX3" y="connsiteY3"/>
+                      </a:cxn>
+                      <a:cxn ang="0">
+                        <a:pos x="connsiteX4" y="connsiteY4"/>
+                      </a:cxn>
+                      <a:cxn ang="0">
+                        <a:pos x="connsiteX5" y="connsiteY5"/>
+                      </a:cxn>
+                      <a:cxn ang="0">
+                        <a:pos x="connsiteX6" y="connsiteY6"/>
+                      </a:cxn>
+                      <a:cxn ang="0">
+                        <a:pos x="connsiteX7" y="connsiteY7"/>
+                      </a:cxn>
+                      <a:cxn ang="0">
+                        <a:pos x="connsiteX8" y="connsiteY8"/>
+                      </a:cxn>
+                      <a:cxn ang="0">
+                        <a:pos x="connsiteX9" y="connsiteY9"/>
+                      </a:cxn>
+                      <a:cxn ang="0">
+                        <a:pos x="connsiteX10" y="connsiteY10"/>
+                      </a:cxn>
+                    </a:cxnLst>
+                    <a:rect l="l" t="t" r="r" b="b"/>
+                    <a:pathLst>
+                      <a:path w="2441321" h="18288" fill="none" extrusionOk="0">
+                        <a:moveTo>
+                          <a:pt x="0" y="0"/>
+                        </a:moveTo>
+                        <a:cubicBezTo>
+                          <a:pt x="273217" y="-17533"/>
+                          <a:pt x="355785" y="-4171"/>
+                          <a:pt x="585917" y="0"/>
+                        </a:cubicBezTo>
+                        <a:cubicBezTo>
+                          <a:pt x="816049" y="4171"/>
+                          <a:pt x="991446" y="-9419"/>
+                          <a:pt x="1196247" y="0"/>
+                        </a:cubicBezTo>
+                        <a:cubicBezTo>
+                          <a:pt x="1401048" y="9419"/>
+                          <a:pt x="1589984" y="-731"/>
+                          <a:pt x="1806578" y="0"/>
+                        </a:cubicBezTo>
+                        <a:cubicBezTo>
+                          <a:pt x="2023172" y="731"/>
+                          <a:pt x="2247754" y="8393"/>
+                          <a:pt x="2441321" y="0"/>
+                        </a:cubicBezTo>
+                        <a:cubicBezTo>
+                          <a:pt x="2441167" y="8655"/>
+                          <a:pt x="2440437" y="9975"/>
+                          <a:pt x="2441321" y="18288"/>
+                        </a:cubicBezTo>
+                        <a:cubicBezTo>
+                          <a:pt x="2169723" y="30506"/>
+                          <a:pt x="2045712" y="39140"/>
+                          <a:pt x="1830991" y="18288"/>
+                        </a:cubicBezTo>
+                        <a:cubicBezTo>
+                          <a:pt x="1616270" y="-2564"/>
+                          <a:pt x="1505876" y="3949"/>
+                          <a:pt x="1269487" y="18288"/>
+                        </a:cubicBezTo>
+                        <a:cubicBezTo>
+                          <a:pt x="1033098" y="32627"/>
+                          <a:pt x="908661" y="41191"/>
+                          <a:pt x="707983" y="18288"/>
+                        </a:cubicBezTo>
+                        <a:cubicBezTo>
+                          <a:pt x="507305" y="-4615"/>
+                          <a:pt x="333592" y="20759"/>
+                          <a:pt x="0" y="18288"/>
+                        </a:cubicBezTo>
+                        <a:cubicBezTo>
+                          <a:pt x="-688" y="11716"/>
+                          <a:pt x="875" y="6357"/>
+                          <a:pt x="0" y="0"/>
+                        </a:cubicBezTo>
+                        <a:close/>
+                      </a:path>
+                      <a:path w="2441321" h="18288" stroke="0" extrusionOk="0">
+                        <a:moveTo>
+                          <a:pt x="0" y="0"/>
+                        </a:moveTo>
+                        <a:cubicBezTo>
+                          <a:pt x="207071" y="-14617"/>
+                          <a:pt x="444194" y="-15606"/>
+                          <a:pt x="585917" y="0"/>
+                        </a:cubicBezTo>
+                        <a:cubicBezTo>
+                          <a:pt x="727640" y="15606"/>
+                          <a:pt x="904326" y="-79"/>
+                          <a:pt x="1123008" y="0"/>
+                        </a:cubicBezTo>
+                        <a:cubicBezTo>
+                          <a:pt x="1341690" y="79"/>
+                          <a:pt x="1600014" y="10401"/>
+                          <a:pt x="1782164" y="0"/>
+                        </a:cubicBezTo>
+                        <a:cubicBezTo>
+                          <a:pt x="1964314" y="-10401"/>
+                          <a:pt x="2143537" y="-21488"/>
+                          <a:pt x="2441321" y="0"/>
+                        </a:cubicBezTo>
+                        <a:cubicBezTo>
+                          <a:pt x="2441735" y="5928"/>
+                          <a:pt x="2441551" y="11133"/>
+                          <a:pt x="2441321" y="18288"/>
+                        </a:cubicBezTo>
+                        <a:cubicBezTo>
+                          <a:pt x="2166745" y="28773"/>
+                          <a:pt x="2078726" y="15476"/>
+                          <a:pt x="1879817" y="18288"/>
+                        </a:cubicBezTo>
+                        <a:cubicBezTo>
+                          <a:pt x="1680908" y="21100"/>
+                          <a:pt x="1548770" y="-4127"/>
+                          <a:pt x="1318313" y="18288"/>
+                        </a:cubicBezTo>
+                        <a:cubicBezTo>
+                          <a:pt x="1087856" y="40703"/>
+                          <a:pt x="894613" y="3927"/>
+                          <a:pt x="659157" y="18288"/>
+                        </a:cubicBezTo>
+                        <a:cubicBezTo>
+                          <a:pt x="423701" y="32649"/>
+                          <a:pt x="246611" y="33975"/>
+                          <a:pt x="0" y="18288"/>
+                        </a:cubicBezTo>
+                        <a:cubicBezTo>
+                          <a:pt x="-348" y="10388"/>
+                          <a:pt x="-12" y="3969"/>
+                          <a:pt x="0" y="0"/>
+                        </a:cubicBezTo>
+                        <a:close/>
+                      </a:path>
+                    </a:pathLst>
+                  </a:custGeom>
+                  <ask:type>
+                    <ask:lineSketchFreehand/>
+                  </ask:type>
+                </ask:lineSketchStyleProps>
+              </a:ext>
+            </a:extLst>
+          </a:ln>
+        </p:spPr>
+        <p:style>
+          <a:lnRef idx="2">
+            <a:schemeClr val="accent1">
+              <a:shade val="50000"/>
+            </a:schemeClr>
+          </a:lnRef>
+          <a:fillRef idx="1">
+            <a:schemeClr val="accent1"/>
+          </a:fillRef>
+          <a:effectRef idx="0">
+            <a:schemeClr val="accent1"/>
+          </a:effectRef>
+          <a:fontRef idx="minor">
+            <a:schemeClr val="lt1"/>
+          </a:fontRef>
+        </p:style>
+        <p:txBody>
+          <a:bodyPr rtlCol="0" anchor="ctr"/>
+          <a:lstStyle/>
+          <a:p>
+            <a:pPr algn="ctr"/>
+            <a:endParaRPr lang="en-US"/>
+          </a:p>
+        </p:txBody>
+      </p:sp>
+      <p:pic>
+        <p:nvPicPr>
+          <p:cNvPr id="5" name="Content Placeholder 4" descr="Graphical user interface&#10;&#10;Description automatically generated with medium confidence">
+            <a:extLst>
+              <a:ext uri="{FF2B5EF4-FFF2-40B4-BE49-F238E27FC236}">
+                <a16:creationId xmlns:a16="http://schemas.microsoft.com/office/drawing/2014/main" id="{243728E3-9FC9-424B-BAAA-822D78CF70CB}"/>
+              </a:ext>
+            </a:extLst>
+          </p:cNvPr>
+          <p:cNvPicPr>
+            <a:picLocks noGrp="1" noChangeAspect="1"/>
+          </p:cNvPicPr>
+          <p:nvPr>
+            <p:ph idx="1"/>
+          </p:nvPr>
+        </p:nvPicPr>
+        <p:blipFill>
+          <a:blip r:embed="rId2" cstate="print">
+            <a:extLst>
+              <a:ext uri="{28A0092B-C50C-407E-A947-70E740481C1C}">
+                <a14:useLocalDpi xmlns:a14="http://schemas.microsoft.com/office/drawing/2010/main" val="0"/>
+              </a:ext>
+            </a:extLst>
+          </a:blip>
+          <a:stretch>
+            <a:fillRect/>
+          </a:stretch>
+        </p:blipFill>
+        <p:spPr>
+          <a:xfrm>
+            <a:off x="482458" y="490660"/>
+            <a:ext cx="8565183" cy="4625198"/>
+          </a:xfrm>
+          <a:prstGeom prst="rect">
+            <a:avLst/>
+          </a:prstGeom>
+        </p:spPr>
+      </p:pic>
+    </p:spTree>
+    <p:extLst>
+      <p:ext uri="{BB962C8B-B14F-4D97-AF65-F5344CB8AC3E}">
+        <p14:creationId xmlns:p14="http://schemas.microsoft.com/office/powerpoint/2010/main" val="3886644010"/>
+      </p:ext>
+    </p:extLst>
+  </p:cSld>
+  <p:clrMapOvr>
+    <a:masterClrMapping/>
+  </p:clrMapOvr>
+</p:sld>
+</file>
+
+<file path=ppt/slides/slide69.xml><?xml version="1.0" encoding="utf-8"?>
 <p:sld xmlns:a="http://schemas.openxmlformats.org/drawingml/2006/main" xmlns:r="http://schemas.openxmlformats.org/officeDocument/2006/relationships" xmlns:p="http://schemas.openxmlformats.org/presentationml/2006/main">
   <p:cSld>
     <p:spTree>
@@ -46158,7 +48791,13 @@
       </p:grpSpPr>
       <p:sp>
         <p:nvSpPr>
-          <p:cNvPr id="2" name="Title 1"/>
+          <p:cNvPr id="2" name="Title 1">
+            <a:extLst>
+              <a:ext uri="{FF2B5EF4-FFF2-40B4-BE49-F238E27FC236}">
+                <a16:creationId xmlns:a16="http://schemas.microsoft.com/office/drawing/2014/main" id="{532AA7E7-6EB5-47F2-A6EE-C25A716903D4}"/>
+              </a:ext>
+            </a:extLst>
+          </p:cNvPr>
           <p:cNvSpPr>
             <a:spLocks noGrp="1"/>
           </p:cNvSpPr>
@@ -46173,18 +48812,20 @@
           <a:p>
             <a:r>
               <a:rPr lang="it-IT" dirty="0"/>
-              <a:t>Motivations of the components design</a:t>
-            </a:r>
-            <a:r>
-              <a:rPr lang="en-GB" dirty="0"/>
-              <a:t> </a:t>
+              <a:t>Components</a:t>
             </a:r>
           </a:p>
         </p:txBody>
       </p:sp>
       <p:sp>
         <p:nvSpPr>
-          <p:cNvPr id="4" name="Content Placeholder 3"/>
+          <p:cNvPr id="3" name="Content Placeholder 2">
+            <a:extLst>
+              <a:ext uri="{FF2B5EF4-FFF2-40B4-BE49-F238E27FC236}">
+                <a16:creationId xmlns:a16="http://schemas.microsoft.com/office/drawing/2014/main" id="{3FEA22D6-800B-4211-881F-82C894011E5A}"/>
+              </a:ext>
+            </a:extLst>
+          </p:cNvPr>
           <p:cNvSpPr>
             <a:spLocks noGrp="1"/>
           </p:cNvSpPr>
@@ -46195,216 +48836,321 @@
         <p:spPr>
           <a:xfrm>
             <a:off x="628650" y="1825625"/>
-            <a:ext cx="7539990" cy="4351338"/>
+            <a:ext cx="4188385" cy="4351338"/>
           </a:xfrm>
         </p:spPr>
         <p:txBody>
-          <a:bodyPr>
-            <a:normAutofit/>
+          <a:bodyPr/>
+          <a:lstStyle/>
+          <a:p>
+            <a:r>
+              <a:rPr lang="it-IT" dirty="0">
+                <a:solidFill>
+                  <a:srgbClr val="0070C0"/>
+                </a:solidFill>
+              </a:rPr>
+              <a:t>Client </a:t>
+            </a:r>
+            <a:r>
+              <a:rPr lang="it-IT" dirty="0" err="1">
+                <a:solidFill>
+                  <a:srgbClr val="0070C0"/>
+                </a:solidFill>
+              </a:rPr>
+              <a:t>components</a:t>
+            </a:r>
+            <a:r>
+              <a:rPr lang="it-IT" dirty="0">
+                <a:solidFill>
+                  <a:srgbClr val="0070C0"/>
+                </a:solidFill>
+              </a:rPr>
+              <a:t>:</a:t>
+            </a:r>
+          </a:p>
+          <a:p>
+            <a:pPr lvl="1"/>
+            <a:r>
+              <a:rPr lang="it-IT" dirty="0" err="1"/>
+              <a:t>Views</a:t>
+            </a:r>
+            <a:r>
+              <a:rPr lang="it-IT" dirty="0"/>
+              <a:t>:</a:t>
+            </a:r>
+          </a:p>
+          <a:p>
+            <a:pPr lvl="2"/>
+            <a:r>
+              <a:rPr lang="it-IT" dirty="0"/>
+              <a:t>index.html</a:t>
+            </a:r>
+          </a:p>
+          <a:p>
+            <a:pPr lvl="2"/>
+            <a:r>
+              <a:rPr lang="it-IT" dirty="0"/>
+              <a:t>customerLogin.html</a:t>
+            </a:r>
+          </a:p>
+          <a:p>
+            <a:pPr lvl="2"/>
+            <a:r>
+              <a:rPr lang="it-IT" dirty="0"/>
+              <a:t>registrationCustomer.html</a:t>
+            </a:r>
+          </a:p>
+          <a:p>
+            <a:pPr lvl="2"/>
+            <a:r>
+              <a:rPr lang="it-IT" dirty="0"/>
+              <a:t>employeeLogin.html</a:t>
+            </a:r>
+          </a:p>
+          <a:p>
+            <a:pPr lvl="2"/>
+            <a:r>
+              <a:rPr lang="it-IT" dirty="0"/>
+              <a:t>homepageCustomer.html</a:t>
+            </a:r>
+          </a:p>
+          <a:p>
+            <a:pPr lvl="2"/>
+            <a:r>
+              <a:rPr lang="it-IT" dirty="0"/>
+              <a:t>homepageEmployee.html</a:t>
+            </a:r>
+          </a:p>
+          <a:p>
+            <a:pPr lvl="2"/>
+            <a:r>
+              <a:rPr lang="it-IT" dirty="0"/>
+              <a:t>buyServices.html</a:t>
+            </a:r>
+          </a:p>
+          <a:p>
+            <a:pPr lvl="2"/>
+            <a:r>
+              <a:rPr lang="it-IT" dirty="0"/>
+              <a:t>confirmationPage.html</a:t>
+            </a:r>
+          </a:p>
+          <a:p>
+            <a:pPr lvl="2"/>
+            <a:r>
+              <a:rPr lang="it-IT" dirty="0"/>
+              <a:t>paymentResultPage.html</a:t>
+            </a:r>
+          </a:p>
+          <a:p>
+            <a:pPr lvl="2"/>
+            <a:r>
+              <a:rPr lang="it-IT" dirty="0"/>
+              <a:t>salesReportPage.html</a:t>
+            </a:r>
+          </a:p>
+          <a:p>
+            <a:pPr lvl="2"/>
+            <a:endParaRPr lang="it-IT" dirty="0"/>
+          </a:p>
+        </p:txBody>
+      </p:sp>
+      <p:sp>
+        <p:nvSpPr>
+          <p:cNvPr id="5" name="TextBox 4">
+            <a:extLst>
+              <a:ext uri="{FF2B5EF4-FFF2-40B4-BE49-F238E27FC236}">
+                <a16:creationId xmlns:a16="http://schemas.microsoft.com/office/drawing/2014/main" id="{7E436D91-0B67-4E76-B7F3-8526BD382D3F}"/>
+              </a:ext>
+            </a:extLst>
+          </p:cNvPr>
+          <p:cNvSpPr txBox="1"/>
+          <p:nvPr/>
+        </p:nvSpPr>
+        <p:spPr>
+          <a:xfrm>
+            <a:off x="4936565" y="1825625"/>
+            <a:ext cx="3968376" cy="4708981"/>
+          </a:xfrm>
+          <a:prstGeom prst="rect">
+            <a:avLst/>
+          </a:prstGeom>
+          <a:noFill/>
+        </p:spPr>
+        <p:txBody>
+          <a:bodyPr wrap="square" rtlCol="0">
+            <a:spAutoFit/>
           </a:bodyPr>
           <a:lstStyle/>
           <a:p>
-            <a:pPr marL="0" indent="0">
-              <a:buNone/>
+            <a:pPr marL="285750" indent="-285750">
+              <a:buFont typeface="Arial" panose="020B0604020202020204" pitchFamily="34" charset="0"/>
+              <a:buChar char="•"/>
             </a:pPr>
             <a:r>
-              <a:rPr lang="en-GB" sz="2000" dirty="0"/>
-              <a:t>In order to keep track of a suspended order (e.g. when customer needs to log in to confirm the order) we create an </a:t>
-            </a:r>
-            <a:r>
-              <a:rPr lang="en-GB" sz="2000" dirty="0" err="1"/>
-              <a:t>UnconfirmedOrder</a:t>
-            </a:r>
-            <a:r>
-              <a:rPr lang="en-GB" sz="2000" dirty="0"/>
-              <a:t> object, containing all the data of the order, and we save it in the </a:t>
-            </a:r>
-            <a:r>
-              <a:rPr lang="en-GB" sz="2000" dirty="0" err="1"/>
-              <a:t>HttpSession</a:t>
-            </a:r>
-            <a:r>
-              <a:rPr lang="en-GB" sz="2000" dirty="0"/>
-              <a:t>, instead of saving it into the database. </a:t>
-            </a:r>
-          </a:p>
-          <a:p>
-            <a:pPr marL="0" indent="0">
-              <a:buNone/>
+              <a:rPr lang="it-IT" sz="2000" dirty="0" err="1"/>
+              <a:t>Servlets</a:t>
+            </a:r>
+            <a:r>
+              <a:rPr lang="it-IT" sz="2000" dirty="0"/>
+              <a:t>:</a:t>
+            </a:r>
+          </a:p>
+          <a:p>
+            <a:pPr marL="742950" lvl="1" indent="-285750">
+              <a:buFont typeface="Arial" panose="020B0604020202020204" pitchFamily="34" charset="0"/>
+              <a:buChar char="•"/>
             </a:pPr>
             <a:r>
-              <a:rPr lang="en-GB" sz="2000" dirty="0"/>
-              <a:t>This approach allowed us to:</a:t>
-            </a:r>
-          </a:p>
-          <a:p>
-            <a:pPr marL="457200" indent="-457200">
-              <a:buAutoNum type="arabicPeriod"/>
+              <a:rPr lang="it-IT" sz="2000" dirty="0" err="1"/>
+              <a:t>CheckLoginCustomer</a:t>
+            </a:r>
+            <a:endParaRPr lang="it-IT" sz="2000" dirty="0"/>
+          </a:p>
+          <a:p>
+            <a:pPr marL="742950" lvl="1" indent="-285750">
+              <a:buFont typeface="Arial" panose="020B0604020202020204" pitchFamily="34" charset="0"/>
+              <a:buChar char="•"/>
             </a:pPr>
             <a:r>
-              <a:rPr lang="en-GB" sz="2000" dirty="0"/>
-              <a:t>Avoid a useless connection with the database (better performances)</a:t>
-            </a:r>
-          </a:p>
-          <a:p>
-            <a:pPr marL="457200" indent="-457200">
-              <a:buAutoNum type="arabicPeriod"/>
+              <a:rPr lang="it-IT" sz="2000" dirty="0" err="1"/>
+              <a:t>CheckLoginEmployee</a:t>
+            </a:r>
+            <a:endParaRPr lang="it-IT" sz="2000" dirty="0"/>
+          </a:p>
+          <a:p>
+            <a:pPr marL="742950" lvl="1" indent="-285750">
+              <a:buFont typeface="Arial" panose="020B0604020202020204" pitchFamily="34" charset="0"/>
+              <a:buChar char="•"/>
             </a:pPr>
             <a:r>
-              <a:rPr lang="en-GB" sz="2000" dirty="0"/>
-              <a:t>When the customer leaves the application, the unconfirmed order is lost (as expected).</a:t>
-            </a:r>
-          </a:p>
-          <a:p>
-            <a:pPr marL="457200" indent="-457200">
-              <a:buAutoNum type="arabicPeriod"/>
+              <a:rPr lang="it-IT" sz="2000" dirty="0" err="1"/>
+              <a:t>GoToRegistrationCustomer</a:t>
+            </a:r>
+            <a:endParaRPr lang="it-IT" sz="2000" dirty="0"/>
+          </a:p>
+          <a:p>
+            <a:pPr marL="742950" lvl="1" indent="-285750">
+              <a:buFont typeface="Arial" panose="020B0604020202020204" pitchFamily="34" charset="0"/>
+              <a:buChar char="•"/>
             </a:pPr>
             <a:r>
-              <a:rPr lang="en-GB" sz="2000" dirty="0"/>
-              <a:t>Easily retrieve the unconfirmed order when the customer logs in and goes directly to the confirmation page.</a:t>
-            </a:r>
+              <a:rPr lang="it-IT" sz="2000" dirty="0" err="1"/>
+              <a:t>GoToHomePageCustomer</a:t>
+            </a:r>
+            <a:endParaRPr lang="it-IT" sz="2000" dirty="0"/>
+          </a:p>
+          <a:p>
+            <a:pPr marL="742950" lvl="1" indent="-285750">
+              <a:buFont typeface="Arial" panose="020B0604020202020204" pitchFamily="34" charset="0"/>
+              <a:buChar char="•"/>
+            </a:pPr>
+            <a:r>
+              <a:rPr lang="it-IT" sz="2000" dirty="0" err="1"/>
+              <a:t>GoToHomePageEmployee</a:t>
+            </a:r>
+            <a:endParaRPr lang="it-IT" sz="2000" dirty="0"/>
+          </a:p>
+          <a:p>
+            <a:pPr marL="742950" lvl="1" indent="-285750">
+              <a:buFont typeface="Arial" panose="020B0604020202020204" pitchFamily="34" charset="0"/>
+              <a:buChar char="•"/>
+            </a:pPr>
+            <a:r>
+              <a:rPr lang="it-IT" sz="2000" dirty="0" err="1"/>
+              <a:t>GoToBuyServices</a:t>
+            </a:r>
+            <a:endParaRPr lang="it-IT" sz="2000" dirty="0"/>
+          </a:p>
+          <a:p>
+            <a:pPr marL="742950" lvl="1" indent="-285750">
+              <a:buFont typeface="Arial" panose="020B0604020202020204" pitchFamily="34" charset="0"/>
+              <a:buChar char="•"/>
+            </a:pPr>
+            <a:r>
+              <a:rPr lang="it-IT" sz="2000" dirty="0" err="1"/>
+              <a:t>GoToConfirmationPage</a:t>
+            </a:r>
+            <a:endParaRPr lang="it-IT" sz="2000" dirty="0"/>
+          </a:p>
+          <a:p>
+            <a:pPr marL="742950" lvl="1" indent="-285750">
+              <a:buFont typeface="Arial" panose="020B0604020202020204" pitchFamily="34" charset="0"/>
+              <a:buChar char="•"/>
+            </a:pPr>
+            <a:r>
+              <a:rPr lang="it-IT" sz="2000" dirty="0" err="1"/>
+              <a:t>GoToResumeOrder</a:t>
+            </a:r>
+            <a:endParaRPr lang="it-IT" sz="2000" dirty="0"/>
+          </a:p>
+          <a:p>
+            <a:pPr marL="742950" lvl="1" indent="-285750">
+              <a:buFont typeface="Arial" panose="020B0604020202020204" pitchFamily="34" charset="0"/>
+              <a:buChar char="•"/>
+            </a:pPr>
+            <a:r>
+              <a:rPr lang="it-IT" sz="2000" dirty="0" err="1"/>
+              <a:t>GoToServicePayment</a:t>
+            </a:r>
+            <a:endParaRPr lang="it-IT" sz="2000" dirty="0"/>
+          </a:p>
+          <a:p>
+            <a:pPr marL="742950" lvl="1" indent="-285750">
+              <a:buFont typeface="Arial" panose="020B0604020202020204" pitchFamily="34" charset="0"/>
+              <a:buChar char="•"/>
+            </a:pPr>
+            <a:r>
+              <a:rPr lang="it-IT" sz="2000" dirty="0" err="1"/>
+              <a:t>GoToSalesReport</a:t>
+            </a:r>
+            <a:endParaRPr lang="it-IT" sz="2000" dirty="0"/>
+          </a:p>
+          <a:p>
+            <a:pPr marL="742950" lvl="1" indent="-285750">
+              <a:buFont typeface="Arial" panose="020B0604020202020204" pitchFamily="34" charset="0"/>
+              <a:buChar char="•"/>
+            </a:pPr>
+            <a:r>
+              <a:rPr lang="it-IT" sz="2000" dirty="0" err="1"/>
+              <a:t>CreateOptionalProduct</a:t>
+            </a:r>
+            <a:endParaRPr lang="it-IT" sz="2000" dirty="0"/>
+          </a:p>
+          <a:p>
+            <a:pPr marL="742950" lvl="1" indent="-285750">
+              <a:buFont typeface="Arial" panose="020B0604020202020204" pitchFamily="34" charset="0"/>
+              <a:buChar char="•"/>
+            </a:pPr>
+            <a:r>
+              <a:rPr lang="it-IT" sz="2000" dirty="0" err="1"/>
+              <a:t>CreateServicePackage</a:t>
+            </a:r>
+            <a:endParaRPr lang="it-IT" sz="2000" dirty="0"/>
+          </a:p>
+          <a:p>
+            <a:pPr marL="742950" lvl="1" indent="-285750">
+              <a:buFont typeface="Arial" panose="020B0604020202020204" pitchFamily="34" charset="0"/>
+              <a:buChar char="•"/>
+            </a:pPr>
+            <a:r>
+              <a:rPr lang="it-IT" sz="2000" dirty="0"/>
+              <a:t>Logout</a:t>
+            </a:r>
+          </a:p>
+          <a:p>
+            <a:pPr marL="742950" lvl="1" indent="-285750">
+              <a:buFont typeface="Arial" panose="020B0604020202020204" pitchFamily="34" charset="0"/>
+              <a:buChar char="•"/>
+            </a:pPr>
+            <a:endParaRPr lang="it-IT" sz="2000" dirty="0"/>
           </a:p>
         </p:txBody>
       </p:sp>
     </p:spTree>
     <p:extLst>
       <p:ext uri="{BB962C8B-B14F-4D97-AF65-F5344CB8AC3E}">
-        <p14:creationId xmlns:p14="http://schemas.microsoft.com/office/powerpoint/2010/main" val="3603114901"/>
-      </p:ext>
-    </p:extLst>
-  </p:cSld>
-  <p:clrMapOvr>
-    <a:masterClrMapping/>
-  </p:clrMapOvr>
-</p:sld>
-</file>
-
-<file path=ppt/slides/slide68.xml><?xml version="1.0" encoding="utf-8"?>
-<p:sld xmlns:a="http://schemas.openxmlformats.org/drawingml/2006/main" xmlns:r="http://schemas.openxmlformats.org/officeDocument/2006/relationships" xmlns:p="http://schemas.openxmlformats.org/presentationml/2006/main">
-  <p:cSld>
-    <p:spTree>
-      <p:nvGrpSpPr>
-        <p:cNvPr id="1" name=""/>
-        <p:cNvGrpSpPr/>
-        <p:nvPr/>
-      </p:nvGrpSpPr>
-      <p:grpSpPr>
-        <a:xfrm>
-          <a:off x="0" y="0"/>
-          <a:ext cx="0" cy="0"/>
-          <a:chOff x="0" y="0"/>
-          <a:chExt cx="0" cy="0"/>
-        </a:xfrm>
-      </p:grpSpPr>
-      <p:sp>
-        <p:nvSpPr>
-          <p:cNvPr id="2" name="Title 1"/>
-          <p:cNvSpPr>
-            <a:spLocks noGrp="1"/>
-          </p:cNvSpPr>
-          <p:nvPr>
-            <p:ph type="title"/>
-          </p:nvPr>
-        </p:nvSpPr>
-        <p:spPr/>
-        <p:txBody>
-          <a:bodyPr/>
-          <a:lstStyle/>
-          <a:p>
-            <a:r>
-              <a:rPr lang="it-IT" dirty="0"/>
-              <a:t>Motivations of the components design</a:t>
-            </a:r>
-            <a:r>
-              <a:rPr lang="en-GB" dirty="0"/>
-              <a:t> </a:t>
-            </a:r>
-          </a:p>
-        </p:txBody>
-      </p:sp>
-      <p:sp>
-        <p:nvSpPr>
-          <p:cNvPr id="4" name="Content Placeholder 3"/>
-          <p:cNvSpPr>
-            <a:spLocks noGrp="1"/>
-          </p:cNvSpPr>
-          <p:nvPr>
-            <p:ph sz="half" idx="1"/>
-          </p:nvPr>
-        </p:nvSpPr>
-        <p:spPr>
-          <a:xfrm>
-            <a:off x="628650" y="1825625"/>
-            <a:ext cx="7539990" cy="4351338"/>
-          </a:xfrm>
-        </p:spPr>
-        <p:txBody>
-          <a:bodyPr>
-            <a:normAutofit/>
-          </a:bodyPr>
-          <a:lstStyle/>
-          <a:p>
-            <a:pPr marL="0" indent="0">
-              <a:buNone/>
-            </a:pPr>
-            <a:r>
-              <a:rPr lang="en-GB" sz="2000" dirty="0"/>
-              <a:t>We decided to design an </a:t>
-            </a:r>
-            <a:r>
-              <a:rPr lang="en-GB" sz="2000" dirty="0">
-                <a:solidFill>
-                  <a:srgbClr val="00B050"/>
-                </a:solidFill>
-              </a:rPr>
-              <a:t>Entity for each materialized view table </a:t>
-            </a:r>
-            <a:r>
-              <a:rPr lang="en-GB" sz="2000" dirty="0"/>
-              <a:t>so that we could retrieve all the aggregate data using simple queries (e.g. </a:t>
-            </a:r>
-            <a:r>
-              <a:rPr lang="en-GB" sz="2000" dirty="0" err="1"/>
-              <a:t>findAll</a:t>
-            </a:r>
-            <a:r>
-              <a:rPr lang="en-GB" sz="2000" dirty="0"/>
-              <a:t>), since all materialized tables are populated completely using triggers.</a:t>
-            </a:r>
-          </a:p>
-          <a:p>
-            <a:pPr marL="0" indent="0">
-              <a:buNone/>
-            </a:pPr>
-            <a:endParaRPr lang="en-GB" sz="2000" dirty="0"/>
-          </a:p>
-          <a:p>
-            <a:pPr marL="0" indent="0">
-              <a:buNone/>
-            </a:pPr>
-            <a:r>
-              <a:rPr lang="en-GB" sz="2000" dirty="0"/>
-              <a:t>To retrieve the </a:t>
-            </a:r>
-            <a:r>
-              <a:rPr lang="en-GB" sz="2000" dirty="0">
-                <a:solidFill>
-                  <a:srgbClr val="00B050"/>
-                </a:solidFill>
-              </a:rPr>
-              <a:t>best seller optional product </a:t>
-            </a:r>
-            <a:r>
-              <a:rPr lang="en-GB" sz="2000" dirty="0"/>
-              <a:t>we populate a table containing, for each optional product, its total value of sales, then we fetch the entire table ordered by sales and finally we keep only the first one result.</a:t>
-            </a:r>
-          </a:p>
-        </p:txBody>
-      </p:sp>
-    </p:spTree>
-    <p:extLst>
-      <p:ext uri="{BB962C8B-B14F-4D97-AF65-F5344CB8AC3E}">
-        <p14:creationId xmlns:p14="http://schemas.microsoft.com/office/powerpoint/2010/main" val="3176098105"/>
+        <p14:creationId xmlns:p14="http://schemas.microsoft.com/office/powerpoint/2010/main" val="2010647240"/>
       </p:ext>
     </p:extLst>
   </p:cSld>
@@ -52559,6 +55305,1182 @@
     <p:extLst>
       <p:ext uri="{BB962C8B-B14F-4D97-AF65-F5344CB8AC3E}">
         <p14:creationId xmlns:p14="http://schemas.microsoft.com/office/powerpoint/2010/main" val="762234244"/>
+      </p:ext>
+    </p:extLst>
+  </p:cSld>
+  <p:clrMapOvr>
+    <a:masterClrMapping/>
+  </p:clrMapOvr>
+</p:sld>
+</file>
+
+<file path=ppt/slides/slide70.xml><?xml version="1.0" encoding="utf-8"?>
+<p:sld xmlns:a="http://schemas.openxmlformats.org/drawingml/2006/main" xmlns:r="http://schemas.openxmlformats.org/officeDocument/2006/relationships" xmlns:p="http://schemas.openxmlformats.org/presentationml/2006/main">
+  <p:cSld>
+    <p:spTree>
+      <p:nvGrpSpPr>
+        <p:cNvPr id="1" name=""/>
+        <p:cNvGrpSpPr/>
+        <p:nvPr/>
+      </p:nvGrpSpPr>
+      <p:grpSpPr>
+        <a:xfrm>
+          <a:off x="0" y="0"/>
+          <a:ext cx="0" cy="0"/>
+          <a:chOff x="0" y="0"/>
+          <a:chExt cx="0" cy="0"/>
+        </a:xfrm>
+      </p:grpSpPr>
+      <p:sp>
+        <p:nvSpPr>
+          <p:cNvPr id="2" name="Title 1">
+            <a:extLst>
+              <a:ext uri="{FF2B5EF4-FFF2-40B4-BE49-F238E27FC236}">
+                <a16:creationId xmlns:a16="http://schemas.microsoft.com/office/drawing/2014/main" id="{F3554424-348E-43EB-80CF-866EE41D20F3}"/>
+              </a:ext>
+            </a:extLst>
+          </p:cNvPr>
+          <p:cNvSpPr>
+            <a:spLocks noGrp="1"/>
+          </p:cNvSpPr>
+          <p:nvPr>
+            <p:ph type="title"/>
+          </p:nvPr>
+        </p:nvSpPr>
+        <p:spPr/>
+        <p:txBody>
+          <a:bodyPr/>
+          <a:lstStyle/>
+          <a:p>
+            <a:r>
+              <a:rPr lang="it-IT" dirty="0"/>
+              <a:t>Components</a:t>
+            </a:r>
+          </a:p>
+        </p:txBody>
+      </p:sp>
+      <p:sp>
+        <p:nvSpPr>
+          <p:cNvPr id="3" name="Content Placeholder 2">
+            <a:extLst>
+              <a:ext uri="{FF2B5EF4-FFF2-40B4-BE49-F238E27FC236}">
+                <a16:creationId xmlns:a16="http://schemas.microsoft.com/office/drawing/2014/main" id="{9BFD2A49-750C-4E36-8153-085BA6045D32}"/>
+              </a:ext>
+            </a:extLst>
+          </p:cNvPr>
+          <p:cNvSpPr>
+            <a:spLocks noGrp="1"/>
+          </p:cNvSpPr>
+          <p:nvPr>
+            <p:ph sz="half" idx="1"/>
+          </p:nvPr>
+        </p:nvSpPr>
+        <p:spPr>
+          <a:xfrm>
+            <a:off x="628650" y="1819648"/>
+            <a:ext cx="5132668" cy="4351338"/>
+          </a:xfrm>
+        </p:spPr>
+        <p:txBody>
+          <a:bodyPr>
+            <a:normAutofit fontScale="92500" lnSpcReduction="20000"/>
+          </a:bodyPr>
+          <a:lstStyle/>
+          <a:p>
+            <a:r>
+              <a:rPr lang="it-IT" dirty="0">
+                <a:solidFill>
+                  <a:srgbClr val="0070C0"/>
+                </a:solidFill>
+              </a:rPr>
+              <a:t>Back end </a:t>
+            </a:r>
+            <a:r>
+              <a:rPr lang="it-IT" dirty="0" err="1">
+                <a:solidFill>
+                  <a:srgbClr val="0070C0"/>
+                </a:solidFill>
+              </a:rPr>
+              <a:t>components</a:t>
+            </a:r>
+            <a:endParaRPr lang="it-IT" dirty="0">
+              <a:solidFill>
+                <a:srgbClr val="0070C0"/>
+              </a:solidFill>
+            </a:endParaRPr>
+          </a:p>
+          <a:p>
+            <a:pPr lvl="1"/>
+            <a:r>
+              <a:rPr lang="it-IT" dirty="0" err="1"/>
+              <a:t>Entities</a:t>
+            </a:r>
+            <a:endParaRPr lang="it-IT" dirty="0"/>
+          </a:p>
+          <a:p>
+            <a:pPr lvl="2"/>
+            <a:r>
+              <a:rPr lang="it-IT" dirty="0" err="1"/>
+              <a:t>Alert</a:t>
+            </a:r>
+            <a:endParaRPr lang="it-IT" dirty="0"/>
+          </a:p>
+          <a:p>
+            <a:pPr lvl="2"/>
+            <a:r>
+              <a:rPr lang="it-IT" dirty="0"/>
+              <a:t>Customer</a:t>
+            </a:r>
+          </a:p>
+          <a:p>
+            <a:pPr lvl="2"/>
+            <a:r>
+              <a:rPr lang="it-IT" dirty="0" err="1"/>
+              <a:t>Employee</a:t>
+            </a:r>
+            <a:endParaRPr lang="it-IT" dirty="0"/>
+          </a:p>
+          <a:p>
+            <a:pPr lvl="2"/>
+            <a:r>
+              <a:rPr lang="it-IT" dirty="0" err="1"/>
+              <a:t>OptionalProduct</a:t>
+            </a:r>
+            <a:endParaRPr lang="it-IT" dirty="0"/>
+          </a:p>
+          <a:p>
+            <a:pPr lvl="2"/>
+            <a:r>
+              <a:rPr lang="it-IT" dirty="0"/>
+              <a:t>Order</a:t>
+            </a:r>
+          </a:p>
+          <a:p>
+            <a:pPr lvl="2"/>
+            <a:r>
+              <a:rPr lang="it-IT" dirty="0"/>
+              <a:t>Service</a:t>
+            </a:r>
+          </a:p>
+          <a:p>
+            <a:pPr lvl="2"/>
+            <a:r>
+              <a:rPr lang="it-IT" dirty="0" err="1"/>
+              <a:t>ServiceActivationSchedule</a:t>
+            </a:r>
+            <a:endParaRPr lang="it-IT" dirty="0"/>
+          </a:p>
+          <a:p>
+            <a:pPr lvl="2"/>
+            <a:r>
+              <a:rPr lang="it-IT" dirty="0" err="1"/>
+              <a:t>ServicePackage</a:t>
+            </a:r>
+            <a:endParaRPr lang="it-IT" dirty="0"/>
+          </a:p>
+          <a:p>
+            <a:pPr lvl="2"/>
+            <a:r>
+              <a:rPr lang="it-IT" dirty="0" err="1"/>
+              <a:t>AverageNumberOfOptionaProducts</a:t>
+            </a:r>
+            <a:endParaRPr lang="it-IT" dirty="0"/>
+          </a:p>
+          <a:p>
+            <a:pPr lvl="2"/>
+            <a:r>
+              <a:rPr lang="it-IT" dirty="0" err="1"/>
+              <a:t>BestSellerOptionalProduct</a:t>
+            </a:r>
+            <a:endParaRPr lang="it-IT" dirty="0"/>
+          </a:p>
+          <a:p>
+            <a:pPr lvl="2"/>
+            <a:r>
+              <a:rPr lang="it-IT" dirty="0" err="1"/>
+              <a:t>TotalPurchasesPerPackage</a:t>
+            </a:r>
+            <a:endParaRPr lang="it-IT" dirty="0"/>
+          </a:p>
+          <a:p>
+            <a:pPr lvl="2"/>
+            <a:r>
+              <a:rPr lang="it-IT" dirty="0" err="1"/>
+              <a:t>TotalPurchasesValidityPeriodPerPackage</a:t>
+            </a:r>
+            <a:endParaRPr lang="it-IT" dirty="0"/>
+          </a:p>
+          <a:p>
+            <a:pPr lvl="2"/>
+            <a:r>
+              <a:rPr lang="it-IT" dirty="0" err="1"/>
+              <a:t>TotalValueOfSales</a:t>
+            </a:r>
+            <a:endParaRPr lang="it-IT" dirty="0"/>
+          </a:p>
+          <a:p>
+            <a:pPr lvl="2"/>
+            <a:endParaRPr lang="it-IT" dirty="0"/>
+          </a:p>
+        </p:txBody>
+      </p:sp>
+    </p:spTree>
+    <p:extLst>
+      <p:ext uri="{BB962C8B-B14F-4D97-AF65-F5344CB8AC3E}">
+        <p14:creationId xmlns:p14="http://schemas.microsoft.com/office/powerpoint/2010/main" val="3917334132"/>
+      </p:ext>
+    </p:extLst>
+  </p:cSld>
+  <p:clrMapOvr>
+    <a:masterClrMapping/>
+  </p:clrMapOvr>
+</p:sld>
+</file>
+
+<file path=ppt/slides/slide71.xml><?xml version="1.0" encoding="utf-8"?>
+<p:sld xmlns:a="http://schemas.openxmlformats.org/drawingml/2006/main" xmlns:r="http://schemas.openxmlformats.org/officeDocument/2006/relationships" xmlns:p="http://schemas.openxmlformats.org/presentationml/2006/main">
+  <p:cSld>
+    <p:spTree>
+      <p:nvGrpSpPr>
+        <p:cNvPr id="1" name=""/>
+        <p:cNvGrpSpPr/>
+        <p:nvPr/>
+      </p:nvGrpSpPr>
+      <p:grpSpPr>
+        <a:xfrm>
+          <a:off x="0" y="0"/>
+          <a:ext cx="0" cy="0"/>
+          <a:chOff x="0" y="0"/>
+          <a:chExt cx="0" cy="0"/>
+        </a:xfrm>
+      </p:grpSpPr>
+      <p:sp>
+        <p:nvSpPr>
+          <p:cNvPr id="2" name="Title 1">
+            <a:extLst>
+              <a:ext uri="{FF2B5EF4-FFF2-40B4-BE49-F238E27FC236}">
+                <a16:creationId xmlns:a16="http://schemas.microsoft.com/office/drawing/2014/main" id="{D9AE2CC3-C010-4695-8B83-1AED73E8D312}"/>
+              </a:ext>
+            </a:extLst>
+          </p:cNvPr>
+          <p:cNvSpPr>
+            <a:spLocks noGrp="1"/>
+          </p:cNvSpPr>
+          <p:nvPr>
+            <p:ph type="title"/>
+          </p:nvPr>
+        </p:nvSpPr>
+        <p:spPr/>
+        <p:txBody>
+          <a:bodyPr/>
+          <a:lstStyle/>
+          <a:p>
+            <a:r>
+              <a:rPr lang="it-IT" dirty="0"/>
+              <a:t>Components</a:t>
+            </a:r>
+          </a:p>
+        </p:txBody>
+      </p:sp>
+      <p:sp>
+        <p:nvSpPr>
+          <p:cNvPr id="3" name="Content Placeholder 2">
+            <a:extLst>
+              <a:ext uri="{FF2B5EF4-FFF2-40B4-BE49-F238E27FC236}">
+                <a16:creationId xmlns:a16="http://schemas.microsoft.com/office/drawing/2014/main" id="{4C53B13E-F6E9-48CC-BE24-78167230BAA7}"/>
+              </a:ext>
+            </a:extLst>
+          </p:cNvPr>
+          <p:cNvSpPr>
+            <a:spLocks noGrp="1"/>
+          </p:cNvSpPr>
+          <p:nvPr>
+            <p:ph sz="half" idx="1"/>
+          </p:nvPr>
+        </p:nvSpPr>
+        <p:spPr>
+          <a:xfrm>
+            <a:off x="628650" y="1825624"/>
+            <a:ext cx="7886700" cy="4569199"/>
+          </a:xfrm>
+        </p:spPr>
+        <p:txBody>
+          <a:bodyPr>
+            <a:normAutofit fontScale="92500" lnSpcReduction="10000"/>
+          </a:bodyPr>
+          <a:lstStyle/>
+          <a:p>
+            <a:r>
+              <a:rPr lang="it-IT" dirty="0"/>
+              <a:t>Services</a:t>
+            </a:r>
+          </a:p>
+          <a:p>
+            <a:pPr lvl="1"/>
+            <a:r>
+              <a:rPr lang="it-IT" dirty="0" err="1"/>
+              <a:t>CustomerService</a:t>
+            </a:r>
+            <a:r>
+              <a:rPr lang="it-IT" dirty="0"/>
+              <a:t> </a:t>
+            </a:r>
+            <a:r>
+              <a:rPr lang="it-IT" dirty="0">
+                <a:solidFill>
+                  <a:srgbClr val="00B0F0"/>
+                </a:solidFill>
+              </a:rPr>
+              <a:t>(STATELESS)</a:t>
+            </a:r>
+          </a:p>
+          <a:p>
+            <a:pPr lvl="2"/>
+            <a:r>
+              <a:rPr lang="it-IT" dirty="0" err="1"/>
+              <a:t>checkCredentials</a:t>
+            </a:r>
+            <a:r>
+              <a:rPr lang="it-IT" dirty="0"/>
+              <a:t>(username, password)</a:t>
+            </a:r>
+          </a:p>
+          <a:p>
+            <a:pPr lvl="2"/>
+            <a:r>
+              <a:rPr lang="it-IT" dirty="0" err="1"/>
+              <a:t>registerCustomer</a:t>
+            </a:r>
+            <a:r>
+              <a:rPr lang="it-IT" dirty="0"/>
+              <a:t>(username, password, email)</a:t>
+            </a:r>
+          </a:p>
+          <a:p>
+            <a:pPr lvl="2"/>
+            <a:r>
+              <a:rPr lang="it-IT" dirty="0" err="1"/>
+              <a:t>findCustomerByUsername</a:t>
+            </a:r>
+            <a:r>
+              <a:rPr lang="it-IT" dirty="0"/>
+              <a:t>(username)</a:t>
+            </a:r>
+          </a:p>
+          <a:p>
+            <a:pPr lvl="2"/>
+            <a:r>
+              <a:rPr lang="it-IT" dirty="0" err="1"/>
+              <a:t>refreshCustomer</a:t>
+            </a:r>
+            <a:r>
+              <a:rPr lang="it-IT" dirty="0"/>
+              <a:t>(username)</a:t>
+            </a:r>
+          </a:p>
+          <a:p>
+            <a:pPr lvl="1"/>
+            <a:r>
+              <a:rPr lang="it-IT" dirty="0" err="1"/>
+              <a:t>EmployeeService</a:t>
+            </a:r>
+            <a:r>
+              <a:rPr lang="it-IT" dirty="0"/>
+              <a:t> </a:t>
+            </a:r>
+            <a:r>
+              <a:rPr lang="it-IT" dirty="0">
+                <a:solidFill>
+                  <a:srgbClr val="00B0F0"/>
+                </a:solidFill>
+              </a:rPr>
+              <a:t>(STATELESS)</a:t>
+            </a:r>
+          </a:p>
+          <a:p>
+            <a:pPr lvl="2"/>
+            <a:r>
+              <a:rPr lang="it-IT" dirty="0" err="1"/>
+              <a:t>checkCredentials</a:t>
+            </a:r>
+            <a:r>
+              <a:rPr lang="it-IT" dirty="0"/>
+              <a:t>(username, password)</a:t>
+            </a:r>
+          </a:p>
+          <a:p>
+            <a:pPr lvl="2"/>
+            <a:r>
+              <a:rPr lang="it-IT" dirty="0" err="1"/>
+              <a:t>findAllServices</a:t>
+            </a:r>
+            <a:r>
+              <a:rPr lang="it-IT" dirty="0"/>
+              <a:t>()</a:t>
+            </a:r>
+          </a:p>
+          <a:p>
+            <a:pPr lvl="2"/>
+            <a:r>
+              <a:rPr lang="it-IT" dirty="0" err="1"/>
+              <a:t>findServicesListByID</a:t>
+            </a:r>
+            <a:r>
+              <a:rPr lang="it-IT" dirty="0"/>
+              <a:t>(</a:t>
+            </a:r>
+            <a:r>
+              <a:rPr lang="it-IT" dirty="0" err="1"/>
+              <a:t>serviceIDList</a:t>
+            </a:r>
+            <a:r>
+              <a:rPr lang="it-IT" dirty="0"/>
+              <a:t>)</a:t>
+            </a:r>
+          </a:p>
+          <a:p>
+            <a:pPr lvl="1"/>
+            <a:r>
+              <a:rPr lang="it-IT" dirty="0" err="1"/>
+              <a:t>OptionalProductService</a:t>
+            </a:r>
+            <a:r>
+              <a:rPr lang="it-IT" dirty="0"/>
+              <a:t> </a:t>
+            </a:r>
+            <a:r>
+              <a:rPr lang="it-IT" dirty="0">
+                <a:solidFill>
+                  <a:srgbClr val="00B0F0"/>
+                </a:solidFill>
+              </a:rPr>
+              <a:t>(STATELESS)</a:t>
+            </a:r>
+          </a:p>
+          <a:p>
+            <a:pPr lvl="2"/>
+            <a:r>
+              <a:rPr lang="it-IT" dirty="0" err="1"/>
+              <a:t>findOptionalProductListByID</a:t>
+            </a:r>
+            <a:r>
+              <a:rPr lang="it-IT" dirty="0"/>
+              <a:t>(</a:t>
+            </a:r>
+            <a:r>
+              <a:rPr lang="it-IT" dirty="0" err="1"/>
+              <a:t>optionalProductList</a:t>
+            </a:r>
+            <a:r>
+              <a:rPr lang="it-IT" dirty="0"/>
+              <a:t>)</a:t>
+            </a:r>
+          </a:p>
+          <a:p>
+            <a:pPr lvl="2"/>
+            <a:r>
+              <a:rPr lang="it-IT" dirty="0" err="1"/>
+              <a:t>findAllOptionalProducts</a:t>
+            </a:r>
+            <a:r>
+              <a:rPr lang="it-IT" dirty="0"/>
+              <a:t>()</a:t>
+            </a:r>
+          </a:p>
+          <a:p>
+            <a:pPr lvl="2"/>
+            <a:r>
+              <a:rPr lang="en-US" dirty="0" err="1"/>
+              <a:t>createOptionalProduct</a:t>
+            </a:r>
+            <a:r>
+              <a:rPr lang="en-US" dirty="0"/>
+              <a:t>(name, </a:t>
+            </a:r>
+            <a:r>
+              <a:rPr lang="en-US" dirty="0" err="1"/>
+              <a:t>validityPeriod</a:t>
+            </a:r>
+            <a:r>
+              <a:rPr lang="en-US" dirty="0"/>
+              <a:t>, </a:t>
+            </a:r>
+            <a:r>
+              <a:rPr lang="en-US" dirty="0" err="1"/>
+              <a:t>monthlyFee</a:t>
+            </a:r>
+            <a:r>
+              <a:rPr lang="en-US" dirty="0"/>
+              <a:t>)</a:t>
+            </a:r>
+            <a:endParaRPr lang="it-IT" dirty="0"/>
+          </a:p>
+          <a:p>
+            <a:pPr lvl="1"/>
+            <a:endParaRPr lang="it-IT" dirty="0">
+              <a:solidFill>
+                <a:srgbClr val="00B0F0"/>
+              </a:solidFill>
+            </a:endParaRPr>
+          </a:p>
+          <a:p>
+            <a:pPr lvl="1"/>
+            <a:endParaRPr lang="it-IT" dirty="0">
+              <a:solidFill>
+                <a:srgbClr val="00B0F0"/>
+              </a:solidFill>
+            </a:endParaRPr>
+          </a:p>
+          <a:p>
+            <a:pPr marL="914400" lvl="2" indent="0">
+              <a:buNone/>
+            </a:pPr>
+            <a:endParaRPr lang="it-IT" dirty="0"/>
+          </a:p>
+          <a:p>
+            <a:pPr lvl="2"/>
+            <a:endParaRPr lang="it-IT" dirty="0"/>
+          </a:p>
+        </p:txBody>
+      </p:sp>
+    </p:spTree>
+    <p:extLst>
+      <p:ext uri="{BB962C8B-B14F-4D97-AF65-F5344CB8AC3E}">
+        <p14:creationId xmlns:p14="http://schemas.microsoft.com/office/powerpoint/2010/main" val="734682864"/>
+      </p:ext>
+    </p:extLst>
+  </p:cSld>
+  <p:clrMapOvr>
+    <a:masterClrMapping/>
+  </p:clrMapOvr>
+</p:sld>
+</file>
+
+<file path=ppt/slides/slide72.xml><?xml version="1.0" encoding="utf-8"?>
+<p:sld xmlns:a="http://schemas.openxmlformats.org/drawingml/2006/main" xmlns:r="http://schemas.openxmlformats.org/officeDocument/2006/relationships" xmlns:p="http://schemas.openxmlformats.org/presentationml/2006/main">
+  <p:cSld>
+    <p:spTree>
+      <p:nvGrpSpPr>
+        <p:cNvPr id="1" name=""/>
+        <p:cNvGrpSpPr/>
+        <p:nvPr/>
+      </p:nvGrpSpPr>
+      <p:grpSpPr>
+        <a:xfrm>
+          <a:off x="0" y="0"/>
+          <a:ext cx="0" cy="0"/>
+          <a:chOff x="0" y="0"/>
+          <a:chExt cx="0" cy="0"/>
+        </a:xfrm>
+      </p:grpSpPr>
+      <p:sp>
+        <p:nvSpPr>
+          <p:cNvPr id="2" name="Title 1">
+            <a:extLst>
+              <a:ext uri="{FF2B5EF4-FFF2-40B4-BE49-F238E27FC236}">
+                <a16:creationId xmlns:a16="http://schemas.microsoft.com/office/drawing/2014/main" id="{0D5DF051-45CE-4540-81C9-F533A2D7B057}"/>
+              </a:ext>
+            </a:extLst>
+          </p:cNvPr>
+          <p:cNvSpPr>
+            <a:spLocks noGrp="1"/>
+          </p:cNvSpPr>
+          <p:nvPr>
+            <p:ph type="title"/>
+          </p:nvPr>
+        </p:nvSpPr>
+        <p:spPr/>
+        <p:txBody>
+          <a:bodyPr/>
+          <a:lstStyle/>
+          <a:p>
+            <a:r>
+              <a:rPr lang="it-IT" dirty="0"/>
+              <a:t>Components</a:t>
+            </a:r>
+          </a:p>
+        </p:txBody>
+      </p:sp>
+      <p:sp>
+        <p:nvSpPr>
+          <p:cNvPr id="3" name="Content Placeholder 2">
+            <a:extLst>
+              <a:ext uri="{FF2B5EF4-FFF2-40B4-BE49-F238E27FC236}">
+                <a16:creationId xmlns:a16="http://schemas.microsoft.com/office/drawing/2014/main" id="{19AA6E01-ECD8-41EC-96B2-48275993D9C7}"/>
+              </a:ext>
+            </a:extLst>
+          </p:cNvPr>
+          <p:cNvSpPr>
+            <a:spLocks noGrp="1"/>
+          </p:cNvSpPr>
+          <p:nvPr>
+            <p:ph sz="half" idx="1"/>
+          </p:nvPr>
+        </p:nvSpPr>
+        <p:spPr>
+          <a:xfrm>
+            <a:off x="628650" y="1825625"/>
+            <a:ext cx="7886700" cy="4351338"/>
+          </a:xfrm>
+        </p:spPr>
+        <p:txBody>
+          <a:bodyPr>
+            <a:normAutofit lnSpcReduction="10000"/>
+          </a:bodyPr>
+          <a:lstStyle/>
+          <a:p>
+            <a:r>
+              <a:rPr lang="it-IT" dirty="0"/>
+              <a:t>Services</a:t>
+            </a:r>
+          </a:p>
+          <a:p>
+            <a:pPr lvl="1"/>
+            <a:r>
+              <a:rPr lang="it-IT" dirty="0" err="1"/>
+              <a:t>OrderService</a:t>
+            </a:r>
+            <a:r>
+              <a:rPr lang="it-IT" dirty="0"/>
+              <a:t> </a:t>
+            </a:r>
+            <a:r>
+              <a:rPr lang="it-IT" dirty="0">
+                <a:solidFill>
+                  <a:srgbClr val="00B0F0"/>
+                </a:solidFill>
+              </a:rPr>
+              <a:t>(STATELESS)</a:t>
+            </a:r>
+          </a:p>
+          <a:p>
+            <a:pPr lvl="2"/>
+            <a:r>
+              <a:rPr lang="en-US" dirty="0" err="1"/>
+              <a:t>createOrder</a:t>
+            </a:r>
+            <a:r>
+              <a:rPr lang="en-US" dirty="0"/>
+              <a:t>(</a:t>
+            </a:r>
+            <a:r>
+              <a:rPr lang="en-US" dirty="0" err="1"/>
+              <a:t>date_hour</a:t>
+            </a:r>
+            <a:r>
+              <a:rPr lang="en-US" dirty="0"/>
+              <a:t>, </a:t>
+            </a:r>
+            <a:r>
+              <a:rPr lang="en-US" dirty="0" err="1"/>
+              <a:t>total_value</a:t>
+            </a:r>
+            <a:r>
+              <a:rPr lang="en-US" dirty="0"/>
+              <a:t>, </a:t>
+            </a:r>
+            <a:r>
+              <a:rPr lang="en-US" dirty="0" err="1"/>
+              <a:t>sub_date</a:t>
+            </a:r>
+            <a:r>
+              <a:rPr lang="en-US" dirty="0"/>
+              <a:t>, </a:t>
+            </a:r>
+            <a:r>
+              <a:rPr lang="en-US" dirty="0" err="1"/>
+              <a:t>user_order</a:t>
+            </a:r>
+            <a:r>
+              <a:rPr lang="en-US" dirty="0"/>
+              <a:t>,  </a:t>
+            </a:r>
+            <a:r>
+              <a:rPr lang="en-US" dirty="0" err="1"/>
+              <a:t>servicePackage</a:t>
+            </a:r>
+            <a:r>
+              <a:rPr lang="en-US" dirty="0"/>
+              <a:t>, </a:t>
+            </a:r>
+            <a:r>
+              <a:rPr lang="en-US" dirty="0" err="1"/>
+              <a:t>optionalProductList</a:t>
+            </a:r>
+            <a:r>
+              <a:rPr lang="en-US" dirty="0"/>
+              <a:t>)</a:t>
+            </a:r>
+          </a:p>
+          <a:p>
+            <a:pPr lvl="2"/>
+            <a:r>
+              <a:rPr lang="it-IT" dirty="0" err="1"/>
+              <a:t>findByID</a:t>
+            </a:r>
+            <a:r>
+              <a:rPr lang="it-IT" dirty="0"/>
+              <a:t>(ID)</a:t>
+            </a:r>
+          </a:p>
+          <a:p>
+            <a:pPr lvl="2"/>
+            <a:r>
+              <a:rPr lang="it-IT" dirty="0" err="1"/>
+              <a:t>setStateByID</a:t>
+            </a:r>
+            <a:r>
+              <a:rPr lang="it-IT" dirty="0"/>
+              <a:t>(ID, </a:t>
+            </a:r>
+            <a:r>
+              <a:rPr lang="it-IT" dirty="0" err="1"/>
+              <a:t>stateType</a:t>
+            </a:r>
+            <a:r>
+              <a:rPr lang="it-IT" dirty="0"/>
+              <a:t>)</a:t>
+            </a:r>
+          </a:p>
+          <a:p>
+            <a:pPr lvl="2"/>
+            <a:r>
+              <a:rPr lang="en-US" dirty="0" err="1"/>
+              <a:t>createActivationSchedule</a:t>
+            </a:r>
+            <a:r>
+              <a:rPr lang="en-US" dirty="0"/>
+              <a:t>(customer, order)</a:t>
+            </a:r>
+          </a:p>
+          <a:p>
+            <a:pPr lvl="2"/>
+            <a:r>
+              <a:rPr lang="it-IT" dirty="0" err="1"/>
+              <a:t>findRejectedOrdersByUser</a:t>
+            </a:r>
+            <a:r>
+              <a:rPr lang="it-IT" dirty="0"/>
+              <a:t>(username)</a:t>
+            </a:r>
+          </a:p>
+          <a:p>
+            <a:pPr lvl="1"/>
+            <a:r>
+              <a:rPr lang="it-IT" dirty="0" err="1"/>
+              <a:t>PackageService</a:t>
+            </a:r>
+            <a:r>
+              <a:rPr lang="it-IT" dirty="0"/>
+              <a:t> </a:t>
+            </a:r>
+            <a:r>
+              <a:rPr lang="it-IT" dirty="0">
+                <a:solidFill>
+                  <a:srgbClr val="00B0F0"/>
+                </a:solidFill>
+              </a:rPr>
+              <a:t>(STATELESS)</a:t>
+            </a:r>
+          </a:p>
+          <a:p>
+            <a:pPr lvl="2"/>
+            <a:r>
+              <a:rPr lang="it-IT" dirty="0" err="1"/>
+              <a:t>findAllServicePackage</a:t>
+            </a:r>
+            <a:r>
+              <a:rPr lang="it-IT" dirty="0"/>
+              <a:t>()</a:t>
+            </a:r>
+          </a:p>
+          <a:p>
+            <a:pPr lvl="2"/>
+            <a:r>
+              <a:rPr lang="it-IT" dirty="0" err="1"/>
+              <a:t>findByID</a:t>
+            </a:r>
+            <a:r>
+              <a:rPr lang="it-IT" dirty="0"/>
+              <a:t>(ID)</a:t>
+            </a:r>
+          </a:p>
+          <a:p>
+            <a:pPr lvl="2"/>
+            <a:r>
+              <a:rPr lang="en-US" dirty="0" err="1"/>
+              <a:t>createServicePackage</a:t>
+            </a:r>
+            <a:r>
+              <a:rPr lang="en-US" dirty="0"/>
+              <a:t>(name, </a:t>
+            </a:r>
+            <a:r>
+              <a:rPr lang="en-US" dirty="0" err="1"/>
+              <a:t>validityPeriod</a:t>
+            </a:r>
+            <a:r>
+              <a:rPr lang="en-US" dirty="0"/>
+              <a:t>, </a:t>
+            </a:r>
+            <a:r>
+              <a:rPr lang="en-US" dirty="0" err="1"/>
+              <a:t>monthlyFee</a:t>
+            </a:r>
+            <a:r>
+              <a:rPr lang="en-US" dirty="0"/>
+              <a:t>, services, </a:t>
+            </a:r>
+            <a:r>
+              <a:rPr lang="en-US" dirty="0" err="1"/>
+              <a:t>optionalProducts</a:t>
+            </a:r>
+            <a:r>
+              <a:rPr lang="en-US" dirty="0"/>
+              <a:t>)</a:t>
+            </a:r>
+          </a:p>
+          <a:p>
+            <a:pPr lvl="2"/>
+            <a:endParaRPr lang="it-IT" dirty="0"/>
+          </a:p>
+        </p:txBody>
+      </p:sp>
+    </p:spTree>
+    <p:extLst>
+      <p:ext uri="{BB962C8B-B14F-4D97-AF65-F5344CB8AC3E}">
+        <p14:creationId xmlns:p14="http://schemas.microsoft.com/office/powerpoint/2010/main" val="1027257758"/>
+      </p:ext>
+    </p:extLst>
+  </p:cSld>
+  <p:clrMapOvr>
+    <a:masterClrMapping/>
+  </p:clrMapOvr>
+</p:sld>
+</file>
+
+<file path=ppt/slides/slide73.xml><?xml version="1.0" encoding="utf-8"?>
+<p:sld xmlns:a="http://schemas.openxmlformats.org/drawingml/2006/main" xmlns:r="http://schemas.openxmlformats.org/officeDocument/2006/relationships" xmlns:p="http://schemas.openxmlformats.org/presentationml/2006/main">
+  <p:cSld>
+    <p:spTree>
+      <p:nvGrpSpPr>
+        <p:cNvPr id="1" name=""/>
+        <p:cNvGrpSpPr/>
+        <p:nvPr/>
+      </p:nvGrpSpPr>
+      <p:grpSpPr>
+        <a:xfrm>
+          <a:off x="0" y="0"/>
+          <a:ext cx="0" cy="0"/>
+          <a:chOff x="0" y="0"/>
+          <a:chExt cx="0" cy="0"/>
+        </a:xfrm>
+      </p:grpSpPr>
+      <p:sp>
+        <p:nvSpPr>
+          <p:cNvPr id="2" name="Title 1">
+            <a:extLst>
+              <a:ext uri="{FF2B5EF4-FFF2-40B4-BE49-F238E27FC236}">
+                <a16:creationId xmlns:a16="http://schemas.microsoft.com/office/drawing/2014/main" id="{75159BF4-73A7-4AE1-99BB-4196217B5A50}"/>
+              </a:ext>
+            </a:extLst>
+          </p:cNvPr>
+          <p:cNvSpPr>
+            <a:spLocks noGrp="1"/>
+          </p:cNvSpPr>
+          <p:nvPr>
+            <p:ph type="title"/>
+          </p:nvPr>
+        </p:nvSpPr>
+        <p:spPr/>
+        <p:txBody>
+          <a:bodyPr/>
+          <a:lstStyle/>
+          <a:p>
+            <a:r>
+              <a:rPr lang="it-IT" dirty="0"/>
+              <a:t>Components</a:t>
+            </a:r>
+          </a:p>
+        </p:txBody>
+      </p:sp>
+      <p:sp>
+        <p:nvSpPr>
+          <p:cNvPr id="3" name="Content Placeholder 2">
+            <a:extLst>
+              <a:ext uri="{FF2B5EF4-FFF2-40B4-BE49-F238E27FC236}">
+                <a16:creationId xmlns:a16="http://schemas.microsoft.com/office/drawing/2014/main" id="{7BFB5130-53FD-4B31-8D64-5C65D880337A}"/>
+              </a:ext>
+            </a:extLst>
+          </p:cNvPr>
+          <p:cNvSpPr>
+            <a:spLocks noGrp="1"/>
+          </p:cNvSpPr>
+          <p:nvPr>
+            <p:ph sz="half" idx="1"/>
+          </p:nvPr>
+        </p:nvSpPr>
+        <p:spPr>
+          <a:xfrm>
+            <a:off x="628650" y="1975036"/>
+            <a:ext cx="7886700" cy="4351338"/>
+          </a:xfrm>
+        </p:spPr>
+        <p:txBody>
+          <a:bodyPr/>
+          <a:lstStyle/>
+          <a:p>
+            <a:r>
+              <a:rPr lang="it-IT" dirty="0" err="1"/>
+              <a:t>SalesReportService</a:t>
+            </a:r>
+            <a:r>
+              <a:rPr lang="it-IT" dirty="0"/>
+              <a:t> </a:t>
+            </a:r>
+            <a:r>
+              <a:rPr lang="it-IT" dirty="0">
+                <a:solidFill>
+                  <a:srgbClr val="00B0F0"/>
+                </a:solidFill>
+              </a:rPr>
+              <a:t>(STATELESS)</a:t>
+            </a:r>
+          </a:p>
+          <a:p>
+            <a:pPr lvl="1"/>
+            <a:r>
+              <a:rPr lang="it-IT" dirty="0" err="1"/>
+              <a:t>findAllAlerts</a:t>
+            </a:r>
+            <a:r>
+              <a:rPr lang="it-IT" dirty="0"/>
+              <a:t>()</a:t>
+            </a:r>
+          </a:p>
+          <a:p>
+            <a:pPr lvl="1"/>
+            <a:r>
+              <a:rPr lang="it-IT" dirty="0" err="1"/>
+              <a:t>findAllRejectedOrders</a:t>
+            </a:r>
+            <a:r>
+              <a:rPr lang="it-IT" dirty="0"/>
+              <a:t>()</a:t>
+            </a:r>
+          </a:p>
+          <a:p>
+            <a:pPr lvl="1"/>
+            <a:r>
+              <a:rPr lang="it-IT" dirty="0" err="1"/>
+              <a:t>findInsolventCustomers</a:t>
+            </a:r>
+            <a:r>
+              <a:rPr lang="it-IT" dirty="0"/>
+              <a:t>()</a:t>
+            </a:r>
+          </a:p>
+          <a:p>
+            <a:pPr lvl="1"/>
+            <a:r>
+              <a:rPr lang="it-IT" dirty="0" err="1"/>
+              <a:t>retrieveAllAverage</a:t>
+            </a:r>
+            <a:r>
+              <a:rPr lang="it-IT" dirty="0"/>
+              <a:t>()</a:t>
+            </a:r>
+          </a:p>
+          <a:p>
+            <a:pPr lvl="1"/>
+            <a:r>
+              <a:rPr lang="it-IT" dirty="0" err="1"/>
+              <a:t>retrieveAllTotalPurchasesPerPackage</a:t>
+            </a:r>
+            <a:r>
+              <a:rPr lang="it-IT" dirty="0"/>
+              <a:t>()</a:t>
+            </a:r>
+          </a:p>
+          <a:p>
+            <a:pPr lvl="1"/>
+            <a:r>
+              <a:rPr lang="it-IT" dirty="0" err="1"/>
+              <a:t>retrieveAllTotalPurchasesValidityPeriod</a:t>
+            </a:r>
+            <a:r>
+              <a:rPr lang="it-IT" dirty="0"/>
+              <a:t>()</a:t>
+            </a:r>
+          </a:p>
+          <a:p>
+            <a:pPr lvl="1"/>
+            <a:r>
+              <a:rPr lang="it-IT" dirty="0" err="1"/>
+              <a:t>retrieveAllTotalValueOfSales</a:t>
+            </a:r>
+            <a:r>
+              <a:rPr lang="it-IT" dirty="0"/>
+              <a:t>()</a:t>
+            </a:r>
+          </a:p>
+          <a:p>
+            <a:pPr lvl="1"/>
+            <a:r>
+              <a:rPr lang="it-IT" dirty="0" err="1"/>
+              <a:t>retrieveBestSellerOptProduct</a:t>
+            </a:r>
+            <a:r>
+              <a:rPr lang="it-IT" dirty="0"/>
+              <a:t>()</a:t>
+            </a:r>
+          </a:p>
+        </p:txBody>
+      </p:sp>
+    </p:spTree>
+    <p:extLst>
+      <p:ext uri="{BB962C8B-B14F-4D97-AF65-F5344CB8AC3E}">
+        <p14:creationId xmlns:p14="http://schemas.microsoft.com/office/powerpoint/2010/main" val="1554724061"/>
+      </p:ext>
+    </p:extLst>
+  </p:cSld>
+  <p:clrMapOvr>
+    <a:masterClrMapping/>
+  </p:clrMapOvr>
+</p:sld>
+</file>
+
+<file path=ppt/slides/slide74.xml><?xml version="1.0" encoding="utf-8"?>
+<p:sld xmlns:a="http://schemas.openxmlformats.org/drawingml/2006/main" xmlns:r="http://schemas.openxmlformats.org/officeDocument/2006/relationships" xmlns:p="http://schemas.openxmlformats.org/presentationml/2006/main">
+  <p:cSld>
+    <p:spTree>
+      <p:nvGrpSpPr>
+        <p:cNvPr id="1" name=""/>
+        <p:cNvGrpSpPr/>
+        <p:nvPr/>
+      </p:nvGrpSpPr>
+      <p:grpSpPr>
+        <a:xfrm>
+          <a:off x="0" y="0"/>
+          <a:ext cx="0" cy="0"/>
+          <a:chOff x="0" y="0"/>
+          <a:chExt cx="0" cy="0"/>
+        </a:xfrm>
+      </p:grpSpPr>
+      <p:sp>
+        <p:nvSpPr>
+          <p:cNvPr id="2" name="Title 1"/>
+          <p:cNvSpPr>
+            <a:spLocks noGrp="1"/>
+          </p:cNvSpPr>
+          <p:nvPr>
+            <p:ph type="title"/>
+          </p:nvPr>
+        </p:nvSpPr>
+        <p:spPr/>
+        <p:txBody>
+          <a:bodyPr/>
+          <a:lstStyle/>
+          <a:p>
+            <a:r>
+              <a:rPr lang="it-IT" dirty="0"/>
+              <a:t>Motivations of the components design</a:t>
+            </a:r>
+            <a:r>
+              <a:rPr lang="en-GB" dirty="0"/>
+              <a:t> </a:t>
+            </a:r>
+          </a:p>
+        </p:txBody>
+      </p:sp>
+      <p:sp>
+        <p:nvSpPr>
+          <p:cNvPr id="4" name="Content Placeholder 3"/>
+          <p:cNvSpPr>
+            <a:spLocks noGrp="1"/>
+          </p:cNvSpPr>
+          <p:nvPr>
+            <p:ph sz="half" idx="1"/>
+          </p:nvPr>
+        </p:nvSpPr>
+        <p:spPr>
+          <a:xfrm>
+            <a:off x="628650" y="1825625"/>
+            <a:ext cx="7539990" cy="4351338"/>
+          </a:xfrm>
+        </p:spPr>
+        <p:txBody>
+          <a:bodyPr>
+            <a:normAutofit/>
+          </a:bodyPr>
+          <a:lstStyle/>
+          <a:p>
+            <a:pPr marL="0" indent="0">
+              <a:buNone/>
+            </a:pPr>
+            <a:r>
+              <a:rPr lang="en-GB" sz="2000" dirty="0"/>
+              <a:t>In order to keep track of a suspended order (e.g. when customer needs to log in to confirm the order) we create an </a:t>
+            </a:r>
+            <a:r>
+              <a:rPr lang="en-GB" sz="2000" dirty="0" err="1"/>
+              <a:t>UnconfirmedOrder</a:t>
+            </a:r>
+            <a:r>
+              <a:rPr lang="en-GB" sz="2000" dirty="0"/>
+              <a:t> object, containing all the data of the order, and we save it in the </a:t>
+            </a:r>
+            <a:r>
+              <a:rPr lang="en-GB" sz="2000" dirty="0" err="1"/>
+              <a:t>HttpSession</a:t>
+            </a:r>
+            <a:r>
+              <a:rPr lang="en-GB" sz="2000" dirty="0"/>
+              <a:t>, instead of saving it into the database. </a:t>
+            </a:r>
+          </a:p>
+          <a:p>
+            <a:pPr marL="0" indent="0">
+              <a:buNone/>
+            </a:pPr>
+            <a:r>
+              <a:rPr lang="en-GB" sz="2000" dirty="0"/>
+              <a:t>This approach allowed us to:</a:t>
+            </a:r>
+          </a:p>
+          <a:p>
+            <a:pPr marL="457200" indent="-457200">
+              <a:buAutoNum type="arabicPeriod"/>
+            </a:pPr>
+            <a:r>
+              <a:rPr lang="en-GB" sz="2000" dirty="0"/>
+              <a:t>Avoid a useless connection with the database (better performances)</a:t>
+            </a:r>
+          </a:p>
+          <a:p>
+            <a:pPr marL="457200" indent="-457200">
+              <a:buAutoNum type="arabicPeriod"/>
+            </a:pPr>
+            <a:r>
+              <a:rPr lang="en-GB" sz="2000" dirty="0"/>
+              <a:t>When the customer leaves the application, the unconfirmed order is lost (as expected)</a:t>
+            </a:r>
+          </a:p>
+          <a:p>
+            <a:pPr marL="457200" indent="-457200">
+              <a:buAutoNum type="arabicPeriod"/>
+            </a:pPr>
+            <a:r>
+              <a:rPr lang="en-GB" sz="2000" dirty="0"/>
+              <a:t>Easily retrieve the unconfirmed order when the customer logs in and goes directly to the confirmation page.</a:t>
+            </a:r>
+          </a:p>
+        </p:txBody>
+      </p:sp>
+    </p:spTree>
+    <p:extLst>
+      <p:ext uri="{BB962C8B-B14F-4D97-AF65-F5344CB8AC3E}">
+        <p14:creationId xmlns:p14="http://schemas.microsoft.com/office/powerpoint/2010/main" val="3603114901"/>
       </p:ext>
     </p:extLst>
   </p:cSld>
